--- a/graphics/Graphics.pptx
+++ b/graphics/Graphics.pptx
@@ -8,6 +8,10 @@
     <p:sldId id="256" r:id="rId2"/>
     <p:sldId id="258" r:id="rId3"/>
     <p:sldId id="257" r:id="rId4"/>
+    <p:sldId id="260" r:id="rId5"/>
+    <p:sldId id="261" r:id="rId6"/>
+    <p:sldId id="263" r:id="rId7"/>
+    <p:sldId id="262" r:id="rId8"/>
   </p:sldIdLst>
   <p:sldSz cx="6858000" cy="9906000" type="A4"/>
   <p:notesSz cx="6858000" cy="9144000"/>
@@ -109,7 +113,7 @@
   <p:extLst>
     <p:ext uri="{EFAFB233-063F-42B5-8137-9DF3F51BA10A}">
       <p15:sldGuideLst xmlns:p15="http://schemas.microsoft.com/office/powerpoint/2012/main">
-        <p15:guide id="1" orient="horz" pos="3097" userDrawn="1">
+        <p15:guide id="1" orient="horz" pos="3120" userDrawn="1">
           <p15:clr>
             <a:srgbClr val="A4A3A4"/>
           </p15:clr>
@@ -256,7 +260,7 @@
           <a:p>
             <a:fld id="{84CBB076-2C69-DC49-A9FF-99213B15956D}" type="datetimeFigureOut">
               <a:rPr lang="en-AU" smtClean="0"/>
-              <a:t>12/11/22</a:t>
+              <a:t>23/11/22</a:t>
             </a:fld>
             <a:endParaRPr lang="en-AU"/>
           </a:p>
@@ -426,7 +430,7 @@
           <a:p>
             <a:fld id="{84CBB076-2C69-DC49-A9FF-99213B15956D}" type="datetimeFigureOut">
               <a:rPr lang="en-AU" smtClean="0"/>
-              <a:t>12/11/22</a:t>
+              <a:t>23/11/22</a:t>
             </a:fld>
             <a:endParaRPr lang="en-AU"/>
           </a:p>
@@ -606,7 +610,7 @@
           <a:p>
             <a:fld id="{84CBB076-2C69-DC49-A9FF-99213B15956D}" type="datetimeFigureOut">
               <a:rPr lang="en-AU" smtClean="0"/>
-              <a:t>12/11/22</a:t>
+              <a:t>23/11/22</a:t>
             </a:fld>
             <a:endParaRPr lang="en-AU"/>
           </a:p>
@@ -776,7 +780,7 @@
           <a:p>
             <a:fld id="{84CBB076-2C69-DC49-A9FF-99213B15956D}" type="datetimeFigureOut">
               <a:rPr lang="en-AU" smtClean="0"/>
-              <a:t>12/11/22</a:t>
+              <a:t>23/11/22</a:t>
             </a:fld>
             <a:endParaRPr lang="en-AU"/>
           </a:p>
@@ -1020,7 +1024,7 @@
           <a:p>
             <a:fld id="{84CBB076-2C69-DC49-A9FF-99213B15956D}" type="datetimeFigureOut">
               <a:rPr lang="en-AU" smtClean="0"/>
-              <a:t>12/11/22</a:t>
+              <a:t>23/11/22</a:t>
             </a:fld>
             <a:endParaRPr lang="en-AU"/>
           </a:p>
@@ -1252,7 +1256,7 @@
           <a:p>
             <a:fld id="{84CBB076-2C69-DC49-A9FF-99213B15956D}" type="datetimeFigureOut">
               <a:rPr lang="en-AU" smtClean="0"/>
-              <a:t>12/11/22</a:t>
+              <a:t>23/11/22</a:t>
             </a:fld>
             <a:endParaRPr lang="en-AU"/>
           </a:p>
@@ -1619,7 +1623,7 @@
           <a:p>
             <a:fld id="{84CBB076-2C69-DC49-A9FF-99213B15956D}" type="datetimeFigureOut">
               <a:rPr lang="en-AU" smtClean="0"/>
-              <a:t>12/11/22</a:t>
+              <a:t>23/11/22</a:t>
             </a:fld>
             <a:endParaRPr lang="en-AU"/>
           </a:p>
@@ -1737,7 +1741,7 @@
           <a:p>
             <a:fld id="{84CBB076-2C69-DC49-A9FF-99213B15956D}" type="datetimeFigureOut">
               <a:rPr lang="en-AU" smtClean="0"/>
-              <a:t>12/11/22</a:t>
+              <a:t>23/11/22</a:t>
             </a:fld>
             <a:endParaRPr lang="en-AU"/>
           </a:p>
@@ -1832,7 +1836,7 @@
           <a:p>
             <a:fld id="{84CBB076-2C69-DC49-A9FF-99213B15956D}" type="datetimeFigureOut">
               <a:rPr lang="en-AU" smtClean="0"/>
-              <a:t>12/11/22</a:t>
+              <a:t>23/11/22</a:t>
             </a:fld>
             <a:endParaRPr lang="en-AU"/>
           </a:p>
@@ -2109,7 +2113,7 @@
           <a:p>
             <a:fld id="{84CBB076-2C69-DC49-A9FF-99213B15956D}" type="datetimeFigureOut">
               <a:rPr lang="en-AU" smtClean="0"/>
-              <a:t>12/11/22</a:t>
+              <a:t>23/11/22</a:t>
             </a:fld>
             <a:endParaRPr lang="en-AU"/>
           </a:p>
@@ -2366,7 +2370,7 @@
           <a:p>
             <a:fld id="{84CBB076-2C69-DC49-A9FF-99213B15956D}" type="datetimeFigureOut">
               <a:rPr lang="en-AU" smtClean="0"/>
-              <a:t>12/11/22</a:t>
+              <a:t>23/11/22</a:t>
             </a:fld>
             <a:endParaRPr lang="en-AU"/>
           </a:p>
@@ -2579,7 +2583,7 @@
           <a:p>
             <a:fld id="{84CBB076-2C69-DC49-A9FF-99213B15956D}" type="datetimeFigureOut">
               <a:rPr lang="en-AU" smtClean="0"/>
-              <a:t>12/11/22</a:t>
+              <a:t>23/11/22</a:t>
             </a:fld>
             <a:endParaRPr lang="en-AU"/>
           </a:p>
@@ -2986,60 +2990,6 @@
       </p:grpSpPr>
       <p:sp>
         <p:nvSpPr>
-          <p:cNvPr id="4" name="Rounded Rectangle 3">
-            <a:extLst>
-              <a:ext uri="{FF2B5EF4-FFF2-40B4-BE49-F238E27FC236}">
-                <a16:creationId xmlns:a16="http://schemas.microsoft.com/office/drawing/2014/main" id="{70652F4E-8EA6-2C4D-A4F0-52433013FDED}"/>
-              </a:ext>
-            </a:extLst>
-          </p:cNvPr>
-          <p:cNvSpPr>
-            <a:spLocks noChangeAspect="1"/>
-          </p:cNvSpPr>
-          <p:nvPr/>
-        </p:nvSpPr>
-        <p:spPr>
-          <a:xfrm>
-            <a:off x="1953463" y="2114322"/>
-            <a:ext cx="3240000" cy="5604325"/>
-          </a:xfrm>
-          <a:prstGeom prst="roundRect">
-            <a:avLst/>
-          </a:prstGeom>
-          <a:noFill/>
-          <a:ln w="38100">
-            <a:solidFill>
-              <a:schemeClr val="tx1"/>
-            </a:solidFill>
-          </a:ln>
-        </p:spPr>
-        <p:style>
-          <a:lnRef idx="2">
-            <a:schemeClr val="accent1">
-              <a:shade val="50000"/>
-            </a:schemeClr>
-          </a:lnRef>
-          <a:fillRef idx="1">
-            <a:schemeClr val="accent1"/>
-          </a:fillRef>
-          <a:effectRef idx="0">
-            <a:schemeClr val="accent1"/>
-          </a:effectRef>
-          <a:fontRef idx="minor">
-            <a:schemeClr val="lt1"/>
-          </a:fontRef>
-        </p:style>
-        <p:txBody>
-          <a:bodyPr rtlCol="0" anchor="ctr"/>
-          <a:lstStyle/>
-          <a:p>
-            <a:pPr algn="ctr"/>
-            <a:endParaRPr lang="en-AU"/>
-          </a:p>
-        </p:txBody>
-      </p:sp>
-      <p:sp>
-        <p:nvSpPr>
           <p:cNvPr id="5" name="Rounded Rectangle 4">
             <a:extLst>
               <a:ext uri="{FF2B5EF4-FFF2-40B4-BE49-F238E27FC236}">
@@ -3207,27 +3157,193 @@
           </a:p>
         </p:txBody>
       </p:sp>
-      <p:sp>
-        <p:nvSpPr>
-          <p:cNvPr id="12" name="Multiply 11">
-            <a:extLst>
-              <a:ext uri="{FF2B5EF4-FFF2-40B4-BE49-F238E27FC236}">
-                <a16:creationId xmlns:a16="http://schemas.microsoft.com/office/drawing/2014/main" id="{782966C4-8BAB-EC4A-B3CC-ECB9FD404B1E}"/>
-              </a:ext>
-            </a:extLst>
-          </p:cNvPr>
-          <p:cNvSpPr/>
-          <p:nvPr/>
-        </p:nvSpPr>
-        <p:spPr>
-          <a:xfrm>
-            <a:off x="3198571" y="5737186"/>
-            <a:ext cx="767443" cy="849086"/>
-          </a:xfrm>
-          <a:prstGeom prst="mathMultiply">
-            <a:avLst/>
-          </a:prstGeom>
-          <a:noFill/>
+      <p:cxnSp>
+        <p:nvCxnSpPr>
+          <p:cNvPr id="34" name="Straight Connector 33">
+            <a:extLst>
+              <a:ext uri="{FF2B5EF4-FFF2-40B4-BE49-F238E27FC236}">
+                <a16:creationId xmlns:a16="http://schemas.microsoft.com/office/drawing/2014/main" id="{CFEB7196-05DE-A845-80F2-B9EE56BDAA01}"/>
+              </a:ext>
+            </a:extLst>
+          </p:cNvPr>
+          <p:cNvCxnSpPr>
+            <a:cxnSpLocks/>
+          </p:cNvCxnSpPr>
+          <p:nvPr/>
+        </p:nvCxnSpPr>
+        <p:spPr>
+          <a:xfrm>
+            <a:off x="4621711" y="898692"/>
+            <a:ext cx="0" cy="839561"/>
+          </a:xfrm>
+          <a:prstGeom prst="line">
+            <a:avLst/>
+          </a:prstGeom>
+          <a:ln w="60325">
+            <a:headEnd type="stealth" w="lg" len="lg"/>
+          </a:ln>
+        </p:spPr>
+        <p:style>
+          <a:lnRef idx="1">
+            <a:schemeClr val="accent1"/>
+          </a:lnRef>
+          <a:fillRef idx="0">
+            <a:schemeClr val="accent1"/>
+          </a:fillRef>
+          <a:effectRef idx="0">
+            <a:schemeClr val="accent1"/>
+          </a:effectRef>
+          <a:fontRef idx="minor">
+            <a:schemeClr val="tx1"/>
+          </a:fontRef>
+        </p:style>
+      </p:cxnSp>
+      <p:sp>
+        <p:nvSpPr>
+          <p:cNvPr id="36" name="TextBox 35">
+            <a:extLst>
+              <a:ext uri="{FF2B5EF4-FFF2-40B4-BE49-F238E27FC236}">
+                <a16:creationId xmlns:a16="http://schemas.microsoft.com/office/drawing/2014/main" id="{32C50CE3-A69D-6F4E-A643-993506529BBA}"/>
+              </a:ext>
+            </a:extLst>
+          </p:cNvPr>
+          <p:cNvSpPr txBox="1"/>
+          <p:nvPr/>
+        </p:nvSpPr>
+        <p:spPr>
+          <a:xfrm>
+            <a:off x="4212964" y="529360"/>
+            <a:ext cx="961755" cy="369332"/>
+          </a:xfrm>
+          <a:prstGeom prst="rect">
+            <a:avLst/>
+          </a:prstGeom>
+          <a:noFill/>
+        </p:spPr>
+        <p:txBody>
+          <a:bodyPr wrap="square" rtlCol="0">
+            <a:spAutoFit/>
+          </a:bodyPr>
+          <a:lstStyle/>
+          <a:p>
+            <a:r>
+              <a:rPr lang="en-AU" dirty="0">
+                <a:solidFill>
+                  <a:srgbClr val="0070C0"/>
+                </a:solidFill>
+              </a:rPr>
+              <a:t>Upfield</a:t>
+            </a:r>
+          </a:p>
+        </p:txBody>
+      </p:sp>
+      <p:cxnSp>
+        <p:nvCxnSpPr>
+          <p:cNvPr id="37" name="Straight Connector 36">
+            <a:extLst>
+              <a:ext uri="{FF2B5EF4-FFF2-40B4-BE49-F238E27FC236}">
+                <a16:creationId xmlns:a16="http://schemas.microsoft.com/office/drawing/2014/main" id="{99FE3948-AFB4-994E-AF09-567D29BBC0CD}"/>
+              </a:ext>
+            </a:extLst>
+          </p:cNvPr>
+          <p:cNvCxnSpPr>
+            <a:cxnSpLocks/>
+          </p:cNvCxnSpPr>
+          <p:nvPr/>
+        </p:nvCxnSpPr>
+        <p:spPr>
+          <a:xfrm flipV="1">
+            <a:off x="4541070" y="8018081"/>
+            <a:ext cx="0" cy="938269"/>
+          </a:xfrm>
+          <a:prstGeom prst="line">
+            <a:avLst/>
+          </a:prstGeom>
+          <a:ln w="60325">
+            <a:solidFill>
+              <a:schemeClr val="tx1"/>
+            </a:solidFill>
+            <a:headEnd type="stealth" w="lg" len="lg"/>
+          </a:ln>
+        </p:spPr>
+        <p:style>
+          <a:lnRef idx="1">
+            <a:schemeClr val="accent1"/>
+          </a:lnRef>
+          <a:fillRef idx="0">
+            <a:schemeClr val="accent1"/>
+          </a:fillRef>
+          <a:effectRef idx="0">
+            <a:schemeClr val="accent1"/>
+          </a:effectRef>
+          <a:fontRef idx="minor">
+            <a:schemeClr val="tx1"/>
+          </a:fontRef>
+        </p:style>
+      </p:cxnSp>
+      <p:sp>
+        <p:nvSpPr>
+          <p:cNvPr id="39" name="TextBox 38">
+            <a:extLst>
+              <a:ext uri="{FF2B5EF4-FFF2-40B4-BE49-F238E27FC236}">
+                <a16:creationId xmlns:a16="http://schemas.microsoft.com/office/drawing/2014/main" id="{FF9BF959-7663-4E43-82B8-A6B62D0EE304}"/>
+              </a:ext>
+            </a:extLst>
+          </p:cNvPr>
+          <p:cNvSpPr txBox="1"/>
+          <p:nvPr/>
+        </p:nvSpPr>
+        <p:spPr>
+          <a:xfrm>
+            <a:off x="3980994" y="8937881"/>
+            <a:ext cx="1210561" cy="369332"/>
+          </a:xfrm>
+          <a:prstGeom prst="rect">
+            <a:avLst/>
+          </a:prstGeom>
+          <a:noFill/>
+        </p:spPr>
+        <p:txBody>
+          <a:bodyPr wrap="square" rtlCol="0">
+            <a:spAutoFit/>
+          </a:bodyPr>
+          <a:lstStyle/>
+          <a:p>
+            <a:r>
+              <a:rPr lang="en-AU" dirty="0"/>
+              <a:t>Downfield</a:t>
+            </a:r>
+          </a:p>
+        </p:txBody>
+      </p:sp>
+      <p:sp>
+        <p:nvSpPr>
+          <p:cNvPr id="30" name="Rounded Rectangle 29">
+            <a:extLst>
+              <a:ext uri="{FF2B5EF4-FFF2-40B4-BE49-F238E27FC236}">
+                <a16:creationId xmlns:a16="http://schemas.microsoft.com/office/drawing/2014/main" id="{B8A86484-2904-4E46-B5B4-7651A5C626E4}"/>
+              </a:ext>
+            </a:extLst>
+          </p:cNvPr>
+          <p:cNvSpPr>
+            <a:spLocks noChangeAspect="1"/>
+          </p:cNvSpPr>
+          <p:nvPr/>
+        </p:nvSpPr>
+        <p:spPr>
+          <a:xfrm>
+            <a:off x="1955619" y="2096962"/>
+            <a:ext cx="3240000" cy="5604325"/>
+          </a:xfrm>
+          <a:prstGeom prst="roundRect">
+            <a:avLst/>
+          </a:prstGeom>
+          <a:noFill/>
+          <a:ln w="38100">
+            <a:solidFill>
+              <a:schemeClr val="tx1"/>
+            </a:solidFill>
+          </a:ln>
         </p:spPr>
         <p:style>
           <a:lnRef idx="2">
@@ -3256,10 +3372,10 @@
       </p:sp>
       <p:sp>
         <p:nvSpPr>
-          <p:cNvPr id="13" name="Multiply 12">
-            <a:extLst>
-              <a:ext uri="{FF2B5EF4-FFF2-40B4-BE49-F238E27FC236}">
-                <a16:creationId xmlns:a16="http://schemas.microsoft.com/office/drawing/2014/main" id="{711FF500-E426-0D44-916C-B24A7A610DF5}"/>
+          <p:cNvPr id="31" name="Multiply 30">
+            <a:extLst>
+              <a:ext uri="{FF2B5EF4-FFF2-40B4-BE49-F238E27FC236}">
+                <a16:creationId xmlns:a16="http://schemas.microsoft.com/office/drawing/2014/main" id="{5E280636-5677-E24B-9170-B5E74AF6F10D}"/>
               </a:ext>
             </a:extLst>
           </p:cNvPr>
@@ -3268,7 +3384,7 @@
         </p:nvSpPr>
         <p:spPr>
           <a:xfrm>
-            <a:off x="3192236" y="3246701"/>
+            <a:off x="3200727" y="5719826"/>
             <a:ext cx="767443" cy="849086"/>
           </a:xfrm>
           <a:prstGeom prst="mathMultiply">
@@ -3303,19 +3419,66 @@
       </p:sp>
       <p:sp>
         <p:nvSpPr>
-          <p:cNvPr id="14" name="TextBox 13">
-            <a:extLst>
-              <a:ext uri="{FF2B5EF4-FFF2-40B4-BE49-F238E27FC236}">
-                <a16:creationId xmlns:a16="http://schemas.microsoft.com/office/drawing/2014/main" id="{CC9FDAD2-F231-6B43-92F7-C2C2863676C2}"/>
-              </a:ext>
-            </a:extLst>
-          </p:cNvPr>
-          <p:cNvSpPr txBox="1"/>
-          <p:nvPr/>
-        </p:nvSpPr>
-        <p:spPr>
-          <a:xfrm>
-            <a:off x="3959679" y="4547156"/>
+          <p:cNvPr id="32" name="Multiply 31">
+            <a:extLst>
+              <a:ext uri="{FF2B5EF4-FFF2-40B4-BE49-F238E27FC236}">
+                <a16:creationId xmlns:a16="http://schemas.microsoft.com/office/drawing/2014/main" id="{F64121CE-0A72-C743-B147-31433D640BE0}"/>
+              </a:ext>
+            </a:extLst>
+          </p:cNvPr>
+          <p:cNvSpPr/>
+          <p:nvPr/>
+        </p:nvSpPr>
+        <p:spPr>
+          <a:xfrm>
+            <a:off x="3194392" y="3229341"/>
+            <a:ext cx="767443" cy="849086"/>
+          </a:xfrm>
+          <a:prstGeom prst="mathMultiply">
+            <a:avLst/>
+          </a:prstGeom>
+          <a:noFill/>
+        </p:spPr>
+        <p:style>
+          <a:lnRef idx="2">
+            <a:schemeClr val="accent1">
+              <a:shade val="50000"/>
+            </a:schemeClr>
+          </a:lnRef>
+          <a:fillRef idx="1">
+            <a:schemeClr val="accent1"/>
+          </a:fillRef>
+          <a:effectRef idx="0">
+            <a:schemeClr val="accent1"/>
+          </a:effectRef>
+          <a:fontRef idx="minor">
+            <a:schemeClr val="lt1"/>
+          </a:fontRef>
+        </p:style>
+        <p:txBody>
+          <a:bodyPr rtlCol="0" anchor="ctr"/>
+          <a:lstStyle/>
+          <a:p>
+            <a:pPr algn="ctr"/>
+            <a:endParaRPr lang="en-AU"/>
+          </a:p>
+        </p:txBody>
+      </p:sp>
+      <p:sp>
+        <p:nvSpPr>
+          <p:cNvPr id="35" name="TextBox 34">
+            <a:extLst>
+              <a:ext uri="{FF2B5EF4-FFF2-40B4-BE49-F238E27FC236}">
+                <a16:creationId xmlns:a16="http://schemas.microsoft.com/office/drawing/2014/main" id="{79DAF68E-1DAE-D641-8B9E-EC4390F7E0BB}"/>
+              </a:ext>
+            </a:extLst>
+          </p:cNvPr>
+          <p:cNvSpPr txBox="1"/>
+          <p:nvPr/>
+        </p:nvSpPr>
+        <p:spPr>
+          <a:xfrm>
+            <a:off x="3347038" y="4762366"/>
             <a:ext cx="466518" cy="369332"/>
           </a:xfrm>
           <a:prstGeom prst="rect">
@@ -3338,20 +3501,20 @@
       </p:sp>
       <p:sp>
         <p:nvSpPr>
-          <p:cNvPr id="15" name="TextBox 14">
-            <a:extLst>
-              <a:ext uri="{FF2B5EF4-FFF2-40B4-BE49-F238E27FC236}">
-                <a16:creationId xmlns:a16="http://schemas.microsoft.com/office/drawing/2014/main" id="{3986F052-18AA-4443-A26B-C88FE17F207D}"/>
-              </a:ext>
-            </a:extLst>
-          </p:cNvPr>
-          <p:cNvSpPr txBox="1"/>
-          <p:nvPr/>
-        </p:nvSpPr>
-        <p:spPr>
-          <a:xfrm>
-            <a:off x="4726945" y="4547152"/>
-            <a:ext cx="466518" cy="369332"/>
+          <p:cNvPr id="38" name="TextBox 37">
+            <a:extLst>
+              <a:ext uri="{FF2B5EF4-FFF2-40B4-BE49-F238E27FC236}">
+                <a16:creationId xmlns:a16="http://schemas.microsoft.com/office/drawing/2014/main" id="{7042CAA2-E6DA-0B42-9E72-2E15BEA3B1CC}"/>
+              </a:ext>
+            </a:extLst>
+          </p:cNvPr>
+          <p:cNvSpPr txBox="1"/>
+          <p:nvPr/>
+        </p:nvSpPr>
+        <p:spPr>
+          <a:xfrm>
+            <a:off x="3347049" y="4923167"/>
+            <a:ext cx="466495" cy="369332"/>
           </a:xfrm>
           <a:prstGeom prst="rect">
             <a:avLst/>
@@ -3373,19 +3536,19 @@
       </p:sp>
       <p:sp>
         <p:nvSpPr>
-          <p:cNvPr id="16" name="TextBox 15">
-            <a:extLst>
-              <a:ext uri="{FF2B5EF4-FFF2-40B4-BE49-F238E27FC236}">
-                <a16:creationId xmlns:a16="http://schemas.microsoft.com/office/drawing/2014/main" id="{EEF04ED5-E466-A243-9D27-7184F13C1262}"/>
-              </a:ext>
-            </a:extLst>
-          </p:cNvPr>
-          <p:cNvSpPr txBox="1"/>
-          <p:nvPr/>
-        </p:nvSpPr>
-        <p:spPr>
-          <a:xfrm>
-            <a:off x="3007517" y="4547156"/>
+          <p:cNvPr id="41" name="TextBox 40">
+            <a:extLst>
+              <a:ext uri="{FF2B5EF4-FFF2-40B4-BE49-F238E27FC236}">
+                <a16:creationId xmlns:a16="http://schemas.microsoft.com/office/drawing/2014/main" id="{6A4DBE8F-FE25-9E4C-8B3E-05DC9C007444}"/>
+              </a:ext>
+            </a:extLst>
+          </p:cNvPr>
+          <p:cNvSpPr txBox="1"/>
+          <p:nvPr/>
+        </p:nvSpPr>
+        <p:spPr>
+          <a:xfrm>
+            <a:off x="3347038" y="4602250"/>
             <a:ext cx="466518" cy="369332"/>
           </a:xfrm>
           <a:prstGeom prst="rect">
@@ -3408,19 +3571,19 @@
       </p:sp>
       <p:sp>
         <p:nvSpPr>
-          <p:cNvPr id="17" name="TextBox 16">
-            <a:extLst>
-              <a:ext uri="{FF2B5EF4-FFF2-40B4-BE49-F238E27FC236}">
-                <a16:creationId xmlns:a16="http://schemas.microsoft.com/office/drawing/2014/main" id="{7AB684D8-9879-0C4A-9489-F87A8809D064}"/>
-              </a:ext>
-            </a:extLst>
-          </p:cNvPr>
-          <p:cNvSpPr txBox="1"/>
-          <p:nvPr/>
-        </p:nvSpPr>
-        <p:spPr>
-          <a:xfrm>
-            <a:off x="2045092" y="4547152"/>
+          <p:cNvPr id="42" name="TextBox 41">
+            <a:extLst>
+              <a:ext uri="{FF2B5EF4-FFF2-40B4-BE49-F238E27FC236}">
+                <a16:creationId xmlns:a16="http://schemas.microsoft.com/office/drawing/2014/main" id="{B5F10BD1-841A-F04B-A2A2-55D0139DC377}"/>
+              </a:ext>
+            </a:extLst>
+          </p:cNvPr>
+          <p:cNvSpPr txBox="1"/>
+          <p:nvPr/>
+        </p:nvSpPr>
+        <p:spPr>
+          <a:xfrm>
+            <a:off x="3344678" y="4444437"/>
             <a:ext cx="466518" cy="369332"/>
           </a:xfrm>
           <a:prstGeom prst="rect">
@@ -3443,19 +3606,19 @@
       </p:sp>
       <p:sp>
         <p:nvSpPr>
-          <p:cNvPr id="18" name="TextBox 17">
-            <a:extLst>
-              <a:ext uri="{FF2B5EF4-FFF2-40B4-BE49-F238E27FC236}">
-                <a16:creationId xmlns:a16="http://schemas.microsoft.com/office/drawing/2014/main" id="{F387E253-DCE8-A344-84ED-5DB76FED00C0}"/>
-              </a:ext>
-            </a:extLst>
-          </p:cNvPr>
-          <p:cNvSpPr txBox="1"/>
-          <p:nvPr/>
-        </p:nvSpPr>
-        <p:spPr>
-          <a:xfrm>
-            <a:off x="4683752" y="3486578"/>
+          <p:cNvPr id="43" name="TextBox 42">
+            <a:extLst>
+              <a:ext uri="{FF2B5EF4-FFF2-40B4-BE49-F238E27FC236}">
+                <a16:creationId xmlns:a16="http://schemas.microsoft.com/office/drawing/2014/main" id="{6F20FF53-68C5-2D45-9B78-CA181B494BD5}"/>
+              </a:ext>
+            </a:extLst>
+          </p:cNvPr>
+          <p:cNvSpPr txBox="1"/>
+          <p:nvPr/>
+        </p:nvSpPr>
+        <p:spPr>
+          <a:xfrm>
+            <a:off x="3344678" y="4259771"/>
             <a:ext cx="466518" cy="369332"/>
           </a:xfrm>
           <a:prstGeom prst="rect">
@@ -3478,19 +3641,19 @@
       </p:sp>
       <p:sp>
         <p:nvSpPr>
-          <p:cNvPr id="19" name="TextBox 18">
-            <a:extLst>
-              <a:ext uri="{FF2B5EF4-FFF2-40B4-BE49-F238E27FC236}">
-                <a16:creationId xmlns:a16="http://schemas.microsoft.com/office/drawing/2014/main" id="{A2087CBC-C5DF-574A-BDD6-786E46B4A1F8}"/>
-              </a:ext>
-            </a:extLst>
-          </p:cNvPr>
-          <p:cNvSpPr txBox="1"/>
-          <p:nvPr/>
-        </p:nvSpPr>
-        <p:spPr>
-          <a:xfrm>
-            <a:off x="3349033" y="3486578"/>
+          <p:cNvPr id="44" name="TextBox 43">
+            <a:extLst>
+              <a:ext uri="{FF2B5EF4-FFF2-40B4-BE49-F238E27FC236}">
+                <a16:creationId xmlns:a16="http://schemas.microsoft.com/office/drawing/2014/main" id="{ED76DF6A-2F54-F447-8ADE-845E9CC87A6B}"/>
+              </a:ext>
+            </a:extLst>
+          </p:cNvPr>
+          <p:cNvSpPr txBox="1"/>
+          <p:nvPr/>
+        </p:nvSpPr>
+        <p:spPr>
+          <a:xfrm>
+            <a:off x="3351189" y="3469218"/>
             <a:ext cx="466518" cy="369332"/>
           </a:xfrm>
           <a:prstGeom prst="rect">
@@ -3513,19 +3676,19 @@
       </p:sp>
       <p:sp>
         <p:nvSpPr>
-          <p:cNvPr id="20" name="TextBox 19">
-            <a:extLst>
-              <a:ext uri="{FF2B5EF4-FFF2-40B4-BE49-F238E27FC236}">
-                <a16:creationId xmlns:a16="http://schemas.microsoft.com/office/drawing/2014/main" id="{3B025EB7-D319-3540-8105-6009DDC47831}"/>
-              </a:ext>
-            </a:extLst>
-          </p:cNvPr>
-          <p:cNvSpPr txBox="1"/>
-          <p:nvPr/>
-        </p:nvSpPr>
-        <p:spPr>
-          <a:xfrm>
-            <a:off x="2181852" y="2686478"/>
+          <p:cNvPr id="45" name="TextBox 44">
+            <a:extLst>
+              <a:ext uri="{FF2B5EF4-FFF2-40B4-BE49-F238E27FC236}">
+                <a16:creationId xmlns:a16="http://schemas.microsoft.com/office/drawing/2014/main" id="{2AA289A3-FFF3-9040-A161-C18FA54A9DD6}"/>
+              </a:ext>
+            </a:extLst>
+          </p:cNvPr>
+          <p:cNvSpPr txBox="1"/>
+          <p:nvPr/>
+        </p:nvSpPr>
+        <p:spPr>
+          <a:xfrm>
+            <a:off x="2184008" y="2669118"/>
             <a:ext cx="466518" cy="369332"/>
           </a:xfrm>
           <a:prstGeom prst="rect">
@@ -3548,19 +3711,19 @@
       </p:sp>
       <p:sp>
         <p:nvSpPr>
-          <p:cNvPr id="21" name="TextBox 20">
-            <a:extLst>
-              <a:ext uri="{FF2B5EF4-FFF2-40B4-BE49-F238E27FC236}">
-                <a16:creationId xmlns:a16="http://schemas.microsoft.com/office/drawing/2014/main" id="{52AF208C-DBD1-3640-80BB-BFEF6E67AA82}"/>
-              </a:ext>
-            </a:extLst>
-          </p:cNvPr>
-          <p:cNvSpPr txBox="1"/>
-          <p:nvPr/>
-        </p:nvSpPr>
-        <p:spPr>
-          <a:xfrm>
-            <a:off x="4475490" y="4804851"/>
+          <p:cNvPr id="46" name="TextBox 45">
+            <a:extLst>
+              <a:ext uri="{FF2B5EF4-FFF2-40B4-BE49-F238E27FC236}">
+                <a16:creationId xmlns:a16="http://schemas.microsoft.com/office/drawing/2014/main" id="{837A8049-6590-7D4C-92CF-A71FB0211A45}"/>
+              </a:ext>
+            </a:extLst>
+          </p:cNvPr>
+          <p:cNvSpPr txBox="1"/>
+          <p:nvPr/>
+        </p:nvSpPr>
+        <p:spPr>
+          <a:xfrm>
+            <a:off x="2995578" y="5049741"/>
             <a:ext cx="466518" cy="369332"/>
           </a:xfrm>
           <a:prstGeom prst="rect">
@@ -3587,19 +3750,19 @@
       </p:sp>
       <p:sp>
         <p:nvSpPr>
-          <p:cNvPr id="22" name="TextBox 21">
-            <a:extLst>
-              <a:ext uri="{FF2B5EF4-FFF2-40B4-BE49-F238E27FC236}">
-                <a16:creationId xmlns:a16="http://schemas.microsoft.com/office/drawing/2014/main" id="{329C0760-F363-5D42-B231-1684AA9C118C}"/>
-              </a:ext>
-            </a:extLst>
-          </p:cNvPr>
-          <p:cNvSpPr txBox="1"/>
-          <p:nvPr/>
-        </p:nvSpPr>
-        <p:spPr>
-          <a:xfrm>
-            <a:off x="3725490" y="4362489"/>
+          <p:cNvPr id="47" name="TextBox 46">
+            <a:extLst>
+              <a:ext uri="{FF2B5EF4-FFF2-40B4-BE49-F238E27FC236}">
+                <a16:creationId xmlns:a16="http://schemas.microsoft.com/office/drawing/2014/main" id="{CCF22243-6FE8-EC41-B159-942CB7F07C00}"/>
+              </a:ext>
+            </a:extLst>
+          </p:cNvPr>
+          <p:cNvSpPr txBox="1"/>
+          <p:nvPr/>
+        </p:nvSpPr>
+        <p:spPr>
+          <a:xfrm>
+            <a:off x="3025246" y="4717776"/>
             <a:ext cx="466518" cy="369332"/>
           </a:xfrm>
           <a:prstGeom prst="rect">
@@ -3626,19 +3789,19 @@
       </p:sp>
       <p:sp>
         <p:nvSpPr>
-          <p:cNvPr id="23" name="TextBox 22">
-            <a:extLst>
-              <a:ext uri="{FF2B5EF4-FFF2-40B4-BE49-F238E27FC236}">
-                <a16:creationId xmlns:a16="http://schemas.microsoft.com/office/drawing/2014/main" id="{7D0E6BA3-DC58-5548-9512-A62D90CF5E98}"/>
-              </a:ext>
-            </a:extLst>
-          </p:cNvPr>
-          <p:cNvSpPr txBox="1"/>
-          <p:nvPr/>
-        </p:nvSpPr>
-        <p:spPr>
-          <a:xfrm>
-            <a:off x="2732507" y="4345130"/>
+          <p:cNvPr id="48" name="TextBox 47">
+            <a:extLst>
+              <a:ext uri="{FF2B5EF4-FFF2-40B4-BE49-F238E27FC236}">
+                <a16:creationId xmlns:a16="http://schemas.microsoft.com/office/drawing/2014/main" id="{86C9D4C4-44D0-C944-9E8E-3B2426A48A88}"/>
+              </a:ext>
+            </a:extLst>
+          </p:cNvPr>
+          <p:cNvSpPr txBox="1"/>
+          <p:nvPr/>
+        </p:nvSpPr>
+        <p:spPr>
+          <a:xfrm>
+            <a:off x="2894191" y="4528573"/>
             <a:ext cx="616526" cy="369332"/>
           </a:xfrm>
           <a:prstGeom prst="rect">
@@ -3665,19 +3828,19 @@
       </p:sp>
       <p:sp>
         <p:nvSpPr>
-          <p:cNvPr id="24" name="TextBox 23">
-            <a:extLst>
-              <a:ext uri="{FF2B5EF4-FFF2-40B4-BE49-F238E27FC236}">
-                <a16:creationId xmlns:a16="http://schemas.microsoft.com/office/drawing/2014/main" id="{2F07E686-35A4-4245-871F-DFF71870B7E2}"/>
-              </a:ext>
-            </a:extLst>
-          </p:cNvPr>
-          <p:cNvSpPr txBox="1"/>
-          <p:nvPr/>
-        </p:nvSpPr>
-        <p:spPr>
-          <a:xfrm>
-            <a:off x="2265264" y="4714462"/>
+          <p:cNvPr id="49" name="TextBox 48">
+            <a:extLst>
+              <a:ext uri="{FF2B5EF4-FFF2-40B4-BE49-F238E27FC236}">
+                <a16:creationId xmlns:a16="http://schemas.microsoft.com/office/drawing/2014/main" id="{8BD7E8C7-8F53-ED4B-8FFE-D850DF56DB0A}"/>
+              </a:ext>
+            </a:extLst>
+          </p:cNvPr>
+          <p:cNvSpPr txBox="1"/>
+          <p:nvPr/>
+        </p:nvSpPr>
+        <p:spPr>
+          <a:xfrm>
+            <a:off x="2900982" y="4338417"/>
             <a:ext cx="616526" cy="369332"/>
           </a:xfrm>
           <a:prstGeom prst="rect">
@@ -3704,19 +3867,19 @@
       </p:sp>
       <p:sp>
         <p:nvSpPr>
-          <p:cNvPr id="25" name="TextBox 24">
-            <a:extLst>
-              <a:ext uri="{FF2B5EF4-FFF2-40B4-BE49-F238E27FC236}">
-                <a16:creationId xmlns:a16="http://schemas.microsoft.com/office/drawing/2014/main" id="{0752D762-AB6E-314A-9593-3121603F88E7}"/>
-              </a:ext>
-            </a:extLst>
-          </p:cNvPr>
-          <p:cNvSpPr txBox="1"/>
-          <p:nvPr/>
-        </p:nvSpPr>
-        <p:spPr>
-          <a:xfrm>
-            <a:off x="4346443" y="3676421"/>
+          <p:cNvPr id="50" name="TextBox 49">
+            <a:extLst>
+              <a:ext uri="{FF2B5EF4-FFF2-40B4-BE49-F238E27FC236}">
+                <a16:creationId xmlns:a16="http://schemas.microsoft.com/office/drawing/2014/main" id="{9B50AAF5-E2C8-8C47-BB34-7CF21FC3A939}"/>
+              </a:ext>
+            </a:extLst>
+          </p:cNvPr>
+          <p:cNvSpPr txBox="1"/>
+          <p:nvPr/>
+        </p:nvSpPr>
+        <p:spPr>
+          <a:xfrm>
+            <a:off x="2888270" y="4143874"/>
             <a:ext cx="616526" cy="369332"/>
           </a:xfrm>
           <a:prstGeom prst="rect">
@@ -3743,19 +3906,19 @@
       </p:sp>
       <p:sp>
         <p:nvSpPr>
-          <p:cNvPr id="26" name="TextBox 25">
-            <a:extLst>
-              <a:ext uri="{FF2B5EF4-FFF2-40B4-BE49-F238E27FC236}">
-                <a16:creationId xmlns:a16="http://schemas.microsoft.com/office/drawing/2014/main" id="{9DAF916B-52B3-584A-B384-14D8DBA2AF05}"/>
-              </a:ext>
-            </a:extLst>
-          </p:cNvPr>
-          <p:cNvSpPr txBox="1"/>
-          <p:nvPr/>
-        </p:nvSpPr>
-        <p:spPr>
-          <a:xfrm>
-            <a:off x="3563375" y="3634123"/>
+          <p:cNvPr id="51" name="TextBox 50">
+            <a:extLst>
+              <a:ext uri="{FF2B5EF4-FFF2-40B4-BE49-F238E27FC236}">
+                <a16:creationId xmlns:a16="http://schemas.microsoft.com/office/drawing/2014/main" id="{92E484C6-77CC-ED41-A22D-A89845F770A5}"/>
+              </a:ext>
+            </a:extLst>
+          </p:cNvPr>
+          <p:cNvSpPr txBox="1"/>
+          <p:nvPr/>
+        </p:nvSpPr>
+        <p:spPr>
+          <a:xfrm>
+            <a:off x="3516755" y="3821721"/>
             <a:ext cx="616526" cy="369332"/>
           </a:xfrm>
           <a:prstGeom prst="rect">
@@ -3782,19 +3945,19 @@
       </p:sp>
       <p:sp>
         <p:nvSpPr>
-          <p:cNvPr id="27" name="TextBox 26">
-            <a:extLst>
-              <a:ext uri="{FF2B5EF4-FFF2-40B4-BE49-F238E27FC236}">
-                <a16:creationId xmlns:a16="http://schemas.microsoft.com/office/drawing/2014/main" id="{4E9E14C7-CBCA-234F-9806-A90D9C1DDF75}"/>
-              </a:ext>
-            </a:extLst>
-          </p:cNvPr>
-          <p:cNvSpPr txBox="1"/>
-          <p:nvPr/>
-        </p:nvSpPr>
-        <p:spPr>
-          <a:xfrm>
-            <a:off x="2402288" y="2945019"/>
+          <p:cNvPr id="52" name="TextBox 51">
+            <a:extLst>
+              <a:ext uri="{FF2B5EF4-FFF2-40B4-BE49-F238E27FC236}">
+                <a16:creationId xmlns:a16="http://schemas.microsoft.com/office/drawing/2014/main" id="{12662D9B-166C-F641-904E-8CCCEF4D6E57}"/>
+              </a:ext>
+            </a:extLst>
+          </p:cNvPr>
+          <p:cNvSpPr txBox="1"/>
+          <p:nvPr/>
+        </p:nvSpPr>
+        <p:spPr>
+          <a:xfrm>
+            <a:off x="2404444" y="2927659"/>
             <a:ext cx="616526" cy="369332"/>
           </a:xfrm>
           <a:prstGeom prst="rect">
@@ -3821,10 +3984,10 @@
       </p:sp>
       <p:cxnSp>
         <p:nvCxnSpPr>
-          <p:cNvPr id="29" name="Straight Connector 28">
-            <a:extLst>
-              <a:ext uri="{FF2B5EF4-FFF2-40B4-BE49-F238E27FC236}">
-                <a16:creationId xmlns:a16="http://schemas.microsoft.com/office/drawing/2014/main" id="{8B6A9C42-55E3-6C47-AF07-58F578A27593}"/>
+          <p:cNvPr id="53" name="Straight Connector 52">
+            <a:extLst>
+              <a:ext uri="{FF2B5EF4-FFF2-40B4-BE49-F238E27FC236}">
+                <a16:creationId xmlns:a16="http://schemas.microsoft.com/office/drawing/2014/main" id="{C0CAE4EA-6601-F843-8A15-88136AE40C4F}"/>
               </a:ext>
             </a:extLst>
           </p:cNvPr>
@@ -3835,7 +3998,7 @@
         </p:nvCxnSpPr>
         <p:spPr>
           <a:xfrm>
-            <a:off x="3080775" y="2443163"/>
+            <a:off x="3082931" y="2425803"/>
             <a:ext cx="985375" cy="0"/>
           </a:xfrm>
           <a:prstGeom prst="line">
@@ -3862,19 +4025,19 @@
       </p:cxnSp>
       <p:sp>
         <p:nvSpPr>
-          <p:cNvPr id="33" name="TextBox 32">
-            <a:extLst>
-              <a:ext uri="{FF2B5EF4-FFF2-40B4-BE49-F238E27FC236}">
-                <a16:creationId xmlns:a16="http://schemas.microsoft.com/office/drawing/2014/main" id="{D2F3BAB0-6CDF-2D4C-BAE8-1FAB21728C5B}"/>
-              </a:ext>
-            </a:extLst>
-          </p:cNvPr>
-          <p:cNvSpPr txBox="1"/>
-          <p:nvPr/>
-        </p:nvSpPr>
-        <p:spPr>
-          <a:xfrm>
-            <a:off x="2820912" y="2495644"/>
+          <p:cNvPr id="54" name="TextBox 53">
+            <a:extLst>
+              <a:ext uri="{FF2B5EF4-FFF2-40B4-BE49-F238E27FC236}">
+                <a16:creationId xmlns:a16="http://schemas.microsoft.com/office/drawing/2014/main" id="{41B37537-C16A-0E4C-AE45-7A4121CD5FD5}"/>
+              </a:ext>
+            </a:extLst>
+          </p:cNvPr>
+          <p:cNvSpPr txBox="1"/>
+          <p:nvPr/>
+        </p:nvSpPr>
+        <p:spPr>
+          <a:xfrm>
+            <a:off x="2823068" y="2478284"/>
             <a:ext cx="2290204" cy="369332"/>
           </a:xfrm>
           <a:prstGeom prst="rect">
@@ -3899,171 +4062,12 @@
           </a:p>
         </p:txBody>
       </p:sp>
-      <p:cxnSp>
-        <p:nvCxnSpPr>
-          <p:cNvPr id="34" name="Straight Connector 33">
-            <a:extLst>
-              <a:ext uri="{FF2B5EF4-FFF2-40B4-BE49-F238E27FC236}">
-                <a16:creationId xmlns:a16="http://schemas.microsoft.com/office/drawing/2014/main" id="{CFEB7196-05DE-A845-80F2-B9EE56BDAA01}"/>
-              </a:ext>
-            </a:extLst>
-          </p:cNvPr>
-          <p:cNvCxnSpPr>
-            <a:cxnSpLocks/>
-          </p:cNvCxnSpPr>
-          <p:nvPr/>
-        </p:nvCxnSpPr>
-        <p:spPr>
-          <a:xfrm>
-            <a:off x="4621711" y="898692"/>
-            <a:ext cx="0" cy="839561"/>
-          </a:xfrm>
-          <a:prstGeom prst="line">
-            <a:avLst/>
-          </a:prstGeom>
-          <a:ln w="60325">
-            <a:headEnd type="stealth" w="lg" len="lg"/>
-          </a:ln>
-        </p:spPr>
-        <p:style>
-          <a:lnRef idx="1">
-            <a:schemeClr val="accent1"/>
-          </a:lnRef>
-          <a:fillRef idx="0">
-            <a:schemeClr val="accent1"/>
-          </a:fillRef>
-          <a:effectRef idx="0">
-            <a:schemeClr val="accent1"/>
-          </a:effectRef>
-          <a:fontRef idx="minor">
-            <a:schemeClr val="tx1"/>
-          </a:fontRef>
-        </p:style>
-      </p:cxnSp>
-      <p:sp>
-        <p:nvSpPr>
-          <p:cNvPr id="36" name="TextBox 35">
-            <a:extLst>
-              <a:ext uri="{FF2B5EF4-FFF2-40B4-BE49-F238E27FC236}">
-                <a16:creationId xmlns:a16="http://schemas.microsoft.com/office/drawing/2014/main" id="{32C50CE3-A69D-6F4E-A643-993506529BBA}"/>
-              </a:ext>
-            </a:extLst>
-          </p:cNvPr>
-          <p:cNvSpPr txBox="1"/>
-          <p:nvPr/>
-        </p:nvSpPr>
-        <p:spPr>
-          <a:xfrm>
-            <a:off x="4212964" y="529360"/>
-            <a:ext cx="961755" cy="369332"/>
-          </a:xfrm>
-          <a:prstGeom prst="rect">
-            <a:avLst/>
-          </a:prstGeom>
-          <a:noFill/>
-        </p:spPr>
-        <p:txBody>
-          <a:bodyPr wrap="square" rtlCol="0">
-            <a:spAutoFit/>
-          </a:bodyPr>
-          <a:lstStyle/>
-          <a:p>
-            <a:r>
-              <a:rPr lang="en-AU" dirty="0">
-                <a:solidFill>
-                  <a:srgbClr val="0070C0"/>
-                </a:solidFill>
-              </a:rPr>
-              <a:t>Upfield</a:t>
-            </a:r>
-          </a:p>
-        </p:txBody>
-      </p:sp>
-      <p:cxnSp>
-        <p:nvCxnSpPr>
-          <p:cNvPr id="37" name="Straight Connector 36">
-            <a:extLst>
-              <a:ext uri="{FF2B5EF4-FFF2-40B4-BE49-F238E27FC236}">
-                <a16:creationId xmlns:a16="http://schemas.microsoft.com/office/drawing/2014/main" id="{99FE3948-AFB4-994E-AF09-567D29BBC0CD}"/>
-              </a:ext>
-            </a:extLst>
-          </p:cNvPr>
-          <p:cNvCxnSpPr>
-            <a:cxnSpLocks/>
-          </p:cNvCxnSpPr>
-          <p:nvPr/>
-        </p:nvCxnSpPr>
-        <p:spPr>
-          <a:xfrm flipV="1">
-            <a:off x="4541070" y="8018081"/>
-            <a:ext cx="0" cy="938269"/>
-          </a:xfrm>
-          <a:prstGeom prst="line">
-            <a:avLst/>
-          </a:prstGeom>
-          <a:ln w="60325">
-            <a:solidFill>
-              <a:schemeClr val="tx1"/>
-            </a:solidFill>
-            <a:headEnd type="stealth" w="lg" len="lg"/>
-          </a:ln>
-        </p:spPr>
-        <p:style>
-          <a:lnRef idx="1">
-            <a:schemeClr val="accent1"/>
-          </a:lnRef>
-          <a:fillRef idx="0">
-            <a:schemeClr val="accent1"/>
-          </a:fillRef>
-          <a:effectRef idx="0">
-            <a:schemeClr val="accent1"/>
-          </a:effectRef>
-          <a:fontRef idx="minor">
-            <a:schemeClr val="tx1"/>
-          </a:fontRef>
-        </p:style>
-      </p:cxnSp>
-      <p:sp>
-        <p:nvSpPr>
-          <p:cNvPr id="39" name="TextBox 38">
-            <a:extLst>
-              <a:ext uri="{FF2B5EF4-FFF2-40B4-BE49-F238E27FC236}">
-                <a16:creationId xmlns:a16="http://schemas.microsoft.com/office/drawing/2014/main" id="{FF9BF959-7663-4E43-82B8-A6B62D0EE304}"/>
-              </a:ext>
-            </a:extLst>
-          </p:cNvPr>
-          <p:cNvSpPr txBox="1"/>
-          <p:nvPr/>
-        </p:nvSpPr>
-        <p:spPr>
-          <a:xfrm>
-            <a:off x="3980994" y="8937881"/>
-            <a:ext cx="1210561" cy="369332"/>
-          </a:xfrm>
-          <a:prstGeom prst="rect">
-            <a:avLst/>
-          </a:prstGeom>
-          <a:noFill/>
-        </p:spPr>
-        <p:txBody>
-          <a:bodyPr wrap="square" rtlCol="0">
-            <a:spAutoFit/>
-          </a:bodyPr>
-          <a:lstStyle/>
-          <a:p>
-            <a:r>
-              <a:rPr lang="en-AU" dirty="0"/>
-              <a:t>Downfield</a:t>
-            </a:r>
-          </a:p>
-        </p:txBody>
-      </p:sp>
-      <p:sp>
-        <p:nvSpPr>
-          <p:cNvPr id="40" name="Oval 39">
-            <a:extLst>
-              <a:ext uri="{FF2B5EF4-FFF2-40B4-BE49-F238E27FC236}">
-                <a16:creationId xmlns:a16="http://schemas.microsoft.com/office/drawing/2014/main" id="{F7991E49-51E5-B144-BF2D-90C81A5A6344}"/>
+      <p:sp>
+        <p:nvSpPr>
+          <p:cNvPr id="55" name="Oval 54">
+            <a:extLst>
+              <a:ext uri="{FF2B5EF4-FFF2-40B4-BE49-F238E27FC236}">
+                <a16:creationId xmlns:a16="http://schemas.microsoft.com/office/drawing/2014/main" id="{DBE4C896-811B-1442-894E-17EEF5BA6743}"/>
               </a:ext>
             </a:extLst>
           </p:cNvPr>
@@ -4072,7 +4076,7 @@
         </p:nvSpPr>
         <p:spPr>
           <a:xfrm>
-            <a:off x="3314650" y="3685674"/>
+            <a:off x="3354902" y="3692122"/>
             <a:ext cx="180000" cy="180000"/>
           </a:xfrm>
           <a:prstGeom prst="ellipse">
@@ -5854,7 +5858,7 @@
         </p:nvSpPr>
         <p:spPr>
           <a:xfrm>
-            <a:off x="1232858" y="4719370"/>
+            <a:off x="1165694" y="4735136"/>
             <a:ext cx="466518" cy="369332"/>
           </a:xfrm>
           <a:prstGeom prst="rect">
@@ -5893,7 +5897,7 @@
         </p:nvSpPr>
         <p:spPr>
           <a:xfrm>
-            <a:off x="1129235" y="4545933"/>
+            <a:off x="1034639" y="4545933"/>
             <a:ext cx="616526" cy="369332"/>
           </a:xfrm>
           <a:prstGeom prst="rect">
@@ -5932,7 +5936,7 @@
         </p:nvSpPr>
         <p:spPr>
           <a:xfrm>
-            <a:off x="1136026" y="4355777"/>
+            <a:off x="1041430" y="4355777"/>
             <a:ext cx="616526" cy="369332"/>
           </a:xfrm>
           <a:prstGeom prst="rect">
@@ -5971,7 +5975,7 @@
         </p:nvSpPr>
         <p:spPr>
           <a:xfrm>
-            <a:off x="1145702" y="4161234"/>
+            <a:off x="1028718" y="4161234"/>
             <a:ext cx="616526" cy="369332"/>
           </a:xfrm>
           <a:prstGeom prst="rect">
@@ -6010,7 +6014,7 @@
         </p:nvSpPr>
         <p:spPr>
           <a:xfrm>
-            <a:off x="1720267" y="3634123"/>
+            <a:off x="1657203" y="3839081"/>
             <a:ext cx="616526" cy="369332"/>
           </a:xfrm>
           <a:prstGeom prst="rect">
@@ -7199,6 +7203,6115 @@
     <p:extLst>
       <p:ext uri="{BB962C8B-B14F-4D97-AF65-F5344CB8AC3E}">
         <p14:creationId xmlns:p14="http://schemas.microsoft.com/office/powerpoint/2010/main" val="3821016373"/>
+      </p:ext>
+    </p:extLst>
+  </p:cSld>
+  <p:clrMapOvr>
+    <a:masterClrMapping/>
+  </p:clrMapOvr>
+</p:sld>
+</file>
+
+<file path=ppt/slides/slide4.xml><?xml version="1.0" encoding="utf-8"?>
+<p:sld xmlns:a="http://schemas.openxmlformats.org/drawingml/2006/main" xmlns:r="http://schemas.openxmlformats.org/officeDocument/2006/relationships" xmlns:p="http://schemas.openxmlformats.org/presentationml/2006/main">
+  <p:cSld>
+    <p:spTree>
+      <p:nvGrpSpPr>
+        <p:cNvPr id="1" name=""/>
+        <p:cNvGrpSpPr/>
+        <p:nvPr/>
+      </p:nvGrpSpPr>
+      <p:grpSpPr>
+        <a:xfrm>
+          <a:off x="0" y="0"/>
+          <a:ext cx="0" cy="0"/>
+          <a:chOff x="0" y="0"/>
+          <a:chExt cx="0" cy="0"/>
+        </a:xfrm>
+      </p:grpSpPr>
+      <p:sp>
+        <p:nvSpPr>
+          <p:cNvPr id="4" name="Rounded Rectangle 3">
+            <a:extLst>
+              <a:ext uri="{FF2B5EF4-FFF2-40B4-BE49-F238E27FC236}">
+                <a16:creationId xmlns:a16="http://schemas.microsoft.com/office/drawing/2014/main" id="{70652F4E-8EA6-2C4D-A4F0-52433013FDED}"/>
+              </a:ext>
+            </a:extLst>
+          </p:cNvPr>
+          <p:cNvSpPr>
+            <a:spLocks noChangeAspect="1"/>
+          </p:cNvSpPr>
+          <p:nvPr/>
+        </p:nvSpPr>
+        <p:spPr>
+          <a:xfrm>
+            <a:off x="1953463" y="2114322"/>
+            <a:ext cx="3240000" cy="5604325"/>
+          </a:xfrm>
+          <a:prstGeom prst="roundRect">
+            <a:avLst/>
+          </a:prstGeom>
+          <a:noFill/>
+          <a:ln w="38100">
+            <a:solidFill>
+              <a:schemeClr val="tx1"/>
+            </a:solidFill>
+          </a:ln>
+        </p:spPr>
+        <p:style>
+          <a:lnRef idx="2">
+            <a:schemeClr val="accent1">
+              <a:shade val="50000"/>
+            </a:schemeClr>
+          </a:lnRef>
+          <a:fillRef idx="1">
+            <a:schemeClr val="accent1"/>
+          </a:fillRef>
+          <a:effectRef idx="0">
+            <a:schemeClr val="accent1"/>
+          </a:effectRef>
+          <a:fontRef idx="minor">
+            <a:schemeClr val="lt1"/>
+          </a:fontRef>
+        </p:style>
+        <p:txBody>
+          <a:bodyPr rtlCol="0" anchor="ctr"/>
+          <a:lstStyle/>
+          <a:p>
+            <a:pPr algn="ctr"/>
+            <a:endParaRPr lang="en-AU"/>
+          </a:p>
+        </p:txBody>
+      </p:sp>
+      <p:sp>
+        <p:nvSpPr>
+          <p:cNvPr id="5" name="Rounded Rectangle 4">
+            <a:extLst>
+              <a:ext uri="{FF2B5EF4-FFF2-40B4-BE49-F238E27FC236}">
+                <a16:creationId xmlns:a16="http://schemas.microsoft.com/office/drawing/2014/main" id="{3C953649-ED7C-3742-AAEA-8B243B81C427}"/>
+              </a:ext>
+            </a:extLst>
+          </p:cNvPr>
+          <p:cNvSpPr>
+            <a:spLocks noChangeAspect="1"/>
+          </p:cNvSpPr>
+          <p:nvPr/>
+        </p:nvSpPr>
+        <p:spPr>
+          <a:xfrm>
+            <a:off x="1953463" y="7718649"/>
+            <a:ext cx="3240000" cy="1576217"/>
+          </a:xfrm>
+          <a:prstGeom prst="roundRect">
+            <a:avLst/>
+          </a:prstGeom>
+          <a:solidFill>
+            <a:srgbClr val="00B050"/>
+          </a:solidFill>
+          <a:ln w="38100">
+            <a:solidFill>
+              <a:schemeClr val="tx1"/>
+            </a:solidFill>
+          </a:ln>
+        </p:spPr>
+        <p:style>
+          <a:lnRef idx="2">
+            <a:schemeClr val="accent1">
+              <a:shade val="50000"/>
+            </a:schemeClr>
+          </a:lnRef>
+          <a:fillRef idx="1">
+            <a:schemeClr val="accent1"/>
+          </a:fillRef>
+          <a:effectRef idx="0">
+            <a:schemeClr val="accent1"/>
+          </a:effectRef>
+          <a:fontRef idx="minor">
+            <a:schemeClr val="lt1"/>
+          </a:fontRef>
+        </p:style>
+        <p:txBody>
+          <a:bodyPr rtlCol="0" anchor="ctr"/>
+          <a:lstStyle/>
+          <a:p>
+            <a:pPr algn="ctr"/>
+            <a:endParaRPr lang="en-AU"/>
+          </a:p>
+        </p:txBody>
+      </p:sp>
+      <p:sp>
+        <p:nvSpPr>
+          <p:cNvPr id="6" name="Rounded Rectangle 5">
+            <a:extLst>
+              <a:ext uri="{FF2B5EF4-FFF2-40B4-BE49-F238E27FC236}">
+                <a16:creationId xmlns:a16="http://schemas.microsoft.com/office/drawing/2014/main" id="{781AE066-2F6F-CD4A-8C9D-2174A5C270BE}"/>
+              </a:ext>
+            </a:extLst>
+          </p:cNvPr>
+          <p:cNvSpPr>
+            <a:spLocks noChangeAspect="1"/>
+          </p:cNvSpPr>
+          <p:nvPr/>
+        </p:nvSpPr>
+        <p:spPr>
+          <a:xfrm>
+            <a:off x="1953463" y="520745"/>
+            <a:ext cx="3240000" cy="1576217"/>
+          </a:xfrm>
+          <a:prstGeom prst="roundRect">
+            <a:avLst/>
+          </a:prstGeom>
+          <a:solidFill>
+            <a:srgbClr val="FF0000"/>
+          </a:solidFill>
+          <a:ln w="38100">
+            <a:solidFill>
+              <a:schemeClr val="tx1"/>
+            </a:solidFill>
+          </a:ln>
+        </p:spPr>
+        <p:style>
+          <a:lnRef idx="2">
+            <a:schemeClr val="accent1">
+              <a:shade val="50000"/>
+            </a:schemeClr>
+          </a:lnRef>
+          <a:fillRef idx="1">
+            <a:schemeClr val="accent1"/>
+          </a:fillRef>
+          <a:effectRef idx="0">
+            <a:schemeClr val="accent1"/>
+          </a:effectRef>
+          <a:fontRef idx="minor">
+            <a:schemeClr val="lt1"/>
+          </a:fontRef>
+        </p:style>
+        <p:txBody>
+          <a:bodyPr rtlCol="0" anchor="ctr"/>
+          <a:lstStyle/>
+          <a:p>
+            <a:pPr algn="ctr"/>
+            <a:endParaRPr lang="en-AU" dirty="0"/>
+          </a:p>
+        </p:txBody>
+      </p:sp>
+      <p:sp>
+        <p:nvSpPr>
+          <p:cNvPr id="7" name="Rounded Rectangle 6">
+            <a:extLst>
+              <a:ext uri="{FF2B5EF4-FFF2-40B4-BE49-F238E27FC236}">
+                <a16:creationId xmlns:a16="http://schemas.microsoft.com/office/drawing/2014/main" id="{58A277D1-08DF-1A43-AFBF-E7F4DE2FD6BB}"/>
+              </a:ext>
+            </a:extLst>
+          </p:cNvPr>
+          <p:cNvSpPr>
+            <a:spLocks noChangeAspect="1"/>
+          </p:cNvSpPr>
+          <p:nvPr/>
+        </p:nvSpPr>
+        <p:spPr>
+          <a:xfrm>
+            <a:off x="1524892" y="101296"/>
+            <a:ext cx="4114800" cy="9630383"/>
+          </a:xfrm>
+          <a:prstGeom prst="roundRect">
+            <a:avLst/>
+          </a:prstGeom>
+          <a:noFill/>
+          <a:ln w="38100">
+            <a:solidFill>
+              <a:schemeClr val="bg1">
+                <a:lumMod val="50000"/>
+              </a:schemeClr>
+            </a:solidFill>
+            <a:prstDash val="sysDot"/>
+          </a:ln>
+        </p:spPr>
+        <p:style>
+          <a:lnRef idx="2">
+            <a:schemeClr val="accent1">
+              <a:shade val="50000"/>
+            </a:schemeClr>
+          </a:lnRef>
+          <a:fillRef idx="1">
+            <a:schemeClr val="accent1"/>
+          </a:fillRef>
+          <a:effectRef idx="0">
+            <a:schemeClr val="accent1"/>
+          </a:effectRef>
+          <a:fontRef idx="minor">
+            <a:schemeClr val="lt1"/>
+          </a:fontRef>
+        </p:style>
+        <p:txBody>
+          <a:bodyPr rtlCol="0" anchor="ctr"/>
+          <a:lstStyle/>
+          <a:p>
+            <a:pPr algn="ctr"/>
+            <a:endParaRPr lang="en-AU"/>
+          </a:p>
+        </p:txBody>
+      </p:sp>
+      <p:sp>
+        <p:nvSpPr>
+          <p:cNvPr id="12" name="Multiply 11">
+            <a:extLst>
+              <a:ext uri="{FF2B5EF4-FFF2-40B4-BE49-F238E27FC236}">
+                <a16:creationId xmlns:a16="http://schemas.microsoft.com/office/drawing/2014/main" id="{782966C4-8BAB-EC4A-B3CC-ECB9FD404B1E}"/>
+              </a:ext>
+            </a:extLst>
+          </p:cNvPr>
+          <p:cNvSpPr/>
+          <p:nvPr/>
+        </p:nvSpPr>
+        <p:spPr>
+          <a:xfrm>
+            <a:off x="3198571" y="5737186"/>
+            <a:ext cx="767443" cy="849086"/>
+          </a:xfrm>
+          <a:prstGeom prst="mathMultiply">
+            <a:avLst/>
+          </a:prstGeom>
+          <a:noFill/>
+        </p:spPr>
+        <p:style>
+          <a:lnRef idx="2">
+            <a:schemeClr val="accent1">
+              <a:shade val="50000"/>
+            </a:schemeClr>
+          </a:lnRef>
+          <a:fillRef idx="1">
+            <a:schemeClr val="accent1"/>
+          </a:fillRef>
+          <a:effectRef idx="0">
+            <a:schemeClr val="accent1"/>
+          </a:effectRef>
+          <a:fontRef idx="minor">
+            <a:schemeClr val="lt1"/>
+          </a:fontRef>
+        </p:style>
+        <p:txBody>
+          <a:bodyPr rtlCol="0" anchor="ctr"/>
+          <a:lstStyle/>
+          <a:p>
+            <a:pPr algn="ctr"/>
+            <a:endParaRPr lang="en-AU"/>
+          </a:p>
+        </p:txBody>
+      </p:sp>
+      <p:sp>
+        <p:nvSpPr>
+          <p:cNvPr id="13" name="Multiply 12">
+            <a:extLst>
+              <a:ext uri="{FF2B5EF4-FFF2-40B4-BE49-F238E27FC236}">
+                <a16:creationId xmlns:a16="http://schemas.microsoft.com/office/drawing/2014/main" id="{711FF500-E426-0D44-916C-B24A7A610DF5}"/>
+              </a:ext>
+            </a:extLst>
+          </p:cNvPr>
+          <p:cNvSpPr/>
+          <p:nvPr/>
+        </p:nvSpPr>
+        <p:spPr>
+          <a:xfrm>
+            <a:off x="3192236" y="3246701"/>
+            <a:ext cx="767443" cy="849086"/>
+          </a:xfrm>
+          <a:prstGeom prst="mathMultiply">
+            <a:avLst/>
+          </a:prstGeom>
+          <a:noFill/>
+        </p:spPr>
+        <p:style>
+          <a:lnRef idx="2">
+            <a:schemeClr val="accent1">
+              <a:shade val="50000"/>
+            </a:schemeClr>
+          </a:lnRef>
+          <a:fillRef idx="1">
+            <a:schemeClr val="accent1"/>
+          </a:fillRef>
+          <a:effectRef idx="0">
+            <a:schemeClr val="accent1"/>
+          </a:effectRef>
+          <a:fontRef idx="minor">
+            <a:schemeClr val="lt1"/>
+          </a:fontRef>
+        </p:style>
+        <p:txBody>
+          <a:bodyPr rtlCol="0" anchor="ctr"/>
+          <a:lstStyle/>
+          <a:p>
+            <a:pPr algn="ctr"/>
+            <a:endParaRPr lang="en-AU"/>
+          </a:p>
+        </p:txBody>
+      </p:sp>
+      <p:sp>
+        <p:nvSpPr>
+          <p:cNvPr id="14" name="TextBox 13">
+            <a:extLst>
+              <a:ext uri="{FF2B5EF4-FFF2-40B4-BE49-F238E27FC236}">
+                <a16:creationId xmlns:a16="http://schemas.microsoft.com/office/drawing/2014/main" id="{CC9FDAD2-F231-6B43-92F7-C2C2863676C2}"/>
+              </a:ext>
+            </a:extLst>
+          </p:cNvPr>
+          <p:cNvSpPr txBox="1"/>
+          <p:nvPr/>
+        </p:nvSpPr>
+        <p:spPr>
+          <a:xfrm>
+            <a:off x="3959679" y="4547156"/>
+            <a:ext cx="466518" cy="369332"/>
+          </a:xfrm>
+          <a:prstGeom prst="rect">
+            <a:avLst/>
+          </a:prstGeom>
+          <a:noFill/>
+        </p:spPr>
+        <p:txBody>
+          <a:bodyPr wrap="square" rtlCol="0">
+            <a:spAutoFit/>
+          </a:bodyPr>
+          <a:lstStyle/>
+          <a:p>
+            <a:r>
+              <a:rPr lang="en-AU" dirty="0"/>
+              <a:t>O2</a:t>
+            </a:r>
+          </a:p>
+        </p:txBody>
+      </p:sp>
+      <p:sp>
+        <p:nvSpPr>
+          <p:cNvPr id="15" name="TextBox 14">
+            <a:extLst>
+              <a:ext uri="{FF2B5EF4-FFF2-40B4-BE49-F238E27FC236}">
+                <a16:creationId xmlns:a16="http://schemas.microsoft.com/office/drawing/2014/main" id="{3986F052-18AA-4443-A26B-C88FE17F207D}"/>
+              </a:ext>
+            </a:extLst>
+          </p:cNvPr>
+          <p:cNvSpPr txBox="1"/>
+          <p:nvPr/>
+        </p:nvSpPr>
+        <p:spPr>
+          <a:xfrm>
+            <a:off x="4708657" y="4510576"/>
+            <a:ext cx="466518" cy="369332"/>
+          </a:xfrm>
+          <a:prstGeom prst="rect">
+            <a:avLst/>
+          </a:prstGeom>
+          <a:solidFill>
+            <a:schemeClr val="tx1"/>
+          </a:solidFill>
+        </p:spPr>
+        <p:txBody>
+          <a:bodyPr wrap="square" rtlCol="0">
+            <a:spAutoFit/>
+          </a:bodyPr>
+          <a:lstStyle/>
+          <a:p>
+            <a:r>
+              <a:rPr lang="en-AU" dirty="0">
+                <a:solidFill>
+                  <a:schemeClr val="bg1"/>
+                </a:solidFill>
+              </a:rPr>
+              <a:t>O1</a:t>
+            </a:r>
+          </a:p>
+        </p:txBody>
+      </p:sp>
+      <p:sp>
+        <p:nvSpPr>
+          <p:cNvPr id="16" name="TextBox 15">
+            <a:extLst>
+              <a:ext uri="{FF2B5EF4-FFF2-40B4-BE49-F238E27FC236}">
+                <a16:creationId xmlns:a16="http://schemas.microsoft.com/office/drawing/2014/main" id="{EEF04ED5-E466-A243-9D27-7184F13C1262}"/>
+              </a:ext>
+            </a:extLst>
+          </p:cNvPr>
+          <p:cNvSpPr txBox="1"/>
+          <p:nvPr/>
+        </p:nvSpPr>
+        <p:spPr>
+          <a:xfrm>
+            <a:off x="3007517" y="4547156"/>
+            <a:ext cx="466518" cy="369332"/>
+          </a:xfrm>
+          <a:prstGeom prst="rect">
+            <a:avLst/>
+          </a:prstGeom>
+          <a:noFill/>
+        </p:spPr>
+        <p:txBody>
+          <a:bodyPr wrap="square" rtlCol="0">
+            <a:spAutoFit/>
+          </a:bodyPr>
+          <a:lstStyle/>
+          <a:p>
+            <a:r>
+              <a:rPr lang="en-AU" dirty="0"/>
+              <a:t>O3</a:t>
+            </a:r>
+          </a:p>
+        </p:txBody>
+      </p:sp>
+      <p:sp>
+        <p:nvSpPr>
+          <p:cNvPr id="17" name="TextBox 16">
+            <a:extLst>
+              <a:ext uri="{FF2B5EF4-FFF2-40B4-BE49-F238E27FC236}">
+                <a16:creationId xmlns:a16="http://schemas.microsoft.com/office/drawing/2014/main" id="{7AB684D8-9879-0C4A-9489-F87A8809D064}"/>
+              </a:ext>
+            </a:extLst>
+          </p:cNvPr>
+          <p:cNvSpPr txBox="1"/>
+          <p:nvPr/>
+        </p:nvSpPr>
+        <p:spPr>
+          <a:xfrm>
+            <a:off x="2045092" y="4547152"/>
+            <a:ext cx="466518" cy="369332"/>
+          </a:xfrm>
+          <a:prstGeom prst="rect">
+            <a:avLst/>
+          </a:prstGeom>
+          <a:noFill/>
+        </p:spPr>
+        <p:txBody>
+          <a:bodyPr wrap="square" rtlCol="0">
+            <a:spAutoFit/>
+          </a:bodyPr>
+          <a:lstStyle/>
+          <a:p>
+            <a:r>
+              <a:rPr lang="en-AU" dirty="0"/>
+              <a:t>O4</a:t>
+            </a:r>
+          </a:p>
+        </p:txBody>
+      </p:sp>
+      <p:sp>
+        <p:nvSpPr>
+          <p:cNvPr id="18" name="TextBox 17">
+            <a:extLst>
+              <a:ext uri="{FF2B5EF4-FFF2-40B4-BE49-F238E27FC236}">
+                <a16:creationId xmlns:a16="http://schemas.microsoft.com/office/drawing/2014/main" id="{F387E253-DCE8-A344-84ED-5DB76FED00C0}"/>
+              </a:ext>
+            </a:extLst>
+          </p:cNvPr>
+          <p:cNvSpPr txBox="1"/>
+          <p:nvPr/>
+        </p:nvSpPr>
+        <p:spPr>
+          <a:xfrm>
+            <a:off x="4683752" y="3486578"/>
+            <a:ext cx="466518" cy="369332"/>
+          </a:xfrm>
+          <a:prstGeom prst="rect">
+            <a:avLst/>
+          </a:prstGeom>
+          <a:noFill/>
+        </p:spPr>
+        <p:txBody>
+          <a:bodyPr wrap="square" rtlCol="0">
+            <a:spAutoFit/>
+          </a:bodyPr>
+          <a:lstStyle/>
+          <a:p>
+            <a:r>
+              <a:rPr lang="en-AU" dirty="0"/>
+              <a:t>O5</a:t>
+            </a:r>
+          </a:p>
+        </p:txBody>
+      </p:sp>
+      <p:sp>
+        <p:nvSpPr>
+          <p:cNvPr id="19" name="TextBox 18">
+            <a:extLst>
+              <a:ext uri="{FF2B5EF4-FFF2-40B4-BE49-F238E27FC236}">
+                <a16:creationId xmlns:a16="http://schemas.microsoft.com/office/drawing/2014/main" id="{A2087CBC-C5DF-574A-BDD6-786E46B4A1F8}"/>
+              </a:ext>
+            </a:extLst>
+          </p:cNvPr>
+          <p:cNvSpPr txBox="1"/>
+          <p:nvPr/>
+        </p:nvSpPr>
+        <p:spPr>
+          <a:xfrm>
+            <a:off x="3349033" y="3486578"/>
+            <a:ext cx="466518" cy="369332"/>
+          </a:xfrm>
+          <a:prstGeom prst="rect">
+            <a:avLst/>
+          </a:prstGeom>
+          <a:noFill/>
+        </p:spPr>
+        <p:txBody>
+          <a:bodyPr wrap="square" rtlCol="0">
+            <a:spAutoFit/>
+          </a:bodyPr>
+          <a:lstStyle/>
+          <a:p>
+            <a:r>
+              <a:rPr lang="en-AU" dirty="0"/>
+              <a:t>O6</a:t>
+            </a:r>
+          </a:p>
+        </p:txBody>
+      </p:sp>
+      <p:sp>
+        <p:nvSpPr>
+          <p:cNvPr id="20" name="TextBox 19">
+            <a:extLst>
+              <a:ext uri="{FF2B5EF4-FFF2-40B4-BE49-F238E27FC236}">
+                <a16:creationId xmlns:a16="http://schemas.microsoft.com/office/drawing/2014/main" id="{3B025EB7-D319-3540-8105-6009DDC47831}"/>
+              </a:ext>
+            </a:extLst>
+          </p:cNvPr>
+          <p:cNvSpPr txBox="1"/>
+          <p:nvPr/>
+        </p:nvSpPr>
+        <p:spPr>
+          <a:xfrm>
+            <a:off x="2181852" y="2686478"/>
+            <a:ext cx="466518" cy="369332"/>
+          </a:xfrm>
+          <a:prstGeom prst="rect">
+            <a:avLst/>
+          </a:prstGeom>
+          <a:noFill/>
+        </p:spPr>
+        <p:txBody>
+          <a:bodyPr wrap="square" rtlCol="0">
+            <a:spAutoFit/>
+          </a:bodyPr>
+          <a:lstStyle/>
+          <a:p>
+            <a:r>
+              <a:rPr lang="en-AU" dirty="0"/>
+              <a:t>O7</a:t>
+            </a:r>
+          </a:p>
+        </p:txBody>
+      </p:sp>
+      <p:sp>
+        <p:nvSpPr>
+          <p:cNvPr id="21" name="TextBox 20">
+            <a:extLst>
+              <a:ext uri="{FF2B5EF4-FFF2-40B4-BE49-F238E27FC236}">
+                <a16:creationId xmlns:a16="http://schemas.microsoft.com/office/drawing/2014/main" id="{52AF208C-DBD1-3640-80BB-BFEF6E67AA82}"/>
+              </a:ext>
+            </a:extLst>
+          </p:cNvPr>
+          <p:cNvSpPr txBox="1"/>
+          <p:nvPr/>
+        </p:nvSpPr>
+        <p:spPr>
+          <a:xfrm>
+            <a:off x="4475490" y="4804851"/>
+            <a:ext cx="466518" cy="369332"/>
+          </a:xfrm>
+          <a:prstGeom prst="rect">
+            <a:avLst/>
+          </a:prstGeom>
+          <a:noFill/>
+        </p:spPr>
+        <p:txBody>
+          <a:bodyPr wrap="square" rtlCol="0">
+            <a:spAutoFit/>
+          </a:bodyPr>
+          <a:lstStyle/>
+          <a:p>
+            <a:r>
+              <a:rPr lang="en-AU" dirty="0">
+                <a:solidFill>
+                  <a:srgbClr val="0070C0"/>
+                </a:solidFill>
+              </a:rPr>
+              <a:t>D8</a:t>
+            </a:r>
+          </a:p>
+        </p:txBody>
+      </p:sp>
+      <p:sp>
+        <p:nvSpPr>
+          <p:cNvPr id="22" name="TextBox 21">
+            <a:extLst>
+              <a:ext uri="{FF2B5EF4-FFF2-40B4-BE49-F238E27FC236}">
+                <a16:creationId xmlns:a16="http://schemas.microsoft.com/office/drawing/2014/main" id="{329C0760-F363-5D42-B231-1684AA9C118C}"/>
+              </a:ext>
+            </a:extLst>
+          </p:cNvPr>
+          <p:cNvSpPr txBox="1"/>
+          <p:nvPr/>
+        </p:nvSpPr>
+        <p:spPr>
+          <a:xfrm>
+            <a:off x="3725490" y="4362489"/>
+            <a:ext cx="466518" cy="369332"/>
+          </a:xfrm>
+          <a:prstGeom prst="rect">
+            <a:avLst/>
+          </a:prstGeom>
+          <a:noFill/>
+        </p:spPr>
+        <p:txBody>
+          <a:bodyPr wrap="square" rtlCol="0">
+            <a:spAutoFit/>
+          </a:bodyPr>
+          <a:lstStyle/>
+          <a:p>
+            <a:r>
+              <a:rPr lang="en-AU" dirty="0">
+                <a:solidFill>
+                  <a:srgbClr val="0070C0"/>
+                </a:solidFill>
+              </a:rPr>
+              <a:t>D9</a:t>
+            </a:r>
+          </a:p>
+        </p:txBody>
+      </p:sp>
+      <p:sp>
+        <p:nvSpPr>
+          <p:cNvPr id="23" name="TextBox 22">
+            <a:extLst>
+              <a:ext uri="{FF2B5EF4-FFF2-40B4-BE49-F238E27FC236}">
+                <a16:creationId xmlns:a16="http://schemas.microsoft.com/office/drawing/2014/main" id="{7D0E6BA3-DC58-5548-9512-A62D90CF5E98}"/>
+              </a:ext>
+            </a:extLst>
+          </p:cNvPr>
+          <p:cNvSpPr txBox="1"/>
+          <p:nvPr/>
+        </p:nvSpPr>
+        <p:spPr>
+          <a:xfrm>
+            <a:off x="2732507" y="4345130"/>
+            <a:ext cx="616526" cy="369332"/>
+          </a:xfrm>
+          <a:prstGeom prst="rect">
+            <a:avLst/>
+          </a:prstGeom>
+          <a:noFill/>
+        </p:spPr>
+        <p:txBody>
+          <a:bodyPr wrap="square" rtlCol="0">
+            <a:spAutoFit/>
+          </a:bodyPr>
+          <a:lstStyle/>
+          <a:p>
+            <a:r>
+              <a:rPr lang="en-AU" dirty="0">
+                <a:solidFill>
+                  <a:srgbClr val="0070C0"/>
+                </a:solidFill>
+              </a:rPr>
+              <a:t>D10</a:t>
+            </a:r>
+          </a:p>
+        </p:txBody>
+      </p:sp>
+      <p:sp>
+        <p:nvSpPr>
+          <p:cNvPr id="24" name="TextBox 23">
+            <a:extLst>
+              <a:ext uri="{FF2B5EF4-FFF2-40B4-BE49-F238E27FC236}">
+                <a16:creationId xmlns:a16="http://schemas.microsoft.com/office/drawing/2014/main" id="{2F07E686-35A4-4245-871F-DFF71870B7E2}"/>
+              </a:ext>
+            </a:extLst>
+          </p:cNvPr>
+          <p:cNvSpPr txBox="1"/>
+          <p:nvPr/>
+        </p:nvSpPr>
+        <p:spPr>
+          <a:xfrm>
+            <a:off x="2265264" y="4714462"/>
+            <a:ext cx="616526" cy="369332"/>
+          </a:xfrm>
+          <a:prstGeom prst="rect">
+            <a:avLst/>
+          </a:prstGeom>
+          <a:noFill/>
+        </p:spPr>
+        <p:txBody>
+          <a:bodyPr wrap="square" rtlCol="0">
+            <a:spAutoFit/>
+          </a:bodyPr>
+          <a:lstStyle/>
+          <a:p>
+            <a:r>
+              <a:rPr lang="en-AU" dirty="0">
+                <a:solidFill>
+                  <a:srgbClr val="0070C0"/>
+                </a:solidFill>
+              </a:rPr>
+              <a:t>D11</a:t>
+            </a:r>
+          </a:p>
+        </p:txBody>
+      </p:sp>
+      <p:sp>
+        <p:nvSpPr>
+          <p:cNvPr id="25" name="TextBox 24">
+            <a:extLst>
+              <a:ext uri="{FF2B5EF4-FFF2-40B4-BE49-F238E27FC236}">
+                <a16:creationId xmlns:a16="http://schemas.microsoft.com/office/drawing/2014/main" id="{0752D762-AB6E-314A-9593-3121603F88E7}"/>
+              </a:ext>
+            </a:extLst>
+          </p:cNvPr>
+          <p:cNvSpPr txBox="1"/>
+          <p:nvPr/>
+        </p:nvSpPr>
+        <p:spPr>
+          <a:xfrm>
+            <a:off x="4346443" y="3676421"/>
+            <a:ext cx="616526" cy="369332"/>
+          </a:xfrm>
+          <a:prstGeom prst="rect">
+            <a:avLst/>
+          </a:prstGeom>
+          <a:noFill/>
+        </p:spPr>
+        <p:txBody>
+          <a:bodyPr wrap="square" rtlCol="0">
+            <a:spAutoFit/>
+          </a:bodyPr>
+          <a:lstStyle/>
+          <a:p>
+            <a:r>
+              <a:rPr lang="en-AU" dirty="0">
+                <a:solidFill>
+                  <a:srgbClr val="0070C0"/>
+                </a:solidFill>
+              </a:rPr>
+              <a:t>D12</a:t>
+            </a:r>
+          </a:p>
+        </p:txBody>
+      </p:sp>
+      <p:sp>
+        <p:nvSpPr>
+          <p:cNvPr id="26" name="TextBox 25">
+            <a:extLst>
+              <a:ext uri="{FF2B5EF4-FFF2-40B4-BE49-F238E27FC236}">
+                <a16:creationId xmlns:a16="http://schemas.microsoft.com/office/drawing/2014/main" id="{9DAF916B-52B3-584A-B384-14D8DBA2AF05}"/>
+              </a:ext>
+            </a:extLst>
+          </p:cNvPr>
+          <p:cNvSpPr txBox="1"/>
+          <p:nvPr/>
+        </p:nvSpPr>
+        <p:spPr>
+          <a:xfrm>
+            <a:off x="3563375" y="3634123"/>
+            <a:ext cx="616526" cy="369332"/>
+          </a:xfrm>
+          <a:prstGeom prst="rect">
+            <a:avLst/>
+          </a:prstGeom>
+          <a:noFill/>
+        </p:spPr>
+        <p:txBody>
+          <a:bodyPr wrap="square" rtlCol="0">
+            <a:spAutoFit/>
+          </a:bodyPr>
+          <a:lstStyle/>
+          <a:p>
+            <a:r>
+              <a:rPr lang="en-AU" dirty="0">
+                <a:solidFill>
+                  <a:srgbClr val="0070C0"/>
+                </a:solidFill>
+              </a:rPr>
+              <a:t>D13</a:t>
+            </a:r>
+          </a:p>
+        </p:txBody>
+      </p:sp>
+      <p:sp>
+        <p:nvSpPr>
+          <p:cNvPr id="27" name="TextBox 26">
+            <a:extLst>
+              <a:ext uri="{FF2B5EF4-FFF2-40B4-BE49-F238E27FC236}">
+                <a16:creationId xmlns:a16="http://schemas.microsoft.com/office/drawing/2014/main" id="{4E9E14C7-CBCA-234F-9806-A90D9C1DDF75}"/>
+              </a:ext>
+            </a:extLst>
+          </p:cNvPr>
+          <p:cNvSpPr txBox="1"/>
+          <p:nvPr/>
+        </p:nvSpPr>
+        <p:spPr>
+          <a:xfrm>
+            <a:off x="2402288" y="2945019"/>
+            <a:ext cx="616526" cy="369332"/>
+          </a:xfrm>
+          <a:prstGeom prst="rect">
+            <a:avLst/>
+          </a:prstGeom>
+          <a:noFill/>
+        </p:spPr>
+        <p:txBody>
+          <a:bodyPr wrap="square" rtlCol="0">
+            <a:spAutoFit/>
+          </a:bodyPr>
+          <a:lstStyle/>
+          <a:p>
+            <a:r>
+              <a:rPr lang="en-AU" dirty="0">
+                <a:solidFill>
+                  <a:srgbClr val="0070C0"/>
+                </a:solidFill>
+              </a:rPr>
+              <a:t>D14</a:t>
+            </a:r>
+          </a:p>
+        </p:txBody>
+      </p:sp>
+      <p:cxnSp>
+        <p:nvCxnSpPr>
+          <p:cNvPr id="29" name="Straight Connector 28">
+            <a:extLst>
+              <a:ext uri="{FF2B5EF4-FFF2-40B4-BE49-F238E27FC236}">
+                <a16:creationId xmlns:a16="http://schemas.microsoft.com/office/drawing/2014/main" id="{8B6A9C42-55E3-6C47-AF07-58F578A27593}"/>
+              </a:ext>
+            </a:extLst>
+          </p:cNvPr>
+          <p:cNvCxnSpPr>
+            <a:cxnSpLocks/>
+          </p:cNvCxnSpPr>
+          <p:nvPr/>
+        </p:nvCxnSpPr>
+        <p:spPr>
+          <a:xfrm>
+            <a:off x="3080775" y="2443163"/>
+            <a:ext cx="985375" cy="0"/>
+          </a:xfrm>
+          <a:prstGeom prst="line">
+            <a:avLst/>
+          </a:prstGeom>
+          <a:ln w="60325">
+            <a:headEnd type="stealth" w="lg" len="lg"/>
+          </a:ln>
+        </p:spPr>
+        <p:style>
+          <a:lnRef idx="1">
+            <a:schemeClr val="accent1"/>
+          </a:lnRef>
+          <a:fillRef idx="0">
+            <a:schemeClr val="accent1"/>
+          </a:fillRef>
+          <a:effectRef idx="0">
+            <a:schemeClr val="accent1"/>
+          </a:effectRef>
+          <a:fontRef idx="minor">
+            <a:schemeClr val="tx1"/>
+          </a:fontRef>
+        </p:style>
+      </p:cxnSp>
+      <p:sp>
+        <p:nvSpPr>
+          <p:cNvPr id="33" name="TextBox 32">
+            <a:extLst>
+              <a:ext uri="{FF2B5EF4-FFF2-40B4-BE49-F238E27FC236}">
+                <a16:creationId xmlns:a16="http://schemas.microsoft.com/office/drawing/2014/main" id="{D2F3BAB0-6CDF-2D4C-BAE8-1FAB21728C5B}"/>
+              </a:ext>
+            </a:extLst>
+          </p:cNvPr>
+          <p:cNvSpPr txBox="1"/>
+          <p:nvPr/>
+        </p:nvSpPr>
+        <p:spPr>
+          <a:xfrm>
+            <a:off x="2820912" y="2495644"/>
+            <a:ext cx="2290204" cy="369332"/>
+          </a:xfrm>
+          <a:prstGeom prst="rect">
+            <a:avLst/>
+          </a:prstGeom>
+          <a:noFill/>
+        </p:spPr>
+        <p:txBody>
+          <a:bodyPr wrap="square" rtlCol="0">
+            <a:spAutoFit/>
+          </a:bodyPr>
+          <a:lstStyle/>
+          <a:p>
+            <a:r>
+              <a:rPr lang="en-AU" dirty="0">
+                <a:solidFill>
+                  <a:srgbClr val="0070C0"/>
+                </a:solidFill>
+              </a:rPr>
+              <a:t>Forehand (R) force</a:t>
+            </a:r>
+          </a:p>
+        </p:txBody>
+      </p:sp>
+      <p:cxnSp>
+        <p:nvCxnSpPr>
+          <p:cNvPr id="34" name="Straight Connector 33">
+            <a:extLst>
+              <a:ext uri="{FF2B5EF4-FFF2-40B4-BE49-F238E27FC236}">
+                <a16:creationId xmlns:a16="http://schemas.microsoft.com/office/drawing/2014/main" id="{CFEB7196-05DE-A845-80F2-B9EE56BDAA01}"/>
+              </a:ext>
+            </a:extLst>
+          </p:cNvPr>
+          <p:cNvCxnSpPr>
+            <a:cxnSpLocks/>
+          </p:cNvCxnSpPr>
+          <p:nvPr/>
+        </p:nvCxnSpPr>
+        <p:spPr>
+          <a:xfrm>
+            <a:off x="4621711" y="898692"/>
+            <a:ext cx="0" cy="839561"/>
+          </a:xfrm>
+          <a:prstGeom prst="line">
+            <a:avLst/>
+          </a:prstGeom>
+          <a:ln w="60325">
+            <a:headEnd type="stealth" w="lg" len="lg"/>
+          </a:ln>
+        </p:spPr>
+        <p:style>
+          <a:lnRef idx="1">
+            <a:schemeClr val="accent1"/>
+          </a:lnRef>
+          <a:fillRef idx="0">
+            <a:schemeClr val="accent1"/>
+          </a:fillRef>
+          <a:effectRef idx="0">
+            <a:schemeClr val="accent1"/>
+          </a:effectRef>
+          <a:fontRef idx="minor">
+            <a:schemeClr val="tx1"/>
+          </a:fontRef>
+        </p:style>
+      </p:cxnSp>
+      <p:sp>
+        <p:nvSpPr>
+          <p:cNvPr id="36" name="TextBox 35">
+            <a:extLst>
+              <a:ext uri="{FF2B5EF4-FFF2-40B4-BE49-F238E27FC236}">
+                <a16:creationId xmlns:a16="http://schemas.microsoft.com/office/drawing/2014/main" id="{32C50CE3-A69D-6F4E-A643-993506529BBA}"/>
+              </a:ext>
+            </a:extLst>
+          </p:cNvPr>
+          <p:cNvSpPr txBox="1"/>
+          <p:nvPr/>
+        </p:nvSpPr>
+        <p:spPr>
+          <a:xfrm>
+            <a:off x="4212964" y="529360"/>
+            <a:ext cx="961755" cy="369332"/>
+          </a:xfrm>
+          <a:prstGeom prst="rect">
+            <a:avLst/>
+          </a:prstGeom>
+          <a:noFill/>
+        </p:spPr>
+        <p:txBody>
+          <a:bodyPr wrap="square" rtlCol="0">
+            <a:spAutoFit/>
+          </a:bodyPr>
+          <a:lstStyle/>
+          <a:p>
+            <a:r>
+              <a:rPr lang="en-AU" dirty="0">
+                <a:solidFill>
+                  <a:srgbClr val="0070C0"/>
+                </a:solidFill>
+              </a:rPr>
+              <a:t>Upfield</a:t>
+            </a:r>
+          </a:p>
+        </p:txBody>
+      </p:sp>
+      <p:sp>
+        <p:nvSpPr>
+          <p:cNvPr id="39" name="TextBox 38">
+            <a:extLst>
+              <a:ext uri="{FF2B5EF4-FFF2-40B4-BE49-F238E27FC236}">
+                <a16:creationId xmlns:a16="http://schemas.microsoft.com/office/drawing/2014/main" id="{FF9BF959-7663-4E43-82B8-A6B62D0EE304}"/>
+              </a:ext>
+            </a:extLst>
+          </p:cNvPr>
+          <p:cNvSpPr txBox="1"/>
+          <p:nvPr/>
+        </p:nvSpPr>
+        <p:spPr>
+          <a:xfrm>
+            <a:off x="3980994" y="8937881"/>
+            <a:ext cx="1210561" cy="369332"/>
+          </a:xfrm>
+          <a:prstGeom prst="rect">
+            <a:avLst/>
+          </a:prstGeom>
+          <a:noFill/>
+        </p:spPr>
+        <p:txBody>
+          <a:bodyPr wrap="square" rtlCol="0">
+            <a:spAutoFit/>
+          </a:bodyPr>
+          <a:lstStyle/>
+          <a:p>
+            <a:r>
+              <a:rPr lang="en-AU" dirty="0"/>
+              <a:t>Downfield</a:t>
+            </a:r>
+          </a:p>
+        </p:txBody>
+      </p:sp>
+      <p:sp>
+        <p:nvSpPr>
+          <p:cNvPr id="40" name="Oval 39">
+            <a:extLst>
+              <a:ext uri="{FF2B5EF4-FFF2-40B4-BE49-F238E27FC236}">
+                <a16:creationId xmlns:a16="http://schemas.microsoft.com/office/drawing/2014/main" id="{F7991E49-51E5-B144-BF2D-90C81A5A6344}"/>
+              </a:ext>
+            </a:extLst>
+          </p:cNvPr>
+          <p:cNvSpPr/>
+          <p:nvPr/>
+        </p:nvSpPr>
+        <p:spPr>
+          <a:xfrm>
+            <a:off x="3314650" y="3685674"/>
+            <a:ext cx="180000" cy="180000"/>
+          </a:xfrm>
+          <a:prstGeom prst="ellipse">
+            <a:avLst/>
+          </a:prstGeom>
+          <a:solidFill>
+            <a:schemeClr val="tx1"/>
+          </a:solidFill>
+        </p:spPr>
+        <p:style>
+          <a:lnRef idx="2">
+            <a:schemeClr val="accent1">
+              <a:shade val="50000"/>
+            </a:schemeClr>
+          </a:lnRef>
+          <a:fillRef idx="1">
+            <a:schemeClr val="accent1"/>
+          </a:fillRef>
+          <a:effectRef idx="0">
+            <a:schemeClr val="accent1"/>
+          </a:effectRef>
+          <a:fontRef idx="minor">
+            <a:schemeClr val="lt1"/>
+          </a:fontRef>
+        </p:style>
+        <p:txBody>
+          <a:bodyPr rtlCol="0" anchor="ctr"/>
+          <a:lstStyle/>
+          <a:p>
+            <a:pPr algn="ctr"/>
+            <a:endParaRPr lang="en-AU"/>
+          </a:p>
+        </p:txBody>
+      </p:sp>
+      <p:cxnSp>
+        <p:nvCxnSpPr>
+          <p:cNvPr id="30" name="Straight Connector 29">
+            <a:extLst>
+              <a:ext uri="{FF2B5EF4-FFF2-40B4-BE49-F238E27FC236}">
+                <a16:creationId xmlns:a16="http://schemas.microsoft.com/office/drawing/2014/main" id="{B4D48460-EF8C-4F4A-A7B3-E5390CF72E79}"/>
+              </a:ext>
+            </a:extLst>
+          </p:cNvPr>
+          <p:cNvCxnSpPr>
+            <a:cxnSpLocks/>
+          </p:cNvCxnSpPr>
+          <p:nvPr/>
+        </p:nvCxnSpPr>
+        <p:spPr>
+          <a:xfrm>
+            <a:off x="1961250" y="8195722"/>
+            <a:ext cx="3238092" cy="0"/>
+          </a:xfrm>
+          <a:prstGeom prst="line">
+            <a:avLst/>
+          </a:prstGeom>
+          <a:ln w="38100">
+            <a:solidFill>
+              <a:schemeClr val="bg1">
+                <a:lumMod val="50000"/>
+              </a:schemeClr>
+            </a:solidFill>
+            <a:prstDash val="sysDash"/>
+          </a:ln>
+        </p:spPr>
+        <p:style>
+          <a:lnRef idx="1">
+            <a:schemeClr val="accent1"/>
+          </a:lnRef>
+          <a:fillRef idx="0">
+            <a:schemeClr val="accent1"/>
+          </a:fillRef>
+          <a:effectRef idx="0">
+            <a:schemeClr val="accent1"/>
+          </a:effectRef>
+          <a:fontRef idx="minor">
+            <a:schemeClr val="tx1"/>
+          </a:fontRef>
+        </p:style>
+      </p:cxnSp>
+      <p:cxnSp>
+        <p:nvCxnSpPr>
+          <p:cNvPr id="31" name="Straight Connector 30">
+            <a:extLst>
+              <a:ext uri="{FF2B5EF4-FFF2-40B4-BE49-F238E27FC236}">
+                <a16:creationId xmlns:a16="http://schemas.microsoft.com/office/drawing/2014/main" id="{1605190B-B80C-4A42-948A-4328B6F3BC0C}"/>
+              </a:ext>
+            </a:extLst>
+          </p:cNvPr>
+          <p:cNvCxnSpPr>
+            <a:cxnSpLocks/>
+          </p:cNvCxnSpPr>
+          <p:nvPr/>
+        </p:nvCxnSpPr>
+        <p:spPr>
+          <a:xfrm flipV="1">
+            <a:off x="5054150" y="8007529"/>
+            <a:ext cx="0" cy="938269"/>
+          </a:xfrm>
+          <a:prstGeom prst="line">
+            <a:avLst/>
+          </a:prstGeom>
+          <a:ln w="60325">
+            <a:solidFill>
+              <a:schemeClr val="tx1"/>
+            </a:solidFill>
+            <a:headEnd type="stealth" w="lg" len="lg"/>
+          </a:ln>
+        </p:spPr>
+        <p:style>
+          <a:lnRef idx="1">
+            <a:schemeClr val="accent1"/>
+          </a:lnRef>
+          <a:fillRef idx="0">
+            <a:schemeClr val="accent1"/>
+          </a:fillRef>
+          <a:effectRef idx="0">
+            <a:schemeClr val="accent1"/>
+          </a:effectRef>
+          <a:fontRef idx="minor">
+            <a:schemeClr val="tx1"/>
+          </a:fontRef>
+        </p:style>
+      </p:cxnSp>
+      <p:cxnSp>
+        <p:nvCxnSpPr>
+          <p:cNvPr id="35" name="Straight Connector 34">
+            <a:extLst>
+              <a:ext uri="{FF2B5EF4-FFF2-40B4-BE49-F238E27FC236}">
+                <a16:creationId xmlns:a16="http://schemas.microsoft.com/office/drawing/2014/main" id="{96DA6223-3940-684E-96D5-572E2E45F862}"/>
+              </a:ext>
+            </a:extLst>
+          </p:cNvPr>
+          <p:cNvCxnSpPr>
+            <a:cxnSpLocks/>
+          </p:cNvCxnSpPr>
+          <p:nvPr/>
+        </p:nvCxnSpPr>
+        <p:spPr>
+          <a:xfrm>
+            <a:off x="1961250" y="4207747"/>
+            <a:ext cx="3238092" cy="0"/>
+          </a:xfrm>
+          <a:prstGeom prst="line">
+            <a:avLst/>
+          </a:prstGeom>
+          <a:ln w="38100">
+            <a:solidFill>
+              <a:schemeClr val="bg1">
+                <a:lumMod val="50000"/>
+              </a:schemeClr>
+            </a:solidFill>
+            <a:prstDash val="sysDash"/>
+          </a:ln>
+        </p:spPr>
+        <p:style>
+          <a:lnRef idx="1">
+            <a:schemeClr val="accent1"/>
+          </a:lnRef>
+          <a:fillRef idx="0">
+            <a:schemeClr val="accent1"/>
+          </a:fillRef>
+          <a:effectRef idx="0">
+            <a:schemeClr val="accent1"/>
+          </a:effectRef>
+          <a:fontRef idx="minor">
+            <a:schemeClr val="tx1"/>
+          </a:fontRef>
+        </p:style>
+      </p:cxnSp>
+    </p:spTree>
+    <p:extLst>
+      <p:ext uri="{BB962C8B-B14F-4D97-AF65-F5344CB8AC3E}">
+        <p14:creationId xmlns:p14="http://schemas.microsoft.com/office/powerpoint/2010/main" val="3697203942"/>
+      </p:ext>
+    </p:extLst>
+  </p:cSld>
+  <p:clrMapOvr>
+    <a:masterClrMapping/>
+  </p:clrMapOvr>
+</p:sld>
+</file>
+
+<file path=ppt/slides/slide5.xml><?xml version="1.0" encoding="utf-8"?>
+<p:sld xmlns:a="http://schemas.openxmlformats.org/drawingml/2006/main" xmlns:r="http://schemas.openxmlformats.org/officeDocument/2006/relationships" xmlns:p="http://schemas.openxmlformats.org/presentationml/2006/main">
+  <p:cSld>
+    <p:spTree>
+      <p:nvGrpSpPr>
+        <p:cNvPr id="1" name=""/>
+        <p:cNvGrpSpPr/>
+        <p:nvPr/>
+      </p:nvGrpSpPr>
+      <p:grpSpPr>
+        <a:xfrm>
+          <a:off x="0" y="0"/>
+          <a:ext cx="0" cy="0"/>
+          <a:chOff x="0" y="0"/>
+          <a:chExt cx="0" cy="0"/>
+        </a:xfrm>
+      </p:grpSpPr>
+      <p:sp>
+        <p:nvSpPr>
+          <p:cNvPr id="5" name="Rounded Rectangle 4">
+            <a:extLst>
+              <a:ext uri="{FF2B5EF4-FFF2-40B4-BE49-F238E27FC236}">
+                <a16:creationId xmlns:a16="http://schemas.microsoft.com/office/drawing/2014/main" id="{3C953649-ED7C-3742-AAEA-8B243B81C427}"/>
+              </a:ext>
+            </a:extLst>
+          </p:cNvPr>
+          <p:cNvSpPr>
+            <a:spLocks noChangeAspect="1"/>
+          </p:cNvSpPr>
+          <p:nvPr/>
+        </p:nvSpPr>
+        <p:spPr>
+          <a:xfrm>
+            <a:off x="1953463" y="7718649"/>
+            <a:ext cx="3240000" cy="1576217"/>
+          </a:xfrm>
+          <a:prstGeom prst="roundRect">
+            <a:avLst/>
+          </a:prstGeom>
+          <a:solidFill>
+            <a:srgbClr val="00B050"/>
+          </a:solidFill>
+          <a:ln w="38100">
+            <a:solidFill>
+              <a:schemeClr val="tx1"/>
+            </a:solidFill>
+          </a:ln>
+        </p:spPr>
+        <p:style>
+          <a:lnRef idx="2">
+            <a:schemeClr val="accent1">
+              <a:shade val="50000"/>
+            </a:schemeClr>
+          </a:lnRef>
+          <a:fillRef idx="1">
+            <a:schemeClr val="accent1"/>
+          </a:fillRef>
+          <a:effectRef idx="0">
+            <a:schemeClr val="accent1"/>
+          </a:effectRef>
+          <a:fontRef idx="minor">
+            <a:schemeClr val="lt1"/>
+          </a:fontRef>
+        </p:style>
+        <p:txBody>
+          <a:bodyPr rtlCol="0" anchor="ctr"/>
+          <a:lstStyle/>
+          <a:p>
+            <a:pPr algn="ctr"/>
+            <a:endParaRPr lang="en-AU"/>
+          </a:p>
+        </p:txBody>
+      </p:sp>
+      <p:sp>
+        <p:nvSpPr>
+          <p:cNvPr id="6" name="Rounded Rectangle 5">
+            <a:extLst>
+              <a:ext uri="{FF2B5EF4-FFF2-40B4-BE49-F238E27FC236}">
+                <a16:creationId xmlns:a16="http://schemas.microsoft.com/office/drawing/2014/main" id="{781AE066-2F6F-CD4A-8C9D-2174A5C270BE}"/>
+              </a:ext>
+            </a:extLst>
+          </p:cNvPr>
+          <p:cNvSpPr>
+            <a:spLocks noChangeAspect="1"/>
+          </p:cNvSpPr>
+          <p:nvPr/>
+        </p:nvSpPr>
+        <p:spPr>
+          <a:xfrm>
+            <a:off x="1953463" y="520745"/>
+            <a:ext cx="3240000" cy="1576217"/>
+          </a:xfrm>
+          <a:prstGeom prst="roundRect">
+            <a:avLst/>
+          </a:prstGeom>
+          <a:solidFill>
+            <a:srgbClr val="FF0000"/>
+          </a:solidFill>
+          <a:ln w="38100">
+            <a:solidFill>
+              <a:schemeClr val="tx1"/>
+            </a:solidFill>
+          </a:ln>
+        </p:spPr>
+        <p:style>
+          <a:lnRef idx="2">
+            <a:schemeClr val="accent1">
+              <a:shade val="50000"/>
+            </a:schemeClr>
+          </a:lnRef>
+          <a:fillRef idx="1">
+            <a:schemeClr val="accent1"/>
+          </a:fillRef>
+          <a:effectRef idx="0">
+            <a:schemeClr val="accent1"/>
+          </a:effectRef>
+          <a:fontRef idx="minor">
+            <a:schemeClr val="lt1"/>
+          </a:fontRef>
+        </p:style>
+        <p:txBody>
+          <a:bodyPr rtlCol="0" anchor="ctr"/>
+          <a:lstStyle/>
+          <a:p>
+            <a:pPr algn="ctr"/>
+            <a:endParaRPr lang="en-AU" dirty="0"/>
+          </a:p>
+        </p:txBody>
+      </p:sp>
+      <p:sp>
+        <p:nvSpPr>
+          <p:cNvPr id="7" name="Rounded Rectangle 6">
+            <a:extLst>
+              <a:ext uri="{FF2B5EF4-FFF2-40B4-BE49-F238E27FC236}">
+                <a16:creationId xmlns:a16="http://schemas.microsoft.com/office/drawing/2014/main" id="{58A277D1-08DF-1A43-AFBF-E7F4DE2FD6BB}"/>
+              </a:ext>
+            </a:extLst>
+          </p:cNvPr>
+          <p:cNvSpPr>
+            <a:spLocks noChangeAspect="1"/>
+          </p:cNvSpPr>
+          <p:nvPr/>
+        </p:nvSpPr>
+        <p:spPr>
+          <a:xfrm>
+            <a:off x="1524892" y="101296"/>
+            <a:ext cx="4114800" cy="9630383"/>
+          </a:xfrm>
+          <a:prstGeom prst="roundRect">
+            <a:avLst/>
+          </a:prstGeom>
+          <a:noFill/>
+          <a:ln w="38100">
+            <a:solidFill>
+              <a:schemeClr val="bg1">
+                <a:lumMod val="50000"/>
+              </a:schemeClr>
+            </a:solidFill>
+            <a:prstDash val="sysDot"/>
+          </a:ln>
+        </p:spPr>
+        <p:style>
+          <a:lnRef idx="2">
+            <a:schemeClr val="accent1">
+              <a:shade val="50000"/>
+            </a:schemeClr>
+          </a:lnRef>
+          <a:fillRef idx="1">
+            <a:schemeClr val="accent1"/>
+          </a:fillRef>
+          <a:effectRef idx="0">
+            <a:schemeClr val="accent1"/>
+          </a:effectRef>
+          <a:fontRef idx="minor">
+            <a:schemeClr val="lt1"/>
+          </a:fontRef>
+        </p:style>
+        <p:txBody>
+          <a:bodyPr rtlCol="0" anchor="ctr"/>
+          <a:lstStyle/>
+          <a:p>
+            <a:pPr algn="ctr"/>
+            <a:endParaRPr lang="en-AU"/>
+          </a:p>
+        </p:txBody>
+      </p:sp>
+      <p:cxnSp>
+        <p:nvCxnSpPr>
+          <p:cNvPr id="34" name="Straight Connector 33">
+            <a:extLst>
+              <a:ext uri="{FF2B5EF4-FFF2-40B4-BE49-F238E27FC236}">
+                <a16:creationId xmlns:a16="http://schemas.microsoft.com/office/drawing/2014/main" id="{CFEB7196-05DE-A845-80F2-B9EE56BDAA01}"/>
+              </a:ext>
+            </a:extLst>
+          </p:cNvPr>
+          <p:cNvCxnSpPr>
+            <a:cxnSpLocks/>
+          </p:cNvCxnSpPr>
+          <p:nvPr/>
+        </p:nvCxnSpPr>
+        <p:spPr>
+          <a:xfrm>
+            <a:off x="5373127" y="294245"/>
+            <a:ext cx="0" cy="839561"/>
+          </a:xfrm>
+          <a:prstGeom prst="line">
+            <a:avLst/>
+          </a:prstGeom>
+          <a:ln w="60325">
+            <a:solidFill>
+              <a:srgbClr val="C00000"/>
+            </a:solidFill>
+            <a:headEnd type="stealth" w="lg" len="lg"/>
+          </a:ln>
+        </p:spPr>
+        <p:style>
+          <a:lnRef idx="1">
+            <a:schemeClr val="accent1"/>
+          </a:lnRef>
+          <a:fillRef idx="0">
+            <a:schemeClr val="accent1"/>
+          </a:fillRef>
+          <a:effectRef idx="0">
+            <a:schemeClr val="accent1"/>
+          </a:effectRef>
+          <a:fontRef idx="minor">
+            <a:schemeClr val="tx1"/>
+          </a:fontRef>
+        </p:style>
+      </p:cxnSp>
+      <p:sp>
+        <p:nvSpPr>
+          <p:cNvPr id="36" name="TextBox 35">
+            <a:extLst>
+              <a:ext uri="{FF2B5EF4-FFF2-40B4-BE49-F238E27FC236}">
+                <a16:creationId xmlns:a16="http://schemas.microsoft.com/office/drawing/2014/main" id="{32C50CE3-A69D-6F4E-A643-993506529BBA}"/>
+              </a:ext>
+            </a:extLst>
+          </p:cNvPr>
+          <p:cNvSpPr txBox="1"/>
+          <p:nvPr/>
+        </p:nvSpPr>
+        <p:spPr>
+          <a:xfrm>
+            <a:off x="4446628" y="168836"/>
+            <a:ext cx="961755" cy="369332"/>
+          </a:xfrm>
+          <a:prstGeom prst="rect">
+            <a:avLst/>
+          </a:prstGeom>
+          <a:noFill/>
+        </p:spPr>
+        <p:txBody>
+          <a:bodyPr wrap="square" rtlCol="0">
+            <a:spAutoFit/>
+          </a:bodyPr>
+          <a:lstStyle/>
+          <a:p>
+            <a:r>
+              <a:rPr lang="en-AU" dirty="0">
+                <a:solidFill>
+                  <a:srgbClr val="C00000"/>
+                </a:solidFill>
+              </a:rPr>
+              <a:t>Upfield</a:t>
+            </a:r>
+          </a:p>
+        </p:txBody>
+      </p:sp>
+      <p:sp>
+        <p:nvSpPr>
+          <p:cNvPr id="39" name="TextBox 38">
+            <a:extLst>
+              <a:ext uri="{FF2B5EF4-FFF2-40B4-BE49-F238E27FC236}">
+                <a16:creationId xmlns:a16="http://schemas.microsoft.com/office/drawing/2014/main" id="{FF9BF959-7663-4E43-82B8-A6B62D0EE304}"/>
+              </a:ext>
+            </a:extLst>
+          </p:cNvPr>
+          <p:cNvSpPr txBox="1"/>
+          <p:nvPr/>
+        </p:nvSpPr>
+        <p:spPr>
+          <a:xfrm>
+            <a:off x="4288814" y="9291052"/>
+            <a:ext cx="1210561" cy="369332"/>
+          </a:xfrm>
+          <a:prstGeom prst="rect">
+            <a:avLst/>
+          </a:prstGeom>
+          <a:noFill/>
+        </p:spPr>
+        <p:txBody>
+          <a:bodyPr wrap="square" rtlCol="0">
+            <a:spAutoFit/>
+          </a:bodyPr>
+          <a:lstStyle/>
+          <a:p>
+            <a:r>
+              <a:rPr lang="en-AU" dirty="0">
+                <a:solidFill>
+                  <a:schemeClr val="accent6"/>
+                </a:solidFill>
+              </a:rPr>
+              <a:t>Downfield</a:t>
+            </a:r>
+          </a:p>
+        </p:txBody>
+      </p:sp>
+      <p:sp>
+        <p:nvSpPr>
+          <p:cNvPr id="30" name="Rounded Rectangle 29">
+            <a:extLst>
+              <a:ext uri="{FF2B5EF4-FFF2-40B4-BE49-F238E27FC236}">
+                <a16:creationId xmlns:a16="http://schemas.microsoft.com/office/drawing/2014/main" id="{B8A86484-2904-4E46-B5B4-7651A5C626E4}"/>
+              </a:ext>
+            </a:extLst>
+          </p:cNvPr>
+          <p:cNvSpPr>
+            <a:spLocks noChangeAspect="1"/>
+          </p:cNvSpPr>
+          <p:nvPr/>
+        </p:nvSpPr>
+        <p:spPr>
+          <a:xfrm>
+            <a:off x="1955619" y="2096962"/>
+            <a:ext cx="3240000" cy="5604325"/>
+          </a:xfrm>
+          <a:prstGeom prst="roundRect">
+            <a:avLst/>
+          </a:prstGeom>
+          <a:noFill/>
+          <a:ln w="38100">
+            <a:solidFill>
+              <a:schemeClr val="tx1"/>
+            </a:solidFill>
+          </a:ln>
+        </p:spPr>
+        <p:style>
+          <a:lnRef idx="2">
+            <a:schemeClr val="accent1">
+              <a:shade val="50000"/>
+            </a:schemeClr>
+          </a:lnRef>
+          <a:fillRef idx="1">
+            <a:schemeClr val="accent1"/>
+          </a:fillRef>
+          <a:effectRef idx="0">
+            <a:schemeClr val="accent1"/>
+          </a:effectRef>
+          <a:fontRef idx="minor">
+            <a:schemeClr val="lt1"/>
+          </a:fontRef>
+        </p:style>
+        <p:txBody>
+          <a:bodyPr rtlCol="0" anchor="ctr"/>
+          <a:lstStyle/>
+          <a:p>
+            <a:pPr algn="ctr"/>
+            <a:endParaRPr lang="en-AU"/>
+          </a:p>
+        </p:txBody>
+      </p:sp>
+      <p:sp>
+        <p:nvSpPr>
+          <p:cNvPr id="31" name="Multiply 30">
+            <a:extLst>
+              <a:ext uri="{FF2B5EF4-FFF2-40B4-BE49-F238E27FC236}">
+                <a16:creationId xmlns:a16="http://schemas.microsoft.com/office/drawing/2014/main" id="{5E280636-5677-E24B-9170-B5E74AF6F10D}"/>
+              </a:ext>
+            </a:extLst>
+          </p:cNvPr>
+          <p:cNvSpPr/>
+          <p:nvPr/>
+        </p:nvSpPr>
+        <p:spPr>
+          <a:xfrm>
+            <a:off x="3200727" y="5719826"/>
+            <a:ext cx="767443" cy="849086"/>
+          </a:xfrm>
+          <a:prstGeom prst="mathMultiply">
+            <a:avLst/>
+          </a:prstGeom>
+          <a:noFill/>
+        </p:spPr>
+        <p:style>
+          <a:lnRef idx="2">
+            <a:schemeClr val="accent1">
+              <a:shade val="50000"/>
+            </a:schemeClr>
+          </a:lnRef>
+          <a:fillRef idx="1">
+            <a:schemeClr val="accent1"/>
+          </a:fillRef>
+          <a:effectRef idx="0">
+            <a:schemeClr val="accent1"/>
+          </a:effectRef>
+          <a:fontRef idx="minor">
+            <a:schemeClr val="lt1"/>
+          </a:fontRef>
+        </p:style>
+        <p:txBody>
+          <a:bodyPr rtlCol="0" anchor="ctr"/>
+          <a:lstStyle/>
+          <a:p>
+            <a:pPr algn="ctr"/>
+            <a:endParaRPr lang="en-AU"/>
+          </a:p>
+        </p:txBody>
+      </p:sp>
+      <p:sp>
+        <p:nvSpPr>
+          <p:cNvPr id="32" name="Multiply 31">
+            <a:extLst>
+              <a:ext uri="{FF2B5EF4-FFF2-40B4-BE49-F238E27FC236}">
+                <a16:creationId xmlns:a16="http://schemas.microsoft.com/office/drawing/2014/main" id="{F64121CE-0A72-C743-B147-31433D640BE0}"/>
+              </a:ext>
+            </a:extLst>
+          </p:cNvPr>
+          <p:cNvSpPr/>
+          <p:nvPr/>
+        </p:nvSpPr>
+        <p:spPr>
+          <a:xfrm>
+            <a:off x="3194392" y="3229341"/>
+            <a:ext cx="767443" cy="849086"/>
+          </a:xfrm>
+          <a:prstGeom prst="mathMultiply">
+            <a:avLst/>
+          </a:prstGeom>
+          <a:noFill/>
+        </p:spPr>
+        <p:style>
+          <a:lnRef idx="2">
+            <a:schemeClr val="accent1">
+              <a:shade val="50000"/>
+            </a:schemeClr>
+          </a:lnRef>
+          <a:fillRef idx="1">
+            <a:schemeClr val="accent1"/>
+          </a:fillRef>
+          <a:effectRef idx="0">
+            <a:schemeClr val="accent1"/>
+          </a:effectRef>
+          <a:fontRef idx="minor">
+            <a:schemeClr val="lt1"/>
+          </a:fontRef>
+        </p:style>
+        <p:txBody>
+          <a:bodyPr rtlCol="0" anchor="ctr"/>
+          <a:lstStyle/>
+          <a:p>
+            <a:pPr algn="ctr"/>
+            <a:endParaRPr lang="en-AU"/>
+          </a:p>
+        </p:txBody>
+      </p:sp>
+      <p:sp>
+        <p:nvSpPr>
+          <p:cNvPr id="35" name="TextBox 34">
+            <a:extLst>
+              <a:ext uri="{FF2B5EF4-FFF2-40B4-BE49-F238E27FC236}">
+                <a16:creationId xmlns:a16="http://schemas.microsoft.com/office/drawing/2014/main" id="{79DAF68E-1DAE-D641-8B9E-EC4390F7E0BB}"/>
+              </a:ext>
+            </a:extLst>
+          </p:cNvPr>
+          <p:cNvSpPr txBox="1"/>
+          <p:nvPr/>
+        </p:nvSpPr>
+        <p:spPr>
+          <a:xfrm>
+            <a:off x="3347038" y="4762366"/>
+            <a:ext cx="466518" cy="369332"/>
+          </a:xfrm>
+          <a:prstGeom prst="rect">
+            <a:avLst/>
+          </a:prstGeom>
+          <a:noFill/>
+        </p:spPr>
+        <p:txBody>
+          <a:bodyPr wrap="square" rtlCol="0">
+            <a:spAutoFit/>
+          </a:bodyPr>
+          <a:lstStyle/>
+          <a:p>
+            <a:r>
+              <a:rPr lang="en-AU" dirty="0">
+                <a:solidFill>
+                  <a:schemeClr val="bg1">
+                    <a:lumMod val="50000"/>
+                  </a:schemeClr>
+                </a:solidFill>
+              </a:rPr>
+              <a:t>O2</a:t>
+            </a:r>
+          </a:p>
+        </p:txBody>
+      </p:sp>
+      <p:sp>
+        <p:nvSpPr>
+          <p:cNvPr id="38" name="TextBox 37">
+            <a:extLst>
+              <a:ext uri="{FF2B5EF4-FFF2-40B4-BE49-F238E27FC236}">
+                <a16:creationId xmlns:a16="http://schemas.microsoft.com/office/drawing/2014/main" id="{7042CAA2-E6DA-0B42-9E72-2E15BEA3B1CC}"/>
+              </a:ext>
+            </a:extLst>
+          </p:cNvPr>
+          <p:cNvSpPr txBox="1"/>
+          <p:nvPr/>
+        </p:nvSpPr>
+        <p:spPr>
+          <a:xfrm>
+            <a:off x="3347049" y="5024767"/>
+            <a:ext cx="470658" cy="369332"/>
+          </a:xfrm>
+          <a:prstGeom prst="rect">
+            <a:avLst/>
+          </a:prstGeom>
+          <a:solidFill>
+            <a:schemeClr val="tx1"/>
+          </a:solidFill>
+        </p:spPr>
+        <p:txBody>
+          <a:bodyPr wrap="square" rtlCol="0">
+            <a:spAutoFit/>
+          </a:bodyPr>
+          <a:lstStyle/>
+          <a:p>
+            <a:r>
+              <a:rPr lang="en-AU" dirty="0">
+                <a:solidFill>
+                  <a:schemeClr val="bg1"/>
+                </a:solidFill>
+              </a:rPr>
+              <a:t>O1</a:t>
+            </a:r>
+          </a:p>
+        </p:txBody>
+      </p:sp>
+      <p:sp>
+        <p:nvSpPr>
+          <p:cNvPr id="41" name="TextBox 40">
+            <a:extLst>
+              <a:ext uri="{FF2B5EF4-FFF2-40B4-BE49-F238E27FC236}">
+                <a16:creationId xmlns:a16="http://schemas.microsoft.com/office/drawing/2014/main" id="{6A4DBE8F-FE25-9E4C-8B3E-05DC9C007444}"/>
+              </a:ext>
+            </a:extLst>
+          </p:cNvPr>
+          <p:cNvSpPr txBox="1"/>
+          <p:nvPr/>
+        </p:nvSpPr>
+        <p:spPr>
+          <a:xfrm>
+            <a:off x="3347038" y="4589550"/>
+            <a:ext cx="466518" cy="369332"/>
+          </a:xfrm>
+          <a:prstGeom prst="rect">
+            <a:avLst/>
+          </a:prstGeom>
+          <a:noFill/>
+        </p:spPr>
+        <p:txBody>
+          <a:bodyPr wrap="square" rtlCol="0">
+            <a:spAutoFit/>
+          </a:bodyPr>
+          <a:lstStyle/>
+          <a:p>
+            <a:r>
+              <a:rPr lang="en-AU" dirty="0">
+                <a:solidFill>
+                  <a:schemeClr val="bg1">
+                    <a:lumMod val="50000"/>
+                  </a:schemeClr>
+                </a:solidFill>
+              </a:rPr>
+              <a:t>O3</a:t>
+            </a:r>
+          </a:p>
+        </p:txBody>
+      </p:sp>
+      <p:sp>
+        <p:nvSpPr>
+          <p:cNvPr id="42" name="TextBox 41">
+            <a:extLst>
+              <a:ext uri="{FF2B5EF4-FFF2-40B4-BE49-F238E27FC236}">
+                <a16:creationId xmlns:a16="http://schemas.microsoft.com/office/drawing/2014/main" id="{B5F10BD1-841A-F04B-A2A2-55D0139DC377}"/>
+              </a:ext>
+            </a:extLst>
+          </p:cNvPr>
+          <p:cNvSpPr txBox="1"/>
+          <p:nvPr/>
+        </p:nvSpPr>
+        <p:spPr>
+          <a:xfrm>
+            <a:off x="3344678" y="4406337"/>
+            <a:ext cx="466518" cy="369332"/>
+          </a:xfrm>
+          <a:prstGeom prst="rect">
+            <a:avLst/>
+          </a:prstGeom>
+          <a:noFill/>
+        </p:spPr>
+        <p:txBody>
+          <a:bodyPr wrap="square" rtlCol="0">
+            <a:spAutoFit/>
+          </a:bodyPr>
+          <a:lstStyle/>
+          <a:p>
+            <a:r>
+              <a:rPr lang="en-AU" dirty="0">
+                <a:solidFill>
+                  <a:schemeClr val="bg1">
+                    <a:lumMod val="50000"/>
+                  </a:schemeClr>
+                </a:solidFill>
+              </a:rPr>
+              <a:t>O4</a:t>
+            </a:r>
+          </a:p>
+        </p:txBody>
+      </p:sp>
+      <p:sp>
+        <p:nvSpPr>
+          <p:cNvPr id="44" name="TextBox 43">
+            <a:extLst>
+              <a:ext uri="{FF2B5EF4-FFF2-40B4-BE49-F238E27FC236}">
+                <a16:creationId xmlns:a16="http://schemas.microsoft.com/office/drawing/2014/main" id="{ED76DF6A-2F54-F447-8ADE-845E9CC87A6B}"/>
+              </a:ext>
+            </a:extLst>
+          </p:cNvPr>
+          <p:cNvSpPr txBox="1"/>
+          <p:nvPr/>
+        </p:nvSpPr>
+        <p:spPr>
+          <a:xfrm>
+            <a:off x="3362657" y="3446193"/>
+            <a:ext cx="466518" cy="369332"/>
+          </a:xfrm>
+          <a:prstGeom prst="rect">
+            <a:avLst/>
+          </a:prstGeom>
+          <a:noFill/>
+        </p:spPr>
+        <p:txBody>
+          <a:bodyPr wrap="square" rtlCol="0">
+            <a:spAutoFit/>
+          </a:bodyPr>
+          <a:lstStyle/>
+          <a:p>
+            <a:r>
+              <a:rPr lang="en-AU" dirty="0">
+                <a:solidFill>
+                  <a:schemeClr val="bg1">
+                    <a:lumMod val="50000"/>
+                  </a:schemeClr>
+                </a:solidFill>
+              </a:rPr>
+              <a:t>O6</a:t>
+            </a:r>
+          </a:p>
+        </p:txBody>
+      </p:sp>
+      <p:sp>
+        <p:nvSpPr>
+          <p:cNvPr id="45" name="TextBox 44">
+            <a:extLst>
+              <a:ext uri="{FF2B5EF4-FFF2-40B4-BE49-F238E27FC236}">
+                <a16:creationId xmlns:a16="http://schemas.microsoft.com/office/drawing/2014/main" id="{2AA289A3-FFF3-9040-A161-C18FA54A9DD6}"/>
+              </a:ext>
+            </a:extLst>
+          </p:cNvPr>
+          <p:cNvSpPr txBox="1"/>
+          <p:nvPr/>
+        </p:nvSpPr>
+        <p:spPr>
+          <a:xfrm>
+            <a:off x="2184008" y="2669118"/>
+            <a:ext cx="466518" cy="369332"/>
+          </a:xfrm>
+          <a:prstGeom prst="rect">
+            <a:avLst/>
+          </a:prstGeom>
+          <a:noFill/>
+        </p:spPr>
+        <p:txBody>
+          <a:bodyPr wrap="square" rtlCol="0">
+            <a:spAutoFit/>
+          </a:bodyPr>
+          <a:lstStyle/>
+          <a:p>
+            <a:r>
+              <a:rPr lang="en-AU" dirty="0">
+                <a:solidFill>
+                  <a:schemeClr val="bg1">
+                    <a:lumMod val="50000"/>
+                  </a:schemeClr>
+                </a:solidFill>
+              </a:rPr>
+              <a:t>O7</a:t>
+            </a:r>
+          </a:p>
+        </p:txBody>
+      </p:sp>
+      <p:sp>
+        <p:nvSpPr>
+          <p:cNvPr id="46" name="TextBox 45">
+            <a:extLst>
+              <a:ext uri="{FF2B5EF4-FFF2-40B4-BE49-F238E27FC236}">
+                <a16:creationId xmlns:a16="http://schemas.microsoft.com/office/drawing/2014/main" id="{837A8049-6590-7D4C-92CF-A71FB0211A45}"/>
+              </a:ext>
+            </a:extLst>
+          </p:cNvPr>
+          <p:cNvSpPr txBox="1"/>
+          <p:nvPr/>
+        </p:nvSpPr>
+        <p:spPr>
+          <a:xfrm>
+            <a:off x="2997144" y="5093964"/>
+            <a:ext cx="466518" cy="369332"/>
+          </a:xfrm>
+          <a:prstGeom prst="rect">
+            <a:avLst/>
+          </a:prstGeom>
+          <a:noFill/>
+        </p:spPr>
+        <p:txBody>
+          <a:bodyPr wrap="square" rtlCol="0">
+            <a:spAutoFit/>
+          </a:bodyPr>
+          <a:lstStyle/>
+          <a:p>
+            <a:r>
+              <a:rPr lang="en-AU" dirty="0">
+                <a:solidFill>
+                  <a:srgbClr val="0070C0"/>
+                </a:solidFill>
+              </a:rPr>
+              <a:t>D8</a:t>
+            </a:r>
+          </a:p>
+        </p:txBody>
+      </p:sp>
+      <p:sp>
+        <p:nvSpPr>
+          <p:cNvPr id="47" name="TextBox 46">
+            <a:extLst>
+              <a:ext uri="{FF2B5EF4-FFF2-40B4-BE49-F238E27FC236}">
+                <a16:creationId xmlns:a16="http://schemas.microsoft.com/office/drawing/2014/main" id="{CCF22243-6FE8-EC41-B159-942CB7F07C00}"/>
+              </a:ext>
+            </a:extLst>
+          </p:cNvPr>
+          <p:cNvSpPr txBox="1"/>
+          <p:nvPr/>
+        </p:nvSpPr>
+        <p:spPr>
+          <a:xfrm>
+            <a:off x="3025246" y="4717776"/>
+            <a:ext cx="466518" cy="369332"/>
+          </a:xfrm>
+          <a:prstGeom prst="rect">
+            <a:avLst/>
+          </a:prstGeom>
+          <a:noFill/>
+        </p:spPr>
+        <p:txBody>
+          <a:bodyPr wrap="square" rtlCol="0">
+            <a:spAutoFit/>
+          </a:bodyPr>
+          <a:lstStyle/>
+          <a:p>
+            <a:r>
+              <a:rPr lang="en-AU" dirty="0">
+                <a:solidFill>
+                  <a:srgbClr val="0070C0"/>
+                </a:solidFill>
+              </a:rPr>
+              <a:t>D9</a:t>
+            </a:r>
+          </a:p>
+        </p:txBody>
+      </p:sp>
+      <p:sp>
+        <p:nvSpPr>
+          <p:cNvPr id="48" name="TextBox 47">
+            <a:extLst>
+              <a:ext uri="{FF2B5EF4-FFF2-40B4-BE49-F238E27FC236}">
+                <a16:creationId xmlns:a16="http://schemas.microsoft.com/office/drawing/2014/main" id="{86C9D4C4-44D0-C944-9E8E-3B2426A48A88}"/>
+              </a:ext>
+            </a:extLst>
+          </p:cNvPr>
+          <p:cNvSpPr txBox="1"/>
+          <p:nvPr/>
+        </p:nvSpPr>
+        <p:spPr>
+          <a:xfrm>
+            <a:off x="2894191" y="4528573"/>
+            <a:ext cx="616526" cy="369332"/>
+          </a:xfrm>
+          <a:prstGeom prst="rect">
+            <a:avLst/>
+          </a:prstGeom>
+          <a:noFill/>
+        </p:spPr>
+        <p:txBody>
+          <a:bodyPr wrap="square" rtlCol="0">
+            <a:spAutoFit/>
+          </a:bodyPr>
+          <a:lstStyle/>
+          <a:p>
+            <a:r>
+              <a:rPr lang="en-AU" dirty="0">
+                <a:solidFill>
+                  <a:srgbClr val="0070C0"/>
+                </a:solidFill>
+              </a:rPr>
+              <a:t>D10</a:t>
+            </a:r>
+          </a:p>
+        </p:txBody>
+      </p:sp>
+      <p:sp>
+        <p:nvSpPr>
+          <p:cNvPr id="49" name="TextBox 48">
+            <a:extLst>
+              <a:ext uri="{FF2B5EF4-FFF2-40B4-BE49-F238E27FC236}">
+                <a16:creationId xmlns:a16="http://schemas.microsoft.com/office/drawing/2014/main" id="{8BD7E8C7-8F53-ED4B-8FFE-D850DF56DB0A}"/>
+              </a:ext>
+            </a:extLst>
+          </p:cNvPr>
+          <p:cNvSpPr txBox="1"/>
+          <p:nvPr/>
+        </p:nvSpPr>
+        <p:spPr>
+          <a:xfrm>
+            <a:off x="2900982" y="4338417"/>
+            <a:ext cx="616526" cy="369332"/>
+          </a:xfrm>
+          <a:prstGeom prst="rect">
+            <a:avLst/>
+          </a:prstGeom>
+          <a:noFill/>
+        </p:spPr>
+        <p:txBody>
+          <a:bodyPr wrap="square" rtlCol="0">
+            <a:spAutoFit/>
+          </a:bodyPr>
+          <a:lstStyle/>
+          <a:p>
+            <a:r>
+              <a:rPr lang="en-AU" dirty="0">
+                <a:solidFill>
+                  <a:srgbClr val="0070C0"/>
+                </a:solidFill>
+              </a:rPr>
+              <a:t>D11</a:t>
+            </a:r>
+          </a:p>
+        </p:txBody>
+      </p:sp>
+      <p:sp>
+        <p:nvSpPr>
+          <p:cNvPr id="50" name="TextBox 49">
+            <a:extLst>
+              <a:ext uri="{FF2B5EF4-FFF2-40B4-BE49-F238E27FC236}">
+                <a16:creationId xmlns:a16="http://schemas.microsoft.com/office/drawing/2014/main" id="{9B50AAF5-E2C8-8C47-BB34-7CF21FC3A939}"/>
+              </a:ext>
+            </a:extLst>
+          </p:cNvPr>
+          <p:cNvSpPr txBox="1"/>
+          <p:nvPr/>
+        </p:nvSpPr>
+        <p:spPr>
+          <a:xfrm>
+            <a:off x="4314018" y="3533870"/>
+            <a:ext cx="616526" cy="369332"/>
+          </a:xfrm>
+          <a:prstGeom prst="rect">
+            <a:avLst/>
+          </a:prstGeom>
+          <a:noFill/>
+        </p:spPr>
+        <p:txBody>
+          <a:bodyPr wrap="square" rtlCol="0">
+            <a:spAutoFit/>
+          </a:bodyPr>
+          <a:lstStyle/>
+          <a:p>
+            <a:r>
+              <a:rPr lang="en-AU" dirty="0">
+                <a:solidFill>
+                  <a:srgbClr val="0070C0"/>
+                </a:solidFill>
+              </a:rPr>
+              <a:t>D12</a:t>
+            </a:r>
+          </a:p>
+        </p:txBody>
+      </p:sp>
+      <p:sp>
+        <p:nvSpPr>
+          <p:cNvPr id="51" name="TextBox 50">
+            <a:extLst>
+              <a:ext uri="{FF2B5EF4-FFF2-40B4-BE49-F238E27FC236}">
+                <a16:creationId xmlns:a16="http://schemas.microsoft.com/office/drawing/2014/main" id="{92E484C6-77CC-ED41-A22D-A89845F770A5}"/>
+              </a:ext>
+            </a:extLst>
+          </p:cNvPr>
+          <p:cNvSpPr txBox="1"/>
+          <p:nvPr/>
+        </p:nvSpPr>
+        <p:spPr>
+          <a:xfrm>
+            <a:off x="3516755" y="3821721"/>
+            <a:ext cx="616526" cy="369332"/>
+          </a:xfrm>
+          <a:prstGeom prst="rect">
+            <a:avLst/>
+          </a:prstGeom>
+          <a:noFill/>
+        </p:spPr>
+        <p:txBody>
+          <a:bodyPr wrap="square" rtlCol="0">
+            <a:spAutoFit/>
+          </a:bodyPr>
+          <a:lstStyle/>
+          <a:p>
+            <a:r>
+              <a:rPr lang="en-AU" dirty="0">
+                <a:solidFill>
+                  <a:srgbClr val="0070C0"/>
+                </a:solidFill>
+              </a:rPr>
+              <a:t>D13</a:t>
+            </a:r>
+          </a:p>
+        </p:txBody>
+      </p:sp>
+      <p:sp>
+        <p:nvSpPr>
+          <p:cNvPr id="52" name="TextBox 51">
+            <a:extLst>
+              <a:ext uri="{FF2B5EF4-FFF2-40B4-BE49-F238E27FC236}">
+                <a16:creationId xmlns:a16="http://schemas.microsoft.com/office/drawing/2014/main" id="{12662D9B-166C-F641-904E-8CCCEF4D6E57}"/>
+              </a:ext>
+            </a:extLst>
+          </p:cNvPr>
+          <p:cNvSpPr txBox="1"/>
+          <p:nvPr/>
+        </p:nvSpPr>
+        <p:spPr>
+          <a:xfrm>
+            <a:off x="2404444" y="2927659"/>
+            <a:ext cx="616526" cy="369332"/>
+          </a:xfrm>
+          <a:prstGeom prst="rect">
+            <a:avLst/>
+          </a:prstGeom>
+          <a:noFill/>
+        </p:spPr>
+        <p:txBody>
+          <a:bodyPr wrap="square" rtlCol="0">
+            <a:spAutoFit/>
+          </a:bodyPr>
+          <a:lstStyle/>
+          <a:p>
+            <a:r>
+              <a:rPr lang="en-AU" dirty="0">
+                <a:solidFill>
+                  <a:srgbClr val="0070C0"/>
+                </a:solidFill>
+              </a:rPr>
+              <a:t>D14</a:t>
+            </a:r>
+          </a:p>
+        </p:txBody>
+      </p:sp>
+      <p:cxnSp>
+        <p:nvCxnSpPr>
+          <p:cNvPr id="53" name="Straight Connector 52">
+            <a:extLst>
+              <a:ext uri="{FF2B5EF4-FFF2-40B4-BE49-F238E27FC236}">
+                <a16:creationId xmlns:a16="http://schemas.microsoft.com/office/drawing/2014/main" id="{C0CAE4EA-6601-F843-8A15-88136AE40C4F}"/>
+              </a:ext>
+            </a:extLst>
+          </p:cNvPr>
+          <p:cNvCxnSpPr>
+            <a:cxnSpLocks/>
+          </p:cNvCxnSpPr>
+          <p:nvPr/>
+        </p:nvCxnSpPr>
+        <p:spPr>
+          <a:xfrm>
+            <a:off x="3082931" y="2425803"/>
+            <a:ext cx="985375" cy="0"/>
+          </a:xfrm>
+          <a:prstGeom prst="line">
+            <a:avLst/>
+          </a:prstGeom>
+          <a:ln w="60325">
+            <a:headEnd type="stealth" w="lg" len="lg"/>
+          </a:ln>
+        </p:spPr>
+        <p:style>
+          <a:lnRef idx="1">
+            <a:schemeClr val="accent1"/>
+          </a:lnRef>
+          <a:fillRef idx="0">
+            <a:schemeClr val="accent1"/>
+          </a:fillRef>
+          <a:effectRef idx="0">
+            <a:schemeClr val="accent1"/>
+          </a:effectRef>
+          <a:fontRef idx="minor">
+            <a:schemeClr val="tx1"/>
+          </a:fontRef>
+        </p:style>
+      </p:cxnSp>
+      <p:sp>
+        <p:nvSpPr>
+          <p:cNvPr id="54" name="TextBox 53">
+            <a:extLst>
+              <a:ext uri="{FF2B5EF4-FFF2-40B4-BE49-F238E27FC236}">
+                <a16:creationId xmlns:a16="http://schemas.microsoft.com/office/drawing/2014/main" id="{41B37537-C16A-0E4C-AE45-7A4121CD5FD5}"/>
+              </a:ext>
+            </a:extLst>
+          </p:cNvPr>
+          <p:cNvSpPr txBox="1"/>
+          <p:nvPr/>
+        </p:nvSpPr>
+        <p:spPr>
+          <a:xfrm>
+            <a:off x="2823068" y="2478284"/>
+            <a:ext cx="2290204" cy="369332"/>
+          </a:xfrm>
+          <a:prstGeom prst="rect">
+            <a:avLst/>
+          </a:prstGeom>
+          <a:noFill/>
+        </p:spPr>
+        <p:txBody>
+          <a:bodyPr wrap="square" rtlCol="0">
+            <a:spAutoFit/>
+          </a:bodyPr>
+          <a:lstStyle/>
+          <a:p>
+            <a:r>
+              <a:rPr lang="en-AU" dirty="0">
+                <a:solidFill>
+                  <a:srgbClr val="0070C0"/>
+                </a:solidFill>
+              </a:rPr>
+              <a:t>Forehand (R) force</a:t>
+            </a:r>
+          </a:p>
+        </p:txBody>
+      </p:sp>
+      <p:sp>
+        <p:nvSpPr>
+          <p:cNvPr id="55" name="Oval 54">
+            <a:extLst>
+              <a:ext uri="{FF2B5EF4-FFF2-40B4-BE49-F238E27FC236}">
+                <a16:creationId xmlns:a16="http://schemas.microsoft.com/office/drawing/2014/main" id="{DBE4C896-811B-1442-894E-17EEF5BA6743}"/>
+              </a:ext>
+            </a:extLst>
+          </p:cNvPr>
+          <p:cNvSpPr/>
+          <p:nvPr/>
+        </p:nvSpPr>
+        <p:spPr>
+          <a:xfrm>
+            <a:off x="3354902" y="3713388"/>
+            <a:ext cx="180000" cy="180000"/>
+          </a:xfrm>
+          <a:prstGeom prst="ellipse">
+            <a:avLst/>
+          </a:prstGeom>
+          <a:solidFill>
+            <a:schemeClr val="tx1"/>
+          </a:solidFill>
+        </p:spPr>
+        <p:style>
+          <a:lnRef idx="2">
+            <a:schemeClr val="accent1">
+              <a:shade val="50000"/>
+            </a:schemeClr>
+          </a:lnRef>
+          <a:fillRef idx="1">
+            <a:schemeClr val="accent1"/>
+          </a:fillRef>
+          <a:effectRef idx="0">
+            <a:schemeClr val="accent1"/>
+          </a:effectRef>
+          <a:fontRef idx="minor">
+            <a:schemeClr val="lt1"/>
+          </a:fontRef>
+        </p:style>
+        <p:txBody>
+          <a:bodyPr rtlCol="0" anchor="ctr"/>
+          <a:lstStyle/>
+          <a:p>
+            <a:pPr algn="ctr"/>
+            <a:endParaRPr lang="en-AU"/>
+          </a:p>
+        </p:txBody>
+      </p:sp>
+      <p:cxnSp>
+        <p:nvCxnSpPr>
+          <p:cNvPr id="3" name="Straight Connector 2">
+            <a:extLst>
+              <a:ext uri="{FF2B5EF4-FFF2-40B4-BE49-F238E27FC236}">
+                <a16:creationId xmlns:a16="http://schemas.microsoft.com/office/drawing/2014/main" id="{031E29B2-EDF1-2844-8555-32D02A37961D}"/>
+              </a:ext>
+            </a:extLst>
+          </p:cNvPr>
+          <p:cNvCxnSpPr>
+            <a:cxnSpLocks/>
+          </p:cNvCxnSpPr>
+          <p:nvPr/>
+        </p:nvCxnSpPr>
+        <p:spPr>
+          <a:xfrm>
+            <a:off x="1965027" y="6516354"/>
+            <a:ext cx="3238092" cy="0"/>
+          </a:xfrm>
+          <a:prstGeom prst="line">
+            <a:avLst/>
+          </a:prstGeom>
+          <a:ln w="38100">
+            <a:solidFill>
+              <a:srgbClr val="FF0000"/>
+            </a:solidFill>
+            <a:prstDash val="sysDash"/>
+          </a:ln>
+        </p:spPr>
+        <p:style>
+          <a:lnRef idx="1">
+            <a:schemeClr val="accent1"/>
+          </a:lnRef>
+          <a:fillRef idx="0">
+            <a:schemeClr val="accent1"/>
+          </a:fillRef>
+          <a:effectRef idx="0">
+            <a:schemeClr val="accent1"/>
+          </a:effectRef>
+          <a:fontRef idx="minor">
+            <a:schemeClr val="tx1"/>
+          </a:fontRef>
+        </p:style>
+      </p:cxnSp>
+      <p:cxnSp>
+        <p:nvCxnSpPr>
+          <p:cNvPr id="40" name="Straight Connector 39">
+            <a:extLst>
+              <a:ext uri="{FF2B5EF4-FFF2-40B4-BE49-F238E27FC236}">
+                <a16:creationId xmlns:a16="http://schemas.microsoft.com/office/drawing/2014/main" id="{BA59D39E-288A-D44B-A057-2D4BCECFF1EF}"/>
+              </a:ext>
+            </a:extLst>
+          </p:cNvPr>
+          <p:cNvCxnSpPr>
+            <a:cxnSpLocks/>
+          </p:cNvCxnSpPr>
+          <p:nvPr/>
+        </p:nvCxnSpPr>
+        <p:spPr>
+          <a:xfrm flipV="1">
+            <a:off x="1961249" y="4191053"/>
+            <a:ext cx="3240000" cy="0"/>
+          </a:xfrm>
+          <a:prstGeom prst="line">
+            <a:avLst/>
+          </a:prstGeom>
+          <a:ln w="38100">
+            <a:solidFill>
+              <a:schemeClr val="accent2"/>
+            </a:solidFill>
+            <a:prstDash val="sysDash"/>
+          </a:ln>
+        </p:spPr>
+        <p:style>
+          <a:lnRef idx="1">
+            <a:schemeClr val="accent1"/>
+          </a:lnRef>
+          <a:fillRef idx="0">
+            <a:schemeClr val="accent1"/>
+          </a:fillRef>
+          <a:effectRef idx="0">
+            <a:schemeClr val="accent1"/>
+          </a:effectRef>
+          <a:fontRef idx="minor">
+            <a:schemeClr val="tx1"/>
+          </a:fontRef>
+        </p:style>
+      </p:cxnSp>
+      <p:cxnSp>
+        <p:nvCxnSpPr>
+          <p:cNvPr id="37" name="Straight Connector 36">
+            <a:extLst>
+              <a:ext uri="{FF2B5EF4-FFF2-40B4-BE49-F238E27FC236}">
+                <a16:creationId xmlns:a16="http://schemas.microsoft.com/office/drawing/2014/main" id="{99FE3948-AFB4-994E-AF09-567D29BBC0CD}"/>
+              </a:ext>
+            </a:extLst>
+          </p:cNvPr>
+          <p:cNvCxnSpPr>
+            <a:cxnSpLocks/>
+          </p:cNvCxnSpPr>
+          <p:nvPr/>
+        </p:nvCxnSpPr>
+        <p:spPr>
+          <a:xfrm flipV="1">
+            <a:off x="5373127" y="8373862"/>
+            <a:ext cx="0" cy="938269"/>
+          </a:xfrm>
+          <a:prstGeom prst="line">
+            <a:avLst/>
+          </a:prstGeom>
+          <a:ln w="60325">
+            <a:solidFill>
+              <a:srgbClr val="00B050"/>
+            </a:solidFill>
+            <a:headEnd type="stealth" w="lg" len="lg"/>
+          </a:ln>
+        </p:spPr>
+        <p:style>
+          <a:lnRef idx="1">
+            <a:schemeClr val="accent1"/>
+          </a:lnRef>
+          <a:fillRef idx="0">
+            <a:schemeClr val="accent1"/>
+          </a:fillRef>
+          <a:effectRef idx="0">
+            <a:schemeClr val="accent1"/>
+          </a:effectRef>
+          <a:fontRef idx="minor">
+            <a:schemeClr val="tx1"/>
+          </a:fontRef>
+        </p:style>
+      </p:cxnSp>
+      <p:sp>
+        <p:nvSpPr>
+          <p:cNvPr id="14" name="Arc 13">
+            <a:extLst>
+              <a:ext uri="{FF2B5EF4-FFF2-40B4-BE49-F238E27FC236}">
+                <a16:creationId xmlns:a16="http://schemas.microsoft.com/office/drawing/2014/main" id="{07F18301-8FA4-1B43-8330-24957292427E}"/>
+              </a:ext>
+            </a:extLst>
+          </p:cNvPr>
+          <p:cNvSpPr/>
+          <p:nvPr/>
+        </p:nvSpPr>
+        <p:spPr>
+          <a:xfrm>
+            <a:off x="2712708" y="3655757"/>
+            <a:ext cx="2243234" cy="9793372"/>
+          </a:xfrm>
+          <a:prstGeom prst="arc">
+            <a:avLst>
+              <a:gd name="adj1" fmla="val 16131872"/>
+              <a:gd name="adj2" fmla="val 20258141"/>
+            </a:avLst>
+          </a:prstGeom>
+          <a:ln w="82550">
+            <a:solidFill>
+              <a:schemeClr val="tx1"/>
+            </a:solidFill>
+            <a:prstDash val="sysDot"/>
+            <a:tailEnd type="stealth"/>
+          </a:ln>
+        </p:spPr>
+        <p:style>
+          <a:lnRef idx="1">
+            <a:schemeClr val="accent1"/>
+          </a:lnRef>
+          <a:fillRef idx="0">
+            <a:schemeClr val="accent1"/>
+          </a:fillRef>
+          <a:effectRef idx="0">
+            <a:schemeClr val="accent1"/>
+          </a:effectRef>
+          <a:fontRef idx="minor">
+            <a:schemeClr val="tx1"/>
+          </a:fontRef>
+        </p:style>
+        <p:txBody>
+          <a:bodyPr rtlCol="0" anchor="ctr"/>
+          <a:lstStyle/>
+          <a:p>
+            <a:pPr algn="ctr"/>
+            <a:endParaRPr lang="en-AU"/>
+          </a:p>
+        </p:txBody>
+      </p:sp>
+      <p:sp>
+        <p:nvSpPr>
+          <p:cNvPr id="57" name="Arc 56">
+            <a:extLst>
+              <a:ext uri="{FF2B5EF4-FFF2-40B4-BE49-F238E27FC236}">
+                <a16:creationId xmlns:a16="http://schemas.microsoft.com/office/drawing/2014/main" id="{96A5BB6F-15AD-D34B-B08F-2BCA5340D619}"/>
+              </a:ext>
+            </a:extLst>
+          </p:cNvPr>
+          <p:cNvSpPr/>
+          <p:nvPr/>
+        </p:nvSpPr>
+        <p:spPr>
+          <a:xfrm flipH="1">
+            <a:off x="2052424" y="3655757"/>
+            <a:ext cx="2394204" cy="9796350"/>
+          </a:xfrm>
+          <a:prstGeom prst="arc">
+            <a:avLst>
+              <a:gd name="adj1" fmla="val 16131872"/>
+              <a:gd name="adj2" fmla="val 20258141"/>
+            </a:avLst>
+          </a:prstGeom>
+          <a:ln w="82550">
+            <a:solidFill>
+              <a:schemeClr val="tx1"/>
+            </a:solidFill>
+            <a:prstDash val="sysDot"/>
+            <a:tailEnd type="stealth"/>
+          </a:ln>
+        </p:spPr>
+        <p:style>
+          <a:lnRef idx="1">
+            <a:schemeClr val="accent1"/>
+          </a:lnRef>
+          <a:fillRef idx="0">
+            <a:schemeClr val="accent1"/>
+          </a:fillRef>
+          <a:effectRef idx="0">
+            <a:schemeClr val="accent1"/>
+          </a:effectRef>
+          <a:fontRef idx="minor">
+            <a:schemeClr val="tx1"/>
+          </a:fontRef>
+        </p:style>
+        <p:txBody>
+          <a:bodyPr rtlCol="0" anchor="ctr"/>
+          <a:lstStyle/>
+          <a:p>
+            <a:pPr algn="ctr"/>
+            <a:endParaRPr lang="en-AU"/>
+          </a:p>
+        </p:txBody>
+      </p:sp>
+      <p:cxnSp>
+        <p:nvCxnSpPr>
+          <p:cNvPr id="16" name="Straight Arrow Connector 15">
+            <a:extLst>
+              <a:ext uri="{FF2B5EF4-FFF2-40B4-BE49-F238E27FC236}">
+                <a16:creationId xmlns:a16="http://schemas.microsoft.com/office/drawing/2014/main" id="{0CEAF748-506B-B94F-B3FE-D7D0E4F26EDC}"/>
+              </a:ext>
+            </a:extLst>
+          </p:cNvPr>
+          <p:cNvCxnSpPr>
+            <a:cxnSpLocks/>
+            <a:stCxn id="38" idx="2"/>
+          </p:cNvCxnSpPr>
+          <p:nvPr/>
+        </p:nvCxnSpPr>
+        <p:spPr>
+          <a:xfrm flipH="1">
+            <a:off x="3249526" y="5394099"/>
+            <a:ext cx="332852" cy="1090723"/>
+          </a:xfrm>
+          <a:prstGeom prst="straightConnector1">
+            <a:avLst/>
+          </a:prstGeom>
+          <a:ln w="60325">
+            <a:solidFill>
+              <a:schemeClr val="tx1"/>
+            </a:solidFill>
+            <a:tailEnd type="triangle"/>
+          </a:ln>
+        </p:spPr>
+        <p:style>
+          <a:lnRef idx="1">
+            <a:schemeClr val="accent1"/>
+          </a:lnRef>
+          <a:fillRef idx="0">
+            <a:schemeClr val="accent1"/>
+          </a:fillRef>
+          <a:effectRef idx="0">
+            <a:schemeClr val="accent1"/>
+          </a:effectRef>
+          <a:fontRef idx="minor">
+            <a:schemeClr val="tx1"/>
+          </a:fontRef>
+        </p:style>
+      </p:cxnSp>
+      <p:cxnSp>
+        <p:nvCxnSpPr>
+          <p:cNvPr id="58" name="Straight Arrow Connector 57">
+            <a:extLst>
+              <a:ext uri="{FF2B5EF4-FFF2-40B4-BE49-F238E27FC236}">
+                <a16:creationId xmlns:a16="http://schemas.microsoft.com/office/drawing/2014/main" id="{406FBF08-494E-6141-9B69-47ECBE1B51D1}"/>
+              </a:ext>
+            </a:extLst>
+          </p:cNvPr>
+          <p:cNvCxnSpPr>
+            <a:cxnSpLocks/>
+            <a:endCxn id="48" idx="1"/>
+          </p:cNvCxnSpPr>
+          <p:nvPr/>
+        </p:nvCxnSpPr>
+        <p:spPr>
+          <a:xfrm flipH="1" flipV="1">
+            <a:off x="2894191" y="4713239"/>
+            <a:ext cx="290219" cy="1743460"/>
+          </a:xfrm>
+          <a:prstGeom prst="straightConnector1">
+            <a:avLst/>
+          </a:prstGeom>
+          <a:ln w="60325">
+            <a:solidFill>
+              <a:schemeClr val="tx1"/>
+            </a:solidFill>
+            <a:tailEnd type="triangle"/>
+          </a:ln>
+        </p:spPr>
+        <p:style>
+          <a:lnRef idx="1">
+            <a:schemeClr val="accent1"/>
+          </a:lnRef>
+          <a:fillRef idx="0">
+            <a:schemeClr val="accent1"/>
+          </a:fillRef>
+          <a:effectRef idx="0">
+            <a:schemeClr val="accent1"/>
+          </a:effectRef>
+          <a:fontRef idx="minor">
+            <a:schemeClr val="tx1"/>
+          </a:fontRef>
+        </p:style>
+      </p:cxnSp>
+      <p:cxnSp>
+        <p:nvCxnSpPr>
+          <p:cNvPr id="59" name="Straight Arrow Connector 58">
+            <a:extLst>
+              <a:ext uri="{FF2B5EF4-FFF2-40B4-BE49-F238E27FC236}">
+                <a16:creationId xmlns:a16="http://schemas.microsoft.com/office/drawing/2014/main" id="{6EC0D66B-9843-3744-A9B0-3173F73404E2}"/>
+              </a:ext>
+            </a:extLst>
+          </p:cNvPr>
+          <p:cNvCxnSpPr>
+            <a:cxnSpLocks/>
+          </p:cNvCxnSpPr>
+          <p:nvPr/>
+        </p:nvCxnSpPr>
+        <p:spPr>
+          <a:xfrm flipV="1">
+            <a:off x="3708675" y="4219920"/>
+            <a:ext cx="278836" cy="260567"/>
+          </a:xfrm>
+          <a:prstGeom prst="straightConnector1">
+            <a:avLst/>
+          </a:prstGeom>
+          <a:ln w="60325">
+            <a:solidFill>
+              <a:schemeClr val="bg1">
+                <a:lumMod val="50000"/>
+              </a:schemeClr>
+            </a:solidFill>
+            <a:tailEnd type="triangle"/>
+          </a:ln>
+        </p:spPr>
+        <p:style>
+          <a:lnRef idx="1">
+            <a:schemeClr val="accent1"/>
+          </a:lnRef>
+          <a:fillRef idx="0">
+            <a:schemeClr val="accent1"/>
+          </a:fillRef>
+          <a:effectRef idx="0">
+            <a:schemeClr val="accent1"/>
+          </a:effectRef>
+          <a:fontRef idx="minor">
+            <a:schemeClr val="tx1"/>
+          </a:fontRef>
+        </p:style>
+      </p:cxnSp>
+      <p:cxnSp>
+        <p:nvCxnSpPr>
+          <p:cNvPr id="61" name="Straight Arrow Connector 60">
+            <a:extLst>
+              <a:ext uri="{FF2B5EF4-FFF2-40B4-BE49-F238E27FC236}">
+                <a16:creationId xmlns:a16="http://schemas.microsoft.com/office/drawing/2014/main" id="{B3D26F08-CF4C-454E-B5EA-9710B2908D13}"/>
+              </a:ext>
+            </a:extLst>
+          </p:cNvPr>
+          <p:cNvCxnSpPr>
+            <a:cxnSpLocks/>
+          </p:cNvCxnSpPr>
+          <p:nvPr/>
+        </p:nvCxnSpPr>
+        <p:spPr>
+          <a:xfrm>
+            <a:off x="3998324" y="4258898"/>
+            <a:ext cx="201940" cy="2107515"/>
+          </a:xfrm>
+          <a:prstGeom prst="straightConnector1">
+            <a:avLst/>
+          </a:prstGeom>
+          <a:ln w="60325">
+            <a:solidFill>
+              <a:schemeClr val="bg1">
+                <a:lumMod val="50000"/>
+              </a:schemeClr>
+            </a:solidFill>
+            <a:tailEnd type="triangle"/>
+          </a:ln>
+        </p:spPr>
+        <p:style>
+          <a:lnRef idx="1">
+            <a:schemeClr val="accent1"/>
+          </a:lnRef>
+          <a:fillRef idx="0">
+            <a:schemeClr val="accent1"/>
+          </a:fillRef>
+          <a:effectRef idx="0">
+            <a:schemeClr val="accent1"/>
+          </a:effectRef>
+          <a:fontRef idx="minor">
+            <a:schemeClr val="tx1"/>
+          </a:fontRef>
+        </p:style>
+      </p:cxnSp>
+      <p:cxnSp>
+        <p:nvCxnSpPr>
+          <p:cNvPr id="71" name="Straight Arrow Connector 70">
+            <a:extLst>
+              <a:ext uri="{FF2B5EF4-FFF2-40B4-BE49-F238E27FC236}">
+                <a16:creationId xmlns:a16="http://schemas.microsoft.com/office/drawing/2014/main" id="{BE71D83B-B1F3-9D4C-B30C-8D920B829C0A}"/>
+              </a:ext>
+            </a:extLst>
+          </p:cNvPr>
+          <p:cNvCxnSpPr>
+            <a:cxnSpLocks/>
+            <a:stCxn id="32" idx="3"/>
+          </p:cNvCxnSpPr>
+          <p:nvPr/>
+        </p:nvCxnSpPr>
+        <p:spPr>
+          <a:xfrm flipH="1">
+            <a:off x="2699255" y="3874498"/>
+            <a:ext cx="679458" cy="890988"/>
+          </a:xfrm>
+          <a:prstGeom prst="straightConnector1">
+            <a:avLst/>
+          </a:prstGeom>
+          <a:ln w="82550">
+            <a:solidFill>
+              <a:schemeClr val="tx1"/>
+            </a:solidFill>
+            <a:prstDash val="sysDot"/>
+            <a:tailEnd type="triangle"/>
+          </a:ln>
+        </p:spPr>
+        <p:style>
+          <a:lnRef idx="1">
+            <a:schemeClr val="accent1"/>
+          </a:lnRef>
+          <a:fillRef idx="0">
+            <a:schemeClr val="accent1"/>
+          </a:fillRef>
+          <a:effectRef idx="0">
+            <a:schemeClr val="accent1"/>
+          </a:effectRef>
+          <a:fontRef idx="minor">
+            <a:schemeClr val="tx1"/>
+          </a:fontRef>
+        </p:style>
+      </p:cxnSp>
+      <p:sp>
+        <p:nvSpPr>
+          <p:cNvPr id="60" name="TextBox 59">
+            <a:extLst>
+              <a:ext uri="{FF2B5EF4-FFF2-40B4-BE49-F238E27FC236}">
+                <a16:creationId xmlns:a16="http://schemas.microsoft.com/office/drawing/2014/main" id="{140BE47E-FBE0-184D-B45A-5A650C1EE96C}"/>
+              </a:ext>
+            </a:extLst>
+          </p:cNvPr>
+          <p:cNvSpPr txBox="1"/>
+          <p:nvPr/>
+        </p:nvSpPr>
+        <p:spPr>
+          <a:xfrm>
+            <a:off x="4562601" y="8011056"/>
+            <a:ext cx="301212" cy="369332"/>
+          </a:xfrm>
+          <a:prstGeom prst="rect">
+            <a:avLst/>
+          </a:prstGeom>
+          <a:solidFill>
+            <a:schemeClr val="tx1"/>
+          </a:solidFill>
+        </p:spPr>
+        <p:txBody>
+          <a:bodyPr wrap="square" rtlCol="0">
+            <a:spAutoFit/>
+          </a:bodyPr>
+          <a:lstStyle/>
+          <a:p>
+            <a:r>
+              <a:rPr lang="en-AU" dirty="0">
+                <a:solidFill>
+                  <a:schemeClr val="bg1"/>
+                </a:solidFill>
+              </a:rPr>
+              <a:t>A</a:t>
+            </a:r>
+          </a:p>
+        </p:txBody>
+      </p:sp>
+      <p:sp>
+        <p:nvSpPr>
+          <p:cNvPr id="63" name="TextBox 62">
+            <a:extLst>
+              <a:ext uri="{FF2B5EF4-FFF2-40B4-BE49-F238E27FC236}">
+                <a16:creationId xmlns:a16="http://schemas.microsoft.com/office/drawing/2014/main" id="{C0519DCF-376B-6D4A-AACF-E6FB88DE9D60}"/>
+              </a:ext>
+            </a:extLst>
+          </p:cNvPr>
+          <p:cNvSpPr txBox="1"/>
+          <p:nvPr/>
+        </p:nvSpPr>
+        <p:spPr>
+          <a:xfrm>
+            <a:off x="2144932" y="8011056"/>
+            <a:ext cx="301212" cy="369332"/>
+          </a:xfrm>
+          <a:prstGeom prst="rect">
+            <a:avLst/>
+          </a:prstGeom>
+          <a:solidFill>
+            <a:schemeClr val="tx1"/>
+          </a:solidFill>
+        </p:spPr>
+        <p:txBody>
+          <a:bodyPr wrap="square" rtlCol="0">
+            <a:spAutoFit/>
+          </a:bodyPr>
+          <a:lstStyle/>
+          <a:p>
+            <a:r>
+              <a:rPr lang="en-AU" dirty="0">
+                <a:solidFill>
+                  <a:schemeClr val="bg1"/>
+                </a:solidFill>
+              </a:rPr>
+              <a:t>B</a:t>
+            </a:r>
+          </a:p>
+        </p:txBody>
+      </p:sp>
+      <p:sp>
+        <p:nvSpPr>
+          <p:cNvPr id="64" name="TextBox 63">
+            <a:extLst>
+              <a:ext uri="{FF2B5EF4-FFF2-40B4-BE49-F238E27FC236}">
+                <a16:creationId xmlns:a16="http://schemas.microsoft.com/office/drawing/2014/main" id="{22EF1F8D-493C-A447-8C3D-55D34CC89E53}"/>
+              </a:ext>
+            </a:extLst>
+          </p:cNvPr>
+          <p:cNvSpPr txBox="1"/>
+          <p:nvPr/>
+        </p:nvSpPr>
+        <p:spPr>
+          <a:xfrm>
+            <a:off x="2555376" y="4773735"/>
+            <a:ext cx="301212" cy="369332"/>
+          </a:xfrm>
+          <a:prstGeom prst="rect">
+            <a:avLst/>
+          </a:prstGeom>
+          <a:solidFill>
+            <a:schemeClr val="tx1"/>
+          </a:solidFill>
+        </p:spPr>
+        <p:txBody>
+          <a:bodyPr wrap="square" rtlCol="0">
+            <a:spAutoFit/>
+          </a:bodyPr>
+          <a:lstStyle/>
+          <a:p>
+            <a:r>
+              <a:rPr lang="en-AU" dirty="0">
+                <a:solidFill>
+                  <a:schemeClr val="bg1"/>
+                </a:solidFill>
+              </a:rPr>
+              <a:t>C</a:t>
+            </a:r>
+          </a:p>
+        </p:txBody>
+      </p:sp>
+      <p:sp>
+        <p:nvSpPr>
+          <p:cNvPr id="65" name="TextBox 64">
+            <a:extLst>
+              <a:ext uri="{FF2B5EF4-FFF2-40B4-BE49-F238E27FC236}">
+                <a16:creationId xmlns:a16="http://schemas.microsoft.com/office/drawing/2014/main" id="{8C7B22FA-220F-7844-AC1D-35303421D309}"/>
+              </a:ext>
+            </a:extLst>
+          </p:cNvPr>
+          <p:cNvSpPr txBox="1"/>
+          <p:nvPr/>
+        </p:nvSpPr>
+        <p:spPr>
+          <a:xfrm>
+            <a:off x="4551037" y="3369060"/>
+            <a:ext cx="466518" cy="369332"/>
+          </a:xfrm>
+          <a:prstGeom prst="rect">
+            <a:avLst/>
+          </a:prstGeom>
+          <a:noFill/>
+        </p:spPr>
+        <p:txBody>
+          <a:bodyPr wrap="square" rtlCol="0">
+            <a:spAutoFit/>
+          </a:bodyPr>
+          <a:lstStyle/>
+          <a:p>
+            <a:r>
+              <a:rPr lang="en-AU" dirty="0">
+                <a:solidFill>
+                  <a:schemeClr val="bg1">
+                    <a:lumMod val="50000"/>
+                  </a:schemeClr>
+                </a:solidFill>
+              </a:rPr>
+              <a:t>O5</a:t>
+            </a:r>
+          </a:p>
+        </p:txBody>
+      </p:sp>
+    </p:spTree>
+    <p:extLst>
+      <p:ext uri="{BB962C8B-B14F-4D97-AF65-F5344CB8AC3E}">
+        <p14:creationId xmlns:p14="http://schemas.microsoft.com/office/powerpoint/2010/main" val="1003614905"/>
+      </p:ext>
+    </p:extLst>
+  </p:cSld>
+  <p:clrMapOvr>
+    <a:masterClrMapping/>
+  </p:clrMapOvr>
+</p:sld>
+</file>
+
+<file path=ppt/slides/slide6.xml><?xml version="1.0" encoding="utf-8"?>
+<p:sld xmlns:a="http://schemas.openxmlformats.org/drawingml/2006/main" xmlns:r="http://schemas.openxmlformats.org/officeDocument/2006/relationships" xmlns:p="http://schemas.openxmlformats.org/presentationml/2006/main">
+  <p:cSld>
+    <p:spTree>
+      <p:nvGrpSpPr>
+        <p:cNvPr id="1" name=""/>
+        <p:cNvGrpSpPr/>
+        <p:nvPr/>
+      </p:nvGrpSpPr>
+      <p:grpSpPr>
+        <a:xfrm>
+          <a:off x="0" y="0"/>
+          <a:ext cx="0" cy="0"/>
+          <a:chOff x="0" y="0"/>
+          <a:chExt cx="0" cy="0"/>
+        </a:xfrm>
+      </p:grpSpPr>
+      <p:cxnSp>
+        <p:nvCxnSpPr>
+          <p:cNvPr id="57" name="Straight Connector 56">
+            <a:extLst>
+              <a:ext uri="{FF2B5EF4-FFF2-40B4-BE49-F238E27FC236}">
+                <a16:creationId xmlns:a16="http://schemas.microsoft.com/office/drawing/2014/main" id="{46880943-99F9-0D42-B263-D29A738E3DB4}"/>
+              </a:ext>
+            </a:extLst>
+          </p:cNvPr>
+          <p:cNvCxnSpPr>
+            <a:cxnSpLocks/>
+          </p:cNvCxnSpPr>
+          <p:nvPr/>
+        </p:nvCxnSpPr>
+        <p:spPr>
+          <a:xfrm flipV="1">
+            <a:off x="1961249" y="5390998"/>
+            <a:ext cx="3240000" cy="0"/>
+          </a:xfrm>
+          <a:prstGeom prst="line">
+            <a:avLst/>
+          </a:prstGeom>
+          <a:ln w="38100">
+            <a:solidFill>
+              <a:schemeClr val="accent2"/>
+            </a:solidFill>
+            <a:prstDash val="sysDash"/>
+          </a:ln>
+        </p:spPr>
+        <p:style>
+          <a:lnRef idx="1">
+            <a:schemeClr val="accent1"/>
+          </a:lnRef>
+          <a:fillRef idx="0">
+            <a:schemeClr val="accent1"/>
+          </a:fillRef>
+          <a:effectRef idx="0">
+            <a:schemeClr val="accent1"/>
+          </a:effectRef>
+          <a:fontRef idx="minor">
+            <a:schemeClr val="tx1"/>
+          </a:fontRef>
+        </p:style>
+      </p:cxnSp>
+      <p:cxnSp>
+        <p:nvCxnSpPr>
+          <p:cNvPr id="53" name="Straight Connector 52">
+            <a:extLst>
+              <a:ext uri="{FF2B5EF4-FFF2-40B4-BE49-F238E27FC236}">
+                <a16:creationId xmlns:a16="http://schemas.microsoft.com/office/drawing/2014/main" id="{F49342B5-DAB5-494B-90AB-10D48BDB80B9}"/>
+              </a:ext>
+            </a:extLst>
+          </p:cNvPr>
+          <p:cNvCxnSpPr>
+            <a:cxnSpLocks/>
+          </p:cNvCxnSpPr>
+          <p:nvPr/>
+        </p:nvCxnSpPr>
+        <p:spPr>
+          <a:xfrm flipV="1">
+            <a:off x="1961249" y="4191053"/>
+            <a:ext cx="3240000" cy="0"/>
+          </a:xfrm>
+          <a:prstGeom prst="line">
+            <a:avLst/>
+          </a:prstGeom>
+          <a:ln w="38100">
+            <a:solidFill>
+              <a:schemeClr val="bg1">
+                <a:lumMod val="85000"/>
+              </a:schemeClr>
+            </a:solidFill>
+            <a:prstDash val="sysDash"/>
+          </a:ln>
+        </p:spPr>
+        <p:style>
+          <a:lnRef idx="1">
+            <a:schemeClr val="accent1"/>
+          </a:lnRef>
+          <a:fillRef idx="0">
+            <a:schemeClr val="accent1"/>
+          </a:fillRef>
+          <a:effectRef idx="0">
+            <a:schemeClr val="accent1"/>
+          </a:effectRef>
+          <a:fontRef idx="minor">
+            <a:schemeClr val="tx1"/>
+          </a:fontRef>
+        </p:style>
+      </p:cxnSp>
+      <p:cxnSp>
+        <p:nvCxnSpPr>
+          <p:cNvPr id="43" name="Straight Connector 42">
+            <a:extLst>
+              <a:ext uri="{FF2B5EF4-FFF2-40B4-BE49-F238E27FC236}">
+                <a16:creationId xmlns:a16="http://schemas.microsoft.com/office/drawing/2014/main" id="{94CCD1DE-1F45-B345-A735-D575500C07EA}"/>
+              </a:ext>
+            </a:extLst>
+          </p:cNvPr>
+          <p:cNvCxnSpPr>
+            <a:cxnSpLocks/>
+          </p:cNvCxnSpPr>
+          <p:nvPr/>
+        </p:nvCxnSpPr>
+        <p:spPr>
+          <a:xfrm>
+            <a:off x="1965027" y="6516354"/>
+            <a:ext cx="3238092" cy="0"/>
+          </a:xfrm>
+          <a:prstGeom prst="line">
+            <a:avLst/>
+          </a:prstGeom>
+          <a:ln w="38100">
+            <a:solidFill>
+              <a:schemeClr val="bg1">
+                <a:lumMod val="85000"/>
+              </a:schemeClr>
+            </a:solidFill>
+            <a:prstDash val="sysDash"/>
+          </a:ln>
+        </p:spPr>
+        <p:style>
+          <a:lnRef idx="1">
+            <a:schemeClr val="accent1"/>
+          </a:lnRef>
+          <a:fillRef idx="0">
+            <a:schemeClr val="accent1"/>
+          </a:fillRef>
+          <a:effectRef idx="0">
+            <a:schemeClr val="accent1"/>
+          </a:effectRef>
+          <a:fontRef idx="minor">
+            <a:schemeClr val="tx1"/>
+          </a:fontRef>
+        </p:style>
+      </p:cxnSp>
+      <p:cxnSp>
+        <p:nvCxnSpPr>
+          <p:cNvPr id="54" name="Straight Connector 53">
+            <a:extLst>
+              <a:ext uri="{FF2B5EF4-FFF2-40B4-BE49-F238E27FC236}">
+                <a16:creationId xmlns:a16="http://schemas.microsoft.com/office/drawing/2014/main" id="{1F530FCE-E2B4-D143-8811-A437C5206052}"/>
+              </a:ext>
+            </a:extLst>
+          </p:cNvPr>
+          <p:cNvCxnSpPr>
+            <a:cxnSpLocks/>
+          </p:cNvCxnSpPr>
+          <p:nvPr/>
+        </p:nvCxnSpPr>
+        <p:spPr>
+          <a:xfrm>
+            <a:off x="1965027" y="7527107"/>
+            <a:ext cx="3238092" cy="0"/>
+          </a:xfrm>
+          <a:prstGeom prst="line">
+            <a:avLst/>
+          </a:prstGeom>
+          <a:ln w="38100">
+            <a:solidFill>
+              <a:srgbClr val="FF0000"/>
+            </a:solidFill>
+            <a:prstDash val="sysDash"/>
+          </a:ln>
+        </p:spPr>
+        <p:style>
+          <a:lnRef idx="1">
+            <a:schemeClr val="accent1"/>
+          </a:lnRef>
+          <a:fillRef idx="0">
+            <a:schemeClr val="accent1"/>
+          </a:fillRef>
+          <a:effectRef idx="0">
+            <a:schemeClr val="accent1"/>
+          </a:effectRef>
+          <a:fontRef idx="minor">
+            <a:schemeClr val="tx1"/>
+          </a:fontRef>
+        </p:style>
+      </p:cxnSp>
+      <p:sp>
+        <p:nvSpPr>
+          <p:cNvPr id="5" name="Rounded Rectangle 4">
+            <a:extLst>
+              <a:ext uri="{FF2B5EF4-FFF2-40B4-BE49-F238E27FC236}">
+                <a16:creationId xmlns:a16="http://schemas.microsoft.com/office/drawing/2014/main" id="{3C953649-ED7C-3742-AAEA-8B243B81C427}"/>
+              </a:ext>
+            </a:extLst>
+          </p:cNvPr>
+          <p:cNvSpPr>
+            <a:spLocks noChangeAspect="1"/>
+          </p:cNvSpPr>
+          <p:nvPr/>
+        </p:nvSpPr>
+        <p:spPr>
+          <a:xfrm>
+            <a:off x="1953463" y="7718649"/>
+            <a:ext cx="3240000" cy="1576217"/>
+          </a:xfrm>
+          <a:prstGeom prst="roundRect">
+            <a:avLst/>
+          </a:prstGeom>
+          <a:solidFill>
+            <a:srgbClr val="00B050"/>
+          </a:solidFill>
+          <a:ln w="38100">
+            <a:solidFill>
+              <a:schemeClr val="tx1"/>
+            </a:solidFill>
+          </a:ln>
+        </p:spPr>
+        <p:style>
+          <a:lnRef idx="2">
+            <a:schemeClr val="accent1">
+              <a:shade val="50000"/>
+            </a:schemeClr>
+          </a:lnRef>
+          <a:fillRef idx="1">
+            <a:schemeClr val="accent1"/>
+          </a:fillRef>
+          <a:effectRef idx="0">
+            <a:schemeClr val="accent1"/>
+          </a:effectRef>
+          <a:fontRef idx="minor">
+            <a:schemeClr val="lt1"/>
+          </a:fontRef>
+        </p:style>
+        <p:txBody>
+          <a:bodyPr rtlCol="0" anchor="ctr"/>
+          <a:lstStyle/>
+          <a:p>
+            <a:pPr algn="ctr"/>
+            <a:endParaRPr lang="en-AU"/>
+          </a:p>
+        </p:txBody>
+      </p:sp>
+      <p:sp>
+        <p:nvSpPr>
+          <p:cNvPr id="6" name="Rounded Rectangle 5">
+            <a:extLst>
+              <a:ext uri="{FF2B5EF4-FFF2-40B4-BE49-F238E27FC236}">
+                <a16:creationId xmlns:a16="http://schemas.microsoft.com/office/drawing/2014/main" id="{781AE066-2F6F-CD4A-8C9D-2174A5C270BE}"/>
+              </a:ext>
+            </a:extLst>
+          </p:cNvPr>
+          <p:cNvSpPr>
+            <a:spLocks noChangeAspect="1"/>
+          </p:cNvSpPr>
+          <p:nvPr/>
+        </p:nvSpPr>
+        <p:spPr>
+          <a:xfrm>
+            <a:off x="1953463" y="520745"/>
+            <a:ext cx="3240000" cy="1576217"/>
+          </a:xfrm>
+          <a:prstGeom prst="roundRect">
+            <a:avLst/>
+          </a:prstGeom>
+          <a:solidFill>
+            <a:srgbClr val="FF0000"/>
+          </a:solidFill>
+          <a:ln w="38100">
+            <a:solidFill>
+              <a:schemeClr val="tx1"/>
+            </a:solidFill>
+          </a:ln>
+        </p:spPr>
+        <p:style>
+          <a:lnRef idx="2">
+            <a:schemeClr val="accent1">
+              <a:shade val="50000"/>
+            </a:schemeClr>
+          </a:lnRef>
+          <a:fillRef idx="1">
+            <a:schemeClr val="accent1"/>
+          </a:fillRef>
+          <a:effectRef idx="0">
+            <a:schemeClr val="accent1"/>
+          </a:effectRef>
+          <a:fontRef idx="minor">
+            <a:schemeClr val="lt1"/>
+          </a:fontRef>
+        </p:style>
+        <p:txBody>
+          <a:bodyPr rtlCol="0" anchor="ctr"/>
+          <a:lstStyle/>
+          <a:p>
+            <a:pPr algn="ctr"/>
+            <a:endParaRPr lang="en-AU" dirty="0"/>
+          </a:p>
+        </p:txBody>
+      </p:sp>
+      <p:sp>
+        <p:nvSpPr>
+          <p:cNvPr id="7" name="Rounded Rectangle 6">
+            <a:extLst>
+              <a:ext uri="{FF2B5EF4-FFF2-40B4-BE49-F238E27FC236}">
+                <a16:creationId xmlns:a16="http://schemas.microsoft.com/office/drawing/2014/main" id="{58A277D1-08DF-1A43-AFBF-E7F4DE2FD6BB}"/>
+              </a:ext>
+            </a:extLst>
+          </p:cNvPr>
+          <p:cNvSpPr>
+            <a:spLocks noChangeAspect="1"/>
+          </p:cNvSpPr>
+          <p:nvPr/>
+        </p:nvSpPr>
+        <p:spPr>
+          <a:xfrm>
+            <a:off x="1524892" y="101296"/>
+            <a:ext cx="4114800" cy="9630383"/>
+          </a:xfrm>
+          <a:prstGeom prst="roundRect">
+            <a:avLst/>
+          </a:prstGeom>
+          <a:noFill/>
+          <a:ln w="38100">
+            <a:solidFill>
+              <a:schemeClr val="bg1">
+                <a:lumMod val="50000"/>
+              </a:schemeClr>
+            </a:solidFill>
+            <a:prstDash val="sysDot"/>
+          </a:ln>
+        </p:spPr>
+        <p:style>
+          <a:lnRef idx="2">
+            <a:schemeClr val="accent1">
+              <a:shade val="50000"/>
+            </a:schemeClr>
+          </a:lnRef>
+          <a:fillRef idx="1">
+            <a:schemeClr val="accent1"/>
+          </a:fillRef>
+          <a:effectRef idx="0">
+            <a:schemeClr val="accent1"/>
+          </a:effectRef>
+          <a:fontRef idx="minor">
+            <a:schemeClr val="lt1"/>
+          </a:fontRef>
+        </p:style>
+        <p:txBody>
+          <a:bodyPr rtlCol="0" anchor="ctr"/>
+          <a:lstStyle/>
+          <a:p>
+            <a:pPr algn="ctr"/>
+            <a:endParaRPr lang="en-AU"/>
+          </a:p>
+        </p:txBody>
+      </p:sp>
+      <p:cxnSp>
+        <p:nvCxnSpPr>
+          <p:cNvPr id="34" name="Straight Connector 33">
+            <a:extLst>
+              <a:ext uri="{FF2B5EF4-FFF2-40B4-BE49-F238E27FC236}">
+                <a16:creationId xmlns:a16="http://schemas.microsoft.com/office/drawing/2014/main" id="{CFEB7196-05DE-A845-80F2-B9EE56BDAA01}"/>
+              </a:ext>
+            </a:extLst>
+          </p:cNvPr>
+          <p:cNvCxnSpPr>
+            <a:cxnSpLocks/>
+          </p:cNvCxnSpPr>
+          <p:nvPr/>
+        </p:nvCxnSpPr>
+        <p:spPr>
+          <a:xfrm>
+            <a:off x="5373127" y="294245"/>
+            <a:ext cx="0" cy="839561"/>
+          </a:xfrm>
+          <a:prstGeom prst="line">
+            <a:avLst/>
+          </a:prstGeom>
+          <a:ln w="60325">
+            <a:solidFill>
+              <a:srgbClr val="C00000"/>
+            </a:solidFill>
+            <a:headEnd type="stealth" w="lg" len="lg"/>
+          </a:ln>
+        </p:spPr>
+        <p:style>
+          <a:lnRef idx="1">
+            <a:schemeClr val="accent1"/>
+          </a:lnRef>
+          <a:fillRef idx="0">
+            <a:schemeClr val="accent1"/>
+          </a:fillRef>
+          <a:effectRef idx="0">
+            <a:schemeClr val="accent1"/>
+          </a:effectRef>
+          <a:fontRef idx="minor">
+            <a:schemeClr val="tx1"/>
+          </a:fontRef>
+        </p:style>
+      </p:cxnSp>
+      <p:sp>
+        <p:nvSpPr>
+          <p:cNvPr id="36" name="TextBox 35">
+            <a:extLst>
+              <a:ext uri="{FF2B5EF4-FFF2-40B4-BE49-F238E27FC236}">
+                <a16:creationId xmlns:a16="http://schemas.microsoft.com/office/drawing/2014/main" id="{32C50CE3-A69D-6F4E-A643-993506529BBA}"/>
+              </a:ext>
+            </a:extLst>
+          </p:cNvPr>
+          <p:cNvSpPr txBox="1"/>
+          <p:nvPr/>
+        </p:nvSpPr>
+        <p:spPr>
+          <a:xfrm>
+            <a:off x="4446628" y="168836"/>
+            <a:ext cx="961755" cy="369332"/>
+          </a:xfrm>
+          <a:prstGeom prst="rect">
+            <a:avLst/>
+          </a:prstGeom>
+          <a:noFill/>
+        </p:spPr>
+        <p:txBody>
+          <a:bodyPr wrap="square" rtlCol="0">
+            <a:spAutoFit/>
+          </a:bodyPr>
+          <a:lstStyle/>
+          <a:p>
+            <a:r>
+              <a:rPr lang="en-AU" dirty="0">
+                <a:solidFill>
+                  <a:srgbClr val="C00000"/>
+                </a:solidFill>
+              </a:rPr>
+              <a:t>Upfield</a:t>
+            </a:r>
+          </a:p>
+        </p:txBody>
+      </p:sp>
+      <p:sp>
+        <p:nvSpPr>
+          <p:cNvPr id="39" name="TextBox 38">
+            <a:extLst>
+              <a:ext uri="{FF2B5EF4-FFF2-40B4-BE49-F238E27FC236}">
+                <a16:creationId xmlns:a16="http://schemas.microsoft.com/office/drawing/2014/main" id="{FF9BF959-7663-4E43-82B8-A6B62D0EE304}"/>
+              </a:ext>
+            </a:extLst>
+          </p:cNvPr>
+          <p:cNvSpPr txBox="1"/>
+          <p:nvPr/>
+        </p:nvSpPr>
+        <p:spPr>
+          <a:xfrm>
+            <a:off x="4288814" y="9291052"/>
+            <a:ext cx="1210561" cy="369332"/>
+          </a:xfrm>
+          <a:prstGeom prst="rect">
+            <a:avLst/>
+          </a:prstGeom>
+          <a:noFill/>
+        </p:spPr>
+        <p:txBody>
+          <a:bodyPr wrap="square" rtlCol="0">
+            <a:spAutoFit/>
+          </a:bodyPr>
+          <a:lstStyle/>
+          <a:p>
+            <a:r>
+              <a:rPr lang="en-AU" dirty="0">
+                <a:solidFill>
+                  <a:schemeClr val="accent6"/>
+                </a:solidFill>
+              </a:rPr>
+              <a:t>Downfield</a:t>
+            </a:r>
+          </a:p>
+        </p:txBody>
+      </p:sp>
+      <p:sp>
+        <p:nvSpPr>
+          <p:cNvPr id="30" name="Rounded Rectangle 29">
+            <a:extLst>
+              <a:ext uri="{FF2B5EF4-FFF2-40B4-BE49-F238E27FC236}">
+                <a16:creationId xmlns:a16="http://schemas.microsoft.com/office/drawing/2014/main" id="{B8A86484-2904-4E46-B5B4-7651A5C626E4}"/>
+              </a:ext>
+            </a:extLst>
+          </p:cNvPr>
+          <p:cNvSpPr>
+            <a:spLocks noChangeAspect="1"/>
+          </p:cNvSpPr>
+          <p:nvPr/>
+        </p:nvSpPr>
+        <p:spPr>
+          <a:xfrm>
+            <a:off x="1955619" y="2096962"/>
+            <a:ext cx="3240000" cy="5604325"/>
+          </a:xfrm>
+          <a:prstGeom prst="roundRect">
+            <a:avLst/>
+          </a:prstGeom>
+          <a:noFill/>
+          <a:ln w="38100">
+            <a:solidFill>
+              <a:schemeClr val="tx1"/>
+            </a:solidFill>
+          </a:ln>
+        </p:spPr>
+        <p:style>
+          <a:lnRef idx="2">
+            <a:schemeClr val="accent1">
+              <a:shade val="50000"/>
+            </a:schemeClr>
+          </a:lnRef>
+          <a:fillRef idx="1">
+            <a:schemeClr val="accent1"/>
+          </a:fillRef>
+          <a:effectRef idx="0">
+            <a:schemeClr val="accent1"/>
+          </a:effectRef>
+          <a:fontRef idx="minor">
+            <a:schemeClr val="lt1"/>
+          </a:fontRef>
+        </p:style>
+        <p:txBody>
+          <a:bodyPr rtlCol="0" anchor="ctr"/>
+          <a:lstStyle/>
+          <a:p>
+            <a:pPr algn="ctr"/>
+            <a:endParaRPr lang="en-AU"/>
+          </a:p>
+        </p:txBody>
+      </p:sp>
+      <p:sp>
+        <p:nvSpPr>
+          <p:cNvPr id="31" name="Multiply 30">
+            <a:extLst>
+              <a:ext uri="{FF2B5EF4-FFF2-40B4-BE49-F238E27FC236}">
+                <a16:creationId xmlns:a16="http://schemas.microsoft.com/office/drawing/2014/main" id="{5E280636-5677-E24B-9170-B5E74AF6F10D}"/>
+              </a:ext>
+            </a:extLst>
+          </p:cNvPr>
+          <p:cNvSpPr/>
+          <p:nvPr/>
+        </p:nvSpPr>
+        <p:spPr>
+          <a:xfrm>
+            <a:off x="3200727" y="5719826"/>
+            <a:ext cx="767443" cy="849086"/>
+          </a:xfrm>
+          <a:prstGeom prst="mathMultiply">
+            <a:avLst/>
+          </a:prstGeom>
+          <a:noFill/>
+        </p:spPr>
+        <p:style>
+          <a:lnRef idx="2">
+            <a:schemeClr val="accent1">
+              <a:shade val="50000"/>
+            </a:schemeClr>
+          </a:lnRef>
+          <a:fillRef idx="1">
+            <a:schemeClr val="accent1"/>
+          </a:fillRef>
+          <a:effectRef idx="0">
+            <a:schemeClr val="accent1"/>
+          </a:effectRef>
+          <a:fontRef idx="minor">
+            <a:schemeClr val="lt1"/>
+          </a:fontRef>
+        </p:style>
+        <p:txBody>
+          <a:bodyPr rtlCol="0" anchor="ctr"/>
+          <a:lstStyle/>
+          <a:p>
+            <a:pPr algn="ctr"/>
+            <a:endParaRPr lang="en-AU"/>
+          </a:p>
+        </p:txBody>
+      </p:sp>
+      <p:sp>
+        <p:nvSpPr>
+          <p:cNvPr id="32" name="Multiply 31">
+            <a:extLst>
+              <a:ext uri="{FF2B5EF4-FFF2-40B4-BE49-F238E27FC236}">
+                <a16:creationId xmlns:a16="http://schemas.microsoft.com/office/drawing/2014/main" id="{F64121CE-0A72-C743-B147-31433D640BE0}"/>
+              </a:ext>
+            </a:extLst>
+          </p:cNvPr>
+          <p:cNvSpPr/>
+          <p:nvPr/>
+        </p:nvSpPr>
+        <p:spPr>
+          <a:xfrm>
+            <a:off x="3194392" y="3229341"/>
+            <a:ext cx="767443" cy="849086"/>
+          </a:xfrm>
+          <a:prstGeom prst="mathMultiply">
+            <a:avLst/>
+          </a:prstGeom>
+          <a:noFill/>
+        </p:spPr>
+        <p:style>
+          <a:lnRef idx="2">
+            <a:schemeClr val="accent1">
+              <a:shade val="50000"/>
+            </a:schemeClr>
+          </a:lnRef>
+          <a:fillRef idx="1">
+            <a:schemeClr val="accent1"/>
+          </a:fillRef>
+          <a:effectRef idx="0">
+            <a:schemeClr val="accent1"/>
+          </a:effectRef>
+          <a:fontRef idx="minor">
+            <a:schemeClr val="lt1"/>
+          </a:fontRef>
+        </p:style>
+        <p:txBody>
+          <a:bodyPr rtlCol="0" anchor="ctr"/>
+          <a:lstStyle/>
+          <a:p>
+            <a:pPr algn="ctr"/>
+            <a:endParaRPr lang="en-AU"/>
+          </a:p>
+        </p:txBody>
+      </p:sp>
+      <p:sp>
+        <p:nvSpPr>
+          <p:cNvPr id="35" name="TextBox 34">
+            <a:extLst>
+              <a:ext uri="{FF2B5EF4-FFF2-40B4-BE49-F238E27FC236}">
+                <a16:creationId xmlns:a16="http://schemas.microsoft.com/office/drawing/2014/main" id="{79DAF68E-1DAE-D641-8B9E-EC4390F7E0BB}"/>
+              </a:ext>
+            </a:extLst>
+          </p:cNvPr>
+          <p:cNvSpPr txBox="1"/>
+          <p:nvPr/>
+        </p:nvSpPr>
+        <p:spPr>
+          <a:xfrm>
+            <a:off x="3433499" y="5586333"/>
+            <a:ext cx="466518" cy="369332"/>
+          </a:xfrm>
+          <a:prstGeom prst="rect">
+            <a:avLst/>
+          </a:prstGeom>
+          <a:noFill/>
+        </p:spPr>
+        <p:txBody>
+          <a:bodyPr wrap="square" rtlCol="0">
+            <a:spAutoFit/>
+          </a:bodyPr>
+          <a:lstStyle/>
+          <a:p>
+            <a:r>
+              <a:rPr lang="en-AU" dirty="0">
+                <a:solidFill>
+                  <a:schemeClr val="bg1">
+                    <a:lumMod val="50000"/>
+                  </a:schemeClr>
+                </a:solidFill>
+              </a:rPr>
+              <a:t>O2</a:t>
+            </a:r>
+          </a:p>
+        </p:txBody>
+      </p:sp>
+      <p:sp>
+        <p:nvSpPr>
+          <p:cNvPr id="38" name="TextBox 37">
+            <a:extLst>
+              <a:ext uri="{FF2B5EF4-FFF2-40B4-BE49-F238E27FC236}">
+                <a16:creationId xmlns:a16="http://schemas.microsoft.com/office/drawing/2014/main" id="{7042CAA2-E6DA-0B42-9E72-2E15BEA3B1CC}"/>
+              </a:ext>
+            </a:extLst>
+          </p:cNvPr>
+          <p:cNvSpPr txBox="1"/>
+          <p:nvPr/>
+        </p:nvSpPr>
+        <p:spPr>
+          <a:xfrm>
+            <a:off x="2830951" y="4418066"/>
+            <a:ext cx="470658" cy="369332"/>
+          </a:xfrm>
+          <a:prstGeom prst="rect">
+            <a:avLst/>
+          </a:prstGeom>
+          <a:solidFill>
+            <a:schemeClr val="tx1"/>
+          </a:solidFill>
+        </p:spPr>
+        <p:txBody>
+          <a:bodyPr wrap="square" rtlCol="0">
+            <a:spAutoFit/>
+          </a:bodyPr>
+          <a:lstStyle/>
+          <a:p>
+            <a:r>
+              <a:rPr lang="en-AU" dirty="0">
+                <a:solidFill>
+                  <a:schemeClr val="bg1"/>
+                </a:solidFill>
+              </a:rPr>
+              <a:t>O1</a:t>
+            </a:r>
+          </a:p>
+        </p:txBody>
+      </p:sp>
+      <p:sp>
+        <p:nvSpPr>
+          <p:cNvPr id="41" name="TextBox 40">
+            <a:extLst>
+              <a:ext uri="{FF2B5EF4-FFF2-40B4-BE49-F238E27FC236}">
+                <a16:creationId xmlns:a16="http://schemas.microsoft.com/office/drawing/2014/main" id="{6A4DBE8F-FE25-9E4C-8B3E-05DC9C007444}"/>
+              </a:ext>
+            </a:extLst>
+          </p:cNvPr>
+          <p:cNvSpPr txBox="1"/>
+          <p:nvPr/>
+        </p:nvSpPr>
+        <p:spPr>
+          <a:xfrm>
+            <a:off x="3451835" y="5309695"/>
+            <a:ext cx="466518" cy="369332"/>
+          </a:xfrm>
+          <a:prstGeom prst="rect">
+            <a:avLst/>
+          </a:prstGeom>
+          <a:noFill/>
+        </p:spPr>
+        <p:txBody>
+          <a:bodyPr wrap="square" rtlCol="0">
+            <a:spAutoFit/>
+          </a:bodyPr>
+          <a:lstStyle/>
+          <a:p>
+            <a:r>
+              <a:rPr lang="en-AU" dirty="0">
+                <a:solidFill>
+                  <a:schemeClr val="bg1">
+                    <a:lumMod val="50000"/>
+                  </a:schemeClr>
+                </a:solidFill>
+              </a:rPr>
+              <a:t>O3</a:t>
+            </a:r>
+          </a:p>
+        </p:txBody>
+      </p:sp>
+      <p:sp>
+        <p:nvSpPr>
+          <p:cNvPr id="42" name="TextBox 41">
+            <a:extLst>
+              <a:ext uri="{FF2B5EF4-FFF2-40B4-BE49-F238E27FC236}">
+                <a16:creationId xmlns:a16="http://schemas.microsoft.com/office/drawing/2014/main" id="{B5F10BD1-841A-F04B-A2A2-55D0139DC377}"/>
+              </a:ext>
+            </a:extLst>
+          </p:cNvPr>
+          <p:cNvSpPr txBox="1"/>
+          <p:nvPr/>
+        </p:nvSpPr>
+        <p:spPr>
+          <a:xfrm>
+            <a:off x="4062142" y="6213415"/>
+            <a:ext cx="466518" cy="369332"/>
+          </a:xfrm>
+          <a:prstGeom prst="rect">
+            <a:avLst/>
+          </a:prstGeom>
+          <a:noFill/>
+        </p:spPr>
+        <p:txBody>
+          <a:bodyPr wrap="square" rtlCol="0">
+            <a:spAutoFit/>
+          </a:bodyPr>
+          <a:lstStyle/>
+          <a:p>
+            <a:r>
+              <a:rPr lang="en-AU" dirty="0">
+                <a:solidFill>
+                  <a:schemeClr val="bg1">
+                    <a:lumMod val="50000"/>
+                  </a:schemeClr>
+                </a:solidFill>
+              </a:rPr>
+              <a:t>O4</a:t>
+            </a:r>
+          </a:p>
+        </p:txBody>
+      </p:sp>
+      <p:sp>
+        <p:nvSpPr>
+          <p:cNvPr id="44" name="TextBox 43">
+            <a:extLst>
+              <a:ext uri="{FF2B5EF4-FFF2-40B4-BE49-F238E27FC236}">
+                <a16:creationId xmlns:a16="http://schemas.microsoft.com/office/drawing/2014/main" id="{ED76DF6A-2F54-F447-8ADE-845E9CC87A6B}"/>
+              </a:ext>
+            </a:extLst>
+          </p:cNvPr>
+          <p:cNvSpPr txBox="1"/>
+          <p:nvPr/>
+        </p:nvSpPr>
+        <p:spPr>
+          <a:xfrm>
+            <a:off x="3359189" y="3523633"/>
+            <a:ext cx="466518" cy="369332"/>
+          </a:xfrm>
+          <a:prstGeom prst="rect">
+            <a:avLst/>
+          </a:prstGeom>
+          <a:noFill/>
+        </p:spPr>
+        <p:txBody>
+          <a:bodyPr wrap="square" rtlCol="0">
+            <a:spAutoFit/>
+          </a:bodyPr>
+          <a:lstStyle/>
+          <a:p>
+            <a:r>
+              <a:rPr lang="en-AU" dirty="0">
+                <a:solidFill>
+                  <a:schemeClr val="bg1">
+                    <a:lumMod val="50000"/>
+                  </a:schemeClr>
+                </a:solidFill>
+              </a:rPr>
+              <a:t>O6</a:t>
+            </a:r>
+          </a:p>
+        </p:txBody>
+      </p:sp>
+      <p:sp>
+        <p:nvSpPr>
+          <p:cNvPr id="45" name="TextBox 44">
+            <a:extLst>
+              <a:ext uri="{FF2B5EF4-FFF2-40B4-BE49-F238E27FC236}">
+                <a16:creationId xmlns:a16="http://schemas.microsoft.com/office/drawing/2014/main" id="{2AA289A3-FFF3-9040-A161-C18FA54A9DD6}"/>
+              </a:ext>
+            </a:extLst>
+          </p:cNvPr>
+          <p:cNvSpPr txBox="1"/>
+          <p:nvPr/>
+        </p:nvSpPr>
+        <p:spPr>
+          <a:xfrm>
+            <a:off x="2593265" y="3219645"/>
+            <a:ext cx="466518" cy="369332"/>
+          </a:xfrm>
+          <a:prstGeom prst="rect">
+            <a:avLst/>
+          </a:prstGeom>
+          <a:noFill/>
+        </p:spPr>
+        <p:txBody>
+          <a:bodyPr wrap="square" rtlCol="0">
+            <a:spAutoFit/>
+          </a:bodyPr>
+          <a:lstStyle/>
+          <a:p>
+            <a:r>
+              <a:rPr lang="en-AU" dirty="0">
+                <a:solidFill>
+                  <a:schemeClr val="bg1">
+                    <a:lumMod val="50000"/>
+                  </a:schemeClr>
+                </a:solidFill>
+              </a:rPr>
+              <a:t>O7</a:t>
+            </a:r>
+          </a:p>
+        </p:txBody>
+      </p:sp>
+      <p:sp>
+        <p:nvSpPr>
+          <p:cNvPr id="46" name="TextBox 45">
+            <a:extLst>
+              <a:ext uri="{FF2B5EF4-FFF2-40B4-BE49-F238E27FC236}">
+                <a16:creationId xmlns:a16="http://schemas.microsoft.com/office/drawing/2014/main" id="{837A8049-6590-7D4C-92CF-A71FB0211A45}"/>
+              </a:ext>
+            </a:extLst>
+          </p:cNvPr>
+          <p:cNvSpPr txBox="1"/>
+          <p:nvPr/>
+        </p:nvSpPr>
+        <p:spPr>
+          <a:xfrm>
+            <a:off x="2892618" y="4684692"/>
+            <a:ext cx="466518" cy="369332"/>
+          </a:xfrm>
+          <a:prstGeom prst="rect">
+            <a:avLst/>
+          </a:prstGeom>
+          <a:noFill/>
+        </p:spPr>
+        <p:txBody>
+          <a:bodyPr wrap="square" rtlCol="0">
+            <a:spAutoFit/>
+          </a:bodyPr>
+          <a:lstStyle/>
+          <a:p>
+            <a:r>
+              <a:rPr lang="en-AU" dirty="0">
+                <a:solidFill>
+                  <a:srgbClr val="0070C0"/>
+                </a:solidFill>
+              </a:rPr>
+              <a:t>D8</a:t>
+            </a:r>
+          </a:p>
+        </p:txBody>
+      </p:sp>
+      <p:sp>
+        <p:nvSpPr>
+          <p:cNvPr id="47" name="TextBox 46">
+            <a:extLst>
+              <a:ext uri="{FF2B5EF4-FFF2-40B4-BE49-F238E27FC236}">
+                <a16:creationId xmlns:a16="http://schemas.microsoft.com/office/drawing/2014/main" id="{CCF22243-6FE8-EC41-B159-942CB7F07C00}"/>
+              </a:ext>
+            </a:extLst>
+          </p:cNvPr>
+          <p:cNvSpPr txBox="1"/>
+          <p:nvPr/>
+        </p:nvSpPr>
+        <p:spPr>
+          <a:xfrm>
+            <a:off x="3179716" y="5517172"/>
+            <a:ext cx="466518" cy="369332"/>
+          </a:xfrm>
+          <a:prstGeom prst="rect">
+            <a:avLst/>
+          </a:prstGeom>
+          <a:noFill/>
+        </p:spPr>
+        <p:txBody>
+          <a:bodyPr wrap="square" rtlCol="0">
+            <a:spAutoFit/>
+          </a:bodyPr>
+          <a:lstStyle/>
+          <a:p>
+            <a:r>
+              <a:rPr lang="en-AU" dirty="0">
+                <a:solidFill>
+                  <a:srgbClr val="0070C0"/>
+                </a:solidFill>
+              </a:rPr>
+              <a:t>D9</a:t>
+            </a:r>
+          </a:p>
+        </p:txBody>
+      </p:sp>
+      <p:sp>
+        <p:nvSpPr>
+          <p:cNvPr id="48" name="TextBox 47">
+            <a:extLst>
+              <a:ext uri="{FF2B5EF4-FFF2-40B4-BE49-F238E27FC236}">
+                <a16:creationId xmlns:a16="http://schemas.microsoft.com/office/drawing/2014/main" id="{86C9D4C4-44D0-C944-9E8E-3B2426A48A88}"/>
+              </a:ext>
+            </a:extLst>
+          </p:cNvPr>
+          <p:cNvSpPr txBox="1"/>
+          <p:nvPr/>
+        </p:nvSpPr>
+        <p:spPr>
+          <a:xfrm>
+            <a:off x="3048476" y="5303231"/>
+            <a:ext cx="616526" cy="369332"/>
+          </a:xfrm>
+          <a:prstGeom prst="rect">
+            <a:avLst/>
+          </a:prstGeom>
+          <a:noFill/>
+        </p:spPr>
+        <p:txBody>
+          <a:bodyPr wrap="square" rtlCol="0">
+            <a:spAutoFit/>
+          </a:bodyPr>
+          <a:lstStyle/>
+          <a:p>
+            <a:r>
+              <a:rPr lang="en-AU" dirty="0">
+                <a:solidFill>
+                  <a:srgbClr val="0070C0"/>
+                </a:solidFill>
+              </a:rPr>
+              <a:t>D10</a:t>
+            </a:r>
+          </a:p>
+        </p:txBody>
+      </p:sp>
+      <p:sp>
+        <p:nvSpPr>
+          <p:cNvPr id="49" name="TextBox 48">
+            <a:extLst>
+              <a:ext uri="{FF2B5EF4-FFF2-40B4-BE49-F238E27FC236}">
+                <a16:creationId xmlns:a16="http://schemas.microsoft.com/office/drawing/2014/main" id="{8BD7E8C7-8F53-ED4B-8FFE-D850DF56DB0A}"/>
+              </a:ext>
+            </a:extLst>
+          </p:cNvPr>
+          <p:cNvSpPr txBox="1"/>
+          <p:nvPr/>
+        </p:nvSpPr>
+        <p:spPr>
+          <a:xfrm>
+            <a:off x="3999445" y="5975189"/>
+            <a:ext cx="616526" cy="369332"/>
+          </a:xfrm>
+          <a:prstGeom prst="rect">
+            <a:avLst/>
+          </a:prstGeom>
+          <a:noFill/>
+        </p:spPr>
+        <p:txBody>
+          <a:bodyPr wrap="square" rtlCol="0">
+            <a:spAutoFit/>
+          </a:bodyPr>
+          <a:lstStyle/>
+          <a:p>
+            <a:r>
+              <a:rPr lang="en-AU" dirty="0">
+                <a:solidFill>
+                  <a:srgbClr val="0070C0"/>
+                </a:solidFill>
+              </a:rPr>
+              <a:t>D11</a:t>
+            </a:r>
+          </a:p>
+        </p:txBody>
+      </p:sp>
+      <p:sp>
+        <p:nvSpPr>
+          <p:cNvPr id="50" name="TextBox 49">
+            <a:extLst>
+              <a:ext uri="{FF2B5EF4-FFF2-40B4-BE49-F238E27FC236}">
+                <a16:creationId xmlns:a16="http://schemas.microsoft.com/office/drawing/2014/main" id="{9B50AAF5-E2C8-8C47-BB34-7CF21FC3A939}"/>
+              </a:ext>
+            </a:extLst>
+          </p:cNvPr>
+          <p:cNvSpPr txBox="1"/>
+          <p:nvPr/>
+        </p:nvSpPr>
+        <p:spPr>
+          <a:xfrm>
+            <a:off x="4314018" y="3533870"/>
+            <a:ext cx="616526" cy="369332"/>
+          </a:xfrm>
+          <a:prstGeom prst="rect">
+            <a:avLst/>
+          </a:prstGeom>
+          <a:noFill/>
+        </p:spPr>
+        <p:txBody>
+          <a:bodyPr wrap="square" rtlCol="0">
+            <a:spAutoFit/>
+          </a:bodyPr>
+          <a:lstStyle/>
+          <a:p>
+            <a:r>
+              <a:rPr lang="en-AU" dirty="0">
+                <a:solidFill>
+                  <a:srgbClr val="0070C0"/>
+                </a:solidFill>
+              </a:rPr>
+              <a:t>D12</a:t>
+            </a:r>
+          </a:p>
+        </p:txBody>
+      </p:sp>
+      <p:sp>
+        <p:nvSpPr>
+          <p:cNvPr id="51" name="TextBox 50">
+            <a:extLst>
+              <a:ext uri="{FF2B5EF4-FFF2-40B4-BE49-F238E27FC236}">
+                <a16:creationId xmlns:a16="http://schemas.microsoft.com/office/drawing/2014/main" id="{92E484C6-77CC-ED41-A22D-A89845F770A5}"/>
+              </a:ext>
+            </a:extLst>
+          </p:cNvPr>
+          <p:cNvSpPr txBox="1"/>
+          <p:nvPr/>
+        </p:nvSpPr>
+        <p:spPr>
+          <a:xfrm>
+            <a:off x="3527619" y="3858417"/>
+            <a:ext cx="616526" cy="369332"/>
+          </a:xfrm>
+          <a:prstGeom prst="rect">
+            <a:avLst/>
+          </a:prstGeom>
+          <a:noFill/>
+        </p:spPr>
+        <p:txBody>
+          <a:bodyPr wrap="square" rtlCol="0">
+            <a:spAutoFit/>
+          </a:bodyPr>
+          <a:lstStyle/>
+          <a:p>
+            <a:r>
+              <a:rPr lang="en-AU" dirty="0">
+                <a:solidFill>
+                  <a:srgbClr val="0070C0"/>
+                </a:solidFill>
+              </a:rPr>
+              <a:t>D13</a:t>
+            </a:r>
+          </a:p>
+        </p:txBody>
+      </p:sp>
+      <p:sp>
+        <p:nvSpPr>
+          <p:cNvPr id="52" name="TextBox 51">
+            <a:extLst>
+              <a:ext uri="{FF2B5EF4-FFF2-40B4-BE49-F238E27FC236}">
+                <a16:creationId xmlns:a16="http://schemas.microsoft.com/office/drawing/2014/main" id="{12662D9B-166C-F641-904E-8CCCEF4D6E57}"/>
+              </a:ext>
+            </a:extLst>
+          </p:cNvPr>
+          <p:cNvSpPr txBox="1"/>
+          <p:nvPr/>
+        </p:nvSpPr>
+        <p:spPr>
+          <a:xfrm>
+            <a:off x="2813701" y="3478186"/>
+            <a:ext cx="616526" cy="369332"/>
+          </a:xfrm>
+          <a:prstGeom prst="rect">
+            <a:avLst/>
+          </a:prstGeom>
+          <a:noFill/>
+        </p:spPr>
+        <p:txBody>
+          <a:bodyPr wrap="square" rtlCol="0">
+            <a:spAutoFit/>
+          </a:bodyPr>
+          <a:lstStyle/>
+          <a:p>
+            <a:r>
+              <a:rPr lang="en-AU" dirty="0">
+                <a:solidFill>
+                  <a:srgbClr val="0070C0"/>
+                </a:solidFill>
+              </a:rPr>
+              <a:t>D14</a:t>
+            </a:r>
+          </a:p>
+        </p:txBody>
+      </p:sp>
+      <p:sp>
+        <p:nvSpPr>
+          <p:cNvPr id="55" name="Oval 54">
+            <a:extLst>
+              <a:ext uri="{FF2B5EF4-FFF2-40B4-BE49-F238E27FC236}">
+                <a16:creationId xmlns:a16="http://schemas.microsoft.com/office/drawing/2014/main" id="{DBE4C896-811B-1442-894E-17EEF5BA6743}"/>
+              </a:ext>
+            </a:extLst>
+          </p:cNvPr>
+          <p:cNvSpPr/>
+          <p:nvPr/>
+        </p:nvSpPr>
+        <p:spPr>
+          <a:xfrm>
+            <a:off x="2762958" y="4797593"/>
+            <a:ext cx="180000" cy="180000"/>
+          </a:xfrm>
+          <a:prstGeom prst="ellipse">
+            <a:avLst/>
+          </a:prstGeom>
+          <a:solidFill>
+            <a:schemeClr val="tx1"/>
+          </a:solidFill>
+        </p:spPr>
+        <p:style>
+          <a:lnRef idx="2">
+            <a:schemeClr val="accent1">
+              <a:shade val="50000"/>
+            </a:schemeClr>
+          </a:lnRef>
+          <a:fillRef idx="1">
+            <a:schemeClr val="accent1"/>
+          </a:fillRef>
+          <a:effectRef idx="0">
+            <a:schemeClr val="accent1"/>
+          </a:effectRef>
+          <a:fontRef idx="minor">
+            <a:schemeClr val="lt1"/>
+          </a:fontRef>
+        </p:style>
+        <p:txBody>
+          <a:bodyPr rtlCol="0" anchor="ctr"/>
+          <a:lstStyle/>
+          <a:p>
+            <a:pPr algn="ctr"/>
+            <a:endParaRPr lang="en-AU"/>
+          </a:p>
+        </p:txBody>
+      </p:sp>
+      <p:cxnSp>
+        <p:nvCxnSpPr>
+          <p:cNvPr id="37" name="Straight Connector 36">
+            <a:extLst>
+              <a:ext uri="{FF2B5EF4-FFF2-40B4-BE49-F238E27FC236}">
+                <a16:creationId xmlns:a16="http://schemas.microsoft.com/office/drawing/2014/main" id="{99FE3948-AFB4-994E-AF09-567D29BBC0CD}"/>
+              </a:ext>
+            </a:extLst>
+          </p:cNvPr>
+          <p:cNvCxnSpPr>
+            <a:cxnSpLocks/>
+          </p:cNvCxnSpPr>
+          <p:nvPr/>
+        </p:nvCxnSpPr>
+        <p:spPr>
+          <a:xfrm flipV="1">
+            <a:off x="5373127" y="8373862"/>
+            <a:ext cx="0" cy="938269"/>
+          </a:xfrm>
+          <a:prstGeom prst="line">
+            <a:avLst/>
+          </a:prstGeom>
+          <a:ln w="60325">
+            <a:solidFill>
+              <a:srgbClr val="00B050"/>
+            </a:solidFill>
+            <a:headEnd type="stealth" w="lg" len="lg"/>
+          </a:ln>
+        </p:spPr>
+        <p:style>
+          <a:lnRef idx="1">
+            <a:schemeClr val="accent1"/>
+          </a:lnRef>
+          <a:fillRef idx="0">
+            <a:schemeClr val="accent1"/>
+          </a:fillRef>
+          <a:effectRef idx="0">
+            <a:schemeClr val="accent1"/>
+          </a:effectRef>
+          <a:fontRef idx="minor">
+            <a:schemeClr val="tx1"/>
+          </a:fontRef>
+        </p:style>
+      </p:cxnSp>
+      <p:cxnSp>
+        <p:nvCxnSpPr>
+          <p:cNvPr id="16" name="Straight Arrow Connector 15">
+            <a:extLst>
+              <a:ext uri="{FF2B5EF4-FFF2-40B4-BE49-F238E27FC236}">
+                <a16:creationId xmlns:a16="http://schemas.microsoft.com/office/drawing/2014/main" id="{0CEAF748-506B-B94F-B3FE-D7D0E4F26EDC}"/>
+              </a:ext>
+            </a:extLst>
+          </p:cNvPr>
+          <p:cNvCxnSpPr>
+            <a:cxnSpLocks/>
+          </p:cNvCxnSpPr>
+          <p:nvPr/>
+        </p:nvCxnSpPr>
+        <p:spPr>
+          <a:xfrm flipH="1">
+            <a:off x="3048476" y="5955665"/>
+            <a:ext cx="524987" cy="1406832"/>
+          </a:xfrm>
+          <a:prstGeom prst="straightConnector1">
+            <a:avLst/>
+          </a:prstGeom>
+          <a:ln w="60325">
+            <a:solidFill>
+              <a:schemeClr val="bg1">
+                <a:lumMod val="50000"/>
+              </a:schemeClr>
+            </a:solidFill>
+            <a:tailEnd type="triangle"/>
+          </a:ln>
+        </p:spPr>
+        <p:style>
+          <a:lnRef idx="1">
+            <a:schemeClr val="accent1"/>
+          </a:lnRef>
+          <a:fillRef idx="0">
+            <a:schemeClr val="accent1"/>
+          </a:fillRef>
+          <a:effectRef idx="0">
+            <a:schemeClr val="accent1"/>
+          </a:effectRef>
+          <a:fontRef idx="minor">
+            <a:schemeClr val="tx1"/>
+          </a:fontRef>
+        </p:style>
+      </p:cxnSp>
+      <p:cxnSp>
+        <p:nvCxnSpPr>
+          <p:cNvPr id="58" name="Straight Arrow Connector 57">
+            <a:extLst>
+              <a:ext uri="{FF2B5EF4-FFF2-40B4-BE49-F238E27FC236}">
+                <a16:creationId xmlns:a16="http://schemas.microsoft.com/office/drawing/2014/main" id="{406FBF08-494E-6141-9B69-47ECBE1B51D1}"/>
+              </a:ext>
+            </a:extLst>
+          </p:cNvPr>
+          <p:cNvCxnSpPr>
+            <a:cxnSpLocks/>
+            <a:endCxn id="64" idx="2"/>
+          </p:cNvCxnSpPr>
+          <p:nvPr/>
+        </p:nvCxnSpPr>
+        <p:spPr>
+          <a:xfrm flipH="1" flipV="1">
+            <a:off x="2712455" y="5846990"/>
+            <a:ext cx="230503" cy="1515507"/>
+          </a:xfrm>
+          <a:prstGeom prst="straightConnector1">
+            <a:avLst/>
+          </a:prstGeom>
+          <a:ln w="60325">
+            <a:solidFill>
+              <a:schemeClr val="bg1">
+                <a:lumMod val="50000"/>
+              </a:schemeClr>
+            </a:solidFill>
+            <a:tailEnd type="triangle"/>
+          </a:ln>
+        </p:spPr>
+        <p:style>
+          <a:lnRef idx="1">
+            <a:schemeClr val="accent1"/>
+          </a:lnRef>
+          <a:fillRef idx="0">
+            <a:schemeClr val="accent1"/>
+          </a:fillRef>
+          <a:effectRef idx="0">
+            <a:schemeClr val="accent1"/>
+          </a:effectRef>
+          <a:fontRef idx="minor">
+            <a:schemeClr val="tx1"/>
+          </a:fontRef>
+        </p:style>
+      </p:cxnSp>
+      <p:cxnSp>
+        <p:nvCxnSpPr>
+          <p:cNvPr id="61" name="Straight Arrow Connector 60">
+            <a:extLst>
+              <a:ext uri="{FF2B5EF4-FFF2-40B4-BE49-F238E27FC236}">
+                <a16:creationId xmlns:a16="http://schemas.microsoft.com/office/drawing/2014/main" id="{B3D26F08-CF4C-454E-B5EA-9710B2908D13}"/>
+              </a:ext>
+            </a:extLst>
+          </p:cNvPr>
+          <p:cNvCxnSpPr>
+            <a:cxnSpLocks/>
+            <a:stCxn id="42" idx="2"/>
+          </p:cNvCxnSpPr>
+          <p:nvPr/>
+        </p:nvCxnSpPr>
+        <p:spPr>
+          <a:xfrm>
+            <a:off x="4295401" y="6582747"/>
+            <a:ext cx="151227" cy="855597"/>
+          </a:xfrm>
+          <a:prstGeom prst="straightConnector1">
+            <a:avLst/>
+          </a:prstGeom>
+          <a:ln w="60325">
+            <a:solidFill>
+              <a:schemeClr val="bg1">
+                <a:lumMod val="50000"/>
+              </a:schemeClr>
+            </a:solidFill>
+            <a:tailEnd type="triangle"/>
+          </a:ln>
+        </p:spPr>
+        <p:style>
+          <a:lnRef idx="1">
+            <a:schemeClr val="accent1"/>
+          </a:lnRef>
+          <a:fillRef idx="0">
+            <a:schemeClr val="accent1"/>
+          </a:fillRef>
+          <a:effectRef idx="0">
+            <a:schemeClr val="accent1"/>
+          </a:effectRef>
+          <a:fontRef idx="minor">
+            <a:schemeClr val="tx1"/>
+          </a:fontRef>
+        </p:style>
+      </p:cxnSp>
+      <p:sp>
+        <p:nvSpPr>
+          <p:cNvPr id="60" name="TextBox 59">
+            <a:extLst>
+              <a:ext uri="{FF2B5EF4-FFF2-40B4-BE49-F238E27FC236}">
+                <a16:creationId xmlns:a16="http://schemas.microsoft.com/office/drawing/2014/main" id="{140BE47E-FBE0-184D-B45A-5A650C1EE96C}"/>
+              </a:ext>
+            </a:extLst>
+          </p:cNvPr>
+          <p:cNvSpPr txBox="1"/>
+          <p:nvPr/>
+        </p:nvSpPr>
+        <p:spPr>
+          <a:xfrm>
+            <a:off x="4616346" y="8805856"/>
+            <a:ext cx="301212" cy="369332"/>
+          </a:xfrm>
+          <a:prstGeom prst="rect">
+            <a:avLst/>
+          </a:prstGeom>
+          <a:solidFill>
+            <a:schemeClr val="tx1"/>
+          </a:solidFill>
+        </p:spPr>
+        <p:txBody>
+          <a:bodyPr wrap="square" rtlCol="0">
+            <a:spAutoFit/>
+          </a:bodyPr>
+          <a:lstStyle/>
+          <a:p>
+            <a:r>
+              <a:rPr lang="en-AU" dirty="0">
+                <a:solidFill>
+                  <a:schemeClr val="bg1"/>
+                </a:solidFill>
+              </a:rPr>
+              <a:t>A</a:t>
+            </a:r>
+          </a:p>
+        </p:txBody>
+      </p:sp>
+      <p:sp>
+        <p:nvSpPr>
+          <p:cNvPr id="63" name="TextBox 62">
+            <a:extLst>
+              <a:ext uri="{FF2B5EF4-FFF2-40B4-BE49-F238E27FC236}">
+                <a16:creationId xmlns:a16="http://schemas.microsoft.com/office/drawing/2014/main" id="{C0519DCF-376B-6D4A-AACF-E6FB88DE9D60}"/>
+              </a:ext>
+            </a:extLst>
+          </p:cNvPr>
+          <p:cNvSpPr txBox="1"/>
+          <p:nvPr/>
+        </p:nvSpPr>
+        <p:spPr>
+          <a:xfrm>
+            <a:off x="2116055" y="8803826"/>
+            <a:ext cx="301212" cy="369332"/>
+          </a:xfrm>
+          <a:prstGeom prst="rect">
+            <a:avLst/>
+          </a:prstGeom>
+          <a:solidFill>
+            <a:schemeClr val="tx1"/>
+          </a:solidFill>
+        </p:spPr>
+        <p:txBody>
+          <a:bodyPr wrap="square" rtlCol="0">
+            <a:spAutoFit/>
+          </a:bodyPr>
+          <a:lstStyle/>
+          <a:p>
+            <a:r>
+              <a:rPr lang="en-AU" dirty="0">
+                <a:solidFill>
+                  <a:schemeClr val="bg1"/>
+                </a:solidFill>
+              </a:rPr>
+              <a:t>B</a:t>
+            </a:r>
+          </a:p>
+        </p:txBody>
+      </p:sp>
+      <p:sp>
+        <p:nvSpPr>
+          <p:cNvPr id="64" name="TextBox 63">
+            <a:extLst>
+              <a:ext uri="{FF2B5EF4-FFF2-40B4-BE49-F238E27FC236}">
+                <a16:creationId xmlns:a16="http://schemas.microsoft.com/office/drawing/2014/main" id="{22EF1F8D-493C-A447-8C3D-55D34CC89E53}"/>
+              </a:ext>
+            </a:extLst>
+          </p:cNvPr>
+          <p:cNvSpPr txBox="1"/>
+          <p:nvPr/>
+        </p:nvSpPr>
+        <p:spPr>
+          <a:xfrm>
+            <a:off x="2513945" y="5477658"/>
+            <a:ext cx="397019" cy="369332"/>
+          </a:xfrm>
+          <a:prstGeom prst="rect">
+            <a:avLst/>
+          </a:prstGeom>
+          <a:solidFill>
+            <a:schemeClr val="tx1"/>
+          </a:solidFill>
+        </p:spPr>
+        <p:txBody>
+          <a:bodyPr wrap="square" rtlCol="0">
+            <a:spAutoFit/>
+          </a:bodyPr>
+          <a:lstStyle/>
+          <a:p>
+            <a:r>
+              <a:rPr lang="en-AU" dirty="0">
+                <a:solidFill>
+                  <a:schemeClr val="bg1"/>
+                </a:solidFill>
+              </a:rPr>
+              <a:t>C’</a:t>
+            </a:r>
+          </a:p>
+        </p:txBody>
+      </p:sp>
+      <p:sp>
+        <p:nvSpPr>
+          <p:cNvPr id="65" name="TextBox 64">
+            <a:extLst>
+              <a:ext uri="{FF2B5EF4-FFF2-40B4-BE49-F238E27FC236}">
+                <a16:creationId xmlns:a16="http://schemas.microsoft.com/office/drawing/2014/main" id="{8C7B22FA-220F-7844-AC1D-35303421D309}"/>
+              </a:ext>
+            </a:extLst>
+          </p:cNvPr>
+          <p:cNvSpPr txBox="1"/>
+          <p:nvPr/>
+        </p:nvSpPr>
+        <p:spPr>
+          <a:xfrm>
+            <a:off x="4551037" y="3369060"/>
+            <a:ext cx="466518" cy="369332"/>
+          </a:xfrm>
+          <a:prstGeom prst="rect">
+            <a:avLst/>
+          </a:prstGeom>
+          <a:noFill/>
+        </p:spPr>
+        <p:txBody>
+          <a:bodyPr wrap="square" rtlCol="0">
+            <a:spAutoFit/>
+          </a:bodyPr>
+          <a:lstStyle/>
+          <a:p>
+            <a:r>
+              <a:rPr lang="en-AU" dirty="0">
+                <a:solidFill>
+                  <a:schemeClr val="bg1">
+                    <a:lumMod val="50000"/>
+                  </a:schemeClr>
+                </a:solidFill>
+              </a:rPr>
+              <a:t>O5</a:t>
+            </a:r>
+          </a:p>
+        </p:txBody>
+      </p:sp>
+      <p:cxnSp>
+        <p:nvCxnSpPr>
+          <p:cNvPr id="56" name="Straight Arrow Connector 55">
+            <a:extLst>
+              <a:ext uri="{FF2B5EF4-FFF2-40B4-BE49-F238E27FC236}">
+                <a16:creationId xmlns:a16="http://schemas.microsoft.com/office/drawing/2014/main" id="{BF1BBC3B-9E27-6540-B70D-913ED22AE4CE}"/>
+              </a:ext>
+            </a:extLst>
+          </p:cNvPr>
+          <p:cNvCxnSpPr>
+            <a:cxnSpLocks/>
+          </p:cNvCxnSpPr>
+          <p:nvPr/>
+        </p:nvCxnSpPr>
+        <p:spPr>
+          <a:xfrm flipH="1">
+            <a:off x="2417267" y="3883107"/>
+            <a:ext cx="939472" cy="750189"/>
+          </a:xfrm>
+          <a:prstGeom prst="straightConnector1">
+            <a:avLst/>
+          </a:prstGeom>
+          <a:ln w="60325">
+            <a:solidFill>
+              <a:schemeClr val="bg1">
+                <a:lumMod val="50000"/>
+              </a:schemeClr>
+            </a:solidFill>
+            <a:tailEnd type="triangle"/>
+          </a:ln>
+        </p:spPr>
+        <p:style>
+          <a:lnRef idx="1">
+            <a:schemeClr val="accent1"/>
+          </a:lnRef>
+          <a:fillRef idx="0">
+            <a:schemeClr val="accent1"/>
+          </a:fillRef>
+          <a:effectRef idx="0">
+            <a:schemeClr val="accent1"/>
+          </a:effectRef>
+          <a:fontRef idx="minor">
+            <a:schemeClr val="tx1"/>
+          </a:fontRef>
+        </p:style>
+      </p:cxnSp>
+      <p:cxnSp>
+        <p:nvCxnSpPr>
+          <p:cNvPr id="67" name="Straight Arrow Connector 66">
+            <a:extLst>
+              <a:ext uri="{FF2B5EF4-FFF2-40B4-BE49-F238E27FC236}">
+                <a16:creationId xmlns:a16="http://schemas.microsoft.com/office/drawing/2014/main" id="{0AC1BC70-FD1D-CA43-8B52-3E9E92A76D2C}"/>
+              </a:ext>
+            </a:extLst>
+          </p:cNvPr>
+          <p:cNvCxnSpPr>
+            <a:cxnSpLocks/>
+          </p:cNvCxnSpPr>
+          <p:nvPr/>
+        </p:nvCxnSpPr>
+        <p:spPr>
+          <a:xfrm flipH="1">
+            <a:off x="4805052" y="3738392"/>
+            <a:ext cx="17344" cy="1161628"/>
+          </a:xfrm>
+          <a:prstGeom prst="straightConnector1">
+            <a:avLst/>
+          </a:prstGeom>
+          <a:ln w="60325">
+            <a:solidFill>
+              <a:schemeClr val="bg1">
+                <a:lumMod val="50000"/>
+              </a:schemeClr>
+            </a:solidFill>
+            <a:tailEnd type="triangle"/>
+          </a:ln>
+        </p:spPr>
+        <p:style>
+          <a:lnRef idx="1">
+            <a:schemeClr val="accent1"/>
+          </a:lnRef>
+          <a:fillRef idx="0">
+            <a:schemeClr val="accent1"/>
+          </a:fillRef>
+          <a:effectRef idx="0">
+            <a:schemeClr val="accent1"/>
+          </a:effectRef>
+          <a:fontRef idx="minor">
+            <a:schemeClr val="tx1"/>
+          </a:fontRef>
+        </p:style>
+      </p:cxnSp>
+    </p:spTree>
+    <p:extLst>
+      <p:ext uri="{BB962C8B-B14F-4D97-AF65-F5344CB8AC3E}">
+        <p14:creationId xmlns:p14="http://schemas.microsoft.com/office/powerpoint/2010/main" val="3380602608"/>
+      </p:ext>
+    </p:extLst>
+  </p:cSld>
+  <p:clrMapOvr>
+    <a:masterClrMapping/>
+  </p:clrMapOvr>
+</p:sld>
+</file>
+
+<file path=ppt/slides/slide7.xml><?xml version="1.0" encoding="utf-8"?>
+<p:sld xmlns:a="http://schemas.openxmlformats.org/drawingml/2006/main" xmlns:r="http://schemas.openxmlformats.org/officeDocument/2006/relationships" xmlns:p="http://schemas.openxmlformats.org/presentationml/2006/main">
+  <p:cSld>
+    <p:spTree>
+      <p:nvGrpSpPr>
+        <p:cNvPr id="1" name=""/>
+        <p:cNvGrpSpPr/>
+        <p:nvPr/>
+      </p:nvGrpSpPr>
+      <p:grpSpPr>
+        <a:xfrm>
+          <a:off x="0" y="0"/>
+          <a:ext cx="0" cy="0"/>
+          <a:chOff x="0" y="0"/>
+          <a:chExt cx="0" cy="0"/>
+        </a:xfrm>
+      </p:grpSpPr>
+      <p:sp>
+        <p:nvSpPr>
+          <p:cNvPr id="45" name="Arc 44">
+            <a:extLst>
+              <a:ext uri="{FF2B5EF4-FFF2-40B4-BE49-F238E27FC236}">
+                <a16:creationId xmlns:a16="http://schemas.microsoft.com/office/drawing/2014/main" id="{63B1B77B-1FA4-8743-A1B9-F09A0F731519}"/>
+              </a:ext>
+            </a:extLst>
+          </p:cNvPr>
+          <p:cNvSpPr/>
+          <p:nvPr/>
+        </p:nvSpPr>
+        <p:spPr>
+          <a:xfrm>
+            <a:off x="2712708" y="3655757"/>
+            <a:ext cx="2398408" cy="4080249"/>
+          </a:xfrm>
+          <a:prstGeom prst="arc">
+            <a:avLst>
+              <a:gd name="adj1" fmla="val 16131872"/>
+              <a:gd name="adj2" fmla="val 20258141"/>
+            </a:avLst>
+          </a:prstGeom>
+          <a:ln w="82550">
+            <a:solidFill>
+              <a:schemeClr val="tx1"/>
+            </a:solidFill>
+            <a:prstDash val="sysDot"/>
+            <a:tailEnd type="stealth"/>
+          </a:ln>
+        </p:spPr>
+        <p:style>
+          <a:lnRef idx="1">
+            <a:schemeClr val="accent1"/>
+          </a:lnRef>
+          <a:fillRef idx="0">
+            <a:schemeClr val="accent1"/>
+          </a:fillRef>
+          <a:effectRef idx="0">
+            <a:schemeClr val="accent1"/>
+          </a:effectRef>
+          <a:fontRef idx="minor">
+            <a:schemeClr val="tx1"/>
+          </a:fontRef>
+        </p:style>
+        <p:txBody>
+          <a:bodyPr rtlCol="0" anchor="ctr"/>
+          <a:lstStyle/>
+          <a:p>
+            <a:pPr algn="ctr"/>
+            <a:endParaRPr lang="en-AU"/>
+          </a:p>
+        </p:txBody>
+      </p:sp>
+      <p:sp>
+        <p:nvSpPr>
+          <p:cNvPr id="4" name="Rounded Rectangle 3">
+            <a:extLst>
+              <a:ext uri="{FF2B5EF4-FFF2-40B4-BE49-F238E27FC236}">
+                <a16:creationId xmlns:a16="http://schemas.microsoft.com/office/drawing/2014/main" id="{70652F4E-8EA6-2C4D-A4F0-52433013FDED}"/>
+              </a:ext>
+            </a:extLst>
+          </p:cNvPr>
+          <p:cNvSpPr>
+            <a:spLocks noChangeAspect="1"/>
+          </p:cNvSpPr>
+          <p:nvPr/>
+        </p:nvSpPr>
+        <p:spPr>
+          <a:xfrm>
+            <a:off x="1953463" y="2114322"/>
+            <a:ext cx="3240000" cy="5604325"/>
+          </a:xfrm>
+          <a:prstGeom prst="roundRect">
+            <a:avLst/>
+          </a:prstGeom>
+          <a:noFill/>
+          <a:ln w="38100">
+            <a:solidFill>
+              <a:schemeClr val="tx1"/>
+            </a:solidFill>
+          </a:ln>
+        </p:spPr>
+        <p:style>
+          <a:lnRef idx="2">
+            <a:schemeClr val="accent1">
+              <a:shade val="50000"/>
+            </a:schemeClr>
+          </a:lnRef>
+          <a:fillRef idx="1">
+            <a:schemeClr val="accent1"/>
+          </a:fillRef>
+          <a:effectRef idx="0">
+            <a:schemeClr val="accent1"/>
+          </a:effectRef>
+          <a:fontRef idx="minor">
+            <a:schemeClr val="lt1"/>
+          </a:fontRef>
+        </p:style>
+        <p:txBody>
+          <a:bodyPr rtlCol="0" anchor="ctr"/>
+          <a:lstStyle/>
+          <a:p>
+            <a:pPr algn="ctr"/>
+            <a:endParaRPr lang="en-AU"/>
+          </a:p>
+        </p:txBody>
+      </p:sp>
+      <p:sp>
+        <p:nvSpPr>
+          <p:cNvPr id="5" name="Rounded Rectangle 4">
+            <a:extLst>
+              <a:ext uri="{FF2B5EF4-FFF2-40B4-BE49-F238E27FC236}">
+                <a16:creationId xmlns:a16="http://schemas.microsoft.com/office/drawing/2014/main" id="{3C953649-ED7C-3742-AAEA-8B243B81C427}"/>
+              </a:ext>
+            </a:extLst>
+          </p:cNvPr>
+          <p:cNvSpPr>
+            <a:spLocks noChangeAspect="1"/>
+          </p:cNvSpPr>
+          <p:nvPr/>
+        </p:nvSpPr>
+        <p:spPr>
+          <a:xfrm>
+            <a:off x="1953463" y="7718649"/>
+            <a:ext cx="3240000" cy="1576217"/>
+          </a:xfrm>
+          <a:prstGeom prst="roundRect">
+            <a:avLst/>
+          </a:prstGeom>
+          <a:solidFill>
+            <a:srgbClr val="00B050"/>
+          </a:solidFill>
+          <a:ln w="38100">
+            <a:solidFill>
+              <a:schemeClr val="tx1"/>
+            </a:solidFill>
+          </a:ln>
+        </p:spPr>
+        <p:style>
+          <a:lnRef idx="2">
+            <a:schemeClr val="accent1">
+              <a:shade val="50000"/>
+            </a:schemeClr>
+          </a:lnRef>
+          <a:fillRef idx="1">
+            <a:schemeClr val="accent1"/>
+          </a:fillRef>
+          <a:effectRef idx="0">
+            <a:schemeClr val="accent1"/>
+          </a:effectRef>
+          <a:fontRef idx="minor">
+            <a:schemeClr val="lt1"/>
+          </a:fontRef>
+        </p:style>
+        <p:txBody>
+          <a:bodyPr rtlCol="0" anchor="ctr"/>
+          <a:lstStyle/>
+          <a:p>
+            <a:pPr algn="ctr"/>
+            <a:endParaRPr lang="en-AU"/>
+          </a:p>
+        </p:txBody>
+      </p:sp>
+      <p:sp>
+        <p:nvSpPr>
+          <p:cNvPr id="6" name="Rounded Rectangle 5">
+            <a:extLst>
+              <a:ext uri="{FF2B5EF4-FFF2-40B4-BE49-F238E27FC236}">
+                <a16:creationId xmlns:a16="http://schemas.microsoft.com/office/drawing/2014/main" id="{781AE066-2F6F-CD4A-8C9D-2174A5C270BE}"/>
+              </a:ext>
+            </a:extLst>
+          </p:cNvPr>
+          <p:cNvSpPr>
+            <a:spLocks noChangeAspect="1"/>
+          </p:cNvSpPr>
+          <p:nvPr/>
+        </p:nvSpPr>
+        <p:spPr>
+          <a:xfrm>
+            <a:off x="1953463" y="520745"/>
+            <a:ext cx="3240000" cy="1576217"/>
+          </a:xfrm>
+          <a:prstGeom prst="roundRect">
+            <a:avLst/>
+          </a:prstGeom>
+          <a:solidFill>
+            <a:srgbClr val="FF0000"/>
+          </a:solidFill>
+          <a:ln w="38100">
+            <a:solidFill>
+              <a:schemeClr val="tx1"/>
+            </a:solidFill>
+          </a:ln>
+        </p:spPr>
+        <p:style>
+          <a:lnRef idx="2">
+            <a:schemeClr val="accent1">
+              <a:shade val="50000"/>
+            </a:schemeClr>
+          </a:lnRef>
+          <a:fillRef idx="1">
+            <a:schemeClr val="accent1"/>
+          </a:fillRef>
+          <a:effectRef idx="0">
+            <a:schemeClr val="accent1"/>
+          </a:effectRef>
+          <a:fontRef idx="minor">
+            <a:schemeClr val="lt1"/>
+          </a:fontRef>
+        </p:style>
+        <p:txBody>
+          <a:bodyPr rtlCol="0" anchor="ctr"/>
+          <a:lstStyle/>
+          <a:p>
+            <a:pPr algn="ctr"/>
+            <a:endParaRPr lang="en-AU" dirty="0"/>
+          </a:p>
+        </p:txBody>
+      </p:sp>
+      <p:sp>
+        <p:nvSpPr>
+          <p:cNvPr id="7" name="Rounded Rectangle 6">
+            <a:extLst>
+              <a:ext uri="{FF2B5EF4-FFF2-40B4-BE49-F238E27FC236}">
+                <a16:creationId xmlns:a16="http://schemas.microsoft.com/office/drawing/2014/main" id="{58A277D1-08DF-1A43-AFBF-E7F4DE2FD6BB}"/>
+              </a:ext>
+            </a:extLst>
+          </p:cNvPr>
+          <p:cNvSpPr>
+            <a:spLocks noChangeAspect="1"/>
+          </p:cNvSpPr>
+          <p:nvPr/>
+        </p:nvSpPr>
+        <p:spPr>
+          <a:xfrm>
+            <a:off x="1524892" y="101296"/>
+            <a:ext cx="4114800" cy="9630383"/>
+          </a:xfrm>
+          <a:prstGeom prst="roundRect">
+            <a:avLst/>
+          </a:prstGeom>
+          <a:noFill/>
+          <a:ln w="38100">
+            <a:solidFill>
+              <a:schemeClr val="bg1">
+                <a:lumMod val="50000"/>
+              </a:schemeClr>
+            </a:solidFill>
+            <a:prstDash val="sysDot"/>
+          </a:ln>
+        </p:spPr>
+        <p:style>
+          <a:lnRef idx="2">
+            <a:schemeClr val="accent1">
+              <a:shade val="50000"/>
+            </a:schemeClr>
+          </a:lnRef>
+          <a:fillRef idx="1">
+            <a:schemeClr val="accent1"/>
+          </a:fillRef>
+          <a:effectRef idx="0">
+            <a:schemeClr val="accent1"/>
+          </a:effectRef>
+          <a:fontRef idx="minor">
+            <a:schemeClr val="lt1"/>
+          </a:fontRef>
+        </p:style>
+        <p:txBody>
+          <a:bodyPr rtlCol="0" anchor="ctr"/>
+          <a:lstStyle/>
+          <a:p>
+            <a:pPr algn="ctr"/>
+            <a:endParaRPr lang="en-AU"/>
+          </a:p>
+        </p:txBody>
+      </p:sp>
+      <p:sp>
+        <p:nvSpPr>
+          <p:cNvPr id="12" name="Multiply 11">
+            <a:extLst>
+              <a:ext uri="{FF2B5EF4-FFF2-40B4-BE49-F238E27FC236}">
+                <a16:creationId xmlns:a16="http://schemas.microsoft.com/office/drawing/2014/main" id="{782966C4-8BAB-EC4A-B3CC-ECB9FD404B1E}"/>
+              </a:ext>
+            </a:extLst>
+          </p:cNvPr>
+          <p:cNvSpPr/>
+          <p:nvPr/>
+        </p:nvSpPr>
+        <p:spPr>
+          <a:xfrm>
+            <a:off x="3198571" y="5737186"/>
+            <a:ext cx="767443" cy="849086"/>
+          </a:xfrm>
+          <a:prstGeom prst="mathMultiply">
+            <a:avLst/>
+          </a:prstGeom>
+          <a:noFill/>
+        </p:spPr>
+        <p:style>
+          <a:lnRef idx="2">
+            <a:schemeClr val="accent1">
+              <a:shade val="50000"/>
+            </a:schemeClr>
+          </a:lnRef>
+          <a:fillRef idx="1">
+            <a:schemeClr val="accent1"/>
+          </a:fillRef>
+          <a:effectRef idx="0">
+            <a:schemeClr val="accent1"/>
+          </a:effectRef>
+          <a:fontRef idx="minor">
+            <a:schemeClr val="lt1"/>
+          </a:fontRef>
+        </p:style>
+        <p:txBody>
+          <a:bodyPr rtlCol="0" anchor="ctr"/>
+          <a:lstStyle/>
+          <a:p>
+            <a:pPr algn="ctr"/>
+            <a:endParaRPr lang="en-AU"/>
+          </a:p>
+        </p:txBody>
+      </p:sp>
+      <p:sp>
+        <p:nvSpPr>
+          <p:cNvPr id="13" name="Multiply 12">
+            <a:extLst>
+              <a:ext uri="{FF2B5EF4-FFF2-40B4-BE49-F238E27FC236}">
+                <a16:creationId xmlns:a16="http://schemas.microsoft.com/office/drawing/2014/main" id="{711FF500-E426-0D44-916C-B24A7A610DF5}"/>
+              </a:ext>
+            </a:extLst>
+          </p:cNvPr>
+          <p:cNvSpPr/>
+          <p:nvPr/>
+        </p:nvSpPr>
+        <p:spPr>
+          <a:xfrm>
+            <a:off x="3192236" y="3246701"/>
+            <a:ext cx="767443" cy="849086"/>
+          </a:xfrm>
+          <a:prstGeom prst="mathMultiply">
+            <a:avLst/>
+          </a:prstGeom>
+          <a:noFill/>
+        </p:spPr>
+        <p:style>
+          <a:lnRef idx="2">
+            <a:schemeClr val="accent1">
+              <a:shade val="50000"/>
+            </a:schemeClr>
+          </a:lnRef>
+          <a:fillRef idx="1">
+            <a:schemeClr val="accent1"/>
+          </a:fillRef>
+          <a:effectRef idx="0">
+            <a:schemeClr val="accent1"/>
+          </a:effectRef>
+          <a:fontRef idx="minor">
+            <a:schemeClr val="lt1"/>
+          </a:fontRef>
+        </p:style>
+        <p:txBody>
+          <a:bodyPr rtlCol="0" anchor="ctr"/>
+          <a:lstStyle/>
+          <a:p>
+            <a:pPr algn="ctr"/>
+            <a:endParaRPr lang="en-AU"/>
+          </a:p>
+        </p:txBody>
+      </p:sp>
+      <p:sp>
+        <p:nvSpPr>
+          <p:cNvPr id="14" name="TextBox 13">
+            <a:extLst>
+              <a:ext uri="{FF2B5EF4-FFF2-40B4-BE49-F238E27FC236}">
+                <a16:creationId xmlns:a16="http://schemas.microsoft.com/office/drawing/2014/main" id="{CC9FDAD2-F231-6B43-92F7-C2C2863676C2}"/>
+              </a:ext>
+            </a:extLst>
+          </p:cNvPr>
+          <p:cNvSpPr txBox="1"/>
+          <p:nvPr/>
+        </p:nvSpPr>
+        <p:spPr>
+          <a:xfrm>
+            <a:off x="3959679" y="4547156"/>
+            <a:ext cx="466518" cy="369332"/>
+          </a:xfrm>
+          <a:prstGeom prst="rect">
+            <a:avLst/>
+          </a:prstGeom>
+          <a:noFill/>
+        </p:spPr>
+        <p:txBody>
+          <a:bodyPr wrap="square" rtlCol="0">
+            <a:spAutoFit/>
+          </a:bodyPr>
+          <a:lstStyle/>
+          <a:p>
+            <a:r>
+              <a:rPr lang="en-AU" dirty="0"/>
+              <a:t>O2</a:t>
+            </a:r>
+          </a:p>
+        </p:txBody>
+      </p:sp>
+      <p:sp>
+        <p:nvSpPr>
+          <p:cNvPr id="15" name="TextBox 14">
+            <a:extLst>
+              <a:ext uri="{FF2B5EF4-FFF2-40B4-BE49-F238E27FC236}">
+                <a16:creationId xmlns:a16="http://schemas.microsoft.com/office/drawing/2014/main" id="{3986F052-18AA-4443-A26B-C88FE17F207D}"/>
+              </a:ext>
+            </a:extLst>
+          </p:cNvPr>
+          <p:cNvSpPr txBox="1"/>
+          <p:nvPr/>
+        </p:nvSpPr>
+        <p:spPr>
+          <a:xfrm>
+            <a:off x="4755510" y="4466447"/>
+            <a:ext cx="466518" cy="369332"/>
+          </a:xfrm>
+          <a:prstGeom prst="rect">
+            <a:avLst/>
+          </a:prstGeom>
+          <a:solidFill>
+            <a:schemeClr val="tx1"/>
+          </a:solidFill>
+        </p:spPr>
+        <p:txBody>
+          <a:bodyPr wrap="square" rtlCol="0">
+            <a:spAutoFit/>
+          </a:bodyPr>
+          <a:lstStyle/>
+          <a:p>
+            <a:r>
+              <a:rPr lang="en-AU" dirty="0">
+                <a:solidFill>
+                  <a:schemeClr val="bg1"/>
+                </a:solidFill>
+              </a:rPr>
+              <a:t>O1</a:t>
+            </a:r>
+          </a:p>
+        </p:txBody>
+      </p:sp>
+      <p:sp>
+        <p:nvSpPr>
+          <p:cNvPr id="16" name="TextBox 15">
+            <a:extLst>
+              <a:ext uri="{FF2B5EF4-FFF2-40B4-BE49-F238E27FC236}">
+                <a16:creationId xmlns:a16="http://schemas.microsoft.com/office/drawing/2014/main" id="{EEF04ED5-E466-A243-9D27-7184F13C1262}"/>
+              </a:ext>
+            </a:extLst>
+          </p:cNvPr>
+          <p:cNvSpPr txBox="1"/>
+          <p:nvPr/>
+        </p:nvSpPr>
+        <p:spPr>
+          <a:xfrm>
+            <a:off x="3102113" y="4547156"/>
+            <a:ext cx="466518" cy="369332"/>
+          </a:xfrm>
+          <a:prstGeom prst="rect">
+            <a:avLst/>
+          </a:prstGeom>
+          <a:noFill/>
+        </p:spPr>
+        <p:txBody>
+          <a:bodyPr wrap="square" rtlCol="0">
+            <a:spAutoFit/>
+          </a:bodyPr>
+          <a:lstStyle/>
+          <a:p>
+            <a:r>
+              <a:rPr lang="en-AU" dirty="0"/>
+              <a:t>O3</a:t>
+            </a:r>
+          </a:p>
+        </p:txBody>
+      </p:sp>
+      <p:sp>
+        <p:nvSpPr>
+          <p:cNvPr id="17" name="TextBox 16">
+            <a:extLst>
+              <a:ext uri="{FF2B5EF4-FFF2-40B4-BE49-F238E27FC236}">
+                <a16:creationId xmlns:a16="http://schemas.microsoft.com/office/drawing/2014/main" id="{7AB684D8-9879-0C4A-9489-F87A8809D064}"/>
+              </a:ext>
+            </a:extLst>
+          </p:cNvPr>
+          <p:cNvSpPr txBox="1"/>
+          <p:nvPr/>
+        </p:nvSpPr>
+        <p:spPr>
+          <a:xfrm>
+            <a:off x="2045092" y="4547152"/>
+            <a:ext cx="466518" cy="369332"/>
+          </a:xfrm>
+          <a:prstGeom prst="rect">
+            <a:avLst/>
+          </a:prstGeom>
+          <a:noFill/>
+        </p:spPr>
+        <p:txBody>
+          <a:bodyPr wrap="square" rtlCol="0">
+            <a:spAutoFit/>
+          </a:bodyPr>
+          <a:lstStyle/>
+          <a:p>
+            <a:r>
+              <a:rPr lang="en-AU" dirty="0"/>
+              <a:t>O4</a:t>
+            </a:r>
+          </a:p>
+        </p:txBody>
+      </p:sp>
+      <p:sp>
+        <p:nvSpPr>
+          <p:cNvPr id="18" name="TextBox 17">
+            <a:extLst>
+              <a:ext uri="{FF2B5EF4-FFF2-40B4-BE49-F238E27FC236}">
+                <a16:creationId xmlns:a16="http://schemas.microsoft.com/office/drawing/2014/main" id="{F387E253-DCE8-A344-84ED-5DB76FED00C0}"/>
+              </a:ext>
+            </a:extLst>
+          </p:cNvPr>
+          <p:cNvSpPr txBox="1"/>
+          <p:nvPr/>
+        </p:nvSpPr>
+        <p:spPr>
+          <a:xfrm>
+            <a:off x="4683752" y="3486578"/>
+            <a:ext cx="466518" cy="369332"/>
+          </a:xfrm>
+          <a:prstGeom prst="rect">
+            <a:avLst/>
+          </a:prstGeom>
+          <a:noFill/>
+        </p:spPr>
+        <p:txBody>
+          <a:bodyPr wrap="square" rtlCol="0">
+            <a:spAutoFit/>
+          </a:bodyPr>
+          <a:lstStyle/>
+          <a:p>
+            <a:r>
+              <a:rPr lang="en-AU" dirty="0"/>
+              <a:t>O5</a:t>
+            </a:r>
+          </a:p>
+        </p:txBody>
+      </p:sp>
+      <p:sp>
+        <p:nvSpPr>
+          <p:cNvPr id="19" name="TextBox 18">
+            <a:extLst>
+              <a:ext uri="{FF2B5EF4-FFF2-40B4-BE49-F238E27FC236}">
+                <a16:creationId xmlns:a16="http://schemas.microsoft.com/office/drawing/2014/main" id="{A2087CBC-C5DF-574A-BDD6-786E46B4A1F8}"/>
+              </a:ext>
+            </a:extLst>
+          </p:cNvPr>
+          <p:cNvSpPr txBox="1"/>
+          <p:nvPr/>
+        </p:nvSpPr>
+        <p:spPr>
+          <a:xfrm>
+            <a:off x="3349033" y="3423514"/>
+            <a:ext cx="466518" cy="369332"/>
+          </a:xfrm>
+          <a:prstGeom prst="rect">
+            <a:avLst/>
+          </a:prstGeom>
+          <a:noFill/>
+        </p:spPr>
+        <p:txBody>
+          <a:bodyPr wrap="square" rtlCol="0">
+            <a:spAutoFit/>
+          </a:bodyPr>
+          <a:lstStyle/>
+          <a:p>
+            <a:r>
+              <a:rPr lang="en-AU" dirty="0"/>
+              <a:t>O6</a:t>
+            </a:r>
+          </a:p>
+        </p:txBody>
+      </p:sp>
+      <p:sp>
+        <p:nvSpPr>
+          <p:cNvPr id="20" name="TextBox 19">
+            <a:extLst>
+              <a:ext uri="{FF2B5EF4-FFF2-40B4-BE49-F238E27FC236}">
+                <a16:creationId xmlns:a16="http://schemas.microsoft.com/office/drawing/2014/main" id="{3B025EB7-D319-3540-8105-6009DDC47831}"/>
+              </a:ext>
+            </a:extLst>
+          </p:cNvPr>
+          <p:cNvSpPr txBox="1"/>
+          <p:nvPr/>
+        </p:nvSpPr>
+        <p:spPr>
+          <a:xfrm>
+            <a:off x="2181852" y="2686478"/>
+            <a:ext cx="466518" cy="369332"/>
+          </a:xfrm>
+          <a:prstGeom prst="rect">
+            <a:avLst/>
+          </a:prstGeom>
+          <a:noFill/>
+        </p:spPr>
+        <p:txBody>
+          <a:bodyPr wrap="square" rtlCol="0">
+            <a:spAutoFit/>
+          </a:bodyPr>
+          <a:lstStyle/>
+          <a:p>
+            <a:r>
+              <a:rPr lang="en-AU" dirty="0"/>
+              <a:t>O7</a:t>
+            </a:r>
+          </a:p>
+        </p:txBody>
+      </p:sp>
+      <p:sp>
+        <p:nvSpPr>
+          <p:cNvPr id="21" name="TextBox 20">
+            <a:extLst>
+              <a:ext uri="{FF2B5EF4-FFF2-40B4-BE49-F238E27FC236}">
+                <a16:creationId xmlns:a16="http://schemas.microsoft.com/office/drawing/2014/main" id="{52AF208C-DBD1-3640-80BB-BFEF6E67AA82}"/>
+              </a:ext>
+            </a:extLst>
+          </p:cNvPr>
+          <p:cNvSpPr txBox="1"/>
+          <p:nvPr/>
+        </p:nvSpPr>
+        <p:spPr>
+          <a:xfrm>
+            <a:off x="4443922" y="4835049"/>
+            <a:ext cx="466518" cy="369332"/>
+          </a:xfrm>
+          <a:prstGeom prst="rect">
+            <a:avLst/>
+          </a:prstGeom>
+          <a:noFill/>
+        </p:spPr>
+        <p:txBody>
+          <a:bodyPr wrap="square" rtlCol="0">
+            <a:spAutoFit/>
+          </a:bodyPr>
+          <a:lstStyle/>
+          <a:p>
+            <a:r>
+              <a:rPr lang="en-AU" dirty="0">
+                <a:solidFill>
+                  <a:srgbClr val="0070C0"/>
+                </a:solidFill>
+              </a:rPr>
+              <a:t>D8</a:t>
+            </a:r>
+          </a:p>
+        </p:txBody>
+      </p:sp>
+      <p:sp>
+        <p:nvSpPr>
+          <p:cNvPr id="22" name="TextBox 21">
+            <a:extLst>
+              <a:ext uri="{FF2B5EF4-FFF2-40B4-BE49-F238E27FC236}">
+                <a16:creationId xmlns:a16="http://schemas.microsoft.com/office/drawing/2014/main" id="{329C0760-F363-5D42-B231-1684AA9C118C}"/>
+              </a:ext>
+            </a:extLst>
+          </p:cNvPr>
+          <p:cNvSpPr txBox="1"/>
+          <p:nvPr/>
+        </p:nvSpPr>
+        <p:spPr>
+          <a:xfrm>
+            <a:off x="3725490" y="4362489"/>
+            <a:ext cx="466518" cy="369332"/>
+          </a:xfrm>
+          <a:prstGeom prst="rect">
+            <a:avLst/>
+          </a:prstGeom>
+          <a:noFill/>
+        </p:spPr>
+        <p:txBody>
+          <a:bodyPr wrap="square" rtlCol="0">
+            <a:spAutoFit/>
+          </a:bodyPr>
+          <a:lstStyle/>
+          <a:p>
+            <a:r>
+              <a:rPr lang="en-AU" dirty="0">
+                <a:solidFill>
+                  <a:srgbClr val="0070C0"/>
+                </a:solidFill>
+              </a:rPr>
+              <a:t>D9</a:t>
+            </a:r>
+          </a:p>
+        </p:txBody>
+      </p:sp>
+      <p:sp>
+        <p:nvSpPr>
+          <p:cNvPr id="23" name="TextBox 22">
+            <a:extLst>
+              <a:ext uri="{FF2B5EF4-FFF2-40B4-BE49-F238E27FC236}">
+                <a16:creationId xmlns:a16="http://schemas.microsoft.com/office/drawing/2014/main" id="{7D0E6BA3-DC58-5548-9512-A62D90CF5E98}"/>
+              </a:ext>
+            </a:extLst>
+          </p:cNvPr>
+          <p:cNvSpPr txBox="1"/>
+          <p:nvPr/>
+        </p:nvSpPr>
+        <p:spPr>
+          <a:xfrm>
+            <a:off x="3032061" y="4360896"/>
+            <a:ext cx="616526" cy="369332"/>
+          </a:xfrm>
+          <a:prstGeom prst="rect">
+            <a:avLst/>
+          </a:prstGeom>
+          <a:noFill/>
+        </p:spPr>
+        <p:txBody>
+          <a:bodyPr wrap="square" rtlCol="0">
+            <a:spAutoFit/>
+          </a:bodyPr>
+          <a:lstStyle/>
+          <a:p>
+            <a:r>
+              <a:rPr lang="en-AU" dirty="0">
+                <a:solidFill>
+                  <a:srgbClr val="0070C0"/>
+                </a:solidFill>
+              </a:rPr>
+              <a:t>D10</a:t>
+            </a:r>
+          </a:p>
+        </p:txBody>
+      </p:sp>
+      <p:sp>
+        <p:nvSpPr>
+          <p:cNvPr id="24" name="TextBox 23">
+            <a:extLst>
+              <a:ext uri="{FF2B5EF4-FFF2-40B4-BE49-F238E27FC236}">
+                <a16:creationId xmlns:a16="http://schemas.microsoft.com/office/drawing/2014/main" id="{2F07E686-35A4-4245-871F-DFF71870B7E2}"/>
+              </a:ext>
+            </a:extLst>
+          </p:cNvPr>
+          <p:cNvSpPr txBox="1"/>
+          <p:nvPr/>
+        </p:nvSpPr>
+        <p:spPr>
+          <a:xfrm>
+            <a:off x="2265264" y="4714462"/>
+            <a:ext cx="616526" cy="369332"/>
+          </a:xfrm>
+          <a:prstGeom prst="rect">
+            <a:avLst/>
+          </a:prstGeom>
+          <a:noFill/>
+        </p:spPr>
+        <p:txBody>
+          <a:bodyPr wrap="square" rtlCol="0">
+            <a:spAutoFit/>
+          </a:bodyPr>
+          <a:lstStyle/>
+          <a:p>
+            <a:r>
+              <a:rPr lang="en-AU" dirty="0">
+                <a:solidFill>
+                  <a:srgbClr val="0070C0"/>
+                </a:solidFill>
+              </a:rPr>
+              <a:t>D11</a:t>
+            </a:r>
+          </a:p>
+        </p:txBody>
+      </p:sp>
+      <p:sp>
+        <p:nvSpPr>
+          <p:cNvPr id="25" name="TextBox 24">
+            <a:extLst>
+              <a:ext uri="{FF2B5EF4-FFF2-40B4-BE49-F238E27FC236}">
+                <a16:creationId xmlns:a16="http://schemas.microsoft.com/office/drawing/2014/main" id="{0752D762-AB6E-314A-9593-3121603F88E7}"/>
+              </a:ext>
+            </a:extLst>
+          </p:cNvPr>
+          <p:cNvSpPr txBox="1"/>
+          <p:nvPr/>
+        </p:nvSpPr>
+        <p:spPr>
+          <a:xfrm>
+            <a:off x="4488337" y="3676421"/>
+            <a:ext cx="616526" cy="369332"/>
+          </a:xfrm>
+          <a:prstGeom prst="rect">
+            <a:avLst/>
+          </a:prstGeom>
+          <a:noFill/>
+        </p:spPr>
+        <p:txBody>
+          <a:bodyPr wrap="square" rtlCol="0">
+            <a:spAutoFit/>
+          </a:bodyPr>
+          <a:lstStyle/>
+          <a:p>
+            <a:r>
+              <a:rPr lang="en-AU" dirty="0">
+                <a:solidFill>
+                  <a:srgbClr val="0070C0"/>
+                </a:solidFill>
+              </a:rPr>
+              <a:t>D12</a:t>
+            </a:r>
+          </a:p>
+        </p:txBody>
+      </p:sp>
+      <p:sp>
+        <p:nvSpPr>
+          <p:cNvPr id="26" name="TextBox 25">
+            <a:extLst>
+              <a:ext uri="{FF2B5EF4-FFF2-40B4-BE49-F238E27FC236}">
+                <a16:creationId xmlns:a16="http://schemas.microsoft.com/office/drawing/2014/main" id="{9DAF916B-52B3-584A-B384-14D8DBA2AF05}"/>
+              </a:ext>
+            </a:extLst>
+          </p:cNvPr>
+          <p:cNvSpPr txBox="1"/>
+          <p:nvPr/>
+        </p:nvSpPr>
+        <p:spPr>
+          <a:xfrm>
+            <a:off x="3547609" y="3854847"/>
+            <a:ext cx="616526" cy="369332"/>
+          </a:xfrm>
+          <a:prstGeom prst="rect">
+            <a:avLst/>
+          </a:prstGeom>
+          <a:noFill/>
+        </p:spPr>
+        <p:txBody>
+          <a:bodyPr wrap="square" rtlCol="0">
+            <a:spAutoFit/>
+          </a:bodyPr>
+          <a:lstStyle/>
+          <a:p>
+            <a:r>
+              <a:rPr lang="en-AU" dirty="0">
+                <a:solidFill>
+                  <a:srgbClr val="0070C0"/>
+                </a:solidFill>
+              </a:rPr>
+              <a:t>D13</a:t>
+            </a:r>
+          </a:p>
+        </p:txBody>
+      </p:sp>
+      <p:sp>
+        <p:nvSpPr>
+          <p:cNvPr id="27" name="TextBox 26">
+            <a:extLst>
+              <a:ext uri="{FF2B5EF4-FFF2-40B4-BE49-F238E27FC236}">
+                <a16:creationId xmlns:a16="http://schemas.microsoft.com/office/drawing/2014/main" id="{4E9E14C7-CBCA-234F-9806-A90D9C1DDF75}"/>
+              </a:ext>
+            </a:extLst>
+          </p:cNvPr>
+          <p:cNvSpPr txBox="1"/>
+          <p:nvPr/>
+        </p:nvSpPr>
+        <p:spPr>
+          <a:xfrm>
+            <a:off x="2402288" y="2945019"/>
+            <a:ext cx="616526" cy="369332"/>
+          </a:xfrm>
+          <a:prstGeom prst="rect">
+            <a:avLst/>
+          </a:prstGeom>
+          <a:noFill/>
+        </p:spPr>
+        <p:txBody>
+          <a:bodyPr wrap="square" rtlCol="0">
+            <a:spAutoFit/>
+          </a:bodyPr>
+          <a:lstStyle/>
+          <a:p>
+            <a:r>
+              <a:rPr lang="en-AU" dirty="0">
+                <a:solidFill>
+                  <a:srgbClr val="0070C0"/>
+                </a:solidFill>
+              </a:rPr>
+              <a:t>D14</a:t>
+            </a:r>
+          </a:p>
+        </p:txBody>
+      </p:sp>
+      <p:cxnSp>
+        <p:nvCxnSpPr>
+          <p:cNvPr id="29" name="Straight Connector 28">
+            <a:extLst>
+              <a:ext uri="{FF2B5EF4-FFF2-40B4-BE49-F238E27FC236}">
+                <a16:creationId xmlns:a16="http://schemas.microsoft.com/office/drawing/2014/main" id="{8B6A9C42-55E3-6C47-AF07-58F578A27593}"/>
+              </a:ext>
+            </a:extLst>
+          </p:cNvPr>
+          <p:cNvCxnSpPr>
+            <a:cxnSpLocks/>
+          </p:cNvCxnSpPr>
+          <p:nvPr/>
+        </p:nvCxnSpPr>
+        <p:spPr>
+          <a:xfrm>
+            <a:off x="3080775" y="2443163"/>
+            <a:ext cx="985375" cy="0"/>
+          </a:xfrm>
+          <a:prstGeom prst="line">
+            <a:avLst/>
+          </a:prstGeom>
+          <a:ln w="60325">
+            <a:headEnd type="stealth" w="lg" len="lg"/>
+          </a:ln>
+        </p:spPr>
+        <p:style>
+          <a:lnRef idx="1">
+            <a:schemeClr val="accent1"/>
+          </a:lnRef>
+          <a:fillRef idx="0">
+            <a:schemeClr val="accent1"/>
+          </a:fillRef>
+          <a:effectRef idx="0">
+            <a:schemeClr val="accent1"/>
+          </a:effectRef>
+          <a:fontRef idx="minor">
+            <a:schemeClr val="tx1"/>
+          </a:fontRef>
+        </p:style>
+      </p:cxnSp>
+      <p:sp>
+        <p:nvSpPr>
+          <p:cNvPr id="33" name="TextBox 32">
+            <a:extLst>
+              <a:ext uri="{FF2B5EF4-FFF2-40B4-BE49-F238E27FC236}">
+                <a16:creationId xmlns:a16="http://schemas.microsoft.com/office/drawing/2014/main" id="{D2F3BAB0-6CDF-2D4C-BAE8-1FAB21728C5B}"/>
+              </a:ext>
+            </a:extLst>
+          </p:cNvPr>
+          <p:cNvSpPr txBox="1"/>
+          <p:nvPr/>
+        </p:nvSpPr>
+        <p:spPr>
+          <a:xfrm>
+            <a:off x="2820912" y="2495644"/>
+            <a:ext cx="2290204" cy="369332"/>
+          </a:xfrm>
+          <a:prstGeom prst="rect">
+            <a:avLst/>
+          </a:prstGeom>
+          <a:noFill/>
+        </p:spPr>
+        <p:txBody>
+          <a:bodyPr wrap="square" rtlCol="0">
+            <a:spAutoFit/>
+          </a:bodyPr>
+          <a:lstStyle/>
+          <a:p>
+            <a:r>
+              <a:rPr lang="en-AU" dirty="0">
+                <a:solidFill>
+                  <a:srgbClr val="0070C0"/>
+                </a:solidFill>
+              </a:rPr>
+              <a:t>Forehand (R) force</a:t>
+            </a:r>
+          </a:p>
+        </p:txBody>
+      </p:sp>
+      <p:sp>
+        <p:nvSpPr>
+          <p:cNvPr id="40" name="Oval 39">
+            <a:extLst>
+              <a:ext uri="{FF2B5EF4-FFF2-40B4-BE49-F238E27FC236}">
+                <a16:creationId xmlns:a16="http://schemas.microsoft.com/office/drawing/2014/main" id="{F7991E49-51E5-B144-BF2D-90C81A5A6344}"/>
+              </a:ext>
+            </a:extLst>
+          </p:cNvPr>
+          <p:cNvSpPr/>
+          <p:nvPr/>
+        </p:nvSpPr>
+        <p:spPr>
+          <a:xfrm>
+            <a:off x="3314650" y="3685674"/>
+            <a:ext cx="180000" cy="180000"/>
+          </a:xfrm>
+          <a:prstGeom prst="ellipse">
+            <a:avLst/>
+          </a:prstGeom>
+          <a:solidFill>
+            <a:schemeClr val="tx1"/>
+          </a:solidFill>
+        </p:spPr>
+        <p:style>
+          <a:lnRef idx="2">
+            <a:schemeClr val="accent1">
+              <a:shade val="50000"/>
+            </a:schemeClr>
+          </a:lnRef>
+          <a:fillRef idx="1">
+            <a:schemeClr val="accent1"/>
+          </a:fillRef>
+          <a:effectRef idx="0">
+            <a:schemeClr val="accent1"/>
+          </a:effectRef>
+          <a:fontRef idx="minor">
+            <a:schemeClr val="lt1"/>
+          </a:fontRef>
+        </p:style>
+        <p:txBody>
+          <a:bodyPr rtlCol="0" anchor="ctr"/>
+          <a:lstStyle/>
+          <a:p>
+            <a:pPr algn="ctr"/>
+            <a:endParaRPr lang="en-AU"/>
+          </a:p>
+        </p:txBody>
+      </p:sp>
+      <p:cxnSp>
+        <p:nvCxnSpPr>
+          <p:cNvPr id="30" name="Straight Connector 29">
+            <a:extLst>
+              <a:ext uri="{FF2B5EF4-FFF2-40B4-BE49-F238E27FC236}">
+                <a16:creationId xmlns:a16="http://schemas.microsoft.com/office/drawing/2014/main" id="{B4D48460-EF8C-4F4A-A7B3-E5390CF72E79}"/>
+              </a:ext>
+            </a:extLst>
+          </p:cNvPr>
+          <p:cNvCxnSpPr>
+            <a:cxnSpLocks/>
+          </p:cNvCxnSpPr>
+          <p:nvPr/>
+        </p:nvCxnSpPr>
+        <p:spPr>
+          <a:xfrm>
+            <a:off x="1961250" y="8195722"/>
+            <a:ext cx="3238092" cy="0"/>
+          </a:xfrm>
+          <a:prstGeom prst="line">
+            <a:avLst/>
+          </a:prstGeom>
+          <a:ln w="38100">
+            <a:solidFill>
+              <a:srgbClr val="FF0000"/>
+            </a:solidFill>
+            <a:prstDash val="sysDash"/>
+          </a:ln>
+        </p:spPr>
+        <p:style>
+          <a:lnRef idx="1">
+            <a:schemeClr val="accent1"/>
+          </a:lnRef>
+          <a:fillRef idx="0">
+            <a:schemeClr val="accent1"/>
+          </a:fillRef>
+          <a:effectRef idx="0">
+            <a:schemeClr val="accent1"/>
+          </a:effectRef>
+          <a:fontRef idx="minor">
+            <a:schemeClr val="tx1"/>
+          </a:fontRef>
+        </p:style>
+      </p:cxnSp>
+      <p:cxnSp>
+        <p:nvCxnSpPr>
+          <p:cNvPr id="35" name="Straight Connector 34">
+            <a:extLst>
+              <a:ext uri="{FF2B5EF4-FFF2-40B4-BE49-F238E27FC236}">
+                <a16:creationId xmlns:a16="http://schemas.microsoft.com/office/drawing/2014/main" id="{96DA6223-3940-684E-96D5-572E2E45F862}"/>
+              </a:ext>
+            </a:extLst>
+          </p:cNvPr>
+          <p:cNvCxnSpPr>
+            <a:cxnSpLocks/>
+          </p:cNvCxnSpPr>
+          <p:nvPr/>
+        </p:nvCxnSpPr>
+        <p:spPr>
+          <a:xfrm>
+            <a:off x="1961250" y="4207747"/>
+            <a:ext cx="3238092" cy="0"/>
+          </a:xfrm>
+          <a:prstGeom prst="line">
+            <a:avLst/>
+          </a:prstGeom>
+          <a:ln w="38100">
+            <a:solidFill>
+              <a:schemeClr val="bg1">
+                <a:lumMod val="50000"/>
+              </a:schemeClr>
+            </a:solidFill>
+            <a:prstDash val="sysDash"/>
+          </a:ln>
+        </p:spPr>
+        <p:style>
+          <a:lnRef idx="1">
+            <a:schemeClr val="accent1"/>
+          </a:lnRef>
+          <a:fillRef idx="0">
+            <a:schemeClr val="accent1"/>
+          </a:fillRef>
+          <a:effectRef idx="0">
+            <a:schemeClr val="accent1"/>
+          </a:effectRef>
+          <a:fontRef idx="minor">
+            <a:schemeClr val="tx1"/>
+          </a:fontRef>
+        </p:style>
+      </p:cxnSp>
+      <p:cxnSp>
+        <p:nvCxnSpPr>
+          <p:cNvPr id="32" name="Straight Arrow Connector 31">
+            <a:extLst>
+              <a:ext uri="{FF2B5EF4-FFF2-40B4-BE49-F238E27FC236}">
+                <a16:creationId xmlns:a16="http://schemas.microsoft.com/office/drawing/2014/main" id="{0705D754-352C-CC42-A207-BDE84EF50A27}"/>
+              </a:ext>
+            </a:extLst>
+          </p:cNvPr>
+          <p:cNvCxnSpPr>
+            <a:cxnSpLocks/>
+          </p:cNvCxnSpPr>
+          <p:nvPr/>
+        </p:nvCxnSpPr>
+        <p:spPr>
+          <a:xfrm flipH="1">
+            <a:off x="4954513" y="4853677"/>
+            <a:ext cx="92" cy="1329016"/>
+          </a:xfrm>
+          <a:prstGeom prst="straightConnector1">
+            <a:avLst/>
+          </a:prstGeom>
+          <a:ln w="60325">
+            <a:solidFill>
+              <a:schemeClr val="tx1"/>
+            </a:solidFill>
+            <a:tailEnd type="triangle"/>
+          </a:ln>
+        </p:spPr>
+        <p:style>
+          <a:lnRef idx="1">
+            <a:schemeClr val="accent1"/>
+          </a:lnRef>
+          <a:fillRef idx="0">
+            <a:schemeClr val="accent1"/>
+          </a:fillRef>
+          <a:effectRef idx="0">
+            <a:schemeClr val="accent1"/>
+          </a:effectRef>
+          <a:fontRef idx="minor">
+            <a:schemeClr val="tx1"/>
+          </a:fontRef>
+        </p:style>
+      </p:cxnSp>
+      <p:cxnSp>
+        <p:nvCxnSpPr>
+          <p:cNvPr id="37" name="Straight Arrow Connector 36">
+            <a:extLst>
+              <a:ext uri="{FF2B5EF4-FFF2-40B4-BE49-F238E27FC236}">
+                <a16:creationId xmlns:a16="http://schemas.microsoft.com/office/drawing/2014/main" id="{6DCCF6E3-B09D-AF4A-8608-B9B815919D4C}"/>
+              </a:ext>
+            </a:extLst>
+          </p:cNvPr>
+          <p:cNvCxnSpPr>
+            <a:cxnSpLocks/>
+          </p:cNvCxnSpPr>
+          <p:nvPr/>
+        </p:nvCxnSpPr>
+        <p:spPr>
+          <a:xfrm flipV="1">
+            <a:off x="5066624" y="5247843"/>
+            <a:ext cx="27333" cy="934850"/>
+          </a:xfrm>
+          <a:prstGeom prst="straightConnector1">
+            <a:avLst/>
+          </a:prstGeom>
+          <a:ln w="60325">
+            <a:solidFill>
+              <a:schemeClr val="tx1"/>
+            </a:solidFill>
+            <a:tailEnd type="triangle"/>
+          </a:ln>
+        </p:spPr>
+        <p:style>
+          <a:lnRef idx="1">
+            <a:schemeClr val="accent1"/>
+          </a:lnRef>
+          <a:fillRef idx="0">
+            <a:schemeClr val="accent1"/>
+          </a:fillRef>
+          <a:effectRef idx="0">
+            <a:schemeClr val="accent1"/>
+          </a:effectRef>
+          <a:fontRef idx="minor">
+            <a:schemeClr val="tx1"/>
+          </a:fontRef>
+        </p:style>
+      </p:cxnSp>
+      <p:sp>
+        <p:nvSpPr>
+          <p:cNvPr id="38" name="Arc 37">
+            <a:extLst>
+              <a:ext uri="{FF2B5EF4-FFF2-40B4-BE49-F238E27FC236}">
+                <a16:creationId xmlns:a16="http://schemas.microsoft.com/office/drawing/2014/main" id="{85BC15C3-9853-644A-A16D-0122200998AA}"/>
+              </a:ext>
+            </a:extLst>
+          </p:cNvPr>
+          <p:cNvSpPr/>
+          <p:nvPr/>
+        </p:nvSpPr>
+        <p:spPr>
+          <a:xfrm rot="19464994" flipH="1">
+            <a:off x="4871160" y="2994286"/>
+            <a:ext cx="2394204" cy="9796350"/>
+          </a:xfrm>
+          <a:prstGeom prst="arc">
+            <a:avLst>
+              <a:gd name="adj1" fmla="val 16131872"/>
+              <a:gd name="adj2" fmla="val 20258141"/>
+            </a:avLst>
+          </a:prstGeom>
+          <a:ln w="82550">
+            <a:solidFill>
+              <a:schemeClr val="tx1"/>
+            </a:solidFill>
+            <a:prstDash val="sysDot"/>
+            <a:tailEnd type="stealth"/>
+          </a:ln>
+        </p:spPr>
+        <p:style>
+          <a:lnRef idx="1">
+            <a:schemeClr val="accent1"/>
+          </a:lnRef>
+          <a:fillRef idx="0">
+            <a:schemeClr val="accent1"/>
+          </a:fillRef>
+          <a:effectRef idx="0">
+            <a:schemeClr val="accent1"/>
+          </a:effectRef>
+          <a:fontRef idx="minor">
+            <a:schemeClr val="tx1"/>
+          </a:fontRef>
+        </p:style>
+        <p:txBody>
+          <a:bodyPr rtlCol="0" anchor="ctr"/>
+          <a:lstStyle/>
+          <a:p>
+            <a:pPr algn="ctr"/>
+            <a:endParaRPr lang="en-AU"/>
+          </a:p>
+        </p:txBody>
+      </p:sp>
+      <p:cxnSp>
+        <p:nvCxnSpPr>
+          <p:cNvPr id="41" name="Straight Connector 40">
+            <a:extLst>
+              <a:ext uri="{FF2B5EF4-FFF2-40B4-BE49-F238E27FC236}">
+                <a16:creationId xmlns:a16="http://schemas.microsoft.com/office/drawing/2014/main" id="{0DA6ECE3-5073-1A4A-8AB8-7EEBEADCE3B9}"/>
+              </a:ext>
+            </a:extLst>
+          </p:cNvPr>
+          <p:cNvCxnSpPr>
+            <a:cxnSpLocks/>
+          </p:cNvCxnSpPr>
+          <p:nvPr/>
+        </p:nvCxnSpPr>
+        <p:spPr>
+          <a:xfrm>
+            <a:off x="5373127" y="294245"/>
+            <a:ext cx="0" cy="839561"/>
+          </a:xfrm>
+          <a:prstGeom prst="line">
+            <a:avLst/>
+          </a:prstGeom>
+          <a:ln w="60325">
+            <a:solidFill>
+              <a:srgbClr val="C00000"/>
+            </a:solidFill>
+            <a:headEnd type="stealth" w="lg" len="lg"/>
+          </a:ln>
+        </p:spPr>
+        <p:style>
+          <a:lnRef idx="1">
+            <a:schemeClr val="accent1"/>
+          </a:lnRef>
+          <a:fillRef idx="0">
+            <a:schemeClr val="accent1"/>
+          </a:fillRef>
+          <a:effectRef idx="0">
+            <a:schemeClr val="accent1"/>
+          </a:effectRef>
+          <a:fontRef idx="minor">
+            <a:schemeClr val="tx1"/>
+          </a:fontRef>
+        </p:style>
+      </p:cxnSp>
+      <p:sp>
+        <p:nvSpPr>
+          <p:cNvPr id="42" name="TextBox 41">
+            <a:extLst>
+              <a:ext uri="{FF2B5EF4-FFF2-40B4-BE49-F238E27FC236}">
+                <a16:creationId xmlns:a16="http://schemas.microsoft.com/office/drawing/2014/main" id="{202F7DA6-28E9-A14D-B2F3-6A88F109DF56}"/>
+              </a:ext>
+            </a:extLst>
+          </p:cNvPr>
+          <p:cNvSpPr txBox="1"/>
+          <p:nvPr/>
+        </p:nvSpPr>
+        <p:spPr>
+          <a:xfrm>
+            <a:off x="4446628" y="168836"/>
+            <a:ext cx="961755" cy="369332"/>
+          </a:xfrm>
+          <a:prstGeom prst="rect">
+            <a:avLst/>
+          </a:prstGeom>
+          <a:noFill/>
+        </p:spPr>
+        <p:txBody>
+          <a:bodyPr wrap="square" rtlCol="0">
+            <a:spAutoFit/>
+          </a:bodyPr>
+          <a:lstStyle/>
+          <a:p>
+            <a:r>
+              <a:rPr lang="en-AU" dirty="0">
+                <a:solidFill>
+                  <a:srgbClr val="C00000"/>
+                </a:solidFill>
+              </a:rPr>
+              <a:t>Upfield</a:t>
+            </a:r>
+          </a:p>
+        </p:txBody>
+      </p:sp>
+      <p:sp>
+        <p:nvSpPr>
+          <p:cNvPr id="43" name="TextBox 42">
+            <a:extLst>
+              <a:ext uri="{FF2B5EF4-FFF2-40B4-BE49-F238E27FC236}">
+                <a16:creationId xmlns:a16="http://schemas.microsoft.com/office/drawing/2014/main" id="{DD1EC9A5-79C9-1242-B6F2-E5E224E388FB}"/>
+              </a:ext>
+            </a:extLst>
+          </p:cNvPr>
+          <p:cNvSpPr txBox="1"/>
+          <p:nvPr/>
+        </p:nvSpPr>
+        <p:spPr>
+          <a:xfrm>
+            <a:off x="4288814" y="9291052"/>
+            <a:ext cx="1210561" cy="369332"/>
+          </a:xfrm>
+          <a:prstGeom prst="rect">
+            <a:avLst/>
+          </a:prstGeom>
+          <a:noFill/>
+        </p:spPr>
+        <p:txBody>
+          <a:bodyPr wrap="square" rtlCol="0">
+            <a:spAutoFit/>
+          </a:bodyPr>
+          <a:lstStyle/>
+          <a:p>
+            <a:r>
+              <a:rPr lang="en-AU" dirty="0">
+                <a:solidFill>
+                  <a:schemeClr val="accent6"/>
+                </a:solidFill>
+              </a:rPr>
+              <a:t>Downfield</a:t>
+            </a:r>
+          </a:p>
+        </p:txBody>
+      </p:sp>
+      <p:cxnSp>
+        <p:nvCxnSpPr>
+          <p:cNvPr id="44" name="Straight Connector 43">
+            <a:extLst>
+              <a:ext uri="{FF2B5EF4-FFF2-40B4-BE49-F238E27FC236}">
+                <a16:creationId xmlns:a16="http://schemas.microsoft.com/office/drawing/2014/main" id="{0F30EF98-D099-6B42-AC9C-D6A71369EEC9}"/>
+              </a:ext>
+            </a:extLst>
+          </p:cNvPr>
+          <p:cNvCxnSpPr>
+            <a:cxnSpLocks/>
+          </p:cNvCxnSpPr>
+          <p:nvPr/>
+        </p:nvCxnSpPr>
+        <p:spPr>
+          <a:xfrm flipV="1">
+            <a:off x="5373127" y="8373862"/>
+            <a:ext cx="0" cy="938269"/>
+          </a:xfrm>
+          <a:prstGeom prst="line">
+            <a:avLst/>
+          </a:prstGeom>
+          <a:ln w="60325">
+            <a:solidFill>
+              <a:srgbClr val="00B050"/>
+            </a:solidFill>
+            <a:headEnd type="stealth" w="lg" len="lg"/>
+          </a:ln>
+        </p:spPr>
+        <p:style>
+          <a:lnRef idx="1">
+            <a:schemeClr val="accent1"/>
+          </a:lnRef>
+          <a:fillRef idx="0">
+            <a:schemeClr val="accent1"/>
+          </a:fillRef>
+          <a:effectRef idx="0">
+            <a:schemeClr val="accent1"/>
+          </a:effectRef>
+          <a:fontRef idx="minor">
+            <a:schemeClr val="tx1"/>
+          </a:fontRef>
+        </p:style>
+      </p:cxnSp>
+    </p:spTree>
+    <p:extLst>
+      <p:ext uri="{BB962C8B-B14F-4D97-AF65-F5344CB8AC3E}">
+        <p14:creationId xmlns:p14="http://schemas.microsoft.com/office/powerpoint/2010/main" val="799718895"/>
       </p:ext>
     </p:extLst>
   </p:cSld>

--- a/graphics/Graphics.pptx
+++ b/graphics/Graphics.pptx
@@ -12,6 +12,9 @@
     <p:sldId id="261" r:id="rId6"/>
     <p:sldId id="263" r:id="rId7"/>
     <p:sldId id="262" r:id="rId8"/>
+    <p:sldId id="264" r:id="rId9"/>
+    <p:sldId id="265" r:id="rId10"/>
+    <p:sldId id="266" r:id="rId11"/>
   </p:sldIdLst>
   <p:sldSz cx="6858000" cy="9906000" type="A4"/>
   <p:notesSz cx="6858000" cy="9144000"/>
@@ -260,7 +263,7 @@
           <a:p>
             <a:fld id="{84CBB076-2C69-DC49-A9FF-99213B15956D}" type="datetimeFigureOut">
               <a:rPr lang="en-AU" smtClean="0"/>
-              <a:t>23/11/22</a:t>
+              <a:t>26/11/22</a:t>
             </a:fld>
             <a:endParaRPr lang="en-AU"/>
           </a:p>
@@ -430,7 +433,7 @@
           <a:p>
             <a:fld id="{84CBB076-2C69-DC49-A9FF-99213B15956D}" type="datetimeFigureOut">
               <a:rPr lang="en-AU" smtClean="0"/>
-              <a:t>23/11/22</a:t>
+              <a:t>26/11/22</a:t>
             </a:fld>
             <a:endParaRPr lang="en-AU"/>
           </a:p>
@@ -610,7 +613,7 @@
           <a:p>
             <a:fld id="{84CBB076-2C69-DC49-A9FF-99213B15956D}" type="datetimeFigureOut">
               <a:rPr lang="en-AU" smtClean="0"/>
-              <a:t>23/11/22</a:t>
+              <a:t>26/11/22</a:t>
             </a:fld>
             <a:endParaRPr lang="en-AU"/>
           </a:p>
@@ -780,7 +783,7 @@
           <a:p>
             <a:fld id="{84CBB076-2C69-DC49-A9FF-99213B15956D}" type="datetimeFigureOut">
               <a:rPr lang="en-AU" smtClean="0"/>
-              <a:t>23/11/22</a:t>
+              <a:t>26/11/22</a:t>
             </a:fld>
             <a:endParaRPr lang="en-AU"/>
           </a:p>
@@ -1024,7 +1027,7 @@
           <a:p>
             <a:fld id="{84CBB076-2C69-DC49-A9FF-99213B15956D}" type="datetimeFigureOut">
               <a:rPr lang="en-AU" smtClean="0"/>
-              <a:t>23/11/22</a:t>
+              <a:t>26/11/22</a:t>
             </a:fld>
             <a:endParaRPr lang="en-AU"/>
           </a:p>
@@ -1256,7 +1259,7 @@
           <a:p>
             <a:fld id="{84CBB076-2C69-DC49-A9FF-99213B15956D}" type="datetimeFigureOut">
               <a:rPr lang="en-AU" smtClean="0"/>
-              <a:t>23/11/22</a:t>
+              <a:t>26/11/22</a:t>
             </a:fld>
             <a:endParaRPr lang="en-AU"/>
           </a:p>
@@ -1623,7 +1626,7 @@
           <a:p>
             <a:fld id="{84CBB076-2C69-DC49-A9FF-99213B15956D}" type="datetimeFigureOut">
               <a:rPr lang="en-AU" smtClean="0"/>
-              <a:t>23/11/22</a:t>
+              <a:t>26/11/22</a:t>
             </a:fld>
             <a:endParaRPr lang="en-AU"/>
           </a:p>
@@ -1741,7 +1744,7 @@
           <a:p>
             <a:fld id="{84CBB076-2C69-DC49-A9FF-99213B15956D}" type="datetimeFigureOut">
               <a:rPr lang="en-AU" smtClean="0"/>
-              <a:t>23/11/22</a:t>
+              <a:t>26/11/22</a:t>
             </a:fld>
             <a:endParaRPr lang="en-AU"/>
           </a:p>
@@ -1836,7 +1839,7 @@
           <a:p>
             <a:fld id="{84CBB076-2C69-DC49-A9FF-99213B15956D}" type="datetimeFigureOut">
               <a:rPr lang="en-AU" smtClean="0"/>
-              <a:t>23/11/22</a:t>
+              <a:t>26/11/22</a:t>
             </a:fld>
             <a:endParaRPr lang="en-AU"/>
           </a:p>
@@ -2113,7 +2116,7 @@
           <a:p>
             <a:fld id="{84CBB076-2C69-DC49-A9FF-99213B15956D}" type="datetimeFigureOut">
               <a:rPr lang="en-AU" smtClean="0"/>
-              <a:t>23/11/22</a:t>
+              <a:t>26/11/22</a:t>
             </a:fld>
             <a:endParaRPr lang="en-AU"/>
           </a:p>
@@ -2370,7 +2373,7 @@
           <a:p>
             <a:fld id="{84CBB076-2C69-DC49-A9FF-99213B15956D}" type="datetimeFigureOut">
               <a:rPr lang="en-AU" smtClean="0"/>
-              <a:t>23/11/22</a:t>
+              <a:t>26/11/22</a:t>
             </a:fld>
             <a:endParaRPr lang="en-AU"/>
           </a:p>
@@ -2583,7 +2586,7 @@
           <a:p>
             <a:fld id="{84CBB076-2C69-DC49-A9FF-99213B15956D}" type="datetimeFigureOut">
               <a:rPr lang="en-AU" smtClean="0"/>
-              <a:t>23/11/22</a:t>
+              <a:t>26/11/22</a:t>
             </a:fld>
             <a:endParaRPr lang="en-AU"/>
           </a:p>
@@ -4124,6 +4127,1233 @@
 </p:sld>
 </file>
 
+<file path=ppt/slides/slide10.xml><?xml version="1.0" encoding="utf-8"?>
+<p:sld xmlns:a="http://schemas.openxmlformats.org/drawingml/2006/main" xmlns:r="http://schemas.openxmlformats.org/officeDocument/2006/relationships" xmlns:p="http://schemas.openxmlformats.org/presentationml/2006/main">
+  <p:cSld>
+    <p:spTree>
+      <p:nvGrpSpPr>
+        <p:cNvPr id="1" name=""/>
+        <p:cNvGrpSpPr/>
+        <p:nvPr/>
+      </p:nvGrpSpPr>
+      <p:grpSpPr>
+        <a:xfrm>
+          <a:off x="0" y="0"/>
+          <a:ext cx="0" cy="0"/>
+          <a:chOff x="0" y="0"/>
+          <a:chExt cx="0" cy="0"/>
+        </a:xfrm>
+      </p:grpSpPr>
+      <p:sp>
+        <p:nvSpPr>
+          <p:cNvPr id="4" name="Rounded Rectangle 3">
+            <a:extLst>
+              <a:ext uri="{FF2B5EF4-FFF2-40B4-BE49-F238E27FC236}">
+                <a16:creationId xmlns:a16="http://schemas.microsoft.com/office/drawing/2014/main" id="{70652F4E-8EA6-2C4D-A4F0-52433013FDED}"/>
+              </a:ext>
+            </a:extLst>
+          </p:cNvPr>
+          <p:cNvSpPr>
+            <a:spLocks noChangeAspect="1"/>
+          </p:cNvSpPr>
+          <p:nvPr/>
+        </p:nvSpPr>
+        <p:spPr>
+          <a:xfrm>
+            <a:off x="1953463" y="2114322"/>
+            <a:ext cx="3240000" cy="5604325"/>
+          </a:xfrm>
+          <a:prstGeom prst="roundRect">
+            <a:avLst/>
+          </a:prstGeom>
+          <a:noFill/>
+          <a:ln w="38100">
+            <a:solidFill>
+              <a:schemeClr val="tx1"/>
+            </a:solidFill>
+          </a:ln>
+        </p:spPr>
+        <p:style>
+          <a:lnRef idx="2">
+            <a:schemeClr val="accent1">
+              <a:shade val="50000"/>
+            </a:schemeClr>
+          </a:lnRef>
+          <a:fillRef idx="1">
+            <a:schemeClr val="accent1"/>
+          </a:fillRef>
+          <a:effectRef idx="0">
+            <a:schemeClr val="accent1"/>
+          </a:effectRef>
+          <a:fontRef idx="minor">
+            <a:schemeClr val="lt1"/>
+          </a:fontRef>
+        </p:style>
+        <p:txBody>
+          <a:bodyPr rtlCol="0" anchor="ctr"/>
+          <a:lstStyle/>
+          <a:p>
+            <a:pPr algn="ctr"/>
+            <a:endParaRPr lang="en-AU"/>
+          </a:p>
+        </p:txBody>
+      </p:sp>
+      <p:sp>
+        <p:nvSpPr>
+          <p:cNvPr id="5" name="Rounded Rectangle 4">
+            <a:extLst>
+              <a:ext uri="{FF2B5EF4-FFF2-40B4-BE49-F238E27FC236}">
+                <a16:creationId xmlns:a16="http://schemas.microsoft.com/office/drawing/2014/main" id="{3C953649-ED7C-3742-AAEA-8B243B81C427}"/>
+              </a:ext>
+            </a:extLst>
+          </p:cNvPr>
+          <p:cNvSpPr>
+            <a:spLocks noChangeAspect="1"/>
+          </p:cNvSpPr>
+          <p:nvPr/>
+        </p:nvSpPr>
+        <p:spPr>
+          <a:xfrm>
+            <a:off x="1953463" y="7718649"/>
+            <a:ext cx="3240000" cy="1576217"/>
+          </a:xfrm>
+          <a:prstGeom prst="roundRect">
+            <a:avLst/>
+          </a:prstGeom>
+          <a:solidFill>
+            <a:schemeClr val="accent6">
+              <a:lumMod val="40000"/>
+              <a:lumOff val="60000"/>
+            </a:schemeClr>
+          </a:solidFill>
+          <a:ln w="38100">
+            <a:solidFill>
+              <a:schemeClr val="tx1"/>
+            </a:solidFill>
+          </a:ln>
+        </p:spPr>
+        <p:style>
+          <a:lnRef idx="2">
+            <a:schemeClr val="accent1">
+              <a:shade val="50000"/>
+            </a:schemeClr>
+          </a:lnRef>
+          <a:fillRef idx="1">
+            <a:schemeClr val="accent1"/>
+          </a:fillRef>
+          <a:effectRef idx="0">
+            <a:schemeClr val="accent1"/>
+          </a:effectRef>
+          <a:fontRef idx="minor">
+            <a:schemeClr val="lt1"/>
+          </a:fontRef>
+        </p:style>
+        <p:txBody>
+          <a:bodyPr rtlCol="0" anchor="ctr"/>
+          <a:lstStyle/>
+          <a:p>
+            <a:pPr algn="ctr"/>
+            <a:endParaRPr lang="en-AU"/>
+          </a:p>
+        </p:txBody>
+      </p:sp>
+      <p:sp>
+        <p:nvSpPr>
+          <p:cNvPr id="6" name="Rounded Rectangle 5">
+            <a:extLst>
+              <a:ext uri="{FF2B5EF4-FFF2-40B4-BE49-F238E27FC236}">
+                <a16:creationId xmlns:a16="http://schemas.microsoft.com/office/drawing/2014/main" id="{781AE066-2F6F-CD4A-8C9D-2174A5C270BE}"/>
+              </a:ext>
+            </a:extLst>
+          </p:cNvPr>
+          <p:cNvSpPr>
+            <a:spLocks noChangeAspect="1"/>
+          </p:cNvSpPr>
+          <p:nvPr/>
+        </p:nvSpPr>
+        <p:spPr>
+          <a:xfrm>
+            <a:off x="1953463" y="520745"/>
+            <a:ext cx="3240000" cy="1576217"/>
+          </a:xfrm>
+          <a:prstGeom prst="roundRect">
+            <a:avLst/>
+          </a:prstGeom>
+          <a:solidFill>
+            <a:srgbClr val="FF0000"/>
+          </a:solidFill>
+          <a:ln w="38100">
+            <a:solidFill>
+              <a:schemeClr val="tx1"/>
+            </a:solidFill>
+          </a:ln>
+        </p:spPr>
+        <p:style>
+          <a:lnRef idx="2">
+            <a:schemeClr val="accent1">
+              <a:shade val="50000"/>
+            </a:schemeClr>
+          </a:lnRef>
+          <a:fillRef idx="1">
+            <a:schemeClr val="accent1"/>
+          </a:fillRef>
+          <a:effectRef idx="0">
+            <a:schemeClr val="accent1"/>
+          </a:effectRef>
+          <a:fontRef idx="minor">
+            <a:schemeClr val="lt1"/>
+          </a:fontRef>
+        </p:style>
+        <p:txBody>
+          <a:bodyPr rtlCol="0" anchor="ctr"/>
+          <a:lstStyle/>
+          <a:p>
+            <a:pPr algn="ctr"/>
+            <a:endParaRPr lang="en-AU" dirty="0"/>
+          </a:p>
+        </p:txBody>
+      </p:sp>
+      <p:sp>
+        <p:nvSpPr>
+          <p:cNvPr id="7" name="Rounded Rectangle 6">
+            <a:extLst>
+              <a:ext uri="{FF2B5EF4-FFF2-40B4-BE49-F238E27FC236}">
+                <a16:creationId xmlns:a16="http://schemas.microsoft.com/office/drawing/2014/main" id="{58A277D1-08DF-1A43-AFBF-E7F4DE2FD6BB}"/>
+              </a:ext>
+            </a:extLst>
+          </p:cNvPr>
+          <p:cNvSpPr>
+            <a:spLocks noChangeAspect="1"/>
+          </p:cNvSpPr>
+          <p:nvPr/>
+        </p:nvSpPr>
+        <p:spPr>
+          <a:xfrm>
+            <a:off x="1524892" y="101296"/>
+            <a:ext cx="4114800" cy="9630383"/>
+          </a:xfrm>
+          <a:prstGeom prst="roundRect">
+            <a:avLst/>
+          </a:prstGeom>
+          <a:noFill/>
+          <a:ln w="38100">
+            <a:solidFill>
+              <a:schemeClr val="bg1">
+                <a:lumMod val="50000"/>
+              </a:schemeClr>
+            </a:solidFill>
+            <a:prstDash val="sysDot"/>
+          </a:ln>
+        </p:spPr>
+        <p:style>
+          <a:lnRef idx="2">
+            <a:schemeClr val="accent1">
+              <a:shade val="50000"/>
+            </a:schemeClr>
+          </a:lnRef>
+          <a:fillRef idx="1">
+            <a:schemeClr val="accent1"/>
+          </a:fillRef>
+          <a:effectRef idx="0">
+            <a:schemeClr val="accent1"/>
+          </a:effectRef>
+          <a:fontRef idx="minor">
+            <a:schemeClr val="lt1"/>
+          </a:fontRef>
+        </p:style>
+        <p:txBody>
+          <a:bodyPr rtlCol="0" anchor="ctr"/>
+          <a:lstStyle/>
+          <a:p>
+            <a:pPr algn="ctr"/>
+            <a:endParaRPr lang="en-AU"/>
+          </a:p>
+        </p:txBody>
+      </p:sp>
+      <p:sp>
+        <p:nvSpPr>
+          <p:cNvPr id="12" name="Multiply 11">
+            <a:extLst>
+              <a:ext uri="{FF2B5EF4-FFF2-40B4-BE49-F238E27FC236}">
+                <a16:creationId xmlns:a16="http://schemas.microsoft.com/office/drawing/2014/main" id="{782966C4-8BAB-EC4A-B3CC-ECB9FD404B1E}"/>
+              </a:ext>
+            </a:extLst>
+          </p:cNvPr>
+          <p:cNvSpPr/>
+          <p:nvPr/>
+        </p:nvSpPr>
+        <p:spPr>
+          <a:xfrm>
+            <a:off x="3198571" y="5737186"/>
+            <a:ext cx="767443" cy="849086"/>
+          </a:xfrm>
+          <a:prstGeom prst="mathMultiply">
+            <a:avLst/>
+          </a:prstGeom>
+          <a:noFill/>
+        </p:spPr>
+        <p:style>
+          <a:lnRef idx="2">
+            <a:schemeClr val="accent1">
+              <a:shade val="50000"/>
+            </a:schemeClr>
+          </a:lnRef>
+          <a:fillRef idx="1">
+            <a:schemeClr val="accent1"/>
+          </a:fillRef>
+          <a:effectRef idx="0">
+            <a:schemeClr val="accent1"/>
+          </a:effectRef>
+          <a:fontRef idx="minor">
+            <a:schemeClr val="lt1"/>
+          </a:fontRef>
+        </p:style>
+        <p:txBody>
+          <a:bodyPr rtlCol="0" anchor="ctr"/>
+          <a:lstStyle/>
+          <a:p>
+            <a:pPr algn="ctr"/>
+            <a:endParaRPr lang="en-AU"/>
+          </a:p>
+        </p:txBody>
+      </p:sp>
+      <p:sp>
+        <p:nvSpPr>
+          <p:cNvPr id="13" name="Multiply 12">
+            <a:extLst>
+              <a:ext uri="{FF2B5EF4-FFF2-40B4-BE49-F238E27FC236}">
+                <a16:creationId xmlns:a16="http://schemas.microsoft.com/office/drawing/2014/main" id="{711FF500-E426-0D44-916C-B24A7A610DF5}"/>
+              </a:ext>
+            </a:extLst>
+          </p:cNvPr>
+          <p:cNvSpPr/>
+          <p:nvPr/>
+        </p:nvSpPr>
+        <p:spPr>
+          <a:xfrm>
+            <a:off x="3192236" y="3246701"/>
+            <a:ext cx="767443" cy="849086"/>
+          </a:xfrm>
+          <a:prstGeom prst="mathMultiply">
+            <a:avLst/>
+          </a:prstGeom>
+          <a:noFill/>
+        </p:spPr>
+        <p:style>
+          <a:lnRef idx="2">
+            <a:schemeClr val="accent1">
+              <a:shade val="50000"/>
+            </a:schemeClr>
+          </a:lnRef>
+          <a:fillRef idx="1">
+            <a:schemeClr val="accent1"/>
+          </a:fillRef>
+          <a:effectRef idx="0">
+            <a:schemeClr val="accent1"/>
+          </a:effectRef>
+          <a:fontRef idx="minor">
+            <a:schemeClr val="lt1"/>
+          </a:fontRef>
+        </p:style>
+        <p:txBody>
+          <a:bodyPr rtlCol="0" anchor="ctr"/>
+          <a:lstStyle/>
+          <a:p>
+            <a:pPr algn="ctr"/>
+            <a:endParaRPr lang="en-AU"/>
+          </a:p>
+        </p:txBody>
+      </p:sp>
+      <p:sp>
+        <p:nvSpPr>
+          <p:cNvPr id="14" name="TextBox 13">
+            <a:extLst>
+              <a:ext uri="{FF2B5EF4-FFF2-40B4-BE49-F238E27FC236}">
+                <a16:creationId xmlns:a16="http://schemas.microsoft.com/office/drawing/2014/main" id="{CC9FDAD2-F231-6B43-92F7-C2C2863676C2}"/>
+              </a:ext>
+            </a:extLst>
+          </p:cNvPr>
+          <p:cNvSpPr txBox="1"/>
+          <p:nvPr/>
+        </p:nvSpPr>
+        <p:spPr>
+          <a:xfrm>
+            <a:off x="3582292" y="7938242"/>
+            <a:ext cx="517182" cy="369332"/>
+          </a:xfrm>
+          <a:prstGeom prst="rect">
+            <a:avLst/>
+          </a:prstGeom>
+          <a:noFill/>
+        </p:spPr>
+        <p:txBody>
+          <a:bodyPr wrap="square" rtlCol="0">
+            <a:spAutoFit/>
+          </a:bodyPr>
+          <a:lstStyle/>
+          <a:p>
+            <a:r>
+              <a:rPr lang="en-AU" dirty="0"/>
+              <a:t>O2</a:t>
+            </a:r>
+          </a:p>
+        </p:txBody>
+      </p:sp>
+      <p:sp>
+        <p:nvSpPr>
+          <p:cNvPr id="15" name="TextBox 14">
+            <a:extLst>
+              <a:ext uri="{FF2B5EF4-FFF2-40B4-BE49-F238E27FC236}">
+                <a16:creationId xmlns:a16="http://schemas.microsoft.com/office/drawing/2014/main" id="{3986F052-18AA-4443-A26B-C88FE17F207D}"/>
+              </a:ext>
+            </a:extLst>
+          </p:cNvPr>
+          <p:cNvSpPr txBox="1"/>
+          <p:nvPr/>
+        </p:nvSpPr>
+        <p:spPr>
+          <a:xfrm>
+            <a:off x="4191283" y="8278459"/>
+            <a:ext cx="466518" cy="369332"/>
+          </a:xfrm>
+          <a:prstGeom prst="rect">
+            <a:avLst/>
+          </a:prstGeom>
+          <a:solidFill>
+            <a:schemeClr val="tx1"/>
+          </a:solidFill>
+        </p:spPr>
+        <p:txBody>
+          <a:bodyPr wrap="square" rtlCol="0">
+            <a:spAutoFit/>
+          </a:bodyPr>
+          <a:lstStyle/>
+          <a:p>
+            <a:r>
+              <a:rPr lang="en-AU" dirty="0">
+                <a:solidFill>
+                  <a:schemeClr val="bg1"/>
+                </a:solidFill>
+              </a:rPr>
+              <a:t>O1</a:t>
+            </a:r>
+          </a:p>
+        </p:txBody>
+      </p:sp>
+      <p:sp>
+        <p:nvSpPr>
+          <p:cNvPr id="16" name="TextBox 15">
+            <a:extLst>
+              <a:ext uri="{FF2B5EF4-FFF2-40B4-BE49-F238E27FC236}">
+                <a16:creationId xmlns:a16="http://schemas.microsoft.com/office/drawing/2014/main" id="{EEF04ED5-E466-A243-9D27-7184F13C1262}"/>
+              </a:ext>
+            </a:extLst>
+          </p:cNvPr>
+          <p:cNvSpPr txBox="1"/>
+          <p:nvPr/>
+        </p:nvSpPr>
+        <p:spPr>
+          <a:xfrm>
+            <a:off x="2809942" y="7866197"/>
+            <a:ext cx="517182" cy="369332"/>
+          </a:xfrm>
+          <a:prstGeom prst="rect">
+            <a:avLst/>
+          </a:prstGeom>
+          <a:noFill/>
+        </p:spPr>
+        <p:txBody>
+          <a:bodyPr wrap="square" rtlCol="0">
+            <a:spAutoFit/>
+          </a:bodyPr>
+          <a:lstStyle/>
+          <a:p>
+            <a:r>
+              <a:rPr lang="en-AU" dirty="0"/>
+              <a:t>O3</a:t>
+            </a:r>
+          </a:p>
+        </p:txBody>
+      </p:sp>
+      <p:sp>
+        <p:nvSpPr>
+          <p:cNvPr id="17" name="TextBox 16">
+            <a:extLst>
+              <a:ext uri="{FF2B5EF4-FFF2-40B4-BE49-F238E27FC236}">
+                <a16:creationId xmlns:a16="http://schemas.microsoft.com/office/drawing/2014/main" id="{7AB684D8-9879-0C4A-9489-F87A8809D064}"/>
+              </a:ext>
+            </a:extLst>
+          </p:cNvPr>
+          <p:cNvSpPr txBox="1"/>
+          <p:nvPr/>
+        </p:nvSpPr>
+        <p:spPr>
+          <a:xfrm>
+            <a:off x="2297770" y="8129849"/>
+            <a:ext cx="466518" cy="369332"/>
+          </a:xfrm>
+          <a:prstGeom prst="rect">
+            <a:avLst/>
+          </a:prstGeom>
+          <a:noFill/>
+        </p:spPr>
+        <p:txBody>
+          <a:bodyPr wrap="square" rtlCol="0">
+            <a:spAutoFit/>
+          </a:bodyPr>
+          <a:lstStyle/>
+          <a:p>
+            <a:r>
+              <a:rPr lang="en-AU" dirty="0"/>
+              <a:t>O4</a:t>
+            </a:r>
+          </a:p>
+        </p:txBody>
+      </p:sp>
+      <p:sp>
+        <p:nvSpPr>
+          <p:cNvPr id="18" name="TextBox 17">
+            <a:extLst>
+              <a:ext uri="{FF2B5EF4-FFF2-40B4-BE49-F238E27FC236}">
+                <a16:creationId xmlns:a16="http://schemas.microsoft.com/office/drawing/2014/main" id="{F387E253-DCE8-A344-84ED-5DB76FED00C0}"/>
+              </a:ext>
+            </a:extLst>
+          </p:cNvPr>
+          <p:cNvSpPr txBox="1"/>
+          <p:nvPr/>
+        </p:nvSpPr>
+        <p:spPr>
+          <a:xfrm>
+            <a:off x="4631644" y="7295849"/>
+            <a:ext cx="466518" cy="369332"/>
+          </a:xfrm>
+          <a:prstGeom prst="rect">
+            <a:avLst/>
+          </a:prstGeom>
+          <a:noFill/>
+        </p:spPr>
+        <p:txBody>
+          <a:bodyPr wrap="square" rtlCol="0">
+            <a:spAutoFit/>
+          </a:bodyPr>
+          <a:lstStyle/>
+          <a:p>
+            <a:r>
+              <a:rPr lang="en-AU" dirty="0"/>
+              <a:t>O5</a:t>
+            </a:r>
+          </a:p>
+        </p:txBody>
+      </p:sp>
+      <p:sp>
+        <p:nvSpPr>
+          <p:cNvPr id="19" name="TextBox 18">
+            <a:extLst>
+              <a:ext uri="{FF2B5EF4-FFF2-40B4-BE49-F238E27FC236}">
+                <a16:creationId xmlns:a16="http://schemas.microsoft.com/office/drawing/2014/main" id="{A2087CBC-C5DF-574A-BDD6-786E46B4A1F8}"/>
+              </a:ext>
+            </a:extLst>
+          </p:cNvPr>
+          <p:cNvSpPr txBox="1"/>
+          <p:nvPr/>
+        </p:nvSpPr>
+        <p:spPr>
+          <a:xfrm>
+            <a:off x="3392984" y="6723584"/>
+            <a:ext cx="466518" cy="369332"/>
+          </a:xfrm>
+          <a:prstGeom prst="rect">
+            <a:avLst/>
+          </a:prstGeom>
+          <a:noFill/>
+        </p:spPr>
+        <p:txBody>
+          <a:bodyPr wrap="square" rtlCol="0">
+            <a:spAutoFit/>
+          </a:bodyPr>
+          <a:lstStyle/>
+          <a:p>
+            <a:r>
+              <a:rPr lang="en-AU" dirty="0"/>
+              <a:t>O6</a:t>
+            </a:r>
+          </a:p>
+        </p:txBody>
+      </p:sp>
+      <p:sp>
+        <p:nvSpPr>
+          <p:cNvPr id="20" name="TextBox 19">
+            <a:extLst>
+              <a:ext uri="{FF2B5EF4-FFF2-40B4-BE49-F238E27FC236}">
+                <a16:creationId xmlns:a16="http://schemas.microsoft.com/office/drawing/2014/main" id="{3B025EB7-D319-3540-8105-6009DDC47831}"/>
+              </a:ext>
+            </a:extLst>
+          </p:cNvPr>
+          <p:cNvSpPr txBox="1"/>
+          <p:nvPr/>
+        </p:nvSpPr>
+        <p:spPr>
+          <a:xfrm>
+            <a:off x="2098322" y="7281836"/>
+            <a:ext cx="466518" cy="369332"/>
+          </a:xfrm>
+          <a:prstGeom prst="rect">
+            <a:avLst/>
+          </a:prstGeom>
+          <a:noFill/>
+        </p:spPr>
+        <p:txBody>
+          <a:bodyPr wrap="square" rtlCol="0">
+            <a:spAutoFit/>
+          </a:bodyPr>
+          <a:lstStyle/>
+          <a:p>
+            <a:r>
+              <a:rPr lang="en-AU" dirty="0"/>
+              <a:t>O7</a:t>
+            </a:r>
+          </a:p>
+        </p:txBody>
+      </p:sp>
+      <p:sp>
+        <p:nvSpPr>
+          <p:cNvPr id="21" name="TextBox 20">
+            <a:extLst>
+              <a:ext uri="{FF2B5EF4-FFF2-40B4-BE49-F238E27FC236}">
+                <a16:creationId xmlns:a16="http://schemas.microsoft.com/office/drawing/2014/main" id="{52AF208C-DBD1-3640-80BB-BFEF6E67AA82}"/>
+              </a:ext>
+            </a:extLst>
+          </p:cNvPr>
+          <p:cNvSpPr txBox="1"/>
+          <p:nvPr/>
+        </p:nvSpPr>
+        <p:spPr>
+          <a:xfrm>
+            <a:off x="3066753" y="8154889"/>
+            <a:ext cx="487333" cy="369332"/>
+          </a:xfrm>
+          <a:prstGeom prst="rect">
+            <a:avLst/>
+          </a:prstGeom>
+          <a:noFill/>
+        </p:spPr>
+        <p:txBody>
+          <a:bodyPr wrap="square" rtlCol="0">
+            <a:spAutoFit/>
+          </a:bodyPr>
+          <a:lstStyle/>
+          <a:p>
+            <a:r>
+              <a:rPr lang="en-AU" dirty="0">
+                <a:solidFill>
+                  <a:srgbClr val="0070C0"/>
+                </a:solidFill>
+              </a:rPr>
+              <a:t>D8</a:t>
+            </a:r>
+          </a:p>
+        </p:txBody>
+      </p:sp>
+      <p:sp>
+        <p:nvSpPr>
+          <p:cNvPr id="22" name="TextBox 21">
+            <a:extLst>
+              <a:ext uri="{FF2B5EF4-FFF2-40B4-BE49-F238E27FC236}">
+                <a16:creationId xmlns:a16="http://schemas.microsoft.com/office/drawing/2014/main" id="{329C0760-F363-5D42-B231-1684AA9C118C}"/>
+              </a:ext>
+            </a:extLst>
+          </p:cNvPr>
+          <p:cNvSpPr txBox="1"/>
+          <p:nvPr/>
+        </p:nvSpPr>
+        <p:spPr>
+          <a:xfrm>
+            <a:off x="3972431" y="7827875"/>
+            <a:ext cx="466518" cy="369332"/>
+          </a:xfrm>
+          <a:prstGeom prst="rect">
+            <a:avLst/>
+          </a:prstGeom>
+          <a:noFill/>
+        </p:spPr>
+        <p:txBody>
+          <a:bodyPr wrap="square" rtlCol="0">
+            <a:spAutoFit/>
+          </a:bodyPr>
+          <a:lstStyle/>
+          <a:p>
+            <a:r>
+              <a:rPr lang="en-AU" dirty="0">
+                <a:solidFill>
+                  <a:srgbClr val="0070C0"/>
+                </a:solidFill>
+              </a:rPr>
+              <a:t>D9</a:t>
+            </a:r>
+          </a:p>
+        </p:txBody>
+      </p:sp>
+      <p:sp>
+        <p:nvSpPr>
+          <p:cNvPr id="23" name="TextBox 22">
+            <a:extLst>
+              <a:ext uri="{FF2B5EF4-FFF2-40B4-BE49-F238E27FC236}">
+                <a16:creationId xmlns:a16="http://schemas.microsoft.com/office/drawing/2014/main" id="{7D0E6BA3-DC58-5548-9512-A62D90CF5E98}"/>
+              </a:ext>
+            </a:extLst>
+          </p:cNvPr>
+          <p:cNvSpPr txBox="1"/>
+          <p:nvPr/>
+        </p:nvSpPr>
+        <p:spPr>
+          <a:xfrm>
+            <a:off x="2647790" y="7624820"/>
+            <a:ext cx="616526" cy="369332"/>
+          </a:xfrm>
+          <a:prstGeom prst="rect">
+            <a:avLst/>
+          </a:prstGeom>
+          <a:noFill/>
+        </p:spPr>
+        <p:txBody>
+          <a:bodyPr wrap="square" rtlCol="0">
+            <a:spAutoFit/>
+          </a:bodyPr>
+          <a:lstStyle/>
+          <a:p>
+            <a:r>
+              <a:rPr lang="en-AU" dirty="0">
+                <a:solidFill>
+                  <a:srgbClr val="0070C0"/>
+                </a:solidFill>
+              </a:rPr>
+              <a:t>D10</a:t>
+            </a:r>
+          </a:p>
+        </p:txBody>
+      </p:sp>
+      <p:sp>
+        <p:nvSpPr>
+          <p:cNvPr id="24" name="TextBox 23">
+            <a:extLst>
+              <a:ext uri="{FF2B5EF4-FFF2-40B4-BE49-F238E27FC236}">
+                <a16:creationId xmlns:a16="http://schemas.microsoft.com/office/drawing/2014/main" id="{2F07E686-35A4-4245-871F-DFF71870B7E2}"/>
+              </a:ext>
+            </a:extLst>
+          </p:cNvPr>
+          <p:cNvSpPr txBox="1"/>
+          <p:nvPr/>
+        </p:nvSpPr>
+        <p:spPr>
+          <a:xfrm>
+            <a:off x="2186668" y="7734637"/>
+            <a:ext cx="616526" cy="369332"/>
+          </a:xfrm>
+          <a:prstGeom prst="rect">
+            <a:avLst/>
+          </a:prstGeom>
+          <a:noFill/>
+        </p:spPr>
+        <p:txBody>
+          <a:bodyPr wrap="square" rtlCol="0">
+            <a:spAutoFit/>
+          </a:bodyPr>
+          <a:lstStyle/>
+          <a:p>
+            <a:r>
+              <a:rPr lang="en-AU" dirty="0">
+                <a:solidFill>
+                  <a:srgbClr val="0070C0"/>
+                </a:solidFill>
+              </a:rPr>
+              <a:t>D11</a:t>
+            </a:r>
+          </a:p>
+        </p:txBody>
+      </p:sp>
+      <p:sp>
+        <p:nvSpPr>
+          <p:cNvPr id="25" name="TextBox 24">
+            <a:extLst>
+              <a:ext uri="{FF2B5EF4-FFF2-40B4-BE49-F238E27FC236}">
+                <a16:creationId xmlns:a16="http://schemas.microsoft.com/office/drawing/2014/main" id="{0752D762-AB6E-314A-9593-3121603F88E7}"/>
+              </a:ext>
+            </a:extLst>
+          </p:cNvPr>
+          <p:cNvSpPr txBox="1"/>
+          <p:nvPr/>
+        </p:nvSpPr>
+        <p:spPr>
+          <a:xfrm>
+            <a:off x="3707495" y="6796769"/>
+            <a:ext cx="616526" cy="369332"/>
+          </a:xfrm>
+          <a:prstGeom prst="rect">
+            <a:avLst/>
+          </a:prstGeom>
+          <a:noFill/>
+        </p:spPr>
+        <p:txBody>
+          <a:bodyPr wrap="square" rtlCol="0">
+            <a:spAutoFit/>
+          </a:bodyPr>
+          <a:lstStyle/>
+          <a:p>
+            <a:r>
+              <a:rPr lang="en-AU" dirty="0">
+                <a:solidFill>
+                  <a:srgbClr val="0070C0"/>
+                </a:solidFill>
+              </a:rPr>
+              <a:t>D12</a:t>
+            </a:r>
+          </a:p>
+        </p:txBody>
+      </p:sp>
+      <p:sp>
+        <p:nvSpPr>
+          <p:cNvPr id="26" name="TextBox 25">
+            <a:extLst>
+              <a:ext uri="{FF2B5EF4-FFF2-40B4-BE49-F238E27FC236}">
+                <a16:creationId xmlns:a16="http://schemas.microsoft.com/office/drawing/2014/main" id="{9DAF916B-52B3-584A-B384-14D8DBA2AF05}"/>
+              </a:ext>
+            </a:extLst>
+          </p:cNvPr>
+          <p:cNvSpPr txBox="1"/>
+          <p:nvPr/>
+        </p:nvSpPr>
+        <p:spPr>
+          <a:xfrm>
+            <a:off x="3527850" y="7238950"/>
+            <a:ext cx="616526" cy="369332"/>
+          </a:xfrm>
+          <a:prstGeom prst="rect">
+            <a:avLst/>
+          </a:prstGeom>
+          <a:noFill/>
+        </p:spPr>
+        <p:txBody>
+          <a:bodyPr wrap="square" rtlCol="0">
+            <a:spAutoFit/>
+          </a:bodyPr>
+          <a:lstStyle/>
+          <a:p>
+            <a:r>
+              <a:rPr lang="en-AU" dirty="0">
+                <a:solidFill>
+                  <a:srgbClr val="0070C0"/>
+                </a:solidFill>
+              </a:rPr>
+              <a:t>D13</a:t>
+            </a:r>
+          </a:p>
+        </p:txBody>
+      </p:sp>
+      <p:sp>
+        <p:nvSpPr>
+          <p:cNvPr id="27" name="TextBox 26">
+            <a:extLst>
+              <a:ext uri="{FF2B5EF4-FFF2-40B4-BE49-F238E27FC236}">
+                <a16:creationId xmlns:a16="http://schemas.microsoft.com/office/drawing/2014/main" id="{4E9E14C7-CBCA-234F-9806-A90D9C1DDF75}"/>
+              </a:ext>
+            </a:extLst>
+          </p:cNvPr>
+          <p:cNvSpPr txBox="1"/>
+          <p:nvPr/>
+        </p:nvSpPr>
+        <p:spPr>
+          <a:xfrm>
+            <a:off x="3051354" y="7436176"/>
+            <a:ext cx="616526" cy="369332"/>
+          </a:xfrm>
+          <a:prstGeom prst="rect">
+            <a:avLst/>
+          </a:prstGeom>
+          <a:noFill/>
+        </p:spPr>
+        <p:txBody>
+          <a:bodyPr wrap="square" rtlCol="0">
+            <a:spAutoFit/>
+          </a:bodyPr>
+          <a:lstStyle/>
+          <a:p>
+            <a:r>
+              <a:rPr lang="en-AU" dirty="0">
+                <a:solidFill>
+                  <a:srgbClr val="0070C0"/>
+                </a:solidFill>
+              </a:rPr>
+              <a:t>D14</a:t>
+            </a:r>
+          </a:p>
+        </p:txBody>
+      </p:sp>
+      <p:sp>
+        <p:nvSpPr>
+          <p:cNvPr id="40" name="Oval 39">
+            <a:extLst>
+              <a:ext uri="{FF2B5EF4-FFF2-40B4-BE49-F238E27FC236}">
+                <a16:creationId xmlns:a16="http://schemas.microsoft.com/office/drawing/2014/main" id="{F7991E49-51E5-B144-BF2D-90C81A5A6344}"/>
+              </a:ext>
+            </a:extLst>
+          </p:cNvPr>
+          <p:cNvSpPr/>
+          <p:nvPr/>
+        </p:nvSpPr>
+        <p:spPr>
+          <a:xfrm>
+            <a:off x="3314650" y="6980671"/>
+            <a:ext cx="180000" cy="180000"/>
+          </a:xfrm>
+          <a:prstGeom prst="ellipse">
+            <a:avLst/>
+          </a:prstGeom>
+          <a:solidFill>
+            <a:schemeClr val="tx1"/>
+          </a:solidFill>
+        </p:spPr>
+        <p:style>
+          <a:lnRef idx="2">
+            <a:schemeClr val="accent1">
+              <a:shade val="50000"/>
+            </a:schemeClr>
+          </a:lnRef>
+          <a:fillRef idx="1">
+            <a:schemeClr val="accent1"/>
+          </a:fillRef>
+          <a:effectRef idx="0">
+            <a:schemeClr val="accent1"/>
+          </a:effectRef>
+          <a:fontRef idx="minor">
+            <a:schemeClr val="lt1"/>
+          </a:fontRef>
+        </p:style>
+        <p:txBody>
+          <a:bodyPr rtlCol="0" anchor="ctr"/>
+          <a:lstStyle/>
+          <a:p>
+            <a:pPr algn="ctr"/>
+            <a:endParaRPr lang="en-AU"/>
+          </a:p>
+        </p:txBody>
+      </p:sp>
+      <p:cxnSp>
+        <p:nvCxnSpPr>
+          <p:cNvPr id="41" name="Straight Connector 40">
+            <a:extLst>
+              <a:ext uri="{FF2B5EF4-FFF2-40B4-BE49-F238E27FC236}">
+                <a16:creationId xmlns:a16="http://schemas.microsoft.com/office/drawing/2014/main" id="{0DA6ECE3-5073-1A4A-8AB8-7EEBEADCE3B9}"/>
+              </a:ext>
+            </a:extLst>
+          </p:cNvPr>
+          <p:cNvCxnSpPr>
+            <a:cxnSpLocks/>
+          </p:cNvCxnSpPr>
+          <p:nvPr/>
+        </p:nvCxnSpPr>
+        <p:spPr>
+          <a:xfrm>
+            <a:off x="5373127" y="294245"/>
+            <a:ext cx="0" cy="839561"/>
+          </a:xfrm>
+          <a:prstGeom prst="line">
+            <a:avLst/>
+          </a:prstGeom>
+          <a:ln w="60325">
+            <a:solidFill>
+              <a:srgbClr val="C00000"/>
+            </a:solidFill>
+            <a:headEnd type="stealth" w="lg" len="lg"/>
+          </a:ln>
+        </p:spPr>
+        <p:style>
+          <a:lnRef idx="1">
+            <a:schemeClr val="accent1"/>
+          </a:lnRef>
+          <a:fillRef idx="0">
+            <a:schemeClr val="accent1"/>
+          </a:fillRef>
+          <a:effectRef idx="0">
+            <a:schemeClr val="accent1"/>
+          </a:effectRef>
+          <a:fontRef idx="minor">
+            <a:schemeClr val="tx1"/>
+          </a:fontRef>
+        </p:style>
+      </p:cxnSp>
+      <p:sp>
+        <p:nvSpPr>
+          <p:cNvPr id="42" name="TextBox 41">
+            <a:extLst>
+              <a:ext uri="{FF2B5EF4-FFF2-40B4-BE49-F238E27FC236}">
+                <a16:creationId xmlns:a16="http://schemas.microsoft.com/office/drawing/2014/main" id="{202F7DA6-28E9-A14D-B2F3-6A88F109DF56}"/>
+              </a:ext>
+            </a:extLst>
+          </p:cNvPr>
+          <p:cNvSpPr txBox="1"/>
+          <p:nvPr/>
+        </p:nvSpPr>
+        <p:spPr>
+          <a:xfrm>
+            <a:off x="4446628" y="168836"/>
+            <a:ext cx="961755" cy="369332"/>
+          </a:xfrm>
+          <a:prstGeom prst="rect">
+            <a:avLst/>
+          </a:prstGeom>
+          <a:noFill/>
+        </p:spPr>
+        <p:txBody>
+          <a:bodyPr wrap="square" rtlCol="0">
+            <a:spAutoFit/>
+          </a:bodyPr>
+          <a:lstStyle/>
+          <a:p>
+            <a:r>
+              <a:rPr lang="en-AU" dirty="0">
+                <a:solidFill>
+                  <a:srgbClr val="C00000"/>
+                </a:solidFill>
+              </a:rPr>
+              <a:t>Upfield</a:t>
+            </a:r>
+          </a:p>
+        </p:txBody>
+      </p:sp>
+      <p:sp>
+        <p:nvSpPr>
+          <p:cNvPr id="43" name="TextBox 42">
+            <a:extLst>
+              <a:ext uri="{FF2B5EF4-FFF2-40B4-BE49-F238E27FC236}">
+                <a16:creationId xmlns:a16="http://schemas.microsoft.com/office/drawing/2014/main" id="{DD1EC9A5-79C9-1242-B6F2-E5E224E388FB}"/>
+              </a:ext>
+            </a:extLst>
+          </p:cNvPr>
+          <p:cNvSpPr txBox="1"/>
+          <p:nvPr/>
+        </p:nvSpPr>
+        <p:spPr>
+          <a:xfrm>
+            <a:off x="4288814" y="9291052"/>
+            <a:ext cx="1210561" cy="369332"/>
+          </a:xfrm>
+          <a:prstGeom prst="rect">
+            <a:avLst/>
+          </a:prstGeom>
+          <a:noFill/>
+        </p:spPr>
+        <p:txBody>
+          <a:bodyPr wrap="square" rtlCol="0">
+            <a:spAutoFit/>
+          </a:bodyPr>
+          <a:lstStyle/>
+          <a:p>
+            <a:r>
+              <a:rPr lang="en-AU" dirty="0">
+                <a:solidFill>
+                  <a:schemeClr val="accent6"/>
+                </a:solidFill>
+              </a:rPr>
+              <a:t>Downfield</a:t>
+            </a:r>
+          </a:p>
+        </p:txBody>
+      </p:sp>
+      <p:cxnSp>
+        <p:nvCxnSpPr>
+          <p:cNvPr id="44" name="Straight Connector 43">
+            <a:extLst>
+              <a:ext uri="{FF2B5EF4-FFF2-40B4-BE49-F238E27FC236}">
+                <a16:creationId xmlns:a16="http://schemas.microsoft.com/office/drawing/2014/main" id="{0F30EF98-D099-6B42-AC9C-D6A71369EEC9}"/>
+              </a:ext>
+            </a:extLst>
+          </p:cNvPr>
+          <p:cNvCxnSpPr>
+            <a:cxnSpLocks/>
+          </p:cNvCxnSpPr>
+          <p:nvPr/>
+        </p:nvCxnSpPr>
+        <p:spPr>
+          <a:xfrm flipV="1">
+            <a:off x="5373127" y="8373862"/>
+            <a:ext cx="0" cy="938269"/>
+          </a:xfrm>
+          <a:prstGeom prst="line">
+            <a:avLst/>
+          </a:prstGeom>
+          <a:ln w="60325">
+            <a:solidFill>
+              <a:srgbClr val="00B050"/>
+            </a:solidFill>
+            <a:headEnd type="stealth" w="lg" len="lg"/>
+          </a:ln>
+        </p:spPr>
+        <p:style>
+          <a:lnRef idx="1">
+            <a:schemeClr val="accent1"/>
+          </a:lnRef>
+          <a:fillRef idx="0">
+            <a:schemeClr val="accent1"/>
+          </a:fillRef>
+          <a:effectRef idx="0">
+            <a:schemeClr val="accent1"/>
+          </a:effectRef>
+          <a:fontRef idx="minor">
+            <a:schemeClr val="tx1"/>
+          </a:fontRef>
+        </p:style>
+      </p:cxnSp>
+      <p:sp>
+        <p:nvSpPr>
+          <p:cNvPr id="3" name="Arc 2">
+            <a:extLst>
+              <a:ext uri="{FF2B5EF4-FFF2-40B4-BE49-F238E27FC236}">
+                <a16:creationId xmlns:a16="http://schemas.microsoft.com/office/drawing/2014/main" id="{FD25C454-65A8-EA43-BA64-A2BA9DCFCA80}"/>
+              </a:ext>
+            </a:extLst>
+          </p:cNvPr>
+          <p:cNvSpPr/>
+          <p:nvPr/>
+        </p:nvSpPr>
+        <p:spPr>
+          <a:xfrm rot="6095834">
+            <a:off x="2560850" y="6238577"/>
+            <a:ext cx="1669383" cy="866793"/>
+          </a:xfrm>
+          <a:prstGeom prst="arc">
+            <a:avLst/>
+          </a:prstGeom>
+        </p:spPr>
+        <p:style>
+          <a:lnRef idx="1">
+            <a:schemeClr val="accent1"/>
+          </a:lnRef>
+          <a:fillRef idx="0">
+            <a:schemeClr val="accent1"/>
+          </a:fillRef>
+          <a:effectRef idx="0">
+            <a:schemeClr val="accent1"/>
+          </a:effectRef>
+          <a:fontRef idx="minor">
+            <a:schemeClr val="tx1"/>
+          </a:fontRef>
+        </p:style>
+        <p:txBody>
+          <a:bodyPr rtlCol="0" anchor="ctr"/>
+          <a:lstStyle/>
+          <a:p>
+            <a:pPr algn="ctr"/>
+            <a:endParaRPr lang="en-AU"/>
+          </a:p>
+        </p:txBody>
+      </p:sp>
+      <p:cxnSp>
+        <p:nvCxnSpPr>
+          <p:cNvPr id="54" name="Straight Arrow Connector 53">
+            <a:extLst>
+              <a:ext uri="{FF2B5EF4-FFF2-40B4-BE49-F238E27FC236}">
+                <a16:creationId xmlns:a16="http://schemas.microsoft.com/office/drawing/2014/main" id="{6B9CAAA3-CC30-C24F-93F7-B20E22330AF9}"/>
+              </a:ext>
+            </a:extLst>
+          </p:cNvPr>
+          <p:cNvCxnSpPr>
+            <a:cxnSpLocks/>
+          </p:cNvCxnSpPr>
+          <p:nvPr/>
+        </p:nvCxnSpPr>
+        <p:spPr>
+          <a:xfrm>
+            <a:off x="3608698" y="7092075"/>
+            <a:ext cx="1165170" cy="613949"/>
+          </a:xfrm>
+          <a:prstGeom prst="straightConnector1">
+            <a:avLst/>
+          </a:prstGeom>
+          <a:ln w="60325">
+            <a:solidFill>
+              <a:schemeClr val="bg1">
+                <a:lumMod val="50000"/>
+              </a:schemeClr>
+            </a:solidFill>
+            <a:prstDash val="sysDash"/>
+            <a:tailEnd type="triangle"/>
+          </a:ln>
+        </p:spPr>
+        <p:style>
+          <a:lnRef idx="1">
+            <a:schemeClr val="accent1"/>
+          </a:lnRef>
+          <a:fillRef idx="0">
+            <a:schemeClr val="accent1"/>
+          </a:fillRef>
+          <a:effectRef idx="0">
+            <a:schemeClr val="accent1"/>
+          </a:effectRef>
+          <a:fontRef idx="minor">
+            <a:schemeClr val="tx1"/>
+          </a:fontRef>
+        </p:style>
+      </p:cxnSp>
+      <p:cxnSp>
+        <p:nvCxnSpPr>
+          <p:cNvPr id="62" name="Straight Arrow Connector 61">
+            <a:extLst>
+              <a:ext uri="{FF2B5EF4-FFF2-40B4-BE49-F238E27FC236}">
+                <a16:creationId xmlns:a16="http://schemas.microsoft.com/office/drawing/2014/main" id="{D4EB2A2C-FE63-E24F-9999-DED7695BF0D9}"/>
+              </a:ext>
+            </a:extLst>
+          </p:cNvPr>
+          <p:cNvCxnSpPr>
+            <a:cxnSpLocks/>
+          </p:cNvCxnSpPr>
+          <p:nvPr/>
+        </p:nvCxnSpPr>
+        <p:spPr>
+          <a:xfrm>
+            <a:off x="3439535" y="7181451"/>
+            <a:ext cx="309193" cy="832502"/>
+          </a:xfrm>
+          <a:prstGeom prst="straightConnector1">
+            <a:avLst/>
+          </a:prstGeom>
+          <a:ln w="60325">
+            <a:solidFill>
+              <a:schemeClr val="bg1">
+                <a:lumMod val="50000"/>
+              </a:schemeClr>
+            </a:solidFill>
+            <a:prstDash val="sysDash"/>
+            <a:tailEnd type="triangle"/>
+          </a:ln>
+        </p:spPr>
+        <p:style>
+          <a:lnRef idx="1">
+            <a:schemeClr val="accent1"/>
+          </a:lnRef>
+          <a:fillRef idx="0">
+            <a:schemeClr val="accent1"/>
+          </a:fillRef>
+          <a:effectRef idx="0">
+            <a:schemeClr val="accent1"/>
+          </a:effectRef>
+          <a:fontRef idx="minor">
+            <a:schemeClr val="tx1"/>
+          </a:fontRef>
+        </p:style>
+      </p:cxnSp>
+    </p:spTree>
+    <p:extLst>
+      <p:ext uri="{BB962C8B-B14F-4D97-AF65-F5344CB8AC3E}">
+        <p14:creationId xmlns:p14="http://schemas.microsoft.com/office/powerpoint/2010/main" val="3490530093"/>
+      </p:ext>
+    </p:extLst>
+  </p:cSld>
+  <p:clrMapOvr>
+    <a:masterClrMapping/>
+  </p:clrMapOvr>
+</p:sld>
+</file>
+
 <file path=ppt/slides/slide2.xml><?xml version="1.0" encoding="utf-8"?>
 <p:sld xmlns:a="http://schemas.openxmlformats.org/drawingml/2006/main" xmlns:r="http://schemas.openxmlformats.org/officeDocument/2006/relationships" xmlns:p="http://schemas.openxmlformats.org/presentationml/2006/main">
   <p:cSld>
@@ -11614,8 +12844,8 @@
         </p:nvSpPr>
         <p:spPr>
           <a:xfrm>
-            <a:off x="4616346" y="8805856"/>
-            <a:ext cx="301212" cy="369332"/>
+            <a:off x="4616346" y="8800073"/>
+            <a:ext cx="397890" cy="375115"/>
           </a:xfrm>
           <a:prstGeom prst="rect">
             <a:avLst/>
@@ -11636,7 +12866,7 @@
                   <a:schemeClr val="bg1"/>
                 </a:solidFill>
               </a:rPr>
-              <a:t>A</a:t>
+              <a:t>A’</a:t>
             </a:r>
           </a:p>
         </p:txBody>
@@ -11655,8 +12885,8 @@
         </p:nvSpPr>
         <p:spPr>
           <a:xfrm>
-            <a:off x="2116055" y="8803826"/>
-            <a:ext cx="301212" cy="369332"/>
+            <a:off x="2116055" y="8805856"/>
+            <a:ext cx="397890" cy="369332"/>
           </a:xfrm>
           <a:prstGeom prst="rect">
             <a:avLst/>
@@ -11677,7 +12907,7 @@
                   <a:schemeClr val="bg1"/>
                 </a:solidFill>
               </a:rPr>
-              <a:t>B</a:t>
+              <a:t>B’</a:t>
             </a:r>
           </a:p>
         </p:txBody>
@@ -11901,7 +13131,7 @@
         <p:spPr>
           <a:xfrm>
             <a:off x="2712708" y="3655757"/>
-            <a:ext cx="2398408" cy="4080249"/>
+            <a:ext cx="2437562" cy="4142933"/>
           </a:xfrm>
           <a:prstGeom prst="arc">
             <a:avLst>
@@ -12910,96 +14140,6 @@
           </a:p>
         </p:txBody>
       </p:sp>
-      <p:cxnSp>
-        <p:nvCxnSpPr>
-          <p:cNvPr id="30" name="Straight Connector 29">
-            <a:extLst>
-              <a:ext uri="{FF2B5EF4-FFF2-40B4-BE49-F238E27FC236}">
-                <a16:creationId xmlns:a16="http://schemas.microsoft.com/office/drawing/2014/main" id="{B4D48460-EF8C-4F4A-A7B3-E5390CF72E79}"/>
-              </a:ext>
-            </a:extLst>
-          </p:cNvPr>
-          <p:cNvCxnSpPr>
-            <a:cxnSpLocks/>
-          </p:cNvCxnSpPr>
-          <p:nvPr/>
-        </p:nvCxnSpPr>
-        <p:spPr>
-          <a:xfrm>
-            <a:off x="1961250" y="8195722"/>
-            <a:ext cx="3238092" cy="0"/>
-          </a:xfrm>
-          <a:prstGeom prst="line">
-            <a:avLst/>
-          </a:prstGeom>
-          <a:ln w="38100">
-            <a:solidFill>
-              <a:srgbClr val="FF0000"/>
-            </a:solidFill>
-            <a:prstDash val="sysDash"/>
-          </a:ln>
-        </p:spPr>
-        <p:style>
-          <a:lnRef idx="1">
-            <a:schemeClr val="accent1"/>
-          </a:lnRef>
-          <a:fillRef idx="0">
-            <a:schemeClr val="accent1"/>
-          </a:fillRef>
-          <a:effectRef idx="0">
-            <a:schemeClr val="accent1"/>
-          </a:effectRef>
-          <a:fontRef idx="minor">
-            <a:schemeClr val="tx1"/>
-          </a:fontRef>
-        </p:style>
-      </p:cxnSp>
-      <p:cxnSp>
-        <p:nvCxnSpPr>
-          <p:cNvPr id="35" name="Straight Connector 34">
-            <a:extLst>
-              <a:ext uri="{FF2B5EF4-FFF2-40B4-BE49-F238E27FC236}">
-                <a16:creationId xmlns:a16="http://schemas.microsoft.com/office/drawing/2014/main" id="{96DA6223-3940-684E-96D5-572E2E45F862}"/>
-              </a:ext>
-            </a:extLst>
-          </p:cNvPr>
-          <p:cNvCxnSpPr>
-            <a:cxnSpLocks/>
-          </p:cNvCxnSpPr>
-          <p:nvPr/>
-        </p:nvCxnSpPr>
-        <p:spPr>
-          <a:xfrm>
-            <a:off x="1961250" y="4207747"/>
-            <a:ext cx="3238092" cy="0"/>
-          </a:xfrm>
-          <a:prstGeom prst="line">
-            <a:avLst/>
-          </a:prstGeom>
-          <a:ln w="38100">
-            <a:solidFill>
-              <a:schemeClr val="bg1">
-                <a:lumMod val="50000"/>
-              </a:schemeClr>
-            </a:solidFill>
-            <a:prstDash val="sysDash"/>
-          </a:ln>
-        </p:spPr>
-        <p:style>
-          <a:lnRef idx="1">
-            <a:schemeClr val="accent1"/>
-          </a:lnRef>
-          <a:fillRef idx="0">
-            <a:schemeClr val="accent1"/>
-          </a:fillRef>
-          <a:effectRef idx="0">
-            <a:schemeClr val="accent1"/>
-          </a:effectRef>
-          <a:fontRef idx="minor">
-            <a:schemeClr val="tx1"/>
-          </a:fontRef>
-        </p:style>
-      </p:cxnSp>
       <p:cxnSp>
         <p:nvCxnSpPr>
           <p:cNvPr id="32" name="Straight Arrow Connector 31">
@@ -13060,8 +14200,8 @@
         </p:nvCxnSpPr>
         <p:spPr>
           <a:xfrm flipV="1">
-            <a:off x="5066624" y="5247843"/>
-            <a:ext cx="27333" cy="934850"/>
+            <a:off x="5066624" y="5695154"/>
+            <a:ext cx="0" cy="487539"/>
           </a:xfrm>
           <a:prstGeom prst="straightConnector1">
             <a:avLst/>
@@ -13291,6 +14431,3105 @@
               <a:srgbClr val="00B050"/>
             </a:solidFill>
             <a:headEnd type="stealth" w="lg" len="lg"/>
+          </a:ln>
+        </p:spPr>
+        <p:style>
+          <a:lnRef idx="1">
+            <a:schemeClr val="accent1"/>
+          </a:lnRef>
+          <a:fillRef idx="0">
+            <a:schemeClr val="accent1"/>
+          </a:fillRef>
+          <a:effectRef idx="0">
+            <a:schemeClr val="accent1"/>
+          </a:effectRef>
+          <a:fontRef idx="minor">
+            <a:schemeClr val="tx1"/>
+          </a:fontRef>
+        </p:style>
+      </p:cxnSp>
+      <p:cxnSp>
+        <p:nvCxnSpPr>
+          <p:cNvPr id="46" name="Straight Connector 45">
+            <a:extLst>
+              <a:ext uri="{FF2B5EF4-FFF2-40B4-BE49-F238E27FC236}">
+                <a16:creationId xmlns:a16="http://schemas.microsoft.com/office/drawing/2014/main" id="{F3236F0C-4C3D-4644-9082-CD27BBDCE797}"/>
+              </a:ext>
+            </a:extLst>
+          </p:cNvPr>
+          <p:cNvCxnSpPr>
+            <a:cxnSpLocks/>
+          </p:cNvCxnSpPr>
+          <p:nvPr/>
+        </p:nvCxnSpPr>
+        <p:spPr>
+          <a:xfrm>
+            <a:off x="1965027" y="6516354"/>
+            <a:ext cx="3238092" cy="0"/>
+          </a:xfrm>
+          <a:prstGeom prst="line">
+            <a:avLst/>
+          </a:prstGeom>
+          <a:ln w="38100">
+            <a:solidFill>
+              <a:srgbClr val="FF0000"/>
+            </a:solidFill>
+            <a:prstDash val="sysDash"/>
+          </a:ln>
+        </p:spPr>
+        <p:style>
+          <a:lnRef idx="1">
+            <a:schemeClr val="accent1"/>
+          </a:lnRef>
+          <a:fillRef idx="0">
+            <a:schemeClr val="accent1"/>
+          </a:fillRef>
+          <a:effectRef idx="0">
+            <a:schemeClr val="accent1"/>
+          </a:effectRef>
+          <a:fontRef idx="minor">
+            <a:schemeClr val="tx1"/>
+          </a:fontRef>
+        </p:style>
+      </p:cxnSp>
+      <p:cxnSp>
+        <p:nvCxnSpPr>
+          <p:cNvPr id="47" name="Straight Connector 46">
+            <a:extLst>
+              <a:ext uri="{FF2B5EF4-FFF2-40B4-BE49-F238E27FC236}">
+                <a16:creationId xmlns:a16="http://schemas.microsoft.com/office/drawing/2014/main" id="{FDD421D9-46E9-8940-91A2-963CC70167A3}"/>
+              </a:ext>
+            </a:extLst>
+          </p:cNvPr>
+          <p:cNvCxnSpPr>
+            <a:cxnSpLocks/>
+          </p:cNvCxnSpPr>
+          <p:nvPr/>
+        </p:nvCxnSpPr>
+        <p:spPr>
+          <a:xfrm flipV="1">
+            <a:off x="1961249" y="4191053"/>
+            <a:ext cx="3240000" cy="0"/>
+          </a:xfrm>
+          <a:prstGeom prst="line">
+            <a:avLst/>
+          </a:prstGeom>
+          <a:ln w="38100">
+            <a:solidFill>
+              <a:schemeClr val="accent2"/>
+            </a:solidFill>
+            <a:prstDash val="sysDash"/>
+          </a:ln>
+        </p:spPr>
+        <p:style>
+          <a:lnRef idx="1">
+            <a:schemeClr val="accent1"/>
+          </a:lnRef>
+          <a:fillRef idx="0">
+            <a:schemeClr val="accent1"/>
+          </a:fillRef>
+          <a:effectRef idx="0">
+            <a:schemeClr val="accent1"/>
+          </a:effectRef>
+          <a:fontRef idx="minor">
+            <a:schemeClr val="tx1"/>
+          </a:fontRef>
+        </p:style>
+      </p:cxnSp>
+      <p:sp>
+        <p:nvSpPr>
+          <p:cNvPr id="48" name="TextBox 47">
+            <a:extLst>
+              <a:ext uri="{FF2B5EF4-FFF2-40B4-BE49-F238E27FC236}">
+                <a16:creationId xmlns:a16="http://schemas.microsoft.com/office/drawing/2014/main" id="{64124B02-1C66-374E-B873-2B829CE5EE7B}"/>
+              </a:ext>
+            </a:extLst>
+          </p:cNvPr>
+          <p:cNvSpPr txBox="1"/>
+          <p:nvPr/>
+        </p:nvSpPr>
+        <p:spPr>
+          <a:xfrm>
+            <a:off x="4743488" y="8214170"/>
+            <a:ext cx="301212" cy="369332"/>
+          </a:xfrm>
+          <a:prstGeom prst="rect">
+            <a:avLst/>
+          </a:prstGeom>
+          <a:solidFill>
+            <a:schemeClr val="tx1"/>
+          </a:solidFill>
+        </p:spPr>
+        <p:txBody>
+          <a:bodyPr wrap="square" rtlCol="0">
+            <a:spAutoFit/>
+          </a:bodyPr>
+          <a:lstStyle/>
+          <a:p>
+            <a:r>
+              <a:rPr lang="en-AU" dirty="0">
+                <a:solidFill>
+                  <a:schemeClr val="bg1"/>
+                </a:solidFill>
+              </a:rPr>
+              <a:t>A</a:t>
+            </a:r>
+          </a:p>
+        </p:txBody>
+      </p:sp>
+      <p:sp>
+        <p:nvSpPr>
+          <p:cNvPr id="50" name="TextBox 49">
+            <a:extLst>
+              <a:ext uri="{FF2B5EF4-FFF2-40B4-BE49-F238E27FC236}">
+                <a16:creationId xmlns:a16="http://schemas.microsoft.com/office/drawing/2014/main" id="{17CA0749-9C04-E046-9100-221F09785A29}"/>
+              </a:ext>
+            </a:extLst>
+          </p:cNvPr>
+          <p:cNvSpPr txBox="1"/>
+          <p:nvPr/>
+        </p:nvSpPr>
+        <p:spPr>
+          <a:xfrm>
+            <a:off x="5007599" y="5258007"/>
+            <a:ext cx="251215" cy="369332"/>
+          </a:xfrm>
+          <a:prstGeom prst="rect">
+            <a:avLst/>
+          </a:prstGeom>
+          <a:solidFill>
+            <a:schemeClr val="tx1"/>
+          </a:solidFill>
+        </p:spPr>
+        <p:txBody>
+          <a:bodyPr wrap="square" rtlCol="0">
+            <a:spAutoFit/>
+          </a:bodyPr>
+          <a:lstStyle/>
+          <a:p>
+            <a:r>
+              <a:rPr lang="en-AU" dirty="0">
+                <a:solidFill>
+                  <a:schemeClr val="bg1"/>
+                </a:solidFill>
+              </a:rPr>
+              <a:t>D</a:t>
+            </a:r>
+          </a:p>
+        </p:txBody>
+      </p:sp>
+    </p:spTree>
+    <p:extLst>
+      <p:ext uri="{BB962C8B-B14F-4D97-AF65-F5344CB8AC3E}">
+        <p14:creationId xmlns:p14="http://schemas.microsoft.com/office/powerpoint/2010/main" val="799718895"/>
+      </p:ext>
+    </p:extLst>
+  </p:cSld>
+  <p:clrMapOvr>
+    <a:masterClrMapping/>
+  </p:clrMapOvr>
+</p:sld>
+</file>
+
+<file path=ppt/slides/slide8.xml><?xml version="1.0" encoding="utf-8"?>
+<p:sld xmlns:a="http://schemas.openxmlformats.org/drawingml/2006/main" xmlns:r="http://schemas.openxmlformats.org/officeDocument/2006/relationships" xmlns:p="http://schemas.openxmlformats.org/presentationml/2006/main">
+  <p:cSld>
+    <p:spTree>
+      <p:nvGrpSpPr>
+        <p:cNvPr id="1" name=""/>
+        <p:cNvGrpSpPr/>
+        <p:nvPr/>
+      </p:nvGrpSpPr>
+      <p:grpSpPr>
+        <a:xfrm>
+          <a:off x="0" y="0"/>
+          <a:ext cx="0" cy="0"/>
+          <a:chOff x="0" y="0"/>
+          <a:chExt cx="0" cy="0"/>
+        </a:xfrm>
+      </p:grpSpPr>
+      <p:sp>
+        <p:nvSpPr>
+          <p:cNvPr id="4" name="Rounded Rectangle 3">
+            <a:extLst>
+              <a:ext uri="{FF2B5EF4-FFF2-40B4-BE49-F238E27FC236}">
+                <a16:creationId xmlns:a16="http://schemas.microsoft.com/office/drawing/2014/main" id="{70652F4E-8EA6-2C4D-A4F0-52433013FDED}"/>
+              </a:ext>
+            </a:extLst>
+          </p:cNvPr>
+          <p:cNvSpPr>
+            <a:spLocks noChangeAspect="1"/>
+          </p:cNvSpPr>
+          <p:nvPr/>
+        </p:nvSpPr>
+        <p:spPr>
+          <a:xfrm>
+            <a:off x="1953463" y="2114322"/>
+            <a:ext cx="3240000" cy="5604325"/>
+          </a:xfrm>
+          <a:prstGeom prst="roundRect">
+            <a:avLst/>
+          </a:prstGeom>
+          <a:noFill/>
+          <a:ln w="38100">
+            <a:solidFill>
+              <a:schemeClr val="tx1"/>
+            </a:solidFill>
+          </a:ln>
+        </p:spPr>
+        <p:style>
+          <a:lnRef idx="2">
+            <a:schemeClr val="accent1">
+              <a:shade val="50000"/>
+            </a:schemeClr>
+          </a:lnRef>
+          <a:fillRef idx="1">
+            <a:schemeClr val="accent1"/>
+          </a:fillRef>
+          <a:effectRef idx="0">
+            <a:schemeClr val="accent1"/>
+          </a:effectRef>
+          <a:fontRef idx="minor">
+            <a:schemeClr val="lt1"/>
+          </a:fontRef>
+        </p:style>
+        <p:txBody>
+          <a:bodyPr rtlCol="0" anchor="ctr"/>
+          <a:lstStyle/>
+          <a:p>
+            <a:pPr algn="ctr"/>
+            <a:endParaRPr lang="en-AU"/>
+          </a:p>
+        </p:txBody>
+      </p:sp>
+      <p:sp>
+        <p:nvSpPr>
+          <p:cNvPr id="5" name="Rounded Rectangle 4">
+            <a:extLst>
+              <a:ext uri="{FF2B5EF4-FFF2-40B4-BE49-F238E27FC236}">
+                <a16:creationId xmlns:a16="http://schemas.microsoft.com/office/drawing/2014/main" id="{3C953649-ED7C-3742-AAEA-8B243B81C427}"/>
+              </a:ext>
+            </a:extLst>
+          </p:cNvPr>
+          <p:cNvSpPr>
+            <a:spLocks noChangeAspect="1"/>
+          </p:cNvSpPr>
+          <p:nvPr/>
+        </p:nvSpPr>
+        <p:spPr>
+          <a:xfrm>
+            <a:off x="1953463" y="7718649"/>
+            <a:ext cx="3240000" cy="1576217"/>
+          </a:xfrm>
+          <a:prstGeom prst="roundRect">
+            <a:avLst/>
+          </a:prstGeom>
+          <a:solidFill>
+            <a:srgbClr val="00B050"/>
+          </a:solidFill>
+          <a:ln w="38100">
+            <a:solidFill>
+              <a:schemeClr val="tx1"/>
+            </a:solidFill>
+          </a:ln>
+        </p:spPr>
+        <p:style>
+          <a:lnRef idx="2">
+            <a:schemeClr val="accent1">
+              <a:shade val="50000"/>
+            </a:schemeClr>
+          </a:lnRef>
+          <a:fillRef idx="1">
+            <a:schemeClr val="accent1"/>
+          </a:fillRef>
+          <a:effectRef idx="0">
+            <a:schemeClr val="accent1"/>
+          </a:effectRef>
+          <a:fontRef idx="minor">
+            <a:schemeClr val="lt1"/>
+          </a:fontRef>
+        </p:style>
+        <p:txBody>
+          <a:bodyPr rtlCol="0" anchor="ctr"/>
+          <a:lstStyle/>
+          <a:p>
+            <a:pPr algn="ctr"/>
+            <a:endParaRPr lang="en-AU"/>
+          </a:p>
+        </p:txBody>
+      </p:sp>
+      <p:sp>
+        <p:nvSpPr>
+          <p:cNvPr id="6" name="Rounded Rectangle 5">
+            <a:extLst>
+              <a:ext uri="{FF2B5EF4-FFF2-40B4-BE49-F238E27FC236}">
+                <a16:creationId xmlns:a16="http://schemas.microsoft.com/office/drawing/2014/main" id="{781AE066-2F6F-CD4A-8C9D-2174A5C270BE}"/>
+              </a:ext>
+            </a:extLst>
+          </p:cNvPr>
+          <p:cNvSpPr>
+            <a:spLocks noChangeAspect="1"/>
+          </p:cNvSpPr>
+          <p:nvPr/>
+        </p:nvSpPr>
+        <p:spPr>
+          <a:xfrm>
+            <a:off x="1953463" y="520745"/>
+            <a:ext cx="3240000" cy="1576217"/>
+          </a:xfrm>
+          <a:prstGeom prst="roundRect">
+            <a:avLst/>
+          </a:prstGeom>
+          <a:solidFill>
+            <a:srgbClr val="FF0000"/>
+          </a:solidFill>
+          <a:ln w="38100">
+            <a:solidFill>
+              <a:schemeClr val="tx1"/>
+            </a:solidFill>
+          </a:ln>
+        </p:spPr>
+        <p:style>
+          <a:lnRef idx="2">
+            <a:schemeClr val="accent1">
+              <a:shade val="50000"/>
+            </a:schemeClr>
+          </a:lnRef>
+          <a:fillRef idx="1">
+            <a:schemeClr val="accent1"/>
+          </a:fillRef>
+          <a:effectRef idx="0">
+            <a:schemeClr val="accent1"/>
+          </a:effectRef>
+          <a:fontRef idx="minor">
+            <a:schemeClr val="lt1"/>
+          </a:fontRef>
+        </p:style>
+        <p:txBody>
+          <a:bodyPr rtlCol="0" anchor="ctr"/>
+          <a:lstStyle/>
+          <a:p>
+            <a:pPr algn="ctr"/>
+            <a:endParaRPr lang="en-AU" dirty="0"/>
+          </a:p>
+        </p:txBody>
+      </p:sp>
+      <p:sp>
+        <p:nvSpPr>
+          <p:cNvPr id="7" name="Rounded Rectangle 6">
+            <a:extLst>
+              <a:ext uri="{FF2B5EF4-FFF2-40B4-BE49-F238E27FC236}">
+                <a16:creationId xmlns:a16="http://schemas.microsoft.com/office/drawing/2014/main" id="{58A277D1-08DF-1A43-AFBF-E7F4DE2FD6BB}"/>
+              </a:ext>
+            </a:extLst>
+          </p:cNvPr>
+          <p:cNvSpPr>
+            <a:spLocks noChangeAspect="1"/>
+          </p:cNvSpPr>
+          <p:nvPr/>
+        </p:nvSpPr>
+        <p:spPr>
+          <a:xfrm>
+            <a:off x="1524892" y="101296"/>
+            <a:ext cx="4114800" cy="9630383"/>
+          </a:xfrm>
+          <a:prstGeom prst="roundRect">
+            <a:avLst/>
+          </a:prstGeom>
+          <a:noFill/>
+          <a:ln w="38100">
+            <a:solidFill>
+              <a:schemeClr val="bg1">
+                <a:lumMod val="50000"/>
+              </a:schemeClr>
+            </a:solidFill>
+            <a:prstDash val="sysDot"/>
+          </a:ln>
+        </p:spPr>
+        <p:style>
+          <a:lnRef idx="2">
+            <a:schemeClr val="accent1">
+              <a:shade val="50000"/>
+            </a:schemeClr>
+          </a:lnRef>
+          <a:fillRef idx="1">
+            <a:schemeClr val="accent1"/>
+          </a:fillRef>
+          <a:effectRef idx="0">
+            <a:schemeClr val="accent1"/>
+          </a:effectRef>
+          <a:fontRef idx="minor">
+            <a:schemeClr val="lt1"/>
+          </a:fontRef>
+        </p:style>
+        <p:txBody>
+          <a:bodyPr rtlCol="0" anchor="ctr"/>
+          <a:lstStyle/>
+          <a:p>
+            <a:pPr algn="ctr"/>
+            <a:endParaRPr lang="en-AU"/>
+          </a:p>
+        </p:txBody>
+      </p:sp>
+      <p:sp>
+        <p:nvSpPr>
+          <p:cNvPr id="12" name="Multiply 11">
+            <a:extLst>
+              <a:ext uri="{FF2B5EF4-FFF2-40B4-BE49-F238E27FC236}">
+                <a16:creationId xmlns:a16="http://schemas.microsoft.com/office/drawing/2014/main" id="{782966C4-8BAB-EC4A-B3CC-ECB9FD404B1E}"/>
+              </a:ext>
+            </a:extLst>
+          </p:cNvPr>
+          <p:cNvSpPr/>
+          <p:nvPr/>
+        </p:nvSpPr>
+        <p:spPr>
+          <a:xfrm>
+            <a:off x="3198571" y="5737186"/>
+            <a:ext cx="767443" cy="849086"/>
+          </a:xfrm>
+          <a:prstGeom prst="mathMultiply">
+            <a:avLst/>
+          </a:prstGeom>
+          <a:noFill/>
+        </p:spPr>
+        <p:style>
+          <a:lnRef idx="2">
+            <a:schemeClr val="accent1">
+              <a:shade val="50000"/>
+            </a:schemeClr>
+          </a:lnRef>
+          <a:fillRef idx="1">
+            <a:schemeClr val="accent1"/>
+          </a:fillRef>
+          <a:effectRef idx="0">
+            <a:schemeClr val="accent1"/>
+          </a:effectRef>
+          <a:fontRef idx="minor">
+            <a:schemeClr val="lt1"/>
+          </a:fontRef>
+        </p:style>
+        <p:txBody>
+          <a:bodyPr rtlCol="0" anchor="ctr"/>
+          <a:lstStyle/>
+          <a:p>
+            <a:pPr algn="ctr"/>
+            <a:endParaRPr lang="en-AU"/>
+          </a:p>
+        </p:txBody>
+      </p:sp>
+      <p:sp>
+        <p:nvSpPr>
+          <p:cNvPr id="13" name="Multiply 12">
+            <a:extLst>
+              <a:ext uri="{FF2B5EF4-FFF2-40B4-BE49-F238E27FC236}">
+                <a16:creationId xmlns:a16="http://schemas.microsoft.com/office/drawing/2014/main" id="{711FF500-E426-0D44-916C-B24A7A610DF5}"/>
+              </a:ext>
+            </a:extLst>
+          </p:cNvPr>
+          <p:cNvSpPr/>
+          <p:nvPr/>
+        </p:nvSpPr>
+        <p:spPr>
+          <a:xfrm>
+            <a:off x="3192236" y="3246701"/>
+            <a:ext cx="767443" cy="849086"/>
+          </a:xfrm>
+          <a:prstGeom prst="mathMultiply">
+            <a:avLst/>
+          </a:prstGeom>
+          <a:noFill/>
+        </p:spPr>
+        <p:style>
+          <a:lnRef idx="2">
+            <a:schemeClr val="accent1">
+              <a:shade val="50000"/>
+            </a:schemeClr>
+          </a:lnRef>
+          <a:fillRef idx="1">
+            <a:schemeClr val="accent1"/>
+          </a:fillRef>
+          <a:effectRef idx="0">
+            <a:schemeClr val="accent1"/>
+          </a:effectRef>
+          <a:fontRef idx="minor">
+            <a:schemeClr val="lt1"/>
+          </a:fontRef>
+        </p:style>
+        <p:txBody>
+          <a:bodyPr rtlCol="0" anchor="ctr"/>
+          <a:lstStyle/>
+          <a:p>
+            <a:pPr algn="ctr"/>
+            <a:endParaRPr lang="en-AU"/>
+          </a:p>
+        </p:txBody>
+      </p:sp>
+      <p:sp>
+        <p:nvSpPr>
+          <p:cNvPr id="14" name="TextBox 13">
+            <a:extLst>
+              <a:ext uri="{FF2B5EF4-FFF2-40B4-BE49-F238E27FC236}">
+                <a16:creationId xmlns:a16="http://schemas.microsoft.com/office/drawing/2014/main" id="{CC9FDAD2-F231-6B43-92F7-C2C2863676C2}"/>
+              </a:ext>
+            </a:extLst>
+          </p:cNvPr>
+          <p:cNvSpPr txBox="1"/>
+          <p:nvPr/>
+        </p:nvSpPr>
+        <p:spPr>
+          <a:xfrm>
+            <a:off x="4150653" y="4060977"/>
+            <a:ext cx="466518" cy="369332"/>
+          </a:xfrm>
+          <a:prstGeom prst="rect">
+            <a:avLst/>
+          </a:prstGeom>
+          <a:noFill/>
+        </p:spPr>
+        <p:txBody>
+          <a:bodyPr wrap="square" rtlCol="0">
+            <a:spAutoFit/>
+          </a:bodyPr>
+          <a:lstStyle/>
+          <a:p>
+            <a:r>
+              <a:rPr lang="en-AU" dirty="0"/>
+              <a:t>O2</a:t>
+            </a:r>
+          </a:p>
+        </p:txBody>
+      </p:sp>
+      <p:sp>
+        <p:nvSpPr>
+          <p:cNvPr id="15" name="TextBox 14">
+            <a:extLst>
+              <a:ext uri="{FF2B5EF4-FFF2-40B4-BE49-F238E27FC236}">
+                <a16:creationId xmlns:a16="http://schemas.microsoft.com/office/drawing/2014/main" id="{3986F052-18AA-4443-A26B-C88FE17F207D}"/>
+              </a:ext>
+            </a:extLst>
+          </p:cNvPr>
+          <p:cNvSpPr txBox="1"/>
+          <p:nvPr/>
+        </p:nvSpPr>
+        <p:spPr>
+          <a:xfrm>
+            <a:off x="4802729" y="5980966"/>
+            <a:ext cx="466518" cy="369332"/>
+          </a:xfrm>
+          <a:prstGeom prst="rect">
+            <a:avLst/>
+          </a:prstGeom>
+          <a:solidFill>
+            <a:schemeClr val="tx1"/>
+          </a:solidFill>
+        </p:spPr>
+        <p:txBody>
+          <a:bodyPr wrap="square" rtlCol="0">
+            <a:spAutoFit/>
+          </a:bodyPr>
+          <a:lstStyle/>
+          <a:p>
+            <a:r>
+              <a:rPr lang="en-AU" dirty="0">
+                <a:solidFill>
+                  <a:schemeClr val="bg1"/>
+                </a:solidFill>
+              </a:rPr>
+              <a:t>O1</a:t>
+            </a:r>
+          </a:p>
+        </p:txBody>
+      </p:sp>
+      <p:sp>
+        <p:nvSpPr>
+          <p:cNvPr id="16" name="TextBox 15">
+            <a:extLst>
+              <a:ext uri="{FF2B5EF4-FFF2-40B4-BE49-F238E27FC236}">
+                <a16:creationId xmlns:a16="http://schemas.microsoft.com/office/drawing/2014/main" id="{EEF04ED5-E466-A243-9D27-7184F13C1262}"/>
+              </a:ext>
+            </a:extLst>
+          </p:cNvPr>
+          <p:cNvSpPr txBox="1"/>
+          <p:nvPr/>
+        </p:nvSpPr>
+        <p:spPr>
+          <a:xfrm>
+            <a:off x="3400488" y="4628908"/>
+            <a:ext cx="466518" cy="369332"/>
+          </a:xfrm>
+          <a:prstGeom prst="rect">
+            <a:avLst/>
+          </a:prstGeom>
+          <a:noFill/>
+        </p:spPr>
+        <p:txBody>
+          <a:bodyPr wrap="square" rtlCol="0">
+            <a:spAutoFit/>
+          </a:bodyPr>
+          <a:lstStyle/>
+          <a:p>
+            <a:r>
+              <a:rPr lang="en-AU" dirty="0"/>
+              <a:t>O3</a:t>
+            </a:r>
+          </a:p>
+        </p:txBody>
+      </p:sp>
+      <p:sp>
+        <p:nvSpPr>
+          <p:cNvPr id="17" name="TextBox 16">
+            <a:extLst>
+              <a:ext uri="{FF2B5EF4-FFF2-40B4-BE49-F238E27FC236}">
+                <a16:creationId xmlns:a16="http://schemas.microsoft.com/office/drawing/2014/main" id="{7AB684D8-9879-0C4A-9489-F87A8809D064}"/>
+              </a:ext>
+            </a:extLst>
+          </p:cNvPr>
+          <p:cNvSpPr txBox="1"/>
+          <p:nvPr/>
+        </p:nvSpPr>
+        <p:spPr>
+          <a:xfrm>
+            <a:off x="1903841" y="6534751"/>
+            <a:ext cx="466518" cy="369332"/>
+          </a:xfrm>
+          <a:prstGeom prst="rect">
+            <a:avLst/>
+          </a:prstGeom>
+          <a:noFill/>
+        </p:spPr>
+        <p:txBody>
+          <a:bodyPr wrap="square" rtlCol="0">
+            <a:spAutoFit/>
+          </a:bodyPr>
+          <a:lstStyle/>
+          <a:p>
+            <a:r>
+              <a:rPr lang="en-AU" dirty="0"/>
+              <a:t>O4</a:t>
+            </a:r>
+          </a:p>
+        </p:txBody>
+      </p:sp>
+      <p:sp>
+        <p:nvSpPr>
+          <p:cNvPr id="18" name="TextBox 17">
+            <a:extLst>
+              <a:ext uri="{FF2B5EF4-FFF2-40B4-BE49-F238E27FC236}">
+                <a16:creationId xmlns:a16="http://schemas.microsoft.com/office/drawing/2014/main" id="{F387E253-DCE8-A344-84ED-5DB76FED00C0}"/>
+              </a:ext>
+            </a:extLst>
+          </p:cNvPr>
+          <p:cNvSpPr txBox="1"/>
+          <p:nvPr/>
+        </p:nvSpPr>
+        <p:spPr>
+          <a:xfrm>
+            <a:off x="4799009" y="3238848"/>
+            <a:ext cx="466518" cy="369332"/>
+          </a:xfrm>
+          <a:prstGeom prst="rect">
+            <a:avLst/>
+          </a:prstGeom>
+          <a:noFill/>
+        </p:spPr>
+        <p:txBody>
+          <a:bodyPr wrap="square" rtlCol="0">
+            <a:spAutoFit/>
+          </a:bodyPr>
+          <a:lstStyle/>
+          <a:p>
+            <a:r>
+              <a:rPr lang="en-AU" dirty="0"/>
+              <a:t>O5</a:t>
+            </a:r>
+          </a:p>
+        </p:txBody>
+      </p:sp>
+      <p:sp>
+        <p:nvSpPr>
+          <p:cNvPr id="19" name="TextBox 18">
+            <a:extLst>
+              <a:ext uri="{FF2B5EF4-FFF2-40B4-BE49-F238E27FC236}">
+                <a16:creationId xmlns:a16="http://schemas.microsoft.com/office/drawing/2014/main" id="{A2087CBC-C5DF-574A-BDD6-786E46B4A1F8}"/>
+              </a:ext>
+            </a:extLst>
+          </p:cNvPr>
+          <p:cNvSpPr txBox="1"/>
+          <p:nvPr/>
+        </p:nvSpPr>
+        <p:spPr>
+          <a:xfrm>
+            <a:off x="3349033" y="3423514"/>
+            <a:ext cx="466518" cy="369332"/>
+          </a:xfrm>
+          <a:prstGeom prst="rect">
+            <a:avLst/>
+          </a:prstGeom>
+          <a:noFill/>
+        </p:spPr>
+        <p:txBody>
+          <a:bodyPr wrap="square" rtlCol="0">
+            <a:spAutoFit/>
+          </a:bodyPr>
+          <a:lstStyle/>
+          <a:p>
+            <a:r>
+              <a:rPr lang="en-AU" dirty="0"/>
+              <a:t>O6</a:t>
+            </a:r>
+          </a:p>
+        </p:txBody>
+      </p:sp>
+      <p:sp>
+        <p:nvSpPr>
+          <p:cNvPr id="20" name="TextBox 19">
+            <a:extLst>
+              <a:ext uri="{FF2B5EF4-FFF2-40B4-BE49-F238E27FC236}">
+                <a16:creationId xmlns:a16="http://schemas.microsoft.com/office/drawing/2014/main" id="{3B025EB7-D319-3540-8105-6009DDC47831}"/>
+              </a:ext>
+            </a:extLst>
+          </p:cNvPr>
+          <p:cNvSpPr txBox="1"/>
+          <p:nvPr/>
+        </p:nvSpPr>
+        <p:spPr>
+          <a:xfrm>
+            <a:off x="1903841" y="4553690"/>
+            <a:ext cx="466518" cy="369332"/>
+          </a:xfrm>
+          <a:prstGeom prst="rect">
+            <a:avLst/>
+          </a:prstGeom>
+          <a:noFill/>
+        </p:spPr>
+        <p:txBody>
+          <a:bodyPr wrap="square" rtlCol="0">
+            <a:spAutoFit/>
+          </a:bodyPr>
+          <a:lstStyle/>
+          <a:p>
+            <a:r>
+              <a:rPr lang="en-AU" dirty="0"/>
+              <a:t>O7</a:t>
+            </a:r>
+          </a:p>
+        </p:txBody>
+      </p:sp>
+      <p:sp>
+        <p:nvSpPr>
+          <p:cNvPr id="21" name="TextBox 20">
+            <a:extLst>
+              <a:ext uri="{FF2B5EF4-FFF2-40B4-BE49-F238E27FC236}">
+                <a16:creationId xmlns:a16="http://schemas.microsoft.com/office/drawing/2014/main" id="{52AF208C-DBD1-3640-80BB-BFEF6E67AA82}"/>
+              </a:ext>
+            </a:extLst>
+          </p:cNvPr>
+          <p:cNvSpPr txBox="1"/>
+          <p:nvPr/>
+        </p:nvSpPr>
+        <p:spPr>
+          <a:xfrm>
+            <a:off x="3376672" y="6515556"/>
+            <a:ext cx="466518" cy="369332"/>
+          </a:xfrm>
+          <a:prstGeom prst="rect">
+            <a:avLst/>
+          </a:prstGeom>
+          <a:noFill/>
+        </p:spPr>
+        <p:txBody>
+          <a:bodyPr wrap="square" rtlCol="0">
+            <a:spAutoFit/>
+          </a:bodyPr>
+          <a:lstStyle/>
+          <a:p>
+            <a:r>
+              <a:rPr lang="en-AU" dirty="0">
+                <a:solidFill>
+                  <a:srgbClr val="0070C0"/>
+                </a:solidFill>
+              </a:rPr>
+              <a:t>D8</a:t>
+            </a:r>
+          </a:p>
+        </p:txBody>
+      </p:sp>
+      <p:sp>
+        <p:nvSpPr>
+          <p:cNvPr id="22" name="TextBox 21">
+            <a:extLst>
+              <a:ext uri="{FF2B5EF4-FFF2-40B4-BE49-F238E27FC236}">
+                <a16:creationId xmlns:a16="http://schemas.microsoft.com/office/drawing/2014/main" id="{329C0760-F363-5D42-B231-1684AA9C118C}"/>
+              </a:ext>
+            </a:extLst>
+          </p:cNvPr>
+          <p:cNvSpPr txBox="1"/>
+          <p:nvPr/>
+        </p:nvSpPr>
+        <p:spPr>
+          <a:xfrm>
+            <a:off x="4322370" y="5089673"/>
+            <a:ext cx="466518" cy="369332"/>
+          </a:xfrm>
+          <a:prstGeom prst="rect">
+            <a:avLst/>
+          </a:prstGeom>
+          <a:noFill/>
+        </p:spPr>
+        <p:txBody>
+          <a:bodyPr wrap="square" rtlCol="0">
+            <a:spAutoFit/>
+          </a:bodyPr>
+          <a:lstStyle/>
+          <a:p>
+            <a:r>
+              <a:rPr lang="en-AU" dirty="0">
+                <a:solidFill>
+                  <a:srgbClr val="0070C0"/>
+                </a:solidFill>
+              </a:rPr>
+              <a:t>D9</a:t>
+            </a:r>
+          </a:p>
+        </p:txBody>
+      </p:sp>
+      <p:sp>
+        <p:nvSpPr>
+          <p:cNvPr id="23" name="TextBox 22">
+            <a:extLst>
+              <a:ext uri="{FF2B5EF4-FFF2-40B4-BE49-F238E27FC236}">
+                <a16:creationId xmlns:a16="http://schemas.microsoft.com/office/drawing/2014/main" id="{7D0E6BA3-DC58-5548-9512-A62D90CF5E98}"/>
+              </a:ext>
+            </a:extLst>
+          </p:cNvPr>
+          <p:cNvSpPr txBox="1"/>
+          <p:nvPr/>
+        </p:nvSpPr>
+        <p:spPr>
+          <a:xfrm>
+            <a:off x="3422865" y="4849436"/>
+            <a:ext cx="616526" cy="369332"/>
+          </a:xfrm>
+          <a:prstGeom prst="rect">
+            <a:avLst/>
+          </a:prstGeom>
+          <a:noFill/>
+        </p:spPr>
+        <p:txBody>
+          <a:bodyPr wrap="square" rtlCol="0">
+            <a:spAutoFit/>
+          </a:bodyPr>
+          <a:lstStyle/>
+          <a:p>
+            <a:r>
+              <a:rPr lang="en-AU" dirty="0">
+                <a:solidFill>
+                  <a:srgbClr val="0070C0"/>
+                </a:solidFill>
+              </a:rPr>
+              <a:t>D10</a:t>
+            </a:r>
+          </a:p>
+        </p:txBody>
+      </p:sp>
+      <p:sp>
+        <p:nvSpPr>
+          <p:cNvPr id="24" name="TextBox 23">
+            <a:extLst>
+              <a:ext uri="{FF2B5EF4-FFF2-40B4-BE49-F238E27FC236}">
+                <a16:creationId xmlns:a16="http://schemas.microsoft.com/office/drawing/2014/main" id="{2F07E686-35A4-4245-871F-DFF71870B7E2}"/>
+              </a:ext>
+            </a:extLst>
+          </p:cNvPr>
+          <p:cNvSpPr txBox="1"/>
+          <p:nvPr/>
+        </p:nvSpPr>
+        <p:spPr>
+          <a:xfrm>
+            <a:off x="2165870" y="5972073"/>
+            <a:ext cx="616526" cy="369332"/>
+          </a:xfrm>
+          <a:prstGeom prst="rect">
+            <a:avLst/>
+          </a:prstGeom>
+          <a:noFill/>
+        </p:spPr>
+        <p:txBody>
+          <a:bodyPr wrap="square" rtlCol="0">
+            <a:spAutoFit/>
+          </a:bodyPr>
+          <a:lstStyle/>
+          <a:p>
+            <a:r>
+              <a:rPr lang="en-AU" dirty="0">
+                <a:solidFill>
+                  <a:srgbClr val="0070C0"/>
+                </a:solidFill>
+              </a:rPr>
+              <a:t>D11</a:t>
+            </a:r>
+          </a:p>
+        </p:txBody>
+      </p:sp>
+      <p:sp>
+        <p:nvSpPr>
+          <p:cNvPr id="25" name="TextBox 24">
+            <a:extLst>
+              <a:ext uri="{FF2B5EF4-FFF2-40B4-BE49-F238E27FC236}">
+                <a16:creationId xmlns:a16="http://schemas.microsoft.com/office/drawing/2014/main" id="{0752D762-AB6E-314A-9593-3121603F88E7}"/>
+              </a:ext>
+            </a:extLst>
+          </p:cNvPr>
+          <p:cNvSpPr txBox="1"/>
+          <p:nvPr/>
+        </p:nvSpPr>
+        <p:spPr>
+          <a:xfrm>
+            <a:off x="3754792" y="3659430"/>
+            <a:ext cx="616526" cy="369332"/>
+          </a:xfrm>
+          <a:prstGeom prst="rect">
+            <a:avLst/>
+          </a:prstGeom>
+          <a:noFill/>
+        </p:spPr>
+        <p:txBody>
+          <a:bodyPr wrap="square" rtlCol="0">
+            <a:spAutoFit/>
+          </a:bodyPr>
+          <a:lstStyle/>
+          <a:p>
+            <a:r>
+              <a:rPr lang="en-AU" dirty="0">
+                <a:solidFill>
+                  <a:srgbClr val="0070C0"/>
+                </a:solidFill>
+              </a:rPr>
+              <a:t>D12</a:t>
+            </a:r>
+          </a:p>
+        </p:txBody>
+      </p:sp>
+      <p:sp>
+        <p:nvSpPr>
+          <p:cNvPr id="26" name="TextBox 25">
+            <a:extLst>
+              <a:ext uri="{FF2B5EF4-FFF2-40B4-BE49-F238E27FC236}">
+                <a16:creationId xmlns:a16="http://schemas.microsoft.com/office/drawing/2014/main" id="{9DAF916B-52B3-584A-B384-14D8DBA2AF05}"/>
+              </a:ext>
+            </a:extLst>
+          </p:cNvPr>
+          <p:cNvSpPr txBox="1"/>
+          <p:nvPr/>
+        </p:nvSpPr>
+        <p:spPr>
+          <a:xfrm>
+            <a:off x="3622524" y="4003524"/>
+            <a:ext cx="616526" cy="369332"/>
+          </a:xfrm>
+          <a:prstGeom prst="rect">
+            <a:avLst/>
+          </a:prstGeom>
+          <a:noFill/>
+        </p:spPr>
+        <p:txBody>
+          <a:bodyPr wrap="square" rtlCol="0">
+            <a:spAutoFit/>
+          </a:bodyPr>
+          <a:lstStyle/>
+          <a:p>
+            <a:r>
+              <a:rPr lang="en-AU" dirty="0">
+                <a:solidFill>
+                  <a:srgbClr val="0070C0"/>
+                </a:solidFill>
+              </a:rPr>
+              <a:t>D13</a:t>
+            </a:r>
+          </a:p>
+        </p:txBody>
+      </p:sp>
+      <p:sp>
+        <p:nvSpPr>
+          <p:cNvPr id="27" name="TextBox 26">
+            <a:extLst>
+              <a:ext uri="{FF2B5EF4-FFF2-40B4-BE49-F238E27FC236}">
+                <a16:creationId xmlns:a16="http://schemas.microsoft.com/office/drawing/2014/main" id="{4E9E14C7-CBCA-234F-9806-A90D9C1DDF75}"/>
+              </a:ext>
+            </a:extLst>
+          </p:cNvPr>
+          <p:cNvSpPr txBox="1"/>
+          <p:nvPr/>
+        </p:nvSpPr>
+        <p:spPr>
+          <a:xfrm>
+            <a:off x="3161715" y="4283071"/>
+            <a:ext cx="616526" cy="369332"/>
+          </a:xfrm>
+          <a:prstGeom prst="rect">
+            <a:avLst/>
+          </a:prstGeom>
+          <a:noFill/>
+        </p:spPr>
+        <p:txBody>
+          <a:bodyPr wrap="square" rtlCol="0">
+            <a:spAutoFit/>
+          </a:bodyPr>
+          <a:lstStyle/>
+          <a:p>
+            <a:r>
+              <a:rPr lang="en-AU" dirty="0">
+                <a:solidFill>
+                  <a:srgbClr val="0070C0"/>
+                </a:solidFill>
+              </a:rPr>
+              <a:t>D14</a:t>
+            </a:r>
+          </a:p>
+        </p:txBody>
+      </p:sp>
+      <p:sp>
+        <p:nvSpPr>
+          <p:cNvPr id="40" name="Oval 39">
+            <a:extLst>
+              <a:ext uri="{FF2B5EF4-FFF2-40B4-BE49-F238E27FC236}">
+                <a16:creationId xmlns:a16="http://schemas.microsoft.com/office/drawing/2014/main" id="{F7991E49-51E5-B144-BF2D-90C81A5A6344}"/>
+              </a:ext>
+            </a:extLst>
+          </p:cNvPr>
+          <p:cNvSpPr/>
+          <p:nvPr/>
+        </p:nvSpPr>
+        <p:spPr>
+          <a:xfrm>
+            <a:off x="3314650" y="3685674"/>
+            <a:ext cx="180000" cy="180000"/>
+          </a:xfrm>
+          <a:prstGeom prst="ellipse">
+            <a:avLst/>
+          </a:prstGeom>
+          <a:solidFill>
+            <a:schemeClr val="tx1"/>
+          </a:solidFill>
+        </p:spPr>
+        <p:style>
+          <a:lnRef idx="2">
+            <a:schemeClr val="accent1">
+              <a:shade val="50000"/>
+            </a:schemeClr>
+          </a:lnRef>
+          <a:fillRef idx="1">
+            <a:schemeClr val="accent1"/>
+          </a:fillRef>
+          <a:effectRef idx="0">
+            <a:schemeClr val="accent1"/>
+          </a:effectRef>
+          <a:fontRef idx="minor">
+            <a:schemeClr val="lt1"/>
+          </a:fontRef>
+        </p:style>
+        <p:txBody>
+          <a:bodyPr rtlCol="0" anchor="ctr"/>
+          <a:lstStyle/>
+          <a:p>
+            <a:pPr algn="ctr"/>
+            <a:endParaRPr lang="en-AU"/>
+          </a:p>
+        </p:txBody>
+      </p:sp>
+      <p:sp>
+        <p:nvSpPr>
+          <p:cNvPr id="38" name="Arc 37">
+            <a:extLst>
+              <a:ext uri="{FF2B5EF4-FFF2-40B4-BE49-F238E27FC236}">
+                <a16:creationId xmlns:a16="http://schemas.microsoft.com/office/drawing/2014/main" id="{85BC15C3-9853-644A-A16D-0122200998AA}"/>
+              </a:ext>
+            </a:extLst>
+          </p:cNvPr>
+          <p:cNvSpPr/>
+          <p:nvPr/>
+        </p:nvSpPr>
+        <p:spPr>
+          <a:xfrm rot="17983725" flipH="1">
+            <a:off x="4296247" y="2647615"/>
+            <a:ext cx="2387143" cy="5343324"/>
+          </a:xfrm>
+          <a:prstGeom prst="arc">
+            <a:avLst>
+              <a:gd name="adj1" fmla="val 16131872"/>
+              <a:gd name="adj2" fmla="val 20258141"/>
+            </a:avLst>
+          </a:prstGeom>
+          <a:ln w="82550">
+            <a:solidFill>
+              <a:schemeClr val="tx1"/>
+            </a:solidFill>
+            <a:prstDash val="sysDot"/>
+            <a:tailEnd type="stealth"/>
+          </a:ln>
+        </p:spPr>
+        <p:style>
+          <a:lnRef idx="1">
+            <a:schemeClr val="accent1"/>
+          </a:lnRef>
+          <a:fillRef idx="0">
+            <a:schemeClr val="accent1"/>
+          </a:fillRef>
+          <a:effectRef idx="0">
+            <a:schemeClr val="accent1"/>
+          </a:effectRef>
+          <a:fontRef idx="minor">
+            <a:schemeClr val="tx1"/>
+          </a:fontRef>
+        </p:style>
+        <p:txBody>
+          <a:bodyPr rtlCol="0" anchor="ctr"/>
+          <a:lstStyle/>
+          <a:p>
+            <a:pPr algn="ctr"/>
+            <a:endParaRPr lang="en-AU"/>
+          </a:p>
+        </p:txBody>
+      </p:sp>
+      <p:cxnSp>
+        <p:nvCxnSpPr>
+          <p:cNvPr id="41" name="Straight Connector 40">
+            <a:extLst>
+              <a:ext uri="{FF2B5EF4-FFF2-40B4-BE49-F238E27FC236}">
+                <a16:creationId xmlns:a16="http://schemas.microsoft.com/office/drawing/2014/main" id="{0DA6ECE3-5073-1A4A-8AB8-7EEBEADCE3B9}"/>
+              </a:ext>
+            </a:extLst>
+          </p:cNvPr>
+          <p:cNvCxnSpPr>
+            <a:cxnSpLocks/>
+          </p:cNvCxnSpPr>
+          <p:nvPr/>
+        </p:nvCxnSpPr>
+        <p:spPr>
+          <a:xfrm>
+            <a:off x="5373127" y="294245"/>
+            <a:ext cx="0" cy="839561"/>
+          </a:xfrm>
+          <a:prstGeom prst="line">
+            <a:avLst/>
+          </a:prstGeom>
+          <a:ln w="60325">
+            <a:solidFill>
+              <a:srgbClr val="C00000"/>
+            </a:solidFill>
+            <a:headEnd type="stealth" w="lg" len="lg"/>
+          </a:ln>
+        </p:spPr>
+        <p:style>
+          <a:lnRef idx="1">
+            <a:schemeClr val="accent1"/>
+          </a:lnRef>
+          <a:fillRef idx="0">
+            <a:schemeClr val="accent1"/>
+          </a:fillRef>
+          <a:effectRef idx="0">
+            <a:schemeClr val="accent1"/>
+          </a:effectRef>
+          <a:fontRef idx="minor">
+            <a:schemeClr val="tx1"/>
+          </a:fontRef>
+        </p:style>
+      </p:cxnSp>
+      <p:sp>
+        <p:nvSpPr>
+          <p:cNvPr id="42" name="TextBox 41">
+            <a:extLst>
+              <a:ext uri="{FF2B5EF4-FFF2-40B4-BE49-F238E27FC236}">
+                <a16:creationId xmlns:a16="http://schemas.microsoft.com/office/drawing/2014/main" id="{202F7DA6-28E9-A14D-B2F3-6A88F109DF56}"/>
+              </a:ext>
+            </a:extLst>
+          </p:cNvPr>
+          <p:cNvSpPr txBox="1"/>
+          <p:nvPr/>
+        </p:nvSpPr>
+        <p:spPr>
+          <a:xfrm>
+            <a:off x="4446628" y="168836"/>
+            <a:ext cx="961755" cy="369332"/>
+          </a:xfrm>
+          <a:prstGeom prst="rect">
+            <a:avLst/>
+          </a:prstGeom>
+          <a:noFill/>
+        </p:spPr>
+        <p:txBody>
+          <a:bodyPr wrap="square" rtlCol="0">
+            <a:spAutoFit/>
+          </a:bodyPr>
+          <a:lstStyle/>
+          <a:p>
+            <a:r>
+              <a:rPr lang="en-AU" dirty="0">
+                <a:solidFill>
+                  <a:srgbClr val="C00000"/>
+                </a:solidFill>
+              </a:rPr>
+              <a:t>Upfield</a:t>
+            </a:r>
+          </a:p>
+        </p:txBody>
+      </p:sp>
+      <p:sp>
+        <p:nvSpPr>
+          <p:cNvPr id="43" name="TextBox 42">
+            <a:extLst>
+              <a:ext uri="{FF2B5EF4-FFF2-40B4-BE49-F238E27FC236}">
+                <a16:creationId xmlns:a16="http://schemas.microsoft.com/office/drawing/2014/main" id="{DD1EC9A5-79C9-1242-B6F2-E5E224E388FB}"/>
+              </a:ext>
+            </a:extLst>
+          </p:cNvPr>
+          <p:cNvSpPr txBox="1"/>
+          <p:nvPr/>
+        </p:nvSpPr>
+        <p:spPr>
+          <a:xfrm>
+            <a:off x="4288814" y="9291052"/>
+            <a:ext cx="1210561" cy="369332"/>
+          </a:xfrm>
+          <a:prstGeom prst="rect">
+            <a:avLst/>
+          </a:prstGeom>
+          <a:noFill/>
+        </p:spPr>
+        <p:txBody>
+          <a:bodyPr wrap="square" rtlCol="0">
+            <a:spAutoFit/>
+          </a:bodyPr>
+          <a:lstStyle/>
+          <a:p>
+            <a:r>
+              <a:rPr lang="en-AU" dirty="0">
+                <a:solidFill>
+                  <a:schemeClr val="accent6"/>
+                </a:solidFill>
+              </a:rPr>
+              <a:t>Downfield</a:t>
+            </a:r>
+          </a:p>
+        </p:txBody>
+      </p:sp>
+      <p:cxnSp>
+        <p:nvCxnSpPr>
+          <p:cNvPr id="44" name="Straight Connector 43">
+            <a:extLst>
+              <a:ext uri="{FF2B5EF4-FFF2-40B4-BE49-F238E27FC236}">
+                <a16:creationId xmlns:a16="http://schemas.microsoft.com/office/drawing/2014/main" id="{0F30EF98-D099-6B42-AC9C-D6A71369EEC9}"/>
+              </a:ext>
+            </a:extLst>
+          </p:cNvPr>
+          <p:cNvCxnSpPr>
+            <a:cxnSpLocks/>
+          </p:cNvCxnSpPr>
+          <p:nvPr/>
+        </p:nvCxnSpPr>
+        <p:spPr>
+          <a:xfrm flipV="1">
+            <a:off x="5373127" y="8373862"/>
+            <a:ext cx="0" cy="938269"/>
+          </a:xfrm>
+          <a:prstGeom prst="line">
+            <a:avLst/>
+          </a:prstGeom>
+          <a:ln w="60325">
+            <a:solidFill>
+              <a:srgbClr val="00B050"/>
+            </a:solidFill>
+            <a:headEnd type="stealth" w="lg" len="lg"/>
+          </a:ln>
+        </p:spPr>
+        <p:style>
+          <a:lnRef idx="1">
+            <a:schemeClr val="accent1"/>
+          </a:lnRef>
+          <a:fillRef idx="0">
+            <a:schemeClr val="accent1"/>
+          </a:fillRef>
+          <a:effectRef idx="0">
+            <a:schemeClr val="accent1"/>
+          </a:effectRef>
+          <a:fontRef idx="minor">
+            <a:schemeClr val="tx1"/>
+          </a:fontRef>
+        </p:style>
+      </p:cxnSp>
+      <p:sp>
+        <p:nvSpPr>
+          <p:cNvPr id="48" name="TextBox 47">
+            <a:extLst>
+              <a:ext uri="{FF2B5EF4-FFF2-40B4-BE49-F238E27FC236}">
+                <a16:creationId xmlns:a16="http://schemas.microsoft.com/office/drawing/2014/main" id="{64124B02-1C66-374E-B873-2B829CE5EE7B}"/>
+              </a:ext>
+            </a:extLst>
+          </p:cNvPr>
+          <p:cNvSpPr txBox="1"/>
+          <p:nvPr/>
+        </p:nvSpPr>
+        <p:spPr>
+          <a:xfrm>
+            <a:off x="4743488" y="8214170"/>
+            <a:ext cx="301212" cy="369332"/>
+          </a:xfrm>
+          <a:prstGeom prst="rect">
+            <a:avLst/>
+          </a:prstGeom>
+          <a:solidFill>
+            <a:schemeClr val="tx1"/>
+          </a:solidFill>
+        </p:spPr>
+        <p:txBody>
+          <a:bodyPr wrap="square" rtlCol="0">
+            <a:spAutoFit/>
+          </a:bodyPr>
+          <a:lstStyle/>
+          <a:p>
+            <a:r>
+              <a:rPr lang="en-AU" dirty="0">
+                <a:solidFill>
+                  <a:schemeClr val="bg1"/>
+                </a:solidFill>
+              </a:rPr>
+              <a:t>A</a:t>
+            </a:r>
+          </a:p>
+        </p:txBody>
+      </p:sp>
+      <p:sp>
+        <p:nvSpPr>
+          <p:cNvPr id="3" name="Arc 2">
+            <a:extLst>
+              <a:ext uri="{FF2B5EF4-FFF2-40B4-BE49-F238E27FC236}">
+                <a16:creationId xmlns:a16="http://schemas.microsoft.com/office/drawing/2014/main" id="{FD25C454-65A8-EA43-BA64-A2BA9DCFCA80}"/>
+              </a:ext>
+            </a:extLst>
+          </p:cNvPr>
+          <p:cNvSpPr/>
+          <p:nvPr/>
+        </p:nvSpPr>
+        <p:spPr>
+          <a:xfrm rot="5012082">
+            <a:off x="2217714" y="2730299"/>
+            <a:ext cx="1877363" cy="1440983"/>
+          </a:xfrm>
+          <a:prstGeom prst="arc">
+            <a:avLst/>
+          </a:prstGeom>
+        </p:spPr>
+        <p:style>
+          <a:lnRef idx="1">
+            <a:schemeClr val="accent1"/>
+          </a:lnRef>
+          <a:fillRef idx="0">
+            <a:schemeClr val="accent1"/>
+          </a:fillRef>
+          <a:effectRef idx="0">
+            <a:schemeClr val="accent1"/>
+          </a:effectRef>
+          <a:fontRef idx="minor">
+            <a:schemeClr val="tx1"/>
+          </a:fontRef>
+        </p:style>
+        <p:txBody>
+          <a:bodyPr rtlCol="0" anchor="ctr"/>
+          <a:lstStyle/>
+          <a:p>
+            <a:pPr algn="ctr"/>
+            <a:endParaRPr lang="en-AU"/>
+          </a:p>
+        </p:txBody>
+      </p:sp>
+      <p:sp>
+        <p:nvSpPr>
+          <p:cNvPr id="49" name="Arc 48">
+            <a:extLst>
+              <a:ext uri="{FF2B5EF4-FFF2-40B4-BE49-F238E27FC236}">
+                <a16:creationId xmlns:a16="http://schemas.microsoft.com/office/drawing/2014/main" id="{FEA17E22-D46D-2348-A5AF-C3BB9CA8DB7B}"/>
+              </a:ext>
+            </a:extLst>
+          </p:cNvPr>
+          <p:cNvSpPr/>
+          <p:nvPr/>
+        </p:nvSpPr>
+        <p:spPr>
+          <a:xfrm rot="17983725" flipH="1">
+            <a:off x="4170795" y="2708158"/>
+            <a:ext cx="4636080" cy="8000140"/>
+          </a:xfrm>
+          <a:prstGeom prst="arc">
+            <a:avLst>
+              <a:gd name="adj1" fmla="val 16131872"/>
+              <a:gd name="adj2" fmla="val 20258141"/>
+            </a:avLst>
+          </a:prstGeom>
+          <a:ln w="82550">
+            <a:solidFill>
+              <a:schemeClr val="tx1"/>
+            </a:solidFill>
+            <a:prstDash val="sysDot"/>
+            <a:tailEnd type="stealth"/>
+          </a:ln>
+        </p:spPr>
+        <p:style>
+          <a:lnRef idx="1">
+            <a:schemeClr val="accent1"/>
+          </a:lnRef>
+          <a:fillRef idx="0">
+            <a:schemeClr val="accent1"/>
+          </a:fillRef>
+          <a:effectRef idx="0">
+            <a:schemeClr val="accent1"/>
+          </a:effectRef>
+          <a:fontRef idx="minor">
+            <a:schemeClr val="tx1"/>
+          </a:fontRef>
+        </p:style>
+        <p:txBody>
+          <a:bodyPr rtlCol="0" anchor="ctr"/>
+          <a:lstStyle/>
+          <a:p>
+            <a:pPr algn="ctr"/>
+            <a:endParaRPr lang="en-AU"/>
+          </a:p>
+        </p:txBody>
+      </p:sp>
+      <p:cxnSp>
+        <p:nvCxnSpPr>
+          <p:cNvPr id="51" name="Straight Arrow Connector 50">
+            <a:extLst>
+              <a:ext uri="{FF2B5EF4-FFF2-40B4-BE49-F238E27FC236}">
+                <a16:creationId xmlns:a16="http://schemas.microsoft.com/office/drawing/2014/main" id="{58F9ED4B-F0B9-FF4F-8ABD-F40072E20DC3}"/>
+              </a:ext>
+            </a:extLst>
+          </p:cNvPr>
+          <p:cNvCxnSpPr>
+            <a:cxnSpLocks/>
+            <a:endCxn id="18" idx="1"/>
+          </p:cNvCxnSpPr>
+          <p:nvPr/>
+        </p:nvCxnSpPr>
+        <p:spPr>
+          <a:xfrm flipV="1">
+            <a:off x="3843190" y="3423514"/>
+            <a:ext cx="955819" cy="184666"/>
+          </a:xfrm>
+          <a:prstGeom prst="straightConnector1">
+            <a:avLst/>
+          </a:prstGeom>
+          <a:ln w="60325">
+            <a:solidFill>
+              <a:schemeClr val="bg1">
+                <a:lumMod val="50000"/>
+              </a:schemeClr>
+            </a:solidFill>
+            <a:prstDash val="sysDash"/>
+            <a:tailEnd type="triangle"/>
+          </a:ln>
+        </p:spPr>
+        <p:style>
+          <a:lnRef idx="1">
+            <a:schemeClr val="accent1"/>
+          </a:lnRef>
+          <a:fillRef idx="0">
+            <a:schemeClr val="accent1"/>
+          </a:fillRef>
+          <a:effectRef idx="0">
+            <a:schemeClr val="accent1"/>
+          </a:effectRef>
+          <a:fontRef idx="minor">
+            <a:schemeClr val="tx1"/>
+          </a:fontRef>
+        </p:style>
+      </p:cxnSp>
+      <p:cxnSp>
+        <p:nvCxnSpPr>
+          <p:cNvPr id="52" name="Straight Arrow Connector 51">
+            <a:extLst>
+              <a:ext uri="{FF2B5EF4-FFF2-40B4-BE49-F238E27FC236}">
+                <a16:creationId xmlns:a16="http://schemas.microsoft.com/office/drawing/2014/main" id="{02C569C0-B0AE-0647-A698-B455BC4E61BA}"/>
+              </a:ext>
+            </a:extLst>
+          </p:cNvPr>
+          <p:cNvCxnSpPr>
+            <a:cxnSpLocks/>
+          </p:cNvCxnSpPr>
+          <p:nvPr/>
+        </p:nvCxnSpPr>
+        <p:spPr>
+          <a:xfrm flipH="1">
+            <a:off x="4487468" y="3659430"/>
+            <a:ext cx="311542" cy="436357"/>
+          </a:xfrm>
+          <a:prstGeom prst="straightConnector1">
+            <a:avLst/>
+          </a:prstGeom>
+          <a:ln w="60325">
+            <a:solidFill>
+              <a:schemeClr val="bg1">
+                <a:lumMod val="50000"/>
+              </a:schemeClr>
+            </a:solidFill>
+            <a:prstDash val="sysDash"/>
+            <a:tailEnd type="triangle"/>
+          </a:ln>
+        </p:spPr>
+        <p:style>
+          <a:lnRef idx="1">
+            <a:schemeClr val="accent1"/>
+          </a:lnRef>
+          <a:fillRef idx="0">
+            <a:schemeClr val="accent1"/>
+          </a:fillRef>
+          <a:effectRef idx="0">
+            <a:schemeClr val="accent1"/>
+          </a:effectRef>
+          <a:fontRef idx="minor">
+            <a:schemeClr val="tx1"/>
+          </a:fontRef>
+        </p:style>
+      </p:cxnSp>
+      <p:cxnSp>
+        <p:nvCxnSpPr>
+          <p:cNvPr id="53" name="Straight Arrow Connector 52">
+            <a:extLst>
+              <a:ext uri="{FF2B5EF4-FFF2-40B4-BE49-F238E27FC236}">
+                <a16:creationId xmlns:a16="http://schemas.microsoft.com/office/drawing/2014/main" id="{2A9C5EA3-B2EB-2C4A-BAD8-DF85AA780E5F}"/>
+              </a:ext>
+            </a:extLst>
+          </p:cNvPr>
+          <p:cNvCxnSpPr>
+            <a:cxnSpLocks/>
+            <a:stCxn id="18" idx="2"/>
+            <a:endCxn id="15" idx="0"/>
+          </p:cNvCxnSpPr>
+          <p:nvPr/>
+        </p:nvCxnSpPr>
+        <p:spPr>
+          <a:xfrm>
+            <a:off x="5032268" y="3608180"/>
+            <a:ext cx="3720" cy="2372786"/>
+          </a:xfrm>
+          <a:prstGeom prst="straightConnector1">
+            <a:avLst/>
+          </a:prstGeom>
+          <a:ln w="60325">
+            <a:solidFill>
+              <a:schemeClr val="bg1">
+                <a:lumMod val="50000"/>
+              </a:schemeClr>
+            </a:solidFill>
+            <a:prstDash val="sysDash"/>
+            <a:tailEnd type="triangle"/>
+          </a:ln>
+        </p:spPr>
+        <p:style>
+          <a:lnRef idx="1">
+            <a:schemeClr val="accent1"/>
+          </a:lnRef>
+          <a:fillRef idx="0">
+            <a:schemeClr val="accent1"/>
+          </a:fillRef>
+          <a:effectRef idx="0">
+            <a:schemeClr val="accent1"/>
+          </a:effectRef>
+          <a:fontRef idx="minor">
+            <a:schemeClr val="tx1"/>
+          </a:fontRef>
+        </p:style>
+      </p:cxnSp>
+      <p:cxnSp>
+        <p:nvCxnSpPr>
+          <p:cNvPr id="54" name="Straight Arrow Connector 53">
+            <a:extLst>
+              <a:ext uri="{FF2B5EF4-FFF2-40B4-BE49-F238E27FC236}">
+                <a16:creationId xmlns:a16="http://schemas.microsoft.com/office/drawing/2014/main" id="{6B9CAAA3-CC30-C24F-93F7-B20E22330AF9}"/>
+              </a:ext>
+            </a:extLst>
+          </p:cNvPr>
+          <p:cNvCxnSpPr>
+            <a:cxnSpLocks/>
+          </p:cNvCxnSpPr>
+          <p:nvPr/>
+        </p:nvCxnSpPr>
+        <p:spPr>
+          <a:xfrm>
+            <a:off x="3560631" y="3844096"/>
+            <a:ext cx="713218" cy="334123"/>
+          </a:xfrm>
+          <a:prstGeom prst="straightConnector1">
+            <a:avLst/>
+          </a:prstGeom>
+          <a:ln w="60325">
+            <a:solidFill>
+              <a:schemeClr val="bg1">
+                <a:lumMod val="50000"/>
+              </a:schemeClr>
+            </a:solidFill>
+            <a:prstDash val="sysDash"/>
+            <a:tailEnd type="triangle"/>
+          </a:ln>
+        </p:spPr>
+        <p:style>
+          <a:lnRef idx="1">
+            <a:schemeClr val="accent1"/>
+          </a:lnRef>
+          <a:fillRef idx="0">
+            <a:schemeClr val="accent1"/>
+          </a:fillRef>
+          <a:effectRef idx="0">
+            <a:schemeClr val="accent1"/>
+          </a:effectRef>
+          <a:fontRef idx="minor">
+            <a:schemeClr val="tx1"/>
+          </a:fontRef>
+        </p:style>
+      </p:cxnSp>
+      <p:cxnSp>
+        <p:nvCxnSpPr>
+          <p:cNvPr id="55" name="Straight Arrow Connector 54">
+            <a:extLst>
+              <a:ext uri="{FF2B5EF4-FFF2-40B4-BE49-F238E27FC236}">
+                <a16:creationId xmlns:a16="http://schemas.microsoft.com/office/drawing/2014/main" id="{AB5F2E03-9FD8-4D4F-8FA4-0FCB78A41E6F}"/>
+              </a:ext>
+            </a:extLst>
+          </p:cNvPr>
+          <p:cNvCxnSpPr>
+            <a:cxnSpLocks/>
+            <a:endCxn id="16" idx="3"/>
+          </p:cNvCxnSpPr>
+          <p:nvPr/>
+        </p:nvCxnSpPr>
+        <p:spPr>
+          <a:xfrm flipH="1">
+            <a:off x="3867006" y="4461841"/>
+            <a:ext cx="392958" cy="351733"/>
+          </a:xfrm>
+          <a:prstGeom prst="straightConnector1">
+            <a:avLst/>
+          </a:prstGeom>
+          <a:ln w="60325">
+            <a:solidFill>
+              <a:schemeClr val="bg1">
+                <a:lumMod val="50000"/>
+              </a:schemeClr>
+            </a:solidFill>
+            <a:prstDash val="sysDash"/>
+            <a:tailEnd type="triangle"/>
+          </a:ln>
+        </p:spPr>
+        <p:style>
+          <a:lnRef idx="1">
+            <a:schemeClr val="accent1"/>
+          </a:lnRef>
+          <a:fillRef idx="0">
+            <a:schemeClr val="accent1"/>
+          </a:fillRef>
+          <a:effectRef idx="0">
+            <a:schemeClr val="accent1"/>
+          </a:effectRef>
+          <a:fontRef idx="minor">
+            <a:schemeClr val="tx1"/>
+          </a:fontRef>
+        </p:style>
+      </p:cxnSp>
+      <p:cxnSp>
+        <p:nvCxnSpPr>
+          <p:cNvPr id="59" name="Straight Arrow Connector 58">
+            <a:extLst>
+              <a:ext uri="{FF2B5EF4-FFF2-40B4-BE49-F238E27FC236}">
+                <a16:creationId xmlns:a16="http://schemas.microsoft.com/office/drawing/2014/main" id="{4A796488-3ABE-9840-AA9F-7A3FAF84712D}"/>
+              </a:ext>
+            </a:extLst>
+          </p:cNvPr>
+          <p:cNvCxnSpPr>
+            <a:cxnSpLocks/>
+          </p:cNvCxnSpPr>
+          <p:nvPr/>
+        </p:nvCxnSpPr>
+        <p:spPr>
+          <a:xfrm>
+            <a:off x="3824951" y="4817204"/>
+            <a:ext cx="987854" cy="1145432"/>
+          </a:xfrm>
+          <a:prstGeom prst="straightConnector1">
+            <a:avLst/>
+          </a:prstGeom>
+          <a:ln w="60325">
+            <a:solidFill>
+              <a:schemeClr val="bg1">
+                <a:lumMod val="50000"/>
+              </a:schemeClr>
+            </a:solidFill>
+            <a:prstDash val="sysDash"/>
+            <a:tailEnd type="triangle"/>
+          </a:ln>
+        </p:spPr>
+        <p:style>
+          <a:lnRef idx="1">
+            <a:schemeClr val="accent1"/>
+          </a:lnRef>
+          <a:fillRef idx="0">
+            <a:schemeClr val="accent1"/>
+          </a:fillRef>
+          <a:effectRef idx="0">
+            <a:schemeClr val="accent1"/>
+          </a:effectRef>
+          <a:fontRef idx="minor">
+            <a:schemeClr val="tx1"/>
+          </a:fontRef>
+        </p:style>
+      </p:cxnSp>
+      <p:cxnSp>
+        <p:nvCxnSpPr>
+          <p:cNvPr id="62" name="Straight Arrow Connector 61">
+            <a:extLst>
+              <a:ext uri="{FF2B5EF4-FFF2-40B4-BE49-F238E27FC236}">
+                <a16:creationId xmlns:a16="http://schemas.microsoft.com/office/drawing/2014/main" id="{D4EB2A2C-FE63-E24F-9999-DED7695BF0D9}"/>
+              </a:ext>
+            </a:extLst>
+          </p:cNvPr>
+          <p:cNvCxnSpPr>
+            <a:cxnSpLocks/>
+          </p:cNvCxnSpPr>
+          <p:nvPr/>
+        </p:nvCxnSpPr>
+        <p:spPr>
+          <a:xfrm>
+            <a:off x="3580219" y="3810206"/>
+            <a:ext cx="120482" cy="953822"/>
+          </a:xfrm>
+          <a:prstGeom prst="straightConnector1">
+            <a:avLst/>
+          </a:prstGeom>
+          <a:ln w="60325">
+            <a:solidFill>
+              <a:schemeClr val="bg1">
+                <a:lumMod val="50000"/>
+              </a:schemeClr>
+            </a:solidFill>
+            <a:prstDash val="sysDash"/>
+            <a:tailEnd type="triangle"/>
+          </a:ln>
+        </p:spPr>
+        <p:style>
+          <a:lnRef idx="1">
+            <a:schemeClr val="accent1"/>
+          </a:lnRef>
+          <a:fillRef idx="0">
+            <a:schemeClr val="accent1"/>
+          </a:fillRef>
+          <a:effectRef idx="0">
+            <a:schemeClr val="accent1"/>
+          </a:effectRef>
+          <a:fontRef idx="minor">
+            <a:schemeClr val="tx1"/>
+          </a:fontRef>
+        </p:style>
+      </p:cxnSp>
+      <p:cxnSp>
+        <p:nvCxnSpPr>
+          <p:cNvPr id="66" name="Straight Arrow Connector 65">
+            <a:extLst>
+              <a:ext uri="{FF2B5EF4-FFF2-40B4-BE49-F238E27FC236}">
+                <a16:creationId xmlns:a16="http://schemas.microsoft.com/office/drawing/2014/main" id="{24036167-ECE3-3140-BFE7-E5AE87915316}"/>
+              </a:ext>
+            </a:extLst>
+          </p:cNvPr>
+          <p:cNvCxnSpPr>
+            <a:cxnSpLocks/>
+          </p:cNvCxnSpPr>
+          <p:nvPr/>
+        </p:nvCxnSpPr>
+        <p:spPr>
+          <a:xfrm>
+            <a:off x="4588448" y="4270463"/>
+            <a:ext cx="328313" cy="1638421"/>
+          </a:xfrm>
+          <a:prstGeom prst="straightConnector1">
+            <a:avLst/>
+          </a:prstGeom>
+          <a:ln w="60325">
+            <a:solidFill>
+              <a:schemeClr val="bg1">
+                <a:lumMod val="50000"/>
+              </a:schemeClr>
+            </a:solidFill>
+            <a:prstDash val="sysDash"/>
+            <a:tailEnd type="triangle"/>
+          </a:ln>
+        </p:spPr>
+        <p:style>
+          <a:lnRef idx="1">
+            <a:schemeClr val="accent1"/>
+          </a:lnRef>
+          <a:fillRef idx="0">
+            <a:schemeClr val="accent1"/>
+          </a:fillRef>
+          <a:effectRef idx="0">
+            <a:schemeClr val="accent1"/>
+          </a:effectRef>
+          <a:fontRef idx="minor">
+            <a:schemeClr val="tx1"/>
+          </a:fontRef>
+        </p:style>
+      </p:cxnSp>
+      <p:sp>
+        <p:nvSpPr>
+          <p:cNvPr id="69" name="TextBox 68">
+            <a:extLst>
+              <a:ext uri="{FF2B5EF4-FFF2-40B4-BE49-F238E27FC236}">
+                <a16:creationId xmlns:a16="http://schemas.microsoft.com/office/drawing/2014/main" id="{1EE19450-6D4D-D244-9FB3-5698DCDD3FB6}"/>
+              </a:ext>
+            </a:extLst>
+          </p:cNvPr>
+          <p:cNvSpPr txBox="1"/>
+          <p:nvPr/>
+        </p:nvSpPr>
+        <p:spPr>
+          <a:xfrm>
+            <a:off x="2006368" y="8193699"/>
+            <a:ext cx="301212" cy="369332"/>
+          </a:xfrm>
+          <a:prstGeom prst="rect">
+            <a:avLst/>
+          </a:prstGeom>
+          <a:solidFill>
+            <a:schemeClr val="bg1">
+              <a:lumMod val="50000"/>
+            </a:schemeClr>
+          </a:solidFill>
+        </p:spPr>
+        <p:txBody>
+          <a:bodyPr wrap="square" rtlCol="0">
+            <a:spAutoFit/>
+          </a:bodyPr>
+          <a:lstStyle/>
+          <a:p>
+            <a:r>
+              <a:rPr lang="en-AU" dirty="0">
+                <a:solidFill>
+                  <a:schemeClr val="bg1"/>
+                </a:solidFill>
+              </a:rPr>
+              <a:t>B</a:t>
+            </a:r>
+          </a:p>
+        </p:txBody>
+      </p:sp>
+    </p:spTree>
+    <p:extLst>
+      <p:ext uri="{BB962C8B-B14F-4D97-AF65-F5344CB8AC3E}">
+        <p14:creationId xmlns:p14="http://schemas.microsoft.com/office/powerpoint/2010/main" val="3751403076"/>
+      </p:ext>
+    </p:extLst>
+  </p:cSld>
+  <p:clrMapOvr>
+    <a:masterClrMapping/>
+  </p:clrMapOvr>
+</p:sld>
+</file>
+
+<file path=ppt/slides/slide9.xml><?xml version="1.0" encoding="utf-8"?>
+<p:sld xmlns:a="http://schemas.openxmlformats.org/drawingml/2006/main" xmlns:r="http://schemas.openxmlformats.org/officeDocument/2006/relationships" xmlns:p="http://schemas.openxmlformats.org/presentationml/2006/main">
+  <p:cSld>
+    <p:spTree>
+      <p:nvGrpSpPr>
+        <p:cNvPr id="1" name=""/>
+        <p:cNvGrpSpPr/>
+        <p:nvPr/>
+      </p:nvGrpSpPr>
+      <p:grpSpPr>
+        <a:xfrm>
+          <a:off x="0" y="0"/>
+          <a:ext cx="0" cy="0"/>
+          <a:chOff x="0" y="0"/>
+          <a:chExt cx="0" cy="0"/>
+        </a:xfrm>
+      </p:grpSpPr>
+      <p:sp>
+        <p:nvSpPr>
+          <p:cNvPr id="4" name="Rounded Rectangle 3">
+            <a:extLst>
+              <a:ext uri="{FF2B5EF4-FFF2-40B4-BE49-F238E27FC236}">
+                <a16:creationId xmlns:a16="http://schemas.microsoft.com/office/drawing/2014/main" id="{70652F4E-8EA6-2C4D-A4F0-52433013FDED}"/>
+              </a:ext>
+            </a:extLst>
+          </p:cNvPr>
+          <p:cNvSpPr>
+            <a:spLocks noChangeAspect="1"/>
+          </p:cNvSpPr>
+          <p:nvPr/>
+        </p:nvSpPr>
+        <p:spPr>
+          <a:xfrm>
+            <a:off x="1953463" y="2114322"/>
+            <a:ext cx="3240000" cy="5604325"/>
+          </a:xfrm>
+          <a:prstGeom prst="roundRect">
+            <a:avLst/>
+          </a:prstGeom>
+          <a:noFill/>
+          <a:ln w="38100">
+            <a:solidFill>
+              <a:schemeClr val="tx1"/>
+            </a:solidFill>
+          </a:ln>
+        </p:spPr>
+        <p:style>
+          <a:lnRef idx="2">
+            <a:schemeClr val="accent1">
+              <a:shade val="50000"/>
+            </a:schemeClr>
+          </a:lnRef>
+          <a:fillRef idx="1">
+            <a:schemeClr val="accent1"/>
+          </a:fillRef>
+          <a:effectRef idx="0">
+            <a:schemeClr val="accent1"/>
+          </a:effectRef>
+          <a:fontRef idx="minor">
+            <a:schemeClr val="lt1"/>
+          </a:fontRef>
+        </p:style>
+        <p:txBody>
+          <a:bodyPr rtlCol="0" anchor="ctr"/>
+          <a:lstStyle/>
+          <a:p>
+            <a:pPr algn="ctr"/>
+            <a:endParaRPr lang="en-AU"/>
+          </a:p>
+        </p:txBody>
+      </p:sp>
+      <p:sp>
+        <p:nvSpPr>
+          <p:cNvPr id="5" name="Rounded Rectangle 4">
+            <a:extLst>
+              <a:ext uri="{FF2B5EF4-FFF2-40B4-BE49-F238E27FC236}">
+                <a16:creationId xmlns:a16="http://schemas.microsoft.com/office/drawing/2014/main" id="{3C953649-ED7C-3742-AAEA-8B243B81C427}"/>
+              </a:ext>
+            </a:extLst>
+          </p:cNvPr>
+          <p:cNvSpPr>
+            <a:spLocks noChangeAspect="1"/>
+          </p:cNvSpPr>
+          <p:nvPr/>
+        </p:nvSpPr>
+        <p:spPr>
+          <a:xfrm>
+            <a:off x="1953463" y="7718649"/>
+            <a:ext cx="3240000" cy="1576217"/>
+          </a:xfrm>
+          <a:prstGeom prst="roundRect">
+            <a:avLst/>
+          </a:prstGeom>
+          <a:solidFill>
+            <a:schemeClr val="accent6">
+              <a:lumMod val="40000"/>
+              <a:lumOff val="60000"/>
+            </a:schemeClr>
+          </a:solidFill>
+          <a:ln w="38100">
+            <a:solidFill>
+              <a:schemeClr val="tx1"/>
+            </a:solidFill>
+          </a:ln>
+        </p:spPr>
+        <p:style>
+          <a:lnRef idx="2">
+            <a:schemeClr val="accent1">
+              <a:shade val="50000"/>
+            </a:schemeClr>
+          </a:lnRef>
+          <a:fillRef idx="1">
+            <a:schemeClr val="accent1"/>
+          </a:fillRef>
+          <a:effectRef idx="0">
+            <a:schemeClr val="accent1"/>
+          </a:effectRef>
+          <a:fontRef idx="minor">
+            <a:schemeClr val="lt1"/>
+          </a:fontRef>
+        </p:style>
+        <p:txBody>
+          <a:bodyPr rtlCol="0" anchor="ctr"/>
+          <a:lstStyle/>
+          <a:p>
+            <a:pPr algn="ctr"/>
+            <a:endParaRPr lang="en-AU"/>
+          </a:p>
+        </p:txBody>
+      </p:sp>
+      <p:sp>
+        <p:nvSpPr>
+          <p:cNvPr id="6" name="Rounded Rectangle 5">
+            <a:extLst>
+              <a:ext uri="{FF2B5EF4-FFF2-40B4-BE49-F238E27FC236}">
+                <a16:creationId xmlns:a16="http://schemas.microsoft.com/office/drawing/2014/main" id="{781AE066-2F6F-CD4A-8C9D-2174A5C270BE}"/>
+              </a:ext>
+            </a:extLst>
+          </p:cNvPr>
+          <p:cNvSpPr>
+            <a:spLocks noChangeAspect="1"/>
+          </p:cNvSpPr>
+          <p:nvPr/>
+        </p:nvSpPr>
+        <p:spPr>
+          <a:xfrm>
+            <a:off x="1953463" y="520745"/>
+            <a:ext cx="3240000" cy="1576217"/>
+          </a:xfrm>
+          <a:prstGeom prst="roundRect">
+            <a:avLst/>
+          </a:prstGeom>
+          <a:solidFill>
+            <a:srgbClr val="FF0000"/>
+          </a:solidFill>
+          <a:ln w="38100">
+            <a:solidFill>
+              <a:schemeClr val="tx1"/>
+            </a:solidFill>
+          </a:ln>
+        </p:spPr>
+        <p:style>
+          <a:lnRef idx="2">
+            <a:schemeClr val="accent1">
+              <a:shade val="50000"/>
+            </a:schemeClr>
+          </a:lnRef>
+          <a:fillRef idx="1">
+            <a:schemeClr val="accent1"/>
+          </a:fillRef>
+          <a:effectRef idx="0">
+            <a:schemeClr val="accent1"/>
+          </a:effectRef>
+          <a:fontRef idx="minor">
+            <a:schemeClr val="lt1"/>
+          </a:fontRef>
+        </p:style>
+        <p:txBody>
+          <a:bodyPr rtlCol="0" anchor="ctr"/>
+          <a:lstStyle/>
+          <a:p>
+            <a:pPr algn="ctr"/>
+            <a:endParaRPr lang="en-AU" dirty="0"/>
+          </a:p>
+        </p:txBody>
+      </p:sp>
+      <p:sp>
+        <p:nvSpPr>
+          <p:cNvPr id="7" name="Rounded Rectangle 6">
+            <a:extLst>
+              <a:ext uri="{FF2B5EF4-FFF2-40B4-BE49-F238E27FC236}">
+                <a16:creationId xmlns:a16="http://schemas.microsoft.com/office/drawing/2014/main" id="{58A277D1-08DF-1A43-AFBF-E7F4DE2FD6BB}"/>
+              </a:ext>
+            </a:extLst>
+          </p:cNvPr>
+          <p:cNvSpPr>
+            <a:spLocks noChangeAspect="1"/>
+          </p:cNvSpPr>
+          <p:nvPr/>
+        </p:nvSpPr>
+        <p:spPr>
+          <a:xfrm>
+            <a:off x="1524892" y="101296"/>
+            <a:ext cx="4114800" cy="9630383"/>
+          </a:xfrm>
+          <a:prstGeom prst="roundRect">
+            <a:avLst/>
+          </a:prstGeom>
+          <a:noFill/>
+          <a:ln w="38100">
+            <a:solidFill>
+              <a:schemeClr val="bg1">
+                <a:lumMod val="50000"/>
+              </a:schemeClr>
+            </a:solidFill>
+            <a:prstDash val="sysDot"/>
+          </a:ln>
+        </p:spPr>
+        <p:style>
+          <a:lnRef idx="2">
+            <a:schemeClr val="accent1">
+              <a:shade val="50000"/>
+            </a:schemeClr>
+          </a:lnRef>
+          <a:fillRef idx="1">
+            <a:schemeClr val="accent1"/>
+          </a:fillRef>
+          <a:effectRef idx="0">
+            <a:schemeClr val="accent1"/>
+          </a:effectRef>
+          <a:fontRef idx="minor">
+            <a:schemeClr val="lt1"/>
+          </a:fontRef>
+        </p:style>
+        <p:txBody>
+          <a:bodyPr rtlCol="0" anchor="ctr"/>
+          <a:lstStyle/>
+          <a:p>
+            <a:pPr algn="ctr"/>
+            <a:endParaRPr lang="en-AU"/>
+          </a:p>
+        </p:txBody>
+      </p:sp>
+      <p:sp>
+        <p:nvSpPr>
+          <p:cNvPr id="12" name="Multiply 11">
+            <a:extLst>
+              <a:ext uri="{FF2B5EF4-FFF2-40B4-BE49-F238E27FC236}">
+                <a16:creationId xmlns:a16="http://schemas.microsoft.com/office/drawing/2014/main" id="{782966C4-8BAB-EC4A-B3CC-ECB9FD404B1E}"/>
+              </a:ext>
+            </a:extLst>
+          </p:cNvPr>
+          <p:cNvSpPr/>
+          <p:nvPr/>
+        </p:nvSpPr>
+        <p:spPr>
+          <a:xfrm>
+            <a:off x="3198571" y="5737186"/>
+            <a:ext cx="767443" cy="849086"/>
+          </a:xfrm>
+          <a:prstGeom prst="mathMultiply">
+            <a:avLst/>
+          </a:prstGeom>
+          <a:noFill/>
+        </p:spPr>
+        <p:style>
+          <a:lnRef idx="2">
+            <a:schemeClr val="accent1">
+              <a:shade val="50000"/>
+            </a:schemeClr>
+          </a:lnRef>
+          <a:fillRef idx="1">
+            <a:schemeClr val="accent1"/>
+          </a:fillRef>
+          <a:effectRef idx="0">
+            <a:schemeClr val="accent1"/>
+          </a:effectRef>
+          <a:fontRef idx="minor">
+            <a:schemeClr val="lt1"/>
+          </a:fontRef>
+        </p:style>
+        <p:txBody>
+          <a:bodyPr rtlCol="0" anchor="ctr"/>
+          <a:lstStyle/>
+          <a:p>
+            <a:pPr algn="ctr"/>
+            <a:endParaRPr lang="en-AU"/>
+          </a:p>
+        </p:txBody>
+      </p:sp>
+      <p:sp>
+        <p:nvSpPr>
+          <p:cNvPr id="13" name="Multiply 12">
+            <a:extLst>
+              <a:ext uri="{FF2B5EF4-FFF2-40B4-BE49-F238E27FC236}">
+                <a16:creationId xmlns:a16="http://schemas.microsoft.com/office/drawing/2014/main" id="{711FF500-E426-0D44-916C-B24A7A610DF5}"/>
+              </a:ext>
+            </a:extLst>
+          </p:cNvPr>
+          <p:cNvSpPr/>
+          <p:nvPr/>
+        </p:nvSpPr>
+        <p:spPr>
+          <a:xfrm>
+            <a:off x="3192236" y="3246701"/>
+            <a:ext cx="767443" cy="849086"/>
+          </a:xfrm>
+          <a:prstGeom prst="mathMultiply">
+            <a:avLst/>
+          </a:prstGeom>
+          <a:noFill/>
+        </p:spPr>
+        <p:style>
+          <a:lnRef idx="2">
+            <a:schemeClr val="accent1">
+              <a:shade val="50000"/>
+            </a:schemeClr>
+          </a:lnRef>
+          <a:fillRef idx="1">
+            <a:schemeClr val="accent1"/>
+          </a:fillRef>
+          <a:effectRef idx="0">
+            <a:schemeClr val="accent1"/>
+          </a:effectRef>
+          <a:fontRef idx="minor">
+            <a:schemeClr val="lt1"/>
+          </a:fontRef>
+        </p:style>
+        <p:txBody>
+          <a:bodyPr rtlCol="0" anchor="ctr"/>
+          <a:lstStyle/>
+          <a:p>
+            <a:pPr algn="ctr"/>
+            <a:endParaRPr lang="en-AU"/>
+          </a:p>
+        </p:txBody>
+      </p:sp>
+      <p:sp>
+        <p:nvSpPr>
+          <p:cNvPr id="14" name="TextBox 13">
+            <a:extLst>
+              <a:ext uri="{FF2B5EF4-FFF2-40B4-BE49-F238E27FC236}">
+                <a16:creationId xmlns:a16="http://schemas.microsoft.com/office/drawing/2014/main" id="{CC9FDAD2-F231-6B43-92F7-C2C2863676C2}"/>
+              </a:ext>
+            </a:extLst>
+          </p:cNvPr>
+          <p:cNvSpPr txBox="1"/>
+          <p:nvPr/>
+        </p:nvSpPr>
+        <p:spPr>
+          <a:xfrm>
+            <a:off x="3582292" y="7938242"/>
+            <a:ext cx="517182" cy="369332"/>
+          </a:xfrm>
+          <a:prstGeom prst="rect">
+            <a:avLst/>
+          </a:prstGeom>
+          <a:noFill/>
+        </p:spPr>
+        <p:txBody>
+          <a:bodyPr wrap="square" rtlCol="0">
+            <a:spAutoFit/>
+          </a:bodyPr>
+          <a:lstStyle/>
+          <a:p>
+            <a:r>
+              <a:rPr lang="en-AU" dirty="0"/>
+              <a:t>O2</a:t>
+            </a:r>
+          </a:p>
+        </p:txBody>
+      </p:sp>
+      <p:sp>
+        <p:nvSpPr>
+          <p:cNvPr id="15" name="TextBox 14">
+            <a:extLst>
+              <a:ext uri="{FF2B5EF4-FFF2-40B4-BE49-F238E27FC236}">
+                <a16:creationId xmlns:a16="http://schemas.microsoft.com/office/drawing/2014/main" id="{3986F052-18AA-4443-A26B-C88FE17F207D}"/>
+              </a:ext>
+            </a:extLst>
+          </p:cNvPr>
+          <p:cNvSpPr txBox="1"/>
+          <p:nvPr/>
+        </p:nvSpPr>
+        <p:spPr>
+          <a:xfrm>
+            <a:off x="4712539" y="8939728"/>
+            <a:ext cx="466518" cy="369332"/>
+          </a:xfrm>
+          <a:prstGeom prst="rect">
+            <a:avLst/>
+          </a:prstGeom>
+          <a:solidFill>
+            <a:schemeClr val="tx1"/>
+          </a:solidFill>
+        </p:spPr>
+        <p:txBody>
+          <a:bodyPr wrap="square" rtlCol="0">
+            <a:spAutoFit/>
+          </a:bodyPr>
+          <a:lstStyle/>
+          <a:p>
+            <a:r>
+              <a:rPr lang="en-AU" dirty="0">
+                <a:solidFill>
+                  <a:schemeClr val="bg1"/>
+                </a:solidFill>
+              </a:rPr>
+              <a:t>O1</a:t>
+            </a:r>
+          </a:p>
+        </p:txBody>
+      </p:sp>
+      <p:sp>
+        <p:nvSpPr>
+          <p:cNvPr id="16" name="TextBox 15">
+            <a:extLst>
+              <a:ext uri="{FF2B5EF4-FFF2-40B4-BE49-F238E27FC236}">
+                <a16:creationId xmlns:a16="http://schemas.microsoft.com/office/drawing/2014/main" id="{EEF04ED5-E466-A243-9D27-7184F13C1262}"/>
+              </a:ext>
+            </a:extLst>
+          </p:cNvPr>
+          <p:cNvSpPr txBox="1"/>
+          <p:nvPr/>
+        </p:nvSpPr>
+        <p:spPr>
+          <a:xfrm>
+            <a:off x="2737609" y="7753576"/>
+            <a:ext cx="517182" cy="369332"/>
+          </a:xfrm>
+          <a:prstGeom prst="rect">
+            <a:avLst/>
+          </a:prstGeom>
+          <a:noFill/>
+        </p:spPr>
+        <p:txBody>
+          <a:bodyPr wrap="square" rtlCol="0">
+            <a:spAutoFit/>
+          </a:bodyPr>
+          <a:lstStyle/>
+          <a:p>
+            <a:r>
+              <a:rPr lang="en-AU" dirty="0"/>
+              <a:t>O3</a:t>
+            </a:r>
+          </a:p>
+        </p:txBody>
+      </p:sp>
+      <p:sp>
+        <p:nvSpPr>
+          <p:cNvPr id="17" name="TextBox 16">
+            <a:extLst>
+              <a:ext uri="{FF2B5EF4-FFF2-40B4-BE49-F238E27FC236}">
+                <a16:creationId xmlns:a16="http://schemas.microsoft.com/office/drawing/2014/main" id="{7AB684D8-9879-0C4A-9489-F87A8809D064}"/>
+              </a:ext>
+            </a:extLst>
+          </p:cNvPr>
+          <p:cNvSpPr txBox="1"/>
+          <p:nvPr/>
+        </p:nvSpPr>
+        <p:spPr>
+          <a:xfrm>
+            <a:off x="1921464" y="8904742"/>
+            <a:ext cx="466518" cy="369332"/>
+          </a:xfrm>
+          <a:prstGeom prst="rect">
+            <a:avLst/>
+          </a:prstGeom>
+          <a:noFill/>
+        </p:spPr>
+        <p:txBody>
+          <a:bodyPr wrap="square" rtlCol="0">
+            <a:spAutoFit/>
+          </a:bodyPr>
+          <a:lstStyle/>
+          <a:p>
+            <a:r>
+              <a:rPr lang="en-AU" dirty="0"/>
+              <a:t>O4</a:t>
+            </a:r>
+          </a:p>
+        </p:txBody>
+      </p:sp>
+      <p:sp>
+        <p:nvSpPr>
+          <p:cNvPr id="18" name="TextBox 17">
+            <a:extLst>
+              <a:ext uri="{FF2B5EF4-FFF2-40B4-BE49-F238E27FC236}">
+                <a16:creationId xmlns:a16="http://schemas.microsoft.com/office/drawing/2014/main" id="{F387E253-DCE8-A344-84ED-5DB76FED00C0}"/>
+              </a:ext>
+            </a:extLst>
+          </p:cNvPr>
+          <p:cNvSpPr txBox="1"/>
+          <p:nvPr/>
+        </p:nvSpPr>
+        <p:spPr>
+          <a:xfrm>
+            <a:off x="4631644" y="7295849"/>
+            <a:ext cx="466518" cy="369332"/>
+          </a:xfrm>
+          <a:prstGeom prst="rect">
+            <a:avLst/>
+          </a:prstGeom>
+          <a:noFill/>
+        </p:spPr>
+        <p:txBody>
+          <a:bodyPr wrap="square" rtlCol="0">
+            <a:spAutoFit/>
+          </a:bodyPr>
+          <a:lstStyle/>
+          <a:p>
+            <a:r>
+              <a:rPr lang="en-AU" dirty="0"/>
+              <a:t>O5</a:t>
+            </a:r>
+          </a:p>
+        </p:txBody>
+      </p:sp>
+      <p:sp>
+        <p:nvSpPr>
+          <p:cNvPr id="19" name="TextBox 18">
+            <a:extLst>
+              <a:ext uri="{FF2B5EF4-FFF2-40B4-BE49-F238E27FC236}">
+                <a16:creationId xmlns:a16="http://schemas.microsoft.com/office/drawing/2014/main" id="{A2087CBC-C5DF-574A-BDD6-786E46B4A1F8}"/>
+              </a:ext>
+            </a:extLst>
+          </p:cNvPr>
+          <p:cNvSpPr txBox="1"/>
+          <p:nvPr/>
+        </p:nvSpPr>
+        <p:spPr>
+          <a:xfrm>
+            <a:off x="3392984" y="6723584"/>
+            <a:ext cx="466518" cy="369332"/>
+          </a:xfrm>
+          <a:prstGeom prst="rect">
+            <a:avLst/>
+          </a:prstGeom>
+          <a:noFill/>
+        </p:spPr>
+        <p:txBody>
+          <a:bodyPr wrap="square" rtlCol="0">
+            <a:spAutoFit/>
+          </a:bodyPr>
+          <a:lstStyle/>
+          <a:p>
+            <a:r>
+              <a:rPr lang="en-AU" dirty="0"/>
+              <a:t>O6</a:t>
+            </a:r>
+          </a:p>
+        </p:txBody>
+      </p:sp>
+      <p:sp>
+        <p:nvSpPr>
+          <p:cNvPr id="20" name="TextBox 19">
+            <a:extLst>
+              <a:ext uri="{FF2B5EF4-FFF2-40B4-BE49-F238E27FC236}">
+                <a16:creationId xmlns:a16="http://schemas.microsoft.com/office/drawing/2014/main" id="{3B025EB7-D319-3540-8105-6009DDC47831}"/>
+              </a:ext>
+            </a:extLst>
+          </p:cNvPr>
+          <p:cNvSpPr txBox="1"/>
+          <p:nvPr/>
+        </p:nvSpPr>
+        <p:spPr>
+          <a:xfrm>
+            <a:off x="2098322" y="7281836"/>
+            <a:ext cx="466518" cy="369332"/>
+          </a:xfrm>
+          <a:prstGeom prst="rect">
+            <a:avLst/>
+          </a:prstGeom>
+          <a:noFill/>
+        </p:spPr>
+        <p:txBody>
+          <a:bodyPr wrap="square" rtlCol="0">
+            <a:spAutoFit/>
+          </a:bodyPr>
+          <a:lstStyle/>
+          <a:p>
+            <a:r>
+              <a:rPr lang="en-AU" dirty="0"/>
+              <a:t>O7</a:t>
+            </a:r>
+          </a:p>
+        </p:txBody>
+      </p:sp>
+      <p:sp>
+        <p:nvSpPr>
+          <p:cNvPr id="21" name="TextBox 20">
+            <a:extLst>
+              <a:ext uri="{FF2B5EF4-FFF2-40B4-BE49-F238E27FC236}">
+                <a16:creationId xmlns:a16="http://schemas.microsoft.com/office/drawing/2014/main" id="{52AF208C-DBD1-3640-80BB-BFEF6E67AA82}"/>
+              </a:ext>
+            </a:extLst>
+          </p:cNvPr>
+          <p:cNvSpPr txBox="1"/>
+          <p:nvPr/>
+        </p:nvSpPr>
+        <p:spPr>
+          <a:xfrm>
+            <a:off x="2446466" y="8720076"/>
+            <a:ext cx="466518" cy="369332"/>
+          </a:xfrm>
+          <a:prstGeom prst="rect">
+            <a:avLst/>
+          </a:prstGeom>
+          <a:noFill/>
+        </p:spPr>
+        <p:txBody>
+          <a:bodyPr wrap="square" rtlCol="0">
+            <a:spAutoFit/>
+          </a:bodyPr>
+          <a:lstStyle/>
+          <a:p>
+            <a:r>
+              <a:rPr lang="en-AU" dirty="0">
+                <a:solidFill>
+                  <a:srgbClr val="0070C0"/>
+                </a:solidFill>
+              </a:rPr>
+              <a:t>D8</a:t>
+            </a:r>
+          </a:p>
+        </p:txBody>
+      </p:sp>
+      <p:sp>
+        <p:nvSpPr>
+          <p:cNvPr id="22" name="TextBox 21">
+            <a:extLst>
+              <a:ext uri="{FF2B5EF4-FFF2-40B4-BE49-F238E27FC236}">
+                <a16:creationId xmlns:a16="http://schemas.microsoft.com/office/drawing/2014/main" id="{329C0760-F363-5D42-B231-1684AA9C118C}"/>
+              </a:ext>
+            </a:extLst>
+          </p:cNvPr>
+          <p:cNvSpPr txBox="1"/>
+          <p:nvPr/>
+        </p:nvSpPr>
+        <p:spPr>
+          <a:xfrm>
+            <a:off x="4479280" y="8300655"/>
+            <a:ext cx="466518" cy="369332"/>
+          </a:xfrm>
+          <a:prstGeom prst="rect">
+            <a:avLst/>
+          </a:prstGeom>
+          <a:noFill/>
+        </p:spPr>
+        <p:txBody>
+          <a:bodyPr wrap="square" rtlCol="0">
+            <a:spAutoFit/>
+          </a:bodyPr>
+          <a:lstStyle/>
+          <a:p>
+            <a:r>
+              <a:rPr lang="en-AU" dirty="0">
+                <a:solidFill>
+                  <a:srgbClr val="0070C0"/>
+                </a:solidFill>
+              </a:rPr>
+              <a:t>D9</a:t>
+            </a:r>
+          </a:p>
+        </p:txBody>
+      </p:sp>
+      <p:sp>
+        <p:nvSpPr>
+          <p:cNvPr id="23" name="TextBox 22">
+            <a:extLst>
+              <a:ext uri="{FF2B5EF4-FFF2-40B4-BE49-F238E27FC236}">
+                <a16:creationId xmlns:a16="http://schemas.microsoft.com/office/drawing/2014/main" id="{7D0E6BA3-DC58-5548-9512-A62D90CF5E98}"/>
+              </a:ext>
+            </a:extLst>
+          </p:cNvPr>
+          <p:cNvSpPr txBox="1"/>
+          <p:nvPr/>
+        </p:nvSpPr>
+        <p:spPr>
+          <a:xfrm>
+            <a:off x="3107054" y="8001845"/>
+            <a:ext cx="616526" cy="369332"/>
+          </a:xfrm>
+          <a:prstGeom prst="rect">
+            <a:avLst/>
+          </a:prstGeom>
+          <a:noFill/>
+        </p:spPr>
+        <p:txBody>
+          <a:bodyPr wrap="square" rtlCol="0">
+            <a:spAutoFit/>
+          </a:bodyPr>
+          <a:lstStyle/>
+          <a:p>
+            <a:r>
+              <a:rPr lang="en-AU" dirty="0">
+                <a:solidFill>
+                  <a:srgbClr val="0070C0"/>
+                </a:solidFill>
+              </a:rPr>
+              <a:t>D10</a:t>
+            </a:r>
+          </a:p>
+        </p:txBody>
+      </p:sp>
+      <p:sp>
+        <p:nvSpPr>
+          <p:cNvPr id="24" name="TextBox 23">
+            <a:extLst>
+              <a:ext uri="{FF2B5EF4-FFF2-40B4-BE49-F238E27FC236}">
+                <a16:creationId xmlns:a16="http://schemas.microsoft.com/office/drawing/2014/main" id="{2F07E686-35A4-4245-871F-DFF71870B7E2}"/>
+              </a:ext>
+            </a:extLst>
+          </p:cNvPr>
+          <p:cNvSpPr txBox="1"/>
+          <p:nvPr/>
+        </p:nvSpPr>
+        <p:spPr>
+          <a:xfrm>
+            <a:off x="2296458" y="7779338"/>
+            <a:ext cx="616526" cy="369332"/>
+          </a:xfrm>
+          <a:prstGeom prst="rect">
+            <a:avLst/>
+          </a:prstGeom>
+          <a:noFill/>
+        </p:spPr>
+        <p:txBody>
+          <a:bodyPr wrap="square" rtlCol="0">
+            <a:spAutoFit/>
+          </a:bodyPr>
+          <a:lstStyle/>
+          <a:p>
+            <a:r>
+              <a:rPr lang="en-AU" dirty="0">
+                <a:solidFill>
+                  <a:srgbClr val="0070C0"/>
+                </a:solidFill>
+              </a:rPr>
+              <a:t>D11</a:t>
+            </a:r>
+          </a:p>
+        </p:txBody>
+      </p:sp>
+      <p:sp>
+        <p:nvSpPr>
+          <p:cNvPr id="25" name="TextBox 24">
+            <a:extLst>
+              <a:ext uri="{FF2B5EF4-FFF2-40B4-BE49-F238E27FC236}">
+                <a16:creationId xmlns:a16="http://schemas.microsoft.com/office/drawing/2014/main" id="{0752D762-AB6E-314A-9593-3121603F88E7}"/>
+              </a:ext>
+            </a:extLst>
+          </p:cNvPr>
+          <p:cNvSpPr txBox="1"/>
+          <p:nvPr/>
+        </p:nvSpPr>
+        <p:spPr>
+          <a:xfrm>
+            <a:off x="3707495" y="6796769"/>
+            <a:ext cx="616526" cy="369332"/>
+          </a:xfrm>
+          <a:prstGeom prst="rect">
+            <a:avLst/>
+          </a:prstGeom>
+          <a:noFill/>
+        </p:spPr>
+        <p:txBody>
+          <a:bodyPr wrap="square" rtlCol="0">
+            <a:spAutoFit/>
+          </a:bodyPr>
+          <a:lstStyle/>
+          <a:p>
+            <a:r>
+              <a:rPr lang="en-AU" dirty="0">
+                <a:solidFill>
+                  <a:srgbClr val="0070C0"/>
+                </a:solidFill>
+              </a:rPr>
+              <a:t>D12</a:t>
+            </a:r>
+          </a:p>
+        </p:txBody>
+      </p:sp>
+      <p:sp>
+        <p:nvSpPr>
+          <p:cNvPr id="26" name="TextBox 25">
+            <a:extLst>
+              <a:ext uri="{FF2B5EF4-FFF2-40B4-BE49-F238E27FC236}">
+                <a16:creationId xmlns:a16="http://schemas.microsoft.com/office/drawing/2014/main" id="{9DAF916B-52B3-584A-B384-14D8DBA2AF05}"/>
+              </a:ext>
+            </a:extLst>
+          </p:cNvPr>
+          <p:cNvSpPr txBox="1"/>
+          <p:nvPr/>
+        </p:nvSpPr>
+        <p:spPr>
+          <a:xfrm>
+            <a:off x="3527850" y="7238950"/>
+            <a:ext cx="616526" cy="369332"/>
+          </a:xfrm>
+          <a:prstGeom prst="rect">
+            <a:avLst/>
+          </a:prstGeom>
+          <a:noFill/>
+        </p:spPr>
+        <p:txBody>
+          <a:bodyPr wrap="square" rtlCol="0">
+            <a:spAutoFit/>
+          </a:bodyPr>
+          <a:lstStyle/>
+          <a:p>
+            <a:r>
+              <a:rPr lang="en-AU" dirty="0">
+                <a:solidFill>
+                  <a:srgbClr val="0070C0"/>
+                </a:solidFill>
+              </a:rPr>
+              <a:t>D13</a:t>
+            </a:r>
+          </a:p>
+        </p:txBody>
+      </p:sp>
+      <p:sp>
+        <p:nvSpPr>
+          <p:cNvPr id="27" name="TextBox 26">
+            <a:extLst>
+              <a:ext uri="{FF2B5EF4-FFF2-40B4-BE49-F238E27FC236}">
+                <a16:creationId xmlns:a16="http://schemas.microsoft.com/office/drawing/2014/main" id="{4E9E14C7-CBCA-234F-9806-A90D9C1DDF75}"/>
+              </a:ext>
+            </a:extLst>
+          </p:cNvPr>
+          <p:cNvSpPr txBox="1"/>
+          <p:nvPr/>
+        </p:nvSpPr>
+        <p:spPr>
+          <a:xfrm>
+            <a:off x="3051354" y="7436176"/>
+            <a:ext cx="616526" cy="369332"/>
+          </a:xfrm>
+          <a:prstGeom prst="rect">
+            <a:avLst/>
+          </a:prstGeom>
+          <a:noFill/>
+        </p:spPr>
+        <p:txBody>
+          <a:bodyPr wrap="square" rtlCol="0">
+            <a:spAutoFit/>
+          </a:bodyPr>
+          <a:lstStyle/>
+          <a:p>
+            <a:r>
+              <a:rPr lang="en-AU" dirty="0">
+                <a:solidFill>
+                  <a:srgbClr val="0070C0"/>
+                </a:solidFill>
+              </a:rPr>
+              <a:t>D14</a:t>
+            </a:r>
+          </a:p>
+        </p:txBody>
+      </p:sp>
+      <p:sp>
+        <p:nvSpPr>
+          <p:cNvPr id="40" name="Oval 39">
+            <a:extLst>
+              <a:ext uri="{FF2B5EF4-FFF2-40B4-BE49-F238E27FC236}">
+                <a16:creationId xmlns:a16="http://schemas.microsoft.com/office/drawing/2014/main" id="{F7991E49-51E5-B144-BF2D-90C81A5A6344}"/>
+              </a:ext>
+            </a:extLst>
+          </p:cNvPr>
+          <p:cNvSpPr/>
+          <p:nvPr/>
+        </p:nvSpPr>
+        <p:spPr>
+          <a:xfrm>
+            <a:off x="3314650" y="6980671"/>
+            <a:ext cx="180000" cy="180000"/>
+          </a:xfrm>
+          <a:prstGeom prst="ellipse">
+            <a:avLst/>
+          </a:prstGeom>
+          <a:solidFill>
+            <a:schemeClr val="tx1"/>
+          </a:solidFill>
+        </p:spPr>
+        <p:style>
+          <a:lnRef idx="2">
+            <a:schemeClr val="accent1">
+              <a:shade val="50000"/>
+            </a:schemeClr>
+          </a:lnRef>
+          <a:fillRef idx="1">
+            <a:schemeClr val="accent1"/>
+          </a:fillRef>
+          <a:effectRef idx="0">
+            <a:schemeClr val="accent1"/>
+          </a:effectRef>
+          <a:fontRef idx="minor">
+            <a:schemeClr val="lt1"/>
+          </a:fontRef>
+        </p:style>
+        <p:txBody>
+          <a:bodyPr rtlCol="0" anchor="ctr"/>
+          <a:lstStyle/>
+          <a:p>
+            <a:pPr algn="ctr"/>
+            <a:endParaRPr lang="en-AU"/>
+          </a:p>
+        </p:txBody>
+      </p:sp>
+      <p:cxnSp>
+        <p:nvCxnSpPr>
+          <p:cNvPr id="41" name="Straight Connector 40">
+            <a:extLst>
+              <a:ext uri="{FF2B5EF4-FFF2-40B4-BE49-F238E27FC236}">
+                <a16:creationId xmlns:a16="http://schemas.microsoft.com/office/drawing/2014/main" id="{0DA6ECE3-5073-1A4A-8AB8-7EEBEADCE3B9}"/>
+              </a:ext>
+            </a:extLst>
+          </p:cNvPr>
+          <p:cNvCxnSpPr>
+            <a:cxnSpLocks/>
+          </p:cNvCxnSpPr>
+          <p:nvPr/>
+        </p:nvCxnSpPr>
+        <p:spPr>
+          <a:xfrm>
+            <a:off x="5373127" y="294245"/>
+            <a:ext cx="0" cy="839561"/>
+          </a:xfrm>
+          <a:prstGeom prst="line">
+            <a:avLst/>
+          </a:prstGeom>
+          <a:ln w="60325">
+            <a:solidFill>
+              <a:srgbClr val="C00000"/>
+            </a:solidFill>
+            <a:headEnd type="stealth" w="lg" len="lg"/>
+          </a:ln>
+        </p:spPr>
+        <p:style>
+          <a:lnRef idx="1">
+            <a:schemeClr val="accent1"/>
+          </a:lnRef>
+          <a:fillRef idx="0">
+            <a:schemeClr val="accent1"/>
+          </a:fillRef>
+          <a:effectRef idx="0">
+            <a:schemeClr val="accent1"/>
+          </a:effectRef>
+          <a:fontRef idx="minor">
+            <a:schemeClr val="tx1"/>
+          </a:fontRef>
+        </p:style>
+      </p:cxnSp>
+      <p:sp>
+        <p:nvSpPr>
+          <p:cNvPr id="42" name="TextBox 41">
+            <a:extLst>
+              <a:ext uri="{FF2B5EF4-FFF2-40B4-BE49-F238E27FC236}">
+                <a16:creationId xmlns:a16="http://schemas.microsoft.com/office/drawing/2014/main" id="{202F7DA6-28E9-A14D-B2F3-6A88F109DF56}"/>
+              </a:ext>
+            </a:extLst>
+          </p:cNvPr>
+          <p:cNvSpPr txBox="1"/>
+          <p:nvPr/>
+        </p:nvSpPr>
+        <p:spPr>
+          <a:xfrm>
+            <a:off x="4446628" y="168836"/>
+            <a:ext cx="961755" cy="369332"/>
+          </a:xfrm>
+          <a:prstGeom prst="rect">
+            <a:avLst/>
+          </a:prstGeom>
+          <a:noFill/>
+        </p:spPr>
+        <p:txBody>
+          <a:bodyPr wrap="square" rtlCol="0">
+            <a:spAutoFit/>
+          </a:bodyPr>
+          <a:lstStyle/>
+          <a:p>
+            <a:r>
+              <a:rPr lang="en-AU" dirty="0">
+                <a:solidFill>
+                  <a:srgbClr val="C00000"/>
+                </a:solidFill>
+              </a:rPr>
+              <a:t>Upfield</a:t>
+            </a:r>
+          </a:p>
+        </p:txBody>
+      </p:sp>
+      <p:sp>
+        <p:nvSpPr>
+          <p:cNvPr id="43" name="TextBox 42">
+            <a:extLst>
+              <a:ext uri="{FF2B5EF4-FFF2-40B4-BE49-F238E27FC236}">
+                <a16:creationId xmlns:a16="http://schemas.microsoft.com/office/drawing/2014/main" id="{DD1EC9A5-79C9-1242-B6F2-E5E224E388FB}"/>
+              </a:ext>
+            </a:extLst>
+          </p:cNvPr>
+          <p:cNvSpPr txBox="1"/>
+          <p:nvPr/>
+        </p:nvSpPr>
+        <p:spPr>
+          <a:xfrm>
+            <a:off x="4288814" y="9291052"/>
+            <a:ext cx="1210561" cy="369332"/>
+          </a:xfrm>
+          <a:prstGeom prst="rect">
+            <a:avLst/>
+          </a:prstGeom>
+          <a:noFill/>
+        </p:spPr>
+        <p:txBody>
+          <a:bodyPr wrap="square" rtlCol="0">
+            <a:spAutoFit/>
+          </a:bodyPr>
+          <a:lstStyle/>
+          <a:p>
+            <a:r>
+              <a:rPr lang="en-AU" dirty="0">
+                <a:solidFill>
+                  <a:schemeClr val="accent6"/>
+                </a:solidFill>
+              </a:rPr>
+              <a:t>Downfield</a:t>
+            </a:r>
+          </a:p>
+        </p:txBody>
+      </p:sp>
+      <p:cxnSp>
+        <p:nvCxnSpPr>
+          <p:cNvPr id="44" name="Straight Connector 43">
+            <a:extLst>
+              <a:ext uri="{FF2B5EF4-FFF2-40B4-BE49-F238E27FC236}">
+                <a16:creationId xmlns:a16="http://schemas.microsoft.com/office/drawing/2014/main" id="{0F30EF98-D099-6B42-AC9C-D6A71369EEC9}"/>
+              </a:ext>
+            </a:extLst>
+          </p:cNvPr>
+          <p:cNvCxnSpPr>
+            <a:cxnSpLocks/>
+          </p:cNvCxnSpPr>
+          <p:nvPr/>
+        </p:nvCxnSpPr>
+        <p:spPr>
+          <a:xfrm flipV="1">
+            <a:off x="5373127" y="8373862"/>
+            <a:ext cx="0" cy="938269"/>
+          </a:xfrm>
+          <a:prstGeom prst="line">
+            <a:avLst/>
+          </a:prstGeom>
+          <a:ln w="60325">
+            <a:solidFill>
+              <a:srgbClr val="00B050"/>
+            </a:solidFill>
+            <a:headEnd type="stealth" w="lg" len="lg"/>
+          </a:ln>
+        </p:spPr>
+        <p:style>
+          <a:lnRef idx="1">
+            <a:schemeClr val="accent1"/>
+          </a:lnRef>
+          <a:fillRef idx="0">
+            <a:schemeClr val="accent1"/>
+          </a:fillRef>
+          <a:effectRef idx="0">
+            <a:schemeClr val="accent1"/>
+          </a:effectRef>
+          <a:fontRef idx="minor">
+            <a:schemeClr val="tx1"/>
+          </a:fontRef>
+        </p:style>
+      </p:cxnSp>
+      <p:sp>
+        <p:nvSpPr>
+          <p:cNvPr id="3" name="Arc 2">
+            <a:extLst>
+              <a:ext uri="{FF2B5EF4-FFF2-40B4-BE49-F238E27FC236}">
+                <a16:creationId xmlns:a16="http://schemas.microsoft.com/office/drawing/2014/main" id="{FD25C454-65A8-EA43-BA64-A2BA9DCFCA80}"/>
+              </a:ext>
+            </a:extLst>
+          </p:cNvPr>
+          <p:cNvSpPr/>
+          <p:nvPr/>
+        </p:nvSpPr>
+        <p:spPr>
+          <a:xfrm rot="6095834">
+            <a:off x="2560850" y="6238577"/>
+            <a:ext cx="1669383" cy="866793"/>
+          </a:xfrm>
+          <a:prstGeom prst="arc">
+            <a:avLst/>
+          </a:prstGeom>
+        </p:spPr>
+        <p:style>
+          <a:lnRef idx="1">
+            <a:schemeClr val="accent1"/>
+          </a:lnRef>
+          <a:fillRef idx="0">
+            <a:schemeClr val="accent1"/>
+          </a:fillRef>
+          <a:effectRef idx="0">
+            <a:schemeClr val="accent1"/>
+          </a:effectRef>
+          <a:fontRef idx="minor">
+            <a:schemeClr val="tx1"/>
+          </a:fontRef>
+        </p:style>
+        <p:txBody>
+          <a:bodyPr rtlCol="0" anchor="ctr"/>
+          <a:lstStyle/>
+          <a:p>
+            <a:pPr algn="ctr"/>
+            <a:endParaRPr lang="en-AU"/>
+          </a:p>
+        </p:txBody>
+      </p:sp>
+      <p:cxnSp>
+        <p:nvCxnSpPr>
+          <p:cNvPr id="54" name="Straight Arrow Connector 53">
+            <a:extLst>
+              <a:ext uri="{FF2B5EF4-FFF2-40B4-BE49-F238E27FC236}">
+                <a16:creationId xmlns:a16="http://schemas.microsoft.com/office/drawing/2014/main" id="{6B9CAAA3-CC30-C24F-93F7-B20E22330AF9}"/>
+              </a:ext>
+            </a:extLst>
+          </p:cNvPr>
+          <p:cNvCxnSpPr>
+            <a:cxnSpLocks/>
+          </p:cNvCxnSpPr>
+          <p:nvPr/>
+        </p:nvCxnSpPr>
+        <p:spPr>
+          <a:xfrm>
+            <a:off x="3608698" y="7092075"/>
+            <a:ext cx="1165170" cy="613949"/>
+          </a:xfrm>
+          <a:prstGeom prst="straightConnector1">
+            <a:avLst/>
+          </a:prstGeom>
+          <a:ln w="60325">
+            <a:solidFill>
+              <a:schemeClr val="bg1">
+                <a:lumMod val="50000"/>
+              </a:schemeClr>
+            </a:solidFill>
+            <a:prstDash val="sysDash"/>
+            <a:tailEnd type="triangle"/>
+          </a:ln>
+        </p:spPr>
+        <p:style>
+          <a:lnRef idx="1">
+            <a:schemeClr val="accent1"/>
+          </a:lnRef>
+          <a:fillRef idx="0">
+            <a:schemeClr val="accent1"/>
+          </a:fillRef>
+          <a:effectRef idx="0">
+            <a:schemeClr val="accent1"/>
+          </a:effectRef>
+          <a:fontRef idx="minor">
+            <a:schemeClr val="tx1"/>
+          </a:fontRef>
+        </p:style>
+      </p:cxnSp>
+      <p:cxnSp>
+        <p:nvCxnSpPr>
+          <p:cNvPr id="62" name="Straight Arrow Connector 61">
+            <a:extLst>
+              <a:ext uri="{FF2B5EF4-FFF2-40B4-BE49-F238E27FC236}">
+                <a16:creationId xmlns:a16="http://schemas.microsoft.com/office/drawing/2014/main" id="{D4EB2A2C-FE63-E24F-9999-DED7695BF0D9}"/>
+              </a:ext>
+            </a:extLst>
+          </p:cNvPr>
+          <p:cNvCxnSpPr>
+            <a:cxnSpLocks/>
+          </p:cNvCxnSpPr>
+          <p:nvPr/>
+        </p:nvCxnSpPr>
+        <p:spPr>
+          <a:xfrm>
+            <a:off x="3439535" y="7181451"/>
+            <a:ext cx="309193" cy="832502"/>
+          </a:xfrm>
+          <a:prstGeom prst="straightConnector1">
+            <a:avLst/>
+          </a:prstGeom>
+          <a:ln w="60325">
+            <a:solidFill>
+              <a:schemeClr val="bg1">
+                <a:lumMod val="50000"/>
+              </a:schemeClr>
+            </a:solidFill>
+            <a:prstDash val="sysDash"/>
+            <a:tailEnd type="triangle"/>
           </a:ln>
         </p:spPr>
         <p:style>
@@ -13311,7 +17550,7 @@
     </p:spTree>
     <p:extLst>
       <p:ext uri="{BB962C8B-B14F-4D97-AF65-F5344CB8AC3E}">
-        <p14:creationId xmlns:p14="http://schemas.microsoft.com/office/powerpoint/2010/main" val="799718895"/>
+        <p14:creationId xmlns:p14="http://schemas.microsoft.com/office/powerpoint/2010/main" val="3014409582"/>
       </p:ext>
     </p:extLst>
   </p:cSld>

--- a/graphics/Graphics.pptx
+++ b/graphics/Graphics.pptx
@@ -4,13 +4,16 @@
   <p:sldMasterIdLst>
     <p:sldMasterId id="2147483672" r:id="rId1"/>
   </p:sldMasterIdLst>
+  <p:notesMasterIdLst>
+    <p:notesMasterId r:id="rId12"/>
+  </p:notesMasterIdLst>
   <p:sldIdLst>
     <p:sldId id="256" r:id="rId2"/>
     <p:sldId id="258" r:id="rId3"/>
     <p:sldId id="257" r:id="rId4"/>
     <p:sldId id="260" r:id="rId5"/>
     <p:sldId id="261" r:id="rId6"/>
-    <p:sldId id="263" r:id="rId7"/>
+    <p:sldId id="267" r:id="rId7"/>
     <p:sldId id="262" r:id="rId8"/>
     <p:sldId id="264" r:id="rId9"/>
     <p:sldId id="265" r:id="rId10"/>
@@ -116,7 +119,7 @@
   <p:extLst>
     <p:ext uri="{EFAFB233-063F-42B5-8137-9DF3F51BA10A}">
       <p15:sldGuideLst xmlns:p15="http://schemas.microsoft.com/office/powerpoint/2012/main">
-        <p15:guide id="1" orient="horz" pos="3097" userDrawn="1">
+        <p15:guide id="1" orient="horz" pos="3120" userDrawn="1">
           <p15:clr>
             <a:srgbClr val="A4A3A4"/>
           </p15:clr>
@@ -130,6 +133,440 @@
     </p:ext>
   </p:extLst>
 </p:presentation>
+</file>
+
+<file path=ppt/notesMasters/notesMaster1.xml><?xml version="1.0" encoding="utf-8"?>
+<p:notesMaster xmlns:a="http://schemas.openxmlformats.org/drawingml/2006/main" xmlns:r="http://schemas.openxmlformats.org/officeDocument/2006/relationships" xmlns:p="http://schemas.openxmlformats.org/presentationml/2006/main">
+  <p:cSld>
+    <p:bg>
+      <p:bgRef idx="1001">
+        <a:schemeClr val="bg1"/>
+      </p:bgRef>
+    </p:bg>
+    <p:spTree>
+      <p:nvGrpSpPr>
+        <p:cNvPr id="1" name=""/>
+        <p:cNvGrpSpPr/>
+        <p:nvPr/>
+      </p:nvGrpSpPr>
+      <p:grpSpPr>
+        <a:xfrm>
+          <a:off x="0" y="0"/>
+          <a:ext cx="0" cy="0"/>
+          <a:chOff x="0" y="0"/>
+          <a:chExt cx="0" cy="0"/>
+        </a:xfrm>
+      </p:grpSpPr>
+      <p:sp>
+        <p:nvSpPr>
+          <p:cNvPr id="2" name="Header Placeholder 1"/>
+          <p:cNvSpPr>
+            <a:spLocks noGrp="1"/>
+          </p:cNvSpPr>
+          <p:nvPr>
+            <p:ph type="hdr" sz="quarter"/>
+          </p:nvPr>
+        </p:nvSpPr>
+        <p:spPr>
+          <a:xfrm>
+            <a:off x="0" y="0"/>
+            <a:ext cx="2971800" cy="458788"/>
+          </a:xfrm>
+          <a:prstGeom prst="rect">
+            <a:avLst/>
+          </a:prstGeom>
+        </p:spPr>
+        <p:txBody>
+          <a:bodyPr vert="horz" lIns="91440" tIns="45720" rIns="91440" bIns="45720" rtlCol="0"/>
+          <a:lstStyle>
+            <a:lvl1pPr algn="l">
+              <a:defRPr sz="1200"/>
+            </a:lvl1pPr>
+          </a:lstStyle>
+          <a:p>
+            <a:endParaRPr lang="en-AU"/>
+          </a:p>
+        </p:txBody>
+      </p:sp>
+      <p:sp>
+        <p:nvSpPr>
+          <p:cNvPr id="3" name="Date Placeholder 2"/>
+          <p:cNvSpPr>
+            <a:spLocks noGrp="1"/>
+          </p:cNvSpPr>
+          <p:nvPr>
+            <p:ph type="dt" idx="1"/>
+          </p:nvPr>
+        </p:nvSpPr>
+        <p:spPr>
+          <a:xfrm>
+            <a:off x="3884613" y="0"/>
+            <a:ext cx="2971800" cy="458788"/>
+          </a:xfrm>
+          <a:prstGeom prst="rect">
+            <a:avLst/>
+          </a:prstGeom>
+        </p:spPr>
+        <p:txBody>
+          <a:bodyPr vert="horz" lIns="91440" tIns="45720" rIns="91440" bIns="45720" rtlCol="0"/>
+          <a:lstStyle>
+            <a:lvl1pPr algn="r">
+              <a:defRPr sz="1200"/>
+            </a:lvl1pPr>
+          </a:lstStyle>
+          <a:p>
+            <a:fld id="{45933B21-E436-3A46-ADDA-424A82352920}" type="datetimeFigureOut">
+              <a:rPr lang="en-AU" smtClean="0"/>
+              <a:t>25/12/22</a:t>
+            </a:fld>
+            <a:endParaRPr lang="en-AU"/>
+          </a:p>
+        </p:txBody>
+      </p:sp>
+      <p:sp>
+        <p:nvSpPr>
+          <p:cNvPr id="4" name="Slide Image Placeholder 3"/>
+          <p:cNvSpPr>
+            <a:spLocks noGrp="1" noRot="1" noChangeAspect="1"/>
+          </p:cNvSpPr>
+          <p:nvPr>
+            <p:ph type="sldImg" idx="2"/>
+          </p:nvPr>
+        </p:nvSpPr>
+        <p:spPr>
+          <a:xfrm>
+            <a:off x="2360613" y="1143000"/>
+            <a:ext cx="2136775" cy="3086100"/>
+          </a:xfrm>
+          <a:prstGeom prst="rect">
+            <a:avLst/>
+          </a:prstGeom>
+          <a:noFill/>
+          <a:ln w="12700">
+            <a:solidFill>
+              <a:prstClr val="black"/>
+            </a:solidFill>
+          </a:ln>
+        </p:spPr>
+        <p:txBody>
+          <a:bodyPr vert="horz" lIns="91440" tIns="45720" rIns="91440" bIns="45720" rtlCol="0" anchor="ctr"/>
+          <a:lstStyle/>
+          <a:p>
+            <a:endParaRPr lang="en-AU"/>
+          </a:p>
+        </p:txBody>
+      </p:sp>
+      <p:sp>
+        <p:nvSpPr>
+          <p:cNvPr id="5" name="Notes Placeholder 4"/>
+          <p:cNvSpPr>
+            <a:spLocks noGrp="1"/>
+          </p:cNvSpPr>
+          <p:nvPr>
+            <p:ph type="body" sz="quarter" idx="3"/>
+          </p:nvPr>
+        </p:nvSpPr>
+        <p:spPr>
+          <a:xfrm>
+            <a:off x="685800" y="4400550"/>
+            <a:ext cx="5486400" cy="3600450"/>
+          </a:xfrm>
+          <a:prstGeom prst="rect">
+            <a:avLst/>
+          </a:prstGeom>
+        </p:spPr>
+        <p:txBody>
+          <a:bodyPr vert="horz" lIns="91440" tIns="45720" rIns="91440" bIns="45720" rtlCol="0"/>
+          <a:lstStyle/>
+          <a:p>
+            <a:pPr lvl="0"/>
+            <a:r>
+              <a:rPr lang="en-GB"/>
+              <a:t>Click to edit Master text styles</a:t>
+            </a:r>
+          </a:p>
+          <a:p>
+            <a:pPr lvl="1"/>
+            <a:r>
+              <a:rPr lang="en-GB"/>
+              <a:t>Second level</a:t>
+            </a:r>
+          </a:p>
+          <a:p>
+            <a:pPr lvl="2"/>
+            <a:r>
+              <a:rPr lang="en-GB"/>
+              <a:t>Third level</a:t>
+            </a:r>
+          </a:p>
+          <a:p>
+            <a:pPr lvl="3"/>
+            <a:r>
+              <a:rPr lang="en-GB"/>
+              <a:t>Fourth level</a:t>
+            </a:r>
+          </a:p>
+          <a:p>
+            <a:pPr lvl="4"/>
+            <a:r>
+              <a:rPr lang="en-GB"/>
+              <a:t>Fifth level</a:t>
+            </a:r>
+            <a:endParaRPr lang="en-AU"/>
+          </a:p>
+        </p:txBody>
+      </p:sp>
+      <p:sp>
+        <p:nvSpPr>
+          <p:cNvPr id="6" name="Footer Placeholder 5"/>
+          <p:cNvSpPr>
+            <a:spLocks noGrp="1"/>
+          </p:cNvSpPr>
+          <p:nvPr>
+            <p:ph type="ftr" sz="quarter" idx="4"/>
+          </p:nvPr>
+        </p:nvSpPr>
+        <p:spPr>
+          <a:xfrm>
+            <a:off x="0" y="8685213"/>
+            <a:ext cx="2971800" cy="458787"/>
+          </a:xfrm>
+          <a:prstGeom prst="rect">
+            <a:avLst/>
+          </a:prstGeom>
+        </p:spPr>
+        <p:txBody>
+          <a:bodyPr vert="horz" lIns="91440" tIns="45720" rIns="91440" bIns="45720" rtlCol="0" anchor="b"/>
+          <a:lstStyle>
+            <a:lvl1pPr algn="l">
+              <a:defRPr sz="1200"/>
+            </a:lvl1pPr>
+          </a:lstStyle>
+          <a:p>
+            <a:endParaRPr lang="en-AU"/>
+          </a:p>
+        </p:txBody>
+      </p:sp>
+      <p:sp>
+        <p:nvSpPr>
+          <p:cNvPr id="7" name="Slide Number Placeholder 6"/>
+          <p:cNvSpPr>
+            <a:spLocks noGrp="1"/>
+          </p:cNvSpPr>
+          <p:nvPr>
+            <p:ph type="sldNum" sz="quarter" idx="5"/>
+          </p:nvPr>
+        </p:nvSpPr>
+        <p:spPr>
+          <a:xfrm>
+            <a:off x="3884613" y="8685213"/>
+            <a:ext cx="2971800" cy="458787"/>
+          </a:xfrm>
+          <a:prstGeom prst="rect">
+            <a:avLst/>
+          </a:prstGeom>
+        </p:spPr>
+        <p:txBody>
+          <a:bodyPr vert="horz" lIns="91440" tIns="45720" rIns="91440" bIns="45720" rtlCol="0" anchor="b"/>
+          <a:lstStyle>
+            <a:lvl1pPr algn="r">
+              <a:defRPr sz="1200"/>
+            </a:lvl1pPr>
+          </a:lstStyle>
+          <a:p>
+            <a:fld id="{7CC0D451-C318-534C-AC07-29C62A7D8CB3}" type="slidenum">
+              <a:rPr lang="en-AU" smtClean="0"/>
+              <a:t>‹#›</a:t>
+            </a:fld>
+            <a:endParaRPr lang="en-AU"/>
+          </a:p>
+        </p:txBody>
+      </p:sp>
+    </p:spTree>
+    <p:extLst>
+      <p:ext uri="{BB962C8B-B14F-4D97-AF65-F5344CB8AC3E}">
+        <p14:creationId xmlns:p14="http://schemas.microsoft.com/office/powerpoint/2010/main" val="679704892"/>
+      </p:ext>
+    </p:extLst>
+  </p:cSld>
+  <p:clrMap bg1="lt1" tx1="dk1" bg2="lt2" tx2="dk2" accent1="accent1" accent2="accent2" accent3="accent3" accent4="accent4" accent5="accent5" accent6="accent6" hlink="hlink" folHlink="folHlink"/>
+  <p:notesStyle>
+    <a:lvl1pPr marL="0" algn="l" defTabSz="914400" rtl="0" eaLnBrk="1" latinLnBrk="0" hangingPunct="1">
+      <a:defRPr sz="1200" kern="1200">
+        <a:solidFill>
+          <a:schemeClr val="tx1"/>
+        </a:solidFill>
+        <a:latin typeface="+mn-lt"/>
+        <a:ea typeface="+mn-ea"/>
+        <a:cs typeface="+mn-cs"/>
+      </a:defRPr>
+    </a:lvl1pPr>
+    <a:lvl2pPr marL="457200" algn="l" defTabSz="914400" rtl="0" eaLnBrk="1" latinLnBrk="0" hangingPunct="1">
+      <a:defRPr sz="1200" kern="1200">
+        <a:solidFill>
+          <a:schemeClr val="tx1"/>
+        </a:solidFill>
+        <a:latin typeface="+mn-lt"/>
+        <a:ea typeface="+mn-ea"/>
+        <a:cs typeface="+mn-cs"/>
+      </a:defRPr>
+    </a:lvl2pPr>
+    <a:lvl3pPr marL="914400" algn="l" defTabSz="914400" rtl="0" eaLnBrk="1" latinLnBrk="0" hangingPunct="1">
+      <a:defRPr sz="1200" kern="1200">
+        <a:solidFill>
+          <a:schemeClr val="tx1"/>
+        </a:solidFill>
+        <a:latin typeface="+mn-lt"/>
+        <a:ea typeface="+mn-ea"/>
+        <a:cs typeface="+mn-cs"/>
+      </a:defRPr>
+    </a:lvl3pPr>
+    <a:lvl4pPr marL="1371600" algn="l" defTabSz="914400" rtl="0" eaLnBrk="1" latinLnBrk="0" hangingPunct="1">
+      <a:defRPr sz="1200" kern="1200">
+        <a:solidFill>
+          <a:schemeClr val="tx1"/>
+        </a:solidFill>
+        <a:latin typeface="+mn-lt"/>
+        <a:ea typeface="+mn-ea"/>
+        <a:cs typeface="+mn-cs"/>
+      </a:defRPr>
+    </a:lvl4pPr>
+    <a:lvl5pPr marL="1828800" algn="l" defTabSz="914400" rtl="0" eaLnBrk="1" latinLnBrk="0" hangingPunct="1">
+      <a:defRPr sz="1200" kern="1200">
+        <a:solidFill>
+          <a:schemeClr val="tx1"/>
+        </a:solidFill>
+        <a:latin typeface="+mn-lt"/>
+        <a:ea typeface="+mn-ea"/>
+        <a:cs typeface="+mn-cs"/>
+      </a:defRPr>
+    </a:lvl5pPr>
+    <a:lvl6pPr marL="2286000" algn="l" defTabSz="914400" rtl="0" eaLnBrk="1" latinLnBrk="0" hangingPunct="1">
+      <a:defRPr sz="1200" kern="1200">
+        <a:solidFill>
+          <a:schemeClr val="tx1"/>
+        </a:solidFill>
+        <a:latin typeface="+mn-lt"/>
+        <a:ea typeface="+mn-ea"/>
+        <a:cs typeface="+mn-cs"/>
+      </a:defRPr>
+    </a:lvl6pPr>
+    <a:lvl7pPr marL="2743200" algn="l" defTabSz="914400" rtl="0" eaLnBrk="1" latinLnBrk="0" hangingPunct="1">
+      <a:defRPr sz="1200" kern="1200">
+        <a:solidFill>
+          <a:schemeClr val="tx1"/>
+        </a:solidFill>
+        <a:latin typeface="+mn-lt"/>
+        <a:ea typeface="+mn-ea"/>
+        <a:cs typeface="+mn-cs"/>
+      </a:defRPr>
+    </a:lvl7pPr>
+    <a:lvl8pPr marL="3200400" algn="l" defTabSz="914400" rtl="0" eaLnBrk="1" latinLnBrk="0" hangingPunct="1">
+      <a:defRPr sz="1200" kern="1200">
+        <a:solidFill>
+          <a:schemeClr val="tx1"/>
+        </a:solidFill>
+        <a:latin typeface="+mn-lt"/>
+        <a:ea typeface="+mn-ea"/>
+        <a:cs typeface="+mn-cs"/>
+      </a:defRPr>
+    </a:lvl8pPr>
+    <a:lvl9pPr marL="3657600" algn="l" defTabSz="914400" rtl="0" eaLnBrk="1" latinLnBrk="0" hangingPunct="1">
+      <a:defRPr sz="1200" kern="1200">
+        <a:solidFill>
+          <a:schemeClr val="tx1"/>
+        </a:solidFill>
+        <a:latin typeface="+mn-lt"/>
+        <a:ea typeface="+mn-ea"/>
+        <a:cs typeface="+mn-cs"/>
+      </a:defRPr>
+    </a:lvl9pPr>
+  </p:notesStyle>
+</p:notesMaster>
+</file>
+
+<file path=ppt/notesSlides/notesSlide1.xml><?xml version="1.0" encoding="utf-8"?>
+<p:notes xmlns:a="http://schemas.openxmlformats.org/drawingml/2006/main" xmlns:r="http://schemas.openxmlformats.org/officeDocument/2006/relationships" xmlns:p="http://schemas.openxmlformats.org/presentationml/2006/main">
+  <p:cSld>
+    <p:spTree>
+      <p:nvGrpSpPr>
+        <p:cNvPr id="1" name=""/>
+        <p:cNvGrpSpPr/>
+        <p:nvPr/>
+      </p:nvGrpSpPr>
+      <p:grpSpPr>
+        <a:xfrm>
+          <a:off x="0" y="0"/>
+          <a:ext cx="0" cy="0"/>
+          <a:chOff x="0" y="0"/>
+          <a:chExt cx="0" cy="0"/>
+        </a:xfrm>
+      </p:grpSpPr>
+      <p:sp>
+        <p:nvSpPr>
+          <p:cNvPr id="2" name="Slide Image Placeholder 1"/>
+          <p:cNvSpPr>
+            <a:spLocks noGrp="1" noRot="1" noChangeAspect="1"/>
+          </p:cNvSpPr>
+          <p:nvPr>
+            <p:ph type="sldImg"/>
+          </p:nvPr>
+        </p:nvSpPr>
+        <p:spPr/>
+      </p:sp>
+      <p:sp>
+        <p:nvSpPr>
+          <p:cNvPr id="3" name="Notes Placeholder 2"/>
+          <p:cNvSpPr>
+            <a:spLocks noGrp="1"/>
+          </p:cNvSpPr>
+          <p:nvPr>
+            <p:ph type="body" idx="1"/>
+          </p:nvPr>
+        </p:nvSpPr>
+        <p:spPr/>
+        <p:txBody>
+          <a:bodyPr/>
+          <a:lstStyle/>
+          <a:p>
+            <a:endParaRPr lang="en-AU" dirty="0"/>
+          </a:p>
+        </p:txBody>
+      </p:sp>
+      <p:sp>
+        <p:nvSpPr>
+          <p:cNvPr id="4" name="Slide Number Placeholder 3"/>
+          <p:cNvSpPr>
+            <a:spLocks noGrp="1"/>
+          </p:cNvSpPr>
+          <p:nvPr>
+            <p:ph type="sldNum" sz="quarter" idx="5"/>
+          </p:nvPr>
+        </p:nvSpPr>
+        <p:spPr/>
+        <p:txBody>
+          <a:bodyPr/>
+          <a:lstStyle/>
+          <a:p>
+            <a:fld id="{7CC0D451-C318-534C-AC07-29C62A7D8CB3}" type="slidenum">
+              <a:rPr lang="en-AU" smtClean="0"/>
+              <a:t>6</a:t>
+            </a:fld>
+            <a:endParaRPr lang="en-AU"/>
+          </a:p>
+        </p:txBody>
+      </p:sp>
+    </p:spTree>
+    <p:extLst>
+      <p:ext uri="{BB962C8B-B14F-4D97-AF65-F5344CB8AC3E}">
+        <p14:creationId xmlns:p14="http://schemas.microsoft.com/office/powerpoint/2010/main" val="430635528"/>
+      </p:ext>
+    </p:extLst>
+  </p:cSld>
+  <p:clrMapOvr>
+    <a:masterClrMapping/>
+  </p:clrMapOvr>
+</p:notes>
 </file>
 
 <file path=ppt/slideLayouts/slideLayout1.xml><?xml version="1.0" encoding="utf-8"?>
@@ -263,7 +700,7 @@
           <a:p>
             <a:fld id="{84CBB076-2C69-DC49-A9FF-99213B15956D}" type="datetimeFigureOut">
               <a:rPr lang="en-AU" smtClean="0"/>
-              <a:t>24/12/22</a:t>
+              <a:t>25/12/22</a:t>
             </a:fld>
             <a:endParaRPr lang="en-AU"/>
           </a:p>
@@ -433,7 +870,7 @@
           <a:p>
             <a:fld id="{84CBB076-2C69-DC49-A9FF-99213B15956D}" type="datetimeFigureOut">
               <a:rPr lang="en-AU" smtClean="0"/>
-              <a:t>24/12/22</a:t>
+              <a:t>25/12/22</a:t>
             </a:fld>
             <a:endParaRPr lang="en-AU"/>
           </a:p>
@@ -613,7 +1050,7 @@
           <a:p>
             <a:fld id="{84CBB076-2C69-DC49-A9FF-99213B15956D}" type="datetimeFigureOut">
               <a:rPr lang="en-AU" smtClean="0"/>
-              <a:t>24/12/22</a:t>
+              <a:t>25/12/22</a:t>
             </a:fld>
             <a:endParaRPr lang="en-AU"/>
           </a:p>
@@ -783,7 +1220,7 @@
           <a:p>
             <a:fld id="{84CBB076-2C69-DC49-A9FF-99213B15956D}" type="datetimeFigureOut">
               <a:rPr lang="en-AU" smtClean="0"/>
-              <a:t>24/12/22</a:t>
+              <a:t>25/12/22</a:t>
             </a:fld>
             <a:endParaRPr lang="en-AU"/>
           </a:p>
@@ -1027,7 +1464,7 @@
           <a:p>
             <a:fld id="{84CBB076-2C69-DC49-A9FF-99213B15956D}" type="datetimeFigureOut">
               <a:rPr lang="en-AU" smtClean="0"/>
-              <a:t>24/12/22</a:t>
+              <a:t>25/12/22</a:t>
             </a:fld>
             <a:endParaRPr lang="en-AU"/>
           </a:p>
@@ -1259,7 +1696,7 @@
           <a:p>
             <a:fld id="{84CBB076-2C69-DC49-A9FF-99213B15956D}" type="datetimeFigureOut">
               <a:rPr lang="en-AU" smtClean="0"/>
-              <a:t>24/12/22</a:t>
+              <a:t>25/12/22</a:t>
             </a:fld>
             <a:endParaRPr lang="en-AU"/>
           </a:p>
@@ -1626,7 +2063,7 @@
           <a:p>
             <a:fld id="{84CBB076-2C69-DC49-A9FF-99213B15956D}" type="datetimeFigureOut">
               <a:rPr lang="en-AU" smtClean="0"/>
-              <a:t>24/12/22</a:t>
+              <a:t>25/12/22</a:t>
             </a:fld>
             <a:endParaRPr lang="en-AU"/>
           </a:p>
@@ -1744,7 +2181,7 @@
           <a:p>
             <a:fld id="{84CBB076-2C69-DC49-A9FF-99213B15956D}" type="datetimeFigureOut">
               <a:rPr lang="en-AU" smtClean="0"/>
-              <a:t>24/12/22</a:t>
+              <a:t>25/12/22</a:t>
             </a:fld>
             <a:endParaRPr lang="en-AU"/>
           </a:p>
@@ -1839,7 +2276,7 @@
           <a:p>
             <a:fld id="{84CBB076-2C69-DC49-A9FF-99213B15956D}" type="datetimeFigureOut">
               <a:rPr lang="en-AU" smtClean="0"/>
-              <a:t>24/12/22</a:t>
+              <a:t>25/12/22</a:t>
             </a:fld>
             <a:endParaRPr lang="en-AU"/>
           </a:p>
@@ -2116,7 +2553,7 @@
           <a:p>
             <a:fld id="{84CBB076-2C69-DC49-A9FF-99213B15956D}" type="datetimeFigureOut">
               <a:rPr lang="en-AU" smtClean="0"/>
-              <a:t>24/12/22</a:t>
+              <a:t>25/12/22</a:t>
             </a:fld>
             <a:endParaRPr lang="en-AU"/>
           </a:p>
@@ -2373,7 +2810,7 @@
           <a:p>
             <a:fld id="{84CBB076-2C69-DC49-A9FF-99213B15956D}" type="datetimeFigureOut">
               <a:rPr lang="en-AU" smtClean="0"/>
-              <a:t>24/12/22</a:t>
+              <a:t>25/12/22</a:t>
             </a:fld>
             <a:endParaRPr lang="en-AU"/>
           </a:p>
@@ -2586,7 +3023,7 @@
           <a:p>
             <a:fld id="{84CBB076-2C69-DC49-A9FF-99213B15956D}" type="datetimeFigureOut">
               <a:rPr lang="en-AU" smtClean="0"/>
-              <a:t>24/12/22</a:t>
+              <a:t>25/12/22</a:t>
             </a:fld>
             <a:endParaRPr lang="en-AU"/>
           </a:p>
@@ -10493,7 +10930,7 @@
         </p:nvSpPr>
         <p:spPr>
           <a:xfrm>
-            <a:off x="1984940" y="7702883"/>
+            <a:off x="59477" y="7708143"/>
             <a:ext cx="3240000" cy="1576217"/>
           </a:xfrm>
           <a:prstGeom prst="roundRect">
@@ -10549,7 +10986,7 @@
         </p:nvSpPr>
         <p:spPr>
           <a:xfrm>
-            <a:off x="1984940" y="520745"/>
+            <a:off x="77259" y="520745"/>
             <a:ext cx="3240000" cy="1576217"/>
           </a:xfrm>
           <a:prstGeom prst="roundRect">
@@ -10605,7 +11042,7 @@
         </p:nvSpPr>
         <p:spPr>
           <a:xfrm>
-            <a:off x="1987096" y="2096962"/>
+            <a:off x="79415" y="2096962"/>
             <a:ext cx="3240000" cy="5604325"/>
           </a:xfrm>
           <a:prstGeom prst="roundRect">
@@ -10639,7 +11076,7 @@
           <a:lstStyle/>
           <a:p>
             <a:pPr algn="ctr"/>
-            <a:endParaRPr lang="en-AU"/>
+            <a:endParaRPr lang="en-AU" sz="2400"/>
           </a:p>
         </p:txBody>
       </p:sp>
@@ -10657,8 +11094,8 @@
         </p:nvSpPr>
         <p:spPr>
           <a:xfrm>
-            <a:off x="3232204" y="5719826"/>
-            <a:ext cx="767443" cy="849086"/>
+            <a:off x="1261630" y="5722133"/>
+            <a:ext cx="922494" cy="849086"/>
           </a:xfrm>
           <a:prstGeom prst="mathMultiply">
             <a:avLst/>
@@ -10686,7 +11123,7 @@
           <a:lstStyle/>
           <a:p>
             <a:pPr algn="ctr"/>
-            <a:endParaRPr lang="en-AU"/>
+            <a:endParaRPr lang="en-AU" sz="2400"/>
           </a:p>
         </p:txBody>
       </p:sp>
@@ -10704,8 +11141,8 @@
         </p:nvSpPr>
         <p:spPr>
           <a:xfrm>
-            <a:off x="3225869" y="3229341"/>
-            <a:ext cx="767443" cy="849086"/>
+            <a:off x="1302146" y="3126523"/>
+            <a:ext cx="948581" cy="951904"/>
           </a:xfrm>
           <a:prstGeom prst="mathMultiply">
             <a:avLst/>
@@ -10733,7 +11170,7 @@
           <a:lstStyle/>
           <a:p>
             <a:pPr algn="ctr"/>
-            <a:endParaRPr lang="en-AU"/>
+            <a:endParaRPr lang="en-AU" sz="2400"/>
           </a:p>
         </p:txBody>
       </p:sp>
@@ -10751,22 +11188,22 @@
         </p:nvSpPr>
         <p:spPr>
           <a:xfrm>
-            <a:off x="3378515" y="4762366"/>
-            <a:ext cx="466518" cy="369332"/>
-          </a:xfrm>
-          <a:prstGeom prst="rect">
-            <a:avLst/>
-          </a:prstGeom>
-          <a:noFill/>
-        </p:spPr>
-        <p:txBody>
-          <a:bodyPr wrap="square" rtlCol="0">
-            <a:spAutoFit/>
-          </a:bodyPr>
-          <a:lstStyle/>
-          <a:p>
-            <a:r>
-              <a:rPr lang="en-AU" dirty="0">
+            <a:off x="1502918" y="4761946"/>
+            <a:ext cx="721268" cy="461665"/>
+          </a:xfrm>
+          <a:prstGeom prst="rect">
+            <a:avLst/>
+          </a:prstGeom>
+          <a:noFill/>
+        </p:spPr>
+        <p:txBody>
+          <a:bodyPr wrap="square" rtlCol="0">
+            <a:spAutoFit/>
+          </a:bodyPr>
+          <a:lstStyle/>
+          <a:p>
+            <a:r>
+              <a:rPr lang="en-AU" sz="2400" dirty="0">
                 <a:solidFill>
                   <a:schemeClr val="bg1">
                     <a:lumMod val="50000"/>
@@ -10792,8 +11229,8 @@
         </p:nvSpPr>
         <p:spPr>
           <a:xfrm>
-            <a:off x="3378526" y="5024767"/>
-            <a:ext cx="470658" cy="369332"/>
+            <a:off x="1571439" y="5183511"/>
+            <a:ext cx="577693" cy="461665"/>
           </a:xfrm>
           <a:prstGeom prst="rect">
             <a:avLst/>
@@ -10809,7 +11246,7 @@
           <a:lstStyle/>
           <a:p>
             <a:r>
-              <a:rPr lang="en-AU" dirty="0">
+              <a:rPr lang="en-AU" sz="2400" dirty="0">
                 <a:solidFill>
                   <a:schemeClr val="bg1"/>
                 </a:solidFill>
@@ -10833,22 +11270,22 @@
         </p:nvSpPr>
         <p:spPr>
           <a:xfrm>
-            <a:off x="3378515" y="4589550"/>
-            <a:ext cx="466518" cy="369332"/>
-          </a:xfrm>
-          <a:prstGeom prst="rect">
-            <a:avLst/>
-          </a:prstGeom>
-          <a:noFill/>
-        </p:spPr>
-        <p:txBody>
-          <a:bodyPr wrap="square" rtlCol="0">
-            <a:spAutoFit/>
-          </a:bodyPr>
-          <a:lstStyle/>
-          <a:p>
-            <a:r>
-              <a:rPr lang="en-AU" dirty="0">
+            <a:off x="1502918" y="4541424"/>
+            <a:ext cx="721268" cy="461665"/>
+          </a:xfrm>
+          <a:prstGeom prst="rect">
+            <a:avLst/>
+          </a:prstGeom>
+          <a:noFill/>
+        </p:spPr>
+        <p:txBody>
+          <a:bodyPr wrap="square" rtlCol="0">
+            <a:spAutoFit/>
+          </a:bodyPr>
+          <a:lstStyle/>
+          <a:p>
+            <a:r>
+              <a:rPr lang="en-AU" sz="2400" dirty="0">
                 <a:solidFill>
                   <a:schemeClr val="bg1">
                     <a:lumMod val="50000"/>
@@ -10874,22 +11311,22 @@
         </p:nvSpPr>
         <p:spPr>
           <a:xfrm>
-            <a:off x="3376155" y="4406337"/>
-            <a:ext cx="466518" cy="369332"/>
-          </a:xfrm>
-          <a:prstGeom prst="rect">
-            <a:avLst/>
-          </a:prstGeom>
-          <a:noFill/>
-        </p:spPr>
-        <p:txBody>
-          <a:bodyPr wrap="square" rtlCol="0">
-            <a:spAutoFit/>
-          </a:bodyPr>
-          <a:lstStyle/>
-          <a:p>
-            <a:r>
-              <a:rPr lang="en-AU" dirty="0">
+            <a:off x="1500558" y="4326127"/>
+            <a:ext cx="776732" cy="461665"/>
+          </a:xfrm>
+          <a:prstGeom prst="rect">
+            <a:avLst/>
+          </a:prstGeom>
+          <a:noFill/>
+        </p:spPr>
+        <p:txBody>
+          <a:bodyPr wrap="square" rtlCol="0">
+            <a:spAutoFit/>
+          </a:bodyPr>
+          <a:lstStyle/>
+          <a:p>
+            <a:r>
+              <a:rPr lang="en-AU" sz="2400" dirty="0">
                 <a:solidFill>
                   <a:schemeClr val="bg1">
                     <a:lumMod val="50000"/>
@@ -10915,22 +11352,22 @@
         </p:nvSpPr>
         <p:spPr>
           <a:xfrm>
-            <a:off x="3394134" y="3446193"/>
-            <a:ext cx="466518" cy="369332"/>
-          </a:xfrm>
-          <a:prstGeom prst="rect">
-            <a:avLst/>
-          </a:prstGeom>
-          <a:noFill/>
-        </p:spPr>
-        <p:txBody>
-          <a:bodyPr wrap="square" rtlCol="0">
-            <a:spAutoFit/>
-          </a:bodyPr>
-          <a:lstStyle/>
-          <a:p>
-            <a:r>
-              <a:rPr lang="en-AU" dirty="0">
+            <a:off x="1487793" y="3366023"/>
+            <a:ext cx="843406" cy="463885"/>
+          </a:xfrm>
+          <a:prstGeom prst="rect">
+            <a:avLst/>
+          </a:prstGeom>
+          <a:noFill/>
+        </p:spPr>
+        <p:txBody>
+          <a:bodyPr wrap="square" rtlCol="0">
+            <a:spAutoFit/>
+          </a:bodyPr>
+          <a:lstStyle/>
+          <a:p>
+            <a:r>
+              <a:rPr lang="en-AU" sz="2400" dirty="0">
                 <a:solidFill>
                   <a:schemeClr val="bg1">
                     <a:lumMod val="50000"/>
@@ -10956,22 +11393,22 @@
         </p:nvSpPr>
         <p:spPr>
           <a:xfrm>
-            <a:off x="2215485" y="2669118"/>
-            <a:ext cx="466518" cy="369332"/>
-          </a:xfrm>
-          <a:prstGeom prst="rect">
-            <a:avLst/>
-          </a:prstGeom>
-          <a:noFill/>
-        </p:spPr>
-        <p:txBody>
-          <a:bodyPr wrap="square" rtlCol="0">
-            <a:spAutoFit/>
-          </a:bodyPr>
-          <a:lstStyle/>
-          <a:p>
-            <a:r>
-              <a:rPr lang="en-AU" dirty="0">
+            <a:off x="307804" y="2669118"/>
+            <a:ext cx="762342" cy="461665"/>
+          </a:xfrm>
+          <a:prstGeom prst="rect">
+            <a:avLst/>
+          </a:prstGeom>
+          <a:noFill/>
+        </p:spPr>
+        <p:txBody>
+          <a:bodyPr wrap="square" rtlCol="0">
+            <a:spAutoFit/>
+          </a:bodyPr>
+          <a:lstStyle/>
+          <a:p>
+            <a:r>
+              <a:rPr lang="en-AU" sz="2400" dirty="0">
                 <a:solidFill>
                   <a:schemeClr val="bg1">
                     <a:lumMod val="50000"/>
@@ -10997,22 +11434,22 @@
         </p:nvSpPr>
         <p:spPr>
           <a:xfrm>
-            <a:off x="3028621" y="5093964"/>
-            <a:ext cx="466518" cy="369332"/>
-          </a:xfrm>
-          <a:prstGeom prst="rect">
-            <a:avLst/>
-          </a:prstGeom>
-          <a:noFill/>
-        </p:spPr>
-        <p:txBody>
-          <a:bodyPr wrap="square" rtlCol="0">
-            <a:spAutoFit/>
-          </a:bodyPr>
-          <a:lstStyle/>
-          <a:p>
-            <a:r>
-              <a:rPr lang="en-AU" dirty="0">
+            <a:off x="1106969" y="5381876"/>
+            <a:ext cx="721268" cy="461665"/>
+          </a:xfrm>
+          <a:prstGeom prst="rect">
+            <a:avLst/>
+          </a:prstGeom>
+          <a:noFill/>
+        </p:spPr>
+        <p:txBody>
+          <a:bodyPr wrap="square" rtlCol="0">
+            <a:spAutoFit/>
+          </a:bodyPr>
+          <a:lstStyle/>
+          <a:p>
+            <a:r>
+              <a:rPr lang="en-AU" sz="2400" dirty="0">
                 <a:solidFill>
                   <a:srgbClr val="0070C0"/>
                 </a:solidFill>
@@ -11036,22 +11473,22 @@
         </p:nvSpPr>
         <p:spPr>
           <a:xfrm>
-            <a:off x="3056723" y="4717776"/>
-            <a:ext cx="466518" cy="369332"/>
-          </a:xfrm>
-          <a:prstGeom prst="rect">
-            <a:avLst/>
-          </a:prstGeom>
-          <a:noFill/>
-        </p:spPr>
-        <p:txBody>
-          <a:bodyPr wrap="square" rtlCol="0">
-            <a:spAutoFit/>
-          </a:bodyPr>
-          <a:lstStyle/>
-          <a:p>
-            <a:r>
-              <a:rPr lang="en-AU" dirty="0">
+            <a:off x="1165084" y="4765902"/>
+            <a:ext cx="721268" cy="461665"/>
+          </a:xfrm>
+          <a:prstGeom prst="rect">
+            <a:avLst/>
+          </a:prstGeom>
+          <a:noFill/>
+        </p:spPr>
+        <p:txBody>
+          <a:bodyPr wrap="square" rtlCol="0">
+            <a:spAutoFit/>
+          </a:bodyPr>
+          <a:lstStyle/>
+          <a:p>
+            <a:r>
+              <a:rPr lang="en-AU" sz="2400" dirty="0">
                 <a:solidFill>
                   <a:srgbClr val="0070C0"/>
                 </a:solidFill>
@@ -11075,22 +11512,22 @@
         </p:nvSpPr>
         <p:spPr>
           <a:xfrm>
-            <a:off x="2925668" y="4528573"/>
-            <a:ext cx="616526" cy="369332"/>
-          </a:xfrm>
-          <a:prstGeom prst="rect">
-            <a:avLst/>
-          </a:prstGeom>
-          <a:noFill/>
-        </p:spPr>
-        <p:txBody>
-          <a:bodyPr wrap="square" rtlCol="0">
-            <a:spAutoFit/>
-          </a:bodyPr>
-          <a:lstStyle/>
-          <a:p>
-            <a:r>
-              <a:rPr lang="en-AU" dirty="0">
+            <a:off x="1017987" y="4528573"/>
+            <a:ext cx="682864" cy="461665"/>
+          </a:xfrm>
+          <a:prstGeom prst="rect">
+            <a:avLst/>
+          </a:prstGeom>
+          <a:noFill/>
+        </p:spPr>
+        <p:txBody>
+          <a:bodyPr wrap="square" rtlCol="0">
+            <a:spAutoFit/>
+          </a:bodyPr>
+          <a:lstStyle/>
+          <a:p>
+            <a:r>
+              <a:rPr lang="en-AU" sz="2400" dirty="0">
                 <a:solidFill>
                   <a:srgbClr val="0070C0"/>
                 </a:solidFill>
@@ -11114,22 +11551,22 @@
         </p:nvSpPr>
         <p:spPr>
           <a:xfrm>
-            <a:off x="2932459" y="4338417"/>
-            <a:ext cx="616526" cy="369332"/>
-          </a:xfrm>
-          <a:prstGeom prst="rect">
-            <a:avLst/>
-          </a:prstGeom>
-          <a:noFill/>
-        </p:spPr>
-        <p:txBody>
-          <a:bodyPr wrap="square" rtlCol="0">
-            <a:spAutoFit/>
-          </a:bodyPr>
-          <a:lstStyle/>
-          <a:p>
-            <a:r>
-              <a:rPr lang="en-AU" dirty="0">
+            <a:off x="1010996" y="4292175"/>
+            <a:ext cx="704537" cy="461665"/>
+          </a:xfrm>
+          <a:prstGeom prst="rect">
+            <a:avLst/>
+          </a:prstGeom>
+          <a:noFill/>
+        </p:spPr>
+        <p:txBody>
+          <a:bodyPr wrap="square" rtlCol="0">
+            <a:spAutoFit/>
+          </a:bodyPr>
+          <a:lstStyle/>
+          <a:p>
+            <a:r>
+              <a:rPr lang="en-AU" sz="2400" dirty="0">
                 <a:solidFill>
                   <a:srgbClr val="0070C0"/>
                 </a:solidFill>
@@ -11153,22 +11590,22 @@
         </p:nvSpPr>
         <p:spPr>
           <a:xfrm>
-            <a:off x="4345495" y="3533870"/>
-            <a:ext cx="616526" cy="369332"/>
-          </a:xfrm>
-          <a:prstGeom prst="rect">
-            <a:avLst/>
-          </a:prstGeom>
-          <a:noFill/>
-        </p:spPr>
-        <p:txBody>
-          <a:bodyPr wrap="square" rtlCol="0">
-            <a:spAutoFit/>
-          </a:bodyPr>
-          <a:lstStyle/>
-          <a:p>
-            <a:r>
-              <a:rPr lang="en-AU" dirty="0">
+            <a:off x="2437813" y="3533870"/>
+            <a:ext cx="703537" cy="461665"/>
+          </a:xfrm>
+          <a:prstGeom prst="rect">
+            <a:avLst/>
+          </a:prstGeom>
+          <a:noFill/>
+        </p:spPr>
+        <p:txBody>
+          <a:bodyPr wrap="square" rtlCol="0">
+            <a:spAutoFit/>
+          </a:bodyPr>
+          <a:lstStyle/>
+          <a:p>
+            <a:r>
+              <a:rPr lang="en-AU" sz="2400" dirty="0">
                 <a:solidFill>
                   <a:srgbClr val="0070C0"/>
                 </a:solidFill>
@@ -11192,22 +11629,22 @@
         </p:nvSpPr>
         <p:spPr>
           <a:xfrm>
-            <a:off x="3548232" y="3821721"/>
-            <a:ext cx="616526" cy="369332"/>
-          </a:xfrm>
-          <a:prstGeom prst="rect">
-            <a:avLst/>
-          </a:prstGeom>
-          <a:noFill/>
-        </p:spPr>
-        <p:txBody>
-          <a:bodyPr wrap="square" rtlCol="0">
-            <a:spAutoFit/>
-          </a:bodyPr>
-          <a:lstStyle/>
-          <a:p>
-            <a:r>
-              <a:rPr lang="en-AU" dirty="0">
+            <a:off x="1640550" y="3821721"/>
+            <a:ext cx="731983" cy="461665"/>
+          </a:xfrm>
+          <a:prstGeom prst="rect">
+            <a:avLst/>
+          </a:prstGeom>
+          <a:noFill/>
+        </p:spPr>
+        <p:txBody>
+          <a:bodyPr wrap="square" rtlCol="0">
+            <a:spAutoFit/>
+          </a:bodyPr>
+          <a:lstStyle/>
+          <a:p>
+            <a:r>
+              <a:rPr lang="en-AU" sz="2400" dirty="0">
                 <a:solidFill>
                   <a:srgbClr val="0070C0"/>
                 </a:solidFill>
@@ -11231,22 +11668,22 @@
         </p:nvSpPr>
         <p:spPr>
           <a:xfrm>
-            <a:off x="2435921" y="2927659"/>
-            <a:ext cx="616526" cy="369332"/>
-          </a:xfrm>
-          <a:prstGeom prst="rect">
-            <a:avLst/>
-          </a:prstGeom>
-          <a:noFill/>
-        </p:spPr>
-        <p:txBody>
-          <a:bodyPr wrap="square" rtlCol="0">
-            <a:spAutoFit/>
-          </a:bodyPr>
-          <a:lstStyle/>
-          <a:p>
-            <a:r>
-              <a:rPr lang="en-AU" dirty="0">
+            <a:off x="720743" y="2927659"/>
+            <a:ext cx="948581" cy="461665"/>
+          </a:xfrm>
+          <a:prstGeom prst="rect">
+            <a:avLst/>
+          </a:prstGeom>
+          <a:noFill/>
+        </p:spPr>
+        <p:txBody>
+          <a:bodyPr wrap="square" rtlCol="0">
+            <a:spAutoFit/>
+          </a:bodyPr>
+          <a:lstStyle/>
+          <a:p>
+            <a:r>
+              <a:rPr lang="en-AU" sz="2400" dirty="0">
                 <a:solidFill>
                   <a:srgbClr val="0070C0"/>
                 </a:solidFill>
@@ -11272,7 +11709,7 @@
         </p:nvCxnSpPr>
         <p:spPr>
           <a:xfrm>
-            <a:off x="3114408" y="2425803"/>
+            <a:off x="1206727" y="2425803"/>
             <a:ext cx="985375" cy="0"/>
           </a:xfrm>
           <a:prstGeom prst="line">
@@ -11311,22 +11748,22 @@
         </p:nvSpPr>
         <p:spPr>
           <a:xfrm>
-            <a:off x="2854545" y="2478284"/>
-            <a:ext cx="2290204" cy="369332"/>
-          </a:xfrm>
-          <a:prstGeom prst="rect">
-            <a:avLst/>
-          </a:prstGeom>
-          <a:noFill/>
-        </p:spPr>
-        <p:txBody>
-          <a:bodyPr wrap="square" rtlCol="0">
-            <a:spAutoFit/>
-          </a:bodyPr>
-          <a:lstStyle/>
-          <a:p>
-            <a:r>
-              <a:rPr lang="en-AU" dirty="0">
+            <a:off x="866654" y="2446200"/>
+            <a:ext cx="2600940" cy="461665"/>
+          </a:xfrm>
+          <a:prstGeom prst="rect">
+            <a:avLst/>
+          </a:prstGeom>
+          <a:noFill/>
+        </p:spPr>
+        <p:txBody>
+          <a:bodyPr wrap="square" rtlCol="0">
+            <a:spAutoFit/>
+          </a:bodyPr>
+          <a:lstStyle/>
+          <a:p>
+            <a:r>
+              <a:rPr lang="en-AU" sz="2400" dirty="0">
                 <a:solidFill>
                   <a:srgbClr val="0070C0"/>
                 </a:solidFill>
@@ -11350,7 +11787,7 @@
         </p:nvSpPr>
         <p:spPr>
           <a:xfrm>
-            <a:off x="3386379" y="3713388"/>
+            <a:off x="1478698" y="3713388"/>
             <a:ext cx="180000" cy="180000"/>
           </a:xfrm>
           <a:prstGeom prst="ellipse">
@@ -11381,7 +11818,7 @@
           <a:lstStyle/>
           <a:p>
             <a:pPr algn="ctr"/>
-            <a:endParaRPr lang="en-AU"/>
+            <a:endParaRPr lang="en-AU" sz="2400"/>
           </a:p>
         </p:txBody>
       </p:sp>
@@ -11401,7 +11838,7 @@
         </p:nvCxnSpPr>
         <p:spPr>
           <a:xfrm>
-            <a:off x="1996504" y="6469056"/>
+            <a:off x="88823" y="6469056"/>
             <a:ext cx="3238092" cy="0"/>
           </a:xfrm>
           <a:prstGeom prst="line">
@@ -11445,7 +11882,7 @@
         </p:nvCxnSpPr>
         <p:spPr>
           <a:xfrm flipV="1">
-            <a:off x="1992726" y="4191053"/>
+            <a:off x="85045" y="4191053"/>
             <a:ext cx="3240000" cy="0"/>
           </a:xfrm>
           <a:prstGeom prst="line">
@@ -11487,8 +11924,8 @@
         </p:nvSpPr>
         <p:spPr>
           <a:xfrm>
-            <a:off x="2665355" y="3655757"/>
-            <a:ext cx="2243234" cy="9793372"/>
+            <a:off x="1469899" y="3655757"/>
+            <a:ext cx="1496101" cy="10778692"/>
           </a:xfrm>
           <a:prstGeom prst="arc">
             <a:avLst>
@@ -11541,8 +11978,8 @@
         </p:nvSpPr>
         <p:spPr>
           <a:xfrm flipH="1">
-            <a:off x="2083901" y="3655757"/>
-            <a:ext cx="2394204" cy="9796350"/>
+            <a:off x="339505" y="3655756"/>
+            <a:ext cx="1949963" cy="10778693"/>
           </a:xfrm>
           <a:prstGeom prst="arc">
             <a:avLst>
@@ -11598,8 +12035,8 @@
         </p:nvCxnSpPr>
         <p:spPr>
           <a:xfrm flipH="1">
-            <a:off x="3281003" y="5394099"/>
-            <a:ext cx="332852" cy="1090723"/>
+            <a:off x="1237135" y="5645176"/>
+            <a:ext cx="623151" cy="772154"/>
           </a:xfrm>
           <a:prstGeom prst="straightConnector1">
             <a:avLst/>
@@ -11637,14 +12074,14 @@
           </p:cNvPr>
           <p:cNvCxnSpPr>
             <a:cxnSpLocks/>
-            <a:endCxn id="48" idx="1"/>
+            <a:endCxn id="64" idx="2"/>
           </p:cNvCxnSpPr>
           <p:nvPr/>
         </p:nvCxnSpPr>
         <p:spPr>
           <a:xfrm flipH="1" flipV="1">
-            <a:off x="2925668" y="4713239"/>
-            <a:ext cx="290219" cy="1743460"/>
+            <a:off x="844216" y="5218026"/>
+            <a:ext cx="367918" cy="1221300"/>
           </a:xfrm>
           <a:prstGeom prst="straightConnector1">
             <a:avLst/>
@@ -11687,7 +12124,7 @@
         </p:nvCxnSpPr>
         <p:spPr>
           <a:xfrm flipV="1">
-            <a:off x="3740152" y="4219920"/>
+            <a:off x="1832471" y="4219920"/>
             <a:ext cx="278836" cy="260567"/>
           </a:xfrm>
           <a:prstGeom prst="straightConnector1">
@@ -11733,7 +12170,7 @@
         </p:nvCxnSpPr>
         <p:spPr>
           <a:xfrm>
-            <a:off x="4029801" y="4258898"/>
+            <a:off x="2122120" y="4258898"/>
             <a:ext cx="201940" cy="2107515"/>
           </a:xfrm>
           <a:prstGeom prst="straightConnector1">
@@ -11780,8 +12217,8 @@
         </p:nvCxnSpPr>
         <p:spPr>
           <a:xfrm flipH="1">
-            <a:off x="2730732" y="3874498"/>
-            <a:ext cx="679458" cy="890988"/>
+            <a:off x="807009" y="3849803"/>
+            <a:ext cx="722962" cy="915683"/>
           </a:xfrm>
           <a:prstGeom prst="straightConnector1">
             <a:avLst/>
@@ -11823,14 +12260,16 @@
         </p:nvSpPr>
         <p:spPr>
           <a:xfrm>
-            <a:off x="4546780" y="8011056"/>
-            <a:ext cx="301212" cy="369332"/>
+            <a:off x="2765584" y="8721484"/>
+            <a:ext cx="404594" cy="461665"/>
           </a:xfrm>
           <a:prstGeom prst="rect">
             <a:avLst/>
           </a:prstGeom>
           <a:solidFill>
-            <a:schemeClr val="tx1"/>
+            <a:schemeClr val="bg1">
+              <a:lumMod val="50000"/>
+            </a:schemeClr>
           </a:solidFill>
         </p:spPr>
         <p:txBody>
@@ -11839,8 +12278,9 @@
           </a:bodyPr>
           <a:lstStyle/>
           <a:p>
-            <a:r>
-              <a:rPr lang="en-AU" dirty="0">
+            <a:pPr algn="ctr"/>
+            <a:r>
+              <a:rPr lang="en-AU" sz="2400" dirty="0">
                 <a:solidFill>
                   <a:schemeClr val="bg1"/>
                 </a:solidFill>
@@ -11864,14 +12304,16 @@
         </p:nvSpPr>
         <p:spPr>
           <a:xfrm>
-            <a:off x="2176409" y="8011056"/>
-            <a:ext cx="301212" cy="369332"/>
+            <a:off x="204104" y="8721484"/>
+            <a:ext cx="435536" cy="466759"/>
           </a:xfrm>
           <a:prstGeom prst="rect">
             <a:avLst/>
           </a:prstGeom>
           <a:solidFill>
-            <a:schemeClr val="tx1"/>
+            <a:schemeClr val="bg1">
+              <a:lumMod val="50000"/>
+            </a:schemeClr>
           </a:solidFill>
         </p:spPr>
         <p:txBody>
@@ -11880,8 +12322,9 @@
           </a:bodyPr>
           <a:lstStyle/>
           <a:p>
-            <a:r>
-              <a:rPr lang="en-AU" dirty="0">
+            <a:pPr algn="ctr"/>
+            <a:r>
+              <a:rPr lang="en-AU" sz="2400" dirty="0">
                 <a:solidFill>
                   <a:schemeClr val="bg1"/>
                 </a:solidFill>
@@ -11905,14 +12348,16 @@
         </p:nvSpPr>
         <p:spPr>
           <a:xfrm>
-            <a:off x="2586853" y="4773735"/>
-            <a:ext cx="301212" cy="369332"/>
+            <a:off x="639640" y="4756361"/>
+            <a:ext cx="409152" cy="461665"/>
           </a:xfrm>
           <a:prstGeom prst="rect">
             <a:avLst/>
           </a:prstGeom>
           <a:solidFill>
-            <a:schemeClr val="tx1"/>
+            <a:schemeClr val="bg1">
+              <a:lumMod val="50000"/>
+            </a:schemeClr>
           </a:solidFill>
         </p:spPr>
         <p:txBody>
@@ -11921,8 +12366,9 @@
           </a:bodyPr>
           <a:lstStyle/>
           <a:p>
-            <a:r>
-              <a:rPr lang="en-AU" dirty="0">
+            <a:pPr algn="ctr"/>
+            <a:r>
+              <a:rPr lang="en-AU" sz="2400" dirty="0">
                 <a:solidFill>
                   <a:schemeClr val="bg1"/>
                 </a:solidFill>
@@ -11946,22 +12392,22 @@
         </p:nvSpPr>
         <p:spPr>
           <a:xfrm>
-            <a:off x="4582514" y="3369060"/>
-            <a:ext cx="466518" cy="369332"/>
-          </a:xfrm>
-          <a:prstGeom prst="rect">
-            <a:avLst/>
-          </a:prstGeom>
-          <a:noFill/>
-        </p:spPr>
-        <p:txBody>
-          <a:bodyPr wrap="square" rtlCol="0">
-            <a:spAutoFit/>
-          </a:bodyPr>
-          <a:lstStyle/>
-          <a:p>
-            <a:r>
-              <a:rPr lang="en-AU" dirty="0">
+            <a:off x="2674832" y="3304892"/>
+            <a:ext cx="609575" cy="461665"/>
+          </a:xfrm>
+          <a:prstGeom prst="rect">
+            <a:avLst/>
+          </a:prstGeom>
+          <a:noFill/>
+        </p:spPr>
+        <p:txBody>
+          <a:bodyPr wrap="square" rtlCol="0">
+            <a:spAutoFit/>
+          </a:bodyPr>
+          <a:lstStyle/>
+          <a:p>
+            <a:r>
+              <a:rPr lang="en-AU" sz="2400" dirty="0">
                 <a:solidFill>
                   <a:schemeClr val="bg1">
                     <a:lumMod val="50000"/>
@@ -11987,14 +12433,16 @@
         </p:nvSpPr>
         <p:spPr>
           <a:xfrm>
-            <a:off x="4804249" y="4842702"/>
-            <a:ext cx="301212" cy="369332"/>
+            <a:off x="2882280" y="4842702"/>
+            <a:ext cx="420691" cy="461665"/>
           </a:xfrm>
           <a:prstGeom prst="rect">
             <a:avLst/>
           </a:prstGeom>
           <a:solidFill>
-            <a:schemeClr val="tx1"/>
+            <a:schemeClr val="bg1">
+              <a:lumMod val="50000"/>
+            </a:schemeClr>
           </a:solidFill>
         </p:spPr>
         <p:txBody>
@@ -12003,8 +12451,9 @@
           </a:bodyPr>
           <a:lstStyle/>
           <a:p>
-            <a:r>
-              <a:rPr lang="en-AU" dirty="0">
+            <a:pPr algn="ctr"/>
+            <a:r>
+              <a:rPr lang="en-AU" sz="2400" dirty="0">
                 <a:solidFill>
                   <a:schemeClr val="bg1"/>
                 </a:solidFill>
@@ -12016,10 +12465,10 @@
       </p:sp>
       <p:cxnSp>
         <p:nvCxnSpPr>
-          <p:cNvPr id="110" name="Straight Connector 109">
-            <a:extLst>
-              <a:ext uri="{FF2B5EF4-FFF2-40B4-BE49-F238E27FC236}">
-                <a16:creationId xmlns:a16="http://schemas.microsoft.com/office/drawing/2014/main" id="{7CED231E-0104-794C-9305-8563C913D090}"/>
+          <p:cNvPr id="43" name="Straight Connector 42">
+            <a:extLst>
+              <a:ext uri="{FF2B5EF4-FFF2-40B4-BE49-F238E27FC236}">
+                <a16:creationId xmlns:a16="http://schemas.microsoft.com/office/drawing/2014/main" id="{BCCC503D-A2C8-174C-9ED5-2864A80A645A}"/>
               </a:ext>
             </a:extLst>
           </p:cNvPr>
@@ -12029,8 +12478,1451 @@
           <p:nvPr/>
         </p:nvCxnSpPr>
         <p:spPr>
-          <a:xfrm>
-            <a:off x="5294301" y="1996925"/>
+          <a:xfrm flipV="1">
+            <a:off x="3395954" y="5390998"/>
+            <a:ext cx="3240000" cy="0"/>
+          </a:xfrm>
+          <a:prstGeom prst="line">
+            <a:avLst/>
+          </a:prstGeom>
+          <a:ln w="38100">
+            <a:solidFill>
+              <a:schemeClr val="accent2"/>
+            </a:solidFill>
+            <a:prstDash val="sysDash"/>
+          </a:ln>
+        </p:spPr>
+        <p:style>
+          <a:lnRef idx="1">
+            <a:schemeClr val="accent1"/>
+          </a:lnRef>
+          <a:fillRef idx="0">
+            <a:schemeClr val="accent1"/>
+          </a:fillRef>
+          <a:effectRef idx="0">
+            <a:schemeClr val="accent1"/>
+          </a:effectRef>
+          <a:fontRef idx="minor">
+            <a:schemeClr val="tx1"/>
+          </a:fontRef>
+        </p:style>
+      </p:cxnSp>
+      <p:cxnSp>
+        <p:nvCxnSpPr>
+          <p:cNvPr id="66" name="Straight Connector 65">
+            <a:extLst>
+              <a:ext uri="{FF2B5EF4-FFF2-40B4-BE49-F238E27FC236}">
+                <a16:creationId xmlns:a16="http://schemas.microsoft.com/office/drawing/2014/main" id="{2F0B4B13-EFDE-FC4E-BA8C-7C498896DAB0}"/>
+              </a:ext>
+            </a:extLst>
+          </p:cNvPr>
+          <p:cNvCxnSpPr>
+            <a:cxnSpLocks/>
+          </p:cNvCxnSpPr>
+          <p:nvPr/>
+        </p:nvCxnSpPr>
+        <p:spPr>
+          <a:xfrm>
+            <a:off x="3399732" y="7527107"/>
+            <a:ext cx="3238092" cy="0"/>
+          </a:xfrm>
+          <a:prstGeom prst="line">
+            <a:avLst/>
+          </a:prstGeom>
+          <a:ln w="38100">
+            <a:solidFill>
+              <a:srgbClr val="FF0000"/>
+            </a:solidFill>
+            <a:prstDash val="sysDash"/>
+          </a:ln>
+        </p:spPr>
+        <p:style>
+          <a:lnRef idx="1">
+            <a:schemeClr val="accent1"/>
+          </a:lnRef>
+          <a:fillRef idx="0">
+            <a:schemeClr val="accent1"/>
+          </a:fillRef>
+          <a:effectRef idx="0">
+            <a:schemeClr val="accent1"/>
+          </a:effectRef>
+          <a:fontRef idx="minor">
+            <a:schemeClr val="tx1"/>
+          </a:fontRef>
+        </p:style>
+      </p:cxnSp>
+      <p:sp>
+        <p:nvSpPr>
+          <p:cNvPr id="67" name="Rounded Rectangle 66">
+            <a:extLst>
+              <a:ext uri="{FF2B5EF4-FFF2-40B4-BE49-F238E27FC236}">
+                <a16:creationId xmlns:a16="http://schemas.microsoft.com/office/drawing/2014/main" id="{E2C7F311-B228-7B41-BF71-A3981E031741}"/>
+              </a:ext>
+            </a:extLst>
+          </p:cNvPr>
+          <p:cNvSpPr>
+            <a:spLocks noChangeAspect="1"/>
+          </p:cNvSpPr>
+          <p:nvPr/>
+        </p:nvSpPr>
+        <p:spPr>
+          <a:xfrm>
+            <a:off x="3287445" y="7708143"/>
+            <a:ext cx="3240000" cy="1576217"/>
+          </a:xfrm>
+          <a:prstGeom prst="roundRect">
+            <a:avLst/>
+          </a:prstGeom>
+          <a:solidFill>
+            <a:srgbClr val="00B050"/>
+          </a:solidFill>
+          <a:ln w="38100">
+            <a:solidFill>
+              <a:schemeClr val="tx1"/>
+            </a:solidFill>
+          </a:ln>
+        </p:spPr>
+        <p:style>
+          <a:lnRef idx="2">
+            <a:schemeClr val="accent1">
+              <a:shade val="50000"/>
+            </a:schemeClr>
+          </a:lnRef>
+          <a:fillRef idx="1">
+            <a:schemeClr val="accent1"/>
+          </a:fillRef>
+          <a:effectRef idx="0">
+            <a:schemeClr val="accent1"/>
+          </a:effectRef>
+          <a:fontRef idx="minor">
+            <a:schemeClr val="lt1"/>
+          </a:fontRef>
+        </p:style>
+        <p:txBody>
+          <a:bodyPr rtlCol="0" anchor="ctr"/>
+          <a:lstStyle/>
+          <a:p>
+            <a:pPr algn="ctr"/>
+            <a:endParaRPr lang="en-AU"/>
+          </a:p>
+        </p:txBody>
+      </p:sp>
+      <p:sp>
+        <p:nvSpPr>
+          <p:cNvPr id="68" name="Rounded Rectangle 67">
+            <a:extLst>
+              <a:ext uri="{FF2B5EF4-FFF2-40B4-BE49-F238E27FC236}">
+                <a16:creationId xmlns:a16="http://schemas.microsoft.com/office/drawing/2014/main" id="{CCCEF8AF-CBE8-3645-BBDB-BA1111B52A1A}"/>
+              </a:ext>
+            </a:extLst>
+          </p:cNvPr>
+          <p:cNvSpPr>
+            <a:spLocks noChangeAspect="1"/>
+          </p:cNvSpPr>
+          <p:nvPr/>
+        </p:nvSpPr>
+        <p:spPr>
+          <a:xfrm>
+            <a:off x="3388168" y="520745"/>
+            <a:ext cx="3240000" cy="1576217"/>
+          </a:xfrm>
+          <a:prstGeom prst="roundRect">
+            <a:avLst/>
+          </a:prstGeom>
+          <a:solidFill>
+            <a:srgbClr val="FF0000"/>
+          </a:solidFill>
+          <a:ln w="38100">
+            <a:solidFill>
+              <a:schemeClr val="tx1"/>
+            </a:solidFill>
+          </a:ln>
+        </p:spPr>
+        <p:style>
+          <a:lnRef idx="2">
+            <a:schemeClr val="accent1">
+              <a:shade val="50000"/>
+            </a:schemeClr>
+          </a:lnRef>
+          <a:fillRef idx="1">
+            <a:schemeClr val="accent1"/>
+          </a:fillRef>
+          <a:effectRef idx="0">
+            <a:schemeClr val="accent1"/>
+          </a:effectRef>
+          <a:fontRef idx="minor">
+            <a:schemeClr val="lt1"/>
+          </a:fontRef>
+        </p:style>
+        <p:txBody>
+          <a:bodyPr rtlCol="0" anchor="ctr"/>
+          <a:lstStyle/>
+          <a:p>
+            <a:pPr algn="ctr"/>
+            <a:endParaRPr lang="en-AU" dirty="0"/>
+          </a:p>
+        </p:txBody>
+      </p:sp>
+      <p:sp>
+        <p:nvSpPr>
+          <p:cNvPr id="69" name="Rounded Rectangle 68">
+            <a:extLst>
+              <a:ext uri="{FF2B5EF4-FFF2-40B4-BE49-F238E27FC236}">
+                <a16:creationId xmlns:a16="http://schemas.microsoft.com/office/drawing/2014/main" id="{CFD3DB70-70C9-E441-B794-54A4258EEF9E}"/>
+              </a:ext>
+            </a:extLst>
+          </p:cNvPr>
+          <p:cNvSpPr>
+            <a:spLocks noChangeAspect="1"/>
+          </p:cNvSpPr>
+          <p:nvPr/>
+        </p:nvSpPr>
+        <p:spPr>
+          <a:xfrm>
+            <a:off x="3390324" y="2096962"/>
+            <a:ext cx="3240000" cy="5604325"/>
+          </a:xfrm>
+          <a:prstGeom prst="roundRect">
+            <a:avLst/>
+          </a:prstGeom>
+          <a:noFill/>
+          <a:ln w="38100">
+            <a:solidFill>
+              <a:schemeClr val="tx1"/>
+            </a:solidFill>
+          </a:ln>
+        </p:spPr>
+        <p:style>
+          <a:lnRef idx="2">
+            <a:schemeClr val="accent1">
+              <a:shade val="50000"/>
+            </a:schemeClr>
+          </a:lnRef>
+          <a:fillRef idx="1">
+            <a:schemeClr val="accent1"/>
+          </a:fillRef>
+          <a:effectRef idx="0">
+            <a:schemeClr val="accent1"/>
+          </a:effectRef>
+          <a:fontRef idx="minor">
+            <a:schemeClr val="lt1"/>
+          </a:fontRef>
+        </p:style>
+        <p:txBody>
+          <a:bodyPr rtlCol="0" anchor="ctr"/>
+          <a:lstStyle/>
+          <a:p>
+            <a:pPr algn="ctr"/>
+            <a:endParaRPr lang="en-AU" sz="2400"/>
+          </a:p>
+        </p:txBody>
+      </p:sp>
+      <p:sp>
+        <p:nvSpPr>
+          <p:cNvPr id="70" name="Multiply 69">
+            <a:extLst>
+              <a:ext uri="{FF2B5EF4-FFF2-40B4-BE49-F238E27FC236}">
+                <a16:creationId xmlns:a16="http://schemas.microsoft.com/office/drawing/2014/main" id="{7900FD3F-BBE5-3D4C-9D1F-DC8DBD2EC038}"/>
+              </a:ext>
+            </a:extLst>
+          </p:cNvPr>
+          <p:cNvSpPr/>
+          <p:nvPr/>
+        </p:nvSpPr>
+        <p:spPr>
+          <a:xfrm>
+            <a:off x="4635432" y="5719826"/>
+            <a:ext cx="767443" cy="849086"/>
+          </a:xfrm>
+          <a:prstGeom prst="mathMultiply">
+            <a:avLst/>
+          </a:prstGeom>
+          <a:noFill/>
+        </p:spPr>
+        <p:style>
+          <a:lnRef idx="2">
+            <a:schemeClr val="accent1">
+              <a:shade val="50000"/>
+            </a:schemeClr>
+          </a:lnRef>
+          <a:fillRef idx="1">
+            <a:schemeClr val="accent1"/>
+          </a:fillRef>
+          <a:effectRef idx="0">
+            <a:schemeClr val="accent1"/>
+          </a:effectRef>
+          <a:fontRef idx="minor">
+            <a:schemeClr val="lt1"/>
+          </a:fontRef>
+        </p:style>
+        <p:txBody>
+          <a:bodyPr rtlCol="0" anchor="ctr"/>
+          <a:lstStyle/>
+          <a:p>
+            <a:pPr algn="ctr"/>
+            <a:endParaRPr lang="en-AU" sz="2400"/>
+          </a:p>
+        </p:txBody>
+      </p:sp>
+      <p:sp>
+        <p:nvSpPr>
+          <p:cNvPr id="73" name="TextBox 72">
+            <a:extLst>
+              <a:ext uri="{FF2B5EF4-FFF2-40B4-BE49-F238E27FC236}">
+                <a16:creationId xmlns:a16="http://schemas.microsoft.com/office/drawing/2014/main" id="{761C5194-E733-624D-8669-B68772557622}"/>
+              </a:ext>
+            </a:extLst>
+          </p:cNvPr>
+          <p:cNvSpPr txBox="1"/>
+          <p:nvPr/>
+        </p:nvSpPr>
+        <p:spPr>
+          <a:xfrm>
+            <a:off x="4868203" y="5586333"/>
+            <a:ext cx="699867" cy="461665"/>
+          </a:xfrm>
+          <a:prstGeom prst="rect">
+            <a:avLst/>
+          </a:prstGeom>
+          <a:noFill/>
+        </p:spPr>
+        <p:txBody>
+          <a:bodyPr wrap="square" rtlCol="0">
+            <a:spAutoFit/>
+          </a:bodyPr>
+          <a:lstStyle/>
+          <a:p>
+            <a:r>
+              <a:rPr lang="en-AU" sz="2400" dirty="0">
+                <a:solidFill>
+                  <a:schemeClr val="bg1">
+                    <a:lumMod val="50000"/>
+                  </a:schemeClr>
+                </a:solidFill>
+              </a:rPr>
+              <a:t>O2</a:t>
+            </a:r>
+          </a:p>
+        </p:txBody>
+      </p:sp>
+      <p:sp>
+        <p:nvSpPr>
+          <p:cNvPr id="74" name="TextBox 73">
+            <a:extLst>
+              <a:ext uri="{FF2B5EF4-FFF2-40B4-BE49-F238E27FC236}">
+                <a16:creationId xmlns:a16="http://schemas.microsoft.com/office/drawing/2014/main" id="{55A286E9-0B6F-A64C-B37E-E265D03D3E24}"/>
+              </a:ext>
+            </a:extLst>
+          </p:cNvPr>
+          <p:cNvSpPr txBox="1"/>
+          <p:nvPr/>
+        </p:nvSpPr>
+        <p:spPr>
+          <a:xfrm>
+            <a:off x="4297740" y="4402024"/>
+            <a:ext cx="609705" cy="461665"/>
+          </a:xfrm>
+          <a:prstGeom prst="rect">
+            <a:avLst/>
+          </a:prstGeom>
+          <a:solidFill>
+            <a:schemeClr val="tx1"/>
+          </a:solidFill>
+        </p:spPr>
+        <p:txBody>
+          <a:bodyPr wrap="square" rtlCol="0">
+            <a:spAutoFit/>
+          </a:bodyPr>
+          <a:lstStyle/>
+          <a:p>
+            <a:r>
+              <a:rPr lang="en-AU" sz="2400" dirty="0">
+                <a:solidFill>
+                  <a:schemeClr val="bg1"/>
+                </a:solidFill>
+              </a:rPr>
+              <a:t>O1</a:t>
+            </a:r>
+          </a:p>
+        </p:txBody>
+      </p:sp>
+      <p:sp>
+        <p:nvSpPr>
+          <p:cNvPr id="75" name="TextBox 74">
+            <a:extLst>
+              <a:ext uri="{FF2B5EF4-FFF2-40B4-BE49-F238E27FC236}">
+                <a16:creationId xmlns:a16="http://schemas.microsoft.com/office/drawing/2014/main" id="{3184E9A8-0053-CC40-A9A2-D370E6AB3B20}"/>
+              </a:ext>
+            </a:extLst>
+          </p:cNvPr>
+          <p:cNvSpPr txBox="1"/>
+          <p:nvPr/>
+        </p:nvSpPr>
+        <p:spPr>
+          <a:xfrm>
+            <a:off x="4886540" y="5309695"/>
+            <a:ext cx="756050" cy="461665"/>
+          </a:xfrm>
+          <a:prstGeom prst="rect">
+            <a:avLst/>
+          </a:prstGeom>
+          <a:noFill/>
+        </p:spPr>
+        <p:txBody>
+          <a:bodyPr wrap="square" rtlCol="0">
+            <a:spAutoFit/>
+          </a:bodyPr>
+          <a:lstStyle/>
+          <a:p>
+            <a:r>
+              <a:rPr lang="en-AU" sz="2400" dirty="0">
+                <a:solidFill>
+                  <a:schemeClr val="bg1">
+                    <a:lumMod val="50000"/>
+                  </a:schemeClr>
+                </a:solidFill>
+              </a:rPr>
+              <a:t>O3</a:t>
+            </a:r>
+          </a:p>
+        </p:txBody>
+      </p:sp>
+      <p:sp>
+        <p:nvSpPr>
+          <p:cNvPr id="76" name="TextBox 75">
+            <a:extLst>
+              <a:ext uri="{FF2B5EF4-FFF2-40B4-BE49-F238E27FC236}">
+                <a16:creationId xmlns:a16="http://schemas.microsoft.com/office/drawing/2014/main" id="{A7411F95-5313-9D4D-803B-51FB934DBE1C}"/>
+              </a:ext>
+            </a:extLst>
+          </p:cNvPr>
+          <p:cNvSpPr txBox="1"/>
+          <p:nvPr/>
+        </p:nvSpPr>
+        <p:spPr>
+          <a:xfrm>
+            <a:off x="5496847" y="6213415"/>
+            <a:ext cx="671812" cy="461665"/>
+          </a:xfrm>
+          <a:prstGeom prst="rect">
+            <a:avLst/>
+          </a:prstGeom>
+          <a:noFill/>
+        </p:spPr>
+        <p:txBody>
+          <a:bodyPr wrap="square" rtlCol="0">
+            <a:spAutoFit/>
+          </a:bodyPr>
+          <a:lstStyle/>
+          <a:p>
+            <a:r>
+              <a:rPr lang="en-AU" sz="2400" dirty="0">
+                <a:solidFill>
+                  <a:schemeClr val="bg1">
+                    <a:lumMod val="50000"/>
+                  </a:schemeClr>
+                </a:solidFill>
+              </a:rPr>
+              <a:t>O4</a:t>
+            </a:r>
+          </a:p>
+        </p:txBody>
+      </p:sp>
+      <p:sp>
+        <p:nvSpPr>
+          <p:cNvPr id="79" name="TextBox 78">
+            <a:extLst>
+              <a:ext uri="{FF2B5EF4-FFF2-40B4-BE49-F238E27FC236}">
+                <a16:creationId xmlns:a16="http://schemas.microsoft.com/office/drawing/2014/main" id="{1F9A94D2-ECE2-BA4F-8A60-56F2AE5D4EC6}"/>
+              </a:ext>
+            </a:extLst>
+          </p:cNvPr>
+          <p:cNvSpPr txBox="1"/>
+          <p:nvPr/>
+        </p:nvSpPr>
+        <p:spPr>
+          <a:xfrm>
+            <a:off x="4345669" y="4797384"/>
+            <a:ext cx="753616" cy="461665"/>
+          </a:xfrm>
+          <a:prstGeom prst="rect">
+            <a:avLst/>
+          </a:prstGeom>
+          <a:noFill/>
+        </p:spPr>
+        <p:txBody>
+          <a:bodyPr wrap="square" rtlCol="0">
+            <a:spAutoFit/>
+          </a:bodyPr>
+          <a:lstStyle/>
+          <a:p>
+            <a:r>
+              <a:rPr lang="en-AU" sz="2400" dirty="0">
+                <a:solidFill>
+                  <a:srgbClr val="0070C0"/>
+                </a:solidFill>
+              </a:rPr>
+              <a:t>D8</a:t>
+            </a:r>
+          </a:p>
+        </p:txBody>
+      </p:sp>
+      <p:sp>
+        <p:nvSpPr>
+          <p:cNvPr id="80" name="TextBox 79">
+            <a:extLst>
+              <a:ext uri="{FF2B5EF4-FFF2-40B4-BE49-F238E27FC236}">
+                <a16:creationId xmlns:a16="http://schemas.microsoft.com/office/drawing/2014/main" id="{1BC67D3A-89A9-DE48-A015-3ABFAFE02101}"/>
+              </a:ext>
+            </a:extLst>
+          </p:cNvPr>
+          <p:cNvSpPr txBox="1"/>
+          <p:nvPr/>
+        </p:nvSpPr>
+        <p:spPr>
+          <a:xfrm>
+            <a:off x="4358026" y="5756380"/>
+            <a:ext cx="594452" cy="461665"/>
+          </a:xfrm>
+          <a:prstGeom prst="rect">
+            <a:avLst/>
+          </a:prstGeom>
+          <a:noFill/>
+        </p:spPr>
+        <p:txBody>
+          <a:bodyPr wrap="square" rtlCol="0">
+            <a:spAutoFit/>
+          </a:bodyPr>
+          <a:lstStyle/>
+          <a:p>
+            <a:r>
+              <a:rPr lang="en-AU" sz="2400" dirty="0">
+                <a:solidFill>
+                  <a:srgbClr val="0070C0"/>
+                </a:solidFill>
+              </a:rPr>
+              <a:t>D9</a:t>
+            </a:r>
+          </a:p>
+        </p:txBody>
+      </p:sp>
+      <p:sp>
+        <p:nvSpPr>
+          <p:cNvPr id="81" name="TextBox 80">
+            <a:extLst>
+              <a:ext uri="{FF2B5EF4-FFF2-40B4-BE49-F238E27FC236}">
+                <a16:creationId xmlns:a16="http://schemas.microsoft.com/office/drawing/2014/main" id="{9AB584F0-255C-0341-88AD-EC3B6C10519A}"/>
+              </a:ext>
+            </a:extLst>
+          </p:cNvPr>
+          <p:cNvSpPr txBox="1"/>
+          <p:nvPr/>
+        </p:nvSpPr>
+        <p:spPr>
+          <a:xfrm>
+            <a:off x="4372695" y="5350521"/>
+            <a:ext cx="797106" cy="461665"/>
+          </a:xfrm>
+          <a:prstGeom prst="rect">
+            <a:avLst/>
+          </a:prstGeom>
+          <a:noFill/>
+        </p:spPr>
+        <p:txBody>
+          <a:bodyPr wrap="square" rtlCol="0">
+            <a:spAutoFit/>
+          </a:bodyPr>
+          <a:lstStyle/>
+          <a:p>
+            <a:r>
+              <a:rPr lang="en-AU" sz="2400" dirty="0">
+                <a:solidFill>
+                  <a:srgbClr val="0070C0"/>
+                </a:solidFill>
+              </a:rPr>
+              <a:t>D10</a:t>
+            </a:r>
+          </a:p>
+        </p:txBody>
+      </p:sp>
+      <p:sp>
+        <p:nvSpPr>
+          <p:cNvPr id="82" name="TextBox 81">
+            <a:extLst>
+              <a:ext uri="{FF2B5EF4-FFF2-40B4-BE49-F238E27FC236}">
+                <a16:creationId xmlns:a16="http://schemas.microsoft.com/office/drawing/2014/main" id="{8E2A23C4-5F23-2A46-9429-F446037E9B19}"/>
+              </a:ext>
+            </a:extLst>
+          </p:cNvPr>
+          <p:cNvSpPr txBox="1"/>
+          <p:nvPr/>
+        </p:nvSpPr>
+        <p:spPr>
+          <a:xfrm>
+            <a:off x="5434149" y="5975189"/>
+            <a:ext cx="741021" cy="461665"/>
+          </a:xfrm>
+          <a:prstGeom prst="rect">
+            <a:avLst/>
+          </a:prstGeom>
+          <a:noFill/>
+        </p:spPr>
+        <p:txBody>
+          <a:bodyPr wrap="square" rtlCol="0">
+            <a:spAutoFit/>
+          </a:bodyPr>
+          <a:lstStyle/>
+          <a:p>
+            <a:r>
+              <a:rPr lang="en-AU" sz="2400" dirty="0">
+                <a:solidFill>
+                  <a:srgbClr val="0070C0"/>
+                </a:solidFill>
+              </a:rPr>
+              <a:t>D11</a:t>
+            </a:r>
+          </a:p>
+        </p:txBody>
+      </p:sp>
+      <p:sp>
+        <p:nvSpPr>
+          <p:cNvPr id="86" name="Oval 85">
+            <a:extLst>
+              <a:ext uri="{FF2B5EF4-FFF2-40B4-BE49-F238E27FC236}">
+                <a16:creationId xmlns:a16="http://schemas.microsoft.com/office/drawing/2014/main" id="{C028FA8D-DC89-6C42-8B29-5193C52F0AF0}"/>
+              </a:ext>
+            </a:extLst>
+          </p:cNvPr>
+          <p:cNvSpPr/>
+          <p:nvPr/>
+        </p:nvSpPr>
+        <p:spPr>
+          <a:xfrm>
+            <a:off x="4197663" y="4797593"/>
+            <a:ext cx="180000" cy="180000"/>
+          </a:xfrm>
+          <a:prstGeom prst="ellipse">
+            <a:avLst/>
+          </a:prstGeom>
+          <a:solidFill>
+            <a:schemeClr val="tx1"/>
+          </a:solidFill>
+        </p:spPr>
+        <p:style>
+          <a:lnRef idx="2">
+            <a:schemeClr val="accent1">
+              <a:shade val="50000"/>
+            </a:schemeClr>
+          </a:lnRef>
+          <a:fillRef idx="1">
+            <a:schemeClr val="accent1"/>
+          </a:fillRef>
+          <a:effectRef idx="0">
+            <a:schemeClr val="accent1"/>
+          </a:effectRef>
+          <a:fontRef idx="minor">
+            <a:schemeClr val="lt1"/>
+          </a:fontRef>
+        </p:style>
+        <p:txBody>
+          <a:bodyPr rtlCol="0" anchor="ctr"/>
+          <a:lstStyle/>
+          <a:p>
+            <a:pPr algn="ctr"/>
+            <a:endParaRPr lang="en-AU" sz="2400"/>
+          </a:p>
+        </p:txBody>
+      </p:sp>
+      <p:cxnSp>
+        <p:nvCxnSpPr>
+          <p:cNvPr id="87" name="Straight Arrow Connector 86">
+            <a:extLst>
+              <a:ext uri="{FF2B5EF4-FFF2-40B4-BE49-F238E27FC236}">
+                <a16:creationId xmlns:a16="http://schemas.microsoft.com/office/drawing/2014/main" id="{53613999-321A-9B48-BD58-303A07AF88A6}"/>
+              </a:ext>
+            </a:extLst>
+          </p:cNvPr>
+          <p:cNvCxnSpPr>
+            <a:cxnSpLocks/>
+          </p:cNvCxnSpPr>
+          <p:nvPr/>
+        </p:nvCxnSpPr>
+        <p:spPr>
+          <a:xfrm flipH="1">
+            <a:off x="4483181" y="5955665"/>
+            <a:ext cx="524987" cy="1406832"/>
+          </a:xfrm>
+          <a:prstGeom prst="straightConnector1">
+            <a:avLst/>
+          </a:prstGeom>
+          <a:ln w="60325">
+            <a:solidFill>
+              <a:schemeClr val="bg1">
+                <a:lumMod val="50000"/>
+              </a:schemeClr>
+            </a:solidFill>
+            <a:tailEnd type="triangle"/>
+          </a:ln>
+        </p:spPr>
+        <p:style>
+          <a:lnRef idx="1">
+            <a:schemeClr val="accent1"/>
+          </a:lnRef>
+          <a:fillRef idx="0">
+            <a:schemeClr val="accent1"/>
+          </a:fillRef>
+          <a:effectRef idx="0">
+            <a:schemeClr val="accent1"/>
+          </a:effectRef>
+          <a:fontRef idx="minor">
+            <a:schemeClr val="tx1"/>
+          </a:fontRef>
+        </p:style>
+      </p:cxnSp>
+      <p:cxnSp>
+        <p:nvCxnSpPr>
+          <p:cNvPr id="88" name="Straight Arrow Connector 87">
+            <a:extLst>
+              <a:ext uri="{FF2B5EF4-FFF2-40B4-BE49-F238E27FC236}">
+                <a16:creationId xmlns:a16="http://schemas.microsoft.com/office/drawing/2014/main" id="{892206D8-C924-E64F-9447-98C49BD9713A}"/>
+              </a:ext>
+            </a:extLst>
+          </p:cNvPr>
+          <p:cNvCxnSpPr>
+            <a:cxnSpLocks/>
+            <a:endCxn id="90" idx="2"/>
+          </p:cNvCxnSpPr>
+          <p:nvPr/>
+        </p:nvCxnSpPr>
+        <p:spPr>
+          <a:xfrm flipH="1" flipV="1">
+            <a:off x="4107883" y="5939323"/>
+            <a:ext cx="269782" cy="1423176"/>
+          </a:xfrm>
+          <a:prstGeom prst="straightConnector1">
+            <a:avLst/>
+          </a:prstGeom>
+          <a:ln w="60325">
+            <a:solidFill>
+              <a:schemeClr val="bg1">
+                <a:lumMod val="50000"/>
+              </a:schemeClr>
+            </a:solidFill>
+            <a:tailEnd type="triangle"/>
+          </a:ln>
+        </p:spPr>
+        <p:style>
+          <a:lnRef idx="1">
+            <a:schemeClr val="accent1"/>
+          </a:lnRef>
+          <a:fillRef idx="0">
+            <a:schemeClr val="accent1"/>
+          </a:fillRef>
+          <a:effectRef idx="0">
+            <a:schemeClr val="accent1"/>
+          </a:effectRef>
+          <a:fontRef idx="minor">
+            <a:schemeClr val="tx1"/>
+          </a:fontRef>
+        </p:style>
+      </p:cxnSp>
+      <p:cxnSp>
+        <p:nvCxnSpPr>
+          <p:cNvPr id="89" name="Straight Arrow Connector 88">
+            <a:extLst>
+              <a:ext uri="{FF2B5EF4-FFF2-40B4-BE49-F238E27FC236}">
+                <a16:creationId xmlns:a16="http://schemas.microsoft.com/office/drawing/2014/main" id="{B2B362D2-1B1E-2B42-A7EE-099ACA0C0E25}"/>
+              </a:ext>
+            </a:extLst>
+          </p:cNvPr>
+          <p:cNvCxnSpPr>
+            <a:cxnSpLocks/>
+            <a:stCxn id="76" idx="2"/>
+          </p:cNvCxnSpPr>
+          <p:nvPr/>
+        </p:nvCxnSpPr>
+        <p:spPr>
+          <a:xfrm>
+            <a:off x="5832753" y="6675080"/>
+            <a:ext cx="48580" cy="763264"/>
+          </a:xfrm>
+          <a:prstGeom prst="straightConnector1">
+            <a:avLst/>
+          </a:prstGeom>
+          <a:ln w="60325">
+            <a:solidFill>
+              <a:schemeClr val="bg1">
+                <a:lumMod val="50000"/>
+              </a:schemeClr>
+            </a:solidFill>
+            <a:tailEnd type="triangle"/>
+          </a:ln>
+        </p:spPr>
+        <p:style>
+          <a:lnRef idx="1">
+            <a:schemeClr val="accent1"/>
+          </a:lnRef>
+          <a:fillRef idx="0">
+            <a:schemeClr val="accent1"/>
+          </a:fillRef>
+          <a:effectRef idx="0">
+            <a:schemeClr val="accent1"/>
+          </a:effectRef>
+          <a:fontRef idx="minor">
+            <a:schemeClr val="tx1"/>
+          </a:fontRef>
+        </p:style>
+      </p:cxnSp>
+      <p:sp>
+        <p:nvSpPr>
+          <p:cNvPr id="90" name="TextBox 89">
+            <a:extLst>
+              <a:ext uri="{FF2B5EF4-FFF2-40B4-BE49-F238E27FC236}">
+                <a16:creationId xmlns:a16="http://schemas.microsoft.com/office/drawing/2014/main" id="{7BAD1B6F-3C55-EF4F-BF07-072C388DEA31}"/>
+              </a:ext>
+            </a:extLst>
+          </p:cNvPr>
+          <p:cNvSpPr txBox="1"/>
+          <p:nvPr/>
+        </p:nvSpPr>
+        <p:spPr>
+          <a:xfrm>
+            <a:off x="3870096" y="5477658"/>
+            <a:ext cx="475573" cy="461665"/>
+          </a:xfrm>
+          <a:prstGeom prst="rect">
+            <a:avLst/>
+          </a:prstGeom>
+          <a:solidFill>
+            <a:schemeClr val="bg1">
+              <a:lumMod val="50000"/>
+            </a:schemeClr>
+          </a:solidFill>
+        </p:spPr>
+        <p:txBody>
+          <a:bodyPr wrap="square" rtlCol="0">
+            <a:spAutoFit/>
+          </a:bodyPr>
+          <a:lstStyle/>
+          <a:p>
+            <a:pPr algn="ctr"/>
+            <a:r>
+              <a:rPr lang="en-AU" sz="2400" dirty="0">
+                <a:solidFill>
+                  <a:schemeClr val="bg1"/>
+                </a:solidFill>
+              </a:rPr>
+              <a:t>C’</a:t>
+            </a:r>
+          </a:p>
+        </p:txBody>
+      </p:sp>
+      <p:cxnSp>
+        <p:nvCxnSpPr>
+          <p:cNvPr id="93" name="Straight Arrow Connector 92">
+            <a:extLst>
+              <a:ext uri="{FF2B5EF4-FFF2-40B4-BE49-F238E27FC236}">
+                <a16:creationId xmlns:a16="http://schemas.microsoft.com/office/drawing/2014/main" id="{36518358-E508-8E48-ACD9-E78B6FF708FA}"/>
+              </a:ext>
+            </a:extLst>
+          </p:cNvPr>
+          <p:cNvCxnSpPr>
+            <a:cxnSpLocks/>
+          </p:cNvCxnSpPr>
+          <p:nvPr/>
+        </p:nvCxnSpPr>
+        <p:spPr>
+          <a:xfrm flipH="1">
+            <a:off x="6290417" y="3756682"/>
+            <a:ext cx="17344" cy="1161628"/>
+          </a:xfrm>
+          <a:prstGeom prst="straightConnector1">
+            <a:avLst/>
+          </a:prstGeom>
+          <a:ln w="60325">
+            <a:solidFill>
+              <a:schemeClr val="bg1">
+                <a:lumMod val="50000"/>
+              </a:schemeClr>
+            </a:solidFill>
+            <a:tailEnd type="triangle"/>
+          </a:ln>
+        </p:spPr>
+        <p:style>
+          <a:lnRef idx="1">
+            <a:schemeClr val="accent1"/>
+          </a:lnRef>
+          <a:fillRef idx="0">
+            <a:schemeClr val="accent1"/>
+          </a:fillRef>
+          <a:effectRef idx="0">
+            <a:schemeClr val="accent1"/>
+          </a:effectRef>
+          <a:fontRef idx="minor">
+            <a:schemeClr val="tx1"/>
+          </a:fontRef>
+        </p:style>
+      </p:cxnSp>
+      <p:sp>
+        <p:nvSpPr>
+          <p:cNvPr id="97" name="TextBox 96">
+            <a:extLst>
+              <a:ext uri="{FF2B5EF4-FFF2-40B4-BE49-F238E27FC236}">
+                <a16:creationId xmlns:a16="http://schemas.microsoft.com/office/drawing/2014/main" id="{A516A99E-F4BB-0E41-9D9B-24E523A4BDCA}"/>
+              </a:ext>
+            </a:extLst>
+          </p:cNvPr>
+          <p:cNvSpPr txBox="1"/>
+          <p:nvPr/>
+        </p:nvSpPr>
+        <p:spPr>
+          <a:xfrm rot="5400000">
+            <a:off x="5868063" y="2819047"/>
+            <a:ext cx="1223757" cy="461665"/>
+          </a:xfrm>
+          <a:prstGeom prst="rect">
+            <a:avLst/>
+          </a:prstGeom>
+          <a:noFill/>
+        </p:spPr>
+        <p:txBody>
+          <a:bodyPr wrap="square" rtlCol="0">
+            <a:spAutoFit/>
+          </a:bodyPr>
+          <a:lstStyle/>
+          <a:p>
+            <a:r>
+              <a:rPr lang="en-AU" sz="2400" dirty="0">
+                <a:solidFill>
+                  <a:srgbClr val="C00000"/>
+                </a:solidFill>
+              </a:rPr>
+              <a:t>Upfield</a:t>
+            </a:r>
+          </a:p>
+        </p:txBody>
+      </p:sp>
+      <p:sp>
+        <p:nvSpPr>
+          <p:cNvPr id="98" name="TextBox 97">
+            <a:extLst>
+              <a:ext uri="{FF2B5EF4-FFF2-40B4-BE49-F238E27FC236}">
+                <a16:creationId xmlns:a16="http://schemas.microsoft.com/office/drawing/2014/main" id="{CD32752A-C6F2-934A-89D9-EC3B29B2B007}"/>
+              </a:ext>
+            </a:extLst>
+          </p:cNvPr>
+          <p:cNvSpPr txBox="1"/>
+          <p:nvPr/>
+        </p:nvSpPr>
+        <p:spPr>
+          <a:xfrm rot="5400000">
+            <a:off x="5698346" y="6586871"/>
+            <a:ext cx="1576217" cy="461665"/>
+          </a:xfrm>
+          <a:prstGeom prst="rect">
+            <a:avLst/>
+          </a:prstGeom>
+          <a:noFill/>
+        </p:spPr>
+        <p:txBody>
+          <a:bodyPr wrap="square" rtlCol="0">
+            <a:spAutoFit/>
+          </a:bodyPr>
+          <a:lstStyle/>
+          <a:p>
+            <a:r>
+              <a:rPr lang="en-AU" sz="2400" dirty="0">
+                <a:solidFill>
+                  <a:schemeClr val="accent6"/>
+                </a:solidFill>
+              </a:rPr>
+              <a:t>Downfield</a:t>
+            </a:r>
+          </a:p>
+        </p:txBody>
+      </p:sp>
+      <p:cxnSp>
+        <p:nvCxnSpPr>
+          <p:cNvPr id="99" name="Straight Connector 98">
+            <a:extLst>
+              <a:ext uri="{FF2B5EF4-FFF2-40B4-BE49-F238E27FC236}">
+                <a16:creationId xmlns:a16="http://schemas.microsoft.com/office/drawing/2014/main" id="{A62AE494-A388-5A4C-8BF9-3746139D669E}"/>
+              </a:ext>
+            </a:extLst>
+          </p:cNvPr>
+          <p:cNvCxnSpPr>
+            <a:cxnSpLocks/>
+          </p:cNvCxnSpPr>
+          <p:nvPr/>
+        </p:nvCxnSpPr>
+        <p:spPr>
+          <a:xfrm flipV="1">
+            <a:off x="6462954" y="5121894"/>
+            <a:ext cx="0" cy="938269"/>
+          </a:xfrm>
+          <a:prstGeom prst="line">
+            <a:avLst/>
+          </a:prstGeom>
+          <a:ln w="60325">
+            <a:solidFill>
+              <a:srgbClr val="00B050"/>
+            </a:solidFill>
+            <a:headEnd type="stealth" w="lg" len="lg"/>
+          </a:ln>
+        </p:spPr>
+        <p:style>
+          <a:lnRef idx="1">
+            <a:schemeClr val="accent1"/>
+          </a:lnRef>
+          <a:fillRef idx="0">
+            <a:schemeClr val="accent1"/>
+          </a:fillRef>
+          <a:effectRef idx="0">
+            <a:schemeClr val="accent1"/>
+          </a:effectRef>
+          <a:fontRef idx="minor">
+            <a:schemeClr val="tx1"/>
+          </a:fontRef>
+        </p:style>
+      </p:cxnSp>
+      <p:sp>
+        <p:nvSpPr>
+          <p:cNvPr id="100" name="TextBox 99">
+            <a:extLst>
+              <a:ext uri="{FF2B5EF4-FFF2-40B4-BE49-F238E27FC236}">
+                <a16:creationId xmlns:a16="http://schemas.microsoft.com/office/drawing/2014/main" id="{A76B80E7-C758-D641-99C6-169214AFE49B}"/>
+              </a:ext>
+            </a:extLst>
+          </p:cNvPr>
+          <p:cNvSpPr txBox="1"/>
+          <p:nvPr/>
+        </p:nvSpPr>
+        <p:spPr>
+          <a:xfrm>
+            <a:off x="5881333" y="5473056"/>
+            <a:ext cx="449267" cy="461665"/>
+          </a:xfrm>
+          <a:prstGeom prst="rect">
+            <a:avLst/>
+          </a:prstGeom>
+          <a:solidFill>
+            <a:schemeClr val="bg1">
+              <a:lumMod val="50000"/>
+            </a:schemeClr>
+          </a:solidFill>
+        </p:spPr>
+        <p:txBody>
+          <a:bodyPr wrap="square" rtlCol="0">
+            <a:spAutoFit/>
+          </a:bodyPr>
+          <a:lstStyle/>
+          <a:p>
+            <a:pPr algn="ctr"/>
+            <a:r>
+              <a:rPr lang="en-AU" sz="2400" dirty="0">
+                <a:solidFill>
+                  <a:schemeClr val="bg1"/>
+                </a:solidFill>
+              </a:rPr>
+              <a:t>D’</a:t>
+            </a:r>
+          </a:p>
+        </p:txBody>
+      </p:sp>
+      <p:sp>
+        <p:nvSpPr>
+          <p:cNvPr id="108" name="Multiply 107">
+            <a:extLst>
+              <a:ext uri="{FF2B5EF4-FFF2-40B4-BE49-F238E27FC236}">
+                <a16:creationId xmlns:a16="http://schemas.microsoft.com/office/drawing/2014/main" id="{A154A302-FE54-214A-A2AF-58CCA25F1DA3}"/>
+              </a:ext>
+            </a:extLst>
+          </p:cNvPr>
+          <p:cNvSpPr/>
+          <p:nvPr/>
+        </p:nvSpPr>
+        <p:spPr>
+          <a:xfrm>
+            <a:off x="4598800" y="3118503"/>
+            <a:ext cx="948581" cy="951904"/>
+          </a:xfrm>
+          <a:prstGeom prst="mathMultiply">
+            <a:avLst/>
+          </a:prstGeom>
+          <a:noFill/>
+        </p:spPr>
+        <p:style>
+          <a:lnRef idx="2">
+            <a:schemeClr val="accent1">
+              <a:shade val="50000"/>
+            </a:schemeClr>
+          </a:lnRef>
+          <a:fillRef idx="1">
+            <a:schemeClr val="accent1"/>
+          </a:fillRef>
+          <a:effectRef idx="0">
+            <a:schemeClr val="accent1"/>
+          </a:effectRef>
+          <a:fontRef idx="minor">
+            <a:schemeClr val="lt1"/>
+          </a:fontRef>
+        </p:style>
+        <p:txBody>
+          <a:bodyPr rtlCol="0" anchor="ctr"/>
+          <a:lstStyle/>
+          <a:p>
+            <a:pPr algn="ctr"/>
+            <a:endParaRPr lang="en-AU" sz="2400"/>
+          </a:p>
+        </p:txBody>
+      </p:sp>
+      <p:sp>
+        <p:nvSpPr>
+          <p:cNvPr id="109" name="TextBox 108">
+            <a:extLst>
+              <a:ext uri="{FF2B5EF4-FFF2-40B4-BE49-F238E27FC236}">
+                <a16:creationId xmlns:a16="http://schemas.microsoft.com/office/drawing/2014/main" id="{A499ABCE-4EBA-CC49-B107-5DCAEC4F8447}"/>
+              </a:ext>
+            </a:extLst>
+          </p:cNvPr>
+          <p:cNvSpPr txBox="1"/>
+          <p:nvPr/>
+        </p:nvSpPr>
+        <p:spPr>
+          <a:xfrm>
+            <a:off x="4800489" y="3374045"/>
+            <a:ext cx="843406" cy="463885"/>
+          </a:xfrm>
+          <a:prstGeom prst="rect">
+            <a:avLst/>
+          </a:prstGeom>
+          <a:noFill/>
+        </p:spPr>
+        <p:txBody>
+          <a:bodyPr wrap="square" rtlCol="0">
+            <a:spAutoFit/>
+          </a:bodyPr>
+          <a:lstStyle/>
+          <a:p>
+            <a:r>
+              <a:rPr lang="en-AU" sz="2400" dirty="0">
+                <a:solidFill>
+                  <a:schemeClr val="bg1">
+                    <a:lumMod val="50000"/>
+                  </a:schemeClr>
+                </a:solidFill>
+              </a:rPr>
+              <a:t>O6</a:t>
+            </a:r>
+          </a:p>
+        </p:txBody>
+      </p:sp>
+      <p:sp>
+        <p:nvSpPr>
+          <p:cNvPr id="114" name="TextBox 113">
+            <a:extLst>
+              <a:ext uri="{FF2B5EF4-FFF2-40B4-BE49-F238E27FC236}">
+                <a16:creationId xmlns:a16="http://schemas.microsoft.com/office/drawing/2014/main" id="{414D4663-30F0-BD40-859E-3D7CD6B4CC16}"/>
+              </a:ext>
+            </a:extLst>
+          </p:cNvPr>
+          <p:cNvSpPr txBox="1"/>
+          <p:nvPr/>
+        </p:nvSpPr>
+        <p:spPr>
+          <a:xfrm>
+            <a:off x="3604458" y="2661098"/>
+            <a:ext cx="762342" cy="461665"/>
+          </a:xfrm>
+          <a:prstGeom prst="rect">
+            <a:avLst/>
+          </a:prstGeom>
+          <a:noFill/>
+        </p:spPr>
+        <p:txBody>
+          <a:bodyPr wrap="square" rtlCol="0">
+            <a:spAutoFit/>
+          </a:bodyPr>
+          <a:lstStyle/>
+          <a:p>
+            <a:r>
+              <a:rPr lang="en-AU" sz="2400" dirty="0">
+                <a:solidFill>
+                  <a:schemeClr val="bg1">
+                    <a:lumMod val="50000"/>
+                  </a:schemeClr>
+                </a:solidFill>
+              </a:rPr>
+              <a:t>O7</a:t>
+            </a:r>
+          </a:p>
+        </p:txBody>
+      </p:sp>
+      <p:sp>
+        <p:nvSpPr>
+          <p:cNvPr id="115" name="TextBox 114">
+            <a:extLst>
+              <a:ext uri="{FF2B5EF4-FFF2-40B4-BE49-F238E27FC236}">
+                <a16:creationId xmlns:a16="http://schemas.microsoft.com/office/drawing/2014/main" id="{C140453F-1631-FD42-A5D7-7EF5936DC1D4}"/>
+              </a:ext>
+            </a:extLst>
+          </p:cNvPr>
+          <p:cNvSpPr txBox="1"/>
+          <p:nvPr/>
+        </p:nvSpPr>
+        <p:spPr>
+          <a:xfrm>
+            <a:off x="5686341" y="3509808"/>
+            <a:ext cx="703537" cy="461665"/>
+          </a:xfrm>
+          <a:prstGeom prst="rect">
+            <a:avLst/>
+          </a:prstGeom>
+          <a:noFill/>
+        </p:spPr>
+        <p:txBody>
+          <a:bodyPr wrap="square" rtlCol="0">
+            <a:spAutoFit/>
+          </a:bodyPr>
+          <a:lstStyle/>
+          <a:p>
+            <a:r>
+              <a:rPr lang="en-AU" sz="2400" dirty="0">
+                <a:solidFill>
+                  <a:srgbClr val="0070C0"/>
+                </a:solidFill>
+              </a:rPr>
+              <a:t>D12</a:t>
+            </a:r>
+          </a:p>
+        </p:txBody>
+      </p:sp>
+      <p:sp>
+        <p:nvSpPr>
+          <p:cNvPr id="116" name="TextBox 115">
+            <a:extLst>
+              <a:ext uri="{FF2B5EF4-FFF2-40B4-BE49-F238E27FC236}">
+                <a16:creationId xmlns:a16="http://schemas.microsoft.com/office/drawing/2014/main" id="{E256800B-CA88-184C-BB52-F6B53B174DDF}"/>
+              </a:ext>
+            </a:extLst>
+          </p:cNvPr>
+          <p:cNvSpPr txBox="1"/>
+          <p:nvPr/>
+        </p:nvSpPr>
+        <p:spPr>
+          <a:xfrm>
+            <a:off x="4937204" y="3813701"/>
+            <a:ext cx="731983" cy="461665"/>
+          </a:xfrm>
+          <a:prstGeom prst="rect">
+            <a:avLst/>
+          </a:prstGeom>
+          <a:noFill/>
+        </p:spPr>
+        <p:txBody>
+          <a:bodyPr wrap="square" rtlCol="0">
+            <a:spAutoFit/>
+          </a:bodyPr>
+          <a:lstStyle/>
+          <a:p>
+            <a:r>
+              <a:rPr lang="en-AU" sz="2400" dirty="0">
+                <a:solidFill>
+                  <a:srgbClr val="0070C0"/>
+                </a:solidFill>
+              </a:rPr>
+              <a:t>D13</a:t>
+            </a:r>
+          </a:p>
+        </p:txBody>
+      </p:sp>
+      <p:sp>
+        <p:nvSpPr>
+          <p:cNvPr id="117" name="TextBox 116">
+            <a:extLst>
+              <a:ext uri="{FF2B5EF4-FFF2-40B4-BE49-F238E27FC236}">
+                <a16:creationId xmlns:a16="http://schemas.microsoft.com/office/drawing/2014/main" id="{C1ACF8CC-6834-9841-9955-D90F1869B9F4}"/>
+              </a:ext>
+            </a:extLst>
+          </p:cNvPr>
+          <p:cNvSpPr txBox="1"/>
+          <p:nvPr/>
+        </p:nvSpPr>
+        <p:spPr>
+          <a:xfrm>
+            <a:off x="3629699" y="2962759"/>
+            <a:ext cx="948581" cy="461665"/>
+          </a:xfrm>
+          <a:prstGeom prst="rect">
+            <a:avLst/>
+          </a:prstGeom>
+          <a:noFill/>
+        </p:spPr>
+        <p:txBody>
+          <a:bodyPr wrap="square" rtlCol="0">
+            <a:spAutoFit/>
+          </a:bodyPr>
+          <a:lstStyle/>
+          <a:p>
+            <a:r>
+              <a:rPr lang="en-AU" sz="2400" dirty="0">
+                <a:solidFill>
+                  <a:srgbClr val="0070C0"/>
+                </a:solidFill>
+              </a:rPr>
+              <a:t>D14</a:t>
+            </a:r>
+          </a:p>
+        </p:txBody>
+      </p:sp>
+      <p:cxnSp>
+        <p:nvCxnSpPr>
+          <p:cNvPr id="120" name="Straight Connector 119">
+            <a:extLst>
+              <a:ext uri="{FF2B5EF4-FFF2-40B4-BE49-F238E27FC236}">
+                <a16:creationId xmlns:a16="http://schemas.microsoft.com/office/drawing/2014/main" id="{6B380128-8284-D541-B154-8FD6FF6E0430}"/>
+              </a:ext>
+            </a:extLst>
+          </p:cNvPr>
+          <p:cNvCxnSpPr>
+            <a:cxnSpLocks/>
+          </p:cNvCxnSpPr>
+          <p:nvPr/>
+        </p:nvCxnSpPr>
+        <p:spPr>
+          <a:xfrm flipV="1">
+            <a:off x="3381699" y="4183033"/>
+            <a:ext cx="3240000" cy="0"/>
+          </a:xfrm>
+          <a:prstGeom prst="line">
+            <a:avLst/>
+          </a:prstGeom>
+          <a:ln w="38100">
+            <a:solidFill>
+              <a:schemeClr val="accent2"/>
+            </a:solidFill>
+            <a:prstDash val="sysDash"/>
+          </a:ln>
+        </p:spPr>
+        <p:style>
+          <a:lnRef idx="1">
+            <a:schemeClr val="accent1"/>
+          </a:lnRef>
+          <a:fillRef idx="0">
+            <a:schemeClr val="accent1"/>
+          </a:fillRef>
+          <a:effectRef idx="0">
+            <a:schemeClr val="accent1"/>
+          </a:effectRef>
+          <a:fontRef idx="minor">
+            <a:schemeClr val="tx1"/>
+          </a:fontRef>
+        </p:style>
+      </p:cxnSp>
+      <p:sp>
+        <p:nvSpPr>
+          <p:cNvPr id="121" name="TextBox 120">
+            <a:extLst>
+              <a:ext uri="{FF2B5EF4-FFF2-40B4-BE49-F238E27FC236}">
+                <a16:creationId xmlns:a16="http://schemas.microsoft.com/office/drawing/2014/main" id="{D9B29F01-163D-D944-95CB-9501566424EE}"/>
+              </a:ext>
+            </a:extLst>
+          </p:cNvPr>
+          <p:cNvSpPr txBox="1"/>
+          <p:nvPr/>
+        </p:nvSpPr>
+        <p:spPr>
+          <a:xfrm>
+            <a:off x="5971486" y="3296872"/>
+            <a:ext cx="609575" cy="461665"/>
+          </a:xfrm>
+          <a:prstGeom prst="rect">
+            <a:avLst/>
+          </a:prstGeom>
+          <a:noFill/>
+        </p:spPr>
+        <p:txBody>
+          <a:bodyPr wrap="square" rtlCol="0">
+            <a:spAutoFit/>
+          </a:bodyPr>
+          <a:lstStyle/>
+          <a:p>
+            <a:r>
+              <a:rPr lang="en-AU" sz="2400" dirty="0">
+                <a:solidFill>
+                  <a:schemeClr val="bg1">
+                    <a:lumMod val="50000"/>
+                  </a:schemeClr>
+                </a:solidFill>
+              </a:rPr>
+              <a:t>O5</a:t>
+            </a:r>
+          </a:p>
+        </p:txBody>
+      </p:sp>
+      <p:cxnSp>
+        <p:nvCxnSpPr>
+          <p:cNvPr id="122" name="Straight Arrow Connector 121">
+            <a:extLst>
+              <a:ext uri="{FF2B5EF4-FFF2-40B4-BE49-F238E27FC236}">
+                <a16:creationId xmlns:a16="http://schemas.microsoft.com/office/drawing/2014/main" id="{7E20D340-354F-8C49-AFA6-6F1587A745DE}"/>
+              </a:ext>
+            </a:extLst>
+          </p:cNvPr>
+          <p:cNvCxnSpPr>
+            <a:cxnSpLocks/>
+          </p:cNvCxnSpPr>
+          <p:nvPr/>
+        </p:nvCxnSpPr>
+        <p:spPr>
+          <a:xfrm flipH="1">
+            <a:off x="3722553" y="3684445"/>
+            <a:ext cx="1184892" cy="934286"/>
+          </a:xfrm>
+          <a:prstGeom prst="straightConnector1">
+            <a:avLst/>
+          </a:prstGeom>
+          <a:ln w="60325">
+            <a:solidFill>
+              <a:schemeClr val="bg1">
+                <a:lumMod val="50000"/>
+              </a:schemeClr>
+            </a:solidFill>
+            <a:tailEnd type="triangle"/>
+          </a:ln>
+        </p:spPr>
+        <p:style>
+          <a:lnRef idx="1">
+            <a:schemeClr val="accent1"/>
+          </a:lnRef>
+          <a:fillRef idx="0">
+            <a:schemeClr val="accent1"/>
+          </a:fillRef>
+          <a:effectRef idx="0">
+            <a:schemeClr val="accent1"/>
+          </a:effectRef>
+          <a:fontRef idx="minor">
+            <a:schemeClr val="tx1"/>
+          </a:fontRef>
+        </p:style>
+      </p:cxnSp>
+      <p:cxnSp>
+        <p:nvCxnSpPr>
+          <p:cNvPr id="123" name="Straight Connector 122">
+            <a:extLst>
+              <a:ext uri="{FF2B5EF4-FFF2-40B4-BE49-F238E27FC236}">
+                <a16:creationId xmlns:a16="http://schemas.microsoft.com/office/drawing/2014/main" id="{5AC45312-D409-B341-8CF8-6DE2A01B6087}"/>
+              </a:ext>
+            </a:extLst>
+          </p:cNvPr>
+          <p:cNvCxnSpPr>
+            <a:cxnSpLocks/>
+          </p:cNvCxnSpPr>
+          <p:nvPr/>
+        </p:nvCxnSpPr>
+        <p:spPr>
+          <a:xfrm>
+            <a:off x="6502172" y="3486566"/>
             <a:ext cx="0" cy="839561"/>
           </a:xfrm>
           <a:prstGeom prst="line">
@@ -12058,90 +13950,12 @@
           </a:fontRef>
         </p:style>
       </p:cxnSp>
-      <p:sp>
-        <p:nvSpPr>
-          <p:cNvPr id="111" name="TextBox 110">
-            <a:extLst>
-              <a:ext uri="{FF2B5EF4-FFF2-40B4-BE49-F238E27FC236}">
-                <a16:creationId xmlns:a16="http://schemas.microsoft.com/office/drawing/2014/main" id="{F3144027-2B48-7442-8F71-CE47A9885E69}"/>
-              </a:ext>
-            </a:extLst>
-          </p:cNvPr>
-          <p:cNvSpPr txBox="1"/>
-          <p:nvPr/>
-        </p:nvSpPr>
-        <p:spPr>
-          <a:xfrm rot="5400000">
-            <a:off x="4588522" y="2675565"/>
-            <a:ext cx="961755" cy="369332"/>
-          </a:xfrm>
-          <a:prstGeom prst="rect">
-            <a:avLst/>
-          </a:prstGeom>
-          <a:noFill/>
-        </p:spPr>
-        <p:txBody>
-          <a:bodyPr wrap="square" rtlCol="0">
-            <a:spAutoFit/>
-          </a:bodyPr>
-          <a:lstStyle/>
-          <a:p>
-            <a:r>
-              <a:rPr lang="en-AU" dirty="0">
-                <a:solidFill>
-                  <a:srgbClr val="C00000"/>
-                </a:solidFill>
-              </a:rPr>
-              <a:t>Upfield</a:t>
-            </a:r>
-          </a:p>
-        </p:txBody>
-      </p:sp>
-      <p:sp>
-        <p:nvSpPr>
-          <p:cNvPr id="112" name="TextBox 111">
-            <a:extLst>
-              <a:ext uri="{FF2B5EF4-FFF2-40B4-BE49-F238E27FC236}">
-                <a16:creationId xmlns:a16="http://schemas.microsoft.com/office/drawing/2014/main" id="{33A9395F-EB9E-524B-BC5F-88C1F85063EA}"/>
-              </a:ext>
-            </a:extLst>
-          </p:cNvPr>
-          <p:cNvSpPr txBox="1"/>
-          <p:nvPr/>
-        </p:nvSpPr>
-        <p:spPr>
-          <a:xfrm rot="5400000">
-            <a:off x="4446470" y="6815865"/>
-            <a:ext cx="1210561" cy="369332"/>
-          </a:xfrm>
-          <a:prstGeom prst="rect">
-            <a:avLst/>
-          </a:prstGeom>
-          <a:noFill/>
-        </p:spPr>
-        <p:txBody>
-          <a:bodyPr wrap="square" rtlCol="0">
-            <a:spAutoFit/>
-          </a:bodyPr>
-          <a:lstStyle/>
-          <a:p>
-            <a:r>
-              <a:rPr lang="en-AU" dirty="0">
-                <a:solidFill>
-                  <a:schemeClr val="accent6"/>
-                </a:solidFill>
-              </a:rPr>
-              <a:t>Downfield</a:t>
-            </a:r>
-          </a:p>
-        </p:txBody>
-      </p:sp>
       <p:cxnSp>
         <p:nvCxnSpPr>
-          <p:cNvPr id="113" name="Straight Connector 112">
-            <a:extLst>
-              <a:ext uri="{FF2B5EF4-FFF2-40B4-BE49-F238E27FC236}">
-                <a16:creationId xmlns:a16="http://schemas.microsoft.com/office/drawing/2014/main" id="{E8762891-02D7-D24B-B506-8C211F98D923}"/>
+          <p:cNvPr id="124" name="Straight Arrow Connector 123">
+            <a:extLst>
+              <a:ext uri="{FF2B5EF4-FFF2-40B4-BE49-F238E27FC236}">
+                <a16:creationId xmlns:a16="http://schemas.microsoft.com/office/drawing/2014/main" id="{DFBD3FA0-696A-F44C-947D-52643FEE4835}"/>
               </a:ext>
             </a:extLst>
           </p:cNvPr>
@@ -12151,18 +13965,20 @@
           <p:nvPr/>
         </p:nvCxnSpPr>
         <p:spPr>
-          <a:xfrm flipV="1">
-            <a:off x="5294297" y="6828838"/>
-            <a:ext cx="0" cy="938269"/>
-          </a:xfrm>
-          <a:prstGeom prst="line">
+          <a:xfrm>
+            <a:off x="4046562" y="2868776"/>
+            <a:ext cx="1218003" cy="1660998"/>
+          </a:xfrm>
+          <a:prstGeom prst="straightConnector1">
             <a:avLst/>
           </a:prstGeom>
           <a:ln w="60325">
             <a:solidFill>
-              <a:srgbClr val="00B050"/>
+              <a:schemeClr val="bg1">
+                <a:lumMod val="50000"/>
+              </a:schemeClr>
             </a:solidFill>
-            <a:headEnd type="stealth" w="lg" len="lg"/>
+            <a:tailEnd type="triangle"/>
           </a:ln>
         </p:spPr>
         <p:style>
@@ -12180,6 +13996,94 @@
           </a:fontRef>
         </p:style>
       </p:cxnSp>
+      <p:sp>
+        <p:nvSpPr>
+          <p:cNvPr id="125" name="TextBox 124">
+            <a:extLst>
+              <a:ext uri="{FF2B5EF4-FFF2-40B4-BE49-F238E27FC236}">
+                <a16:creationId xmlns:a16="http://schemas.microsoft.com/office/drawing/2014/main" id="{7508D576-8CC4-084F-96A4-E8DDF1A02446}"/>
+              </a:ext>
+            </a:extLst>
+          </p:cNvPr>
+          <p:cNvSpPr txBox="1"/>
+          <p:nvPr/>
+        </p:nvSpPr>
+        <p:spPr>
+          <a:xfrm>
+            <a:off x="6001878" y="8702244"/>
+            <a:ext cx="404594" cy="461665"/>
+          </a:xfrm>
+          <a:prstGeom prst="rect">
+            <a:avLst/>
+          </a:prstGeom>
+          <a:solidFill>
+            <a:schemeClr val="bg1">
+              <a:lumMod val="50000"/>
+            </a:schemeClr>
+          </a:solidFill>
+        </p:spPr>
+        <p:txBody>
+          <a:bodyPr wrap="square" rtlCol="0">
+            <a:spAutoFit/>
+          </a:bodyPr>
+          <a:lstStyle/>
+          <a:p>
+            <a:pPr algn="ctr"/>
+            <a:r>
+              <a:rPr lang="en-AU" sz="2400" dirty="0">
+                <a:solidFill>
+                  <a:schemeClr val="bg1"/>
+                </a:solidFill>
+              </a:rPr>
+              <a:t>A</a:t>
+            </a:r>
+          </a:p>
+        </p:txBody>
+      </p:sp>
+      <p:sp>
+        <p:nvSpPr>
+          <p:cNvPr id="126" name="TextBox 125">
+            <a:extLst>
+              <a:ext uri="{FF2B5EF4-FFF2-40B4-BE49-F238E27FC236}">
+                <a16:creationId xmlns:a16="http://schemas.microsoft.com/office/drawing/2014/main" id="{63ABDDF3-8962-A84B-8C73-4AF960C371E7}"/>
+              </a:ext>
+            </a:extLst>
+          </p:cNvPr>
+          <p:cNvSpPr txBox="1"/>
+          <p:nvPr/>
+        </p:nvSpPr>
+        <p:spPr>
+          <a:xfrm>
+            <a:off x="3440398" y="8702244"/>
+            <a:ext cx="435536" cy="466759"/>
+          </a:xfrm>
+          <a:prstGeom prst="rect">
+            <a:avLst/>
+          </a:prstGeom>
+          <a:solidFill>
+            <a:schemeClr val="bg1">
+              <a:lumMod val="50000"/>
+            </a:schemeClr>
+          </a:solidFill>
+        </p:spPr>
+        <p:txBody>
+          <a:bodyPr wrap="square" rtlCol="0">
+            <a:spAutoFit/>
+          </a:bodyPr>
+          <a:lstStyle/>
+          <a:p>
+            <a:pPr algn="ctr"/>
+            <a:r>
+              <a:rPr lang="en-AU" sz="2400" dirty="0">
+                <a:solidFill>
+                  <a:schemeClr val="bg1"/>
+                </a:solidFill>
+              </a:rPr>
+              <a:t>B</a:t>
+            </a:r>
+          </a:p>
+        </p:txBody>
+      </p:sp>
     </p:spTree>
     <p:extLst>
       <p:ext uri="{BB962C8B-B14F-4D97-AF65-F5344CB8AC3E}">
@@ -12210,12 +14114,791 @@
           <a:chExt cx="0" cy="0"/>
         </a:xfrm>
       </p:grpSpPr>
+      <p:sp>
+        <p:nvSpPr>
+          <p:cNvPr id="5" name="Rounded Rectangle 4">
+            <a:extLst>
+              <a:ext uri="{FF2B5EF4-FFF2-40B4-BE49-F238E27FC236}">
+                <a16:creationId xmlns:a16="http://schemas.microsoft.com/office/drawing/2014/main" id="{3C953649-ED7C-3742-AAEA-8B243B81C427}"/>
+              </a:ext>
+            </a:extLst>
+          </p:cNvPr>
+          <p:cNvSpPr>
+            <a:spLocks noChangeAspect="1"/>
+          </p:cNvSpPr>
+          <p:nvPr/>
+        </p:nvSpPr>
+        <p:spPr>
+          <a:xfrm>
+            <a:off x="3444339" y="7708143"/>
+            <a:ext cx="3240000" cy="1576217"/>
+          </a:xfrm>
+          <a:prstGeom prst="roundRect">
+            <a:avLst/>
+          </a:prstGeom>
+          <a:solidFill>
+            <a:srgbClr val="00B050"/>
+          </a:solidFill>
+          <a:ln w="38100">
+            <a:solidFill>
+              <a:schemeClr val="tx1"/>
+            </a:solidFill>
+          </a:ln>
+        </p:spPr>
+        <p:style>
+          <a:lnRef idx="2">
+            <a:schemeClr val="accent1">
+              <a:shade val="50000"/>
+            </a:schemeClr>
+          </a:lnRef>
+          <a:fillRef idx="1">
+            <a:schemeClr val="accent1"/>
+          </a:fillRef>
+          <a:effectRef idx="0">
+            <a:schemeClr val="accent1"/>
+          </a:effectRef>
+          <a:fontRef idx="minor">
+            <a:schemeClr val="lt1"/>
+          </a:fontRef>
+        </p:style>
+        <p:txBody>
+          <a:bodyPr rtlCol="0" anchor="ctr"/>
+          <a:lstStyle/>
+          <a:p>
+            <a:pPr algn="ctr"/>
+            <a:endParaRPr lang="en-AU"/>
+          </a:p>
+        </p:txBody>
+      </p:sp>
+      <p:sp>
+        <p:nvSpPr>
+          <p:cNvPr id="6" name="Rounded Rectangle 5">
+            <a:extLst>
+              <a:ext uri="{FF2B5EF4-FFF2-40B4-BE49-F238E27FC236}">
+                <a16:creationId xmlns:a16="http://schemas.microsoft.com/office/drawing/2014/main" id="{781AE066-2F6F-CD4A-8C9D-2174A5C270BE}"/>
+              </a:ext>
+            </a:extLst>
+          </p:cNvPr>
+          <p:cNvSpPr>
+            <a:spLocks noChangeAspect="1"/>
+          </p:cNvSpPr>
+          <p:nvPr/>
+        </p:nvSpPr>
+        <p:spPr>
+          <a:xfrm>
+            <a:off x="3462121" y="520745"/>
+            <a:ext cx="3240000" cy="1576217"/>
+          </a:xfrm>
+          <a:prstGeom prst="roundRect">
+            <a:avLst/>
+          </a:prstGeom>
+          <a:solidFill>
+            <a:srgbClr val="FF0000"/>
+          </a:solidFill>
+          <a:ln w="38100">
+            <a:solidFill>
+              <a:schemeClr val="tx1"/>
+            </a:solidFill>
+          </a:ln>
+        </p:spPr>
+        <p:style>
+          <a:lnRef idx="2">
+            <a:schemeClr val="accent1">
+              <a:shade val="50000"/>
+            </a:schemeClr>
+          </a:lnRef>
+          <a:fillRef idx="1">
+            <a:schemeClr val="accent1"/>
+          </a:fillRef>
+          <a:effectRef idx="0">
+            <a:schemeClr val="accent1"/>
+          </a:effectRef>
+          <a:fontRef idx="minor">
+            <a:schemeClr val="lt1"/>
+          </a:fontRef>
+        </p:style>
+        <p:txBody>
+          <a:bodyPr rtlCol="0" anchor="ctr"/>
+          <a:lstStyle/>
+          <a:p>
+            <a:pPr algn="ctr"/>
+            <a:endParaRPr lang="en-AU" dirty="0"/>
+          </a:p>
+        </p:txBody>
+      </p:sp>
+      <p:sp>
+        <p:nvSpPr>
+          <p:cNvPr id="30" name="Rounded Rectangle 29">
+            <a:extLst>
+              <a:ext uri="{FF2B5EF4-FFF2-40B4-BE49-F238E27FC236}">
+                <a16:creationId xmlns:a16="http://schemas.microsoft.com/office/drawing/2014/main" id="{B8A86484-2904-4E46-B5B4-7651A5C626E4}"/>
+              </a:ext>
+            </a:extLst>
+          </p:cNvPr>
+          <p:cNvSpPr>
+            <a:spLocks noChangeAspect="1"/>
+          </p:cNvSpPr>
+          <p:nvPr/>
+        </p:nvSpPr>
+        <p:spPr>
+          <a:xfrm>
+            <a:off x="3464277" y="2096962"/>
+            <a:ext cx="3240000" cy="5604325"/>
+          </a:xfrm>
+          <a:prstGeom prst="roundRect">
+            <a:avLst/>
+          </a:prstGeom>
+          <a:noFill/>
+          <a:ln w="38100">
+            <a:solidFill>
+              <a:schemeClr val="tx1"/>
+            </a:solidFill>
+          </a:ln>
+        </p:spPr>
+        <p:style>
+          <a:lnRef idx="2">
+            <a:schemeClr val="accent1">
+              <a:shade val="50000"/>
+            </a:schemeClr>
+          </a:lnRef>
+          <a:fillRef idx="1">
+            <a:schemeClr val="accent1"/>
+          </a:fillRef>
+          <a:effectRef idx="0">
+            <a:schemeClr val="accent1"/>
+          </a:effectRef>
+          <a:fontRef idx="minor">
+            <a:schemeClr val="lt1"/>
+          </a:fontRef>
+        </p:style>
+        <p:txBody>
+          <a:bodyPr rtlCol="0" anchor="ctr"/>
+          <a:lstStyle/>
+          <a:p>
+            <a:pPr algn="ctr"/>
+            <a:endParaRPr lang="en-AU"/>
+          </a:p>
+        </p:txBody>
+      </p:sp>
+      <p:sp>
+        <p:nvSpPr>
+          <p:cNvPr id="31" name="Multiply 30">
+            <a:extLst>
+              <a:ext uri="{FF2B5EF4-FFF2-40B4-BE49-F238E27FC236}">
+                <a16:creationId xmlns:a16="http://schemas.microsoft.com/office/drawing/2014/main" id="{5E280636-5677-E24B-9170-B5E74AF6F10D}"/>
+              </a:ext>
+            </a:extLst>
+          </p:cNvPr>
+          <p:cNvSpPr/>
+          <p:nvPr/>
+        </p:nvSpPr>
+        <p:spPr>
+          <a:xfrm>
+            <a:off x="4709385" y="5719826"/>
+            <a:ext cx="767443" cy="849086"/>
+          </a:xfrm>
+          <a:prstGeom prst="mathMultiply">
+            <a:avLst/>
+          </a:prstGeom>
+          <a:noFill/>
+        </p:spPr>
+        <p:style>
+          <a:lnRef idx="2">
+            <a:schemeClr val="accent1">
+              <a:shade val="50000"/>
+            </a:schemeClr>
+          </a:lnRef>
+          <a:fillRef idx="1">
+            <a:schemeClr val="accent1"/>
+          </a:fillRef>
+          <a:effectRef idx="0">
+            <a:schemeClr val="accent1"/>
+          </a:effectRef>
+          <a:fontRef idx="minor">
+            <a:schemeClr val="lt1"/>
+          </a:fontRef>
+        </p:style>
+        <p:txBody>
+          <a:bodyPr rtlCol="0" anchor="ctr"/>
+          <a:lstStyle/>
+          <a:p>
+            <a:pPr algn="ctr"/>
+            <a:endParaRPr lang="en-AU"/>
+          </a:p>
+        </p:txBody>
+      </p:sp>
+      <p:sp>
+        <p:nvSpPr>
+          <p:cNvPr id="32" name="Multiply 31">
+            <a:extLst>
+              <a:ext uri="{FF2B5EF4-FFF2-40B4-BE49-F238E27FC236}">
+                <a16:creationId xmlns:a16="http://schemas.microsoft.com/office/drawing/2014/main" id="{F64121CE-0A72-C743-B147-31433D640BE0}"/>
+              </a:ext>
+            </a:extLst>
+          </p:cNvPr>
+          <p:cNvSpPr/>
+          <p:nvPr/>
+        </p:nvSpPr>
+        <p:spPr>
+          <a:xfrm>
+            <a:off x="4703050" y="3229341"/>
+            <a:ext cx="767443" cy="849086"/>
+          </a:xfrm>
+          <a:prstGeom prst="mathMultiply">
+            <a:avLst/>
+          </a:prstGeom>
+          <a:noFill/>
+        </p:spPr>
+        <p:style>
+          <a:lnRef idx="2">
+            <a:schemeClr val="accent1">
+              <a:shade val="50000"/>
+            </a:schemeClr>
+          </a:lnRef>
+          <a:fillRef idx="1">
+            <a:schemeClr val="accent1"/>
+          </a:fillRef>
+          <a:effectRef idx="0">
+            <a:schemeClr val="accent1"/>
+          </a:effectRef>
+          <a:fontRef idx="minor">
+            <a:schemeClr val="lt1"/>
+          </a:fontRef>
+        </p:style>
+        <p:txBody>
+          <a:bodyPr rtlCol="0" anchor="ctr"/>
+          <a:lstStyle/>
+          <a:p>
+            <a:pPr algn="ctr"/>
+            <a:endParaRPr lang="en-AU"/>
+          </a:p>
+        </p:txBody>
+      </p:sp>
+      <p:sp>
+        <p:nvSpPr>
+          <p:cNvPr id="35" name="TextBox 34">
+            <a:extLst>
+              <a:ext uri="{FF2B5EF4-FFF2-40B4-BE49-F238E27FC236}">
+                <a16:creationId xmlns:a16="http://schemas.microsoft.com/office/drawing/2014/main" id="{79DAF68E-1DAE-D641-8B9E-EC4390F7E0BB}"/>
+              </a:ext>
+            </a:extLst>
+          </p:cNvPr>
+          <p:cNvSpPr txBox="1"/>
+          <p:nvPr/>
+        </p:nvSpPr>
+        <p:spPr>
+          <a:xfrm rot="5400000">
+            <a:off x="4856293" y="4953461"/>
+            <a:ext cx="466518" cy="369332"/>
+          </a:xfrm>
+          <a:prstGeom prst="rect">
+            <a:avLst/>
+          </a:prstGeom>
+          <a:noFill/>
+        </p:spPr>
+        <p:txBody>
+          <a:bodyPr wrap="square" rtlCol="0">
+            <a:spAutoFit/>
+          </a:bodyPr>
+          <a:lstStyle/>
+          <a:p>
+            <a:r>
+              <a:rPr lang="en-AU" dirty="0">
+                <a:solidFill>
+                  <a:schemeClr val="bg1">
+                    <a:lumMod val="50000"/>
+                  </a:schemeClr>
+                </a:solidFill>
+              </a:rPr>
+              <a:t>O2</a:t>
+            </a:r>
+          </a:p>
+        </p:txBody>
+      </p:sp>
+      <p:sp>
+        <p:nvSpPr>
+          <p:cNvPr id="38" name="TextBox 37">
+            <a:extLst>
+              <a:ext uri="{FF2B5EF4-FFF2-40B4-BE49-F238E27FC236}">
+                <a16:creationId xmlns:a16="http://schemas.microsoft.com/office/drawing/2014/main" id="{7042CAA2-E6DA-0B42-9E72-2E15BEA3B1CC}"/>
+              </a:ext>
+            </a:extLst>
+          </p:cNvPr>
+          <p:cNvSpPr txBox="1"/>
+          <p:nvPr/>
+        </p:nvSpPr>
+        <p:spPr>
+          <a:xfrm rot="5400000">
+            <a:off x="4848298" y="5345248"/>
+            <a:ext cx="470658" cy="369332"/>
+          </a:xfrm>
+          <a:prstGeom prst="rect">
+            <a:avLst/>
+          </a:prstGeom>
+          <a:solidFill>
+            <a:schemeClr val="tx1"/>
+          </a:solidFill>
+        </p:spPr>
+        <p:txBody>
+          <a:bodyPr wrap="square" rtlCol="0">
+            <a:spAutoFit/>
+          </a:bodyPr>
+          <a:lstStyle/>
+          <a:p>
+            <a:r>
+              <a:rPr lang="en-AU" dirty="0">
+                <a:solidFill>
+                  <a:schemeClr val="bg1"/>
+                </a:solidFill>
+              </a:rPr>
+              <a:t>O1</a:t>
+            </a:r>
+          </a:p>
+        </p:txBody>
+      </p:sp>
+      <p:sp>
+        <p:nvSpPr>
+          <p:cNvPr id="41" name="TextBox 40">
+            <a:extLst>
+              <a:ext uri="{FF2B5EF4-FFF2-40B4-BE49-F238E27FC236}">
+                <a16:creationId xmlns:a16="http://schemas.microsoft.com/office/drawing/2014/main" id="{6A4DBE8F-FE25-9E4C-8B3E-05DC9C007444}"/>
+              </a:ext>
+            </a:extLst>
+          </p:cNvPr>
+          <p:cNvSpPr txBox="1"/>
+          <p:nvPr/>
+        </p:nvSpPr>
+        <p:spPr>
+          <a:xfrm rot="5400000">
+            <a:off x="4858238" y="4670544"/>
+            <a:ext cx="466518" cy="369332"/>
+          </a:xfrm>
+          <a:prstGeom prst="rect">
+            <a:avLst/>
+          </a:prstGeom>
+          <a:noFill/>
+        </p:spPr>
+        <p:txBody>
+          <a:bodyPr wrap="square" rtlCol="0">
+            <a:spAutoFit/>
+          </a:bodyPr>
+          <a:lstStyle/>
+          <a:p>
+            <a:r>
+              <a:rPr lang="en-AU" dirty="0">
+                <a:solidFill>
+                  <a:schemeClr val="bg1">
+                    <a:lumMod val="50000"/>
+                  </a:schemeClr>
+                </a:solidFill>
+              </a:rPr>
+              <a:t>O3</a:t>
+            </a:r>
+          </a:p>
+        </p:txBody>
+      </p:sp>
+      <p:sp>
+        <p:nvSpPr>
+          <p:cNvPr id="42" name="TextBox 41">
+            <a:extLst>
+              <a:ext uri="{FF2B5EF4-FFF2-40B4-BE49-F238E27FC236}">
+                <a16:creationId xmlns:a16="http://schemas.microsoft.com/office/drawing/2014/main" id="{B5F10BD1-841A-F04B-A2A2-55D0139DC377}"/>
+              </a:ext>
+            </a:extLst>
+          </p:cNvPr>
+          <p:cNvSpPr txBox="1"/>
+          <p:nvPr/>
+        </p:nvSpPr>
+        <p:spPr>
+          <a:xfrm rot="5400000">
+            <a:off x="4874602" y="4300007"/>
+            <a:ext cx="466518" cy="369332"/>
+          </a:xfrm>
+          <a:prstGeom prst="rect">
+            <a:avLst/>
+          </a:prstGeom>
+          <a:noFill/>
+        </p:spPr>
+        <p:txBody>
+          <a:bodyPr wrap="square" rtlCol="0">
+            <a:spAutoFit/>
+          </a:bodyPr>
+          <a:lstStyle/>
+          <a:p>
+            <a:r>
+              <a:rPr lang="en-AU" dirty="0">
+                <a:solidFill>
+                  <a:schemeClr val="bg1">
+                    <a:lumMod val="50000"/>
+                  </a:schemeClr>
+                </a:solidFill>
+              </a:rPr>
+              <a:t>O4</a:t>
+            </a:r>
+          </a:p>
+        </p:txBody>
+      </p:sp>
+      <p:sp>
+        <p:nvSpPr>
+          <p:cNvPr id="44" name="TextBox 43">
+            <a:extLst>
+              <a:ext uri="{FF2B5EF4-FFF2-40B4-BE49-F238E27FC236}">
+                <a16:creationId xmlns:a16="http://schemas.microsoft.com/office/drawing/2014/main" id="{ED76DF6A-2F54-F447-8ADE-845E9CC87A6B}"/>
+              </a:ext>
+            </a:extLst>
+          </p:cNvPr>
+          <p:cNvSpPr txBox="1"/>
+          <p:nvPr/>
+        </p:nvSpPr>
+        <p:spPr>
+          <a:xfrm rot="5400000">
+            <a:off x="4871315" y="3446193"/>
+            <a:ext cx="466518" cy="369332"/>
+          </a:xfrm>
+          <a:prstGeom prst="rect">
+            <a:avLst/>
+          </a:prstGeom>
+          <a:noFill/>
+        </p:spPr>
+        <p:txBody>
+          <a:bodyPr wrap="square" rtlCol="0">
+            <a:spAutoFit/>
+          </a:bodyPr>
+          <a:lstStyle/>
+          <a:p>
+            <a:r>
+              <a:rPr lang="en-AU" dirty="0">
+                <a:solidFill>
+                  <a:schemeClr val="bg1">
+                    <a:lumMod val="50000"/>
+                  </a:schemeClr>
+                </a:solidFill>
+              </a:rPr>
+              <a:t>O6</a:t>
+            </a:r>
+          </a:p>
+        </p:txBody>
+      </p:sp>
+      <p:sp>
+        <p:nvSpPr>
+          <p:cNvPr id="45" name="TextBox 44">
+            <a:extLst>
+              <a:ext uri="{FF2B5EF4-FFF2-40B4-BE49-F238E27FC236}">
+                <a16:creationId xmlns:a16="http://schemas.microsoft.com/office/drawing/2014/main" id="{2AA289A3-FFF3-9040-A161-C18FA54A9DD6}"/>
+              </a:ext>
+            </a:extLst>
+          </p:cNvPr>
+          <p:cNvSpPr txBox="1"/>
+          <p:nvPr/>
+        </p:nvSpPr>
+        <p:spPr>
+          <a:xfrm rot="5400000">
+            <a:off x="3692666" y="2669118"/>
+            <a:ext cx="466518" cy="369332"/>
+          </a:xfrm>
+          <a:prstGeom prst="rect">
+            <a:avLst/>
+          </a:prstGeom>
+          <a:noFill/>
+        </p:spPr>
+        <p:txBody>
+          <a:bodyPr wrap="square" rtlCol="0">
+            <a:spAutoFit/>
+          </a:bodyPr>
+          <a:lstStyle/>
+          <a:p>
+            <a:r>
+              <a:rPr lang="en-AU" dirty="0">
+                <a:solidFill>
+                  <a:schemeClr val="bg1">
+                    <a:lumMod val="50000"/>
+                  </a:schemeClr>
+                </a:solidFill>
+              </a:rPr>
+              <a:t>O7</a:t>
+            </a:r>
+          </a:p>
+        </p:txBody>
+      </p:sp>
+      <p:sp>
+        <p:nvSpPr>
+          <p:cNvPr id="46" name="TextBox 45">
+            <a:extLst>
+              <a:ext uri="{FF2B5EF4-FFF2-40B4-BE49-F238E27FC236}">
+                <a16:creationId xmlns:a16="http://schemas.microsoft.com/office/drawing/2014/main" id="{837A8049-6590-7D4C-92CF-A71FB0211A45}"/>
+              </a:ext>
+            </a:extLst>
+          </p:cNvPr>
+          <p:cNvSpPr txBox="1"/>
+          <p:nvPr/>
+        </p:nvSpPr>
+        <p:spPr>
+          <a:xfrm rot="5400000">
+            <a:off x="4500836" y="5356574"/>
+            <a:ext cx="466518" cy="369332"/>
+          </a:xfrm>
+          <a:prstGeom prst="rect">
+            <a:avLst/>
+          </a:prstGeom>
+          <a:noFill/>
+        </p:spPr>
+        <p:txBody>
+          <a:bodyPr wrap="square" rtlCol="0">
+            <a:spAutoFit/>
+          </a:bodyPr>
+          <a:lstStyle/>
+          <a:p>
+            <a:r>
+              <a:rPr lang="en-AU" dirty="0">
+                <a:solidFill>
+                  <a:srgbClr val="0070C0"/>
+                </a:solidFill>
+              </a:rPr>
+              <a:t>D8</a:t>
+            </a:r>
+          </a:p>
+        </p:txBody>
+      </p:sp>
+      <p:sp>
+        <p:nvSpPr>
+          <p:cNvPr id="47" name="TextBox 46">
+            <a:extLst>
+              <a:ext uri="{FF2B5EF4-FFF2-40B4-BE49-F238E27FC236}">
+                <a16:creationId xmlns:a16="http://schemas.microsoft.com/office/drawing/2014/main" id="{CCF22243-6FE8-EC41-B159-942CB7F07C00}"/>
+              </a:ext>
+            </a:extLst>
+          </p:cNvPr>
+          <p:cNvSpPr txBox="1"/>
+          <p:nvPr/>
+        </p:nvSpPr>
+        <p:spPr>
+          <a:xfrm rot="5400000">
+            <a:off x="4512700" y="4996633"/>
+            <a:ext cx="466518" cy="369332"/>
+          </a:xfrm>
+          <a:prstGeom prst="rect">
+            <a:avLst/>
+          </a:prstGeom>
+          <a:noFill/>
+        </p:spPr>
+        <p:txBody>
+          <a:bodyPr wrap="square" rtlCol="0">
+            <a:spAutoFit/>
+          </a:bodyPr>
+          <a:lstStyle/>
+          <a:p>
+            <a:r>
+              <a:rPr lang="en-AU" dirty="0">
+                <a:solidFill>
+                  <a:srgbClr val="0070C0"/>
+                </a:solidFill>
+              </a:rPr>
+              <a:t>D9</a:t>
+            </a:r>
+          </a:p>
+        </p:txBody>
+      </p:sp>
+      <p:sp>
+        <p:nvSpPr>
+          <p:cNvPr id="48" name="TextBox 47">
+            <a:extLst>
+              <a:ext uri="{FF2B5EF4-FFF2-40B4-BE49-F238E27FC236}">
+                <a16:creationId xmlns:a16="http://schemas.microsoft.com/office/drawing/2014/main" id="{86C9D4C4-44D0-C944-9E8E-3B2426A48A88}"/>
+              </a:ext>
+            </a:extLst>
+          </p:cNvPr>
+          <p:cNvSpPr txBox="1"/>
+          <p:nvPr/>
+        </p:nvSpPr>
+        <p:spPr>
+          <a:xfrm rot="5400000">
+            <a:off x="4483836" y="4662137"/>
+            <a:ext cx="616526" cy="369332"/>
+          </a:xfrm>
+          <a:prstGeom prst="rect">
+            <a:avLst/>
+          </a:prstGeom>
+          <a:noFill/>
+        </p:spPr>
+        <p:txBody>
+          <a:bodyPr wrap="square" rtlCol="0">
+            <a:spAutoFit/>
+          </a:bodyPr>
+          <a:lstStyle/>
+          <a:p>
+            <a:r>
+              <a:rPr lang="en-AU" dirty="0">
+                <a:solidFill>
+                  <a:srgbClr val="0070C0"/>
+                </a:solidFill>
+              </a:rPr>
+              <a:t>D10</a:t>
+            </a:r>
+          </a:p>
+        </p:txBody>
+      </p:sp>
+      <p:sp>
+        <p:nvSpPr>
+          <p:cNvPr id="49" name="TextBox 48">
+            <a:extLst>
+              <a:ext uri="{FF2B5EF4-FFF2-40B4-BE49-F238E27FC236}">
+                <a16:creationId xmlns:a16="http://schemas.microsoft.com/office/drawing/2014/main" id="{8BD7E8C7-8F53-ED4B-8FFE-D850DF56DB0A}"/>
+              </a:ext>
+            </a:extLst>
+          </p:cNvPr>
+          <p:cNvSpPr txBox="1"/>
+          <p:nvPr/>
+        </p:nvSpPr>
+        <p:spPr>
+          <a:xfrm rot="5400000">
+            <a:off x="4551182" y="4268573"/>
+            <a:ext cx="616526" cy="369332"/>
+          </a:xfrm>
+          <a:prstGeom prst="rect">
+            <a:avLst/>
+          </a:prstGeom>
+          <a:noFill/>
+        </p:spPr>
+        <p:txBody>
+          <a:bodyPr wrap="square" rtlCol="0">
+            <a:spAutoFit/>
+          </a:bodyPr>
+          <a:lstStyle/>
+          <a:p>
+            <a:r>
+              <a:rPr lang="en-AU" dirty="0">
+                <a:solidFill>
+                  <a:srgbClr val="0070C0"/>
+                </a:solidFill>
+              </a:rPr>
+              <a:t>D11</a:t>
+            </a:r>
+          </a:p>
+        </p:txBody>
+      </p:sp>
+      <p:sp>
+        <p:nvSpPr>
+          <p:cNvPr id="50" name="TextBox 49">
+            <a:extLst>
+              <a:ext uri="{FF2B5EF4-FFF2-40B4-BE49-F238E27FC236}">
+                <a16:creationId xmlns:a16="http://schemas.microsoft.com/office/drawing/2014/main" id="{9B50AAF5-E2C8-8C47-BB34-7CF21FC3A939}"/>
+              </a:ext>
+            </a:extLst>
+          </p:cNvPr>
+          <p:cNvSpPr txBox="1"/>
+          <p:nvPr/>
+        </p:nvSpPr>
+        <p:spPr>
+          <a:xfrm rot="5400000">
+            <a:off x="5822676" y="3533870"/>
+            <a:ext cx="616526" cy="369332"/>
+          </a:xfrm>
+          <a:prstGeom prst="rect">
+            <a:avLst/>
+          </a:prstGeom>
+          <a:noFill/>
+        </p:spPr>
+        <p:txBody>
+          <a:bodyPr wrap="square" rtlCol="0">
+            <a:spAutoFit/>
+          </a:bodyPr>
+          <a:lstStyle/>
+          <a:p>
+            <a:r>
+              <a:rPr lang="en-AU" dirty="0">
+                <a:solidFill>
+                  <a:srgbClr val="0070C0"/>
+                </a:solidFill>
+              </a:rPr>
+              <a:t>D12</a:t>
+            </a:r>
+          </a:p>
+        </p:txBody>
+      </p:sp>
+      <p:sp>
+        <p:nvSpPr>
+          <p:cNvPr id="51" name="TextBox 50">
+            <a:extLst>
+              <a:ext uri="{FF2B5EF4-FFF2-40B4-BE49-F238E27FC236}">
+                <a16:creationId xmlns:a16="http://schemas.microsoft.com/office/drawing/2014/main" id="{92E484C6-77CC-ED41-A22D-A89845F770A5}"/>
+              </a:ext>
+            </a:extLst>
+          </p:cNvPr>
+          <p:cNvSpPr txBox="1"/>
+          <p:nvPr/>
+        </p:nvSpPr>
+        <p:spPr>
+          <a:xfrm rot="5400000">
+            <a:off x="4929061" y="3797605"/>
+            <a:ext cx="616526" cy="369332"/>
+          </a:xfrm>
+          <a:prstGeom prst="rect">
+            <a:avLst/>
+          </a:prstGeom>
+          <a:noFill/>
+        </p:spPr>
+        <p:txBody>
+          <a:bodyPr wrap="square" rtlCol="0">
+            <a:spAutoFit/>
+          </a:bodyPr>
+          <a:lstStyle/>
+          <a:p>
+            <a:r>
+              <a:rPr lang="en-AU" dirty="0">
+                <a:solidFill>
+                  <a:srgbClr val="0070C0"/>
+                </a:solidFill>
+              </a:rPr>
+              <a:t>D13</a:t>
+            </a:r>
+          </a:p>
+        </p:txBody>
+      </p:sp>
+      <p:sp>
+        <p:nvSpPr>
+          <p:cNvPr id="52" name="TextBox 51">
+            <a:extLst>
+              <a:ext uri="{FF2B5EF4-FFF2-40B4-BE49-F238E27FC236}">
+                <a16:creationId xmlns:a16="http://schemas.microsoft.com/office/drawing/2014/main" id="{12662D9B-166C-F641-904E-8CCCEF4D6E57}"/>
+              </a:ext>
+            </a:extLst>
+          </p:cNvPr>
+          <p:cNvSpPr txBox="1"/>
+          <p:nvPr/>
+        </p:nvSpPr>
+        <p:spPr>
+          <a:xfrm rot="5400000">
+            <a:off x="3913102" y="2927659"/>
+            <a:ext cx="616526" cy="369332"/>
+          </a:xfrm>
+          <a:prstGeom prst="rect">
+            <a:avLst/>
+          </a:prstGeom>
+          <a:noFill/>
+        </p:spPr>
+        <p:txBody>
+          <a:bodyPr wrap="square" rtlCol="0">
+            <a:spAutoFit/>
+          </a:bodyPr>
+          <a:lstStyle/>
+          <a:p>
+            <a:r>
+              <a:rPr lang="en-AU" dirty="0">
+                <a:solidFill>
+                  <a:srgbClr val="0070C0"/>
+                </a:solidFill>
+              </a:rPr>
+              <a:t>D14</a:t>
+            </a:r>
+          </a:p>
+        </p:txBody>
+      </p:sp>
       <p:cxnSp>
         <p:nvCxnSpPr>
-          <p:cNvPr id="57" name="Straight Connector 56">
-            <a:extLst>
-              <a:ext uri="{FF2B5EF4-FFF2-40B4-BE49-F238E27FC236}">
-                <a16:creationId xmlns:a16="http://schemas.microsoft.com/office/drawing/2014/main" id="{46880943-99F9-0D42-B263-D29A738E3DB4}"/>
+          <p:cNvPr id="53" name="Straight Connector 52">
+            <a:extLst>
+              <a:ext uri="{FF2B5EF4-FFF2-40B4-BE49-F238E27FC236}">
+                <a16:creationId xmlns:a16="http://schemas.microsoft.com/office/drawing/2014/main" id="{C0CAE4EA-6601-F843-8A15-88136AE40C4F}"/>
               </a:ext>
             </a:extLst>
           </p:cNvPr>
@@ -12225,16 +14908,145 @@
           <p:nvPr/>
         </p:nvCxnSpPr>
         <p:spPr>
-          <a:xfrm flipV="1">
-            <a:off x="1961249" y="5390998"/>
-            <a:ext cx="3240000" cy="0"/>
+          <a:xfrm>
+            <a:off x="4591589" y="2425803"/>
+            <a:ext cx="985375" cy="0"/>
+          </a:xfrm>
+          <a:prstGeom prst="line">
+            <a:avLst/>
+          </a:prstGeom>
+          <a:ln w="60325">
+            <a:headEnd type="stealth" w="lg" len="lg"/>
+          </a:ln>
+        </p:spPr>
+        <p:style>
+          <a:lnRef idx="1">
+            <a:schemeClr val="accent1"/>
+          </a:lnRef>
+          <a:fillRef idx="0">
+            <a:schemeClr val="accent1"/>
+          </a:fillRef>
+          <a:effectRef idx="0">
+            <a:schemeClr val="accent1"/>
+          </a:effectRef>
+          <a:fontRef idx="minor">
+            <a:schemeClr val="tx1"/>
+          </a:fontRef>
+        </p:style>
+      </p:cxnSp>
+      <p:sp>
+        <p:nvSpPr>
+          <p:cNvPr id="54" name="TextBox 53">
+            <a:extLst>
+              <a:ext uri="{FF2B5EF4-FFF2-40B4-BE49-F238E27FC236}">
+                <a16:creationId xmlns:a16="http://schemas.microsoft.com/office/drawing/2014/main" id="{41B37537-C16A-0E4C-AE45-7A4121CD5FD5}"/>
+              </a:ext>
+            </a:extLst>
+          </p:cNvPr>
+          <p:cNvSpPr txBox="1"/>
+          <p:nvPr/>
+        </p:nvSpPr>
+        <p:spPr>
+          <a:xfrm>
+            <a:off x="4331726" y="2478284"/>
+            <a:ext cx="2290204" cy="369332"/>
+          </a:xfrm>
+          <a:prstGeom prst="rect">
+            <a:avLst/>
+          </a:prstGeom>
+          <a:noFill/>
+        </p:spPr>
+        <p:txBody>
+          <a:bodyPr wrap="square" rtlCol="0">
+            <a:spAutoFit/>
+          </a:bodyPr>
+          <a:lstStyle/>
+          <a:p>
+            <a:r>
+              <a:rPr lang="en-AU" dirty="0">
+                <a:solidFill>
+                  <a:srgbClr val="0070C0"/>
+                </a:solidFill>
+              </a:rPr>
+              <a:t>Forehand (R) force</a:t>
+            </a:r>
+          </a:p>
+        </p:txBody>
+      </p:sp>
+      <p:sp>
+        <p:nvSpPr>
+          <p:cNvPr id="55" name="Oval 54">
+            <a:extLst>
+              <a:ext uri="{FF2B5EF4-FFF2-40B4-BE49-F238E27FC236}">
+                <a16:creationId xmlns:a16="http://schemas.microsoft.com/office/drawing/2014/main" id="{DBE4C896-811B-1442-894E-17EEF5BA6743}"/>
+              </a:ext>
+            </a:extLst>
+          </p:cNvPr>
+          <p:cNvSpPr/>
+          <p:nvPr/>
+        </p:nvSpPr>
+        <p:spPr>
+          <a:xfrm>
+            <a:off x="4863560" y="3713388"/>
+            <a:ext cx="180000" cy="180000"/>
+          </a:xfrm>
+          <a:prstGeom prst="ellipse">
+            <a:avLst/>
+          </a:prstGeom>
+          <a:solidFill>
+            <a:schemeClr val="tx1"/>
+          </a:solidFill>
+        </p:spPr>
+        <p:style>
+          <a:lnRef idx="2">
+            <a:schemeClr val="accent1">
+              <a:shade val="50000"/>
+            </a:schemeClr>
+          </a:lnRef>
+          <a:fillRef idx="1">
+            <a:schemeClr val="accent1"/>
+          </a:fillRef>
+          <a:effectRef idx="0">
+            <a:schemeClr val="accent1"/>
+          </a:effectRef>
+          <a:fontRef idx="minor">
+            <a:schemeClr val="lt1"/>
+          </a:fontRef>
+        </p:style>
+        <p:txBody>
+          <a:bodyPr rtlCol="0" anchor="ctr"/>
+          <a:lstStyle/>
+          <a:p>
+            <a:pPr algn="ctr"/>
+            <a:endParaRPr lang="en-AU"/>
+          </a:p>
+        </p:txBody>
+      </p:sp>
+      <p:cxnSp>
+        <p:nvCxnSpPr>
+          <p:cNvPr id="3" name="Straight Connector 2">
+            <a:extLst>
+              <a:ext uri="{FF2B5EF4-FFF2-40B4-BE49-F238E27FC236}">
+                <a16:creationId xmlns:a16="http://schemas.microsoft.com/office/drawing/2014/main" id="{031E29B2-EDF1-2844-8555-32D02A37961D}"/>
+              </a:ext>
+            </a:extLst>
+          </p:cNvPr>
+          <p:cNvCxnSpPr>
+            <a:cxnSpLocks/>
+          </p:cNvCxnSpPr>
+          <p:nvPr/>
+        </p:nvCxnSpPr>
+        <p:spPr>
+          <a:xfrm>
+            <a:off x="3473685" y="6469056"/>
+            <a:ext cx="3238092" cy="0"/>
           </a:xfrm>
           <a:prstGeom prst="line">
             <a:avLst/>
           </a:prstGeom>
           <a:ln w="38100">
             <a:solidFill>
-              <a:schemeClr val="accent2"/>
+              <a:srgbClr val="FF0000"/>
             </a:solidFill>
             <a:prstDash val="sysDash"/>
           </a:ln>
@@ -12256,10 +15068,10 @@
       </p:cxnSp>
       <p:cxnSp>
         <p:nvCxnSpPr>
-          <p:cNvPr id="53" name="Straight Connector 52">
-            <a:extLst>
-              <a:ext uri="{FF2B5EF4-FFF2-40B4-BE49-F238E27FC236}">
-                <a16:creationId xmlns:a16="http://schemas.microsoft.com/office/drawing/2014/main" id="{F49342B5-DAB5-494B-90AB-10D48BDB80B9}"/>
+          <p:cNvPr id="40" name="Straight Connector 39">
+            <a:extLst>
+              <a:ext uri="{FF2B5EF4-FFF2-40B4-BE49-F238E27FC236}">
+                <a16:creationId xmlns:a16="http://schemas.microsoft.com/office/drawing/2014/main" id="{BA59D39E-288A-D44B-A057-2D4BCECFF1EF}"/>
               </a:ext>
             </a:extLst>
           </p:cNvPr>
@@ -12270,7 +15082,7 @@
         </p:nvCxnSpPr>
         <p:spPr>
           <a:xfrm flipV="1">
-            <a:off x="1961249" y="4191053"/>
+            <a:off x="3469907" y="4191053"/>
             <a:ext cx="3240000" cy="0"/>
           </a:xfrm>
           <a:prstGeom prst="line">
@@ -12278,9 +15090,7 @@
           </a:prstGeom>
           <a:ln w="38100">
             <a:solidFill>
-              <a:schemeClr val="bg1">
-                <a:lumMod val="85000"/>
-              </a:schemeClr>
+              <a:schemeClr val="accent2"/>
             </a:solidFill>
             <a:prstDash val="sysDash"/>
           </a:ln>
@@ -12300,35 +15110,35 @@
           </a:fontRef>
         </p:style>
       </p:cxnSp>
-      <p:cxnSp>
-        <p:nvCxnSpPr>
-          <p:cNvPr id="43" name="Straight Connector 42">
-            <a:extLst>
-              <a:ext uri="{FF2B5EF4-FFF2-40B4-BE49-F238E27FC236}">
-                <a16:creationId xmlns:a16="http://schemas.microsoft.com/office/drawing/2014/main" id="{94CCD1DE-1F45-B345-A735-D575500C07EA}"/>
-              </a:ext>
-            </a:extLst>
-          </p:cNvPr>
-          <p:cNvCxnSpPr>
-            <a:cxnSpLocks/>
-          </p:cNvCxnSpPr>
-          <p:nvPr/>
-        </p:nvCxnSpPr>
-        <p:spPr>
-          <a:xfrm>
-            <a:off x="1965027" y="6516354"/>
-            <a:ext cx="3238092" cy="0"/>
-          </a:xfrm>
-          <a:prstGeom prst="line">
-            <a:avLst/>
-          </a:prstGeom>
-          <a:ln w="38100">
+      <p:sp>
+        <p:nvSpPr>
+          <p:cNvPr id="14" name="Arc 13">
+            <a:extLst>
+              <a:ext uri="{FF2B5EF4-FFF2-40B4-BE49-F238E27FC236}">
+                <a16:creationId xmlns:a16="http://schemas.microsoft.com/office/drawing/2014/main" id="{07F18301-8FA4-1B43-8330-24957292427E}"/>
+              </a:ext>
+            </a:extLst>
+          </p:cNvPr>
+          <p:cNvSpPr/>
+          <p:nvPr/>
+        </p:nvSpPr>
+        <p:spPr>
+          <a:xfrm>
+            <a:off x="4205600" y="3655756"/>
+            <a:ext cx="2243234" cy="11039957"/>
+          </a:xfrm>
+          <a:prstGeom prst="arc">
+            <a:avLst>
+              <a:gd name="adj1" fmla="val 16131872"/>
+              <a:gd name="adj2" fmla="val 20258141"/>
+            </a:avLst>
+          </a:prstGeom>
+          <a:ln w="82550">
             <a:solidFill>
-              <a:schemeClr val="bg1">
-                <a:lumMod val="85000"/>
-              </a:schemeClr>
+              <a:schemeClr val="tx1"/>
             </a:solidFill>
-            <a:prstDash val="sysDash"/>
+            <a:prstDash val="sysDot"/>
+            <a:tailEnd type="stealth"/>
           </a:ln>
         </p:spPr>
         <p:style>
@@ -12345,34 +15155,44 @@
             <a:schemeClr val="tx1"/>
           </a:fontRef>
         </p:style>
-      </p:cxnSp>
-      <p:cxnSp>
-        <p:nvCxnSpPr>
-          <p:cNvPr id="54" name="Straight Connector 53">
-            <a:extLst>
-              <a:ext uri="{FF2B5EF4-FFF2-40B4-BE49-F238E27FC236}">
-                <a16:creationId xmlns:a16="http://schemas.microsoft.com/office/drawing/2014/main" id="{1F530FCE-E2B4-D143-8811-A437C5206052}"/>
-              </a:ext>
-            </a:extLst>
-          </p:cNvPr>
-          <p:cNvCxnSpPr>
-            <a:cxnSpLocks/>
-          </p:cNvCxnSpPr>
-          <p:nvPr/>
-        </p:nvCxnSpPr>
-        <p:spPr>
-          <a:xfrm>
-            <a:off x="1965027" y="7527107"/>
-            <a:ext cx="3238092" cy="0"/>
-          </a:xfrm>
-          <a:prstGeom prst="line">
-            <a:avLst/>
-          </a:prstGeom>
-          <a:ln w="38100">
+        <p:txBody>
+          <a:bodyPr rtlCol="0" anchor="ctr"/>
+          <a:lstStyle/>
+          <a:p>
+            <a:pPr algn="ctr"/>
+            <a:endParaRPr lang="en-AU"/>
+          </a:p>
+        </p:txBody>
+      </p:sp>
+      <p:sp>
+        <p:nvSpPr>
+          <p:cNvPr id="57" name="Arc 56">
+            <a:extLst>
+              <a:ext uri="{FF2B5EF4-FFF2-40B4-BE49-F238E27FC236}">
+                <a16:creationId xmlns:a16="http://schemas.microsoft.com/office/drawing/2014/main" id="{96A5BB6F-15AD-D34B-B08F-2BCA5340D619}"/>
+              </a:ext>
+            </a:extLst>
+          </p:cNvPr>
+          <p:cNvSpPr/>
+          <p:nvPr/>
+        </p:nvSpPr>
+        <p:spPr>
+          <a:xfrm flipH="1">
+            <a:off x="3626396" y="3655757"/>
+            <a:ext cx="2209833" cy="11039956"/>
+          </a:xfrm>
+          <a:prstGeom prst="arc">
+            <a:avLst>
+              <a:gd name="adj1" fmla="val 16131872"/>
+              <a:gd name="adj2" fmla="val 20258141"/>
+            </a:avLst>
+          </a:prstGeom>
+          <a:ln w="82550">
             <a:solidFill>
-              <a:srgbClr val="FF0000"/>
+              <a:schemeClr val="tx1"/>
             </a:solidFill>
-            <a:prstDash val="sysDash"/>
+            <a:prstDash val="sysDot"/>
+            <a:tailEnd type="stealth"/>
           </a:ln>
         </p:spPr>
         <p:style>
@@ -12389,826 +15209,6 @@
             <a:schemeClr val="tx1"/>
           </a:fontRef>
         </p:style>
-      </p:cxnSp>
-      <p:sp>
-        <p:nvSpPr>
-          <p:cNvPr id="5" name="Rounded Rectangle 4">
-            <a:extLst>
-              <a:ext uri="{FF2B5EF4-FFF2-40B4-BE49-F238E27FC236}">
-                <a16:creationId xmlns:a16="http://schemas.microsoft.com/office/drawing/2014/main" id="{3C953649-ED7C-3742-AAEA-8B243B81C427}"/>
-              </a:ext>
-            </a:extLst>
-          </p:cNvPr>
-          <p:cNvSpPr>
-            <a:spLocks noChangeAspect="1"/>
-          </p:cNvSpPr>
-          <p:nvPr/>
-        </p:nvSpPr>
-        <p:spPr>
-          <a:xfrm>
-            <a:off x="1953463" y="7687117"/>
-            <a:ext cx="3240000" cy="1576217"/>
-          </a:xfrm>
-          <a:prstGeom prst="roundRect">
-            <a:avLst/>
-          </a:prstGeom>
-          <a:solidFill>
-            <a:srgbClr val="00B050"/>
-          </a:solidFill>
-          <a:ln w="38100">
-            <a:solidFill>
-              <a:schemeClr val="tx1"/>
-            </a:solidFill>
-          </a:ln>
-        </p:spPr>
-        <p:style>
-          <a:lnRef idx="2">
-            <a:schemeClr val="accent1">
-              <a:shade val="50000"/>
-            </a:schemeClr>
-          </a:lnRef>
-          <a:fillRef idx="1">
-            <a:schemeClr val="accent1"/>
-          </a:fillRef>
-          <a:effectRef idx="0">
-            <a:schemeClr val="accent1"/>
-          </a:effectRef>
-          <a:fontRef idx="minor">
-            <a:schemeClr val="lt1"/>
-          </a:fontRef>
-        </p:style>
-        <p:txBody>
-          <a:bodyPr rtlCol="0" anchor="ctr"/>
-          <a:lstStyle/>
-          <a:p>
-            <a:pPr algn="ctr"/>
-            <a:endParaRPr lang="en-AU"/>
-          </a:p>
-        </p:txBody>
-      </p:sp>
-      <p:sp>
-        <p:nvSpPr>
-          <p:cNvPr id="6" name="Rounded Rectangle 5">
-            <a:extLst>
-              <a:ext uri="{FF2B5EF4-FFF2-40B4-BE49-F238E27FC236}">
-                <a16:creationId xmlns:a16="http://schemas.microsoft.com/office/drawing/2014/main" id="{781AE066-2F6F-CD4A-8C9D-2174A5C270BE}"/>
-              </a:ext>
-            </a:extLst>
-          </p:cNvPr>
-          <p:cNvSpPr>
-            <a:spLocks noChangeAspect="1"/>
-          </p:cNvSpPr>
-          <p:nvPr/>
-        </p:nvSpPr>
-        <p:spPr>
-          <a:xfrm>
-            <a:off x="1953463" y="520745"/>
-            <a:ext cx="3240000" cy="1576217"/>
-          </a:xfrm>
-          <a:prstGeom prst="roundRect">
-            <a:avLst/>
-          </a:prstGeom>
-          <a:solidFill>
-            <a:srgbClr val="FF0000"/>
-          </a:solidFill>
-          <a:ln w="38100">
-            <a:solidFill>
-              <a:schemeClr val="tx1"/>
-            </a:solidFill>
-          </a:ln>
-        </p:spPr>
-        <p:style>
-          <a:lnRef idx="2">
-            <a:schemeClr val="accent1">
-              <a:shade val="50000"/>
-            </a:schemeClr>
-          </a:lnRef>
-          <a:fillRef idx="1">
-            <a:schemeClr val="accent1"/>
-          </a:fillRef>
-          <a:effectRef idx="0">
-            <a:schemeClr val="accent1"/>
-          </a:effectRef>
-          <a:fontRef idx="minor">
-            <a:schemeClr val="lt1"/>
-          </a:fontRef>
-        </p:style>
-        <p:txBody>
-          <a:bodyPr rtlCol="0" anchor="ctr"/>
-          <a:lstStyle/>
-          <a:p>
-            <a:pPr algn="ctr"/>
-            <a:endParaRPr lang="en-AU" dirty="0"/>
-          </a:p>
-        </p:txBody>
-      </p:sp>
-      <p:sp>
-        <p:nvSpPr>
-          <p:cNvPr id="30" name="Rounded Rectangle 29">
-            <a:extLst>
-              <a:ext uri="{FF2B5EF4-FFF2-40B4-BE49-F238E27FC236}">
-                <a16:creationId xmlns:a16="http://schemas.microsoft.com/office/drawing/2014/main" id="{B8A86484-2904-4E46-B5B4-7651A5C626E4}"/>
-              </a:ext>
-            </a:extLst>
-          </p:cNvPr>
-          <p:cNvSpPr>
-            <a:spLocks noChangeAspect="1"/>
-          </p:cNvSpPr>
-          <p:nvPr/>
-        </p:nvSpPr>
-        <p:spPr>
-          <a:xfrm>
-            <a:off x="1955619" y="2096962"/>
-            <a:ext cx="3240000" cy="5604325"/>
-          </a:xfrm>
-          <a:prstGeom prst="roundRect">
-            <a:avLst/>
-          </a:prstGeom>
-          <a:noFill/>
-          <a:ln w="38100">
-            <a:solidFill>
-              <a:schemeClr val="tx1"/>
-            </a:solidFill>
-          </a:ln>
-        </p:spPr>
-        <p:style>
-          <a:lnRef idx="2">
-            <a:schemeClr val="accent1">
-              <a:shade val="50000"/>
-            </a:schemeClr>
-          </a:lnRef>
-          <a:fillRef idx="1">
-            <a:schemeClr val="accent1"/>
-          </a:fillRef>
-          <a:effectRef idx="0">
-            <a:schemeClr val="accent1"/>
-          </a:effectRef>
-          <a:fontRef idx="minor">
-            <a:schemeClr val="lt1"/>
-          </a:fontRef>
-        </p:style>
-        <p:txBody>
-          <a:bodyPr rtlCol="0" anchor="ctr"/>
-          <a:lstStyle/>
-          <a:p>
-            <a:pPr algn="ctr"/>
-            <a:endParaRPr lang="en-AU"/>
-          </a:p>
-        </p:txBody>
-      </p:sp>
-      <p:sp>
-        <p:nvSpPr>
-          <p:cNvPr id="31" name="Multiply 30">
-            <a:extLst>
-              <a:ext uri="{FF2B5EF4-FFF2-40B4-BE49-F238E27FC236}">
-                <a16:creationId xmlns:a16="http://schemas.microsoft.com/office/drawing/2014/main" id="{5E280636-5677-E24B-9170-B5E74AF6F10D}"/>
-              </a:ext>
-            </a:extLst>
-          </p:cNvPr>
-          <p:cNvSpPr/>
-          <p:nvPr/>
-        </p:nvSpPr>
-        <p:spPr>
-          <a:xfrm>
-            <a:off x="3200727" y="5719826"/>
-            <a:ext cx="767443" cy="849086"/>
-          </a:xfrm>
-          <a:prstGeom prst="mathMultiply">
-            <a:avLst/>
-          </a:prstGeom>
-          <a:noFill/>
-        </p:spPr>
-        <p:style>
-          <a:lnRef idx="2">
-            <a:schemeClr val="accent1">
-              <a:shade val="50000"/>
-            </a:schemeClr>
-          </a:lnRef>
-          <a:fillRef idx="1">
-            <a:schemeClr val="accent1"/>
-          </a:fillRef>
-          <a:effectRef idx="0">
-            <a:schemeClr val="accent1"/>
-          </a:effectRef>
-          <a:fontRef idx="minor">
-            <a:schemeClr val="lt1"/>
-          </a:fontRef>
-        </p:style>
-        <p:txBody>
-          <a:bodyPr rtlCol="0" anchor="ctr"/>
-          <a:lstStyle/>
-          <a:p>
-            <a:pPr algn="ctr"/>
-            <a:endParaRPr lang="en-AU"/>
-          </a:p>
-        </p:txBody>
-      </p:sp>
-      <p:sp>
-        <p:nvSpPr>
-          <p:cNvPr id="32" name="Multiply 31">
-            <a:extLst>
-              <a:ext uri="{FF2B5EF4-FFF2-40B4-BE49-F238E27FC236}">
-                <a16:creationId xmlns:a16="http://schemas.microsoft.com/office/drawing/2014/main" id="{F64121CE-0A72-C743-B147-31433D640BE0}"/>
-              </a:ext>
-            </a:extLst>
-          </p:cNvPr>
-          <p:cNvSpPr/>
-          <p:nvPr/>
-        </p:nvSpPr>
-        <p:spPr>
-          <a:xfrm>
-            <a:off x="3194392" y="3229341"/>
-            <a:ext cx="767443" cy="849086"/>
-          </a:xfrm>
-          <a:prstGeom prst="mathMultiply">
-            <a:avLst/>
-          </a:prstGeom>
-          <a:noFill/>
-        </p:spPr>
-        <p:style>
-          <a:lnRef idx="2">
-            <a:schemeClr val="accent1">
-              <a:shade val="50000"/>
-            </a:schemeClr>
-          </a:lnRef>
-          <a:fillRef idx="1">
-            <a:schemeClr val="accent1"/>
-          </a:fillRef>
-          <a:effectRef idx="0">
-            <a:schemeClr val="accent1"/>
-          </a:effectRef>
-          <a:fontRef idx="minor">
-            <a:schemeClr val="lt1"/>
-          </a:fontRef>
-        </p:style>
-        <p:txBody>
-          <a:bodyPr rtlCol="0" anchor="ctr"/>
-          <a:lstStyle/>
-          <a:p>
-            <a:pPr algn="ctr"/>
-            <a:endParaRPr lang="en-AU"/>
-          </a:p>
-        </p:txBody>
-      </p:sp>
-      <p:sp>
-        <p:nvSpPr>
-          <p:cNvPr id="35" name="TextBox 34">
-            <a:extLst>
-              <a:ext uri="{FF2B5EF4-FFF2-40B4-BE49-F238E27FC236}">
-                <a16:creationId xmlns:a16="http://schemas.microsoft.com/office/drawing/2014/main" id="{79DAF68E-1DAE-D641-8B9E-EC4390F7E0BB}"/>
-              </a:ext>
-            </a:extLst>
-          </p:cNvPr>
-          <p:cNvSpPr txBox="1"/>
-          <p:nvPr/>
-        </p:nvSpPr>
-        <p:spPr>
-          <a:xfrm>
-            <a:off x="3433499" y="5586333"/>
-            <a:ext cx="466518" cy="369332"/>
-          </a:xfrm>
-          <a:prstGeom prst="rect">
-            <a:avLst/>
-          </a:prstGeom>
-          <a:noFill/>
-        </p:spPr>
-        <p:txBody>
-          <a:bodyPr wrap="square" rtlCol="0">
-            <a:spAutoFit/>
-          </a:bodyPr>
-          <a:lstStyle/>
-          <a:p>
-            <a:r>
-              <a:rPr lang="en-AU" dirty="0">
-                <a:solidFill>
-                  <a:schemeClr val="bg1">
-                    <a:lumMod val="50000"/>
-                  </a:schemeClr>
-                </a:solidFill>
-              </a:rPr>
-              <a:t>O2</a:t>
-            </a:r>
-          </a:p>
-        </p:txBody>
-      </p:sp>
-      <p:sp>
-        <p:nvSpPr>
-          <p:cNvPr id="38" name="TextBox 37">
-            <a:extLst>
-              <a:ext uri="{FF2B5EF4-FFF2-40B4-BE49-F238E27FC236}">
-                <a16:creationId xmlns:a16="http://schemas.microsoft.com/office/drawing/2014/main" id="{7042CAA2-E6DA-0B42-9E72-2E15BEA3B1CC}"/>
-              </a:ext>
-            </a:extLst>
-          </p:cNvPr>
-          <p:cNvSpPr txBox="1"/>
-          <p:nvPr/>
-        </p:nvSpPr>
-        <p:spPr>
-          <a:xfrm>
-            <a:off x="2830951" y="4418066"/>
-            <a:ext cx="470658" cy="369332"/>
-          </a:xfrm>
-          <a:prstGeom prst="rect">
-            <a:avLst/>
-          </a:prstGeom>
-          <a:solidFill>
-            <a:schemeClr val="tx1"/>
-          </a:solidFill>
-        </p:spPr>
-        <p:txBody>
-          <a:bodyPr wrap="square" rtlCol="0">
-            <a:spAutoFit/>
-          </a:bodyPr>
-          <a:lstStyle/>
-          <a:p>
-            <a:r>
-              <a:rPr lang="en-AU" dirty="0">
-                <a:solidFill>
-                  <a:schemeClr val="bg1"/>
-                </a:solidFill>
-              </a:rPr>
-              <a:t>O1</a:t>
-            </a:r>
-          </a:p>
-        </p:txBody>
-      </p:sp>
-      <p:sp>
-        <p:nvSpPr>
-          <p:cNvPr id="41" name="TextBox 40">
-            <a:extLst>
-              <a:ext uri="{FF2B5EF4-FFF2-40B4-BE49-F238E27FC236}">
-                <a16:creationId xmlns:a16="http://schemas.microsoft.com/office/drawing/2014/main" id="{6A4DBE8F-FE25-9E4C-8B3E-05DC9C007444}"/>
-              </a:ext>
-            </a:extLst>
-          </p:cNvPr>
-          <p:cNvSpPr txBox="1"/>
-          <p:nvPr/>
-        </p:nvSpPr>
-        <p:spPr>
-          <a:xfrm>
-            <a:off x="3451835" y="5309695"/>
-            <a:ext cx="466518" cy="369332"/>
-          </a:xfrm>
-          <a:prstGeom prst="rect">
-            <a:avLst/>
-          </a:prstGeom>
-          <a:noFill/>
-        </p:spPr>
-        <p:txBody>
-          <a:bodyPr wrap="square" rtlCol="0">
-            <a:spAutoFit/>
-          </a:bodyPr>
-          <a:lstStyle/>
-          <a:p>
-            <a:r>
-              <a:rPr lang="en-AU" dirty="0">
-                <a:solidFill>
-                  <a:schemeClr val="bg1">
-                    <a:lumMod val="50000"/>
-                  </a:schemeClr>
-                </a:solidFill>
-              </a:rPr>
-              <a:t>O3</a:t>
-            </a:r>
-          </a:p>
-        </p:txBody>
-      </p:sp>
-      <p:sp>
-        <p:nvSpPr>
-          <p:cNvPr id="42" name="TextBox 41">
-            <a:extLst>
-              <a:ext uri="{FF2B5EF4-FFF2-40B4-BE49-F238E27FC236}">
-                <a16:creationId xmlns:a16="http://schemas.microsoft.com/office/drawing/2014/main" id="{B5F10BD1-841A-F04B-A2A2-55D0139DC377}"/>
-              </a:ext>
-            </a:extLst>
-          </p:cNvPr>
-          <p:cNvSpPr txBox="1"/>
-          <p:nvPr/>
-        </p:nvSpPr>
-        <p:spPr>
-          <a:xfrm>
-            <a:off x="4062142" y="6213415"/>
-            <a:ext cx="466518" cy="369332"/>
-          </a:xfrm>
-          <a:prstGeom prst="rect">
-            <a:avLst/>
-          </a:prstGeom>
-          <a:noFill/>
-        </p:spPr>
-        <p:txBody>
-          <a:bodyPr wrap="square" rtlCol="0">
-            <a:spAutoFit/>
-          </a:bodyPr>
-          <a:lstStyle/>
-          <a:p>
-            <a:r>
-              <a:rPr lang="en-AU" dirty="0">
-                <a:solidFill>
-                  <a:schemeClr val="bg1">
-                    <a:lumMod val="50000"/>
-                  </a:schemeClr>
-                </a:solidFill>
-              </a:rPr>
-              <a:t>O4</a:t>
-            </a:r>
-          </a:p>
-        </p:txBody>
-      </p:sp>
-      <p:sp>
-        <p:nvSpPr>
-          <p:cNvPr id="44" name="TextBox 43">
-            <a:extLst>
-              <a:ext uri="{FF2B5EF4-FFF2-40B4-BE49-F238E27FC236}">
-                <a16:creationId xmlns:a16="http://schemas.microsoft.com/office/drawing/2014/main" id="{ED76DF6A-2F54-F447-8ADE-845E9CC87A6B}"/>
-              </a:ext>
-            </a:extLst>
-          </p:cNvPr>
-          <p:cNvSpPr txBox="1"/>
-          <p:nvPr/>
-        </p:nvSpPr>
-        <p:spPr>
-          <a:xfrm>
-            <a:off x="3359189" y="3523633"/>
-            <a:ext cx="466518" cy="369332"/>
-          </a:xfrm>
-          <a:prstGeom prst="rect">
-            <a:avLst/>
-          </a:prstGeom>
-          <a:noFill/>
-        </p:spPr>
-        <p:txBody>
-          <a:bodyPr wrap="square" rtlCol="0">
-            <a:spAutoFit/>
-          </a:bodyPr>
-          <a:lstStyle/>
-          <a:p>
-            <a:r>
-              <a:rPr lang="en-AU" dirty="0">
-                <a:solidFill>
-                  <a:schemeClr val="bg1">
-                    <a:lumMod val="50000"/>
-                  </a:schemeClr>
-                </a:solidFill>
-              </a:rPr>
-              <a:t>O6</a:t>
-            </a:r>
-          </a:p>
-        </p:txBody>
-      </p:sp>
-      <p:sp>
-        <p:nvSpPr>
-          <p:cNvPr id="45" name="TextBox 44">
-            <a:extLst>
-              <a:ext uri="{FF2B5EF4-FFF2-40B4-BE49-F238E27FC236}">
-                <a16:creationId xmlns:a16="http://schemas.microsoft.com/office/drawing/2014/main" id="{2AA289A3-FFF3-9040-A161-C18FA54A9DD6}"/>
-              </a:ext>
-            </a:extLst>
-          </p:cNvPr>
-          <p:cNvSpPr txBox="1"/>
-          <p:nvPr/>
-        </p:nvSpPr>
-        <p:spPr>
-          <a:xfrm>
-            <a:off x="2593265" y="3219645"/>
-            <a:ext cx="466518" cy="369332"/>
-          </a:xfrm>
-          <a:prstGeom prst="rect">
-            <a:avLst/>
-          </a:prstGeom>
-          <a:noFill/>
-        </p:spPr>
-        <p:txBody>
-          <a:bodyPr wrap="square" rtlCol="0">
-            <a:spAutoFit/>
-          </a:bodyPr>
-          <a:lstStyle/>
-          <a:p>
-            <a:r>
-              <a:rPr lang="en-AU" dirty="0">
-                <a:solidFill>
-                  <a:schemeClr val="bg1">
-                    <a:lumMod val="50000"/>
-                  </a:schemeClr>
-                </a:solidFill>
-              </a:rPr>
-              <a:t>O7</a:t>
-            </a:r>
-          </a:p>
-        </p:txBody>
-      </p:sp>
-      <p:sp>
-        <p:nvSpPr>
-          <p:cNvPr id="46" name="TextBox 45">
-            <a:extLst>
-              <a:ext uri="{FF2B5EF4-FFF2-40B4-BE49-F238E27FC236}">
-                <a16:creationId xmlns:a16="http://schemas.microsoft.com/office/drawing/2014/main" id="{837A8049-6590-7D4C-92CF-A71FB0211A45}"/>
-              </a:ext>
-            </a:extLst>
-          </p:cNvPr>
-          <p:cNvSpPr txBox="1"/>
-          <p:nvPr/>
-        </p:nvSpPr>
-        <p:spPr>
-          <a:xfrm>
-            <a:off x="2892618" y="4684692"/>
-            <a:ext cx="466518" cy="369332"/>
-          </a:xfrm>
-          <a:prstGeom prst="rect">
-            <a:avLst/>
-          </a:prstGeom>
-          <a:noFill/>
-        </p:spPr>
-        <p:txBody>
-          <a:bodyPr wrap="square" rtlCol="0">
-            <a:spAutoFit/>
-          </a:bodyPr>
-          <a:lstStyle/>
-          <a:p>
-            <a:r>
-              <a:rPr lang="en-AU" dirty="0">
-                <a:solidFill>
-                  <a:srgbClr val="0070C0"/>
-                </a:solidFill>
-              </a:rPr>
-              <a:t>D8</a:t>
-            </a:r>
-          </a:p>
-        </p:txBody>
-      </p:sp>
-      <p:sp>
-        <p:nvSpPr>
-          <p:cNvPr id="47" name="TextBox 46">
-            <a:extLst>
-              <a:ext uri="{FF2B5EF4-FFF2-40B4-BE49-F238E27FC236}">
-                <a16:creationId xmlns:a16="http://schemas.microsoft.com/office/drawing/2014/main" id="{CCF22243-6FE8-EC41-B159-942CB7F07C00}"/>
-              </a:ext>
-            </a:extLst>
-          </p:cNvPr>
-          <p:cNvSpPr txBox="1"/>
-          <p:nvPr/>
-        </p:nvSpPr>
-        <p:spPr>
-          <a:xfrm>
-            <a:off x="3179716" y="5517172"/>
-            <a:ext cx="466518" cy="369332"/>
-          </a:xfrm>
-          <a:prstGeom prst="rect">
-            <a:avLst/>
-          </a:prstGeom>
-          <a:noFill/>
-        </p:spPr>
-        <p:txBody>
-          <a:bodyPr wrap="square" rtlCol="0">
-            <a:spAutoFit/>
-          </a:bodyPr>
-          <a:lstStyle/>
-          <a:p>
-            <a:r>
-              <a:rPr lang="en-AU" dirty="0">
-                <a:solidFill>
-                  <a:srgbClr val="0070C0"/>
-                </a:solidFill>
-              </a:rPr>
-              <a:t>D9</a:t>
-            </a:r>
-          </a:p>
-        </p:txBody>
-      </p:sp>
-      <p:sp>
-        <p:nvSpPr>
-          <p:cNvPr id="48" name="TextBox 47">
-            <a:extLst>
-              <a:ext uri="{FF2B5EF4-FFF2-40B4-BE49-F238E27FC236}">
-                <a16:creationId xmlns:a16="http://schemas.microsoft.com/office/drawing/2014/main" id="{86C9D4C4-44D0-C944-9E8E-3B2426A48A88}"/>
-              </a:ext>
-            </a:extLst>
-          </p:cNvPr>
-          <p:cNvSpPr txBox="1"/>
-          <p:nvPr/>
-        </p:nvSpPr>
-        <p:spPr>
-          <a:xfrm>
-            <a:off x="3048476" y="5303231"/>
-            <a:ext cx="616526" cy="369332"/>
-          </a:xfrm>
-          <a:prstGeom prst="rect">
-            <a:avLst/>
-          </a:prstGeom>
-          <a:noFill/>
-        </p:spPr>
-        <p:txBody>
-          <a:bodyPr wrap="square" rtlCol="0">
-            <a:spAutoFit/>
-          </a:bodyPr>
-          <a:lstStyle/>
-          <a:p>
-            <a:r>
-              <a:rPr lang="en-AU" dirty="0">
-                <a:solidFill>
-                  <a:srgbClr val="0070C0"/>
-                </a:solidFill>
-              </a:rPr>
-              <a:t>D10</a:t>
-            </a:r>
-          </a:p>
-        </p:txBody>
-      </p:sp>
-      <p:sp>
-        <p:nvSpPr>
-          <p:cNvPr id="49" name="TextBox 48">
-            <a:extLst>
-              <a:ext uri="{FF2B5EF4-FFF2-40B4-BE49-F238E27FC236}">
-                <a16:creationId xmlns:a16="http://schemas.microsoft.com/office/drawing/2014/main" id="{8BD7E8C7-8F53-ED4B-8FFE-D850DF56DB0A}"/>
-              </a:ext>
-            </a:extLst>
-          </p:cNvPr>
-          <p:cNvSpPr txBox="1"/>
-          <p:nvPr/>
-        </p:nvSpPr>
-        <p:spPr>
-          <a:xfrm>
-            <a:off x="3999445" y="5975189"/>
-            <a:ext cx="616526" cy="369332"/>
-          </a:xfrm>
-          <a:prstGeom prst="rect">
-            <a:avLst/>
-          </a:prstGeom>
-          <a:noFill/>
-        </p:spPr>
-        <p:txBody>
-          <a:bodyPr wrap="square" rtlCol="0">
-            <a:spAutoFit/>
-          </a:bodyPr>
-          <a:lstStyle/>
-          <a:p>
-            <a:r>
-              <a:rPr lang="en-AU" dirty="0">
-                <a:solidFill>
-                  <a:srgbClr val="0070C0"/>
-                </a:solidFill>
-              </a:rPr>
-              <a:t>D11</a:t>
-            </a:r>
-          </a:p>
-        </p:txBody>
-      </p:sp>
-      <p:sp>
-        <p:nvSpPr>
-          <p:cNvPr id="50" name="TextBox 49">
-            <a:extLst>
-              <a:ext uri="{FF2B5EF4-FFF2-40B4-BE49-F238E27FC236}">
-                <a16:creationId xmlns:a16="http://schemas.microsoft.com/office/drawing/2014/main" id="{9B50AAF5-E2C8-8C47-BB34-7CF21FC3A939}"/>
-              </a:ext>
-            </a:extLst>
-          </p:cNvPr>
-          <p:cNvSpPr txBox="1"/>
-          <p:nvPr/>
-        </p:nvSpPr>
-        <p:spPr>
-          <a:xfrm>
-            <a:off x="4314018" y="3533870"/>
-            <a:ext cx="616526" cy="369332"/>
-          </a:xfrm>
-          <a:prstGeom prst="rect">
-            <a:avLst/>
-          </a:prstGeom>
-          <a:noFill/>
-        </p:spPr>
-        <p:txBody>
-          <a:bodyPr wrap="square" rtlCol="0">
-            <a:spAutoFit/>
-          </a:bodyPr>
-          <a:lstStyle/>
-          <a:p>
-            <a:r>
-              <a:rPr lang="en-AU" dirty="0">
-                <a:solidFill>
-                  <a:srgbClr val="0070C0"/>
-                </a:solidFill>
-              </a:rPr>
-              <a:t>D12</a:t>
-            </a:r>
-          </a:p>
-        </p:txBody>
-      </p:sp>
-      <p:sp>
-        <p:nvSpPr>
-          <p:cNvPr id="51" name="TextBox 50">
-            <a:extLst>
-              <a:ext uri="{FF2B5EF4-FFF2-40B4-BE49-F238E27FC236}">
-                <a16:creationId xmlns:a16="http://schemas.microsoft.com/office/drawing/2014/main" id="{92E484C6-77CC-ED41-A22D-A89845F770A5}"/>
-              </a:ext>
-            </a:extLst>
-          </p:cNvPr>
-          <p:cNvSpPr txBox="1"/>
-          <p:nvPr/>
-        </p:nvSpPr>
-        <p:spPr>
-          <a:xfrm>
-            <a:off x="3527619" y="3858417"/>
-            <a:ext cx="616526" cy="369332"/>
-          </a:xfrm>
-          <a:prstGeom prst="rect">
-            <a:avLst/>
-          </a:prstGeom>
-          <a:noFill/>
-        </p:spPr>
-        <p:txBody>
-          <a:bodyPr wrap="square" rtlCol="0">
-            <a:spAutoFit/>
-          </a:bodyPr>
-          <a:lstStyle/>
-          <a:p>
-            <a:r>
-              <a:rPr lang="en-AU" dirty="0">
-                <a:solidFill>
-                  <a:srgbClr val="0070C0"/>
-                </a:solidFill>
-              </a:rPr>
-              <a:t>D13</a:t>
-            </a:r>
-          </a:p>
-        </p:txBody>
-      </p:sp>
-      <p:sp>
-        <p:nvSpPr>
-          <p:cNvPr id="52" name="TextBox 51">
-            <a:extLst>
-              <a:ext uri="{FF2B5EF4-FFF2-40B4-BE49-F238E27FC236}">
-                <a16:creationId xmlns:a16="http://schemas.microsoft.com/office/drawing/2014/main" id="{12662D9B-166C-F641-904E-8CCCEF4D6E57}"/>
-              </a:ext>
-            </a:extLst>
-          </p:cNvPr>
-          <p:cNvSpPr txBox="1"/>
-          <p:nvPr/>
-        </p:nvSpPr>
-        <p:spPr>
-          <a:xfrm>
-            <a:off x="2813701" y="3478186"/>
-            <a:ext cx="616526" cy="369332"/>
-          </a:xfrm>
-          <a:prstGeom prst="rect">
-            <a:avLst/>
-          </a:prstGeom>
-          <a:noFill/>
-        </p:spPr>
-        <p:txBody>
-          <a:bodyPr wrap="square" rtlCol="0">
-            <a:spAutoFit/>
-          </a:bodyPr>
-          <a:lstStyle/>
-          <a:p>
-            <a:r>
-              <a:rPr lang="en-AU" dirty="0">
-                <a:solidFill>
-                  <a:srgbClr val="0070C0"/>
-                </a:solidFill>
-              </a:rPr>
-              <a:t>D14</a:t>
-            </a:r>
-          </a:p>
-        </p:txBody>
-      </p:sp>
-      <p:sp>
-        <p:nvSpPr>
-          <p:cNvPr id="55" name="Oval 54">
-            <a:extLst>
-              <a:ext uri="{FF2B5EF4-FFF2-40B4-BE49-F238E27FC236}">
-                <a16:creationId xmlns:a16="http://schemas.microsoft.com/office/drawing/2014/main" id="{DBE4C896-811B-1442-894E-17EEF5BA6743}"/>
-              </a:ext>
-            </a:extLst>
-          </p:cNvPr>
-          <p:cNvSpPr/>
-          <p:nvPr/>
-        </p:nvSpPr>
-        <p:spPr>
-          <a:xfrm>
-            <a:off x="2762958" y="4797593"/>
-            <a:ext cx="180000" cy="180000"/>
-          </a:xfrm>
-          <a:prstGeom prst="ellipse">
-            <a:avLst/>
-          </a:prstGeom>
-          <a:solidFill>
-            <a:schemeClr val="tx1"/>
-          </a:solidFill>
-        </p:spPr>
-        <p:style>
-          <a:lnRef idx="2">
-            <a:schemeClr val="accent1">
-              <a:shade val="50000"/>
-            </a:schemeClr>
-          </a:lnRef>
-          <a:fillRef idx="1">
-            <a:schemeClr val="accent1"/>
-          </a:fillRef>
-          <a:effectRef idx="0">
-            <a:schemeClr val="accent1"/>
-          </a:effectRef>
-          <a:fontRef idx="minor">
-            <a:schemeClr val="lt1"/>
-          </a:fontRef>
-        </p:style>
         <p:txBody>
           <a:bodyPr rtlCol="0" anchor="ctr"/>
           <a:lstStyle/>
@@ -13229,22 +15229,21 @@
           </p:cNvPr>
           <p:cNvCxnSpPr>
             <a:cxnSpLocks/>
+            <a:stCxn id="38" idx="2"/>
           </p:cNvCxnSpPr>
           <p:nvPr/>
         </p:nvCxnSpPr>
         <p:spPr>
           <a:xfrm flipH="1">
-            <a:off x="3048476" y="5955665"/>
-            <a:ext cx="524987" cy="1406832"/>
+            <a:off x="4701885" y="5529914"/>
+            <a:ext cx="197076" cy="865336"/>
           </a:xfrm>
           <a:prstGeom prst="straightConnector1">
             <a:avLst/>
           </a:prstGeom>
           <a:ln w="60325">
             <a:solidFill>
-              <a:schemeClr val="bg1">
-                <a:lumMod val="50000"/>
-              </a:schemeClr>
+              <a:schemeClr val="tx1"/>
             </a:solidFill>
             <a:tailEnd type="triangle"/>
           </a:ln>
@@ -13275,14 +15274,58 @@
           </p:cNvPr>
           <p:cNvCxnSpPr>
             <a:cxnSpLocks/>
-            <a:endCxn id="64" idx="2"/>
+            <a:endCxn id="64" idx="3"/>
           </p:cNvCxnSpPr>
           <p:nvPr/>
         </p:nvCxnSpPr>
         <p:spPr>
           <a:xfrm flipH="1" flipV="1">
-            <a:off x="2712455" y="5846990"/>
-            <a:ext cx="230503" cy="1515507"/>
+            <a:off x="4214640" y="5109007"/>
+            <a:ext cx="478430" cy="1347694"/>
+          </a:xfrm>
+          <a:prstGeom prst="straightConnector1">
+            <a:avLst/>
+          </a:prstGeom>
+          <a:ln w="60325">
+            <a:solidFill>
+              <a:schemeClr val="tx1"/>
+            </a:solidFill>
+            <a:tailEnd type="triangle"/>
+          </a:ln>
+        </p:spPr>
+        <p:style>
+          <a:lnRef idx="1">
+            <a:schemeClr val="accent1"/>
+          </a:lnRef>
+          <a:fillRef idx="0">
+            <a:schemeClr val="accent1"/>
+          </a:fillRef>
+          <a:effectRef idx="0">
+            <a:schemeClr val="accent1"/>
+          </a:effectRef>
+          <a:fontRef idx="minor">
+            <a:schemeClr val="tx1"/>
+          </a:fontRef>
+        </p:style>
+      </p:cxnSp>
+      <p:cxnSp>
+        <p:nvCxnSpPr>
+          <p:cNvPr id="59" name="Straight Arrow Connector 58">
+            <a:extLst>
+              <a:ext uri="{FF2B5EF4-FFF2-40B4-BE49-F238E27FC236}">
+                <a16:creationId xmlns:a16="http://schemas.microsoft.com/office/drawing/2014/main" id="{6EC0D66B-9843-3744-A9B0-3173F73404E2}"/>
+              </a:ext>
+            </a:extLst>
+          </p:cNvPr>
+          <p:cNvCxnSpPr>
+            <a:cxnSpLocks/>
+          </p:cNvCxnSpPr>
+          <p:nvPr/>
+        </p:nvCxnSpPr>
+        <p:spPr>
+          <a:xfrm flipV="1">
+            <a:off x="5217333" y="4219920"/>
+            <a:ext cx="278836" cy="260567"/>
           </a:xfrm>
           <a:prstGeom prst="straightConnector1">
             <a:avLst/>
@@ -13322,14 +15365,13 @@
           </p:cNvPr>
           <p:cNvCxnSpPr>
             <a:cxnSpLocks/>
-            <a:stCxn id="42" idx="2"/>
           </p:cNvCxnSpPr>
           <p:nvPr/>
         </p:nvCxnSpPr>
         <p:spPr>
           <a:xfrm>
-            <a:off x="4295401" y="6582747"/>
-            <a:ext cx="151227" cy="855597"/>
+            <a:off x="5506982" y="4258898"/>
+            <a:ext cx="201940" cy="2107515"/>
           </a:xfrm>
           <a:prstGeom prst="straightConnector1">
             <a:avLst/>
@@ -13358,28 +15400,76 @@
           </a:fontRef>
         </p:style>
       </p:cxnSp>
-      <p:sp>
-        <p:nvSpPr>
-          <p:cNvPr id="64" name="TextBox 63">
-            <a:extLst>
-              <a:ext uri="{FF2B5EF4-FFF2-40B4-BE49-F238E27FC236}">
-                <a16:creationId xmlns:a16="http://schemas.microsoft.com/office/drawing/2014/main" id="{22EF1F8D-493C-A447-8C3D-55D34CC89E53}"/>
-              </a:ext>
-            </a:extLst>
-          </p:cNvPr>
-          <p:cNvSpPr txBox="1"/>
-          <p:nvPr/>
-        </p:nvSpPr>
-        <p:spPr>
-          <a:xfrm>
-            <a:off x="2513945" y="5477658"/>
-            <a:ext cx="397019" cy="369332"/>
+      <p:cxnSp>
+        <p:nvCxnSpPr>
+          <p:cNvPr id="71" name="Straight Arrow Connector 70">
+            <a:extLst>
+              <a:ext uri="{FF2B5EF4-FFF2-40B4-BE49-F238E27FC236}">
+                <a16:creationId xmlns:a16="http://schemas.microsoft.com/office/drawing/2014/main" id="{BE71D83B-B1F3-9D4C-B30C-8D920B829C0A}"/>
+              </a:ext>
+            </a:extLst>
+          </p:cNvPr>
+          <p:cNvCxnSpPr>
+            <a:cxnSpLocks/>
+            <a:stCxn id="32" idx="3"/>
+          </p:cNvCxnSpPr>
+          <p:nvPr/>
+        </p:nvCxnSpPr>
+        <p:spPr>
+          <a:xfrm flipH="1">
+            <a:off x="4207913" y="3874498"/>
+            <a:ext cx="679458" cy="890988"/>
+          </a:xfrm>
+          <a:prstGeom prst="straightConnector1">
+            <a:avLst/>
+          </a:prstGeom>
+          <a:ln w="82550">
+            <a:solidFill>
+              <a:schemeClr val="tx1"/>
+            </a:solidFill>
+            <a:prstDash val="sysDot"/>
+            <a:tailEnd type="triangle"/>
+          </a:ln>
+        </p:spPr>
+        <p:style>
+          <a:lnRef idx="1">
+            <a:schemeClr val="accent1"/>
+          </a:lnRef>
+          <a:fillRef idx="0">
+            <a:schemeClr val="accent1"/>
+          </a:fillRef>
+          <a:effectRef idx="0">
+            <a:schemeClr val="accent1"/>
+          </a:effectRef>
+          <a:fontRef idx="minor">
+            <a:schemeClr val="tx1"/>
+          </a:fontRef>
+        </p:style>
+      </p:cxnSp>
+      <p:sp>
+        <p:nvSpPr>
+          <p:cNvPr id="60" name="TextBox 59">
+            <a:extLst>
+              <a:ext uri="{FF2B5EF4-FFF2-40B4-BE49-F238E27FC236}">
+                <a16:creationId xmlns:a16="http://schemas.microsoft.com/office/drawing/2014/main" id="{140BE47E-FBE0-184D-B45A-5A650C1EE96C}"/>
+              </a:ext>
+            </a:extLst>
+          </p:cNvPr>
+          <p:cNvSpPr txBox="1"/>
+          <p:nvPr/>
+        </p:nvSpPr>
+        <p:spPr>
+          <a:xfrm rot="5400000">
+            <a:off x="6290831" y="8829192"/>
+            <a:ext cx="301212" cy="369332"/>
           </a:xfrm>
           <a:prstGeom prst="rect">
             <a:avLst/>
           </a:prstGeom>
           <a:solidFill>
-            <a:schemeClr val="tx1"/>
+            <a:schemeClr val="bg1">
+              <a:lumMod val="50000"/>
+            </a:schemeClr>
           </a:solidFill>
         </p:spPr>
         <p:txBody>
@@ -13394,7 +15484,93 @@
                   <a:schemeClr val="bg1"/>
                 </a:solidFill>
               </a:rPr>
-              <a:t>C’</a:t>
+              <a:t>A</a:t>
+            </a:r>
+          </a:p>
+        </p:txBody>
+      </p:sp>
+      <p:sp>
+        <p:nvSpPr>
+          <p:cNvPr id="63" name="TextBox 62">
+            <a:extLst>
+              <a:ext uri="{FF2B5EF4-FFF2-40B4-BE49-F238E27FC236}">
+                <a16:creationId xmlns:a16="http://schemas.microsoft.com/office/drawing/2014/main" id="{C0519DCF-376B-6D4A-AACF-E6FB88DE9D60}"/>
+              </a:ext>
+            </a:extLst>
+          </p:cNvPr>
+          <p:cNvSpPr txBox="1"/>
+          <p:nvPr/>
+        </p:nvSpPr>
+        <p:spPr>
+          <a:xfrm rot="5400000">
+            <a:off x="3538768" y="8829192"/>
+            <a:ext cx="301212" cy="369332"/>
+          </a:xfrm>
+          <a:prstGeom prst="rect">
+            <a:avLst/>
+          </a:prstGeom>
+          <a:solidFill>
+            <a:schemeClr val="bg1">
+              <a:lumMod val="50000"/>
+            </a:schemeClr>
+          </a:solidFill>
+        </p:spPr>
+        <p:txBody>
+          <a:bodyPr wrap="square" rtlCol="0">
+            <a:spAutoFit/>
+          </a:bodyPr>
+          <a:lstStyle/>
+          <a:p>
+            <a:r>
+              <a:rPr lang="en-AU" dirty="0">
+                <a:solidFill>
+                  <a:schemeClr val="bg1"/>
+                </a:solidFill>
+              </a:rPr>
+              <a:t>B</a:t>
+            </a:r>
+          </a:p>
+        </p:txBody>
+      </p:sp>
+      <p:sp>
+        <p:nvSpPr>
+          <p:cNvPr id="64" name="TextBox 63">
+            <a:extLst>
+              <a:ext uri="{FF2B5EF4-FFF2-40B4-BE49-F238E27FC236}">
+                <a16:creationId xmlns:a16="http://schemas.microsoft.com/office/drawing/2014/main" id="{22EF1F8D-493C-A447-8C3D-55D34CC89E53}"/>
+              </a:ext>
+            </a:extLst>
+          </p:cNvPr>
+          <p:cNvSpPr txBox="1"/>
+          <p:nvPr/>
+        </p:nvSpPr>
+        <p:spPr>
+          <a:xfrm rot="5400000">
+            <a:off x="4064034" y="4773735"/>
+            <a:ext cx="301212" cy="369332"/>
+          </a:xfrm>
+          <a:prstGeom prst="rect">
+            <a:avLst/>
+          </a:prstGeom>
+          <a:solidFill>
+            <a:schemeClr val="bg1">
+              <a:lumMod val="50000"/>
+            </a:schemeClr>
+          </a:solidFill>
+        </p:spPr>
+        <p:txBody>
+          <a:bodyPr wrap="square" rtlCol="0">
+            <a:spAutoFit/>
+          </a:bodyPr>
+          <a:lstStyle/>
+          <a:p>
+            <a:r>
+              <a:rPr lang="en-AU" dirty="0">
+                <a:solidFill>
+                  <a:schemeClr val="bg1"/>
+                </a:solidFill>
+              </a:rPr>
+              <a:t>C</a:t>
             </a:r>
           </a:p>
         </p:txBody>
@@ -13412,8 +15588,8 @@
           <p:nvPr/>
         </p:nvSpPr>
         <p:spPr>
-          <a:xfrm>
-            <a:off x="4551037" y="3369060"/>
+          <a:xfrm rot="5400000">
+            <a:off x="6059695" y="3369060"/>
             <a:ext cx="466518" cy="369332"/>
           </a:xfrm>
           <a:prstGeom prst="rect">
@@ -13440,12 +15616,55 @@
           </a:p>
         </p:txBody>
       </p:sp>
+      <p:sp>
+        <p:nvSpPr>
+          <p:cNvPr id="101" name="TextBox 100">
+            <a:extLst>
+              <a:ext uri="{FF2B5EF4-FFF2-40B4-BE49-F238E27FC236}">
+                <a16:creationId xmlns:a16="http://schemas.microsoft.com/office/drawing/2014/main" id="{C3ECBA09-5688-454E-8D0D-82362D9DD321}"/>
+              </a:ext>
+            </a:extLst>
+          </p:cNvPr>
+          <p:cNvSpPr txBox="1"/>
+          <p:nvPr/>
+        </p:nvSpPr>
+        <p:spPr>
+          <a:xfrm rot="5400000">
+            <a:off x="6281430" y="4842702"/>
+            <a:ext cx="301212" cy="369332"/>
+          </a:xfrm>
+          <a:prstGeom prst="rect">
+            <a:avLst/>
+          </a:prstGeom>
+          <a:solidFill>
+            <a:schemeClr val="bg1">
+              <a:lumMod val="50000"/>
+            </a:schemeClr>
+          </a:solidFill>
+        </p:spPr>
+        <p:txBody>
+          <a:bodyPr wrap="square" rtlCol="0">
+            <a:spAutoFit/>
+          </a:bodyPr>
+          <a:lstStyle/>
+          <a:p>
+            <a:r>
+              <a:rPr lang="en-AU" dirty="0">
+                <a:solidFill>
+                  <a:schemeClr val="bg1"/>
+                </a:solidFill>
+              </a:rPr>
+              <a:t>D</a:t>
+            </a:r>
+          </a:p>
+        </p:txBody>
+      </p:sp>
       <p:cxnSp>
         <p:nvCxnSpPr>
-          <p:cNvPr id="56" name="Straight Arrow Connector 55">
-            <a:extLst>
-              <a:ext uri="{FF2B5EF4-FFF2-40B4-BE49-F238E27FC236}">
-                <a16:creationId xmlns:a16="http://schemas.microsoft.com/office/drawing/2014/main" id="{BF1BBC3B-9E27-6540-B70D-913ED22AE4CE}"/>
+          <p:cNvPr id="43" name="Straight Connector 42">
+            <a:extLst>
+              <a:ext uri="{FF2B5EF4-FFF2-40B4-BE49-F238E27FC236}">
+                <a16:creationId xmlns:a16="http://schemas.microsoft.com/office/drawing/2014/main" id="{BCCC503D-A2C8-174C-9ED5-2864A80A645A}"/>
               </a:ext>
             </a:extLst>
           </p:cNvPr>
@@ -13455,9 +15674,925 @@
           <p:nvPr/>
         </p:nvCxnSpPr>
         <p:spPr>
+          <a:xfrm flipV="1">
+            <a:off x="139428" y="5390998"/>
+            <a:ext cx="3240000" cy="0"/>
+          </a:xfrm>
+          <a:prstGeom prst="line">
+            <a:avLst/>
+          </a:prstGeom>
+          <a:ln w="38100">
+            <a:solidFill>
+              <a:schemeClr val="accent2"/>
+            </a:solidFill>
+            <a:prstDash val="sysDash"/>
+          </a:ln>
+        </p:spPr>
+        <p:style>
+          <a:lnRef idx="1">
+            <a:schemeClr val="accent1"/>
+          </a:lnRef>
+          <a:fillRef idx="0">
+            <a:schemeClr val="accent1"/>
+          </a:fillRef>
+          <a:effectRef idx="0">
+            <a:schemeClr val="accent1"/>
+          </a:effectRef>
+          <a:fontRef idx="minor">
+            <a:schemeClr val="tx1"/>
+          </a:fontRef>
+        </p:style>
+      </p:cxnSp>
+      <p:cxnSp>
+        <p:nvCxnSpPr>
+          <p:cNvPr id="66" name="Straight Connector 65">
+            <a:extLst>
+              <a:ext uri="{FF2B5EF4-FFF2-40B4-BE49-F238E27FC236}">
+                <a16:creationId xmlns:a16="http://schemas.microsoft.com/office/drawing/2014/main" id="{2F0B4B13-EFDE-FC4E-BA8C-7C498896DAB0}"/>
+              </a:ext>
+            </a:extLst>
+          </p:cNvPr>
+          <p:cNvCxnSpPr>
+            <a:cxnSpLocks/>
+          </p:cNvCxnSpPr>
+          <p:nvPr/>
+        </p:nvCxnSpPr>
+        <p:spPr>
+          <a:xfrm>
+            <a:off x="143206" y="7527107"/>
+            <a:ext cx="3238092" cy="0"/>
+          </a:xfrm>
+          <a:prstGeom prst="line">
+            <a:avLst/>
+          </a:prstGeom>
+          <a:ln w="38100">
+            <a:solidFill>
+              <a:srgbClr val="FF0000"/>
+            </a:solidFill>
+            <a:prstDash val="sysDash"/>
+          </a:ln>
+        </p:spPr>
+        <p:style>
+          <a:lnRef idx="1">
+            <a:schemeClr val="accent1"/>
+          </a:lnRef>
+          <a:fillRef idx="0">
+            <a:schemeClr val="accent1"/>
+          </a:fillRef>
+          <a:effectRef idx="0">
+            <a:schemeClr val="accent1"/>
+          </a:effectRef>
+          <a:fontRef idx="minor">
+            <a:schemeClr val="tx1"/>
+          </a:fontRef>
+        </p:style>
+      </p:cxnSp>
+      <p:sp>
+        <p:nvSpPr>
+          <p:cNvPr id="67" name="Rounded Rectangle 66">
+            <a:extLst>
+              <a:ext uri="{FF2B5EF4-FFF2-40B4-BE49-F238E27FC236}">
+                <a16:creationId xmlns:a16="http://schemas.microsoft.com/office/drawing/2014/main" id="{E2C7F311-B228-7B41-BF71-A3981E031741}"/>
+              </a:ext>
+            </a:extLst>
+          </p:cNvPr>
+          <p:cNvSpPr>
+            <a:spLocks noChangeAspect="1"/>
+          </p:cNvSpPr>
+          <p:nvPr/>
+        </p:nvSpPr>
+        <p:spPr>
+          <a:xfrm>
+            <a:off x="131642" y="7703661"/>
+            <a:ext cx="3240000" cy="1576217"/>
+          </a:xfrm>
+          <a:prstGeom prst="roundRect">
+            <a:avLst/>
+          </a:prstGeom>
+          <a:solidFill>
+            <a:srgbClr val="00B050"/>
+          </a:solidFill>
+          <a:ln w="38100">
+            <a:solidFill>
+              <a:schemeClr val="tx1"/>
+            </a:solidFill>
+          </a:ln>
+        </p:spPr>
+        <p:style>
+          <a:lnRef idx="2">
+            <a:schemeClr val="accent1">
+              <a:shade val="50000"/>
+            </a:schemeClr>
+          </a:lnRef>
+          <a:fillRef idx="1">
+            <a:schemeClr val="accent1"/>
+          </a:fillRef>
+          <a:effectRef idx="0">
+            <a:schemeClr val="accent1"/>
+          </a:effectRef>
+          <a:fontRef idx="minor">
+            <a:schemeClr val="lt1"/>
+          </a:fontRef>
+        </p:style>
+        <p:txBody>
+          <a:bodyPr rtlCol="0" anchor="ctr"/>
+          <a:lstStyle/>
+          <a:p>
+            <a:pPr algn="ctr"/>
+            <a:endParaRPr lang="en-AU"/>
+          </a:p>
+        </p:txBody>
+      </p:sp>
+      <p:sp>
+        <p:nvSpPr>
+          <p:cNvPr id="68" name="Rounded Rectangle 67">
+            <a:extLst>
+              <a:ext uri="{FF2B5EF4-FFF2-40B4-BE49-F238E27FC236}">
+                <a16:creationId xmlns:a16="http://schemas.microsoft.com/office/drawing/2014/main" id="{CCCEF8AF-CBE8-3645-BBDB-BA1111B52A1A}"/>
+              </a:ext>
+            </a:extLst>
+          </p:cNvPr>
+          <p:cNvSpPr>
+            <a:spLocks noChangeAspect="1"/>
+          </p:cNvSpPr>
+          <p:nvPr/>
+        </p:nvSpPr>
+        <p:spPr>
+          <a:xfrm>
+            <a:off x="131642" y="520745"/>
+            <a:ext cx="3240000" cy="1576217"/>
+          </a:xfrm>
+          <a:prstGeom prst="roundRect">
+            <a:avLst/>
+          </a:prstGeom>
+          <a:solidFill>
+            <a:srgbClr val="FF0000"/>
+          </a:solidFill>
+          <a:ln w="38100">
+            <a:solidFill>
+              <a:schemeClr val="tx1"/>
+            </a:solidFill>
+          </a:ln>
+        </p:spPr>
+        <p:style>
+          <a:lnRef idx="2">
+            <a:schemeClr val="accent1">
+              <a:shade val="50000"/>
+            </a:schemeClr>
+          </a:lnRef>
+          <a:fillRef idx="1">
+            <a:schemeClr val="accent1"/>
+          </a:fillRef>
+          <a:effectRef idx="0">
+            <a:schemeClr val="accent1"/>
+          </a:effectRef>
+          <a:fontRef idx="minor">
+            <a:schemeClr val="lt1"/>
+          </a:fontRef>
+        </p:style>
+        <p:txBody>
+          <a:bodyPr rtlCol="0" anchor="ctr"/>
+          <a:lstStyle/>
+          <a:p>
+            <a:pPr algn="ctr"/>
+            <a:endParaRPr lang="en-AU" dirty="0"/>
+          </a:p>
+        </p:txBody>
+      </p:sp>
+      <p:sp>
+        <p:nvSpPr>
+          <p:cNvPr id="69" name="Rounded Rectangle 68">
+            <a:extLst>
+              <a:ext uri="{FF2B5EF4-FFF2-40B4-BE49-F238E27FC236}">
+                <a16:creationId xmlns:a16="http://schemas.microsoft.com/office/drawing/2014/main" id="{CFD3DB70-70C9-E441-B794-54A4258EEF9E}"/>
+              </a:ext>
+            </a:extLst>
+          </p:cNvPr>
+          <p:cNvSpPr>
+            <a:spLocks noChangeAspect="1"/>
+          </p:cNvSpPr>
+          <p:nvPr/>
+        </p:nvSpPr>
+        <p:spPr>
+          <a:xfrm>
+            <a:off x="133798" y="2096962"/>
+            <a:ext cx="3240000" cy="5604325"/>
+          </a:xfrm>
+          <a:prstGeom prst="roundRect">
+            <a:avLst/>
+          </a:prstGeom>
+          <a:noFill/>
+          <a:ln w="38100">
+            <a:solidFill>
+              <a:schemeClr val="tx1"/>
+            </a:solidFill>
+          </a:ln>
+        </p:spPr>
+        <p:style>
+          <a:lnRef idx="2">
+            <a:schemeClr val="accent1">
+              <a:shade val="50000"/>
+            </a:schemeClr>
+          </a:lnRef>
+          <a:fillRef idx="1">
+            <a:schemeClr val="accent1"/>
+          </a:fillRef>
+          <a:effectRef idx="0">
+            <a:schemeClr val="accent1"/>
+          </a:effectRef>
+          <a:fontRef idx="minor">
+            <a:schemeClr val="lt1"/>
+          </a:fontRef>
+        </p:style>
+        <p:txBody>
+          <a:bodyPr rtlCol="0" anchor="ctr"/>
+          <a:lstStyle/>
+          <a:p>
+            <a:pPr algn="ctr"/>
+            <a:endParaRPr lang="en-AU"/>
+          </a:p>
+        </p:txBody>
+      </p:sp>
+      <p:sp>
+        <p:nvSpPr>
+          <p:cNvPr id="70" name="Multiply 69">
+            <a:extLst>
+              <a:ext uri="{FF2B5EF4-FFF2-40B4-BE49-F238E27FC236}">
+                <a16:creationId xmlns:a16="http://schemas.microsoft.com/office/drawing/2014/main" id="{7900FD3F-BBE5-3D4C-9D1F-DC8DBD2EC038}"/>
+              </a:ext>
+            </a:extLst>
+          </p:cNvPr>
+          <p:cNvSpPr/>
+          <p:nvPr/>
+        </p:nvSpPr>
+        <p:spPr>
+          <a:xfrm>
+            <a:off x="1378906" y="5719826"/>
+            <a:ext cx="767443" cy="849086"/>
+          </a:xfrm>
+          <a:prstGeom prst="mathMultiply">
+            <a:avLst/>
+          </a:prstGeom>
+          <a:noFill/>
+        </p:spPr>
+        <p:style>
+          <a:lnRef idx="2">
+            <a:schemeClr val="accent1">
+              <a:shade val="50000"/>
+            </a:schemeClr>
+          </a:lnRef>
+          <a:fillRef idx="1">
+            <a:schemeClr val="accent1"/>
+          </a:fillRef>
+          <a:effectRef idx="0">
+            <a:schemeClr val="accent1"/>
+          </a:effectRef>
+          <a:fontRef idx="minor">
+            <a:schemeClr val="lt1"/>
+          </a:fontRef>
+        </p:style>
+        <p:txBody>
+          <a:bodyPr rtlCol="0" anchor="ctr"/>
+          <a:lstStyle/>
+          <a:p>
+            <a:pPr algn="ctr"/>
+            <a:endParaRPr lang="en-AU"/>
+          </a:p>
+        </p:txBody>
+      </p:sp>
+      <p:sp>
+        <p:nvSpPr>
+          <p:cNvPr id="72" name="Multiply 71">
+            <a:extLst>
+              <a:ext uri="{FF2B5EF4-FFF2-40B4-BE49-F238E27FC236}">
+                <a16:creationId xmlns:a16="http://schemas.microsoft.com/office/drawing/2014/main" id="{120A3B21-01AA-4F49-B8C5-09AF5067182E}"/>
+              </a:ext>
+            </a:extLst>
+          </p:cNvPr>
+          <p:cNvSpPr/>
+          <p:nvPr/>
+        </p:nvSpPr>
+        <p:spPr>
+          <a:xfrm>
+            <a:off x="1372571" y="3229341"/>
+            <a:ext cx="767443" cy="849086"/>
+          </a:xfrm>
+          <a:prstGeom prst="mathMultiply">
+            <a:avLst/>
+          </a:prstGeom>
+          <a:noFill/>
+        </p:spPr>
+        <p:style>
+          <a:lnRef idx="2">
+            <a:schemeClr val="accent1">
+              <a:shade val="50000"/>
+            </a:schemeClr>
+          </a:lnRef>
+          <a:fillRef idx="1">
+            <a:schemeClr val="accent1"/>
+          </a:fillRef>
+          <a:effectRef idx="0">
+            <a:schemeClr val="accent1"/>
+          </a:effectRef>
+          <a:fontRef idx="minor">
+            <a:schemeClr val="lt1"/>
+          </a:fontRef>
+        </p:style>
+        <p:txBody>
+          <a:bodyPr rtlCol="0" anchor="ctr"/>
+          <a:lstStyle/>
+          <a:p>
+            <a:pPr algn="ctr"/>
+            <a:endParaRPr lang="en-AU"/>
+          </a:p>
+        </p:txBody>
+      </p:sp>
+      <p:sp>
+        <p:nvSpPr>
+          <p:cNvPr id="73" name="TextBox 72">
+            <a:extLst>
+              <a:ext uri="{FF2B5EF4-FFF2-40B4-BE49-F238E27FC236}">
+                <a16:creationId xmlns:a16="http://schemas.microsoft.com/office/drawing/2014/main" id="{761C5194-E733-624D-8669-B68772557622}"/>
+              </a:ext>
+            </a:extLst>
+          </p:cNvPr>
+          <p:cNvSpPr txBox="1"/>
+          <p:nvPr/>
+        </p:nvSpPr>
+        <p:spPr>
+          <a:xfrm rot="5400000">
+            <a:off x="1537076" y="5965599"/>
+            <a:ext cx="466518" cy="369332"/>
+          </a:xfrm>
+          <a:prstGeom prst="rect">
+            <a:avLst/>
+          </a:prstGeom>
+          <a:noFill/>
+        </p:spPr>
+        <p:txBody>
+          <a:bodyPr wrap="square" rtlCol="0">
+            <a:spAutoFit/>
+          </a:bodyPr>
+          <a:lstStyle/>
+          <a:p>
+            <a:r>
+              <a:rPr lang="en-AU" dirty="0">
+                <a:solidFill>
+                  <a:schemeClr val="bg1">
+                    <a:lumMod val="50000"/>
+                  </a:schemeClr>
+                </a:solidFill>
+              </a:rPr>
+              <a:t>O2</a:t>
+            </a:r>
+          </a:p>
+        </p:txBody>
+      </p:sp>
+      <p:sp>
+        <p:nvSpPr>
+          <p:cNvPr id="74" name="TextBox 73">
+            <a:extLst>
+              <a:ext uri="{FF2B5EF4-FFF2-40B4-BE49-F238E27FC236}">
+                <a16:creationId xmlns:a16="http://schemas.microsoft.com/office/drawing/2014/main" id="{55A286E9-0B6F-A64C-B37E-E265D03D3E24}"/>
+              </a:ext>
+            </a:extLst>
+          </p:cNvPr>
+          <p:cNvSpPr txBox="1"/>
+          <p:nvPr/>
+        </p:nvSpPr>
+        <p:spPr>
+          <a:xfrm rot="5400000">
+            <a:off x="977082" y="4439546"/>
+            <a:ext cx="470658" cy="369332"/>
+          </a:xfrm>
+          <a:prstGeom prst="rect">
+            <a:avLst/>
+          </a:prstGeom>
+          <a:solidFill>
+            <a:schemeClr val="tx1"/>
+          </a:solidFill>
+        </p:spPr>
+        <p:txBody>
+          <a:bodyPr wrap="square" rtlCol="0">
+            <a:spAutoFit/>
+          </a:bodyPr>
+          <a:lstStyle/>
+          <a:p>
+            <a:r>
+              <a:rPr lang="en-AU" dirty="0">
+                <a:solidFill>
+                  <a:schemeClr val="bg1"/>
+                </a:solidFill>
+              </a:rPr>
+              <a:t>O1</a:t>
+            </a:r>
+          </a:p>
+        </p:txBody>
+      </p:sp>
+      <p:sp>
+        <p:nvSpPr>
+          <p:cNvPr id="75" name="TextBox 74">
+            <a:extLst>
+              <a:ext uri="{FF2B5EF4-FFF2-40B4-BE49-F238E27FC236}">
+                <a16:creationId xmlns:a16="http://schemas.microsoft.com/office/drawing/2014/main" id="{3184E9A8-0053-CC40-A9A2-D370E6AB3B20}"/>
+              </a:ext>
+            </a:extLst>
+          </p:cNvPr>
+          <p:cNvSpPr txBox="1"/>
+          <p:nvPr/>
+        </p:nvSpPr>
+        <p:spPr>
+          <a:xfrm rot="5400000">
+            <a:off x="1549734" y="5469375"/>
+            <a:ext cx="466518" cy="369332"/>
+          </a:xfrm>
+          <a:prstGeom prst="rect">
+            <a:avLst/>
+          </a:prstGeom>
+          <a:noFill/>
+        </p:spPr>
+        <p:txBody>
+          <a:bodyPr wrap="square" rtlCol="0">
+            <a:spAutoFit/>
+          </a:bodyPr>
+          <a:lstStyle/>
+          <a:p>
+            <a:r>
+              <a:rPr lang="en-AU" dirty="0">
+                <a:solidFill>
+                  <a:schemeClr val="bg1">
+                    <a:lumMod val="50000"/>
+                  </a:schemeClr>
+                </a:solidFill>
+              </a:rPr>
+              <a:t>O3</a:t>
+            </a:r>
+          </a:p>
+        </p:txBody>
+      </p:sp>
+      <p:sp>
+        <p:nvSpPr>
+          <p:cNvPr id="76" name="TextBox 75">
+            <a:extLst>
+              <a:ext uri="{FF2B5EF4-FFF2-40B4-BE49-F238E27FC236}">
+                <a16:creationId xmlns:a16="http://schemas.microsoft.com/office/drawing/2014/main" id="{A7411F95-5313-9D4D-803B-51FB934DBE1C}"/>
+              </a:ext>
+            </a:extLst>
+          </p:cNvPr>
+          <p:cNvSpPr txBox="1"/>
+          <p:nvPr/>
+        </p:nvSpPr>
+        <p:spPr>
+          <a:xfrm rot="5400000">
+            <a:off x="2217662" y="6339843"/>
+            <a:ext cx="466518" cy="369332"/>
+          </a:xfrm>
+          <a:prstGeom prst="rect">
+            <a:avLst/>
+          </a:prstGeom>
+          <a:noFill/>
+        </p:spPr>
+        <p:txBody>
+          <a:bodyPr wrap="square" rtlCol="0">
+            <a:spAutoFit/>
+          </a:bodyPr>
+          <a:lstStyle/>
+          <a:p>
+            <a:r>
+              <a:rPr lang="en-AU" dirty="0">
+                <a:solidFill>
+                  <a:schemeClr val="bg1">
+                    <a:lumMod val="50000"/>
+                  </a:schemeClr>
+                </a:solidFill>
+              </a:rPr>
+              <a:t>O4</a:t>
+            </a:r>
+          </a:p>
+        </p:txBody>
+      </p:sp>
+      <p:sp>
+        <p:nvSpPr>
+          <p:cNvPr id="77" name="TextBox 76">
+            <a:extLst>
+              <a:ext uri="{FF2B5EF4-FFF2-40B4-BE49-F238E27FC236}">
+                <a16:creationId xmlns:a16="http://schemas.microsoft.com/office/drawing/2014/main" id="{27566ABF-140B-634E-AF32-115D093D406B}"/>
+              </a:ext>
+            </a:extLst>
+          </p:cNvPr>
+          <p:cNvSpPr txBox="1"/>
+          <p:nvPr/>
+        </p:nvSpPr>
+        <p:spPr>
+          <a:xfrm rot="5400000">
+            <a:off x="1529417" y="3467976"/>
+            <a:ext cx="466518" cy="369332"/>
+          </a:xfrm>
+          <a:prstGeom prst="rect">
+            <a:avLst/>
+          </a:prstGeom>
+          <a:noFill/>
+        </p:spPr>
+        <p:txBody>
+          <a:bodyPr wrap="square" rtlCol="0">
+            <a:spAutoFit/>
+          </a:bodyPr>
+          <a:lstStyle/>
+          <a:p>
+            <a:r>
+              <a:rPr lang="en-AU" dirty="0">
+                <a:solidFill>
+                  <a:schemeClr val="bg1">
+                    <a:lumMod val="50000"/>
+                  </a:schemeClr>
+                </a:solidFill>
+              </a:rPr>
+              <a:t>O6</a:t>
+            </a:r>
+          </a:p>
+        </p:txBody>
+      </p:sp>
+      <p:sp>
+        <p:nvSpPr>
+          <p:cNvPr id="78" name="TextBox 77">
+            <a:extLst>
+              <a:ext uri="{FF2B5EF4-FFF2-40B4-BE49-F238E27FC236}">
+                <a16:creationId xmlns:a16="http://schemas.microsoft.com/office/drawing/2014/main" id="{781DF78C-9038-FD4C-87DD-DF3D2F9F526D}"/>
+              </a:ext>
+            </a:extLst>
+          </p:cNvPr>
+          <p:cNvSpPr txBox="1"/>
+          <p:nvPr/>
+        </p:nvSpPr>
+        <p:spPr>
+          <a:xfrm rot="5400000">
+            <a:off x="643815" y="2709932"/>
+            <a:ext cx="466518" cy="369332"/>
+          </a:xfrm>
+          <a:prstGeom prst="rect">
+            <a:avLst/>
+          </a:prstGeom>
+          <a:noFill/>
+        </p:spPr>
+        <p:txBody>
+          <a:bodyPr wrap="square" rtlCol="0">
+            <a:spAutoFit/>
+          </a:bodyPr>
+          <a:lstStyle/>
+          <a:p>
+            <a:r>
+              <a:rPr lang="en-AU" dirty="0">
+                <a:solidFill>
+                  <a:schemeClr val="bg1">
+                    <a:lumMod val="50000"/>
+                  </a:schemeClr>
+                </a:solidFill>
+              </a:rPr>
+              <a:t>O7</a:t>
+            </a:r>
+          </a:p>
+        </p:txBody>
+      </p:sp>
+      <p:sp>
+        <p:nvSpPr>
+          <p:cNvPr id="79" name="TextBox 78">
+            <a:extLst>
+              <a:ext uri="{FF2B5EF4-FFF2-40B4-BE49-F238E27FC236}">
+                <a16:creationId xmlns:a16="http://schemas.microsoft.com/office/drawing/2014/main" id="{1F9A94D2-ECE2-BA4F-8A60-56F2AE5D4EC6}"/>
+              </a:ext>
+            </a:extLst>
+          </p:cNvPr>
+          <p:cNvSpPr txBox="1"/>
+          <p:nvPr/>
+        </p:nvSpPr>
+        <p:spPr>
+          <a:xfrm rot="5400000">
+            <a:off x="1037599" y="4844957"/>
+            <a:ext cx="466518" cy="369332"/>
+          </a:xfrm>
+          <a:prstGeom prst="rect">
+            <a:avLst/>
+          </a:prstGeom>
+          <a:noFill/>
+        </p:spPr>
+        <p:txBody>
+          <a:bodyPr wrap="square" rtlCol="0">
+            <a:spAutoFit/>
+          </a:bodyPr>
+          <a:lstStyle/>
+          <a:p>
+            <a:r>
+              <a:rPr lang="en-AU" dirty="0">
+                <a:solidFill>
+                  <a:srgbClr val="0070C0"/>
+                </a:solidFill>
+              </a:rPr>
+              <a:t>D8</a:t>
+            </a:r>
+          </a:p>
+        </p:txBody>
+      </p:sp>
+      <p:sp>
+        <p:nvSpPr>
+          <p:cNvPr id="80" name="TextBox 79">
+            <a:extLst>
+              <a:ext uri="{FF2B5EF4-FFF2-40B4-BE49-F238E27FC236}">
+                <a16:creationId xmlns:a16="http://schemas.microsoft.com/office/drawing/2014/main" id="{1BC67D3A-89A9-DE48-A015-3ABFAFE02101}"/>
+              </a:ext>
+            </a:extLst>
+          </p:cNvPr>
+          <p:cNvSpPr txBox="1"/>
+          <p:nvPr/>
+        </p:nvSpPr>
+        <p:spPr>
+          <a:xfrm rot="5400000">
+            <a:off x="1142802" y="6127560"/>
+            <a:ext cx="466518" cy="369332"/>
+          </a:xfrm>
+          <a:prstGeom prst="rect">
+            <a:avLst/>
+          </a:prstGeom>
+          <a:noFill/>
+        </p:spPr>
+        <p:txBody>
+          <a:bodyPr wrap="square" rtlCol="0">
+            <a:spAutoFit/>
+          </a:bodyPr>
+          <a:lstStyle/>
+          <a:p>
+            <a:r>
+              <a:rPr lang="en-AU" dirty="0">
+                <a:solidFill>
+                  <a:srgbClr val="0070C0"/>
+                </a:solidFill>
+              </a:rPr>
+              <a:t>D9</a:t>
+            </a:r>
+          </a:p>
+        </p:txBody>
+      </p:sp>
+      <p:sp>
+        <p:nvSpPr>
+          <p:cNvPr id="81" name="TextBox 80">
+            <a:extLst>
+              <a:ext uri="{FF2B5EF4-FFF2-40B4-BE49-F238E27FC236}">
+                <a16:creationId xmlns:a16="http://schemas.microsoft.com/office/drawing/2014/main" id="{9AB584F0-255C-0341-88AD-EC3B6C10519A}"/>
+              </a:ext>
+            </a:extLst>
+          </p:cNvPr>
+          <p:cNvSpPr txBox="1"/>
+          <p:nvPr/>
+        </p:nvSpPr>
+        <p:spPr>
+          <a:xfrm rot="5400000">
+            <a:off x="1060949" y="5500605"/>
+            <a:ext cx="616526" cy="369332"/>
+          </a:xfrm>
+          <a:prstGeom prst="rect">
+            <a:avLst/>
+          </a:prstGeom>
+          <a:noFill/>
+        </p:spPr>
+        <p:txBody>
+          <a:bodyPr wrap="square" rtlCol="0">
+            <a:spAutoFit/>
+          </a:bodyPr>
+          <a:lstStyle/>
+          <a:p>
+            <a:r>
+              <a:rPr lang="en-AU" dirty="0">
+                <a:solidFill>
+                  <a:srgbClr val="0070C0"/>
+                </a:solidFill>
+              </a:rPr>
+              <a:t>D10</a:t>
+            </a:r>
+          </a:p>
+        </p:txBody>
+      </p:sp>
+      <p:sp>
+        <p:nvSpPr>
+          <p:cNvPr id="82" name="TextBox 81">
+            <a:extLst>
+              <a:ext uri="{FF2B5EF4-FFF2-40B4-BE49-F238E27FC236}">
+                <a16:creationId xmlns:a16="http://schemas.microsoft.com/office/drawing/2014/main" id="{8E2A23C4-5F23-2A46-9429-F446037E9B19}"/>
+              </a:ext>
+            </a:extLst>
+          </p:cNvPr>
+          <p:cNvSpPr txBox="1"/>
+          <p:nvPr/>
+        </p:nvSpPr>
+        <p:spPr>
+          <a:xfrm rot="5400000">
+            <a:off x="2153354" y="5959703"/>
+            <a:ext cx="616526" cy="369332"/>
+          </a:xfrm>
+          <a:prstGeom prst="rect">
+            <a:avLst/>
+          </a:prstGeom>
+          <a:noFill/>
+        </p:spPr>
+        <p:txBody>
+          <a:bodyPr wrap="square" rtlCol="0">
+            <a:spAutoFit/>
+          </a:bodyPr>
+          <a:lstStyle/>
+          <a:p>
+            <a:r>
+              <a:rPr lang="en-AU" dirty="0">
+                <a:solidFill>
+                  <a:srgbClr val="0070C0"/>
+                </a:solidFill>
+              </a:rPr>
+              <a:t>D11</a:t>
+            </a:r>
+          </a:p>
+        </p:txBody>
+      </p:sp>
+      <p:sp>
+        <p:nvSpPr>
+          <p:cNvPr id="83" name="TextBox 82">
+            <a:extLst>
+              <a:ext uri="{FF2B5EF4-FFF2-40B4-BE49-F238E27FC236}">
+                <a16:creationId xmlns:a16="http://schemas.microsoft.com/office/drawing/2014/main" id="{32EECDD0-59CE-264E-BBE8-37F8B2BD5F1C}"/>
+              </a:ext>
+            </a:extLst>
+          </p:cNvPr>
+          <p:cNvSpPr txBox="1"/>
+          <p:nvPr/>
+        </p:nvSpPr>
+        <p:spPr>
+          <a:xfrm rot="5400000">
+            <a:off x="2492197" y="3533870"/>
+            <a:ext cx="616526" cy="369332"/>
+          </a:xfrm>
+          <a:prstGeom prst="rect">
+            <a:avLst/>
+          </a:prstGeom>
+          <a:noFill/>
+        </p:spPr>
+        <p:txBody>
+          <a:bodyPr wrap="square" rtlCol="0">
+            <a:spAutoFit/>
+          </a:bodyPr>
+          <a:lstStyle/>
+          <a:p>
+            <a:r>
+              <a:rPr lang="en-AU" dirty="0">
+                <a:solidFill>
+                  <a:srgbClr val="0070C0"/>
+                </a:solidFill>
+              </a:rPr>
+              <a:t>D12</a:t>
+            </a:r>
+          </a:p>
+        </p:txBody>
+      </p:sp>
+      <p:sp>
+        <p:nvSpPr>
+          <p:cNvPr id="84" name="TextBox 83">
+            <a:extLst>
+              <a:ext uri="{FF2B5EF4-FFF2-40B4-BE49-F238E27FC236}">
+                <a16:creationId xmlns:a16="http://schemas.microsoft.com/office/drawing/2014/main" id="{03EAD4D8-75A7-DF42-9144-DA74BD09F4F3}"/>
+              </a:ext>
+            </a:extLst>
+          </p:cNvPr>
+          <p:cNvSpPr txBox="1"/>
+          <p:nvPr/>
+        </p:nvSpPr>
+        <p:spPr>
+          <a:xfrm rot="5400000">
+            <a:off x="1610406" y="3808052"/>
+            <a:ext cx="616526" cy="369332"/>
+          </a:xfrm>
+          <a:prstGeom prst="rect">
+            <a:avLst/>
+          </a:prstGeom>
+          <a:noFill/>
+        </p:spPr>
+        <p:txBody>
+          <a:bodyPr wrap="square" rtlCol="0">
+            <a:spAutoFit/>
+          </a:bodyPr>
+          <a:lstStyle/>
+          <a:p>
+            <a:r>
+              <a:rPr lang="en-AU" dirty="0">
+                <a:solidFill>
+                  <a:srgbClr val="0070C0"/>
+                </a:solidFill>
+              </a:rPr>
+              <a:t>D13</a:t>
+            </a:r>
+          </a:p>
+        </p:txBody>
+      </p:sp>
+      <p:sp>
+        <p:nvSpPr>
+          <p:cNvPr id="85" name="TextBox 84">
+            <a:extLst>
+              <a:ext uri="{FF2B5EF4-FFF2-40B4-BE49-F238E27FC236}">
+                <a16:creationId xmlns:a16="http://schemas.microsoft.com/office/drawing/2014/main" id="{BF48CB56-E987-9D41-8EA6-D29C1938F570}"/>
+              </a:ext>
+            </a:extLst>
+          </p:cNvPr>
+          <p:cNvSpPr txBox="1"/>
+          <p:nvPr/>
+        </p:nvSpPr>
+        <p:spPr>
+          <a:xfrm rot="5400000">
+            <a:off x="897065" y="2883712"/>
+            <a:ext cx="616526" cy="369332"/>
+          </a:xfrm>
+          <a:prstGeom prst="rect">
+            <a:avLst/>
+          </a:prstGeom>
+          <a:noFill/>
+        </p:spPr>
+        <p:txBody>
+          <a:bodyPr wrap="square" rtlCol="0">
+            <a:spAutoFit/>
+          </a:bodyPr>
+          <a:lstStyle/>
+          <a:p>
+            <a:r>
+              <a:rPr lang="en-AU" dirty="0">
+                <a:solidFill>
+                  <a:srgbClr val="0070C0"/>
+                </a:solidFill>
+              </a:rPr>
+              <a:t>D14</a:t>
+            </a:r>
+          </a:p>
+        </p:txBody>
+      </p:sp>
+      <p:sp>
+        <p:nvSpPr>
+          <p:cNvPr id="86" name="Oval 85">
+            <a:extLst>
+              <a:ext uri="{FF2B5EF4-FFF2-40B4-BE49-F238E27FC236}">
+                <a16:creationId xmlns:a16="http://schemas.microsoft.com/office/drawing/2014/main" id="{C028FA8D-DC89-6C42-8B29-5193C52F0AF0}"/>
+              </a:ext>
+            </a:extLst>
+          </p:cNvPr>
+          <p:cNvSpPr/>
+          <p:nvPr/>
+        </p:nvSpPr>
+        <p:spPr>
+          <a:xfrm>
+            <a:off x="941137" y="4797593"/>
+            <a:ext cx="180000" cy="180000"/>
+          </a:xfrm>
+          <a:prstGeom prst="ellipse">
+            <a:avLst/>
+          </a:prstGeom>
+          <a:solidFill>
+            <a:schemeClr val="tx1"/>
+          </a:solidFill>
+        </p:spPr>
+        <p:style>
+          <a:lnRef idx="2">
+            <a:schemeClr val="accent1">
+              <a:shade val="50000"/>
+            </a:schemeClr>
+          </a:lnRef>
+          <a:fillRef idx="1">
+            <a:schemeClr val="accent1"/>
+          </a:fillRef>
+          <a:effectRef idx="0">
+            <a:schemeClr val="accent1"/>
+          </a:effectRef>
+          <a:fontRef idx="minor">
+            <a:schemeClr val="lt1"/>
+          </a:fontRef>
+        </p:style>
+        <p:txBody>
+          <a:bodyPr rtlCol="0" anchor="ctr"/>
+          <a:lstStyle/>
+          <a:p>
+            <a:pPr algn="ctr"/>
+            <a:endParaRPr lang="en-AU"/>
+          </a:p>
+        </p:txBody>
+      </p:sp>
+      <p:cxnSp>
+        <p:nvCxnSpPr>
+          <p:cNvPr id="87" name="Straight Arrow Connector 86">
+            <a:extLst>
+              <a:ext uri="{FF2B5EF4-FFF2-40B4-BE49-F238E27FC236}">
+                <a16:creationId xmlns:a16="http://schemas.microsoft.com/office/drawing/2014/main" id="{53613999-321A-9B48-BD58-303A07AF88A6}"/>
+              </a:ext>
+            </a:extLst>
+          </p:cNvPr>
+          <p:cNvCxnSpPr>
+            <a:cxnSpLocks/>
+          </p:cNvCxnSpPr>
+          <p:nvPr/>
+        </p:nvCxnSpPr>
+        <p:spPr>
           <a:xfrm flipH="1">
-            <a:off x="2417267" y="3883107"/>
-            <a:ext cx="939472" cy="750189"/>
+            <a:off x="1226656" y="6313413"/>
+            <a:ext cx="479142" cy="1049084"/>
           </a:xfrm>
           <a:prstGeom prst="straightConnector1">
             <a:avLst/>
@@ -13488,22 +16623,23 @@
       </p:cxnSp>
       <p:cxnSp>
         <p:nvCxnSpPr>
-          <p:cNvPr id="67" name="Straight Arrow Connector 66">
-            <a:extLst>
-              <a:ext uri="{FF2B5EF4-FFF2-40B4-BE49-F238E27FC236}">
-                <a16:creationId xmlns:a16="http://schemas.microsoft.com/office/drawing/2014/main" id="{0AC1BC70-FD1D-CA43-8B52-3E9E92A76D2C}"/>
+          <p:cNvPr id="88" name="Straight Arrow Connector 87">
+            <a:extLst>
+              <a:ext uri="{FF2B5EF4-FFF2-40B4-BE49-F238E27FC236}">
+                <a16:creationId xmlns:a16="http://schemas.microsoft.com/office/drawing/2014/main" id="{892206D8-C924-E64F-9447-98C49BD9713A}"/>
               </a:ext>
             </a:extLst>
           </p:cNvPr>
           <p:cNvCxnSpPr>
             <a:cxnSpLocks/>
+            <a:endCxn id="90" idx="3"/>
           </p:cNvCxnSpPr>
           <p:nvPr/>
         </p:nvCxnSpPr>
         <p:spPr>
-          <a:xfrm flipH="1">
-            <a:off x="4805052" y="3738392"/>
-            <a:ext cx="17344" cy="1161628"/>
+          <a:xfrm flipH="1" flipV="1">
+            <a:off x="901027" y="5864226"/>
+            <a:ext cx="230437" cy="1501666"/>
           </a:xfrm>
           <a:prstGeom prst="straightConnector1">
             <a:avLst/>
@@ -13532,28 +16668,253 @@
           </a:fontRef>
         </p:style>
       </p:cxnSp>
-      <p:sp>
-        <p:nvSpPr>
-          <p:cNvPr id="80" name="TextBox 79">
-            <a:extLst>
-              <a:ext uri="{FF2B5EF4-FFF2-40B4-BE49-F238E27FC236}">
-                <a16:creationId xmlns:a16="http://schemas.microsoft.com/office/drawing/2014/main" id="{A47B2B2E-52D9-494C-B550-242527E2B7EF}"/>
-              </a:ext>
-            </a:extLst>
-          </p:cNvPr>
-          <p:cNvSpPr txBox="1"/>
-          <p:nvPr/>
-        </p:nvSpPr>
-        <p:spPr>
-          <a:xfrm>
-            <a:off x="4546780" y="7743036"/>
+      <p:cxnSp>
+        <p:nvCxnSpPr>
+          <p:cNvPr id="89" name="Straight Arrow Connector 88">
+            <a:extLst>
+              <a:ext uri="{FF2B5EF4-FFF2-40B4-BE49-F238E27FC236}">
+                <a16:creationId xmlns:a16="http://schemas.microsoft.com/office/drawing/2014/main" id="{B2B362D2-1B1E-2B42-A7EE-099ACA0C0E25}"/>
+              </a:ext>
+            </a:extLst>
+          </p:cNvPr>
+          <p:cNvCxnSpPr>
+            <a:cxnSpLocks/>
+            <a:stCxn id="76" idx="3"/>
+          </p:cNvCxnSpPr>
+          <p:nvPr/>
+        </p:nvCxnSpPr>
+        <p:spPr>
+          <a:xfrm>
+            <a:off x="2450921" y="6757768"/>
+            <a:ext cx="45943" cy="680576"/>
+          </a:xfrm>
+          <a:prstGeom prst="straightConnector1">
+            <a:avLst/>
+          </a:prstGeom>
+          <a:ln w="60325">
+            <a:solidFill>
+              <a:schemeClr val="bg1">
+                <a:lumMod val="50000"/>
+              </a:schemeClr>
+            </a:solidFill>
+            <a:tailEnd type="triangle"/>
+          </a:ln>
+        </p:spPr>
+        <p:style>
+          <a:lnRef idx="1">
+            <a:schemeClr val="accent1"/>
+          </a:lnRef>
+          <a:fillRef idx="0">
+            <a:schemeClr val="accent1"/>
+          </a:fillRef>
+          <a:effectRef idx="0">
+            <a:schemeClr val="accent1"/>
+          </a:effectRef>
+          <a:fontRef idx="minor">
+            <a:schemeClr val="tx1"/>
+          </a:fontRef>
+        </p:style>
+      </p:cxnSp>
+      <p:sp>
+        <p:nvSpPr>
+          <p:cNvPr id="90" name="TextBox 89">
+            <a:extLst>
+              <a:ext uri="{FF2B5EF4-FFF2-40B4-BE49-F238E27FC236}">
+                <a16:creationId xmlns:a16="http://schemas.microsoft.com/office/drawing/2014/main" id="{7BAD1B6F-3C55-EF4F-BF07-072C388DEA31}"/>
+              </a:ext>
+            </a:extLst>
+          </p:cNvPr>
+          <p:cNvSpPr txBox="1"/>
+          <p:nvPr/>
+        </p:nvSpPr>
+        <p:spPr>
+          <a:xfrm rot="5398815">
+            <a:off x="702449" y="5481051"/>
+            <a:ext cx="397019" cy="369332"/>
+          </a:xfrm>
+          <a:prstGeom prst="rect">
+            <a:avLst/>
+          </a:prstGeom>
+          <a:solidFill>
+            <a:schemeClr val="bg1">
+              <a:lumMod val="50000"/>
+            </a:schemeClr>
+          </a:solidFill>
+        </p:spPr>
+        <p:txBody>
+          <a:bodyPr wrap="square" rtlCol="0">
+            <a:spAutoFit/>
+          </a:bodyPr>
+          <a:lstStyle/>
+          <a:p>
+            <a:r>
+              <a:rPr lang="en-AU" dirty="0">
+                <a:solidFill>
+                  <a:schemeClr val="bg1"/>
+                </a:solidFill>
+              </a:rPr>
+              <a:t>C’</a:t>
+            </a:r>
+          </a:p>
+        </p:txBody>
+      </p:sp>
+      <p:sp>
+        <p:nvSpPr>
+          <p:cNvPr id="91" name="TextBox 90">
+            <a:extLst>
+              <a:ext uri="{FF2B5EF4-FFF2-40B4-BE49-F238E27FC236}">
+                <a16:creationId xmlns:a16="http://schemas.microsoft.com/office/drawing/2014/main" id="{C58FF7F9-68A0-6A4C-B1D3-063D52508244}"/>
+              </a:ext>
+            </a:extLst>
+          </p:cNvPr>
+          <p:cNvSpPr txBox="1"/>
+          <p:nvPr/>
+        </p:nvSpPr>
+        <p:spPr>
+          <a:xfrm rot="5400000">
+            <a:off x="2729216" y="3369060"/>
+            <a:ext cx="466518" cy="369332"/>
+          </a:xfrm>
+          <a:prstGeom prst="rect">
+            <a:avLst/>
+          </a:prstGeom>
+          <a:noFill/>
+        </p:spPr>
+        <p:txBody>
+          <a:bodyPr wrap="square" rtlCol="0">
+            <a:spAutoFit/>
+          </a:bodyPr>
+          <a:lstStyle/>
+          <a:p>
+            <a:r>
+              <a:rPr lang="en-AU" dirty="0">
+                <a:solidFill>
+                  <a:schemeClr val="bg1">
+                    <a:lumMod val="50000"/>
+                  </a:schemeClr>
+                </a:solidFill>
+              </a:rPr>
+              <a:t>O5</a:t>
+            </a:r>
+          </a:p>
+        </p:txBody>
+      </p:sp>
+      <p:cxnSp>
+        <p:nvCxnSpPr>
+          <p:cNvPr id="92" name="Straight Arrow Connector 91">
+            <a:extLst>
+              <a:ext uri="{FF2B5EF4-FFF2-40B4-BE49-F238E27FC236}">
+                <a16:creationId xmlns:a16="http://schemas.microsoft.com/office/drawing/2014/main" id="{851CF431-CE60-EB4A-B7CC-CC04F5D1B993}"/>
+              </a:ext>
+            </a:extLst>
+          </p:cNvPr>
+          <p:cNvCxnSpPr>
+            <a:cxnSpLocks/>
+          </p:cNvCxnSpPr>
+          <p:nvPr/>
+        </p:nvCxnSpPr>
+        <p:spPr>
+          <a:xfrm flipH="1">
+            <a:off x="595446" y="3883107"/>
+            <a:ext cx="939472" cy="750189"/>
+          </a:xfrm>
+          <a:prstGeom prst="straightConnector1">
+            <a:avLst/>
+          </a:prstGeom>
+          <a:ln w="60325">
+            <a:solidFill>
+              <a:schemeClr val="bg1">
+                <a:lumMod val="50000"/>
+              </a:schemeClr>
+            </a:solidFill>
+            <a:tailEnd type="triangle"/>
+          </a:ln>
+        </p:spPr>
+        <p:style>
+          <a:lnRef idx="1">
+            <a:schemeClr val="accent1"/>
+          </a:lnRef>
+          <a:fillRef idx="0">
+            <a:schemeClr val="accent1"/>
+          </a:fillRef>
+          <a:effectRef idx="0">
+            <a:schemeClr val="accent1"/>
+          </a:effectRef>
+          <a:fontRef idx="minor">
+            <a:schemeClr val="tx1"/>
+          </a:fontRef>
+        </p:style>
+      </p:cxnSp>
+      <p:cxnSp>
+        <p:nvCxnSpPr>
+          <p:cNvPr id="93" name="Straight Arrow Connector 92">
+            <a:extLst>
+              <a:ext uri="{FF2B5EF4-FFF2-40B4-BE49-F238E27FC236}">
+                <a16:creationId xmlns:a16="http://schemas.microsoft.com/office/drawing/2014/main" id="{36518358-E508-8E48-ACD9-E78B6FF708FA}"/>
+              </a:ext>
+            </a:extLst>
+          </p:cNvPr>
+          <p:cNvCxnSpPr>
+            <a:cxnSpLocks/>
+          </p:cNvCxnSpPr>
+          <p:nvPr/>
+        </p:nvCxnSpPr>
+        <p:spPr>
+          <a:xfrm flipH="1">
+            <a:off x="2983231" y="3738392"/>
+            <a:ext cx="17344" cy="1161628"/>
+          </a:xfrm>
+          <a:prstGeom prst="straightConnector1">
+            <a:avLst/>
+          </a:prstGeom>
+          <a:ln w="60325">
+            <a:solidFill>
+              <a:schemeClr val="bg1">
+                <a:lumMod val="50000"/>
+              </a:schemeClr>
+            </a:solidFill>
+            <a:tailEnd type="triangle"/>
+          </a:ln>
+        </p:spPr>
+        <p:style>
+          <a:lnRef idx="1">
+            <a:schemeClr val="accent1"/>
+          </a:lnRef>
+          <a:fillRef idx="0">
+            <a:schemeClr val="accent1"/>
+          </a:fillRef>
+          <a:effectRef idx="0">
+            <a:schemeClr val="accent1"/>
+          </a:effectRef>
+          <a:fontRef idx="minor">
+            <a:schemeClr val="tx1"/>
+          </a:fontRef>
+        </p:style>
+      </p:cxnSp>
+      <p:sp>
+        <p:nvSpPr>
+          <p:cNvPr id="94" name="TextBox 93">
+            <a:extLst>
+              <a:ext uri="{FF2B5EF4-FFF2-40B4-BE49-F238E27FC236}">
+                <a16:creationId xmlns:a16="http://schemas.microsoft.com/office/drawing/2014/main" id="{F3BF738C-3323-F740-8A27-1503F398B39C}"/>
+              </a:ext>
+            </a:extLst>
+          </p:cNvPr>
+          <p:cNvSpPr txBox="1"/>
+          <p:nvPr/>
+        </p:nvSpPr>
+        <p:spPr>
+          <a:xfrm rot="5400000">
+            <a:off x="2996535" y="8829192"/>
             <a:ext cx="301212" cy="369332"/>
           </a:xfrm>
           <a:prstGeom prst="rect">
             <a:avLst/>
           </a:prstGeom>
           <a:solidFill>
-            <a:schemeClr val="tx1"/>
+            <a:schemeClr val="bg1">
+              <a:lumMod val="50000"/>
+            </a:schemeClr>
           </a:solidFill>
         </p:spPr>
         <p:txBody>
@@ -13575,26 +16936,28 @@
       </p:sp>
       <p:sp>
         <p:nvSpPr>
-          <p:cNvPr id="81" name="TextBox 80">
-            <a:extLst>
-              <a:ext uri="{FF2B5EF4-FFF2-40B4-BE49-F238E27FC236}">
-                <a16:creationId xmlns:a16="http://schemas.microsoft.com/office/drawing/2014/main" id="{CF6574EF-74F8-2641-83AC-DA05CAA8C01F}"/>
-              </a:ext>
-            </a:extLst>
-          </p:cNvPr>
-          <p:cNvSpPr txBox="1"/>
-          <p:nvPr/>
-        </p:nvSpPr>
-        <p:spPr>
-          <a:xfrm>
-            <a:off x="2176409" y="7743036"/>
+          <p:cNvPr id="95" name="TextBox 94">
+            <a:extLst>
+              <a:ext uri="{FF2B5EF4-FFF2-40B4-BE49-F238E27FC236}">
+                <a16:creationId xmlns:a16="http://schemas.microsoft.com/office/drawing/2014/main" id="{67B081CE-2D34-584B-90C2-82661CFC6793}"/>
+              </a:ext>
+            </a:extLst>
+          </p:cNvPr>
+          <p:cNvSpPr txBox="1"/>
+          <p:nvPr/>
+        </p:nvSpPr>
+        <p:spPr>
+          <a:xfrm rot="5400000">
+            <a:off x="266905" y="8829192"/>
             <a:ext cx="301212" cy="369332"/>
           </a:xfrm>
           <a:prstGeom prst="rect">
             <a:avLst/>
           </a:prstGeom>
           <a:solidFill>
-            <a:schemeClr val="tx1"/>
+            <a:schemeClr val="bg1">
+              <a:lumMod val="50000"/>
+            </a:schemeClr>
           </a:solidFill>
         </p:spPr>
         <p:txBody>
@@ -13616,10 +16979,10 @@
       </p:sp>
       <p:cxnSp>
         <p:nvCxnSpPr>
-          <p:cNvPr id="82" name="Straight Connector 81">
-            <a:extLst>
-              <a:ext uri="{FF2B5EF4-FFF2-40B4-BE49-F238E27FC236}">
-                <a16:creationId xmlns:a16="http://schemas.microsoft.com/office/drawing/2014/main" id="{8E306813-2E8C-6E43-8369-F107E9AAE4CD}"/>
+          <p:cNvPr id="96" name="Straight Connector 95">
+            <a:extLst>
+              <a:ext uri="{FF2B5EF4-FFF2-40B4-BE49-F238E27FC236}">
+                <a16:creationId xmlns:a16="http://schemas.microsoft.com/office/drawing/2014/main" id="{D5BD9580-C3C8-0143-8887-62A0FCDB4681}"/>
               </a:ext>
             </a:extLst>
           </p:cNvPr>
@@ -13630,7 +16993,7 @@
         </p:nvCxnSpPr>
         <p:spPr>
           <a:xfrm>
-            <a:off x="5294301" y="1996925"/>
+            <a:off x="263361" y="3133945"/>
             <a:ext cx="0" cy="839561"/>
           </a:xfrm>
           <a:prstGeom prst="line">
@@ -13660,10 +17023,10 @@
       </p:cxnSp>
       <p:sp>
         <p:nvSpPr>
-          <p:cNvPr id="83" name="TextBox 82">
-            <a:extLst>
-              <a:ext uri="{FF2B5EF4-FFF2-40B4-BE49-F238E27FC236}">
-                <a16:creationId xmlns:a16="http://schemas.microsoft.com/office/drawing/2014/main" id="{992A721A-9478-8E4D-B30A-88AB313B945F}"/>
+          <p:cNvPr id="97" name="TextBox 96">
+            <a:extLst>
+              <a:ext uri="{FF2B5EF4-FFF2-40B4-BE49-F238E27FC236}">
+                <a16:creationId xmlns:a16="http://schemas.microsoft.com/office/drawing/2014/main" id="{A516A99E-F4BB-0E41-9D9B-24E523A4BDCA}"/>
               </a:ext>
             </a:extLst>
           </p:cNvPr>
@@ -13672,7 +17035,7 @@
         </p:nvSpPr>
         <p:spPr>
           <a:xfrm rot="5400000">
-            <a:off x="4588522" y="2675565"/>
+            <a:off x="-217516" y="2709932"/>
             <a:ext cx="961755" cy="369332"/>
           </a:xfrm>
           <a:prstGeom prst="rect">
@@ -13699,10 +17062,10 @@
       </p:sp>
       <p:sp>
         <p:nvSpPr>
-          <p:cNvPr id="84" name="TextBox 83">
-            <a:extLst>
-              <a:ext uri="{FF2B5EF4-FFF2-40B4-BE49-F238E27FC236}">
-                <a16:creationId xmlns:a16="http://schemas.microsoft.com/office/drawing/2014/main" id="{61D77F9E-5F69-ED4B-A887-EA5091C5FFAF}"/>
+          <p:cNvPr id="98" name="TextBox 97">
+            <a:extLst>
+              <a:ext uri="{FF2B5EF4-FFF2-40B4-BE49-F238E27FC236}">
+                <a16:creationId xmlns:a16="http://schemas.microsoft.com/office/drawing/2014/main" id="{CD32752A-C6F2-934A-89D9-EC3B29B2B007}"/>
               </a:ext>
             </a:extLst>
           </p:cNvPr>
@@ -13711,7 +17074,7 @@
         </p:nvSpPr>
         <p:spPr>
           <a:xfrm rot="5400000">
-            <a:off x="4446470" y="6815865"/>
+            <a:off x="-340735" y="6526717"/>
             <a:ext cx="1210561" cy="369332"/>
           </a:xfrm>
           <a:prstGeom prst="rect">
@@ -13738,10 +17101,10 @@
       </p:sp>
       <p:cxnSp>
         <p:nvCxnSpPr>
-          <p:cNvPr id="85" name="Straight Connector 84">
-            <a:extLst>
-              <a:ext uri="{FF2B5EF4-FFF2-40B4-BE49-F238E27FC236}">
-                <a16:creationId xmlns:a16="http://schemas.microsoft.com/office/drawing/2014/main" id="{445485E6-8BFC-7142-8DE0-6B083984120B}"/>
+          <p:cNvPr id="99" name="Straight Connector 98">
+            <a:extLst>
+              <a:ext uri="{FF2B5EF4-FFF2-40B4-BE49-F238E27FC236}">
+                <a16:creationId xmlns:a16="http://schemas.microsoft.com/office/drawing/2014/main" id="{A62AE494-A388-5A4C-8BF9-3746139D669E}"/>
               </a:ext>
             </a:extLst>
           </p:cNvPr>
@@ -13752,7 +17115,7 @@
         </p:nvCxnSpPr>
         <p:spPr>
           <a:xfrm flipV="1">
-            <a:off x="5294297" y="6828838"/>
+            <a:off x="266863" y="5250691"/>
             <a:ext cx="0" cy="938269"/>
           </a:xfrm>
           <a:prstGeom prst="line">
@@ -13782,26 +17145,28 @@
       </p:cxnSp>
       <p:sp>
         <p:nvSpPr>
-          <p:cNvPr id="92" name="TextBox 91">
-            <a:extLst>
-              <a:ext uri="{FF2B5EF4-FFF2-40B4-BE49-F238E27FC236}">
-                <a16:creationId xmlns:a16="http://schemas.microsoft.com/office/drawing/2014/main" id="{08824980-6EAA-3942-898C-7D932D6355D1}"/>
-              </a:ext>
-            </a:extLst>
-          </p:cNvPr>
-          <p:cNvSpPr txBox="1"/>
-          <p:nvPr/>
-        </p:nvSpPr>
-        <p:spPr>
-          <a:xfrm>
-            <a:off x="4498876" y="5473056"/>
+          <p:cNvPr id="100" name="TextBox 99">
+            <a:extLst>
+              <a:ext uri="{FF2B5EF4-FFF2-40B4-BE49-F238E27FC236}">
+                <a16:creationId xmlns:a16="http://schemas.microsoft.com/office/drawing/2014/main" id="{A76B80E7-C758-D641-99C6-169214AFE49B}"/>
+              </a:ext>
+            </a:extLst>
+          </p:cNvPr>
+          <p:cNvSpPr txBox="1"/>
+          <p:nvPr/>
+        </p:nvSpPr>
+        <p:spPr>
+          <a:xfrm rot="5400000">
+            <a:off x="2677055" y="5473056"/>
             <a:ext cx="397019" cy="369332"/>
           </a:xfrm>
           <a:prstGeom prst="rect">
             <a:avLst/>
           </a:prstGeom>
           <a:solidFill>
-            <a:schemeClr val="tx1"/>
+            <a:schemeClr val="bg1">
+              <a:lumMod val="50000"/>
+            </a:schemeClr>
           </a:solidFill>
         </p:spPr>
         <p:txBody>
@@ -13821,10 +17186,57 @@
           </a:p>
         </p:txBody>
       </p:sp>
+      <p:cxnSp>
+        <p:nvCxnSpPr>
+          <p:cNvPr id="102" name="Straight Arrow Connector 101">
+            <a:extLst>
+              <a:ext uri="{FF2B5EF4-FFF2-40B4-BE49-F238E27FC236}">
+                <a16:creationId xmlns:a16="http://schemas.microsoft.com/office/drawing/2014/main" id="{ED37483B-D27D-2B4B-B723-6F7A18A9201A}"/>
+              </a:ext>
+            </a:extLst>
+          </p:cNvPr>
+          <p:cNvCxnSpPr>
+            <a:cxnSpLocks/>
+            <a:stCxn id="78" idx="3"/>
+          </p:cNvCxnSpPr>
+          <p:nvPr/>
+        </p:nvCxnSpPr>
+        <p:spPr>
+          <a:xfrm>
+            <a:off x="877074" y="3127857"/>
+            <a:ext cx="431387" cy="556598"/>
+          </a:xfrm>
+          <a:prstGeom prst="straightConnector1">
+            <a:avLst/>
+          </a:prstGeom>
+          <a:ln w="60325">
+            <a:solidFill>
+              <a:schemeClr val="bg1">
+                <a:lumMod val="50000"/>
+              </a:schemeClr>
+            </a:solidFill>
+            <a:tailEnd type="triangle"/>
+          </a:ln>
+        </p:spPr>
+        <p:style>
+          <a:lnRef idx="1">
+            <a:schemeClr val="accent1"/>
+          </a:lnRef>
+          <a:fillRef idx="0">
+            <a:schemeClr val="accent1"/>
+          </a:fillRef>
+          <a:effectRef idx="0">
+            <a:schemeClr val="accent1"/>
+          </a:effectRef>
+          <a:fontRef idx="minor">
+            <a:schemeClr val="tx1"/>
+          </a:fontRef>
+        </p:style>
+      </p:cxnSp>
     </p:spTree>
     <p:extLst>
       <p:ext uri="{BB962C8B-B14F-4D97-AF65-F5344CB8AC3E}">
-        <p14:creationId xmlns:p14="http://schemas.microsoft.com/office/powerpoint/2010/main" val="3380602608"/>
+        <p14:creationId xmlns:p14="http://schemas.microsoft.com/office/powerpoint/2010/main" val="3132747403"/>
       </p:ext>
     </p:extLst>
   </p:cSld>
@@ -19462,4 +22874,299 @@
     </a:ext>
   </a:extLst>
 </a:theme>
+</file>
+
+<file path=ppt/theme/theme2.xml><?xml version="1.0" encoding="utf-8"?>
+<a:theme xmlns:a="http://schemas.openxmlformats.org/drawingml/2006/main" name="Office Theme">
+  <a:themeElements>
+    <a:clrScheme name="Office">
+      <a:dk1>
+        <a:sysClr val="windowText" lastClr="000000"/>
+      </a:dk1>
+      <a:lt1>
+        <a:sysClr val="window" lastClr="FFFFFF"/>
+      </a:lt1>
+      <a:dk2>
+        <a:srgbClr val="44546A"/>
+      </a:dk2>
+      <a:lt2>
+        <a:srgbClr val="E7E6E6"/>
+      </a:lt2>
+      <a:accent1>
+        <a:srgbClr val="4472C4"/>
+      </a:accent1>
+      <a:accent2>
+        <a:srgbClr val="ED7D31"/>
+      </a:accent2>
+      <a:accent3>
+        <a:srgbClr val="A5A5A5"/>
+      </a:accent3>
+      <a:accent4>
+        <a:srgbClr val="FFC000"/>
+      </a:accent4>
+      <a:accent5>
+        <a:srgbClr val="5B9BD5"/>
+      </a:accent5>
+      <a:accent6>
+        <a:srgbClr val="70AD47"/>
+      </a:accent6>
+      <a:hlink>
+        <a:srgbClr val="0563C1"/>
+      </a:hlink>
+      <a:folHlink>
+        <a:srgbClr val="954F72"/>
+      </a:folHlink>
+    </a:clrScheme>
+    <a:fontScheme name="Office">
+      <a:majorFont>
+        <a:latin typeface="Calibri Light" panose="020F0302020204030204"/>
+        <a:ea typeface=""/>
+        <a:cs typeface=""/>
+        <a:font script="Jpan" typeface="游ゴシック Light"/>
+        <a:font script="Hang" typeface="맑은 고딕"/>
+        <a:font script="Hans" typeface="等线 Light"/>
+        <a:font script="Hant" typeface="新細明體"/>
+        <a:font script="Arab" typeface="Times New Roman"/>
+        <a:font script="Hebr" typeface="Times New Roman"/>
+        <a:font script="Thai" typeface="Angsana New"/>
+        <a:font script="Ethi" typeface="Nyala"/>
+        <a:font script="Beng" typeface="Vrinda"/>
+        <a:font script="Gujr" typeface="Shruti"/>
+        <a:font script="Khmr" typeface="MoolBoran"/>
+        <a:font script="Knda" typeface="Tunga"/>
+        <a:font script="Guru" typeface="Raavi"/>
+        <a:font script="Cans" typeface="Euphemia"/>
+        <a:font script="Cher" typeface="Plantagenet Cherokee"/>
+        <a:font script="Yiii" typeface="Microsoft Yi Baiti"/>
+        <a:font script="Tibt" typeface="Microsoft Himalaya"/>
+        <a:font script="Thaa" typeface="MV Boli"/>
+        <a:font script="Deva" typeface="Mangal"/>
+        <a:font script="Telu" typeface="Gautami"/>
+        <a:font script="Taml" typeface="Latha"/>
+        <a:font script="Syrc" typeface="Estrangelo Edessa"/>
+        <a:font script="Orya" typeface="Kalinga"/>
+        <a:font script="Mlym" typeface="Kartika"/>
+        <a:font script="Laoo" typeface="DokChampa"/>
+        <a:font script="Sinh" typeface="Iskoola Pota"/>
+        <a:font script="Mong" typeface="Mongolian Baiti"/>
+        <a:font script="Viet" typeface="Times New Roman"/>
+        <a:font script="Uigh" typeface="Microsoft Uighur"/>
+        <a:font script="Geor" typeface="Sylfaen"/>
+        <a:font script="Armn" typeface="Arial"/>
+        <a:font script="Bugi" typeface="Leelawadee UI"/>
+        <a:font script="Bopo" typeface="Microsoft JhengHei"/>
+        <a:font script="Java" typeface="Javanese Text"/>
+        <a:font script="Lisu" typeface="Segoe UI"/>
+        <a:font script="Mymr" typeface="Myanmar Text"/>
+        <a:font script="Nkoo" typeface="Ebrima"/>
+        <a:font script="Olck" typeface="Nirmala UI"/>
+        <a:font script="Osma" typeface="Ebrima"/>
+        <a:font script="Phag" typeface="Phagspa"/>
+        <a:font script="Syrn" typeface="Estrangelo Edessa"/>
+        <a:font script="Syrj" typeface="Estrangelo Edessa"/>
+        <a:font script="Syre" typeface="Estrangelo Edessa"/>
+        <a:font script="Sora" typeface="Nirmala UI"/>
+        <a:font script="Tale" typeface="Microsoft Tai Le"/>
+        <a:font script="Talu" typeface="Microsoft New Tai Lue"/>
+        <a:font script="Tfng" typeface="Ebrima"/>
+      </a:majorFont>
+      <a:minorFont>
+        <a:latin typeface="Calibri" panose="020F0502020204030204"/>
+        <a:ea typeface=""/>
+        <a:cs typeface=""/>
+        <a:font script="Jpan" typeface="游ゴシック"/>
+        <a:font script="Hang" typeface="맑은 고딕"/>
+        <a:font script="Hans" typeface="等线"/>
+        <a:font script="Hant" typeface="新細明體"/>
+        <a:font script="Arab" typeface="Arial"/>
+        <a:font script="Hebr" typeface="Arial"/>
+        <a:font script="Thai" typeface="Cordia New"/>
+        <a:font script="Ethi" typeface="Nyala"/>
+        <a:font script="Beng" typeface="Vrinda"/>
+        <a:font script="Gujr" typeface="Shruti"/>
+        <a:font script="Khmr" typeface="DaunPenh"/>
+        <a:font script="Knda" typeface="Tunga"/>
+        <a:font script="Guru" typeface="Raavi"/>
+        <a:font script="Cans" typeface="Euphemia"/>
+        <a:font script="Cher" typeface="Plantagenet Cherokee"/>
+        <a:font script="Yiii" typeface="Microsoft Yi Baiti"/>
+        <a:font script="Tibt" typeface="Microsoft Himalaya"/>
+        <a:font script="Thaa" typeface="MV Boli"/>
+        <a:font script="Deva" typeface="Mangal"/>
+        <a:font script="Telu" typeface="Gautami"/>
+        <a:font script="Taml" typeface="Latha"/>
+        <a:font script="Syrc" typeface="Estrangelo Edessa"/>
+        <a:font script="Orya" typeface="Kalinga"/>
+        <a:font script="Mlym" typeface="Kartika"/>
+        <a:font script="Laoo" typeface="DokChampa"/>
+        <a:font script="Sinh" typeface="Iskoola Pota"/>
+        <a:font script="Mong" typeface="Mongolian Baiti"/>
+        <a:font script="Viet" typeface="Arial"/>
+        <a:font script="Uigh" typeface="Microsoft Uighur"/>
+        <a:font script="Geor" typeface="Sylfaen"/>
+        <a:font script="Armn" typeface="Arial"/>
+        <a:font script="Bugi" typeface="Leelawadee UI"/>
+        <a:font script="Bopo" typeface="Microsoft JhengHei"/>
+        <a:font script="Java" typeface="Javanese Text"/>
+        <a:font script="Lisu" typeface="Segoe UI"/>
+        <a:font script="Mymr" typeface="Myanmar Text"/>
+        <a:font script="Nkoo" typeface="Ebrima"/>
+        <a:font script="Olck" typeface="Nirmala UI"/>
+        <a:font script="Osma" typeface="Ebrima"/>
+        <a:font script="Phag" typeface="Phagspa"/>
+        <a:font script="Syrn" typeface="Estrangelo Edessa"/>
+        <a:font script="Syrj" typeface="Estrangelo Edessa"/>
+        <a:font script="Syre" typeface="Estrangelo Edessa"/>
+        <a:font script="Sora" typeface="Nirmala UI"/>
+        <a:font script="Tale" typeface="Microsoft Tai Le"/>
+        <a:font script="Talu" typeface="Microsoft New Tai Lue"/>
+        <a:font script="Tfng" typeface="Ebrima"/>
+      </a:minorFont>
+    </a:fontScheme>
+    <a:fmtScheme name="Office">
+      <a:fillStyleLst>
+        <a:solidFill>
+          <a:schemeClr val="phClr"/>
+        </a:solidFill>
+        <a:gradFill rotWithShape="1">
+          <a:gsLst>
+            <a:gs pos="0">
+              <a:schemeClr val="phClr">
+                <a:lumMod val="110000"/>
+                <a:satMod val="105000"/>
+                <a:tint val="67000"/>
+              </a:schemeClr>
+            </a:gs>
+            <a:gs pos="50000">
+              <a:schemeClr val="phClr">
+                <a:lumMod val="105000"/>
+                <a:satMod val="103000"/>
+                <a:tint val="73000"/>
+              </a:schemeClr>
+            </a:gs>
+            <a:gs pos="100000">
+              <a:schemeClr val="phClr">
+                <a:lumMod val="105000"/>
+                <a:satMod val="109000"/>
+                <a:tint val="81000"/>
+              </a:schemeClr>
+            </a:gs>
+          </a:gsLst>
+          <a:lin ang="5400000" scaled="0"/>
+        </a:gradFill>
+        <a:gradFill rotWithShape="1">
+          <a:gsLst>
+            <a:gs pos="0">
+              <a:schemeClr val="phClr">
+                <a:satMod val="103000"/>
+                <a:lumMod val="102000"/>
+                <a:tint val="94000"/>
+              </a:schemeClr>
+            </a:gs>
+            <a:gs pos="50000">
+              <a:schemeClr val="phClr">
+                <a:satMod val="110000"/>
+                <a:lumMod val="100000"/>
+                <a:shade val="100000"/>
+              </a:schemeClr>
+            </a:gs>
+            <a:gs pos="100000">
+              <a:schemeClr val="phClr">
+                <a:lumMod val="99000"/>
+                <a:satMod val="120000"/>
+                <a:shade val="78000"/>
+              </a:schemeClr>
+            </a:gs>
+          </a:gsLst>
+          <a:lin ang="5400000" scaled="0"/>
+        </a:gradFill>
+      </a:fillStyleLst>
+      <a:lnStyleLst>
+        <a:ln w="6350" cap="flat" cmpd="sng" algn="ctr">
+          <a:solidFill>
+            <a:schemeClr val="phClr"/>
+          </a:solidFill>
+          <a:prstDash val="solid"/>
+          <a:miter lim="800000"/>
+        </a:ln>
+        <a:ln w="12700" cap="flat" cmpd="sng" algn="ctr">
+          <a:solidFill>
+            <a:schemeClr val="phClr"/>
+          </a:solidFill>
+          <a:prstDash val="solid"/>
+          <a:miter lim="800000"/>
+        </a:ln>
+        <a:ln w="19050" cap="flat" cmpd="sng" algn="ctr">
+          <a:solidFill>
+            <a:schemeClr val="phClr"/>
+          </a:solidFill>
+          <a:prstDash val="solid"/>
+          <a:miter lim="800000"/>
+        </a:ln>
+      </a:lnStyleLst>
+      <a:effectStyleLst>
+        <a:effectStyle>
+          <a:effectLst/>
+        </a:effectStyle>
+        <a:effectStyle>
+          <a:effectLst/>
+        </a:effectStyle>
+        <a:effectStyle>
+          <a:effectLst>
+            <a:outerShdw blurRad="57150" dist="19050" dir="5400000" algn="ctr" rotWithShape="0">
+              <a:srgbClr val="000000">
+                <a:alpha val="63000"/>
+              </a:srgbClr>
+            </a:outerShdw>
+          </a:effectLst>
+        </a:effectStyle>
+      </a:effectStyleLst>
+      <a:bgFillStyleLst>
+        <a:solidFill>
+          <a:schemeClr val="phClr"/>
+        </a:solidFill>
+        <a:solidFill>
+          <a:schemeClr val="phClr">
+            <a:tint val="95000"/>
+            <a:satMod val="170000"/>
+          </a:schemeClr>
+        </a:solidFill>
+        <a:gradFill rotWithShape="1">
+          <a:gsLst>
+            <a:gs pos="0">
+              <a:schemeClr val="phClr">
+                <a:tint val="93000"/>
+                <a:satMod val="150000"/>
+                <a:shade val="98000"/>
+                <a:lumMod val="102000"/>
+              </a:schemeClr>
+            </a:gs>
+            <a:gs pos="50000">
+              <a:schemeClr val="phClr">
+                <a:tint val="98000"/>
+                <a:satMod val="130000"/>
+                <a:shade val="90000"/>
+                <a:lumMod val="103000"/>
+              </a:schemeClr>
+            </a:gs>
+            <a:gs pos="100000">
+              <a:schemeClr val="phClr">
+                <a:shade val="63000"/>
+                <a:satMod val="120000"/>
+              </a:schemeClr>
+            </a:gs>
+          </a:gsLst>
+          <a:lin ang="5400000" scaled="0"/>
+        </a:gradFill>
+      </a:bgFillStyleLst>
+    </a:fmtScheme>
+  </a:themeElements>
+  <a:objectDefaults/>
+  <a:extraClrSchemeLst/>
+  <a:extLst>
+    <a:ext uri="{05A4C25C-085E-4340-85A3-A5531E510DB2}">
+      <thm15:themeFamily xmlns:thm15="http://schemas.microsoft.com/office/thememl/2012/main" name="Office Theme" id="{62F939B6-93AF-4DB8-9C6B-D6C7DFDC589F}" vid="{4A3C46E8-61CC-4603-A589-7422A47A8E4A}"/>
+    </a:ext>
+  </a:extLst>
+</a:theme>
 </file>
--- a/graphics/Graphics.pptx
+++ b/graphics/Graphics.pptx
@@ -5,7 +5,7 @@
     <p:sldMasterId id="2147483672" r:id="rId1"/>
   </p:sldMasterIdLst>
   <p:notesMasterIdLst>
-    <p:notesMasterId r:id="rId11"/>
+    <p:notesMasterId r:id="rId14"/>
   </p:notesMasterIdLst>
   <p:sldIdLst>
     <p:sldId id="261" r:id="rId2"/>
@@ -17,6 +17,9 @@
     <p:sldId id="268" r:id="rId8"/>
     <p:sldId id="269" r:id="rId9"/>
     <p:sldId id="270" r:id="rId10"/>
+    <p:sldId id="274" r:id="rId11"/>
+    <p:sldId id="272" r:id="rId12"/>
+    <p:sldId id="273" r:id="rId13"/>
   </p:sldIdLst>
   <p:sldSz cx="6858000" cy="9906000" type="A4"/>
   <p:notesSz cx="6858000" cy="9144000"/>
@@ -216,7 +219,7 @@
           <a:p>
             <a:fld id="{45933B21-E436-3A46-ADDA-424A82352920}" type="datetimeFigureOut">
               <a:rPr lang="en-AU" smtClean="0"/>
-              <a:t>29/12/22</a:t>
+              <a:t>30/12/22</a:t>
             </a:fld>
             <a:endParaRPr lang="en-AU"/>
           </a:p>
@@ -615,7 +618,7 @@
           <a:p>
             <a:fld id="{84CBB076-2C69-DC49-A9FF-99213B15956D}" type="datetimeFigureOut">
               <a:rPr lang="en-AU" smtClean="0"/>
-              <a:t>29/12/22</a:t>
+              <a:t>30/12/22</a:t>
             </a:fld>
             <a:endParaRPr lang="en-AU"/>
           </a:p>
@@ -785,7 +788,7 @@
           <a:p>
             <a:fld id="{84CBB076-2C69-DC49-A9FF-99213B15956D}" type="datetimeFigureOut">
               <a:rPr lang="en-AU" smtClean="0"/>
-              <a:t>29/12/22</a:t>
+              <a:t>30/12/22</a:t>
             </a:fld>
             <a:endParaRPr lang="en-AU"/>
           </a:p>
@@ -965,7 +968,7 @@
           <a:p>
             <a:fld id="{84CBB076-2C69-DC49-A9FF-99213B15956D}" type="datetimeFigureOut">
               <a:rPr lang="en-AU" smtClean="0"/>
-              <a:t>29/12/22</a:t>
+              <a:t>30/12/22</a:t>
             </a:fld>
             <a:endParaRPr lang="en-AU"/>
           </a:p>
@@ -1135,7 +1138,7 @@
           <a:p>
             <a:fld id="{84CBB076-2C69-DC49-A9FF-99213B15956D}" type="datetimeFigureOut">
               <a:rPr lang="en-AU" smtClean="0"/>
-              <a:t>29/12/22</a:t>
+              <a:t>30/12/22</a:t>
             </a:fld>
             <a:endParaRPr lang="en-AU"/>
           </a:p>
@@ -1379,7 +1382,7 @@
           <a:p>
             <a:fld id="{84CBB076-2C69-DC49-A9FF-99213B15956D}" type="datetimeFigureOut">
               <a:rPr lang="en-AU" smtClean="0"/>
-              <a:t>29/12/22</a:t>
+              <a:t>30/12/22</a:t>
             </a:fld>
             <a:endParaRPr lang="en-AU"/>
           </a:p>
@@ -1611,7 +1614,7 @@
           <a:p>
             <a:fld id="{84CBB076-2C69-DC49-A9FF-99213B15956D}" type="datetimeFigureOut">
               <a:rPr lang="en-AU" smtClean="0"/>
-              <a:t>29/12/22</a:t>
+              <a:t>30/12/22</a:t>
             </a:fld>
             <a:endParaRPr lang="en-AU"/>
           </a:p>
@@ -1978,7 +1981,7 @@
           <a:p>
             <a:fld id="{84CBB076-2C69-DC49-A9FF-99213B15956D}" type="datetimeFigureOut">
               <a:rPr lang="en-AU" smtClean="0"/>
-              <a:t>29/12/22</a:t>
+              <a:t>30/12/22</a:t>
             </a:fld>
             <a:endParaRPr lang="en-AU"/>
           </a:p>
@@ -2096,7 +2099,7 @@
           <a:p>
             <a:fld id="{84CBB076-2C69-DC49-A9FF-99213B15956D}" type="datetimeFigureOut">
               <a:rPr lang="en-AU" smtClean="0"/>
-              <a:t>29/12/22</a:t>
+              <a:t>30/12/22</a:t>
             </a:fld>
             <a:endParaRPr lang="en-AU"/>
           </a:p>
@@ -2191,7 +2194,7 @@
           <a:p>
             <a:fld id="{84CBB076-2C69-DC49-A9FF-99213B15956D}" type="datetimeFigureOut">
               <a:rPr lang="en-AU" smtClean="0"/>
-              <a:t>29/12/22</a:t>
+              <a:t>30/12/22</a:t>
             </a:fld>
             <a:endParaRPr lang="en-AU"/>
           </a:p>
@@ -2468,7 +2471,7 @@
           <a:p>
             <a:fld id="{84CBB076-2C69-DC49-A9FF-99213B15956D}" type="datetimeFigureOut">
               <a:rPr lang="en-AU" smtClean="0"/>
-              <a:t>29/12/22</a:t>
+              <a:t>30/12/22</a:t>
             </a:fld>
             <a:endParaRPr lang="en-AU"/>
           </a:p>
@@ -2725,7 +2728,7 @@
           <a:p>
             <a:fld id="{84CBB076-2C69-DC49-A9FF-99213B15956D}" type="datetimeFigureOut">
               <a:rPr lang="en-AU" smtClean="0"/>
-              <a:t>29/12/22</a:t>
+              <a:t>30/12/22</a:t>
             </a:fld>
             <a:endParaRPr lang="en-AU"/>
           </a:p>
@@ -2938,7 +2941,7 @@
           <a:p>
             <a:fld id="{84CBB076-2C69-DC49-A9FF-99213B15956D}" type="datetimeFigureOut">
               <a:rPr lang="en-AU" smtClean="0"/>
-              <a:t>29/12/22</a:t>
+              <a:t>30/12/22</a:t>
             </a:fld>
             <a:endParaRPr lang="en-AU"/>
           </a:p>
@@ -6517,6 +6520,9600 @@
     <p:extLst>
       <p:ext uri="{BB962C8B-B14F-4D97-AF65-F5344CB8AC3E}">
         <p14:creationId xmlns:p14="http://schemas.microsoft.com/office/powerpoint/2010/main" val="1003614905"/>
+      </p:ext>
+    </p:extLst>
+  </p:cSld>
+  <p:clrMapOvr>
+    <a:masterClrMapping/>
+  </p:clrMapOvr>
+</p:sld>
+</file>
+
+<file path=ppt/slides/slide10.xml><?xml version="1.0" encoding="utf-8"?>
+<p:sld xmlns:a="http://schemas.openxmlformats.org/drawingml/2006/main" xmlns:r="http://schemas.openxmlformats.org/officeDocument/2006/relationships" xmlns:p="http://schemas.openxmlformats.org/presentationml/2006/main">
+  <p:cSld>
+    <p:spTree>
+      <p:nvGrpSpPr>
+        <p:cNvPr id="1" name=""/>
+        <p:cNvGrpSpPr/>
+        <p:nvPr/>
+      </p:nvGrpSpPr>
+      <p:grpSpPr>
+        <a:xfrm>
+          <a:off x="0" y="0"/>
+          <a:ext cx="0" cy="0"/>
+          <a:chOff x="0" y="0"/>
+          <a:chExt cx="0" cy="0"/>
+        </a:xfrm>
+      </p:grpSpPr>
+      <p:sp>
+        <p:nvSpPr>
+          <p:cNvPr id="5" name="Rounded Rectangle 4">
+            <a:extLst>
+              <a:ext uri="{FF2B5EF4-FFF2-40B4-BE49-F238E27FC236}">
+                <a16:creationId xmlns:a16="http://schemas.microsoft.com/office/drawing/2014/main" id="{3C953649-ED7C-3742-AAEA-8B243B81C427}"/>
+              </a:ext>
+            </a:extLst>
+          </p:cNvPr>
+          <p:cNvSpPr>
+            <a:spLocks noChangeAspect="1"/>
+          </p:cNvSpPr>
+          <p:nvPr/>
+        </p:nvSpPr>
+        <p:spPr>
+          <a:xfrm>
+            <a:off x="59477" y="7708143"/>
+            <a:ext cx="3240000" cy="1576217"/>
+          </a:xfrm>
+          <a:prstGeom prst="roundRect">
+            <a:avLst/>
+          </a:prstGeom>
+          <a:solidFill>
+            <a:srgbClr val="00B050"/>
+          </a:solidFill>
+          <a:ln w="38100">
+            <a:solidFill>
+              <a:schemeClr val="tx1"/>
+            </a:solidFill>
+          </a:ln>
+        </p:spPr>
+        <p:style>
+          <a:lnRef idx="2">
+            <a:schemeClr val="accent1">
+              <a:shade val="50000"/>
+            </a:schemeClr>
+          </a:lnRef>
+          <a:fillRef idx="1">
+            <a:schemeClr val="accent1"/>
+          </a:fillRef>
+          <a:effectRef idx="0">
+            <a:schemeClr val="accent1"/>
+          </a:effectRef>
+          <a:fontRef idx="minor">
+            <a:schemeClr val="lt1"/>
+          </a:fontRef>
+        </p:style>
+        <p:txBody>
+          <a:bodyPr rtlCol="0" anchor="ctr"/>
+          <a:lstStyle/>
+          <a:p>
+            <a:pPr algn="ctr"/>
+            <a:endParaRPr lang="en-AU"/>
+          </a:p>
+        </p:txBody>
+      </p:sp>
+      <p:sp>
+        <p:nvSpPr>
+          <p:cNvPr id="6" name="Rounded Rectangle 5">
+            <a:extLst>
+              <a:ext uri="{FF2B5EF4-FFF2-40B4-BE49-F238E27FC236}">
+                <a16:creationId xmlns:a16="http://schemas.microsoft.com/office/drawing/2014/main" id="{781AE066-2F6F-CD4A-8C9D-2174A5C270BE}"/>
+              </a:ext>
+            </a:extLst>
+          </p:cNvPr>
+          <p:cNvSpPr>
+            <a:spLocks noChangeAspect="1"/>
+          </p:cNvSpPr>
+          <p:nvPr/>
+        </p:nvSpPr>
+        <p:spPr>
+          <a:xfrm>
+            <a:off x="77259" y="520745"/>
+            <a:ext cx="3240000" cy="1576217"/>
+          </a:xfrm>
+          <a:prstGeom prst="roundRect">
+            <a:avLst/>
+          </a:prstGeom>
+          <a:solidFill>
+            <a:srgbClr val="FF0000"/>
+          </a:solidFill>
+          <a:ln w="38100">
+            <a:solidFill>
+              <a:schemeClr val="tx1"/>
+            </a:solidFill>
+          </a:ln>
+        </p:spPr>
+        <p:style>
+          <a:lnRef idx="2">
+            <a:schemeClr val="accent1">
+              <a:shade val="50000"/>
+            </a:schemeClr>
+          </a:lnRef>
+          <a:fillRef idx="1">
+            <a:schemeClr val="accent1"/>
+          </a:fillRef>
+          <a:effectRef idx="0">
+            <a:schemeClr val="accent1"/>
+          </a:effectRef>
+          <a:fontRef idx="minor">
+            <a:schemeClr val="lt1"/>
+          </a:fontRef>
+        </p:style>
+        <p:txBody>
+          <a:bodyPr rtlCol="0" anchor="ctr"/>
+          <a:lstStyle/>
+          <a:p>
+            <a:pPr algn="ctr"/>
+            <a:endParaRPr lang="en-AU" dirty="0"/>
+          </a:p>
+        </p:txBody>
+      </p:sp>
+      <p:sp>
+        <p:nvSpPr>
+          <p:cNvPr id="30" name="Rounded Rectangle 29">
+            <a:extLst>
+              <a:ext uri="{FF2B5EF4-FFF2-40B4-BE49-F238E27FC236}">
+                <a16:creationId xmlns:a16="http://schemas.microsoft.com/office/drawing/2014/main" id="{B8A86484-2904-4E46-B5B4-7651A5C626E4}"/>
+              </a:ext>
+            </a:extLst>
+          </p:cNvPr>
+          <p:cNvSpPr>
+            <a:spLocks noChangeAspect="1"/>
+          </p:cNvSpPr>
+          <p:nvPr/>
+        </p:nvSpPr>
+        <p:spPr>
+          <a:xfrm>
+            <a:off x="79415" y="2096962"/>
+            <a:ext cx="3240000" cy="5604325"/>
+          </a:xfrm>
+          <a:prstGeom prst="roundRect">
+            <a:avLst/>
+          </a:prstGeom>
+          <a:noFill/>
+          <a:ln w="38100">
+            <a:solidFill>
+              <a:schemeClr val="tx1"/>
+            </a:solidFill>
+          </a:ln>
+        </p:spPr>
+        <p:style>
+          <a:lnRef idx="2">
+            <a:schemeClr val="accent1">
+              <a:shade val="50000"/>
+            </a:schemeClr>
+          </a:lnRef>
+          <a:fillRef idx="1">
+            <a:schemeClr val="accent1"/>
+          </a:fillRef>
+          <a:effectRef idx="0">
+            <a:schemeClr val="accent1"/>
+          </a:effectRef>
+          <a:fontRef idx="minor">
+            <a:schemeClr val="lt1"/>
+          </a:fontRef>
+        </p:style>
+        <p:txBody>
+          <a:bodyPr rtlCol="0" anchor="ctr"/>
+          <a:lstStyle/>
+          <a:p>
+            <a:pPr algn="ctr"/>
+            <a:endParaRPr lang="en-AU" sz="2400"/>
+          </a:p>
+        </p:txBody>
+      </p:sp>
+      <p:sp>
+        <p:nvSpPr>
+          <p:cNvPr id="31" name="Multiply 30">
+            <a:extLst>
+              <a:ext uri="{FF2B5EF4-FFF2-40B4-BE49-F238E27FC236}">
+                <a16:creationId xmlns:a16="http://schemas.microsoft.com/office/drawing/2014/main" id="{5E280636-5677-E24B-9170-B5E74AF6F10D}"/>
+              </a:ext>
+            </a:extLst>
+          </p:cNvPr>
+          <p:cNvSpPr/>
+          <p:nvPr/>
+        </p:nvSpPr>
+        <p:spPr>
+          <a:xfrm>
+            <a:off x="1261630" y="5722133"/>
+            <a:ext cx="922494" cy="849086"/>
+          </a:xfrm>
+          <a:prstGeom prst="mathMultiply">
+            <a:avLst/>
+          </a:prstGeom>
+          <a:noFill/>
+        </p:spPr>
+        <p:style>
+          <a:lnRef idx="2">
+            <a:schemeClr val="accent1">
+              <a:shade val="50000"/>
+            </a:schemeClr>
+          </a:lnRef>
+          <a:fillRef idx="1">
+            <a:schemeClr val="accent1"/>
+          </a:fillRef>
+          <a:effectRef idx="0">
+            <a:schemeClr val="accent1"/>
+          </a:effectRef>
+          <a:fontRef idx="minor">
+            <a:schemeClr val="lt1"/>
+          </a:fontRef>
+        </p:style>
+        <p:txBody>
+          <a:bodyPr rtlCol="0" anchor="ctr"/>
+          <a:lstStyle/>
+          <a:p>
+            <a:pPr algn="ctr"/>
+            <a:endParaRPr lang="en-AU" sz="2400"/>
+          </a:p>
+        </p:txBody>
+      </p:sp>
+      <p:sp>
+        <p:nvSpPr>
+          <p:cNvPr id="32" name="Multiply 31">
+            <a:extLst>
+              <a:ext uri="{FF2B5EF4-FFF2-40B4-BE49-F238E27FC236}">
+                <a16:creationId xmlns:a16="http://schemas.microsoft.com/office/drawing/2014/main" id="{F64121CE-0A72-C743-B147-31433D640BE0}"/>
+              </a:ext>
+            </a:extLst>
+          </p:cNvPr>
+          <p:cNvSpPr/>
+          <p:nvPr/>
+        </p:nvSpPr>
+        <p:spPr>
+          <a:xfrm>
+            <a:off x="1302146" y="3126523"/>
+            <a:ext cx="948581" cy="951904"/>
+          </a:xfrm>
+          <a:prstGeom prst="mathMultiply">
+            <a:avLst/>
+          </a:prstGeom>
+          <a:noFill/>
+        </p:spPr>
+        <p:style>
+          <a:lnRef idx="2">
+            <a:schemeClr val="accent1">
+              <a:shade val="50000"/>
+            </a:schemeClr>
+          </a:lnRef>
+          <a:fillRef idx="1">
+            <a:schemeClr val="accent1"/>
+          </a:fillRef>
+          <a:effectRef idx="0">
+            <a:schemeClr val="accent1"/>
+          </a:effectRef>
+          <a:fontRef idx="minor">
+            <a:schemeClr val="lt1"/>
+          </a:fontRef>
+        </p:style>
+        <p:txBody>
+          <a:bodyPr rtlCol="0" anchor="ctr"/>
+          <a:lstStyle/>
+          <a:p>
+            <a:pPr algn="ctr"/>
+            <a:endParaRPr lang="en-AU" sz="2400"/>
+          </a:p>
+        </p:txBody>
+      </p:sp>
+      <p:sp>
+        <p:nvSpPr>
+          <p:cNvPr id="35" name="TextBox 34">
+            <a:extLst>
+              <a:ext uri="{FF2B5EF4-FFF2-40B4-BE49-F238E27FC236}">
+                <a16:creationId xmlns:a16="http://schemas.microsoft.com/office/drawing/2014/main" id="{79DAF68E-1DAE-D641-8B9E-EC4390F7E0BB}"/>
+              </a:ext>
+            </a:extLst>
+          </p:cNvPr>
+          <p:cNvSpPr txBox="1"/>
+          <p:nvPr/>
+        </p:nvSpPr>
+        <p:spPr>
+          <a:xfrm>
+            <a:off x="1551195" y="4920210"/>
+            <a:ext cx="721268" cy="461665"/>
+          </a:xfrm>
+          <a:prstGeom prst="rect">
+            <a:avLst/>
+          </a:prstGeom>
+          <a:noFill/>
+        </p:spPr>
+        <p:txBody>
+          <a:bodyPr wrap="square" rtlCol="0">
+            <a:spAutoFit/>
+          </a:bodyPr>
+          <a:lstStyle/>
+          <a:p>
+            <a:r>
+              <a:rPr lang="en-AU" sz="2400" dirty="0">
+                <a:solidFill>
+                  <a:schemeClr val="bg1">
+                    <a:lumMod val="50000"/>
+                  </a:schemeClr>
+                </a:solidFill>
+              </a:rPr>
+              <a:t>O2</a:t>
+            </a:r>
+          </a:p>
+        </p:txBody>
+      </p:sp>
+      <p:sp>
+        <p:nvSpPr>
+          <p:cNvPr id="38" name="TextBox 37">
+            <a:extLst>
+              <a:ext uri="{FF2B5EF4-FFF2-40B4-BE49-F238E27FC236}">
+                <a16:creationId xmlns:a16="http://schemas.microsoft.com/office/drawing/2014/main" id="{7042CAA2-E6DA-0B42-9E72-2E15BEA3B1CC}"/>
+              </a:ext>
+            </a:extLst>
+          </p:cNvPr>
+          <p:cNvSpPr txBox="1"/>
+          <p:nvPr/>
+        </p:nvSpPr>
+        <p:spPr>
+          <a:xfrm>
+            <a:off x="1571439" y="5183511"/>
+            <a:ext cx="577693" cy="461665"/>
+          </a:xfrm>
+          <a:prstGeom prst="rect">
+            <a:avLst/>
+          </a:prstGeom>
+          <a:noFill/>
+        </p:spPr>
+        <p:txBody>
+          <a:bodyPr wrap="square" rtlCol="0">
+            <a:spAutoFit/>
+          </a:bodyPr>
+          <a:lstStyle/>
+          <a:p>
+            <a:r>
+              <a:rPr lang="en-AU" sz="2400" dirty="0">
+                <a:solidFill>
+                  <a:schemeClr val="bg1">
+                    <a:lumMod val="50000"/>
+                  </a:schemeClr>
+                </a:solidFill>
+              </a:rPr>
+              <a:t>O1</a:t>
+            </a:r>
+          </a:p>
+        </p:txBody>
+      </p:sp>
+      <p:sp>
+        <p:nvSpPr>
+          <p:cNvPr id="41" name="TextBox 40">
+            <a:extLst>
+              <a:ext uri="{FF2B5EF4-FFF2-40B4-BE49-F238E27FC236}">
+                <a16:creationId xmlns:a16="http://schemas.microsoft.com/office/drawing/2014/main" id="{6A4DBE8F-FE25-9E4C-8B3E-05DC9C007444}"/>
+              </a:ext>
+            </a:extLst>
+          </p:cNvPr>
+          <p:cNvSpPr txBox="1"/>
+          <p:nvPr/>
+        </p:nvSpPr>
+        <p:spPr>
+          <a:xfrm>
+            <a:off x="1551195" y="4668079"/>
+            <a:ext cx="721268" cy="461665"/>
+          </a:xfrm>
+          <a:prstGeom prst="rect">
+            <a:avLst/>
+          </a:prstGeom>
+          <a:noFill/>
+        </p:spPr>
+        <p:txBody>
+          <a:bodyPr wrap="square" rtlCol="0">
+            <a:spAutoFit/>
+          </a:bodyPr>
+          <a:lstStyle/>
+          <a:p>
+            <a:r>
+              <a:rPr lang="en-AU" sz="2400" dirty="0">
+                <a:solidFill>
+                  <a:schemeClr val="bg1">
+                    <a:lumMod val="50000"/>
+                  </a:schemeClr>
+                </a:solidFill>
+              </a:rPr>
+              <a:t>O3</a:t>
+            </a:r>
+          </a:p>
+        </p:txBody>
+      </p:sp>
+      <p:sp>
+        <p:nvSpPr>
+          <p:cNvPr id="42" name="TextBox 41">
+            <a:extLst>
+              <a:ext uri="{FF2B5EF4-FFF2-40B4-BE49-F238E27FC236}">
+                <a16:creationId xmlns:a16="http://schemas.microsoft.com/office/drawing/2014/main" id="{B5F10BD1-841A-F04B-A2A2-55D0139DC377}"/>
+              </a:ext>
+            </a:extLst>
+          </p:cNvPr>
+          <p:cNvSpPr txBox="1"/>
+          <p:nvPr/>
+        </p:nvSpPr>
+        <p:spPr>
+          <a:xfrm>
+            <a:off x="1578031" y="4325329"/>
+            <a:ext cx="547204" cy="461665"/>
+          </a:xfrm>
+          <a:prstGeom prst="rect">
+            <a:avLst/>
+          </a:prstGeom>
+          <a:solidFill>
+            <a:schemeClr val="tx1"/>
+          </a:solidFill>
+        </p:spPr>
+        <p:txBody>
+          <a:bodyPr wrap="square" rtlCol="0">
+            <a:spAutoFit/>
+          </a:bodyPr>
+          <a:lstStyle/>
+          <a:p>
+            <a:r>
+              <a:rPr lang="en-AU" sz="2400" dirty="0">
+                <a:solidFill>
+                  <a:schemeClr val="bg1"/>
+                </a:solidFill>
+              </a:rPr>
+              <a:t>O4</a:t>
+            </a:r>
+          </a:p>
+        </p:txBody>
+      </p:sp>
+      <p:sp>
+        <p:nvSpPr>
+          <p:cNvPr id="44" name="TextBox 43">
+            <a:extLst>
+              <a:ext uri="{FF2B5EF4-FFF2-40B4-BE49-F238E27FC236}">
+                <a16:creationId xmlns:a16="http://schemas.microsoft.com/office/drawing/2014/main" id="{ED76DF6A-2F54-F447-8ADE-845E9CC87A6B}"/>
+              </a:ext>
+            </a:extLst>
+          </p:cNvPr>
+          <p:cNvSpPr txBox="1"/>
+          <p:nvPr/>
+        </p:nvSpPr>
+        <p:spPr>
+          <a:xfrm>
+            <a:off x="1487793" y="3366023"/>
+            <a:ext cx="843406" cy="463885"/>
+          </a:xfrm>
+          <a:prstGeom prst="rect">
+            <a:avLst/>
+          </a:prstGeom>
+          <a:noFill/>
+        </p:spPr>
+        <p:txBody>
+          <a:bodyPr wrap="square" rtlCol="0">
+            <a:spAutoFit/>
+          </a:bodyPr>
+          <a:lstStyle/>
+          <a:p>
+            <a:r>
+              <a:rPr lang="en-AU" sz="2400" dirty="0">
+                <a:solidFill>
+                  <a:schemeClr val="bg1">
+                    <a:lumMod val="50000"/>
+                  </a:schemeClr>
+                </a:solidFill>
+              </a:rPr>
+              <a:t>O6</a:t>
+            </a:r>
+          </a:p>
+        </p:txBody>
+      </p:sp>
+      <p:sp>
+        <p:nvSpPr>
+          <p:cNvPr id="45" name="TextBox 44">
+            <a:extLst>
+              <a:ext uri="{FF2B5EF4-FFF2-40B4-BE49-F238E27FC236}">
+                <a16:creationId xmlns:a16="http://schemas.microsoft.com/office/drawing/2014/main" id="{2AA289A3-FFF3-9040-A161-C18FA54A9DD6}"/>
+              </a:ext>
+            </a:extLst>
+          </p:cNvPr>
+          <p:cNvSpPr txBox="1"/>
+          <p:nvPr/>
+        </p:nvSpPr>
+        <p:spPr>
+          <a:xfrm>
+            <a:off x="307804" y="2669118"/>
+            <a:ext cx="762342" cy="461665"/>
+          </a:xfrm>
+          <a:prstGeom prst="rect">
+            <a:avLst/>
+          </a:prstGeom>
+          <a:noFill/>
+        </p:spPr>
+        <p:txBody>
+          <a:bodyPr wrap="square" rtlCol="0">
+            <a:spAutoFit/>
+          </a:bodyPr>
+          <a:lstStyle/>
+          <a:p>
+            <a:r>
+              <a:rPr lang="en-AU" sz="2400" dirty="0">
+                <a:solidFill>
+                  <a:schemeClr val="bg1">
+                    <a:lumMod val="50000"/>
+                  </a:schemeClr>
+                </a:solidFill>
+              </a:rPr>
+              <a:t>O7</a:t>
+            </a:r>
+          </a:p>
+        </p:txBody>
+      </p:sp>
+      <p:sp>
+        <p:nvSpPr>
+          <p:cNvPr id="46" name="TextBox 45">
+            <a:extLst>
+              <a:ext uri="{FF2B5EF4-FFF2-40B4-BE49-F238E27FC236}">
+                <a16:creationId xmlns:a16="http://schemas.microsoft.com/office/drawing/2014/main" id="{837A8049-6590-7D4C-92CF-A71FB0211A45}"/>
+              </a:ext>
+            </a:extLst>
+          </p:cNvPr>
+          <p:cNvSpPr txBox="1"/>
+          <p:nvPr/>
+        </p:nvSpPr>
+        <p:spPr>
+          <a:xfrm>
+            <a:off x="1149499" y="5360611"/>
+            <a:ext cx="721268" cy="461665"/>
+          </a:xfrm>
+          <a:prstGeom prst="rect">
+            <a:avLst/>
+          </a:prstGeom>
+          <a:noFill/>
+        </p:spPr>
+        <p:txBody>
+          <a:bodyPr wrap="square" rtlCol="0">
+            <a:spAutoFit/>
+          </a:bodyPr>
+          <a:lstStyle/>
+          <a:p>
+            <a:r>
+              <a:rPr lang="en-AU" sz="2400" dirty="0">
+                <a:solidFill>
+                  <a:srgbClr val="0070C0"/>
+                </a:solidFill>
+              </a:rPr>
+              <a:t>D8</a:t>
+            </a:r>
+          </a:p>
+        </p:txBody>
+      </p:sp>
+      <p:sp>
+        <p:nvSpPr>
+          <p:cNvPr id="47" name="TextBox 46">
+            <a:extLst>
+              <a:ext uri="{FF2B5EF4-FFF2-40B4-BE49-F238E27FC236}">
+                <a16:creationId xmlns:a16="http://schemas.microsoft.com/office/drawing/2014/main" id="{CCF22243-6FE8-EC41-B159-942CB7F07C00}"/>
+              </a:ext>
+            </a:extLst>
+          </p:cNvPr>
+          <p:cNvSpPr txBox="1"/>
+          <p:nvPr/>
+        </p:nvSpPr>
+        <p:spPr>
+          <a:xfrm>
+            <a:off x="1118064" y="4924774"/>
+            <a:ext cx="721268" cy="461665"/>
+          </a:xfrm>
+          <a:prstGeom prst="rect">
+            <a:avLst/>
+          </a:prstGeom>
+          <a:noFill/>
+        </p:spPr>
+        <p:txBody>
+          <a:bodyPr wrap="square" rtlCol="0">
+            <a:spAutoFit/>
+          </a:bodyPr>
+          <a:lstStyle/>
+          <a:p>
+            <a:r>
+              <a:rPr lang="en-AU" sz="2400" dirty="0">
+                <a:solidFill>
+                  <a:srgbClr val="0070C0"/>
+                </a:solidFill>
+              </a:rPr>
+              <a:t>D9</a:t>
+            </a:r>
+          </a:p>
+        </p:txBody>
+      </p:sp>
+      <p:sp>
+        <p:nvSpPr>
+          <p:cNvPr id="48" name="TextBox 47">
+            <a:extLst>
+              <a:ext uri="{FF2B5EF4-FFF2-40B4-BE49-F238E27FC236}">
+                <a16:creationId xmlns:a16="http://schemas.microsoft.com/office/drawing/2014/main" id="{86C9D4C4-44D0-C944-9E8E-3B2426A48A88}"/>
+              </a:ext>
+            </a:extLst>
+          </p:cNvPr>
+          <p:cNvSpPr txBox="1"/>
+          <p:nvPr/>
+        </p:nvSpPr>
+        <p:spPr>
+          <a:xfrm>
+            <a:off x="1017987" y="4528573"/>
+            <a:ext cx="682864" cy="461665"/>
+          </a:xfrm>
+          <a:prstGeom prst="rect">
+            <a:avLst/>
+          </a:prstGeom>
+          <a:noFill/>
+        </p:spPr>
+        <p:txBody>
+          <a:bodyPr wrap="square" rtlCol="0">
+            <a:spAutoFit/>
+          </a:bodyPr>
+          <a:lstStyle/>
+          <a:p>
+            <a:r>
+              <a:rPr lang="en-AU" sz="2400" dirty="0">
+                <a:solidFill>
+                  <a:srgbClr val="0070C0"/>
+                </a:solidFill>
+              </a:rPr>
+              <a:t>D10</a:t>
+            </a:r>
+          </a:p>
+        </p:txBody>
+      </p:sp>
+      <p:sp>
+        <p:nvSpPr>
+          <p:cNvPr id="49" name="TextBox 48">
+            <a:extLst>
+              <a:ext uri="{FF2B5EF4-FFF2-40B4-BE49-F238E27FC236}">
+                <a16:creationId xmlns:a16="http://schemas.microsoft.com/office/drawing/2014/main" id="{8BD7E8C7-8F53-ED4B-8FFE-D850DF56DB0A}"/>
+              </a:ext>
+            </a:extLst>
+          </p:cNvPr>
+          <p:cNvSpPr txBox="1"/>
+          <p:nvPr/>
+        </p:nvSpPr>
+        <p:spPr>
+          <a:xfrm>
+            <a:off x="1010996" y="4292175"/>
+            <a:ext cx="704537" cy="461665"/>
+          </a:xfrm>
+          <a:prstGeom prst="rect">
+            <a:avLst/>
+          </a:prstGeom>
+          <a:noFill/>
+        </p:spPr>
+        <p:txBody>
+          <a:bodyPr wrap="square" rtlCol="0">
+            <a:spAutoFit/>
+          </a:bodyPr>
+          <a:lstStyle/>
+          <a:p>
+            <a:r>
+              <a:rPr lang="en-AU" sz="2400" dirty="0">
+                <a:solidFill>
+                  <a:srgbClr val="0070C0"/>
+                </a:solidFill>
+              </a:rPr>
+              <a:t>D11</a:t>
+            </a:r>
+          </a:p>
+        </p:txBody>
+      </p:sp>
+      <p:sp>
+        <p:nvSpPr>
+          <p:cNvPr id="50" name="TextBox 49">
+            <a:extLst>
+              <a:ext uri="{FF2B5EF4-FFF2-40B4-BE49-F238E27FC236}">
+                <a16:creationId xmlns:a16="http://schemas.microsoft.com/office/drawing/2014/main" id="{9B50AAF5-E2C8-8C47-BB34-7CF21FC3A939}"/>
+              </a:ext>
+            </a:extLst>
+          </p:cNvPr>
+          <p:cNvSpPr txBox="1"/>
+          <p:nvPr/>
+        </p:nvSpPr>
+        <p:spPr>
+          <a:xfrm>
+            <a:off x="2437813" y="3533870"/>
+            <a:ext cx="703537" cy="461665"/>
+          </a:xfrm>
+          <a:prstGeom prst="rect">
+            <a:avLst/>
+          </a:prstGeom>
+          <a:noFill/>
+        </p:spPr>
+        <p:txBody>
+          <a:bodyPr wrap="square" rtlCol="0">
+            <a:spAutoFit/>
+          </a:bodyPr>
+          <a:lstStyle/>
+          <a:p>
+            <a:r>
+              <a:rPr lang="en-AU" sz="2400" dirty="0">
+                <a:solidFill>
+                  <a:srgbClr val="0070C0"/>
+                </a:solidFill>
+              </a:rPr>
+              <a:t>D12</a:t>
+            </a:r>
+          </a:p>
+        </p:txBody>
+      </p:sp>
+      <p:sp>
+        <p:nvSpPr>
+          <p:cNvPr id="51" name="TextBox 50">
+            <a:extLst>
+              <a:ext uri="{FF2B5EF4-FFF2-40B4-BE49-F238E27FC236}">
+                <a16:creationId xmlns:a16="http://schemas.microsoft.com/office/drawing/2014/main" id="{92E484C6-77CC-ED41-A22D-A89845F770A5}"/>
+              </a:ext>
+            </a:extLst>
+          </p:cNvPr>
+          <p:cNvSpPr txBox="1"/>
+          <p:nvPr/>
+        </p:nvSpPr>
+        <p:spPr>
+          <a:xfrm>
+            <a:off x="1640550" y="3821721"/>
+            <a:ext cx="731983" cy="461665"/>
+          </a:xfrm>
+          <a:prstGeom prst="rect">
+            <a:avLst/>
+          </a:prstGeom>
+          <a:noFill/>
+        </p:spPr>
+        <p:txBody>
+          <a:bodyPr wrap="square" rtlCol="0">
+            <a:spAutoFit/>
+          </a:bodyPr>
+          <a:lstStyle/>
+          <a:p>
+            <a:r>
+              <a:rPr lang="en-AU" sz="2400" dirty="0">
+                <a:solidFill>
+                  <a:srgbClr val="0070C0"/>
+                </a:solidFill>
+              </a:rPr>
+              <a:t>D13</a:t>
+            </a:r>
+          </a:p>
+        </p:txBody>
+      </p:sp>
+      <p:sp>
+        <p:nvSpPr>
+          <p:cNvPr id="52" name="TextBox 51">
+            <a:extLst>
+              <a:ext uri="{FF2B5EF4-FFF2-40B4-BE49-F238E27FC236}">
+                <a16:creationId xmlns:a16="http://schemas.microsoft.com/office/drawing/2014/main" id="{12662D9B-166C-F641-904E-8CCCEF4D6E57}"/>
+              </a:ext>
+            </a:extLst>
+          </p:cNvPr>
+          <p:cNvSpPr txBox="1"/>
+          <p:nvPr/>
+        </p:nvSpPr>
+        <p:spPr>
+          <a:xfrm>
+            <a:off x="720743" y="2927659"/>
+            <a:ext cx="948581" cy="461665"/>
+          </a:xfrm>
+          <a:prstGeom prst="rect">
+            <a:avLst/>
+          </a:prstGeom>
+          <a:noFill/>
+        </p:spPr>
+        <p:txBody>
+          <a:bodyPr wrap="square" rtlCol="0">
+            <a:spAutoFit/>
+          </a:bodyPr>
+          <a:lstStyle/>
+          <a:p>
+            <a:r>
+              <a:rPr lang="en-AU" sz="2400" dirty="0">
+                <a:solidFill>
+                  <a:srgbClr val="0070C0"/>
+                </a:solidFill>
+              </a:rPr>
+              <a:t>D14</a:t>
+            </a:r>
+          </a:p>
+        </p:txBody>
+      </p:sp>
+      <p:cxnSp>
+        <p:nvCxnSpPr>
+          <p:cNvPr id="53" name="Straight Connector 52">
+            <a:extLst>
+              <a:ext uri="{FF2B5EF4-FFF2-40B4-BE49-F238E27FC236}">
+                <a16:creationId xmlns:a16="http://schemas.microsoft.com/office/drawing/2014/main" id="{C0CAE4EA-6601-F843-8A15-88136AE40C4F}"/>
+              </a:ext>
+            </a:extLst>
+          </p:cNvPr>
+          <p:cNvCxnSpPr>
+            <a:cxnSpLocks/>
+          </p:cNvCxnSpPr>
+          <p:nvPr/>
+        </p:nvCxnSpPr>
+        <p:spPr>
+          <a:xfrm>
+            <a:off x="1206727" y="2425803"/>
+            <a:ext cx="985375" cy="0"/>
+          </a:xfrm>
+          <a:prstGeom prst="line">
+            <a:avLst/>
+          </a:prstGeom>
+          <a:ln w="60325">
+            <a:headEnd type="stealth" w="lg" len="lg"/>
+          </a:ln>
+        </p:spPr>
+        <p:style>
+          <a:lnRef idx="1">
+            <a:schemeClr val="accent1"/>
+          </a:lnRef>
+          <a:fillRef idx="0">
+            <a:schemeClr val="accent1"/>
+          </a:fillRef>
+          <a:effectRef idx="0">
+            <a:schemeClr val="accent1"/>
+          </a:effectRef>
+          <a:fontRef idx="minor">
+            <a:schemeClr val="tx1"/>
+          </a:fontRef>
+        </p:style>
+      </p:cxnSp>
+      <p:sp>
+        <p:nvSpPr>
+          <p:cNvPr id="54" name="TextBox 53">
+            <a:extLst>
+              <a:ext uri="{FF2B5EF4-FFF2-40B4-BE49-F238E27FC236}">
+                <a16:creationId xmlns:a16="http://schemas.microsoft.com/office/drawing/2014/main" id="{41B37537-C16A-0E4C-AE45-7A4121CD5FD5}"/>
+              </a:ext>
+            </a:extLst>
+          </p:cNvPr>
+          <p:cNvSpPr txBox="1"/>
+          <p:nvPr/>
+        </p:nvSpPr>
+        <p:spPr>
+          <a:xfrm>
+            <a:off x="866654" y="2446200"/>
+            <a:ext cx="2600940" cy="461665"/>
+          </a:xfrm>
+          <a:prstGeom prst="rect">
+            <a:avLst/>
+          </a:prstGeom>
+          <a:noFill/>
+        </p:spPr>
+        <p:txBody>
+          <a:bodyPr wrap="square" rtlCol="0">
+            <a:spAutoFit/>
+          </a:bodyPr>
+          <a:lstStyle/>
+          <a:p>
+            <a:r>
+              <a:rPr lang="en-AU" sz="2400" dirty="0">
+                <a:solidFill>
+                  <a:srgbClr val="0070C0"/>
+                </a:solidFill>
+              </a:rPr>
+              <a:t>Forehand (R) force</a:t>
+            </a:r>
+          </a:p>
+        </p:txBody>
+      </p:sp>
+      <p:sp>
+        <p:nvSpPr>
+          <p:cNvPr id="55" name="Oval 54">
+            <a:extLst>
+              <a:ext uri="{FF2B5EF4-FFF2-40B4-BE49-F238E27FC236}">
+                <a16:creationId xmlns:a16="http://schemas.microsoft.com/office/drawing/2014/main" id="{DBE4C896-811B-1442-894E-17EEF5BA6743}"/>
+              </a:ext>
+            </a:extLst>
+          </p:cNvPr>
+          <p:cNvSpPr/>
+          <p:nvPr/>
+        </p:nvSpPr>
+        <p:spPr>
+          <a:xfrm>
+            <a:off x="1478698" y="3713388"/>
+            <a:ext cx="180000" cy="180000"/>
+          </a:xfrm>
+          <a:prstGeom prst="ellipse">
+            <a:avLst/>
+          </a:prstGeom>
+          <a:solidFill>
+            <a:schemeClr val="tx1"/>
+          </a:solidFill>
+        </p:spPr>
+        <p:style>
+          <a:lnRef idx="2">
+            <a:schemeClr val="accent1">
+              <a:shade val="50000"/>
+            </a:schemeClr>
+          </a:lnRef>
+          <a:fillRef idx="1">
+            <a:schemeClr val="accent1"/>
+          </a:fillRef>
+          <a:effectRef idx="0">
+            <a:schemeClr val="accent1"/>
+          </a:effectRef>
+          <a:fontRef idx="minor">
+            <a:schemeClr val="lt1"/>
+          </a:fontRef>
+        </p:style>
+        <p:txBody>
+          <a:bodyPr rtlCol="0" anchor="ctr"/>
+          <a:lstStyle/>
+          <a:p>
+            <a:pPr algn="ctr"/>
+            <a:endParaRPr lang="en-AU" sz="2400"/>
+          </a:p>
+        </p:txBody>
+      </p:sp>
+      <p:cxnSp>
+        <p:nvCxnSpPr>
+          <p:cNvPr id="3" name="Straight Connector 2">
+            <a:extLst>
+              <a:ext uri="{FF2B5EF4-FFF2-40B4-BE49-F238E27FC236}">
+                <a16:creationId xmlns:a16="http://schemas.microsoft.com/office/drawing/2014/main" id="{031E29B2-EDF1-2844-8555-32D02A37961D}"/>
+              </a:ext>
+            </a:extLst>
+          </p:cNvPr>
+          <p:cNvCxnSpPr>
+            <a:cxnSpLocks/>
+          </p:cNvCxnSpPr>
+          <p:nvPr/>
+        </p:nvCxnSpPr>
+        <p:spPr>
+          <a:xfrm>
+            <a:off x="88823" y="6469056"/>
+            <a:ext cx="3238092" cy="0"/>
+          </a:xfrm>
+          <a:prstGeom prst="line">
+            <a:avLst/>
+          </a:prstGeom>
+          <a:ln w="38100">
+            <a:solidFill>
+              <a:srgbClr val="FF0000"/>
+            </a:solidFill>
+            <a:prstDash val="sysDash"/>
+          </a:ln>
+        </p:spPr>
+        <p:style>
+          <a:lnRef idx="1">
+            <a:schemeClr val="accent1"/>
+          </a:lnRef>
+          <a:fillRef idx="0">
+            <a:schemeClr val="accent1"/>
+          </a:fillRef>
+          <a:effectRef idx="0">
+            <a:schemeClr val="accent1"/>
+          </a:effectRef>
+          <a:fontRef idx="minor">
+            <a:schemeClr val="tx1"/>
+          </a:fontRef>
+        </p:style>
+      </p:cxnSp>
+      <p:cxnSp>
+        <p:nvCxnSpPr>
+          <p:cNvPr id="40" name="Straight Connector 39">
+            <a:extLst>
+              <a:ext uri="{FF2B5EF4-FFF2-40B4-BE49-F238E27FC236}">
+                <a16:creationId xmlns:a16="http://schemas.microsoft.com/office/drawing/2014/main" id="{BA59D39E-288A-D44B-A057-2D4BCECFF1EF}"/>
+              </a:ext>
+            </a:extLst>
+          </p:cNvPr>
+          <p:cNvCxnSpPr>
+            <a:cxnSpLocks/>
+          </p:cNvCxnSpPr>
+          <p:nvPr/>
+        </p:nvCxnSpPr>
+        <p:spPr>
+          <a:xfrm flipV="1">
+            <a:off x="85045" y="4191053"/>
+            <a:ext cx="3240000" cy="0"/>
+          </a:xfrm>
+          <a:prstGeom prst="line">
+            <a:avLst/>
+          </a:prstGeom>
+          <a:ln w="38100">
+            <a:solidFill>
+              <a:schemeClr val="accent2"/>
+            </a:solidFill>
+            <a:prstDash val="sysDash"/>
+          </a:ln>
+        </p:spPr>
+        <p:style>
+          <a:lnRef idx="1">
+            <a:schemeClr val="accent1"/>
+          </a:lnRef>
+          <a:fillRef idx="0">
+            <a:schemeClr val="accent1"/>
+          </a:fillRef>
+          <a:effectRef idx="0">
+            <a:schemeClr val="accent1"/>
+          </a:effectRef>
+          <a:fontRef idx="minor">
+            <a:schemeClr val="tx1"/>
+          </a:fontRef>
+        </p:style>
+      </p:cxnSp>
+      <p:sp>
+        <p:nvSpPr>
+          <p:cNvPr id="14" name="Arc 13">
+            <a:extLst>
+              <a:ext uri="{FF2B5EF4-FFF2-40B4-BE49-F238E27FC236}">
+                <a16:creationId xmlns:a16="http://schemas.microsoft.com/office/drawing/2014/main" id="{07F18301-8FA4-1B43-8330-24957292427E}"/>
+              </a:ext>
+            </a:extLst>
+          </p:cNvPr>
+          <p:cNvSpPr/>
+          <p:nvPr/>
+        </p:nvSpPr>
+        <p:spPr>
+          <a:xfrm rot="19454438" flipH="1">
+            <a:off x="3960522" y="2543038"/>
+            <a:ext cx="3433966" cy="15317356"/>
+          </a:xfrm>
+          <a:prstGeom prst="arc">
+            <a:avLst>
+              <a:gd name="adj1" fmla="val 16131872"/>
+              <a:gd name="adj2" fmla="val 17895821"/>
+            </a:avLst>
+          </a:prstGeom>
+          <a:ln w="82550">
+            <a:solidFill>
+              <a:schemeClr val="tx1"/>
+            </a:solidFill>
+            <a:prstDash val="sysDot"/>
+            <a:tailEnd type="stealth"/>
+          </a:ln>
+        </p:spPr>
+        <p:style>
+          <a:lnRef idx="1">
+            <a:schemeClr val="accent1"/>
+          </a:lnRef>
+          <a:fillRef idx="0">
+            <a:schemeClr val="accent1"/>
+          </a:fillRef>
+          <a:effectRef idx="0">
+            <a:schemeClr val="accent1"/>
+          </a:effectRef>
+          <a:fontRef idx="minor">
+            <a:schemeClr val="tx1"/>
+          </a:fontRef>
+        </p:style>
+        <p:txBody>
+          <a:bodyPr rtlCol="0" anchor="ctr"/>
+          <a:lstStyle/>
+          <a:p>
+            <a:pPr algn="ctr"/>
+            <a:endParaRPr lang="en-AU"/>
+          </a:p>
+        </p:txBody>
+      </p:sp>
+      <p:cxnSp>
+        <p:nvCxnSpPr>
+          <p:cNvPr id="16" name="Straight Arrow Connector 15">
+            <a:extLst>
+              <a:ext uri="{FF2B5EF4-FFF2-40B4-BE49-F238E27FC236}">
+                <a16:creationId xmlns:a16="http://schemas.microsoft.com/office/drawing/2014/main" id="{0CEAF748-506B-B94F-B3FE-D7D0E4F26EDC}"/>
+              </a:ext>
+            </a:extLst>
+          </p:cNvPr>
+          <p:cNvCxnSpPr>
+            <a:cxnSpLocks/>
+            <a:stCxn id="38" idx="2"/>
+          </p:cNvCxnSpPr>
+          <p:nvPr/>
+        </p:nvCxnSpPr>
+        <p:spPr>
+          <a:xfrm flipH="1">
+            <a:off x="1062536" y="5645176"/>
+            <a:ext cx="797750" cy="779536"/>
+          </a:xfrm>
+          <a:prstGeom prst="straightConnector1">
+            <a:avLst/>
+          </a:prstGeom>
+          <a:ln w="60325">
+            <a:solidFill>
+              <a:schemeClr val="bg1">
+                <a:lumMod val="50000"/>
+              </a:schemeClr>
+            </a:solidFill>
+            <a:tailEnd type="triangle"/>
+          </a:ln>
+        </p:spPr>
+        <p:style>
+          <a:lnRef idx="1">
+            <a:schemeClr val="accent1"/>
+          </a:lnRef>
+          <a:fillRef idx="0">
+            <a:schemeClr val="accent1"/>
+          </a:fillRef>
+          <a:effectRef idx="0">
+            <a:schemeClr val="accent1"/>
+          </a:effectRef>
+          <a:fontRef idx="minor">
+            <a:schemeClr val="tx1"/>
+          </a:fontRef>
+        </p:style>
+      </p:cxnSp>
+      <p:cxnSp>
+        <p:nvCxnSpPr>
+          <p:cNvPr id="58" name="Straight Arrow Connector 57">
+            <a:extLst>
+              <a:ext uri="{FF2B5EF4-FFF2-40B4-BE49-F238E27FC236}">
+                <a16:creationId xmlns:a16="http://schemas.microsoft.com/office/drawing/2014/main" id="{406FBF08-494E-6141-9B69-47ECBE1B51D1}"/>
+              </a:ext>
+            </a:extLst>
+          </p:cNvPr>
+          <p:cNvCxnSpPr>
+            <a:cxnSpLocks/>
+            <a:endCxn id="64" idx="2"/>
+          </p:cNvCxnSpPr>
+          <p:nvPr/>
+        </p:nvCxnSpPr>
+        <p:spPr>
+          <a:xfrm flipH="1" flipV="1">
+            <a:off x="844216" y="5218026"/>
+            <a:ext cx="237145" cy="1023242"/>
+          </a:xfrm>
+          <a:prstGeom prst="straightConnector1">
+            <a:avLst/>
+          </a:prstGeom>
+          <a:ln w="60325">
+            <a:solidFill>
+              <a:schemeClr val="bg1">
+                <a:lumMod val="50000"/>
+              </a:schemeClr>
+            </a:solidFill>
+            <a:tailEnd type="triangle"/>
+          </a:ln>
+        </p:spPr>
+        <p:style>
+          <a:lnRef idx="1">
+            <a:schemeClr val="accent1"/>
+          </a:lnRef>
+          <a:fillRef idx="0">
+            <a:schemeClr val="accent1"/>
+          </a:fillRef>
+          <a:effectRef idx="0">
+            <a:schemeClr val="accent1"/>
+          </a:effectRef>
+          <a:fontRef idx="minor">
+            <a:schemeClr val="tx1"/>
+          </a:fontRef>
+        </p:style>
+      </p:cxnSp>
+      <p:cxnSp>
+        <p:nvCxnSpPr>
+          <p:cNvPr id="59" name="Straight Arrow Connector 58">
+            <a:extLst>
+              <a:ext uri="{FF2B5EF4-FFF2-40B4-BE49-F238E27FC236}">
+                <a16:creationId xmlns:a16="http://schemas.microsoft.com/office/drawing/2014/main" id="{6EC0D66B-9843-3744-A9B0-3173F73404E2}"/>
+              </a:ext>
+            </a:extLst>
+          </p:cNvPr>
+          <p:cNvCxnSpPr>
+            <a:cxnSpLocks/>
+            <a:stCxn id="42" idx="3"/>
+          </p:cNvCxnSpPr>
+          <p:nvPr/>
+        </p:nvCxnSpPr>
+        <p:spPr>
+          <a:xfrm flipV="1">
+            <a:off x="2125235" y="4350198"/>
+            <a:ext cx="396997" cy="205964"/>
+          </a:xfrm>
+          <a:prstGeom prst="straightConnector1">
+            <a:avLst/>
+          </a:prstGeom>
+          <a:ln w="60325">
+            <a:solidFill>
+              <a:schemeClr val="tx1"/>
+            </a:solidFill>
+            <a:tailEnd type="triangle"/>
+          </a:ln>
+        </p:spPr>
+        <p:style>
+          <a:lnRef idx="1">
+            <a:schemeClr val="accent1"/>
+          </a:lnRef>
+          <a:fillRef idx="0">
+            <a:schemeClr val="accent1"/>
+          </a:fillRef>
+          <a:effectRef idx="0">
+            <a:schemeClr val="accent1"/>
+          </a:effectRef>
+          <a:fontRef idx="minor">
+            <a:schemeClr val="tx1"/>
+          </a:fontRef>
+        </p:style>
+      </p:cxnSp>
+      <p:cxnSp>
+        <p:nvCxnSpPr>
+          <p:cNvPr id="61" name="Straight Arrow Connector 60">
+            <a:extLst>
+              <a:ext uri="{FF2B5EF4-FFF2-40B4-BE49-F238E27FC236}">
+                <a16:creationId xmlns:a16="http://schemas.microsoft.com/office/drawing/2014/main" id="{B3D26F08-CF4C-454E-B5EA-9710B2908D13}"/>
+              </a:ext>
+            </a:extLst>
+          </p:cNvPr>
+          <p:cNvCxnSpPr>
+            <a:cxnSpLocks/>
+          </p:cNvCxnSpPr>
+          <p:nvPr/>
+        </p:nvCxnSpPr>
+        <p:spPr>
+          <a:xfrm>
+            <a:off x="2697969" y="4863689"/>
+            <a:ext cx="59694" cy="1647504"/>
+          </a:xfrm>
+          <a:prstGeom prst="straightConnector1">
+            <a:avLst/>
+          </a:prstGeom>
+          <a:ln w="60325">
+            <a:solidFill>
+              <a:schemeClr val="tx1"/>
+            </a:solidFill>
+            <a:tailEnd type="triangle"/>
+          </a:ln>
+        </p:spPr>
+        <p:style>
+          <a:lnRef idx="1">
+            <a:schemeClr val="accent1"/>
+          </a:lnRef>
+          <a:fillRef idx="0">
+            <a:schemeClr val="accent1"/>
+          </a:fillRef>
+          <a:effectRef idx="0">
+            <a:schemeClr val="accent1"/>
+          </a:effectRef>
+          <a:fontRef idx="minor">
+            <a:schemeClr val="tx1"/>
+          </a:fontRef>
+        </p:style>
+      </p:cxnSp>
+      <p:sp>
+        <p:nvSpPr>
+          <p:cNvPr id="60" name="TextBox 59">
+            <a:extLst>
+              <a:ext uri="{FF2B5EF4-FFF2-40B4-BE49-F238E27FC236}">
+                <a16:creationId xmlns:a16="http://schemas.microsoft.com/office/drawing/2014/main" id="{140BE47E-FBE0-184D-B45A-5A650C1EE96C}"/>
+              </a:ext>
+            </a:extLst>
+          </p:cNvPr>
+          <p:cNvSpPr txBox="1"/>
+          <p:nvPr/>
+        </p:nvSpPr>
+        <p:spPr>
+          <a:xfrm>
+            <a:off x="2765584" y="8721484"/>
+            <a:ext cx="404594" cy="461665"/>
+          </a:xfrm>
+          <a:prstGeom prst="rect">
+            <a:avLst/>
+          </a:prstGeom>
+          <a:solidFill>
+            <a:schemeClr val="bg1">
+              <a:lumMod val="50000"/>
+            </a:schemeClr>
+          </a:solidFill>
+        </p:spPr>
+        <p:txBody>
+          <a:bodyPr wrap="square" rtlCol="0">
+            <a:spAutoFit/>
+          </a:bodyPr>
+          <a:lstStyle/>
+          <a:p>
+            <a:pPr algn="ctr"/>
+            <a:r>
+              <a:rPr lang="en-AU" sz="2400" dirty="0">
+                <a:solidFill>
+                  <a:schemeClr val="bg1"/>
+                </a:solidFill>
+              </a:rPr>
+              <a:t>A</a:t>
+            </a:r>
+          </a:p>
+        </p:txBody>
+      </p:sp>
+      <p:sp>
+        <p:nvSpPr>
+          <p:cNvPr id="63" name="TextBox 62">
+            <a:extLst>
+              <a:ext uri="{FF2B5EF4-FFF2-40B4-BE49-F238E27FC236}">
+                <a16:creationId xmlns:a16="http://schemas.microsoft.com/office/drawing/2014/main" id="{C0519DCF-376B-6D4A-AACF-E6FB88DE9D60}"/>
+              </a:ext>
+            </a:extLst>
+          </p:cNvPr>
+          <p:cNvSpPr txBox="1"/>
+          <p:nvPr/>
+        </p:nvSpPr>
+        <p:spPr>
+          <a:xfrm>
+            <a:off x="204104" y="8721484"/>
+            <a:ext cx="435536" cy="466759"/>
+          </a:xfrm>
+          <a:prstGeom prst="rect">
+            <a:avLst/>
+          </a:prstGeom>
+          <a:solidFill>
+            <a:schemeClr val="bg1">
+              <a:lumMod val="50000"/>
+            </a:schemeClr>
+          </a:solidFill>
+        </p:spPr>
+        <p:txBody>
+          <a:bodyPr wrap="square" rtlCol="0">
+            <a:spAutoFit/>
+          </a:bodyPr>
+          <a:lstStyle/>
+          <a:p>
+            <a:pPr algn="ctr"/>
+            <a:r>
+              <a:rPr lang="en-AU" sz="2400" dirty="0">
+                <a:solidFill>
+                  <a:schemeClr val="bg1"/>
+                </a:solidFill>
+              </a:rPr>
+              <a:t>B</a:t>
+            </a:r>
+          </a:p>
+        </p:txBody>
+      </p:sp>
+      <p:sp>
+        <p:nvSpPr>
+          <p:cNvPr id="64" name="TextBox 63">
+            <a:extLst>
+              <a:ext uri="{FF2B5EF4-FFF2-40B4-BE49-F238E27FC236}">
+                <a16:creationId xmlns:a16="http://schemas.microsoft.com/office/drawing/2014/main" id="{22EF1F8D-493C-A447-8C3D-55D34CC89E53}"/>
+              </a:ext>
+            </a:extLst>
+          </p:cNvPr>
+          <p:cNvSpPr txBox="1"/>
+          <p:nvPr/>
+        </p:nvSpPr>
+        <p:spPr>
+          <a:xfrm>
+            <a:off x="639640" y="4756361"/>
+            <a:ext cx="409152" cy="461665"/>
+          </a:xfrm>
+          <a:prstGeom prst="rect">
+            <a:avLst/>
+          </a:prstGeom>
+          <a:solidFill>
+            <a:schemeClr val="bg1">
+              <a:lumMod val="50000"/>
+            </a:schemeClr>
+          </a:solidFill>
+        </p:spPr>
+        <p:txBody>
+          <a:bodyPr wrap="square" rtlCol="0">
+            <a:spAutoFit/>
+          </a:bodyPr>
+          <a:lstStyle/>
+          <a:p>
+            <a:pPr algn="ctr"/>
+            <a:r>
+              <a:rPr lang="en-AU" sz="2400" dirty="0">
+                <a:solidFill>
+                  <a:schemeClr val="bg1"/>
+                </a:solidFill>
+              </a:rPr>
+              <a:t>C</a:t>
+            </a:r>
+          </a:p>
+        </p:txBody>
+      </p:sp>
+      <p:sp>
+        <p:nvSpPr>
+          <p:cNvPr id="65" name="TextBox 64">
+            <a:extLst>
+              <a:ext uri="{FF2B5EF4-FFF2-40B4-BE49-F238E27FC236}">
+                <a16:creationId xmlns:a16="http://schemas.microsoft.com/office/drawing/2014/main" id="{8C7B22FA-220F-7844-AC1D-35303421D309}"/>
+              </a:ext>
+            </a:extLst>
+          </p:cNvPr>
+          <p:cNvSpPr txBox="1"/>
+          <p:nvPr/>
+        </p:nvSpPr>
+        <p:spPr>
+          <a:xfrm>
+            <a:off x="2674832" y="3304892"/>
+            <a:ext cx="609575" cy="461665"/>
+          </a:xfrm>
+          <a:prstGeom prst="rect">
+            <a:avLst/>
+          </a:prstGeom>
+          <a:noFill/>
+        </p:spPr>
+        <p:txBody>
+          <a:bodyPr wrap="square" rtlCol="0">
+            <a:spAutoFit/>
+          </a:bodyPr>
+          <a:lstStyle/>
+          <a:p>
+            <a:r>
+              <a:rPr lang="en-AU" sz="2400" dirty="0">
+                <a:solidFill>
+                  <a:schemeClr val="bg1">
+                    <a:lumMod val="50000"/>
+                  </a:schemeClr>
+                </a:solidFill>
+              </a:rPr>
+              <a:t>O5</a:t>
+            </a:r>
+          </a:p>
+        </p:txBody>
+      </p:sp>
+      <p:sp>
+        <p:nvSpPr>
+          <p:cNvPr id="101" name="TextBox 100">
+            <a:extLst>
+              <a:ext uri="{FF2B5EF4-FFF2-40B4-BE49-F238E27FC236}">
+                <a16:creationId xmlns:a16="http://schemas.microsoft.com/office/drawing/2014/main" id="{C3ECBA09-5688-454E-8D0D-82362D9DD321}"/>
+              </a:ext>
+            </a:extLst>
+          </p:cNvPr>
+          <p:cNvSpPr txBox="1"/>
+          <p:nvPr/>
+        </p:nvSpPr>
+        <p:spPr>
+          <a:xfrm>
+            <a:off x="2488493" y="4369673"/>
+            <a:ext cx="420691" cy="461665"/>
+          </a:xfrm>
+          <a:prstGeom prst="rect">
+            <a:avLst/>
+          </a:prstGeom>
+          <a:solidFill>
+            <a:schemeClr val="bg1">
+              <a:lumMod val="50000"/>
+            </a:schemeClr>
+          </a:solidFill>
+        </p:spPr>
+        <p:txBody>
+          <a:bodyPr wrap="square" rtlCol="0">
+            <a:spAutoFit/>
+          </a:bodyPr>
+          <a:lstStyle/>
+          <a:p>
+            <a:pPr algn="ctr"/>
+            <a:r>
+              <a:rPr lang="en-AU" sz="2400" dirty="0">
+                <a:solidFill>
+                  <a:schemeClr val="bg1"/>
+                </a:solidFill>
+              </a:rPr>
+              <a:t>D</a:t>
+            </a:r>
+          </a:p>
+        </p:txBody>
+      </p:sp>
+      <p:cxnSp>
+        <p:nvCxnSpPr>
+          <p:cNvPr id="43" name="Straight Connector 42">
+            <a:extLst>
+              <a:ext uri="{FF2B5EF4-FFF2-40B4-BE49-F238E27FC236}">
+                <a16:creationId xmlns:a16="http://schemas.microsoft.com/office/drawing/2014/main" id="{BCCC503D-A2C8-174C-9ED5-2864A80A645A}"/>
+              </a:ext>
+            </a:extLst>
+          </p:cNvPr>
+          <p:cNvCxnSpPr>
+            <a:cxnSpLocks/>
+          </p:cNvCxnSpPr>
+          <p:nvPr/>
+        </p:nvCxnSpPr>
+        <p:spPr>
+          <a:xfrm flipV="1">
+            <a:off x="3395954" y="5390998"/>
+            <a:ext cx="3240000" cy="0"/>
+          </a:xfrm>
+          <a:prstGeom prst="line">
+            <a:avLst/>
+          </a:prstGeom>
+          <a:ln w="38100">
+            <a:solidFill>
+              <a:schemeClr val="accent2"/>
+            </a:solidFill>
+            <a:prstDash val="sysDash"/>
+          </a:ln>
+        </p:spPr>
+        <p:style>
+          <a:lnRef idx="1">
+            <a:schemeClr val="accent1"/>
+          </a:lnRef>
+          <a:fillRef idx="0">
+            <a:schemeClr val="accent1"/>
+          </a:fillRef>
+          <a:effectRef idx="0">
+            <a:schemeClr val="accent1"/>
+          </a:effectRef>
+          <a:fontRef idx="minor">
+            <a:schemeClr val="tx1"/>
+          </a:fontRef>
+        </p:style>
+      </p:cxnSp>
+      <p:cxnSp>
+        <p:nvCxnSpPr>
+          <p:cNvPr id="66" name="Straight Connector 65">
+            <a:extLst>
+              <a:ext uri="{FF2B5EF4-FFF2-40B4-BE49-F238E27FC236}">
+                <a16:creationId xmlns:a16="http://schemas.microsoft.com/office/drawing/2014/main" id="{2F0B4B13-EFDE-FC4E-BA8C-7C498896DAB0}"/>
+              </a:ext>
+            </a:extLst>
+          </p:cNvPr>
+          <p:cNvCxnSpPr>
+            <a:cxnSpLocks/>
+          </p:cNvCxnSpPr>
+          <p:nvPr/>
+        </p:nvCxnSpPr>
+        <p:spPr>
+          <a:xfrm>
+            <a:off x="3399732" y="7527107"/>
+            <a:ext cx="3238092" cy="0"/>
+          </a:xfrm>
+          <a:prstGeom prst="line">
+            <a:avLst/>
+          </a:prstGeom>
+          <a:ln w="38100">
+            <a:solidFill>
+              <a:srgbClr val="FF0000"/>
+            </a:solidFill>
+            <a:prstDash val="sysDash"/>
+          </a:ln>
+        </p:spPr>
+        <p:style>
+          <a:lnRef idx="1">
+            <a:schemeClr val="accent1"/>
+          </a:lnRef>
+          <a:fillRef idx="0">
+            <a:schemeClr val="accent1"/>
+          </a:fillRef>
+          <a:effectRef idx="0">
+            <a:schemeClr val="accent1"/>
+          </a:effectRef>
+          <a:fontRef idx="minor">
+            <a:schemeClr val="tx1"/>
+          </a:fontRef>
+        </p:style>
+      </p:cxnSp>
+      <p:sp>
+        <p:nvSpPr>
+          <p:cNvPr id="67" name="Rounded Rectangle 66">
+            <a:extLst>
+              <a:ext uri="{FF2B5EF4-FFF2-40B4-BE49-F238E27FC236}">
+                <a16:creationId xmlns:a16="http://schemas.microsoft.com/office/drawing/2014/main" id="{E2C7F311-B228-7B41-BF71-A3981E031741}"/>
+              </a:ext>
+            </a:extLst>
+          </p:cNvPr>
+          <p:cNvSpPr>
+            <a:spLocks noChangeAspect="1"/>
+          </p:cNvSpPr>
+          <p:nvPr/>
+        </p:nvSpPr>
+        <p:spPr>
+          <a:xfrm>
+            <a:off x="3287445" y="7708143"/>
+            <a:ext cx="3240000" cy="1576217"/>
+          </a:xfrm>
+          <a:prstGeom prst="roundRect">
+            <a:avLst/>
+          </a:prstGeom>
+          <a:solidFill>
+            <a:srgbClr val="00B050"/>
+          </a:solidFill>
+          <a:ln w="38100">
+            <a:solidFill>
+              <a:schemeClr val="tx1"/>
+            </a:solidFill>
+          </a:ln>
+        </p:spPr>
+        <p:style>
+          <a:lnRef idx="2">
+            <a:schemeClr val="accent1">
+              <a:shade val="50000"/>
+            </a:schemeClr>
+          </a:lnRef>
+          <a:fillRef idx="1">
+            <a:schemeClr val="accent1"/>
+          </a:fillRef>
+          <a:effectRef idx="0">
+            <a:schemeClr val="accent1"/>
+          </a:effectRef>
+          <a:fontRef idx="minor">
+            <a:schemeClr val="lt1"/>
+          </a:fontRef>
+        </p:style>
+        <p:txBody>
+          <a:bodyPr rtlCol="0" anchor="ctr"/>
+          <a:lstStyle/>
+          <a:p>
+            <a:pPr algn="ctr"/>
+            <a:endParaRPr lang="en-AU"/>
+          </a:p>
+        </p:txBody>
+      </p:sp>
+      <p:sp>
+        <p:nvSpPr>
+          <p:cNvPr id="68" name="Rounded Rectangle 67">
+            <a:extLst>
+              <a:ext uri="{FF2B5EF4-FFF2-40B4-BE49-F238E27FC236}">
+                <a16:creationId xmlns:a16="http://schemas.microsoft.com/office/drawing/2014/main" id="{CCCEF8AF-CBE8-3645-BBDB-BA1111B52A1A}"/>
+              </a:ext>
+            </a:extLst>
+          </p:cNvPr>
+          <p:cNvSpPr>
+            <a:spLocks noChangeAspect="1"/>
+          </p:cNvSpPr>
+          <p:nvPr/>
+        </p:nvSpPr>
+        <p:spPr>
+          <a:xfrm>
+            <a:off x="3388168" y="520745"/>
+            <a:ext cx="3240000" cy="1576217"/>
+          </a:xfrm>
+          <a:prstGeom prst="roundRect">
+            <a:avLst/>
+          </a:prstGeom>
+          <a:solidFill>
+            <a:srgbClr val="FF0000"/>
+          </a:solidFill>
+          <a:ln w="38100">
+            <a:solidFill>
+              <a:schemeClr val="tx1"/>
+            </a:solidFill>
+          </a:ln>
+        </p:spPr>
+        <p:style>
+          <a:lnRef idx="2">
+            <a:schemeClr val="accent1">
+              <a:shade val="50000"/>
+            </a:schemeClr>
+          </a:lnRef>
+          <a:fillRef idx="1">
+            <a:schemeClr val="accent1"/>
+          </a:fillRef>
+          <a:effectRef idx="0">
+            <a:schemeClr val="accent1"/>
+          </a:effectRef>
+          <a:fontRef idx="minor">
+            <a:schemeClr val="lt1"/>
+          </a:fontRef>
+        </p:style>
+        <p:txBody>
+          <a:bodyPr rtlCol="0" anchor="ctr"/>
+          <a:lstStyle/>
+          <a:p>
+            <a:pPr algn="ctr"/>
+            <a:endParaRPr lang="en-AU" dirty="0"/>
+          </a:p>
+        </p:txBody>
+      </p:sp>
+      <p:sp>
+        <p:nvSpPr>
+          <p:cNvPr id="69" name="Rounded Rectangle 68">
+            <a:extLst>
+              <a:ext uri="{FF2B5EF4-FFF2-40B4-BE49-F238E27FC236}">
+                <a16:creationId xmlns:a16="http://schemas.microsoft.com/office/drawing/2014/main" id="{CFD3DB70-70C9-E441-B794-54A4258EEF9E}"/>
+              </a:ext>
+            </a:extLst>
+          </p:cNvPr>
+          <p:cNvSpPr>
+            <a:spLocks noChangeAspect="1"/>
+          </p:cNvSpPr>
+          <p:nvPr/>
+        </p:nvSpPr>
+        <p:spPr>
+          <a:xfrm>
+            <a:off x="3390324" y="2096962"/>
+            <a:ext cx="3240000" cy="5604325"/>
+          </a:xfrm>
+          <a:prstGeom prst="roundRect">
+            <a:avLst/>
+          </a:prstGeom>
+          <a:noFill/>
+          <a:ln w="38100">
+            <a:solidFill>
+              <a:schemeClr val="tx1"/>
+            </a:solidFill>
+          </a:ln>
+        </p:spPr>
+        <p:style>
+          <a:lnRef idx="2">
+            <a:schemeClr val="accent1">
+              <a:shade val="50000"/>
+            </a:schemeClr>
+          </a:lnRef>
+          <a:fillRef idx="1">
+            <a:schemeClr val="accent1"/>
+          </a:fillRef>
+          <a:effectRef idx="0">
+            <a:schemeClr val="accent1"/>
+          </a:effectRef>
+          <a:fontRef idx="minor">
+            <a:schemeClr val="lt1"/>
+          </a:fontRef>
+        </p:style>
+        <p:txBody>
+          <a:bodyPr rtlCol="0" anchor="ctr"/>
+          <a:lstStyle/>
+          <a:p>
+            <a:pPr algn="ctr"/>
+            <a:endParaRPr lang="en-AU" sz="2400"/>
+          </a:p>
+        </p:txBody>
+      </p:sp>
+      <p:sp>
+        <p:nvSpPr>
+          <p:cNvPr id="70" name="Multiply 69">
+            <a:extLst>
+              <a:ext uri="{FF2B5EF4-FFF2-40B4-BE49-F238E27FC236}">
+                <a16:creationId xmlns:a16="http://schemas.microsoft.com/office/drawing/2014/main" id="{7900FD3F-BBE5-3D4C-9D1F-DC8DBD2EC038}"/>
+              </a:ext>
+            </a:extLst>
+          </p:cNvPr>
+          <p:cNvSpPr/>
+          <p:nvPr/>
+        </p:nvSpPr>
+        <p:spPr>
+          <a:xfrm>
+            <a:off x="4635432" y="5719826"/>
+            <a:ext cx="767443" cy="849086"/>
+          </a:xfrm>
+          <a:prstGeom prst="mathMultiply">
+            <a:avLst/>
+          </a:prstGeom>
+          <a:noFill/>
+        </p:spPr>
+        <p:style>
+          <a:lnRef idx="2">
+            <a:schemeClr val="accent1">
+              <a:shade val="50000"/>
+            </a:schemeClr>
+          </a:lnRef>
+          <a:fillRef idx="1">
+            <a:schemeClr val="accent1"/>
+          </a:fillRef>
+          <a:effectRef idx="0">
+            <a:schemeClr val="accent1"/>
+          </a:effectRef>
+          <a:fontRef idx="minor">
+            <a:schemeClr val="lt1"/>
+          </a:fontRef>
+        </p:style>
+        <p:txBody>
+          <a:bodyPr rtlCol="0" anchor="ctr"/>
+          <a:lstStyle/>
+          <a:p>
+            <a:pPr algn="ctr"/>
+            <a:endParaRPr lang="en-AU" sz="2400"/>
+          </a:p>
+        </p:txBody>
+      </p:sp>
+      <p:sp>
+        <p:nvSpPr>
+          <p:cNvPr id="73" name="TextBox 72">
+            <a:extLst>
+              <a:ext uri="{FF2B5EF4-FFF2-40B4-BE49-F238E27FC236}">
+                <a16:creationId xmlns:a16="http://schemas.microsoft.com/office/drawing/2014/main" id="{761C5194-E733-624D-8669-B68772557622}"/>
+              </a:ext>
+            </a:extLst>
+          </p:cNvPr>
+          <p:cNvSpPr txBox="1"/>
+          <p:nvPr/>
+        </p:nvSpPr>
+        <p:spPr>
+          <a:xfrm>
+            <a:off x="4868203" y="5586333"/>
+            <a:ext cx="699867" cy="461665"/>
+          </a:xfrm>
+          <a:prstGeom prst="rect">
+            <a:avLst/>
+          </a:prstGeom>
+          <a:noFill/>
+        </p:spPr>
+        <p:txBody>
+          <a:bodyPr wrap="square" rtlCol="0">
+            <a:spAutoFit/>
+          </a:bodyPr>
+          <a:lstStyle/>
+          <a:p>
+            <a:r>
+              <a:rPr lang="en-AU" sz="2400" dirty="0">
+                <a:solidFill>
+                  <a:schemeClr val="bg1">
+                    <a:lumMod val="50000"/>
+                  </a:schemeClr>
+                </a:solidFill>
+              </a:rPr>
+              <a:t>O2</a:t>
+            </a:r>
+          </a:p>
+        </p:txBody>
+      </p:sp>
+      <p:sp>
+        <p:nvSpPr>
+          <p:cNvPr id="74" name="TextBox 73">
+            <a:extLst>
+              <a:ext uri="{FF2B5EF4-FFF2-40B4-BE49-F238E27FC236}">
+                <a16:creationId xmlns:a16="http://schemas.microsoft.com/office/drawing/2014/main" id="{55A286E9-0B6F-A64C-B37E-E265D03D3E24}"/>
+              </a:ext>
+            </a:extLst>
+          </p:cNvPr>
+          <p:cNvSpPr txBox="1"/>
+          <p:nvPr/>
+        </p:nvSpPr>
+        <p:spPr>
+          <a:xfrm>
+            <a:off x="4297740" y="4402024"/>
+            <a:ext cx="609705" cy="461665"/>
+          </a:xfrm>
+          <a:prstGeom prst="rect">
+            <a:avLst/>
+          </a:prstGeom>
+          <a:solidFill>
+            <a:schemeClr val="tx1"/>
+          </a:solidFill>
+        </p:spPr>
+        <p:txBody>
+          <a:bodyPr wrap="square" rtlCol="0">
+            <a:spAutoFit/>
+          </a:bodyPr>
+          <a:lstStyle/>
+          <a:p>
+            <a:r>
+              <a:rPr lang="en-AU" sz="2400" dirty="0">
+                <a:solidFill>
+                  <a:schemeClr val="bg1"/>
+                </a:solidFill>
+              </a:rPr>
+              <a:t>O1</a:t>
+            </a:r>
+          </a:p>
+        </p:txBody>
+      </p:sp>
+      <p:sp>
+        <p:nvSpPr>
+          <p:cNvPr id="75" name="TextBox 74">
+            <a:extLst>
+              <a:ext uri="{FF2B5EF4-FFF2-40B4-BE49-F238E27FC236}">
+                <a16:creationId xmlns:a16="http://schemas.microsoft.com/office/drawing/2014/main" id="{3184E9A8-0053-CC40-A9A2-D370E6AB3B20}"/>
+              </a:ext>
+            </a:extLst>
+          </p:cNvPr>
+          <p:cNvSpPr txBox="1"/>
+          <p:nvPr/>
+        </p:nvSpPr>
+        <p:spPr>
+          <a:xfrm>
+            <a:off x="4886540" y="5309695"/>
+            <a:ext cx="756050" cy="461665"/>
+          </a:xfrm>
+          <a:prstGeom prst="rect">
+            <a:avLst/>
+          </a:prstGeom>
+          <a:noFill/>
+        </p:spPr>
+        <p:txBody>
+          <a:bodyPr wrap="square" rtlCol="0">
+            <a:spAutoFit/>
+          </a:bodyPr>
+          <a:lstStyle/>
+          <a:p>
+            <a:r>
+              <a:rPr lang="en-AU" sz="2400" dirty="0">
+                <a:solidFill>
+                  <a:schemeClr val="bg1">
+                    <a:lumMod val="50000"/>
+                  </a:schemeClr>
+                </a:solidFill>
+              </a:rPr>
+              <a:t>O3</a:t>
+            </a:r>
+          </a:p>
+        </p:txBody>
+      </p:sp>
+      <p:sp>
+        <p:nvSpPr>
+          <p:cNvPr id="76" name="TextBox 75">
+            <a:extLst>
+              <a:ext uri="{FF2B5EF4-FFF2-40B4-BE49-F238E27FC236}">
+                <a16:creationId xmlns:a16="http://schemas.microsoft.com/office/drawing/2014/main" id="{A7411F95-5313-9D4D-803B-51FB934DBE1C}"/>
+              </a:ext>
+            </a:extLst>
+          </p:cNvPr>
+          <p:cNvSpPr txBox="1"/>
+          <p:nvPr/>
+        </p:nvSpPr>
+        <p:spPr>
+          <a:xfrm>
+            <a:off x="5496847" y="6213415"/>
+            <a:ext cx="671812" cy="461665"/>
+          </a:xfrm>
+          <a:prstGeom prst="rect">
+            <a:avLst/>
+          </a:prstGeom>
+          <a:noFill/>
+        </p:spPr>
+        <p:txBody>
+          <a:bodyPr wrap="square" rtlCol="0">
+            <a:spAutoFit/>
+          </a:bodyPr>
+          <a:lstStyle/>
+          <a:p>
+            <a:r>
+              <a:rPr lang="en-AU" sz="2400" dirty="0">
+                <a:solidFill>
+                  <a:schemeClr val="bg1">
+                    <a:lumMod val="50000"/>
+                  </a:schemeClr>
+                </a:solidFill>
+              </a:rPr>
+              <a:t>O4</a:t>
+            </a:r>
+          </a:p>
+        </p:txBody>
+      </p:sp>
+      <p:sp>
+        <p:nvSpPr>
+          <p:cNvPr id="79" name="TextBox 78">
+            <a:extLst>
+              <a:ext uri="{FF2B5EF4-FFF2-40B4-BE49-F238E27FC236}">
+                <a16:creationId xmlns:a16="http://schemas.microsoft.com/office/drawing/2014/main" id="{1F9A94D2-ECE2-BA4F-8A60-56F2AE5D4EC6}"/>
+              </a:ext>
+            </a:extLst>
+          </p:cNvPr>
+          <p:cNvSpPr txBox="1"/>
+          <p:nvPr/>
+        </p:nvSpPr>
+        <p:spPr>
+          <a:xfrm>
+            <a:off x="4345669" y="4797384"/>
+            <a:ext cx="753616" cy="461665"/>
+          </a:xfrm>
+          <a:prstGeom prst="rect">
+            <a:avLst/>
+          </a:prstGeom>
+          <a:noFill/>
+        </p:spPr>
+        <p:txBody>
+          <a:bodyPr wrap="square" rtlCol="0">
+            <a:spAutoFit/>
+          </a:bodyPr>
+          <a:lstStyle/>
+          <a:p>
+            <a:r>
+              <a:rPr lang="en-AU" sz="2400" dirty="0">
+                <a:solidFill>
+                  <a:srgbClr val="0070C0"/>
+                </a:solidFill>
+              </a:rPr>
+              <a:t>D8</a:t>
+            </a:r>
+          </a:p>
+        </p:txBody>
+      </p:sp>
+      <p:sp>
+        <p:nvSpPr>
+          <p:cNvPr id="80" name="TextBox 79">
+            <a:extLst>
+              <a:ext uri="{FF2B5EF4-FFF2-40B4-BE49-F238E27FC236}">
+                <a16:creationId xmlns:a16="http://schemas.microsoft.com/office/drawing/2014/main" id="{1BC67D3A-89A9-DE48-A015-3ABFAFE02101}"/>
+              </a:ext>
+            </a:extLst>
+          </p:cNvPr>
+          <p:cNvSpPr txBox="1"/>
+          <p:nvPr/>
+        </p:nvSpPr>
+        <p:spPr>
+          <a:xfrm>
+            <a:off x="4358026" y="5756380"/>
+            <a:ext cx="594452" cy="461665"/>
+          </a:xfrm>
+          <a:prstGeom prst="rect">
+            <a:avLst/>
+          </a:prstGeom>
+          <a:noFill/>
+        </p:spPr>
+        <p:txBody>
+          <a:bodyPr wrap="square" rtlCol="0">
+            <a:spAutoFit/>
+          </a:bodyPr>
+          <a:lstStyle/>
+          <a:p>
+            <a:r>
+              <a:rPr lang="en-AU" sz="2400" dirty="0">
+                <a:solidFill>
+                  <a:srgbClr val="0070C0"/>
+                </a:solidFill>
+              </a:rPr>
+              <a:t>D9</a:t>
+            </a:r>
+          </a:p>
+        </p:txBody>
+      </p:sp>
+      <p:sp>
+        <p:nvSpPr>
+          <p:cNvPr id="81" name="TextBox 80">
+            <a:extLst>
+              <a:ext uri="{FF2B5EF4-FFF2-40B4-BE49-F238E27FC236}">
+                <a16:creationId xmlns:a16="http://schemas.microsoft.com/office/drawing/2014/main" id="{9AB584F0-255C-0341-88AD-EC3B6C10519A}"/>
+              </a:ext>
+            </a:extLst>
+          </p:cNvPr>
+          <p:cNvSpPr txBox="1"/>
+          <p:nvPr/>
+        </p:nvSpPr>
+        <p:spPr>
+          <a:xfrm>
+            <a:off x="4372695" y="5350521"/>
+            <a:ext cx="797106" cy="461665"/>
+          </a:xfrm>
+          <a:prstGeom prst="rect">
+            <a:avLst/>
+          </a:prstGeom>
+          <a:noFill/>
+        </p:spPr>
+        <p:txBody>
+          <a:bodyPr wrap="square" rtlCol="0">
+            <a:spAutoFit/>
+          </a:bodyPr>
+          <a:lstStyle/>
+          <a:p>
+            <a:r>
+              <a:rPr lang="en-AU" sz="2400" dirty="0">
+                <a:solidFill>
+                  <a:srgbClr val="0070C0"/>
+                </a:solidFill>
+              </a:rPr>
+              <a:t>D10</a:t>
+            </a:r>
+          </a:p>
+        </p:txBody>
+      </p:sp>
+      <p:sp>
+        <p:nvSpPr>
+          <p:cNvPr id="82" name="TextBox 81">
+            <a:extLst>
+              <a:ext uri="{FF2B5EF4-FFF2-40B4-BE49-F238E27FC236}">
+                <a16:creationId xmlns:a16="http://schemas.microsoft.com/office/drawing/2014/main" id="{8E2A23C4-5F23-2A46-9429-F446037E9B19}"/>
+              </a:ext>
+            </a:extLst>
+          </p:cNvPr>
+          <p:cNvSpPr txBox="1"/>
+          <p:nvPr/>
+        </p:nvSpPr>
+        <p:spPr>
+          <a:xfrm>
+            <a:off x="5434149" y="5975189"/>
+            <a:ext cx="741021" cy="461665"/>
+          </a:xfrm>
+          <a:prstGeom prst="rect">
+            <a:avLst/>
+          </a:prstGeom>
+          <a:noFill/>
+        </p:spPr>
+        <p:txBody>
+          <a:bodyPr wrap="square" rtlCol="0">
+            <a:spAutoFit/>
+          </a:bodyPr>
+          <a:lstStyle/>
+          <a:p>
+            <a:r>
+              <a:rPr lang="en-AU" sz="2400" dirty="0">
+                <a:solidFill>
+                  <a:srgbClr val="0070C0"/>
+                </a:solidFill>
+              </a:rPr>
+              <a:t>D11</a:t>
+            </a:r>
+          </a:p>
+        </p:txBody>
+      </p:sp>
+      <p:sp>
+        <p:nvSpPr>
+          <p:cNvPr id="86" name="Oval 85">
+            <a:extLst>
+              <a:ext uri="{FF2B5EF4-FFF2-40B4-BE49-F238E27FC236}">
+                <a16:creationId xmlns:a16="http://schemas.microsoft.com/office/drawing/2014/main" id="{C028FA8D-DC89-6C42-8B29-5193C52F0AF0}"/>
+              </a:ext>
+            </a:extLst>
+          </p:cNvPr>
+          <p:cNvSpPr/>
+          <p:nvPr/>
+        </p:nvSpPr>
+        <p:spPr>
+          <a:xfrm>
+            <a:off x="4197663" y="4797593"/>
+            <a:ext cx="180000" cy="180000"/>
+          </a:xfrm>
+          <a:prstGeom prst="ellipse">
+            <a:avLst/>
+          </a:prstGeom>
+          <a:solidFill>
+            <a:schemeClr val="tx1"/>
+          </a:solidFill>
+        </p:spPr>
+        <p:style>
+          <a:lnRef idx="2">
+            <a:schemeClr val="accent1">
+              <a:shade val="50000"/>
+            </a:schemeClr>
+          </a:lnRef>
+          <a:fillRef idx="1">
+            <a:schemeClr val="accent1"/>
+          </a:fillRef>
+          <a:effectRef idx="0">
+            <a:schemeClr val="accent1"/>
+          </a:effectRef>
+          <a:fontRef idx="minor">
+            <a:schemeClr val="lt1"/>
+          </a:fontRef>
+        </p:style>
+        <p:txBody>
+          <a:bodyPr rtlCol="0" anchor="ctr"/>
+          <a:lstStyle/>
+          <a:p>
+            <a:pPr algn="ctr"/>
+            <a:endParaRPr lang="en-AU" sz="2400"/>
+          </a:p>
+        </p:txBody>
+      </p:sp>
+      <p:sp>
+        <p:nvSpPr>
+          <p:cNvPr id="90" name="TextBox 89">
+            <a:extLst>
+              <a:ext uri="{FF2B5EF4-FFF2-40B4-BE49-F238E27FC236}">
+                <a16:creationId xmlns:a16="http://schemas.microsoft.com/office/drawing/2014/main" id="{7BAD1B6F-3C55-EF4F-BF07-072C388DEA31}"/>
+              </a:ext>
+            </a:extLst>
+          </p:cNvPr>
+          <p:cNvSpPr txBox="1"/>
+          <p:nvPr/>
+        </p:nvSpPr>
+        <p:spPr>
+          <a:xfrm>
+            <a:off x="3870096" y="5477658"/>
+            <a:ext cx="475573" cy="461665"/>
+          </a:xfrm>
+          <a:prstGeom prst="rect">
+            <a:avLst/>
+          </a:prstGeom>
+          <a:solidFill>
+            <a:schemeClr val="bg1">
+              <a:lumMod val="50000"/>
+            </a:schemeClr>
+          </a:solidFill>
+        </p:spPr>
+        <p:txBody>
+          <a:bodyPr wrap="square" rtlCol="0">
+            <a:spAutoFit/>
+          </a:bodyPr>
+          <a:lstStyle/>
+          <a:p>
+            <a:pPr algn="ctr"/>
+            <a:r>
+              <a:rPr lang="en-AU" sz="2400" dirty="0">
+                <a:solidFill>
+                  <a:schemeClr val="bg1"/>
+                </a:solidFill>
+              </a:rPr>
+              <a:t>C’</a:t>
+            </a:r>
+          </a:p>
+        </p:txBody>
+      </p:sp>
+      <p:cxnSp>
+        <p:nvCxnSpPr>
+          <p:cNvPr id="93" name="Straight Arrow Connector 92">
+            <a:extLst>
+              <a:ext uri="{FF2B5EF4-FFF2-40B4-BE49-F238E27FC236}">
+                <a16:creationId xmlns:a16="http://schemas.microsoft.com/office/drawing/2014/main" id="{36518358-E508-8E48-ACD9-E78B6FF708FA}"/>
+              </a:ext>
+            </a:extLst>
+          </p:cNvPr>
+          <p:cNvCxnSpPr>
+            <a:cxnSpLocks/>
+          </p:cNvCxnSpPr>
+          <p:nvPr/>
+        </p:nvCxnSpPr>
+        <p:spPr>
+          <a:xfrm flipH="1">
+            <a:off x="6290417" y="3756682"/>
+            <a:ext cx="17344" cy="1161628"/>
+          </a:xfrm>
+          <a:prstGeom prst="straightConnector1">
+            <a:avLst/>
+          </a:prstGeom>
+          <a:ln w="60325">
+            <a:solidFill>
+              <a:schemeClr val="bg1">
+                <a:lumMod val="50000"/>
+              </a:schemeClr>
+            </a:solidFill>
+            <a:tailEnd type="triangle"/>
+          </a:ln>
+        </p:spPr>
+        <p:style>
+          <a:lnRef idx="1">
+            <a:schemeClr val="accent1"/>
+          </a:lnRef>
+          <a:fillRef idx="0">
+            <a:schemeClr val="accent1"/>
+          </a:fillRef>
+          <a:effectRef idx="0">
+            <a:schemeClr val="accent1"/>
+          </a:effectRef>
+          <a:fontRef idx="minor">
+            <a:schemeClr val="tx1"/>
+          </a:fontRef>
+        </p:style>
+      </p:cxnSp>
+      <p:sp>
+        <p:nvSpPr>
+          <p:cNvPr id="97" name="TextBox 96">
+            <a:extLst>
+              <a:ext uri="{FF2B5EF4-FFF2-40B4-BE49-F238E27FC236}">
+                <a16:creationId xmlns:a16="http://schemas.microsoft.com/office/drawing/2014/main" id="{A516A99E-F4BB-0E41-9D9B-24E523A4BDCA}"/>
+              </a:ext>
+            </a:extLst>
+          </p:cNvPr>
+          <p:cNvSpPr txBox="1"/>
+          <p:nvPr/>
+        </p:nvSpPr>
+        <p:spPr>
+          <a:xfrm rot="5400000">
+            <a:off x="5868063" y="2819047"/>
+            <a:ext cx="1223757" cy="461665"/>
+          </a:xfrm>
+          <a:prstGeom prst="rect">
+            <a:avLst/>
+          </a:prstGeom>
+          <a:noFill/>
+        </p:spPr>
+        <p:txBody>
+          <a:bodyPr wrap="square" rtlCol="0">
+            <a:spAutoFit/>
+          </a:bodyPr>
+          <a:lstStyle/>
+          <a:p>
+            <a:r>
+              <a:rPr lang="en-AU" sz="2400" dirty="0">
+                <a:solidFill>
+                  <a:srgbClr val="C00000"/>
+                </a:solidFill>
+              </a:rPr>
+              <a:t>Upfield</a:t>
+            </a:r>
+          </a:p>
+        </p:txBody>
+      </p:sp>
+      <p:sp>
+        <p:nvSpPr>
+          <p:cNvPr id="98" name="TextBox 97">
+            <a:extLst>
+              <a:ext uri="{FF2B5EF4-FFF2-40B4-BE49-F238E27FC236}">
+                <a16:creationId xmlns:a16="http://schemas.microsoft.com/office/drawing/2014/main" id="{CD32752A-C6F2-934A-89D9-EC3B29B2B007}"/>
+              </a:ext>
+            </a:extLst>
+          </p:cNvPr>
+          <p:cNvSpPr txBox="1"/>
+          <p:nvPr/>
+        </p:nvSpPr>
+        <p:spPr>
+          <a:xfrm rot="5400000">
+            <a:off x="5698346" y="6586871"/>
+            <a:ext cx="1576217" cy="461665"/>
+          </a:xfrm>
+          <a:prstGeom prst="rect">
+            <a:avLst/>
+          </a:prstGeom>
+          <a:noFill/>
+        </p:spPr>
+        <p:txBody>
+          <a:bodyPr wrap="square" rtlCol="0">
+            <a:spAutoFit/>
+          </a:bodyPr>
+          <a:lstStyle/>
+          <a:p>
+            <a:r>
+              <a:rPr lang="en-AU" sz="2400" dirty="0">
+                <a:solidFill>
+                  <a:schemeClr val="accent6"/>
+                </a:solidFill>
+              </a:rPr>
+              <a:t>Downfield</a:t>
+            </a:r>
+          </a:p>
+        </p:txBody>
+      </p:sp>
+      <p:cxnSp>
+        <p:nvCxnSpPr>
+          <p:cNvPr id="99" name="Straight Connector 98">
+            <a:extLst>
+              <a:ext uri="{FF2B5EF4-FFF2-40B4-BE49-F238E27FC236}">
+                <a16:creationId xmlns:a16="http://schemas.microsoft.com/office/drawing/2014/main" id="{A62AE494-A388-5A4C-8BF9-3746139D669E}"/>
+              </a:ext>
+            </a:extLst>
+          </p:cNvPr>
+          <p:cNvCxnSpPr>
+            <a:cxnSpLocks/>
+          </p:cNvCxnSpPr>
+          <p:nvPr/>
+        </p:nvCxnSpPr>
+        <p:spPr>
+          <a:xfrm flipV="1">
+            <a:off x="6462954" y="5121894"/>
+            <a:ext cx="0" cy="938269"/>
+          </a:xfrm>
+          <a:prstGeom prst="line">
+            <a:avLst/>
+          </a:prstGeom>
+          <a:ln w="60325">
+            <a:solidFill>
+              <a:srgbClr val="00B050"/>
+            </a:solidFill>
+            <a:headEnd type="stealth" w="lg" len="lg"/>
+          </a:ln>
+        </p:spPr>
+        <p:style>
+          <a:lnRef idx="1">
+            <a:schemeClr val="accent1"/>
+          </a:lnRef>
+          <a:fillRef idx="0">
+            <a:schemeClr val="accent1"/>
+          </a:fillRef>
+          <a:effectRef idx="0">
+            <a:schemeClr val="accent1"/>
+          </a:effectRef>
+          <a:fontRef idx="minor">
+            <a:schemeClr val="tx1"/>
+          </a:fontRef>
+        </p:style>
+      </p:cxnSp>
+      <p:sp>
+        <p:nvSpPr>
+          <p:cNvPr id="100" name="TextBox 99">
+            <a:extLst>
+              <a:ext uri="{FF2B5EF4-FFF2-40B4-BE49-F238E27FC236}">
+                <a16:creationId xmlns:a16="http://schemas.microsoft.com/office/drawing/2014/main" id="{A76B80E7-C758-D641-99C6-169214AFE49B}"/>
+              </a:ext>
+            </a:extLst>
+          </p:cNvPr>
+          <p:cNvSpPr txBox="1"/>
+          <p:nvPr/>
+        </p:nvSpPr>
+        <p:spPr>
+          <a:xfrm>
+            <a:off x="5881333" y="5473056"/>
+            <a:ext cx="449267" cy="461665"/>
+          </a:xfrm>
+          <a:prstGeom prst="rect">
+            <a:avLst/>
+          </a:prstGeom>
+          <a:solidFill>
+            <a:schemeClr val="bg1">
+              <a:lumMod val="50000"/>
+            </a:schemeClr>
+          </a:solidFill>
+        </p:spPr>
+        <p:txBody>
+          <a:bodyPr wrap="square" rtlCol="0">
+            <a:spAutoFit/>
+          </a:bodyPr>
+          <a:lstStyle/>
+          <a:p>
+            <a:pPr algn="ctr"/>
+            <a:r>
+              <a:rPr lang="en-AU" sz="2400" dirty="0">
+                <a:solidFill>
+                  <a:schemeClr val="bg1"/>
+                </a:solidFill>
+              </a:rPr>
+              <a:t>D’</a:t>
+            </a:r>
+          </a:p>
+        </p:txBody>
+      </p:sp>
+      <p:sp>
+        <p:nvSpPr>
+          <p:cNvPr id="108" name="Multiply 107">
+            <a:extLst>
+              <a:ext uri="{FF2B5EF4-FFF2-40B4-BE49-F238E27FC236}">
+                <a16:creationId xmlns:a16="http://schemas.microsoft.com/office/drawing/2014/main" id="{A154A302-FE54-214A-A2AF-58CCA25F1DA3}"/>
+              </a:ext>
+            </a:extLst>
+          </p:cNvPr>
+          <p:cNvSpPr/>
+          <p:nvPr/>
+        </p:nvSpPr>
+        <p:spPr>
+          <a:xfrm>
+            <a:off x="4598800" y="3118503"/>
+            <a:ext cx="948581" cy="951904"/>
+          </a:xfrm>
+          <a:prstGeom prst="mathMultiply">
+            <a:avLst/>
+          </a:prstGeom>
+          <a:noFill/>
+        </p:spPr>
+        <p:style>
+          <a:lnRef idx="2">
+            <a:schemeClr val="accent1">
+              <a:shade val="50000"/>
+            </a:schemeClr>
+          </a:lnRef>
+          <a:fillRef idx="1">
+            <a:schemeClr val="accent1"/>
+          </a:fillRef>
+          <a:effectRef idx="0">
+            <a:schemeClr val="accent1"/>
+          </a:effectRef>
+          <a:fontRef idx="minor">
+            <a:schemeClr val="lt1"/>
+          </a:fontRef>
+        </p:style>
+        <p:txBody>
+          <a:bodyPr rtlCol="0" anchor="ctr"/>
+          <a:lstStyle/>
+          <a:p>
+            <a:pPr algn="ctr"/>
+            <a:endParaRPr lang="en-AU" sz="2400"/>
+          </a:p>
+        </p:txBody>
+      </p:sp>
+      <p:sp>
+        <p:nvSpPr>
+          <p:cNvPr id="109" name="TextBox 108">
+            <a:extLst>
+              <a:ext uri="{FF2B5EF4-FFF2-40B4-BE49-F238E27FC236}">
+                <a16:creationId xmlns:a16="http://schemas.microsoft.com/office/drawing/2014/main" id="{A499ABCE-4EBA-CC49-B107-5DCAEC4F8447}"/>
+              </a:ext>
+            </a:extLst>
+          </p:cNvPr>
+          <p:cNvSpPr txBox="1"/>
+          <p:nvPr/>
+        </p:nvSpPr>
+        <p:spPr>
+          <a:xfrm>
+            <a:off x="4800489" y="3374045"/>
+            <a:ext cx="843406" cy="463885"/>
+          </a:xfrm>
+          <a:prstGeom prst="rect">
+            <a:avLst/>
+          </a:prstGeom>
+          <a:noFill/>
+        </p:spPr>
+        <p:txBody>
+          <a:bodyPr wrap="square" rtlCol="0">
+            <a:spAutoFit/>
+          </a:bodyPr>
+          <a:lstStyle/>
+          <a:p>
+            <a:r>
+              <a:rPr lang="en-AU" sz="2400" dirty="0">
+                <a:solidFill>
+                  <a:schemeClr val="bg1">
+                    <a:lumMod val="50000"/>
+                  </a:schemeClr>
+                </a:solidFill>
+              </a:rPr>
+              <a:t>O6</a:t>
+            </a:r>
+          </a:p>
+        </p:txBody>
+      </p:sp>
+      <p:sp>
+        <p:nvSpPr>
+          <p:cNvPr id="114" name="TextBox 113">
+            <a:extLst>
+              <a:ext uri="{FF2B5EF4-FFF2-40B4-BE49-F238E27FC236}">
+                <a16:creationId xmlns:a16="http://schemas.microsoft.com/office/drawing/2014/main" id="{414D4663-30F0-BD40-859E-3D7CD6B4CC16}"/>
+              </a:ext>
+            </a:extLst>
+          </p:cNvPr>
+          <p:cNvSpPr txBox="1"/>
+          <p:nvPr/>
+        </p:nvSpPr>
+        <p:spPr>
+          <a:xfrm>
+            <a:off x="3604458" y="2661098"/>
+            <a:ext cx="762342" cy="461665"/>
+          </a:xfrm>
+          <a:prstGeom prst="rect">
+            <a:avLst/>
+          </a:prstGeom>
+          <a:noFill/>
+        </p:spPr>
+        <p:txBody>
+          <a:bodyPr wrap="square" rtlCol="0">
+            <a:spAutoFit/>
+          </a:bodyPr>
+          <a:lstStyle/>
+          <a:p>
+            <a:r>
+              <a:rPr lang="en-AU" sz="2400" dirty="0">
+                <a:solidFill>
+                  <a:schemeClr val="bg1">
+                    <a:lumMod val="50000"/>
+                  </a:schemeClr>
+                </a:solidFill>
+              </a:rPr>
+              <a:t>O7</a:t>
+            </a:r>
+          </a:p>
+        </p:txBody>
+      </p:sp>
+      <p:sp>
+        <p:nvSpPr>
+          <p:cNvPr id="115" name="TextBox 114">
+            <a:extLst>
+              <a:ext uri="{FF2B5EF4-FFF2-40B4-BE49-F238E27FC236}">
+                <a16:creationId xmlns:a16="http://schemas.microsoft.com/office/drawing/2014/main" id="{C140453F-1631-FD42-A5D7-7EF5936DC1D4}"/>
+              </a:ext>
+            </a:extLst>
+          </p:cNvPr>
+          <p:cNvSpPr txBox="1"/>
+          <p:nvPr/>
+        </p:nvSpPr>
+        <p:spPr>
+          <a:xfrm>
+            <a:off x="5686341" y="3509808"/>
+            <a:ext cx="703537" cy="461665"/>
+          </a:xfrm>
+          <a:prstGeom prst="rect">
+            <a:avLst/>
+          </a:prstGeom>
+          <a:noFill/>
+        </p:spPr>
+        <p:txBody>
+          <a:bodyPr wrap="square" rtlCol="0">
+            <a:spAutoFit/>
+          </a:bodyPr>
+          <a:lstStyle/>
+          <a:p>
+            <a:r>
+              <a:rPr lang="en-AU" sz="2400" dirty="0">
+                <a:solidFill>
+                  <a:srgbClr val="0070C0"/>
+                </a:solidFill>
+              </a:rPr>
+              <a:t>D12</a:t>
+            </a:r>
+          </a:p>
+        </p:txBody>
+      </p:sp>
+      <p:sp>
+        <p:nvSpPr>
+          <p:cNvPr id="116" name="TextBox 115">
+            <a:extLst>
+              <a:ext uri="{FF2B5EF4-FFF2-40B4-BE49-F238E27FC236}">
+                <a16:creationId xmlns:a16="http://schemas.microsoft.com/office/drawing/2014/main" id="{E256800B-CA88-184C-BB52-F6B53B174DDF}"/>
+              </a:ext>
+            </a:extLst>
+          </p:cNvPr>
+          <p:cNvSpPr txBox="1"/>
+          <p:nvPr/>
+        </p:nvSpPr>
+        <p:spPr>
+          <a:xfrm>
+            <a:off x="4937204" y="3813701"/>
+            <a:ext cx="731983" cy="461665"/>
+          </a:xfrm>
+          <a:prstGeom prst="rect">
+            <a:avLst/>
+          </a:prstGeom>
+          <a:noFill/>
+        </p:spPr>
+        <p:txBody>
+          <a:bodyPr wrap="square" rtlCol="0">
+            <a:spAutoFit/>
+          </a:bodyPr>
+          <a:lstStyle/>
+          <a:p>
+            <a:r>
+              <a:rPr lang="en-AU" sz="2400" dirty="0">
+                <a:solidFill>
+                  <a:srgbClr val="0070C0"/>
+                </a:solidFill>
+              </a:rPr>
+              <a:t>D13</a:t>
+            </a:r>
+          </a:p>
+        </p:txBody>
+      </p:sp>
+      <p:sp>
+        <p:nvSpPr>
+          <p:cNvPr id="117" name="TextBox 116">
+            <a:extLst>
+              <a:ext uri="{FF2B5EF4-FFF2-40B4-BE49-F238E27FC236}">
+                <a16:creationId xmlns:a16="http://schemas.microsoft.com/office/drawing/2014/main" id="{C1ACF8CC-6834-9841-9955-D90F1869B9F4}"/>
+              </a:ext>
+            </a:extLst>
+          </p:cNvPr>
+          <p:cNvSpPr txBox="1"/>
+          <p:nvPr/>
+        </p:nvSpPr>
+        <p:spPr>
+          <a:xfrm>
+            <a:off x="3629699" y="2962759"/>
+            <a:ext cx="948581" cy="461665"/>
+          </a:xfrm>
+          <a:prstGeom prst="rect">
+            <a:avLst/>
+          </a:prstGeom>
+          <a:noFill/>
+        </p:spPr>
+        <p:txBody>
+          <a:bodyPr wrap="square" rtlCol="0">
+            <a:spAutoFit/>
+          </a:bodyPr>
+          <a:lstStyle/>
+          <a:p>
+            <a:r>
+              <a:rPr lang="en-AU" sz="2400" dirty="0">
+                <a:solidFill>
+                  <a:srgbClr val="0070C0"/>
+                </a:solidFill>
+              </a:rPr>
+              <a:t>D14</a:t>
+            </a:r>
+          </a:p>
+        </p:txBody>
+      </p:sp>
+      <p:cxnSp>
+        <p:nvCxnSpPr>
+          <p:cNvPr id="120" name="Straight Connector 119">
+            <a:extLst>
+              <a:ext uri="{FF2B5EF4-FFF2-40B4-BE49-F238E27FC236}">
+                <a16:creationId xmlns:a16="http://schemas.microsoft.com/office/drawing/2014/main" id="{6B380128-8284-D541-B154-8FD6FF6E0430}"/>
+              </a:ext>
+            </a:extLst>
+          </p:cNvPr>
+          <p:cNvCxnSpPr>
+            <a:cxnSpLocks/>
+          </p:cNvCxnSpPr>
+          <p:nvPr/>
+        </p:nvCxnSpPr>
+        <p:spPr>
+          <a:xfrm flipV="1">
+            <a:off x="3381699" y="4183033"/>
+            <a:ext cx="3240000" cy="0"/>
+          </a:xfrm>
+          <a:prstGeom prst="line">
+            <a:avLst/>
+          </a:prstGeom>
+          <a:ln w="38100">
+            <a:solidFill>
+              <a:schemeClr val="accent2"/>
+            </a:solidFill>
+            <a:prstDash val="sysDash"/>
+          </a:ln>
+        </p:spPr>
+        <p:style>
+          <a:lnRef idx="1">
+            <a:schemeClr val="accent1"/>
+          </a:lnRef>
+          <a:fillRef idx="0">
+            <a:schemeClr val="accent1"/>
+          </a:fillRef>
+          <a:effectRef idx="0">
+            <a:schemeClr val="accent1"/>
+          </a:effectRef>
+          <a:fontRef idx="minor">
+            <a:schemeClr val="tx1"/>
+          </a:fontRef>
+        </p:style>
+      </p:cxnSp>
+      <p:sp>
+        <p:nvSpPr>
+          <p:cNvPr id="121" name="TextBox 120">
+            <a:extLst>
+              <a:ext uri="{FF2B5EF4-FFF2-40B4-BE49-F238E27FC236}">
+                <a16:creationId xmlns:a16="http://schemas.microsoft.com/office/drawing/2014/main" id="{D9B29F01-163D-D944-95CB-9501566424EE}"/>
+              </a:ext>
+            </a:extLst>
+          </p:cNvPr>
+          <p:cNvSpPr txBox="1"/>
+          <p:nvPr/>
+        </p:nvSpPr>
+        <p:spPr>
+          <a:xfrm>
+            <a:off x="5971486" y="3296872"/>
+            <a:ext cx="609575" cy="461665"/>
+          </a:xfrm>
+          <a:prstGeom prst="rect">
+            <a:avLst/>
+          </a:prstGeom>
+          <a:noFill/>
+        </p:spPr>
+        <p:txBody>
+          <a:bodyPr wrap="square" rtlCol="0">
+            <a:spAutoFit/>
+          </a:bodyPr>
+          <a:lstStyle/>
+          <a:p>
+            <a:r>
+              <a:rPr lang="en-AU" sz="2400" dirty="0">
+                <a:solidFill>
+                  <a:schemeClr val="bg1">
+                    <a:lumMod val="50000"/>
+                  </a:schemeClr>
+                </a:solidFill>
+              </a:rPr>
+              <a:t>O5</a:t>
+            </a:r>
+          </a:p>
+        </p:txBody>
+      </p:sp>
+      <p:cxnSp>
+        <p:nvCxnSpPr>
+          <p:cNvPr id="122" name="Straight Arrow Connector 121">
+            <a:extLst>
+              <a:ext uri="{FF2B5EF4-FFF2-40B4-BE49-F238E27FC236}">
+                <a16:creationId xmlns:a16="http://schemas.microsoft.com/office/drawing/2014/main" id="{7E20D340-354F-8C49-AFA6-6F1587A745DE}"/>
+              </a:ext>
+            </a:extLst>
+          </p:cNvPr>
+          <p:cNvCxnSpPr>
+            <a:cxnSpLocks/>
+          </p:cNvCxnSpPr>
+          <p:nvPr/>
+        </p:nvCxnSpPr>
+        <p:spPr>
+          <a:xfrm flipH="1">
+            <a:off x="3722553" y="3684445"/>
+            <a:ext cx="1184892" cy="934286"/>
+          </a:xfrm>
+          <a:prstGeom prst="straightConnector1">
+            <a:avLst/>
+          </a:prstGeom>
+          <a:ln w="60325">
+            <a:solidFill>
+              <a:schemeClr val="bg1">
+                <a:lumMod val="50000"/>
+              </a:schemeClr>
+            </a:solidFill>
+            <a:tailEnd type="triangle"/>
+          </a:ln>
+        </p:spPr>
+        <p:style>
+          <a:lnRef idx="1">
+            <a:schemeClr val="accent1"/>
+          </a:lnRef>
+          <a:fillRef idx="0">
+            <a:schemeClr val="accent1"/>
+          </a:fillRef>
+          <a:effectRef idx="0">
+            <a:schemeClr val="accent1"/>
+          </a:effectRef>
+          <a:fontRef idx="minor">
+            <a:schemeClr val="tx1"/>
+          </a:fontRef>
+        </p:style>
+      </p:cxnSp>
+      <p:cxnSp>
+        <p:nvCxnSpPr>
+          <p:cNvPr id="123" name="Straight Connector 122">
+            <a:extLst>
+              <a:ext uri="{FF2B5EF4-FFF2-40B4-BE49-F238E27FC236}">
+                <a16:creationId xmlns:a16="http://schemas.microsoft.com/office/drawing/2014/main" id="{5AC45312-D409-B341-8CF8-6DE2A01B6087}"/>
+              </a:ext>
+            </a:extLst>
+          </p:cNvPr>
+          <p:cNvCxnSpPr>
+            <a:cxnSpLocks/>
+          </p:cNvCxnSpPr>
+          <p:nvPr/>
+        </p:nvCxnSpPr>
+        <p:spPr>
+          <a:xfrm>
+            <a:off x="6502172" y="3486566"/>
+            <a:ext cx="0" cy="839561"/>
+          </a:xfrm>
+          <a:prstGeom prst="line">
+            <a:avLst/>
+          </a:prstGeom>
+          <a:ln w="60325">
+            <a:solidFill>
+              <a:srgbClr val="C00000"/>
+            </a:solidFill>
+            <a:headEnd type="stealth" w="lg" len="lg"/>
+          </a:ln>
+        </p:spPr>
+        <p:style>
+          <a:lnRef idx="1">
+            <a:schemeClr val="accent1"/>
+          </a:lnRef>
+          <a:fillRef idx="0">
+            <a:schemeClr val="accent1"/>
+          </a:fillRef>
+          <a:effectRef idx="0">
+            <a:schemeClr val="accent1"/>
+          </a:effectRef>
+          <a:fontRef idx="minor">
+            <a:schemeClr val="tx1"/>
+          </a:fontRef>
+        </p:style>
+      </p:cxnSp>
+      <p:sp>
+        <p:nvSpPr>
+          <p:cNvPr id="125" name="TextBox 124">
+            <a:extLst>
+              <a:ext uri="{FF2B5EF4-FFF2-40B4-BE49-F238E27FC236}">
+                <a16:creationId xmlns:a16="http://schemas.microsoft.com/office/drawing/2014/main" id="{7508D576-8CC4-084F-96A4-E8DDF1A02446}"/>
+              </a:ext>
+            </a:extLst>
+          </p:cNvPr>
+          <p:cNvSpPr txBox="1"/>
+          <p:nvPr/>
+        </p:nvSpPr>
+        <p:spPr>
+          <a:xfrm>
+            <a:off x="6001878" y="8702244"/>
+            <a:ext cx="404594" cy="461665"/>
+          </a:xfrm>
+          <a:prstGeom prst="rect">
+            <a:avLst/>
+          </a:prstGeom>
+          <a:solidFill>
+            <a:schemeClr val="bg1">
+              <a:lumMod val="50000"/>
+            </a:schemeClr>
+          </a:solidFill>
+        </p:spPr>
+        <p:txBody>
+          <a:bodyPr wrap="square" rtlCol="0">
+            <a:spAutoFit/>
+          </a:bodyPr>
+          <a:lstStyle/>
+          <a:p>
+            <a:pPr algn="ctr"/>
+            <a:r>
+              <a:rPr lang="en-AU" sz="2400" dirty="0">
+                <a:solidFill>
+                  <a:schemeClr val="bg1"/>
+                </a:solidFill>
+              </a:rPr>
+              <a:t>A</a:t>
+            </a:r>
+          </a:p>
+        </p:txBody>
+      </p:sp>
+      <p:sp>
+        <p:nvSpPr>
+          <p:cNvPr id="126" name="TextBox 125">
+            <a:extLst>
+              <a:ext uri="{FF2B5EF4-FFF2-40B4-BE49-F238E27FC236}">
+                <a16:creationId xmlns:a16="http://schemas.microsoft.com/office/drawing/2014/main" id="{63ABDDF3-8962-A84B-8C73-4AF960C371E7}"/>
+              </a:ext>
+            </a:extLst>
+          </p:cNvPr>
+          <p:cNvSpPr txBox="1"/>
+          <p:nvPr/>
+        </p:nvSpPr>
+        <p:spPr>
+          <a:xfrm>
+            <a:off x="3440398" y="8702244"/>
+            <a:ext cx="435536" cy="466759"/>
+          </a:xfrm>
+          <a:prstGeom prst="rect">
+            <a:avLst/>
+          </a:prstGeom>
+          <a:solidFill>
+            <a:schemeClr val="bg1">
+              <a:lumMod val="50000"/>
+            </a:schemeClr>
+          </a:solidFill>
+        </p:spPr>
+        <p:txBody>
+          <a:bodyPr wrap="square" rtlCol="0">
+            <a:spAutoFit/>
+          </a:bodyPr>
+          <a:lstStyle/>
+          <a:p>
+            <a:pPr algn="ctr"/>
+            <a:r>
+              <a:rPr lang="en-AU" sz="2400" dirty="0">
+                <a:solidFill>
+                  <a:schemeClr val="bg1"/>
+                </a:solidFill>
+              </a:rPr>
+              <a:t>B</a:t>
+            </a:r>
+          </a:p>
+        </p:txBody>
+      </p:sp>
+      <p:cxnSp>
+        <p:nvCxnSpPr>
+          <p:cNvPr id="78" name="Straight Arrow Connector 77">
+            <a:extLst>
+              <a:ext uri="{FF2B5EF4-FFF2-40B4-BE49-F238E27FC236}">
+                <a16:creationId xmlns:a16="http://schemas.microsoft.com/office/drawing/2014/main" id="{3F7D8BB9-BF4D-3A41-96CB-0CC4D2F4F242}"/>
+              </a:ext>
+            </a:extLst>
+          </p:cNvPr>
+          <p:cNvCxnSpPr>
+            <a:cxnSpLocks/>
+            <a:stCxn id="76" idx="2"/>
+          </p:cNvCxnSpPr>
+          <p:nvPr/>
+        </p:nvCxnSpPr>
+        <p:spPr>
+          <a:xfrm>
+            <a:off x="5832753" y="6675080"/>
+            <a:ext cx="120857" cy="889275"/>
+          </a:xfrm>
+          <a:prstGeom prst="straightConnector1">
+            <a:avLst/>
+          </a:prstGeom>
+          <a:ln w="60325">
+            <a:solidFill>
+              <a:schemeClr val="tx1"/>
+            </a:solidFill>
+            <a:tailEnd type="triangle"/>
+          </a:ln>
+        </p:spPr>
+        <p:style>
+          <a:lnRef idx="1">
+            <a:schemeClr val="accent1"/>
+          </a:lnRef>
+          <a:fillRef idx="0">
+            <a:schemeClr val="accent1"/>
+          </a:fillRef>
+          <a:effectRef idx="0">
+            <a:schemeClr val="accent1"/>
+          </a:effectRef>
+          <a:fontRef idx="minor">
+            <a:schemeClr val="tx1"/>
+          </a:fontRef>
+        </p:style>
+      </p:cxnSp>
+      <p:cxnSp>
+        <p:nvCxnSpPr>
+          <p:cNvPr id="83" name="Straight Arrow Connector 82">
+            <a:extLst>
+              <a:ext uri="{FF2B5EF4-FFF2-40B4-BE49-F238E27FC236}">
+                <a16:creationId xmlns:a16="http://schemas.microsoft.com/office/drawing/2014/main" id="{1186C041-FACE-664E-BC19-E498BD630FAC}"/>
+              </a:ext>
+            </a:extLst>
+          </p:cNvPr>
+          <p:cNvCxnSpPr>
+            <a:cxnSpLocks/>
+            <a:endCxn id="90" idx="2"/>
+          </p:cNvCxnSpPr>
+          <p:nvPr/>
+        </p:nvCxnSpPr>
+        <p:spPr>
+          <a:xfrm flipH="1" flipV="1">
+            <a:off x="4107883" y="5939323"/>
+            <a:ext cx="1723416" cy="1580930"/>
+          </a:xfrm>
+          <a:prstGeom prst="straightConnector1">
+            <a:avLst/>
+          </a:prstGeom>
+          <a:ln w="60325">
+            <a:solidFill>
+              <a:schemeClr val="tx1"/>
+            </a:solidFill>
+            <a:tailEnd type="triangle"/>
+          </a:ln>
+        </p:spPr>
+        <p:style>
+          <a:lnRef idx="1">
+            <a:schemeClr val="accent1"/>
+          </a:lnRef>
+          <a:fillRef idx="0">
+            <a:schemeClr val="accent1"/>
+          </a:fillRef>
+          <a:effectRef idx="0">
+            <a:schemeClr val="accent1"/>
+          </a:effectRef>
+          <a:fontRef idx="minor">
+            <a:schemeClr val="tx1"/>
+          </a:fontRef>
+        </p:style>
+      </p:cxnSp>
+      <p:sp>
+        <p:nvSpPr>
+          <p:cNvPr id="91" name="Arc 90">
+            <a:extLst>
+              <a:ext uri="{FF2B5EF4-FFF2-40B4-BE49-F238E27FC236}">
+                <a16:creationId xmlns:a16="http://schemas.microsoft.com/office/drawing/2014/main" id="{246C1494-9101-984C-8083-B9CDBC27C0EE}"/>
+              </a:ext>
+            </a:extLst>
+          </p:cNvPr>
+          <p:cNvSpPr/>
+          <p:nvPr/>
+        </p:nvSpPr>
+        <p:spPr>
+          <a:xfrm rot="17578878" flipH="1">
+            <a:off x="5376214" y="1683791"/>
+            <a:ext cx="5752622" cy="9982574"/>
+          </a:xfrm>
+          <a:prstGeom prst="arc">
+            <a:avLst>
+              <a:gd name="adj1" fmla="val 16131872"/>
+              <a:gd name="adj2" fmla="val 20258141"/>
+            </a:avLst>
+          </a:prstGeom>
+          <a:ln w="82550">
+            <a:solidFill>
+              <a:schemeClr val="tx1"/>
+            </a:solidFill>
+            <a:prstDash val="sysDot"/>
+            <a:tailEnd type="stealth"/>
+          </a:ln>
+        </p:spPr>
+        <p:style>
+          <a:lnRef idx="1">
+            <a:schemeClr val="accent1"/>
+          </a:lnRef>
+          <a:fillRef idx="0">
+            <a:schemeClr val="accent1"/>
+          </a:fillRef>
+          <a:effectRef idx="0">
+            <a:schemeClr val="accent1"/>
+          </a:effectRef>
+          <a:fontRef idx="minor">
+            <a:schemeClr val="tx1"/>
+          </a:fontRef>
+        </p:style>
+        <p:txBody>
+          <a:bodyPr rtlCol="0" anchor="ctr"/>
+          <a:lstStyle/>
+          <a:p>
+            <a:pPr algn="ctr"/>
+            <a:endParaRPr lang="en-AU"/>
+          </a:p>
+        </p:txBody>
+      </p:sp>
+      <p:cxnSp>
+        <p:nvCxnSpPr>
+          <p:cNvPr id="92" name="Straight Arrow Connector 91">
+            <a:extLst>
+              <a:ext uri="{FF2B5EF4-FFF2-40B4-BE49-F238E27FC236}">
+                <a16:creationId xmlns:a16="http://schemas.microsoft.com/office/drawing/2014/main" id="{71AA791B-C5C9-174E-93F5-666EED78FBE2}"/>
+              </a:ext>
+            </a:extLst>
+          </p:cNvPr>
+          <p:cNvCxnSpPr>
+            <a:cxnSpLocks/>
+          </p:cNvCxnSpPr>
+          <p:nvPr/>
+        </p:nvCxnSpPr>
+        <p:spPr>
+          <a:xfrm>
+            <a:off x="3868740" y="4659628"/>
+            <a:ext cx="151257" cy="900904"/>
+          </a:xfrm>
+          <a:prstGeom prst="straightConnector1">
+            <a:avLst/>
+          </a:prstGeom>
+          <a:ln w="82550">
+            <a:solidFill>
+              <a:schemeClr val="tx1"/>
+            </a:solidFill>
+            <a:prstDash val="sysDot"/>
+            <a:tailEnd type="triangle"/>
+          </a:ln>
+        </p:spPr>
+        <p:style>
+          <a:lnRef idx="1">
+            <a:schemeClr val="accent1"/>
+          </a:lnRef>
+          <a:fillRef idx="0">
+            <a:schemeClr val="accent1"/>
+          </a:fillRef>
+          <a:effectRef idx="0">
+            <a:schemeClr val="accent1"/>
+          </a:effectRef>
+          <a:fontRef idx="minor">
+            <a:schemeClr val="tx1"/>
+          </a:fontRef>
+        </p:style>
+      </p:cxnSp>
+      <p:cxnSp>
+        <p:nvCxnSpPr>
+          <p:cNvPr id="94" name="Straight Arrow Connector 93">
+            <a:extLst>
+              <a:ext uri="{FF2B5EF4-FFF2-40B4-BE49-F238E27FC236}">
+                <a16:creationId xmlns:a16="http://schemas.microsoft.com/office/drawing/2014/main" id="{3B287D34-3D6D-CC4B-B270-1450905D2ADB}"/>
+              </a:ext>
+            </a:extLst>
+          </p:cNvPr>
+          <p:cNvCxnSpPr>
+            <a:cxnSpLocks/>
+          </p:cNvCxnSpPr>
+          <p:nvPr/>
+        </p:nvCxnSpPr>
+        <p:spPr>
+          <a:xfrm flipH="1" flipV="1">
+            <a:off x="2131087" y="6060163"/>
+            <a:ext cx="470011" cy="303048"/>
+          </a:xfrm>
+          <a:prstGeom prst="straightConnector1">
+            <a:avLst/>
+          </a:prstGeom>
+          <a:ln w="60325">
+            <a:solidFill>
+              <a:schemeClr val="tx1"/>
+            </a:solidFill>
+            <a:tailEnd type="triangle"/>
+          </a:ln>
+        </p:spPr>
+        <p:style>
+          <a:lnRef idx="1">
+            <a:schemeClr val="accent1"/>
+          </a:lnRef>
+          <a:fillRef idx="0">
+            <a:schemeClr val="accent1"/>
+          </a:fillRef>
+          <a:effectRef idx="0">
+            <a:schemeClr val="accent1"/>
+          </a:effectRef>
+          <a:fontRef idx="minor">
+            <a:schemeClr val="tx1"/>
+          </a:fontRef>
+        </p:style>
+      </p:cxnSp>
+      <p:cxnSp>
+        <p:nvCxnSpPr>
+          <p:cNvPr id="102" name="Straight Arrow Connector 101">
+            <a:extLst>
+              <a:ext uri="{FF2B5EF4-FFF2-40B4-BE49-F238E27FC236}">
+                <a16:creationId xmlns:a16="http://schemas.microsoft.com/office/drawing/2014/main" id="{0B73669C-ECEA-D748-809C-BF9DC25B4120}"/>
+              </a:ext>
+            </a:extLst>
+          </p:cNvPr>
+          <p:cNvCxnSpPr>
+            <a:cxnSpLocks/>
+          </p:cNvCxnSpPr>
+          <p:nvPr/>
+        </p:nvCxnSpPr>
+        <p:spPr>
+          <a:xfrm>
+            <a:off x="1977454" y="3702329"/>
+            <a:ext cx="592204" cy="573037"/>
+          </a:xfrm>
+          <a:prstGeom prst="straightConnector1">
+            <a:avLst/>
+          </a:prstGeom>
+          <a:ln w="82550">
+            <a:solidFill>
+              <a:schemeClr val="tx1"/>
+            </a:solidFill>
+            <a:prstDash val="sysDot"/>
+            <a:tailEnd type="triangle"/>
+          </a:ln>
+        </p:spPr>
+        <p:style>
+          <a:lnRef idx="1">
+            <a:schemeClr val="accent1"/>
+          </a:lnRef>
+          <a:fillRef idx="0">
+            <a:schemeClr val="accent1"/>
+          </a:fillRef>
+          <a:effectRef idx="0">
+            <a:schemeClr val="accent1"/>
+          </a:effectRef>
+          <a:fontRef idx="minor">
+            <a:schemeClr val="tx1"/>
+          </a:fontRef>
+        </p:style>
+      </p:cxnSp>
+      <p:cxnSp>
+        <p:nvCxnSpPr>
+          <p:cNvPr id="104" name="Straight Arrow Connector 103">
+            <a:extLst>
+              <a:ext uri="{FF2B5EF4-FFF2-40B4-BE49-F238E27FC236}">
+                <a16:creationId xmlns:a16="http://schemas.microsoft.com/office/drawing/2014/main" id="{A362892C-4A4E-8C45-9D40-ECED924B1483}"/>
+              </a:ext>
+            </a:extLst>
+          </p:cNvPr>
+          <p:cNvCxnSpPr>
+            <a:cxnSpLocks/>
+          </p:cNvCxnSpPr>
+          <p:nvPr/>
+        </p:nvCxnSpPr>
+        <p:spPr>
+          <a:xfrm flipV="1">
+            <a:off x="6063388" y="6016778"/>
+            <a:ext cx="82349" cy="1479804"/>
+          </a:xfrm>
+          <a:prstGeom prst="straightConnector1">
+            <a:avLst/>
+          </a:prstGeom>
+          <a:ln w="60325">
+            <a:solidFill>
+              <a:schemeClr val="tx1"/>
+            </a:solidFill>
+            <a:tailEnd type="triangle"/>
+          </a:ln>
+        </p:spPr>
+        <p:style>
+          <a:lnRef idx="1">
+            <a:schemeClr val="accent1"/>
+          </a:lnRef>
+          <a:fillRef idx="0">
+            <a:schemeClr val="accent1"/>
+          </a:fillRef>
+          <a:effectRef idx="0">
+            <a:schemeClr val="accent1"/>
+          </a:effectRef>
+          <a:fontRef idx="minor">
+            <a:schemeClr val="tx1"/>
+          </a:fontRef>
+        </p:style>
+      </p:cxnSp>
+      <p:cxnSp>
+        <p:nvCxnSpPr>
+          <p:cNvPr id="110" name="Straight Arrow Connector 109">
+            <a:extLst>
+              <a:ext uri="{FF2B5EF4-FFF2-40B4-BE49-F238E27FC236}">
+                <a16:creationId xmlns:a16="http://schemas.microsoft.com/office/drawing/2014/main" id="{A657916E-CF52-9647-BCC7-0CD642EB284F}"/>
+              </a:ext>
+            </a:extLst>
+          </p:cNvPr>
+          <p:cNvCxnSpPr>
+            <a:cxnSpLocks/>
+          </p:cNvCxnSpPr>
+          <p:nvPr/>
+        </p:nvCxnSpPr>
+        <p:spPr>
+          <a:xfrm>
+            <a:off x="4827502" y="4766490"/>
+            <a:ext cx="952512" cy="676199"/>
+          </a:xfrm>
+          <a:prstGeom prst="straightConnector1">
+            <a:avLst/>
+          </a:prstGeom>
+          <a:ln w="82550">
+            <a:solidFill>
+              <a:schemeClr val="tx1"/>
+            </a:solidFill>
+            <a:prstDash val="sysDot"/>
+            <a:tailEnd type="triangle"/>
+          </a:ln>
+        </p:spPr>
+        <p:style>
+          <a:lnRef idx="1">
+            <a:schemeClr val="accent1"/>
+          </a:lnRef>
+          <a:fillRef idx="0">
+            <a:schemeClr val="accent1"/>
+          </a:fillRef>
+          <a:effectRef idx="0">
+            <a:schemeClr val="accent1"/>
+          </a:effectRef>
+          <a:fontRef idx="minor">
+            <a:schemeClr val="tx1"/>
+          </a:fontRef>
+        </p:style>
+      </p:cxnSp>
+    </p:spTree>
+    <p:extLst>
+      <p:ext uri="{BB962C8B-B14F-4D97-AF65-F5344CB8AC3E}">
+        <p14:creationId xmlns:p14="http://schemas.microsoft.com/office/powerpoint/2010/main" val="2907389899"/>
+      </p:ext>
+    </p:extLst>
+  </p:cSld>
+  <p:clrMapOvr>
+    <a:masterClrMapping/>
+  </p:clrMapOvr>
+</p:sld>
+</file>
+
+<file path=ppt/slides/slide11.xml><?xml version="1.0" encoding="utf-8"?>
+<p:sld xmlns:a="http://schemas.openxmlformats.org/drawingml/2006/main" xmlns:r="http://schemas.openxmlformats.org/officeDocument/2006/relationships" xmlns:p="http://schemas.openxmlformats.org/presentationml/2006/main">
+  <p:cSld>
+    <p:spTree>
+      <p:nvGrpSpPr>
+        <p:cNvPr id="1" name=""/>
+        <p:cNvGrpSpPr/>
+        <p:nvPr/>
+      </p:nvGrpSpPr>
+      <p:grpSpPr>
+        <a:xfrm>
+          <a:off x="0" y="0"/>
+          <a:ext cx="0" cy="0"/>
+          <a:chOff x="0" y="0"/>
+          <a:chExt cx="0" cy="0"/>
+        </a:xfrm>
+      </p:grpSpPr>
+      <p:sp>
+        <p:nvSpPr>
+          <p:cNvPr id="86" name="Arc 85">
+            <a:extLst>
+              <a:ext uri="{FF2B5EF4-FFF2-40B4-BE49-F238E27FC236}">
+                <a16:creationId xmlns:a16="http://schemas.microsoft.com/office/drawing/2014/main" id="{A671E209-76EC-AD41-98DA-FCDA5EFE1896}"/>
+              </a:ext>
+            </a:extLst>
+          </p:cNvPr>
+          <p:cNvSpPr/>
+          <p:nvPr/>
+        </p:nvSpPr>
+        <p:spPr>
+          <a:xfrm flipH="1">
+            <a:off x="3635906" y="3839012"/>
+            <a:ext cx="2065597" cy="4181316"/>
+          </a:xfrm>
+          <a:prstGeom prst="arc">
+            <a:avLst>
+              <a:gd name="adj1" fmla="val 16131872"/>
+              <a:gd name="adj2" fmla="val 20258141"/>
+            </a:avLst>
+          </a:prstGeom>
+          <a:ln w="82550">
+            <a:solidFill>
+              <a:schemeClr val="tx1"/>
+            </a:solidFill>
+            <a:prstDash val="sysDot"/>
+            <a:tailEnd type="stealth"/>
+          </a:ln>
+        </p:spPr>
+        <p:style>
+          <a:lnRef idx="1">
+            <a:schemeClr val="accent1"/>
+          </a:lnRef>
+          <a:fillRef idx="0">
+            <a:schemeClr val="accent1"/>
+          </a:fillRef>
+          <a:effectRef idx="0">
+            <a:schemeClr val="accent1"/>
+          </a:effectRef>
+          <a:fontRef idx="minor">
+            <a:schemeClr val="tx1"/>
+          </a:fontRef>
+        </p:style>
+        <p:txBody>
+          <a:bodyPr rtlCol="0" anchor="ctr"/>
+          <a:lstStyle/>
+          <a:p>
+            <a:pPr algn="ctr"/>
+            <a:endParaRPr lang="en-AU"/>
+          </a:p>
+        </p:txBody>
+      </p:sp>
+      <p:sp>
+        <p:nvSpPr>
+          <p:cNvPr id="24" name="TextBox 23">
+            <a:extLst>
+              <a:ext uri="{FF2B5EF4-FFF2-40B4-BE49-F238E27FC236}">
+                <a16:creationId xmlns:a16="http://schemas.microsoft.com/office/drawing/2014/main" id="{2F07E686-35A4-4245-871F-DFF71870B7E2}"/>
+              </a:ext>
+            </a:extLst>
+          </p:cNvPr>
+          <p:cNvSpPr txBox="1"/>
+          <p:nvPr/>
+        </p:nvSpPr>
+        <p:spPr>
+          <a:xfrm>
+            <a:off x="3290112" y="4181073"/>
+            <a:ext cx="679667" cy="461665"/>
+          </a:xfrm>
+          <a:prstGeom prst="rect">
+            <a:avLst/>
+          </a:prstGeom>
+          <a:noFill/>
+        </p:spPr>
+        <p:txBody>
+          <a:bodyPr wrap="square" rtlCol="0">
+            <a:spAutoFit/>
+          </a:bodyPr>
+          <a:lstStyle/>
+          <a:p>
+            <a:r>
+              <a:rPr lang="en-AU" sz="2400" dirty="0">
+                <a:solidFill>
+                  <a:srgbClr val="0070C0"/>
+                </a:solidFill>
+              </a:rPr>
+              <a:t>D11</a:t>
+            </a:r>
+          </a:p>
+        </p:txBody>
+      </p:sp>
+      <p:cxnSp>
+        <p:nvCxnSpPr>
+          <p:cNvPr id="47" name="Straight Connector 46">
+            <a:extLst>
+              <a:ext uri="{FF2B5EF4-FFF2-40B4-BE49-F238E27FC236}">
+                <a16:creationId xmlns:a16="http://schemas.microsoft.com/office/drawing/2014/main" id="{FDD421D9-46E9-8940-91A2-963CC70167A3}"/>
+              </a:ext>
+            </a:extLst>
+          </p:cNvPr>
+          <p:cNvCxnSpPr>
+            <a:cxnSpLocks/>
+          </p:cNvCxnSpPr>
+          <p:nvPr/>
+        </p:nvCxnSpPr>
+        <p:spPr>
+          <a:xfrm>
+            <a:off x="3348618" y="4191053"/>
+            <a:ext cx="3232214" cy="0"/>
+          </a:xfrm>
+          <a:prstGeom prst="line">
+            <a:avLst/>
+          </a:prstGeom>
+          <a:ln w="38100">
+            <a:solidFill>
+              <a:schemeClr val="accent2"/>
+            </a:solidFill>
+            <a:prstDash val="sysDash"/>
+          </a:ln>
+        </p:spPr>
+        <p:style>
+          <a:lnRef idx="1">
+            <a:schemeClr val="accent1"/>
+          </a:lnRef>
+          <a:fillRef idx="0">
+            <a:schemeClr val="accent1"/>
+          </a:fillRef>
+          <a:effectRef idx="0">
+            <a:schemeClr val="accent1"/>
+          </a:effectRef>
+          <a:fontRef idx="minor">
+            <a:schemeClr val="tx1"/>
+          </a:fontRef>
+        </p:style>
+      </p:cxnSp>
+      <p:sp>
+        <p:nvSpPr>
+          <p:cNvPr id="83" name="TextBox 82">
+            <a:extLst>
+              <a:ext uri="{FF2B5EF4-FFF2-40B4-BE49-F238E27FC236}">
+                <a16:creationId xmlns:a16="http://schemas.microsoft.com/office/drawing/2014/main" id="{45EB17DA-087C-D84B-9025-C2C3F57208A4}"/>
+              </a:ext>
+            </a:extLst>
+          </p:cNvPr>
+          <p:cNvSpPr txBox="1"/>
+          <p:nvPr/>
+        </p:nvSpPr>
+        <p:spPr>
+          <a:xfrm>
+            <a:off x="3435909" y="5512073"/>
+            <a:ext cx="475573" cy="461665"/>
+          </a:xfrm>
+          <a:prstGeom prst="rect">
+            <a:avLst/>
+          </a:prstGeom>
+          <a:solidFill>
+            <a:schemeClr val="bg1">
+              <a:lumMod val="50000"/>
+            </a:schemeClr>
+          </a:solidFill>
+        </p:spPr>
+        <p:txBody>
+          <a:bodyPr wrap="square" rtlCol="0">
+            <a:spAutoFit/>
+          </a:bodyPr>
+          <a:lstStyle/>
+          <a:p>
+            <a:pPr algn="ctr"/>
+            <a:r>
+              <a:rPr lang="en-AU" sz="2400" dirty="0">
+                <a:solidFill>
+                  <a:schemeClr val="bg1"/>
+                </a:solidFill>
+              </a:rPr>
+              <a:t>C</a:t>
+            </a:r>
+          </a:p>
+        </p:txBody>
+      </p:sp>
+      <p:sp>
+        <p:nvSpPr>
+          <p:cNvPr id="5" name="Rounded Rectangle 4">
+            <a:extLst>
+              <a:ext uri="{FF2B5EF4-FFF2-40B4-BE49-F238E27FC236}">
+                <a16:creationId xmlns:a16="http://schemas.microsoft.com/office/drawing/2014/main" id="{3C953649-ED7C-3742-AAEA-8B243B81C427}"/>
+              </a:ext>
+            </a:extLst>
+          </p:cNvPr>
+          <p:cNvSpPr>
+            <a:spLocks noChangeAspect="1"/>
+          </p:cNvSpPr>
+          <p:nvPr/>
+        </p:nvSpPr>
+        <p:spPr>
+          <a:xfrm>
+            <a:off x="3340832" y="7718649"/>
+            <a:ext cx="3240000" cy="1576217"/>
+          </a:xfrm>
+          <a:prstGeom prst="roundRect">
+            <a:avLst/>
+          </a:prstGeom>
+          <a:solidFill>
+            <a:srgbClr val="00B050"/>
+          </a:solidFill>
+          <a:ln w="38100">
+            <a:solidFill>
+              <a:schemeClr val="tx1"/>
+            </a:solidFill>
+          </a:ln>
+        </p:spPr>
+        <p:style>
+          <a:lnRef idx="2">
+            <a:schemeClr val="accent1">
+              <a:shade val="50000"/>
+            </a:schemeClr>
+          </a:lnRef>
+          <a:fillRef idx="1">
+            <a:schemeClr val="accent1"/>
+          </a:fillRef>
+          <a:effectRef idx="0">
+            <a:schemeClr val="accent1"/>
+          </a:effectRef>
+          <a:fontRef idx="minor">
+            <a:schemeClr val="lt1"/>
+          </a:fontRef>
+        </p:style>
+        <p:txBody>
+          <a:bodyPr rtlCol="0" anchor="ctr"/>
+          <a:lstStyle/>
+          <a:p>
+            <a:pPr algn="ctr"/>
+            <a:endParaRPr lang="en-AU"/>
+          </a:p>
+        </p:txBody>
+      </p:sp>
+      <p:sp>
+        <p:nvSpPr>
+          <p:cNvPr id="4" name="Rounded Rectangle 3">
+            <a:extLst>
+              <a:ext uri="{FF2B5EF4-FFF2-40B4-BE49-F238E27FC236}">
+                <a16:creationId xmlns:a16="http://schemas.microsoft.com/office/drawing/2014/main" id="{70652F4E-8EA6-2C4D-A4F0-52433013FDED}"/>
+              </a:ext>
+            </a:extLst>
+          </p:cNvPr>
+          <p:cNvSpPr>
+            <a:spLocks noChangeAspect="1"/>
+          </p:cNvSpPr>
+          <p:nvPr/>
+        </p:nvSpPr>
+        <p:spPr>
+          <a:xfrm>
+            <a:off x="3340832" y="2114322"/>
+            <a:ext cx="3240000" cy="5604325"/>
+          </a:xfrm>
+          <a:prstGeom prst="roundRect">
+            <a:avLst/>
+          </a:prstGeom>
+          <a:noFill/>
+          <a:ln w="38100">
+            <a:solidFill>
+              <a:schemeClr val="tx1"/>
+            </a:solidFill>
+          </a:ln>
+        </p:spPr>
+        <p:style>
+          <a:lnRef idx="2">
+            <a:schemeClr val="accent1">
+              <a:shade val="50000"/>
+            </a:schemeClr>
+          </a:lnRef>
+          <a:fillRef idx="1">
+            <a:schemeClr val="accent1"/>
+          </a:fillRef>
+          <a:effectRef idx="0">
+            <a:schemeClr val="accent1"/>
+          </a:effectRef>
+          <a:fontRef idx="minor">
+            <a:schemeClr val="lt1"/>
+          </a:fontRef>
+        </p:style>
+        <p:txBody>
+          <a:bodyPr rtlCol="0" anchor="ctr"/>
+          <a:lstStyle/>
+          <a:p>
+            <a:pPr algn="ctr"/>
+            <a:endParaRPr lang="en-AU"/>
+          </a:p>
+        </p:txBody>
+      </p:sp>
+      <p:sp>
+        <p:nvSpPr>
+          <p:cNvPr id="6" name="Rounded Rectangle 5">
+            <a:extLst>
+              <a:ext uri="{FF2B5EF4-FFF2-40B4-BE49-F238E27FC236}">
+                <a16:creationId xmlns:a16="http://schemas.microsoft.com/office/drawing/2014/main" id="{781AE066-2F6F-CD4A-8C9D-2174A5C270BE}"/>
+              </a:ext>
+            </a:extLst>
+          </p:cNvPr>
+          <p:cNvSpPr>
+            <a:spLocks noChangeAspect="1"/>
+          </p:cNvSpPr>
+          <p:nvPr/>
+        </p:nvSpPr>
+        <p:spPr>
+          <a:xfrm>
+            <a:off x="3340832" y="520745"/>
+            <a:ext cx="3240000" cy="1576217"/>
+          </a:xfrm>
+          <a:prstGeom prst="roundRect">
+            <a:avLst/>
+          </a:prstGeom>
+          <a:solidFill>
+            <a:srgbClr val="FF0000"/>
+          </a:solidFill>
+          <a:ln w="38100">
+            <a:solidFill>
+              <a:schemeClr val="tx1"/>
+            </a:solidFill>
+          </a:ln>
+        </p:spPr>
+        <p:style>
+          <a:lnRef idx="2">
+            <a:schemeClr val="accent1">
+              <a:shade val="50000"/>
+            </a:schemeClr>
+          </a:lnRef>
+          <a:fillRef idx="1">
+            <a:schemeClr val="accent1"/>
+          </a:fillRef>
+          <a:effectRef idx="0">
+            <a:schemeClr val="accent1"/>
+          </a:effectRef>
+          <a:fontRef idx="minor">
+            <a:schemeClr val="lt1"/>
+          </a:fontRef>
+        </p:style>
+        <p:txBody>
+          <a:bodyPr rtlCol="0" anchor="ctr"/>
+          <a:lstStyle/>
+          <a:p>
+            <a:pPr algn="ctr"/>
+            <a:endParaRPr lang="en-AU" dirty="0"/>
+          </a:p>
+        </p:txBody>
+      </p:sp>
+      <p:sp>
+        <p:nvSpPr>
+          <p:cNvPr id="12" name="Multiply 11">
+            <a:extLst>
+              <a:ext uri="{FF2B5EF4-FFF2-40B4-BE49-F238E27FC236}">
+                <a16:creationId xmlns:a16="http://schemas.microsoft.com/office/drawing/2014/main" id="{782966C4-8BAB-EC4A-B3CC-ECB9FD404B1E}"/>
+              </a:ext>
+            </a:extLst>
+          </p:cNvPr>
+          <p:cNvSpPr/>
+          <p:nvPr/>
+        </p:nvSpPr>
+        <p:spPr>
+          <a:xfrm>
+            <a:off x="4585940" y="5737186"/>
+            <a:ext cx="816177" cy="849086"/>
+          </a:xfrm>
+          <a:prstGeom prst="mathMultiply">
+            <a:avLst/>
+          </a:prstGeom>
+          <a:noFill/>
+        </p:spPr>
+        <p:style>
+          <a:lnRef idx="2">
+            <a:schemeClr val="accent1">
+              <a:shade val="50000"/>
+            </a:schemeClr>
+          </a:lnRef>
+          <a:fillRef idx="1">
+            <a:schemeClr val="accent1"/>
+          </a:fillRef>
+          <a:effectRef idx="0">
+            <a:schemeClr val="accent1"/>
+          </a:effectRef>
+          <a:fontRef idx="minor">
+            <a:schemeClr val="lt1"/>
+          </a:fontRef>
+        </p:style>
+        <p:txBody>
+          <a:bodyPr rtlCol="0" anchor="ctr"/>
+          <a:lstStyle/>
+          <a:p>
+            <a:pPr algn="ctr"/>
+            <a:endParaRPr lang="en-AU" sz="2400"/>
+          </a:p>
+        </p:txBody>
+      </p:sp>
+      <p:sp>
+        <p:nvSpPr>
+          <p:cNvPr id="13" name="Multiply 12">
+            <a:extLst>
+              <a:ext uri="{FF2B5EF4-FFF2-40B4-BE49-F238E27FC236}">
+                <a16:creationId xmlns:a16="http://schemas.microsoft.com/office/drawing/2014/main" id="{711FF500-E426-0D44-916C-B24A7A610DF5}"/>
+              </a:ext>
+            </a:extLst>
+          </p:cNvPr>
+          <p:cNvSpPr/>
+          <p:nvPr/>
+        </p:nvSpPr>
+        <p:spPr>
+          <a:xfrm>
+            <a:off x="4562980" y="3246701"/>
+            <a:ext cx="986825" cy="849086"/>
+          </a:xfrm>
+          <a:prstGeom prst="mathMultiply">
+            <a:avLst/>
+          </a:prstGeom>
+          <a:noFill/>
+        </p:spPr>
+        <p:style>
+          <a:lnRef idx="2">
+            <a:schemeClr val="accent1">
+              <a:shade val="50000"/>
+            </a:schemeClr>
+          </a:lnRef>
+          <a:fillRef idx="1">
+            <a:schemeClr val="accent1"/>
+          </a:fillRef>
+          <a:effectRef idx="0">
+            <a:schemeClr val="accent1"/>
+          </a:effectRef>
+          <a:fontRef idx="minor">
+            <a:schemeClr val="lt1"/>
+          </a:fontRef>
+        </p:style>
+        <p:txBody>
+          <a:bodyPr rtlCol="0" anchor="ctr"/>
+          <a:lstStyle/>
+          <a:p>
+            <a:pPr algn="ctr"/>
+            <a:endParaRPr lang="en-AU" sz="2400"/>
+          </a:p>
+        </p:txBody>
+      </p:sp>
+      <p:sp>
+        <p:nvSpPr>
+          <p:cNvPr id="14" name="TextBox 13">
+            <a:extLst>
+              <a:ext uri="{FF2B5EF4-FFF2-40B4-BE49-F238E27FC236}">
+                <a16:creationId xmlns:a16="http://schemas.microsoft.com/office/drawing/2014/main" id="{CC9FDAD2-F231-6B43-92F7-C2C2863676C2}"/>
+              </a:ext>
+            </a:extLst>
+          </p:cNvPr>
+          <p:cNvSpPr txBox="1"/>
+          <p:nvPr/>
+        </p:nvSpPr>
+        <p:spPr>
+          <a:xfrm>
+            <a:off x="5271173" y="4720582"/>
+            <a:ext cx="625725" cy="461665"/>
+          </a:xfrm>
+          <a:prstGeom prst="rect">
+            <a:avLst/>
+          </a:prstGeom>
+          <a:noFill/>
+        </p:spPr>
+        <p:txBody>
+          <a:bodyPr wrap="square" rtlCol="0">
+            <a:spAutoFit/>
+          </a:bodyPr>
+          <a:lstStyle/>
+          <a:p>
+            <a:r>
+              <a:rPr lang="en-AU" sz="2400" dirty="0"/>
+              <a:t>O2</a:t>
+            </a:r>
+          </a:p>
+        </p:txBody>
+      </p:sp>
+      <p:sp>
+        <p:nvSpPr>
+          <p:cNvPr id="15" name="TextBox 14">
+            <a:extLst>
+              <a:ext uri="{FF2B5EF4-FFF2-40B4-BE49-F238E27FC236}">
+                <a16:creationId xmlns:a16="http://schemas.microsoft.com/office/drawing/2014/main" id="{3986F052-18AA-4443-A26B-C88FE17F207D}"/>
+              </a:ext>
+            </a:extLst>
+          </p:cNvPr>
+          <p:cNvSpPr txBox="1"/>
+          <p:nvPr/>
+        </p:nvSpPr>
+        <p:spPr>
+          <a:xfrm>
+            <a:off x="6057150" y="4466447"/>
+            <a:ext cx="553967" cy="461665"/>
+          </a:xfrm>
+          <a:prstGeom prst="rect">
+            <a:avLst/>
+          </a:prstGeom>
+          <a:noFill/>
+        </p:spPr>
+        <p:txBody>
+          <a:bodyPr wrap="square" rtlCol="0">
+            <a:spAutoFit/>
+          </a:bodyPr>
+          <a:lstStyle/>
+          <a:p>
+            <a:r>
+              <a:rPr lang="en-AU" sz="2400" dirty="0"/>
+              <a:t>O1</a:t>
+            </a:r>
+          </a:p>
+        </p:txBody>
+      </p:sp>
+      <p:sp>
+        <p:nvSpPr>
+          <p:cNvPr id="16" name="TextBox 15">
+            <a:extLst>
+              <a:ext uri="{FF2B5EF4-FFF2-40B4-BE49-F238E27FC236}">
+                <a16:creationId xmlns:a16="http://schemas.microsoft.com/office/drawing/2014/main" id="{EEF04ED5-E466-A243-9D27-7184F13C1262}"/>
+              </a:ext>
+            </a:extLst>
+          </p:cNvPr>
+          <p:cNvSpPr txBox="1"/>
+          <p:nvPr/>
+        </p:nvSpPr>
+        <p:spPr>
+          <a:xfrm>
+            <a:off x="4489481" y="4661460"/>
+            <a:ext cx="625725" cy="461665"/>
+          </a:xfrm>
+          <a:prstGeom prst="rect">
+            <a:avLst/>
+          </a:prstGeom>
+          <a:noFill/>
+        </p:spPr>
+        <p:txBody>
+          <a:bodyPr wrap="square" rtlCol="0">
+            <a:spAutoFit/>
+          </a:bodyPr>
+          <a:lstStyle/>
+          <a:p>
+            <a:r>
+              <a:rPr lang="en-AU" sz="2400" dirty="0"/>
+              <a:t>O3</a:t>
+            </a:r>
+          </a:p>
+        </p:txBody>
+      </p:sp>
+      <p:sp>
+        <p:nvSpPr>
+          <p:cNvPr id="17" name="TextBox 16">
+            <a:extLst>
+              <a:ext uri="{FF2B5EF4-FFF2-40B4-BE49-F238E27FC236}">
+                <a16:creationId xmlns:a16="http://schemas.microsoft.com/office/drawing/2014/main" id="{7AB684D8-9879-0C4A-9489-F87A8809D064}"/>
+              </a:ext>
+            </a:extLst>
+          </p:cNvPr>
+          <p:cNvSpPr txBox="1"/>
+          <p:nvPr/>
+        </p:nvSpPr>
+        <p:spPr>
+          <a:xfrm>
+            <a:off x="3402077" y="4576098"/>
+            <a:ext cx="625725" cy="461665"/>
+          </a:xfrm>
+          <a:prstGeom prst="rect">
+            <a:avLst/>
+          </a:prstGeom>
+          <a:solidFill>
+            <a:schemeClr val="tx1"/>
+          </a:solidFill>
+        </p:spPr>
+        <p:txBody>
+          <a:bodyPr wrap="square" rtlCol="0">
+            <a:spAutoFit/>
+          </a:bodyPr>
+          <a:lstStyle/>
+          <a:p>
+            <a:pPr algn="ctr"/>
+            <a:r>
+              <a:rPr lang="en-AU" sz="2400" dirty="0">
+                <a:solidFill>
+                  <a:schemeClr val="bg1"/>
+                </a:solidFill>
+              </a:rPr>
+              <a:t>O4</a:t>
+            </a:r>
+          </a:p>
+        </p:txBody>
+      </p:sp>
+      <p:sp>
+        <p:nvSpPr>
+          <p:cNvPr id="18" name="TextBox 17">
+            <a:extLst>
+              <a:ext uri="{FF2B5EF4-FFF2-40B4-BE49-F238E27FC236}">
+                <a16:creationId xmlns:a16="http://schemas.microsoft.com/office/drawing/2014/main" id="{F387E253-DCE8-A344-84ED-5DB76FED00C0}"/>
+              </a:ext>
+            </a:extLst>
+          </p:cNvPr>
+          <p:cNvSpPr txBox="1"/>
+          <p:nvPr/>
+        </p:nvSpPr>
+        <p:spPr>
+          <a:xfrm>
+            <a:off x="6071120" y="3486578"/>
+            <a:ext cx="625725" cy="461665"/>
+          </a:xfrm>
+          <a:prstGeom prst="rect">
+            <a:avLst/>
+          </a:prstGeom>
+          <a:noFill/>
+        </p:spPr>
+        <p:txBody>
+          <a:bodyPr wrap="square" rtlCol="0">
+            <a:spAutoFit/>
+          </a:bodyPr>
+          <a:lstStyle/>
+          <a:p>
+            <a:r>
+              <a:rPr lang="en-AU" sz="2400" dirty="0"/>
+              <a:t>O5</a:t>
+            </a:r>
+          </a:p>
+        </p:txBody>
+      </p:sp>
+      <p:sp>
+        <p:nvSpPr>
+          <p:cNvPr id="19" name="TextBox 18">
+            <a:extLst>
+              <a:ext uri="{FF2B5EF4-FFF2-40B4-BE49-F238E27FC236}">
+                <a16:creationId xmlns:a16="http://schemas.microsoft.com/office/drawing/2014/main" id="{A2087CBC-C5DF-574A-BDD6-786E46B4A1F8}"/>
+              </a:ext>
+            </a:extLst>
+          </p:cNvPr>
+          <p:cNvSpPr txBox="1"/>
+          <p:nvPr/>
+        </p:nvSpPr>
+        <p:spPr>
+          <a:xfrm>
+            <a:off x="4808951" y="3422524"/>
+            <a:ext cx="663996" cy="461665"/>
+          </a:xfrm>
+          <a:prstGeom prst="rect">
+            <a:avLst/>
+          </a:prstGeom>
+          <a:noFill/>
+        </p:spPr>
+        <p:txBody>
+          <a:bodyPr wrap="square" rtlCol="0">
+            <a:spAutoFit/>
+          </a:bodyPr>
+          <a:lstStyle/>
+          <a:p>
+            <a:r>
+              <a:rPr lang="en-AU" sz="2400" dirty="0"/>
+              <a:t>O6</a:t>
+            </a:r>
+          </a:p>
+        </p:txBody>
+      </p:sp>
+      <p:sp>
+        <p:nvSpPr>
+          <p:cNvPr id="20" name="TextBox 19">
+            <a:extLst>
+              <a:ext uri="{FF2B5EF4-FFF2-40B4-BE49-F238E27FC236}">
+                <a16:creationId xmlns:a16="http://schemas.microsoft.com/office/drawing/2014/main" id="{3B025EB7-D319-3540-8105-6009DDC47831}"/>
+              </a:ext>
+            </a:extLst>
+          </p:cNvPr>
+          <p:cNvSpPr txBox="1"/>
+          <p:nvPr/>
+        </p:nvSpPr>
+        <p:spPr>
+          <a:xfrm>
+            <a:off x="3569220" y="2686478"/>
+            <a:ext cx="625725" cy="461665"/>
+          </a:xfrm>
+          <a:prstGeom prst="rect">
+            <a:avLst/>
+          </a:prstGeom>
+          <a:noFill/>
+        </p:spPr>
+        <p:txBody>
+          <a:bodyPr wrap="square" rtlCol="0">
+            <a:spAutoFit/>
+          </a:bodyPr>
+          <a:lstStyle/>
+          <a:p>
+            <a:r>
+              <a:rPr lang="en-AU" sz="2400" dirty="0"/>
+              <a:t>O7</a:t>
+            </a:r>
+          </a:p>
+        </p:txBody>
+      </p:sp>
+      <p:sp>
+        <p:nvSpPr>
+          <p:cNvPr id="21" name="TextBox 20">
+            <a:extLst>
+              <a:ext uri="{FF2B5EF4-FFF2-40B4-BE49-F238E27FC236}">
+                <a16:creationId xmlns:a16="http://schemas.microsoft.com/office/drawing/2014/main" id="{52AF208C-DBD1-3640-80BB-BFEF6E67AA82}"/>
+              </a:ext>
+            </a:extLst>
+          </p:cNvPr>
+          <p:cNvSpPr txBox="1"/>
+          <p:nvPr/>
+        </p:nvSpPr>
+        <p:spPr>
+          <a:xfrm>
+            <a:off x="5817002" y="4820761"/>
+            <a:ext cx="625725" cy="461665"/>
+          </a:xfrm>
+          <a:prstGeom prst="rect">
+            <a:avLst/>
+          </a:prstGeom>
+          <a:noFill/>
+        </p:spPr>
+        <p:txBody>
+          <a:bodyPr wrap="square" rtlCol="0">
+            <a:spAutoFit/>
+          </a:bodyPr>
+          <a:lstStyle/>
+          <a:p>
+            <a:r>
+              <a:rPr lang="en-AU" sz="2400" dirty="0">
+                <a:solidFill>
+                  <a:srgbClr val="0070C0"/>
+                </a:solidFill>
+              </a:rPr>
+              <a:t>D8</a:t>
+            </a:r>
+          </a:p>
+        </p:txBody>
+      </p:sp>
+      <p:sp>
+        <p:nvSpPr>
+          <p:cNvPr id="22" name="TextBox 21">
+            <a:extLst>
+              <a:ext uri="{FF2B5EF4-FFF2-40B4-BE49-F238E27FC236}">
+                <a16:creationId xmlns:a16="http://schemas.microsoft.com/office/drawing/2014/main" id="{329C0760-F363-5D42-B231-1684AA9C118C}"/>
+              </a:ext>
+            </a:extLst>
+          </p:cNvPr>
+          <p:cNvSpPr txBox="1"/>
+          <p:nvPr/>
+        </p:nvSpPr>
+        <p:spPr>
+          <a:xfrm>
+            <a:off x="5112858" y="4333913"/>
+            <a:ext cx="625725" cy="461665"/>
+          </a:xfrm>
+          <a:prstGeom prst="rect">
+            <a:avLst/>
+          </a:prstGeom>
+          <a:noFill/>
+        </p:spPr>
+        <p:txBody>
+          <a:bodyPr wrap="square" rtlCol="0">
+            <a:spAutoFit/>
+          </a:bodyPr>
+          <a:lstStyle/>
+          <a:p>
+            <a:r>
+              <a:rPr lang="en-AU" sz="2400" dirty="0">
+                <a:solidFill>
+                  <a:srgbClr val="0070C0"/>
+                </a:solidFill>
+              </a:rPr>
+              <a:t>D9</a:t>
+            </a:r>
+          </a:p>
+        </p:txBody>
+      </p:sp>
+      <p:sp>
+        <p:nvSpPr>
+          <p:cNvPr id="23" name="TextBox 22">
+            <a:extLst>
+              <a:ext uri="{FF2B5EF4-FFF2-40B4-BE49-F238E27FC236}">
+                <a16:creationId xmlns:a16="http://schemas.microsoft.com/office/drawing/2014/main" id="{7D0E6BA3-DC58-5548-9512-A62D90CF5E98}"/>
+              </a:ext>
+            </a:extLst>
+          </p:cNvPr>
+          <p:cNvSpPr txBox="1"/>
+          <p:nvPr/>
+        </p:nvSpPr>
+        <p:spPr>
+          <a:xfrm>
+            <a:off x="4162705" y="4318071"/>
+            <a:ext cx="826926" cy="461665"/>
+          </a:xfrm>
+          <a:prstGeom prst="rect">
+            <a:avLst/>
+          </a:prstGeom>
+          <a:noFill/>
+        </p:spPr>
+        <p:txBody>
+          <a:bodyPr wrap="square" rtlCol="0">
+            <a:spAutoFit/>
+          </a:bodyPr>
+          <a:lstStyle/>
+          <a:p>
+            <a:r>
+              <a:rPr lang="en-AU" sz="2400" dirty="0">
+                <a:solidFill>
+                  <a:srgbClr val="0070C0"/>
+                </a:solidFill>
+              </a:rPr>
+              <a:t>D10</a:t>
+            </a:r>
+          </a:p>
+        </p:txBody>
+      </p:sp>
+      <p:sp>
+        <p:nvSpPr>
+          <p:cNvPr id="25" name="TextBox 24">
+            <a:extLst>
+              <a:ext uri="{FF2B5EF4-FFF2-40B4-BE49-F238E27FC236}">
+                <a16:creationId xmlns:a16="http://schemas.microsoft.com/office/drawing/2014/main" id="{0752D762-AB6E-314A-9593-3121603F88E7}"/>
+              </a:ext>
+            </a:extLst>
+          </p:cNvPr>
+          <p:cNvSpPr txBox="1"/>
+          <p:nvPr/>
+        </p:nvSpPr>
+        <p:spPr>
+          <a:xfrm>
+            <a:off x="5875706" y="3676421"/>
+            <a:ext cx="826926" cy="461665"/>
+          </a:xfrm>
+          <a:prstGeom prst="rect">
+            <a:avLst/>
+          </a:prstGeom>
+          <a:noFill/>
+        </p:spPr>
+        <p:txBody>
+          <a:bodyPr wrap="square" rtlCol="0">
+            <a:spAutoFit/>
+          </a:bodyPr>
+          <a:lstStyle/>
+          <a:p>
+            <a:r>
+              <a:rPr lang="en-AU" sz="2400" dirty="0">
+                <a:solidFill>
+                  <a:srgbClr val="0070C0"/>
+                </a:solidFill>
+              </a:rPr>
+              <a:t>D12</a:t>
+            </a:r>
+          </a:p>
+        </p:txBody>
+      </p:sp>
+      <p:sp>
+        <p:nvSpPr>
+          <p:cNvPr id="26" name="TextBox 25">
+            <a:extLst>
+              <a:ext uri="{FF2B5EF4-FFF2-40B4-BE49-F238E27FC236}">
+                <a16:creationId xmlns:a16="http://schemas.microsoft.com/office/drawing/2014/main" id="{9DAF916B-52B3-584A-B384-14D8DBA2AF05}"/>
+              </a:ext>
+            </a:extLst>
+          </p:cNvPr>
+          <p:cNvSpPr txBox="1"/>
+          <p:nvPr/>
+        </p:nvSpPr>
+        <p:spPr>
+          <a:xfrm>
+            <a:off x="4934978" y="3826271"/>
+            <a:ext cx="826926" cy="461665"/>
+          </a:xfrm>
+          <a:prstGeom prst="rect">
+            <a:avLst/>
+          </a:prstGeom>
+          <a:noFill/>
+        </p:spPr>
+        <p:txBody>
+          <a:bodyPr wrap="square" rtlCol="0">
+            <a:spAutoFit/>
+          </a:bodyPr>
+          <a:lstStyle/>
+          <a:p>
+            <a:r>
+              <a:rPr lang="en-AU" sz="2400" dirty="0">
+                <a:solidFill>
+                  <a:srgbClr val="0070C0"/>
+                </a:solidFill>
+              </a:rPr>
+              <a:t>D13</a:t>
+            </a:r>
+          </a:p>
+        </p:txBody>
+      </p:sp>
+      <p:sp>
+        <p:nvSpPr>
+          <p:cNvPr id="27" name="TextBox 26">
+            <a:extLst>
+              <a:ext uri="{FF2B5EF4-FFF2-40B4-BE49-F238E27FC236}">
+                <a16:creationId xmlns:a16="http://schemas.microsoft.com/office/drawing/2014/main" id="{4E9E14C7-CBCA-234F-9806-A90D9C1DDF75}"/>
+              </a:ext>
+            </a:extLst>
+          </p:cNvPr>
+          <p:cNvSpPr txBox="1"/>
+          <p:nvPr/>
+        </p:nvSpPr>
+        <p:spPr>
+          <a:xfrm>
+            <a:off x="3789657" y="2945019"/>
+            <a:ext cx="826926" cy="461665"/>
+          </a:xfrm>
+          <a:prstGeom prst="rect">
+            <a:avLst/>
+          </a:prstGeom>
+          <a:noFill/>
+        </p:spPr>
+        <p:txBody>
+          <a:bodyPr wrap="square" rtlCol="0">
+            <a:spAutoFit/>
+          </a:bodyPr>
+          <a:lstStyle/>
+          <a:p>
+            <a:r>
+              <a:rPr lang="en-AU" sz="2400" dirty="0">
+                <a:solidFill>
+                  <a:srgbClr val="0070C0"/>
+                </a:solidFill>
+              </a:rPr>
+              <a:t>D14</a:t>
+            </a:r>
+          </a:p>
+        </p:txBody>
+      </p:sp>
+      <p:sp>
+        <p:nvSpPr>
+          <p:cNvPr id="40" name="Oval 39">
+            <a:extLst>
+              <a:ext uri="{FF2B5EF4-FFF2-40B4-BE49-F238E27FC236}">
+                <a16:creationId xmlns:a16="http://schemas.microsoft.com/office/drawing/2014/main" id="{F7991E49-51E5-B144-BF2D-90C81A5A6344}"/>
+              </a:ext>
+            </a:extLst>
+          </p:cNvPr>
+          <p:cNvSpPr/>
+          <p:nvPr/>
+        </p:nvSpPr>
+        <p:spPr>
+          <a:xfrm>
+            <a:off x="4702019" y="3685674"/>
+            <a:ext cx="232959" cy="221640"/>
+          </a:xfrm>
+          <a:prstGeom prst="ellipse">
+            <a:avLst/>
+          </a:prstGeom>
+          <a:solidFill>
+            <a:schemeClr val="tx1"/>
+          </a:solidFill>
+        </p:spPr>
+        <p:style>
+          <a:lnRef idx="2">
+            <a:schemeClr val="accent1">
+              <a:shade val="50000"/>
+            </a:schemeClr>
+          </a:lnRef>
+          <a:fillRef idx="1">
+            <a:schemeClr val="accent1"/>
+          </a:fillRef>
+          <a:effectRef idx="0">
+            <a:schemeClr val="accent1"/>
+          </a:effectRef>
+          <a:fontRef idx="minor">
+            <a:schemeClr val="lt1"/>
+          </a:fontRef>
+        </p:style>
+        <p:txBody>
+          <a:bodyPr rtlCol="0" anchor="ctr"/>
+          <a:lstStyle/>
+          <a:p>
+            <a:pPr algn="ctr"/>
+            <a:endParaRPr lang="en-AU" sz="2400"/>
+          </a:p>
+        </p:txBody>
+      </p:sp>
+      <p:cxnSp>
+        <p:nvCxnSpPr>
+          <p:cNvPr id="32" name="Straight Arrow Connector 31">
+            <a:extLst>
+              <a:ext uri="{FF2B5EF4-FFF2-40B4-BE49-F238E27FC236}">
+                <a16:creationId xmlns:a16="http://schemas.microsoft.com/office/drawing/2014/main" id="{0705D754-352C-CC42-A207-BDE84EF50A27}"/>
+              </a:ext>
+            </a:extLst>
+          </p:cNvPr>
+          <p:cNvCxnSpPr>
+            <a:cxnSpLocks/>
+          </p:cNvCxnSpPr>
+          <p:nvPr/>
+        </p:nvCxnSpPr>
+        <p:spPr>
+          <a:xfrm flipH="1">
+            <a:off x="3913279" y="5055461"/>
+            <a:ext cx="92" cy="1329016"/>
+          </a:xfrm>
+          <a:prstGeom prst="straightConnector1">
+            <a:avLst/>
+          </a:prstGeom>
+          <a:ln w="60325">
+            <a:solidFill>
+              <a:schemeClr val="tx1"/>
+            </a:solidFill>
+            <a:tailEnd type="triangle"/>
+          </a:ln>
+        </p:spPr>
+        <p:style>
+          <a:lnRef idx="1">
+            <a:schemeClr val="accent1"/>
+          </a:lnRef>
+          <a:fillRef idx="0">
+            <a:schemeClr val="accent1"/>
+          </a:fillRef>
+          <a:effectRef idx="0">
+            <a:schemeClr val="accent1"/>
+          </a:effectRef>
+          <a:fontRef idx="minor">
+            <a:schemeClr val="tx1"/>
+          </a:fontRef>
+        </p:style>
+      </p:cxnSp>
+      <p:cxnSp>
+        <p:nvCxnSpPr>
+          <p:cNvPr id="37" name="Straight Arrow Connector 36">
+            <a:extLst>
+              <a:ext uri="{FF2B5EF4-FFF2-40B4-BE49-F238E27FC236}">
+                <a16:creationId xmlns:a16="http://schemas.microsoft.com/office/drawing/2014/main" id="{6DCCF6E3-B09D-AF4A-8608-B9B815919D4C}"/>
+              </a:ext>
+            </a:extLst>
+          </p:cNvPr>
+          <p:cNvCxnSpPr>
+            <a:cxnSpLocks/>
+          </p:cNvCxnSpPr>
+          <p:nvPr/>
+        </p:nvCxnSpPr>
+        <p:spPr>
+          <a:xfrm flipV="1">
+            <a:off x="3702346" y="5974073"/>
+            <a:ext cx="0" cy="487539"/>
+          </a:xfrm>
+          <a:prstGeom prst="straightConnector1">
+            <a:avLst/>
+          </a:prstGeom>
+          <a:ln w="60325">
+            <a:solidFill>
+              <a:schemeClr val="tx1"/>
+            </a:solidFill>
+            <a:tailEnd type="triangle"/>
+          </a:ln>
+        </p:spPr>
+        <p:style>
+          <a:lnRef idx="1">
+            <a:schemeClr val="accent1"/>
+          </a:lnRef>
+          <a:fillRef idx="0">
+            <a:schemeClr val="accent1"/>
+          </a:fillRef>
+          <a:effectRef idx="0">
+            <a:schemeClr val="accent1"/>
+          </a:effectRef>
+          <a:fontRef idx="minor">
+            <a:schemeClr val="tx1"/>
+          </a:fontRef>
+        </p:style>
+      </p:cxnSp>
+      <p:cxnSp>
+        <p:nvCxnSpPr>
+          <p:cNvPr id="46" name="Straight Connector 45">
+            <a:extLst>
+              <a:ext uri="{FF2B5EF4-FFF2-40B4-BE49-F238E27FC236}">
+                <a16:creationId xmlns:a16="http://schemas.microsoft.com/office/drawing/2014/main" id="{F3236F0C-4C3D-4644-9082-CD27BBDCE797}"/>
+              </a:ext>
+            </a:extLst>
+          </p:cNvPr>
+          <p:cNvCxnSpPr>
+            <a:cxnSpLocks/>
+          </p:cNvCxnSpPr>
+          <p:nvPr/>
+        </p:nvCxnSpPr>
+        <p:spPr>
+          <a:xfrm>
+            <a:off x="3352396" y="6469056"/>
+            <a:ext cx="3228436" cy="0"/>
+          </a:xfrm>
+          <a:prstGeom prst="line">
+            <a:avLst/>
+          </a:prstGeom>
+          <a:ln w="38100">
+            <a:solidFill>
+              <a:srgbClr val="FF0000"/>
+            </a:solidFill>
+            <a:prstDash val="sysDash"/>
+          </a:ln>
+        </p:spPr>
+        <p:style>
+          <a:lnRef idx="1">
+            <a:schemeClr val="accent1"/>
+          </a:lnRef>
+          <a:fillRef idx="0">
+            <a:schemeClr val="accent1"/>
+          </a:fillRef>
+          <a:effectRef idx="0">
+            <a:schemeClr val="accent1"/>
+          </a:effectRef>
+          <a:fontRef idx="minor">
+            <a:schemeClr val="tx1"/>
+          </a:fontRef>
+        </p:style>
+      </p:cxnSp>
+      <p:sp>
+        <p:nvSpPr>
+          <p:cNvPr id="54" name="Rounded Rectangle 53">
+            <a:extLst>
+              <a:ext uri="{FF2B5EF4-FFF2-40B4-BE49-F238E27FC236}">
+                <a16:creationId xmlns:a16="http://schemas.microsoft.com/office/drawing/2014/main" id="{6CF4441A-2D65-3944-9BD2-0AC8DE1F5AFB}"/>
+              </a:ext>
+            </a:extLst>
+          </p:cNvPr>
+          <p:cNvSpPr>
+            <a:spLocks noChangeAspect="1"/>
+          </p:cNvSpPr>
+          <p:nvPr/>
+        </p:nvSpPr>
+        <p:spPr>
+          <a:xfrm>
+            <a:off x="40491" y="2114322"/>
+            <a:ext cx="3240000" cy="5604325"/>
+          </a:xfrm>
+          <a:prstGeom prst="roundRect">
+            <a:avLst/>
+          </a:prstGeom>
+          <a:noFill/>
+          <a:ln w="38100">
+            <a:solidFill>
+              <a:schemeClr val="tx1"/>
+            </a:solidFill>
+          </a:ln>
+        </p:spPr>
+        <p:style>
+          <a:lnRef idx="2">
+            <a:schemeClr val="accent1">
+              <a:shade val="50000"/>
+            </a:schemeClr>
+          </a:lnRef>
+          <a:fillRef idx="1">
+            <a:schemeClr val="accent1"/>
+          </a:fillRef>
+          <a:effectRef idx="0">
+            <a:schemeClr val="accent1"/>
+          </a:effectRef>
+          <a:fontRef idx="minor">
+            <a:schemeClr val="lt1"/>
+          </a:fontRef>
+        </p:style>
+        <p:txBody>
+          <a:bodyPr rtlCol="0" anchor="ctr"/>
+          <a:lstStyle/>
+          <a:p>
+            <a:pPr algn="ctr"/>
+            <a:endParaRPr lang="en-AU"/>
+          </a:p>
+        </p:txBody>
+      </p:sp>
+      <p:sp>
+        <p:nvSpPr>
+          <p:cNvPr id="55" name="Rounded Rectangle 54">
+            <a:extLst>
+              <a:ext uri="{FF2B5EF4-FFF2-40B4-BE49-F238E27FC236}">
+                <a16:creationId xmlns:a16="http://schemas.microsoft.com/office/drawing/2014/main" id="{DDF97B03-C2AE-FB4B-BEFE-1B07E1EED098}"/>
+              </a:ext>
+            </a:extLst>
+          </p:cNvPr>
+          <p:cNvSpPr>
+            <a:spLocks noChangeAspect="1"/>
+          </p:cNvSpPr>
+          <p:nvPr/>
+        </p:nvSpPr>
+        <p:spPr>
+          <a:xfrm>
+            <a:off x="40491" y="7718649"/>
+            <a:ext cx="3240000" cy="1576217"/>
+          </a:xfrm>
+          <a:prstGeom prst="roundRect">
+            <a:avLst/>
+          </a:prstGeom>
+          <a:solidFill>
+            <a:srgbClr val="00B050"/>
+          </a:solidFill>
+          <a:ln w="38100">
+            <a:solidFill>
+              <a:schemeClr val="tx1"/>
+            </a:solidFill>
+          </a:ln>
+        </p:spPr>
+        <p:style>
+          <a:lnRef idx="2">
+            <a:schemeClr val="accent1">
+              <a:shade val="50000"/>
+            </a:schemeClr>
+          </a:lnRef>
+          <a:fillRef idx="1">
+            <a:schemeClr val="accent1"/>
+          </a:fillRef>
+          <a:effectRef idx="0">
+            <a:schemeClr val="accent1"/>
+          </a:effectRef>
+          <a:fontRef idx="minor">
+            <a:schemeClr val="lt1"/>
+          </a:fontRef>
+        </p:style>
+        <p:txBody>
+          <a:bodyPr rtlCol="0" anchor="ctr"/>
+          <a:lstStyle/>
+          <a:p>
+            <a:pPr algn="ctr"/>
+            <a:endParaRPr lang="en-AU"/>
+          </a:p>
+        </p:txBody>
+      </p:sp>
+      <p:sp>
+        <p:nvSpPr>
+          <p:cNvPr id="56" name="Rounded Rectangle 55">
+            <a:extLst>
+              <a:ext uri="{FF2B5EF4-FFF2-40B4-BE49-F238E27FC236}">
+                <a16:creationId xmlns:a16="http://schemas.microsoft.com/office/drawing/2014/main" id="{EEC60547-B205-9B48-B4DA-BF2BCDBB9C83}"/>
+              </a:ext>
+            </a:extLst>
+          </p:cNvPr>
+          <p:cNvSpPr>
+            <a:spLocks noChangeAspect="1"/>
+          </p:cNvSpPr>
+          <p:nvPr/>
+        </p:nvSpPr>
+        <p:spPr>
+          <a:xfrm>
+            <a:off x="40491" y="520745"/>
+            <a:ext cx="3240000" cy="1576217"/>
+          </a:xfrm>
+          <a:prstGeom prst="roundRect">
+            <a:avLst/>
+          </a:prstGeom>
+          <a:solidFill>
+            <a:srgbClr val="FF0000"/>
+          </a:solidFill>
+          <a:ln w="38100">
+            <a:solidFill>
+              <a:schemeClr val="tx1"/>
+            </a:solidFill>
+          </a:ln>
+        </p:spPr>
+        <p:style>
+          <a:lnRef idx="2">
+            <a:schemeClr val="accent1">
+              <a:shade val="50000"/>
+            </a:schemeClr>
+          </a:lnRef>
+          <a:fillRef idx="1">
+            <a:schemeClr val="accent1"/>
+          </a:fillRef>
+          <a:effectRef idx="0">
+            <a:schemeClr val="accent1"/>
+          </a:effectRef>
+          <a:fontRef idx="minor">
+            <a:schemeClr val="lt1"/>
+          </a:fontRef>
+        </p:style>
+        <p:txBody>
+          <a:bodyPr rtlCol="0" anchor="ctr"/>
+          <a:lstStyle/>
+          <a:p>
+            <a:pPr algn="ctr"/>
+            <a:endParaRPr lang="en-AU" dirty="0"/>
+          </a:p>
+        </p:txBody>
+      </p:sp>
+      <p:sp>
+        <p:nvSpPr>
+          <p:cNvPr id="57" name="Multiply 56">
+            <a:extLst>
+              <a:ext uri="{FF2B5EF4-FFF2-40B4-BE49-F238E27FC236}">
+                <a16:creationId xmlns:a16="http://schemas.microsoft.com/office/drawing/2014/main" id="{03B962FD-CD83-5242-B636-1A7222882F98}"/>
+              </a:ext>
+            </a:extLst>
+          </p:cNvPr>
+          <p:cNvSpPr/>
+          <p:nvPr/>
+        </p:nvSpPr>
+        <p:spPr>
+          <a:xfrm>
+            <a:off x="1285599" y="5737186"/>
+            <a:ext cx="767443" cy="849086"/>
+          </a:xfrm>
+          <a:prstGeom prst="mathMultiply">
+            <a:avLst/>
+          </a:prstGeom>
+          <a:noFill/>
+        </p:spPr>
+        <p:style>
+          <a:lnRef idx="2">
+            <a:schemeClr val="accent1">
+              <a:shade val="50000"/>
+            </a:schemeClr>
+          </a:lnRef>
+          <a:fillRef idx="1">
+            <a:schemeClr val="accent1"/>
+          </a:fillRef>
+          <a:effectRef idx="0">
+            <a:schemeClr val="accent1"/>
+          </a:effectRef>
+          <a:fontRef idx="minor">
+            <a:schemeClr val="lt1"/>
+          </a:fontRef>
+        </p:style>
+        <p:txBody>
+          <a:bodyPr rtlCol="0" anchor="ctr"/>
+          <a:lstStyle/>
+          <a:p>
+            <a:pPr algn="ctr"/>
+            <a:endParaRPr lang="en-AU" sz="2400"/>
+          </a:p>
+        </p:txBody>
+      </p:sp>
+      <p:sp>
+        <p:nvSpPr>
+          <p:cNvPr id="58" name="Multiply 57">
+            <a:extLst>
+              <a:ext uri="{FF2B5EF4-FFF2-40B4-BE49-F238E27FC236}">
+                <a16:creationId xmlns:a16="http://schemas.microsoft.com/office/drawing/2014/main" id="{E0BBDA07-FD42-414D-96D3-5CA6922C79E8}"/>
+              </a:ext>
+            </a:extLst>
+          </p:cNvPr>
+          <p:cNvSpPr/>
+          <p:nvPr/>
+        </p:nvSpPr>
+        <p:spPr>
+          <a:xfrm>
+            <a:off x="1279264" y="3246701"/>
+            <a:ext cx="947517" cy="849086"/>
+          </a:xfrm>
+          <a:prstGeom prst="mathMultiply">
+            <a:avLst/>
+          </a:prstGeom>
+          <a:noFill/>
+        </p:spPr>
+        <p:style>
+          <a:lnRef idx="2">
+            <a:schemeClr val="accent1">
+              <a:shade val="50000"/>
+            </a:schemeClr>
+          </a:lnRef>
+          <a:fillRef idx="1">
+            <a:schemeClr val="accent1"/>
+          </a:fillRef>
+          <a:effectRef idx="0">
+            <a:schemeClr val="accent1"/>
+          </a:effectRef>
+          <a:fontRef idx="minor">
+            <a:schemeClr val="lt1"/>
+          </a:fontRef>
+        </p:style>
+        <p:txBody>
+          <a:bodyPr rtlCol="0" anchor="ctr"/>
+          <a:lstStyle/>
+          <a:p>
+            <a:pPr algn="ctr"/>
+            <a:endParaRPr lang="en-AU" sz="2400"/>
+          </a:p>
+        </p:txBody>
+      </p:sp>
+      <p:sp>
+        <p:nvSpPr>
+          <p:cNvPr id="59" name="TextBox 58">
+            <a:extLst>
+              <a:ext uri="{FF2B5EF4-FFF2-40B4-BE49-F238E27FC236}">
+                <a16:creationId xmlns:a16="http://schemas.microsoft.com/office/drawing/2014/main" id="{7EB5CF02-7C8F-C845-BD0F-63EF3131F6AE}"/>
+              </a:ext>
+            </a:extLst>
+          </p:cNvPr>
+          <p:cNvSpPr txBox="1"/>
+          <p:nvPr/>
+        </p:nvSpPr>
+        <p:spPr>
+          <a:xfrm>
+            <a:off x="254945" y="8041352"/>
+            <a:ext cx="570555" cy="461665"/>
+          </a:xfrm>
+          <a:prstGeom prst="rect">
+            <a:avLst/>
+          </a:prstGeom>
+          <a:noFill/>
+        </p:spPr>
+        <p:txBody>
+          <a:bodyPr wrap="square" rtlCol="0">
+            <a:spAutoFit/>
+          </a:bodyPr>
+          <a:lstStyle/>
+          <a:p>
+            <a:pPr algn="ctr"/>
+            <a:r>
+              <a:rPr lang="en-AU" sz="2400" dirty="0"/>
+              <a:t>O2</a:t>
+            </a:r>
+          </a:p>
+        </p:txBody>
+      </p:sp>
+      <p:sp>
+        <p:nvSpPr>
+          <p:cNvPr id="60" name="TextBox 59">
+            <a:extLst>
+              <a:ext uri="{FF2B5EF4-FFF2-40B4-BE49-F238E27FC236}">
+                <a16:creationId xmlns:a16="http://schemas.microsoft.com/office/drawing/2014/main" id="{C4E68C89-334D-DA49-999A-EE42D662B41B}"/>
+              </a:ext>
+            </a:extLst>
+          </p:cNvPr>
+          <p:cNvSpPr txBox="1"/>
+          <p:nvPr/>
+        </p:nvSpPr>
+        <p:spPr>
+          <a:xfrm>
+            <a:off x="1472890" y="4981472"/>
+            <a:ext cx="674048" cy="461665"/>
+          </a:xfrm>
+          <a:prstGeom prst="rect">
+            <a:avLst/>
+          </a:prstGeom>
+          <a:noFill/>
+        </p:spPr>
+        <p:txBody>
+          <a:bodyPr wrap="square" rtlCol="0">
+            <a:spAutoFit/>
+          </a:bodyPr>
+          <a:lstStyle/>
+          <a:p>
+            <a:pPr algn="ctr"/>
+            <a:r>
+              <a:rPr lang="en-AU" sz="2400" dirty="0"/>
+              <a:t>O1</a:t>
+            </a:r>
+          </a:p>
+        </p:txBody>
+      </p:sp>
+      <p:sp>
+        <p:nvSpPr>
+          <p:cNvPr id="61" name="TextBox 60">
+            <a:extLst>
+              <a:ext uri="{FF2B5EF4-FFF2-40B4-BE49-F238E27FC236}">
+                <a16:creationId xmlns:a16="http://schemas.microsoft.com/office/drawing/2014/main" id="{78BCD02F-0B47-4248-ADD5-3264F98E5BFA}"/>
+              </a:ext>
+            </a:extLst>
+          </p:cNvPr>
+          <p:cNvSpPr txBox="1"/>
+          <p:nvPr/>
+        </p:nvSpPr>
+        <p:spPr>
+          <a:xfrm>
+            <a:off x="254945" y="8407085"/>
+            <a:ext cx="570555" cy="461665"/>
+          </a:xfrm>
+          <a:prstGeom prst="rect">
+            <a:avLst/>
+          </a:prstGeom>
+          <a:noFill/>
+        </p:spPr>
+        <p:txBody>
+          <a:bodyPr wrap="square" rtlCol="0">
+            <a:spAutoFit/>
+          </a:bodyPr>
+          <a:lstStyle/>
+          <a:p>
+            <a:r>
+              <a:rPr lang="en-AU" sz="2400" dirty="0"/>
+              <a:t>O3</a:t>
+            </a:r>
+          </a:p>
+        </p:txBody>
+      </p:sp>
+      <p:sp>
+        <p:nvSpPr>
+          <p:cNvPr id="62" name="TextBox 61">
+            <a:extLst>
+              <a:ext uri="{FF2B5EF4-FFF2-40B4-BE49-F238E27FC236}">
+                <a16:creationId xmlns:a16="http://schemas.microsoft.com/office/drawing/2014/main" id="{014C8242-225B-FF46-8BD5-D7DA079F5B8A}"/>
+              </a:ext>
+            </a:extLst>
+          </p:cNvPr>
+          <p:cNvSpPr txBox="1"/>
+          <p:nvPr/>
+        </p:nvSpPr>
+        <p:spPr>
+          <a:xfrm>
+            <a:off x="2304024" y="3340216"/>
+            <a:ext cx="552411" cy="461665"/>
+          </a:xfrm>
+          <a:prstGeom prst="rect">
+            <a:avLst/>
+          </a:prstGeom>
+          <a:solidFill>
+            <a:schemeClr val="tx1"/>
+          </a:solidFill>
+        </p:spPr>
+        <p:txBody>
+          <a:bodyPr wrap="square" rtlCol="0">
+            <a:spAutoFit/>
+          </a:bodyPr>
+          <a:lstStyle/>
+          <a:p>
+            <a:r>
+              <a:rPr lang="en-AU" sz="2400" dirty="0">
+                <a:solidFill>
+                  <a:schemeClr val="bg1"/>
+                </a:solidFill>
+              </a:rPr>
+              <a:t>O4</a:t>
+            </a:r>
+          </a:p>
+        </p:txBody>
+      </p:sp>
+      <p:sp>
+        <p:nvSpPr>
+          <p:cNvPr id="63" name="TextBox 62">
+            <a:extLst>
+              <a:ext uri="{FF2B5EF4-FFF2-40B4-BE49-F238E27FC236}">
+                <a16:creationId xmlns:a16="http://schemas.microsoft.com/office/drawing/2014/main" id="{A51C0105-99C9-0949-8DB2-9849E4ECB293}"/>
+              </a:ext>
+            </a:extLst>
+          </p:cNvPr>
+          <p:cNvSpPr txBox="1"/>
+          <p:nvPr/>
+        </p:nvSpPr>
+        <p:spPr>
+          <a:xfrm>
+            <a:off x="2824807" y="3429184"/>
+            <a:ext cx="658220" cy="461665"/>
+          </a:xfrm>
+          <a:prstGeom prst="rect">
+            <a:avLst/>
+          </a:prstGeom>
+          <a:noFill/>
+        </p:spPr>
+        <p:txBody>
+          <a:bodyPr wrap="square" rtlCol="0">
+            <a:spAutoFit/>
+          </a:bodyPr>
+          <a:lstStyle/>
+          <a:p>
+            <a:r>
+              <a:rPr lang="en-AU" sz="2400" dirty="0"/>
+              <a:t>O5</a:t>
+            </a:r>
+          </a:p>
+        </p:txBody>
+      </p:sp>
+      <p:sp>
+        <p:nvSpPr>
+          <p:cNvPr id="64" name="TextBox 63">
+            <a:extLst>
+              <a:ext uri="{FF2B5EF4-FFF2-40B4-BE49-F238E27FC236}">
+                <a16:creationId xmlns:a16="http://schemas.microsoft.com/office/drawing/2014/main" id="{D2962E56-6E8F-D041-B0A5-1A85084EBF49}"/>
+              </a:ext>
+            </a:extLst>
+          </p:cNvPr>
+          <p:cNvSpPr txBox="1"/>
+          <p:nvPr/>
+        </p:nvSpPr>
+        <p:spPr>
+          <a:xfrm>
+            <a:off x="1464636" y="3409226"/>
+            <a:ext cx="591113" cy="461665"/>
+          </a:xfrm>
+          <a:prstGeom prst="rect">
+            <a:avLst/>
+          </a:prstGeom>
+          <a:noFill/>
+        </p:spPr>
+        <p:txBody>
+          <a:bodyPr wrap="square" rtlCol="0">
+            <a:spAutoFit/>
+          </a:bodyPr>
+          <a:lstStyle/>
+          <a:p>
+            <a:r>
+              <a:rPr lang="en-AU" sz="2400" dirty="0"/>
+              <a:t>O6</a:t>
+            </a:r>
+          </a:p>
+        </p:txBody>
+      </p:sp>
+      <p:sp>
+        <p:nvSpPr>
+          <p:cNvPr id="65" name="TextBox 64">
+            <a:extLst>
+              <a:ext uri="{FF2B5EF4-FFF2-40B4-BE49-F238E27FC236}">
+                <a16:creationId xmlns:a16="http://schemas.microsoft.com/office/drawing/2014/main" id="{9D94B112-ED8C-B94C-9631-FC7DA08DCBBE}"/>
+              </a:ext>
+            </a:extLst>
+          </p:cNvPr>
+          <p:cNvSpPr txBox="1"/>
+          <p:nvPr/>
+        </p:nvSpPr>
+        <p:spPr>
+          <a:xfrm>
+            <a:off x="326031" y="2686478"/>
+            <a:ext cx="638523" cy="461665"/>
+          </a:xfrm>
+          <a:prstGeom prst="rect">
+            <a:avLst/>
+          </a:prstGeom>
+          <a:noFill/>
+        </p:spPr>
+        <p:txBody>
+          <a:bodyPr wrap="square" rtlCol="0">
+            <a:spAutoFit/>
+          </a:bodyPr>
+          <a:lstStyle/>
+          <a:p>
+            <a:r>
+              <a:rPr lang="en-AU" sz="2400" dirty="0"/>
+              <a:t>O7</a:t>
+            </a:r>
+          </a:p>
+        </p:txBody>
+      </p:sp>
+      <p:sp>
+        <p:nvSpPr>
+          <p:cNvPr id="66" name="TextBox 65">
+            <a:extLst>
+              <a:ext uri="{FF2B5EF4-FFF2-40B4-BE49-F238E27FC236}">
+                <a16:creationId xmlns:a16="http://schemas.microsoft.com/office/drawing/2014/main" id="{52FA5D73-D13E-634C-94EB-C574A93DB1A5}"/>
+              </a:ext>
+            </a:extLst>
+          </p:cNvPr>
+          <p:cNvSpPr txBox="1"/>
+          <p:nvPr/>
+        </p:nvSpPr>
+        <p:spPr>
+          <a:xfrm>
+            <a:off x="1127202" y="4629175"/>
+            <a:ext cx="712915" cy="461665"/>
+          </a:xfrm>
+          <a:prstGeom prst="rect">
+            <a:avLst/>
+          </a:prstGeom>
+          <a:noFill/>
+        </p:spPr>
+        <p:txBody>
+          <a:bodyPr wrap="square" rtlCol="0">
+            <a:spAutoFit/>
+          </a:bodyPr>
+          <a:lstStyle/>
+          <a:p>
+            <a:r>
+              <a:rPr lang="en-AU" sz="2400" dirty="0">
+                <a:solidFill>
+                  <a:srgbClr val="0070C0"/>
+                </a:solidFill>
+              </a:rPr>
+              <a:t>D8</a:t>
+            </a:r>
+          </a:p>
+        </p:txBody>
+      </p:sp>
+      <p:sp>
+        <p:nvSpPr>
+          <p:cNvPr id="67" name="TextBox 66">
+            <a:extLst>
+              <a:ext uri="{FF2B5EF4-FFF2-40B4-BE49-F238E27FC236}">
+                <a16:creationId xmlns:a16="http://schemas.microsoft.com/office/drawing/2014/main" id="{BA14640B-999E-A140-9CEA-7F7B14BE1ED3}"/>
+              </a:ext>
+            </a:extLst>
+          </p:cNvPr>
+          <p:cNvSpPr txBox="1"/>
+          <p:nvPr/>
+        </p:nvSpPr>
+        <p:spPr>
+          <a:xfrm>
+            <a:off x="397388" y="7663728"/>
+            <a:ext cx="1151039" cy="461665"/>
+          </a:xfrm>
+          <a:prstGeom prst="rect">
+            <a:avLst/>
+          </a:prstGeom>
+          <a:noFill/>
+        </p:spPr>
+        <p:txBody>
+          <a:bodyPr wrap="square" rtlCol="0">
+            <a:spAutoFit/>
+          </a:bodyPr>
+          <a:lstStyle/>
+          <a:p>
+            <a:r>
+              <a:rPr lang="en-AU" sz="2400" dirty="0">
+                <a:solidFill>
+                  <a:srgbClr val="0070C0"/>
+                </a:solidFill>
+              </a:rPr>
+              <a:t>D9</a:t>
+            </a:r>
+          </a:p>
+        </p:txBody>
+      </p:sp>
+      <p:sp>
+        <p:nvSpPr>
+          <p:cNvPr id="68" name="TextBox 67">
+            <a:extLst>
+              <a:ext uri="{FF2B5EF4-FFF2-40B4-BE49-F238E27FC236}">
+                <a16:creationId xmlns:a16="http://schemas.microsoft.com/office/drawing/2014/main" id="{3DFD19F0-E8A7-3C42-A443-0A04A917267A}"/>
+              </a:ext>
+            </a:extLst>
+          </p:cNvPr>
+          <p:cNvSpPr txBox="1"/>
+          <p:nvPr/>
+        </p:nvSpPr>
+        <p:spPr>
+          <a:xfrm>
+            <a:off x="286822" y="8784709"/>
+            <a:ext cx="838285" cy="461665"/>
+          </a:xfrm>
+          <a:prstGeom prst="rect">
+            <a:avLst/>
+          </a:prstGeom>
+          <a:noFill/>
+        </p:spPr>
+        <p:txBody>
+          <a:bodyPr wrap="square" rtlCol="0">
+            <a:spAutoFit/>
+          </a:bodyPr>
+          <a:lstStyle/>
+          <a:p>
+            <a:r>
+              <a:rPr lang="en-AU" sz="2400" dirty="0">
+                <a:solidFill>
+                  <a:srgbClr val="0070C0"/>
+                </a:solidFill>
+              </a:rPr>
+              <a:t>D10</a:t>
+            </a:r>
+          </a:p>
+        </p:txBody>
+      </p:sp>
+      <p:sp>
+        <p:nvSpPr>
+          <p:cNvPr id="69" name="TextBox 68">
+            <a:extLst>
+              <a:ext uri="{FF2B5EF4-FFF2-40B4-BE49-F238E27FC236}">
+                <a16:creationId xmlns:a16="http://schemas.microsoft.com/office/drawing/2014/main" id="{75753348-4604-8D47-A57C-87605DFF5774}"/>
+              </a:ext>
+            </a:extLst>
+          </p:cNvPr>
+          <p:cNvSpPr txBox="1"/>
+          <p:nvPr/>
+        </p:nvSpPr>
+        <p:spPr>
+          <a:xfrm>
+            <a:off x="2188738" y="3710822"/>
+            <a:ext cx="801079" cy="461665"/>
+          </a:xfrm>
+          <a:prstGeom prst="rect">
+            <a:avLst/>
+          </a:prstGeom>
+          <a:noFill/>
+        </p:spPr>
+        <p:txBody>
+          <a:bodyPr wrap="square" rtlCol="0">
+            <a:spAutoFit/>
+          </a:bodyPr>
+          <a:lstStyle/>
+          <a:p>
+            <a:r>
+              <a:rPr lang="en-AU" sz="2400" dirty="0">
+                <a:solidFill>
+                  <a:srgbClr val="0070C0"/>
+                </a:solidFill>
+              </a:rPr>
+              <a:t>D11</a:t>
+            </a:r>
+          </a:p>
+        </p:txBody>
+      </p:sp>
+      <p:sp>
+        <p:nvSpPr>
+          <p:cNvPr id="70" name="TextBox 69">
+            <a:extLst>
+              <a:ext uri="{FF2B5EF4-FFF2-40B4-BE49-F238E27FC236}">
+                <a16:creationId xmlns:a16="http://schemas.microsoft.com/office/drawing/2014/main" id="{AE9D82DB-697A-F94E-87B3-09C928E7B193}"/>
+              </a:ext>
+            </a:extLst>
+          </p:cNvPr>
+          <p:cNvSpPr txBox="1"/>
+          <p:nvPr/>
+        </p:nvSpPr>
+        <p:spPr>
+          <a:xfrm>
+            <a:off x="2705757" y="3659825"/>
+            <a:ext cx="728531" cy="461665"/>
+          </a:xfrm>
+          <a:prstGeom prst="rect">
+            <a:avLst/>
+          </a:prstGeom>
+          <a:noFill/>
+        </p:spPr>
+        <p:txBody>
+          <a:bodyPr wrap="square" rtlCol="0">
+            <a:spAutoFit/>
+          </a:bodyPr>
+          <a:lstStyle/>
+          <a:p>
+            <a:r>
+              <a:rPr lang="en-AU" sz="2400" dirty="0">
+                <a:solidFill>
+                  <a:srgbClr val="0070C0"/>
+                </a:solidFill>
+              </a:rPr>
+              <a:t>D12</a:t>
+            </a:r>
+          </a:p>
+        </p:txBody>
+      </p:sp>
+      <p:sp>
+        <p:nvSpPr>
+          <p:cNvPr id="71" name="TextBox 70">
+            <a:extLst>
+              <a:ext uri="{FF2B5EF4-FFF2-40B4-BE49-F238E27FC236}">
+                <a16:creationId xmlns:a16="http://schemas.microsoft.com/office/drawing/2014/main" id="{BB1C9E32-1DF4-244D-AC82-DDC5BEE3A766}"/>
+              </a:ext>
+            </a:extLst>
+          </p:cNvPr>
+          <p:cNvSpPr txBox="1"/>
+          <p:nvPr/>
+        </p:nvSpPr>
+        <p:spPr>
+          <a:xfrm>
+            <a:off x="1620933" y="3839012"/>
+            <a:ext cx="712916" cy="461665"/>
+          </a:xfrm>
+          <a:prstGeom prst="rect">
+            <a:avLst/>
+          </a:prstGeom>
+          <a:noFill/>
+        </p:spPr>
+        <p:txBody>
+          <a:bodyPr wrap="square" rtlCol="0">
+            <a:spAutoFit/>
+          </a:bodyPr>
+          <a:lstStyle/>
+          <a:p>
+            <a:r>
+              <a:rPr lang="en-AU" sz="2400" dirty="0">
+                <a:solidFill>
+                  <a:srgbClr val="0070C0"/>
+                </a:solidFill>
+              </a:rPr>
+              <a:t>D13</a:t>
+            </a:r>
+          </a:p>
+        </p:txBody>
+      </p:sp>
+      <p:sp>
+        <p:nvSpPr>
+          <p:cNvPr id="72" name="TextBox 71">
+            <a:extLst>
+              <a:ext uri="{FF2B5EF4-FFF2-40B4-BE49-F238E27FC236}">
+                <a16:creationId xmlns:a16="http://schemas.microsoft.com/office/drawing/2014/main" id="{3D37B15E-1B94-4041-A4A2-CE4DB012318F}"/>
+              </a:ext>
+            </a:extLst>
+          </p:cNvPr>
+          <p:cNvSpPr txBox="1"/>
+          <p:nvPr/>
+        </p:nvSpPr>
+        <p:spPr>
+          <a:xfrm>
+            <a:off x="489316" y="2945019"/>
+            <a:ext cx="893786" cy="461665"/>
+          </a:xfrm>
+          <a:prstGeom prst="rect">
+            <a:avLst/>
+          </a:prstGeom>
+          <a:noFill/>
+        </p:spPr>
+        <p:txBody>
+          <a:bodyPr wrap="square" rtlCol="0">
+            <a:spAutoFit/>
+          </a:bodyPr>
+          <a:lstStyle/>
+          <a:p>
+            <a:r>
+              <a:rPr lang="en-AU" sz="2400" dirty="0">
+                <a:solidFill>
+                  <a:srgbClr val="0070C0"/>
+                </a:solidFill>
+              </a:rPr>
+              <a:t>D14</a:t>
+            </a:r>
+          </a:p>
+        </p:txBody>
+      </p:sp>
+      <p:cxnSp>
+        <p:nvCxnSpPr>
+          <p:cNvPr id="73" name="Straight Connector 72">
+            <a:extLst>
+              <a:ext uri="{FF2B5EF4-FFF2-40B4-BE49-F238E27FC236}">
+                <a16:creationId xmlns:a16="http://schemas.microsoft.com/office/drawing/2014/main" id="{188708C7-7D93-1248-AD72-A7AD92F469DE}"/>
+              </a:ext>
+            </a:extLst>
+          </p:cNvPr>
+          <p:cNvCxnSpPr>
+            <a:cxnSpLocks/>
+          </p:cNvCxnSpPr>
+          <p:nvPr/>
+        </p:nvCxnSpPr>
+        <p:spPr>
+          <a:xfrm>
+            <a:off x="1167803" y="2695417"/>
+            <a:ext cx="985375" cy="0"/>
+          </a:xfrm>
+          <a:prstGeom prst="line">
+            <a:avLst/>
+          </a:prstGeom>
+          <a:ln w="60325">
+            <a:headEnd type="stealth" w="lg" len="lg"/>
+          </a:ln>
+        </p:spPr>
+        <p:style>
+          <a:lnRef idx="1">
+            <a:schemeClr val="accent1"/>
+          </a:lnRef>
+          <a:fillRef idx="0">
+            <a:schemeClr val="accent1"/>
+          </a:fillRef>
+          <a:effectRef idx="0">
+            <a:schemeClr val="accent1"/>
+          </a:effectRef>
+          <a:fontRef idx="minor">
+            <a:schemeClr val="tx1"/>
+          </a:fontRef>
+        </p:style>
+      </p:cxnSp>
+      <p:sp>
+        <p:nvSpPr>
+          <p:cNvPr id="74" name="TextBox 73">
+            <a:extLst>
+              <a:ext uri="{FF2B5EF4-FFF2-40B4-BE49-F238E27FC236}">
+                <a16:creationId xmlns:a16="http://schemas.microsoft.com/office/drawing/2014/main" id="{A77D2E19-92F7-0C4C-AB12-4AE991FB2F96}"/>
+              </a:ext>
+            </a:extLst>
+          </p:cNvPr>
+          <p:cNvSpPr txBox="1"/>
+          <p:nvPr/>
+        </p:nvSpPr>
+        <p:spPr>
+          <a:xfrm>
+            <a:off x="681884" y="2148327"/>
+            <a:ext cx="3361219" cy="461665"/>
+          </a:xfrm>
+          <a:prstGeom prst="rect">
+            <a:avLst/>
+          </a:prstGeom>
+          <a:noFill/>
+        </p:spPr>
+        <p:txBody>
+          <a:bodyPr wrap="square" rtlCol="0">
+            <a:spAutoFit/>
+          </a:bodyPr>
+          <a:lstStyle/>
+          <a:p>
+            <a:r>
+              <a:rPr lang="en-AU" sz="2400" dirty="0">
+                <a:solidFill>
+                  <a:srgbClr val="0070C0"/>
+                </a:solidFill>
+              </a:rPr>
+              <a:t>Forehand (R) force</a:t>
+            </a:r>
+          </a:p>
+        </p:txBody>
+      </p:sp>
+      <p:sp>
+        <p:nvSpPr>
+          <p:cNvPr id="75" name="Oval 74">
+            <a:extLst>
+              <a:ext uri="{FF2B5EF4-FFF2-40B4-BE49-F238E27FC236}">
+                <a16:creationId xmlns:a16="http://schemas.microsoft.com/office/drawing/2014/main" id="{8EC92857-F753-4549-9E4C-755D25BF5908}"/>
+              </a:ext>
+            </a:extLst>
+          </p:cNvPr>
+          <p:cNvSpPr/>
+          <p:nvPr/>
+        </p:nvSpPr>
+        <p:spPr>
+          <a:xfrm>
+            <a:off x="1401678" y="3685674"/>
+            <a:ext cx="180000" cy="180000"/>
+          </a:xfrm>
+          <a:prstGeom prst="ellipse">
+            <a:avLst/>
+          </a:prstGeom>
+          <a:solidFill>
+            <a:schemeClr val="tx1"/>
+          </a:solidFill>
+        </p:spPr>
+        <p:style>
+          <a:lnRef idx="2">
+            <a:schemeClr val="accent1">
+              <a:shade val="50000"/>
+            </a:schemeClr>
+          </a:lnRef>
+          <a:fillRef idx="1">
+            <a:schemeClr val="accent1"/>
+          </a:fillRef>
+          <a:effectRef idx="0">
+            <a:schemeClr val="accent1"/>
+          </a:effectRef>
+          <a:fontRef idx="minor">
+            <a:schemeClr val="lt1"/>
+          </a:fontRef>
+        </p:style>
+        <p:txBody>
+          <a:bodyPr rtlCol="0" anchor="ctr"/>
+          <a:lstStyle/>
+          <a:p>
+            <a:pPr algn="ctr"/>
+            <a:endParaRPr lang="en-AU" sz="2400"/>
+          </a:p>
+        </p:txBody>
+      </p:sp>
+      <p:cxnSp>
+        <p:nvCxnSpPr>
+          <p:cNvPr id="79" name="Straight Connector 78">
+            <a:extLst>
+              <a:ext uri="{FF2B5EF4-FFF2-40B4-BE49-F238E27FC236}">
+                <a16:creationId xmlns:a16="http://schemas.microsoft.com/office/drawing/2014/main" id="{C6110E7C-A964-034B-9DFE-2D0D477B3BC4}"/>
+              </a:ext>
+            </a:extLst>
+          </p:cNvPr>
+          <p:cNvCxnSpPr>
+            <a:cxnSpLocks/>
+          </p:cNvCxnSpPr>
+          <p:nvPr/>
+        </p:nvCxnSpPr>
+        <p:spPr>
+          <a:xfrm flipV="1">
+            <a:off x="48277" y="4191053"/>
+            <a:ext cx="3240000" cy="0"/>
+          </a:xfrm>
+          <a:prstGeom prst="line">
+            <a:avLst/>
+          </a:prstGeom>
+          <a:ln w="38100">
+            <a:solidFill>
+              <a:schemeClr val="accent2"/>
+            </a:solidFill>
+            <a:prstDash val="sysDash"/>
+          </a:ln>
+        </p:spPr>
+        <p:style>
+          <a:lnRef idx="1">
+            <a:schemeClr val="accent1"/>
+          </a:lnRef>
+          <a:fillRef idx="0">
+            <a:schemeClr val="accent1"/>
+          </a:fillRef>
+          <a:effectRef idx="0">
+            <a:schemeClr val="accent1"/>
+          </a:effectRef>
+          <a:fontRef idx="minor">
+            <a:schemeClr val="tx1"/>
+          </a:fontRef>
+        </p:style>
+      </p:cxnSp>
+      <p:sp>
+        <p:nvSpPr>
+          <p:cNvPr id="76" name="TextBox 75">
+            <a:extLst>
+              <a:ext uri="{FF2B5EF4-FFF2-40B4-BE49-F238E27FC236}">
+                <a16:creationId xmlns:a16="http://schemas.microsoft.com/office/drawing/2014/main" id="{14C747C7-369E-3743-B0DF-15D62DE879D6}"/>
+              </a:ext>
+            </a:extLst>
+          </p:cNvPr>
+          <p:cNvSpPr txBox="1"/>
+          <p:nvPr/>
+        </p:nvSpPr>
+        <p:spPr>
+          <a:xfrm rot="5400000">
+            <a:off x="-347015" y="2819047"/>
+            <a:ext cx="1223757" cy="461665"/>
+          </a:xfrm>
+          <a:prstGeom prst="rect">
+            <a:avLst/>
+          </a:prstGeom>
+          <a:noFill/>
+        </p:spPr>
+        <p:txBody>
+          <a:bodyPr wrap="square" rtlCol="0">
+            <a:spAutoFit/>
+          </a:bodyPr>
+          <a:lstStyle/>
+          <a:p>
+            <a:r>
+              <a:rPr lang="en-AU" sz="2400" dirty="0">
+                <a:solidFill>
+                  <a:srgbClr val="C00000"/>
+                </a:solidFill>
+              </a:rPr>
+              <a:t>Upfield</a:t>
+            </a:r>
+          </a:p>
+        </p:txBody>
+      </p:sp>
+      <p:sp>
+        <p:nvSpPr>
+          <p:cNvPr id="77" name="TextBox 76">
+            <a:extLst>
+              <a:ext uri="{FF2B5EF4-FFF2-40B4-BE49-F238E27FC236}">
+                <a16:creationId xmlns:a16="http://schemas.microsoft.com/office/drawing/2014/main" id="{D5BF9807-00E0-D54C-9D61-5B79DD517AB0}"/>
+              </a:ext>
+            </a:extLst>
+          </p:cNvPr>
+          <p:cNvSpPr txBox="1"/>
+          <p:nvPr/>
+        </p:nvSpPr>
+        <p:spPr>
+          <a:xfrm rot="5400000">
+            <a:off x="-516732" y="6586871"/>
+            <a:ext cx="1576217" cy="461665"/>
+          </a:xfrm>
+          <a:prstGeom prst="rect">
+            <a:avLst/>
+          </a:prstGeom>
+          <a:noFill/>
+        </p:spPr>
+        <p:txBody>
+          <a:bodyPr wrap="square" rtlCol="0">
+            <a:spAutoFit/>
+          </a:bodyPr>
+          <a:lstStyle/>
+          <a:p>
+            <a:r>
+              <a:rPr lang="en-AU" sz="2400" dirty="0">
+                <a:solidFill>
+                  <a:schemeClr val="accent6"/>
+                </a:solidFill>
+              </a:rPr>
+              <a:t>Downfield</a:t>
+            </a:r>
+          </a:p>
+        </p:txBody>
+      </p:sp>
+      <p:cxnSp>
+        <p:nvCxnSpPr>
+          <p:cNvPr id="78" name="Straight Connector 77">
+            <a:extLst>
+              <a:ext uri="{FF2B5EF4-FFF2-40B4-BE49-F238E27FC236}">
+                <a16:creationId xmlns:a16="http://schemas.microsoft.com/office/drawing/2014/main" id="{2FDAF652-6193-0D46-A49D-6DEDB47CE36F}"/>
+              </a:ext>
+            </a:extLst>
+          </p:cNvPr>
+          <p:cNvCxnSpPr>
+            <a:cxnSpLocks/>
+          </p:cNvCxnSpPr>
+          <p:nvPr/>
+        </p:nvCxnSpPr>
+        <p:spPr>
+          <a:xfrm flipV="1">
+            <a:off x="247876" y="5121894"/>
+            <a:ext cx="0" cy="938269"/>
+          </a:xfrm>
+          <a:prstGeom prst="line">
+            <a:avLst/>
+          </a:prstGeom>
+          <a:ln w="60325">
+            <a:solidFill>
+              <a:srgbClr val="00B050"/>
+            </a:solidFill>
+            <a:headEnd type="stealth" w="lg" len="lg"/>
+          </a:ln>
+        </p:spPr>
+        <p:style>
+          <a:lnRef idx="1">
+            <a:schemeClr val="accent1"/>
+          </a:lnRef>
+          <a:fillRef idx="0">
+            <a:schemeClr val="accent1"/>
+          </a:fillRef>
+          <a:effectRef idx="0">
+            <a:schemeClr val="accent1"/>
+          </a:effectRef>
+          <a:fontRef idx="minor">
+            <a:schemeClr val="tx1"/>
+          </a:fontRef>
+        </p:style>
+      </p:cxnSp>
+      <p:cxnSp>
+        <p:nvCxnSpPr>
+          <p:cNvPr id="80" name="Straight Connector 79">
+            <a:extLst>
+              <a:ext uri="{FF2B5EF4-FFF2-40B4-BE49-F238E27FC236}">
+                <a16:creationId xmlns:a16="http://schemas.microsoft.com/office/drawing/2014/main" id="{563B60BD-2914-9442-8B7A-3EB23B6932DE}"/>
+              </a:ext>
+            </a:extLst>
+          </p:cNvPr>
+          <p:cNvCxnSpPr>
+            <a:cxnSpLocks/>
+          </p:cNvCxnSpPr>
+          <p:nvPr/>
+        </p:nvCxnSpPr>
+        <p:spPr>
+          <a:xfrm>
+            <a:off x="287094" y="3486566"/>
+            <a:ext cx="0" cy="839561"/>
+          </a:xfrm>
+          <a:prstGeom prst="line">
+            <a:avLst/>
+          </a:prstGeom>
+          <a:ln w="60325">
+            <a:solidFill>
+              <a:srgbClr val="C00000"/>
+            </a:solidFill>
+            <a:headEnd type="stealth" w="lg" len="lg"/>
+          </a:ln>
+        </p:spPr>
+        <p:style>
+          <a:lnRef idx="1">
+            <a:schemeClr val="accent1"/>
+          </a:lnRef>
+          <a:fillRef idx="0">
+            <a:schemeClr val="accent1"/>
+          </a:fillRef>
+          <a:effectRef idx="0">
+            <a:schemeClr val="accent1"/>
+          </a:effectRef>
+          <a:fontRef idx="minor">
+            <a:schemeClr val="tx1"/>
+          </a:fontRef>
+        </p:style>
+      </p:cxnSp>
+      <p:sp>
+        <p:nvSpPr>
+          <p:cNvPr id="81" name="TextBox 80">
+            <a:extLst>
+              <a:ext uri="{FF2B5EF4-FFF2-40B4-BE49-F238E27FC236}">
+                <a16:creationId xmlns:a16="http://schemas.microsoft.com/office/drawing/2014/main" id="{5E67CCD7-D362-E24E-85F0-249C161D4894}"/>
+              </a:ext>
+            </a:extLst>
+          </p:cNvPr>
+          <p:cNvSpPr txBox="1"/>
+          <p:nvPr/>
+        </p:nvSpPr>
+        <p:spPr>
+          <a:xfrm>
+            <a:off x="6001878" y="8702244"/>
+            <a:ext cx="404594" cy="461665"/>
+          </a:xfrm>
+          <a:prstGeom prst="rect">
+            <a:avLst/>
+          </a:prstGeom>
+          <a:solidFill>
+            <a:schemeClr val="bg1">
+              <a:lumMod val="50000"/>
+            </a:schemeClr>
+          </a:solidFill>
+        </p:spPr>
+        <p:txBody>
+          <a:bodyPr wrap="square" rtlCol="0">
+            <a:spAutoFit/>
+          </a:bodyPr>
+          <a:lstStyle/>
+          <a:p>
+            <a:pPr algn="ctr"/>
+            <a:r>
+              <a:rPr lang="en-AU" sz="2400" dirty="0">
+                <a:solidFill>
+                  <a:schemeClr val="bg1"/>
+                </a:solidFill>
+              </a:rPr>
+              <a:t>A</a:t>
+            </a:r>
+          </a:p>
+        </p:txBody>
+      </p:sp>
+      <p:sp>
+        <p:nvSpPr>
+          <p:cNvPr id="82" name="TextBox 81">
+            <a:extLst>
+              <a:ext uri="{FF2B5EF4-FFF2-40B4-BE49-F238E27FC236}">
+                <a16:creationId xmlns:a16="http://schemas.microsoft.com/office/drawing/2014/main" id="{5C979876-697F-6A4A-89EE-8B0189FAD75E}"/>
+              </a:ext>
+            </a:extLst>
+          </p:cNvPr>
+          <p:cNvSpPr txBox="1"/>
+          <p:nvPr/>
+        </p:nvSpPr>
+        <p:spPr>
+          <a:xfrm>
+            <a:off x="3440398" y="8702244"/>
+            <a:ext cx="435536" cy="466759"/>
+          </a:xfrm>
+          <a:prstGeom prst="rect">
+            <a:avLst/>
+          </a:prstGeom>
+          <a:solidFill>
+            <a:schemeClr val="bg1">
+              <a:lumMod val="50000"/>
+            </a:schemeClr>
+          </a:solidFill>
+        </p:spPr>
+        <p:txBody>
+          <a:bodyPr wrap="square" rtlCol="0">
+            <a:spAutoFit/>
+          </a:bodyPr>
+          <a:lstStyle/>
+          <a:p>
+            <a:pPr algn="ctr"/>
+            <a:r>
+              <a:rPr lang="en-AU" sz="2400" dirty="0">
+                <a:solidFill>
+                  <a:schemeClr val="bg1"/>
+                </a:solidFill>
+              </a:rPr>
+              <a:t>B</a:t>
+            </a:r>
+          </a:p>
+        </p:txBody>
+      </p:sp>
+      <p:sp>
+        <p:nvSpPr>
+          <p:cNvPr id="84" name="Arc 83">
+            <a:extLst>
+              <a:ext uri="{FF2B5EF4-FFF2-40B4-BE49-F238E27FC236}">
+                <a16:creationId xmlns:a16="http://schemas.microsoft.com/office/drawing/2014/main" id="{BE97FE7A-3FC0-FE4B-BFD1-E171731C067C}"/>
+              </a:ext>
+            </a:extLst>
+          </p:cNvPr>
+          <p:cNvSpPr/>
+          <p:nvPr/>
+        </p:nvSpPr>
+        <p:spPr>
+          <a:xfrm rot="1443602">
+            <a:off x="2137087" y="3576256"/>
+            <a:ext cx="1532939" cy="10028723"/>
+          </a:xfrm>
+          <a:prstGeom prst="arc">
+            <a:avLst>
+              <a:gd name="adj1" fmla="val 16131872"/>
+              <a:gd name="adj2" fmla="val 20258141"/>
+            </a:avLst>
+          </a:prstGeom>
+          <a:ln w="82550">
+            <a:solidFill>
+              <a:schemeClr val="tx1"/>
+            </a:solidFill>
+            <a:prstDash val="sysDot"/>
+            <a:tailEnd type="stealth"/>
+          </a:ln>
+        </p:spPr>
+        <p:style>
+          <a:lnRef idx="1">
+            <a:schemeClr val="accent1"/>
+          </a:lnRef>
+          <a:fillRef idx="0">
+            <a:schemeClr val="accent1"/>
+          </a:fillRef>
+          <a:effectRef idx="0">
+            <a:schemeClr val="accent1"/>
+          </a:effectRef>
+          <a:fontRef idx="minor">
+            <a:schemeClr val="tx1"/>
+          </a:fontRef>
+        </p:style>
+        <p:txBody>
+          <a:bodyPr rtlCol="0" anchor="ctr"/>
+          <a:lstStyle/>
+          <a:p>
+            <a:pPr algn="ctr"/>
+            <a:endParaRPr lang="en-AU"/>
+          </a:p>
+        </p:txBody>
+      </p:sp>
+    </p:spTree>
+    <p:extLst>
+      <p:ext uri="{BB962C8B-B14F-4D97-AF65-F5344CB8AC3E}">
+        <p14:creationId xmlns:p14="http://schemas.microsoft.com/office/powerpoint/2010/main" val="3061349904"/>
+      </p:ext>
+    </p:extLst>
+  </p:cSld>
+  <p:clrMapOvr>
+    <a:masterClrMapping/>
+  </p:clrMapOvr>
+</p:sld>
+</file>
+
+<file path=ppt/slides/slide12.xml><?xml version="1.0" encoding="utf-8"?>
+<p:sld xmlns:a="http://schemas.openxmlformats.org/drawingml/2006/main" xmlns:r="http://schemas.openxmlformats.org/officeDocument/2006/relationships" xmlns:p="http://schemas.openxmlformats.org/presentationml/2006/main">
+  <p:cSld>
+    <p:spTree>
+      <p:nvGrpSpPr>
+        <p:cNvPr id="1" name=""/>
+        <p:cNvGrpSpPr/>
+        <p:nvPr/>
+      </p:nvGrpSpPr>
+      <p:grpSpPr>
+        <a:xfrm>
+          <a:off x="0" y="0"/>
+          <a:ext cx="0" cy="0"/>
+          <a:chOff x="0" y="0"/>
+          <a:chExt cx="0" cy="0"/>
+        </a:xfrm>
+      </p:grpSpPr>
+      <p:sp>
+        <p:nvSpPr>
+          <p:cNvPr id="60" name="Rounded Rectangle 59">
+            <a:extLst>
+              <a:ext uri="{FF2B5EF4-FFF2-40B4-BE49-F238E27FC236}">
+                <a16:creationId xmlns:a16="http://schemas.microsoft.com/office/drawing/2014/main" id="{90835294-1792-074F-B705-A134487224B2}"/>
+              </a:ext>
+            </a:extLst>
+          </p:cNvPr>
+          <p:cNvSpPr>
+            <a:spLocks noChangeAspect="1"/>
+          </p:cNvSpPr>
+          <p:nvPr/>
+        </p:nvSpPr>
+        <p:spPr>
+          <a:xfrm>
+            <a:off x="199300" y="6218817"/>
+            <a:ext cx="3240000" cy="1395921"/>
+          </a:xfrm>
+          <a:prstGeom prst="roundRect">
+            <a:avLst/>
+          </a:prstGeom>
+          <a:noFill/>
+          <a:ln w="38100">
+            <a:solidFill>
+              <a:schemeClr val="tx1"/>
+            </a:solidFill>
+          </a:ln>
+        </p:spPr>
+        <p:style>
+          <a:lnRef idx="2">
+            <a:schemeClr val="accent1">
+              <a:shade val="50000"/>
+            </a:schemeClr>
+          </a:lnRef>
+          <a:fillRef idx="1">
+            <a:schemeClr val="accent1"/>
+          </a:fillRef>
+          <a:effectRef idx="0">
+            <a:schemeClr val="accent1"/>
+          </a:effectRef>
+          <a:fontRef idx="minor">
+            <a:schemeClr val="lt1"/>
+          </a:fontRef>
+        </p:style>
+        <p:txBody>
+          <a:bodyPr rtlCol="0" anchor="ctr"/>
+          <a:lstStyle/>
+          <a:p>
+            <a:pPr algn="ctr"/>
+            <a:endParaRPr lang="en-AU"/>
+          </a:p>
+        </p:txBody>
+      </p:sp>
+      <p:sp>
+        <p:nvSpPr>
+          <p:cNvPr id="4" name="Rounded Rectangle 3">
+            <a:extLst>
+              <a:ext uri="{FF2B5EF4-FFF2-40B4-BE49-F238E27FC236}">
+                <a16:creationId xmlns:a16="http://schemas.microsoft.com/office/drawing/2014/main" id="{70652F4E-8EA6-2C4D-A4F0-52433013FDED}"/>
+              </a:ext>
+            </a:extLst>
+          </p:cNvPr>
+          <p:cNvSpPr>
+            <a:spLocks noChangeAspect="1"/>
+          </p:cNvSpPr>
+          <p:nvPr/>
+        </p:nvSpPr>
+        <p:spPr>
+          <a:xfrm>
+            <a:off x="191040" y="533737"/>
+            <a:ext cx="3235751" cy="5616480"/>
+          </a:xfrm>
+          <a:prstGeom prst="roundRect">
+            <a:avLst/>
+          </a:prstGeom>
+          <a:solidFill>
+            <a:schemeClr val="bg1"/>
+          </a:solidFill>
+          <a:ln w="38100">
+            <a:solidFill>
+              <a:schemeClr val="tx1"/>
+            </a:solidFill>
+          </a:ln>
+        </p:spPr>
+        <p:style>
+          <a:lnRef idx="2">
+            <a:schemeClr val="accent1">
+              <a:shade val="50000"/>
+            </a:schemeClr>
+          </a:lnRef>
+          <a:fillRef idx="1">
+            <a:schemeClr val="accent1"/>
+          </a:fillRef>
+          <a:effectRef idx="0">
+            <a:schemeClr val="accent1"/>
+          </a:effectRef>
+          <a:fontRef idx="minor">
+            <a:schemeClr val="lt1"/>
+          </a:fontRef>
+        </p:style>
+        <p:txBody>
+          <a:bodyPr rtlCol="0" anchor="ctr"/>
+          <a:lstStyle/>
+          <a:p>
+            <a:pPr algn="ctr"/>
+            <a:endParaRPr lang="en-AU"/>
+          </a:p>
+        </p:txBody>
+      </p:sp>
+      <p:sp>
+        <p:nvSpPr>
+          <p:cNvPr id="12" name="Multiply 11">
+            <a:extLst>
+              <a:ext uri="{FF2B5EF4-FFF2-40B4-BE49-F238E27FC236}">
+                <a16:creationId xmlns:a16="http://schemas.microsoft.com/office/drawing/2014/main" id="{782966C4-8BAB-EC4A-B3CC-ECB9FD404B1E}"/>
+              </a:ext>
+            </a:extLst>
+          </p:cNvPr>
+          <p:cNvSpPr/>
+          <p:nvPr/>
+        </p:nvSpPr>
+        <p:spPr>
+          <a:xfrm>
+            <a:off x="1434108" y="4450522"/>
+            <a:ext cx="848447" cy="849086"/>
+          </a:xfrm>
+          <a:prstGeom prst="mathMultiply">
+            <a:avLst/>
+          </a:prstGeom>
+          <a:noFill/>
+        </p:spPr>
+        <p:style>
+          <a:lnRef idx="2">
+            <a:schemeClr val="accent1">
+              <a:shade val="50000"/>
+            </a:schemeClr>
+          </a:lnRef>
+          <a:fillRef idx="1">
+            <a:schemeClr val="accent1"/>
+          </a:fillRef>
+          <a:effectRef idx="0">
+            <a:schemeClr val="accent1"/>
+          </a:effectRef>
+          <a:fontRef idx="minor">
+            <a:schemeClr val="lt1"/>
+          </a:fontRef>
+        </p:style>
+        <p:txBody>
+          <a:bodyPr rtlCol="0" anchor="ctr"/>
+          <a:lstStyle/>
+          <a:p>
+            <a:pPr algn="ctr"/>
+            <a:endParaRPr lang="en-AU" sz="2400"/>
+          </a:p>
+        </p:txBody>
+      </p:sp>
+      <p:sp>
+        <p:nvSpPr>
+          <p:cNvPr id="13" name="Multiply 12">
+            <a:extLst>
+              <a:ext uri="{FF2B5EF4-FFF2-40B4-BE49-F238E27FC236}">
+                <a16:creationId xmlns:a16="http://schemas.microsoft.com/office/drawing/2014/main" id="{711FF500-E426-0D44-916C-B24A7A610DF5}"/>
+              </a:ext>
+            </a:extLst>
+          </p:cNvPr>
+          <p:cNvSpPr/>
+          <p:nvPr/>
+        </p:nvSpPr>
+        <p:spPr>
+          <a:xfrm>
+            <a:off x="1427773" y="1960037"/>
+            <a:ext cx="861865" cy="849086"/>
+          </a:xfrm>
+          <a:prstGeom prst="mathMultiply">
+            <a:avLst/>
+          </a:prstGeom>
+          <a:noFill/>
+        </p:spPr>
+        <p:style>
+          <a:lnRef idx="2">
+            <a:schemeClr val="accent1">
+              <a:shade val="50000"/>
+            </a:schemeClr>
+          </a:lnRef>
+          <a:fillRef idx="1">
+            <a:schemeClr val="accent1"/>
+          </a:fillRef>
+          <a:effectRef idx="0">
+            <a:schemeClr val="accent1"/>
+          </a:effectRef>
+          <a:fontRef idx="minor">
+            <a:schemeClr val="lt1"/>
+          </a:fontRef>
+        </p:style>
+        <p:txBody>
+          <a:bodyPr rtlCol="0" anchor="ctr"/>
+          <a:lstStyle/>
+          <a:p>
+            <a:pPr algn="ctr"/>
+            <a:endParaRPr lang="en-AU" sz="2400"/>
+          </a:p>
+        </p:txBody>
+      </p:sp>
+      <p:sp>
+        <p:nvSpPr>
+          <p:cNvPr id="14" name="TextBox 13">
+            <a:extLst>
+              <a:ext uri="{FF2B5EF4-FFF2-40B4-BE49-F238E27FC236}">
+                <a16:creationId xmlns:a16="http://schemas.microsoft.com/office/drawing/2014/main" id="{CC9FDAD2-F231-6B43-92F7-C2C2863676C2}"/>
+              </a:ext>
+            </a:extLst>
+          </p:cNvPr>
+          <p:cNvSpPr txBox="1"/>
+          <p:nvPr/>
+        </p:nvSpPr>
+        <p:spPr>
+          <a:xfrm>
+            <a:off x="2533145" y="3051967"/>
+            <a:ext cx="557720" cy="461665"/>
+          </a:xfrm>
+          <a:prstGeom prst="rect">
+            <a:avLst/>
+          </a:prstGeom>
+          <a:noFill/>
+        </p:spPr>
+        <p:txBody>
+          <a:bodyPr wrap="square" rtlCol="0">
+            <a:spAutoFit/>
+          </a:bodyPr>
+          <a:lstStyle/>
+          <a:p>
+            <a:r>
+              <a:rPr lang="en-AU" sz="2400" dirty="0"/>
+              <a:t>O2</a:t>
+            </a:r>
+          </a:p>
+        </p:txBody>
+      </p:sp>
+      <p:sp>
+        <p:nvSpPr>
+          <p:cNvPr id="15" name="TextBox 14">
+            <a:extLst>
+              <a:ext uri="{FF2B5EF4-FFF2-40B4-BE49-F238E27FC236}">
+                <a16:creationId xmlns:a16="http://schemas.microsoft.com/office/drawing/2014/main" id="{3986F052-18AA-4443-A26B-C88FE17F207D}"/>
+              </a:ext>
+            </a:extLst>
+          </p:cNvPr>
+          <p:cNvSpPr txBox="1"/>
+          <p:nvPr/>
+        </p:nvSpPr>
+        <p:spPr>
+          <a:xfrm>
+            <a:off x="2894940" y="5281025"/>
+            <a:ext cx="554660" cy="461665"/>
+          </a:xfrm>
+          <a:prstGeom prst="rect">
+            <a:avLst/>
+          </a:prstGeom>
+          <a:noFill/>
+        </p:spPr>
+        <p:txBody>
+          <a:bodyPr wrap="square" rtlCol="0">
+            <a:spAutoFit/>
+          </a:bodyPr>
+          <a:lstStyle/>
+          <a:p>
+            <a:r>
+              <a:rPr lang="en-AU" sz="2400" dirty="0"/>
+              <a:t>O1</a:t>
+            </a:r>
+          </a:p>
+        </p:txBody>
+      </p:sp>
+      <p:sp>
+        <p:nvSpPr>
+          <p:cNvPr id="16" name="TextBox 15">
+            <a:extLst>
+              <a:ext uri="{FF2B5EF4-FFF2-40B4-BE49-F238E27FC236}">
+                <a16:creationId xmlns:a16="http://schemas.microsoft.com/office/drawing/2014/main" id="{EEF04ED5-E466-A243-9D27-7184F13C1262}"/>
+              </a:ext>
+            </a:extLst>
+          </p:cNvPr>
+          <p:cNvSpPr txBox="1"/>
+          <p:nvPr/>
+        </p:nvSpPr>
+        <p:spPr>
+          <a:xfrm>
+            <a:off x="1286065" y="3565138"/>
+            <a:ext cx="559186" cy="461665"/>
+          </a:xfrm>
+          <a:prstGeom prst="rect">
+            <a:avLst/>
+          </a:prstGeom>
+          <a:noFill/>
+        </p:spPr>
+        <p:txBody>
+          <a:bodyPr wrap="square" rtlCol="0">
+            <a:spAutoFit/>
+          </a:bodyPr>
+          <a:lstStyle/>
+          <a:p>
+            <a:pPr algn="ctr"/>
+            <a:r>
+              <a:rPr lang="en-AU" sz="2400" dirty="0"/>
+              <a:t>O3</a:t>
+            </a:r>
+          </a:p>
+        </p:txBody>
+      </p:sp>
+      <p:sp>
+        <p:nvSpPr>
+          <p:cNvPr id="17" name="TextBox 16">
+            <a:extLst>
+              <a:ext uri="{FF2B5EF4-FFF2-40B4-BE49-F238E27FC236}">
+                <a16:creationId xmlns:a16="http://schemas.microsoft.com/office/drawing/2014/main" id="{7AB684D8-9879-0C4A-9489-F87A8809D064}"/>
+              </a:ext>
+            </a:extLst>
+          </p:cNvPr>
+          <p:cNvSpPr txBox="1"/>
+          <p:nvPr/>
+        </p:nvSpPr>
+        <p:spPr>
+          <a:xfrm>
+            <a:off x="182242" y="5243550"/>
+            <a:ext cx="626844" cy="461665"/>
+          </a:xfrm>
+          <a:prstGeom prst="rect">
+            <a:avLst/>
+          </a:prstGeom>
+          <a:solidFill>
+            <a:schemeClr val="tx1"/>
+          </a:solidFill>
+        </p:spPr>
+        <p:txBody>
+          <a:bodyPr wrap="square" rtlCol="0">
+            <a:spAutoFit/>
+          </a:bodyPr>
+          <a:lstStyle/>
+          <a:p>
+            <a:pPr algn="ctr"/>
+            <a:r>
+              <a:rPr lang="en-AU" sz="2400" dirty="0">
+                <a:solidFill>
+                  <a:schemeClr val="bg1"/>
+                </a:solidFill>
+              </a:rPr>
+              <a:t>O4</a:t>
+            </a:r>
+          </a:p>
+        </p:txBody>
+      </p:sp>
+      <p:sp>
+        <p:nvSpPr>
+          <p:cNvPr id="18" name="TextBox 17">
+            <a:extLst>
+              <a:ext uri="{FF2B5EF4-FFF2-40B4-BE49-F238E27FC236}">
+                <a16:creationId xmlns:a16="http://schemas.microsoft.com/office/drawing/2014/main" id="{F387E253-DCE8-A344-84ED-5DB76FED00C0}"/>
+              </a:ext>
+            </a:extLst>
+          </p:cNvPr>
+          <p:cNvSpPr txBox="1"/>
+          <p:nvPr/>
+        </p:nvSpPr>
+        <p:spPr>
+          <a:xfrm>
+            <a:off x="2934530" y="1952184"/>
+            <a:ext cx="674066" cy="461665"/>
+          </a:xfrm>
+          <a:prstGeom prst="rect">
+            <a:avLst/>
+          </a:prstGeom>
+          <a:noFill/>
+        </p:spPr>
+        <p:txBody>
+          <a:bodyPr wrap="square" rtlCol="0">
+            <a:spAutoFit/>
+          </a:bodyPr>
+          <a:lstStyle/>
+          <a:p>
+            <a:r>
+              <a:rPr lang="en-AU" sz="2400" dirty="0"/>
+              <a:t>O5</a:t>
+            </a:r>
+          </a:p>
+        </p:txBody>
+      </p:sp>
+      <p:sp>
+        <p:nvSpPr>
+          <p:cNvPr id="19" name="TextBox 18">
+            <a:extLst>
+              <a:ext uri="{FF2B5EF4-FFF2-40B4-BE49-F238E27FC236}">
+                <a16:creationId xmlns:a16="http://schemas.microsoft.com/office/drawing/2014/main" id="{A2087CBC-C5DF-574A-BDD6-786E46B4A1F8}"/>
+              </a:ext>
+            </a:extLst>
+          </p:cNvPr>
+          <p:cNvSpPr txBox="1"/>
+          <p:nvPr/>
+        </p:nvSpPr>
+        <p:spPr>
+          <a:xfrm>
+            <a:off x="1584570" y="2136850"/>
+            <a:ext cx="768575" cy="461665"/>
+          </a:xfrm>
+          <a:prstGeom prst="rect">
+            <a:avLst/>
+          </a:prstGeom>
+          <a:noFill/>
+        </p:spPr>
+        <p:txBody>
+          <a:bodyPr wrap="square" rtlCol="0">
+            <a:spAutoFit/>
+          </a:bodyPr>
+          <a:lstStyle/>
+          <a:p>
+            <a:r>
+              <a:rPr lang="en-AU" sz="2400" dirty="0"/>
+              <a:t>O6</a:t>
+            </a:r>
+          </a:p>
+        </p:txBody>
+      </p:sp>
+      <p:sp>
+        <p:nvSpPr>
+          <p:cNvPr id="20" name="TextBox 19">
+            <a:extLst>
+              <a:ext uri="{FF2B5EF4-FFF2-40B4-BE49-F238E27FC236}">
+                <a16:creationId xmlns:a16="http://schemas.microsoft.com/office/drawing/2014/main" id="{3B025EB7-D319-3540-8105-6009DDC47831}"/>
+              </a:ext>
+            </a:extLst>
+          </p:cNvPr>
+          <p:cNvSpPr txBox="1"/>
+          <p:nvPr/>
+        </p:nvSpPr>
+        <p:spPr>
+          <a:xfrm>
+            <a:off x="253434" y="2895703"/>
+            <a:ext cx="674066" cy="461665"/>
+          </a:xfrm>
+          <a:prstGeom prst="rect">
+            <a:avLst/>
+          </a:prstGeom>
+          <a:noFill/>
+        </p:spPr>
+        <p:txBody>
+          <a:bodyPr wrap="square" rtlCol="0">
+            <a:spAutoFit/>
+          </a:bodyPr>
+          <a:lstStyle/>
+          <a:p>
+            <a:r>
+              <a:rPr lang="en-AU" sz="2400" dirty="0"/>
+              <a:t>O7</a:t>
+            </a:r>
+          </a:p>
+        </p:txBody>
+      </p:sp>
+      <p:sp>
+        <p:nvSpPr>
+          <p:cNvPr id="21" name="TextBox 20">
+            <a:extLst>
+              <a:ext uri="{FF2B5EF4-FFF2-40B4-BE49-F238E27FC236}">
+                <a16:creationId xmlns:a16="http://schemas.microsoft.com/office/drawing/2014/main" id="{52AF208C-DBD1-3640-80BB-BFEF6E67AA82}"/>
+              </a:ext>
+            </a:extLst>
+          </p:cNvPr>
+          <p:cNvSpPr txBox="1"/>
+          <p:nvPr/>
+        </p:nvSpPr>
+        <p:spPr>
+          <a:xfrm>
+            <a:off x="994908" y="5286414"/>
+            <a:ext cx="674066" cy="461665"/>
+          </a:xfrm>
+          <a:prstGeom prst="rect">
+            <a:avLst/>
+          </a:prstGeom>
+          <a:noFill/>
+        </p:spPr>
+        <p:txBody>
+          <a:bodyPr wrap="square" rtlCol="0">
+            <a:spAutoFit/>
+          </a:bodyPr>
+          <a:lstStyle/>
+          <a:p>
+            <a:r>
+              <a:rPr lang="en-AU" sz="2400" dirty="0">
+                <a:solidFill>
+                  <a:srgbClr val="0070C0"/>
+                </a:solidFill>
+              </a:rPr>
+              <a:t>D8</a:t>
+            </a:r>
+          </a:p>
+        </p:txBody>
+      </p:sp>
+      <p:sp>
+        <p:nvSpPr>
+          <p:cNvPr id="22" name="TextBox 21">
+            <a:extLst>
+              <a:ext uri="{FF2B5EF4-FFF2-40B4-BE49-F238E27FC236}">
+                <a16:creationId xmlns:a16="http://schemas.microsoft.com/office/drawing/2014/main" id="{329C0760-F363-5D42-B231-1684AA9C118C}"/>
+              </a:ext>
+            </a:extLst>
+          </p:cNvPr>
+          <p:cNvSpPr txBox="1"/>
+          <p:nvPr/>
+        </p:nvSpPr>
+        <p:spPr>
+          <a:xfrm>
+            <a:off x="2673229" y="4835250"/>
+            <a:ext cx="674066" cy="461665"/>
+          </a:xfrm>
+          <a:prstGeom prst="rect">
+            <a:avLst/>
+          </a:prstGeom>
+          <a:noFill/>
+        </p:spPr>
+        <p:txBody>
+          <a:bodyPr wrap="square" rtlCol="0">
+            <a:spAutoFit/>
+          </a:bodyPr>
+          <a:lstStyle/>
+          <a:p>
+            <a:r>
+              <a:rPr lang="en-AU" sz="2400" dirty="0">
+                <a:solidFill>
+                  <a:srgbClr val="0070C0"/>
+                </a:solidFill>
+              </a:rPr>
+              <a:t>D9</a:t>
+            </a:r>
+          </a:p>
+        </p:txBody>
+      </p:sp>
+      <p:sp>
+        <p:nvSpPr>
+          <p:cNvPr id="23" name="TextBox 22">
+            <a:extLst>
+              <a:ext uri="{FF2B5EF4-FFF2-40B4-BE49-F238E27FC236}">
+                <a16:creationId xmlns:a16="http://schemas.microsoft.com/office/drawing/2014/main" id="{7D0E6BA3-DC58-5548-9512-A62D90CF5E98}"/>
+              </a:ext>
+            </a:extLst>
+          </p:cNvPr>
+          <p:cNvSpPr txBox="1"/>
+          <p:nvPr/>
+        </p:nvSpPr>
+        <p:spPr>
+          <a:xfrm>
+            <a:off x="2031802" y="3490545"/>
+            <a:ext cx="890811" cy="461665"/>
+          </a:xfrm>
+          <a:prstGeom prst="rect">
+            <a:avLst/>
+          </a:prstGeom>
+          <a:noFill/>
+        </p:spPr>
+        <p:txBody>
+          <a:bodyPr wrap="square" rtlCol="0">
+            <a:spAutoFit/>
+          </a:bodyPr>
+          <a:lstStyle/>
+          <a:p>
+            <a:r>
+              <a:rPr lang="en-AU" sz="2400" dirty="0">
+                <a:solidFill>
+                  <a:srgbClr val="0070C0"/>
+                </a:solidFill>
+              </a:rPr>
+              <a:t>D10</a:t>
+            </a:r>
+          </a:p>
+        </p:txBody>
+      </p:sp>
+      <p:sp>
+        <p:nvSpPr>
+          <p:cNvPr id="24" name="TextBox 23">
+            <a:extLst>
+              <a:ext uri="{FF2B5EF4-FFF2-40B4-BE49-F238E27FC236}">
+                <a16:creationId xmlns:a16="http://schemas.microsoft.com/office/drawing/2014/main" id="{2F07E686-35A4-4245-871F-DFF71870B7E2}"/>
+              </a:ext>
+            </a:extLst>
+          </p:cNvPr>
+          <p:cNvSpPr txBox="1"/>
+          <p:nvPr/>
+        </p:nvSpPr>
+        <p:spPr>
+          <a:xfrm>
+            <a:off x="636813" y="3878044"/>
+            <a:ext cx="890811" cy="461665"/>
+          </a:xfrm>
+          <a:prstGeom prst="rect">
+            <a:avLst/>
+          </a:prstGeom>
+          <a:noFill/>
+        </p:spPr>
+        <p:txBody>
+          <a:bodyPr wrap="square" rtlCol="0">
+            <a:spAutoFit/>
+          </a:bodyPr>
+          <a:lstStyle/>
+          <a:p>
+            <a:r>
+              <a:rPr lang="en-AU" sz="2400" dirty="0">
+                <a:solidFill>
+                  <a:srgbClr val="0070C0"/>
+                </a:solidFill>
+              </a:rPr>
+              <a:t>D11</a:t>
+            </a:r>
+          </a:p>
+        </p:txBody>
+      </p:sp>
+      <p:sp>
+        <p:nvSpPr>
+          <p:cNvPr id="25" name="TextBox 24">
+            <a:extLst>
+              <a:ext uri="{FF2B5EF4-FFF2-40B4-BE49-F238E27FC236}">
+                <a16:creationId xmlns:a16="http://schemas.microsoft.com/office/drawing/2014/main" id="{0752D762-AB6E-314A-9593-3121603F88E7}"/>
+              </a:ext>
+            </a:extLst>
+          </p:cNvPr>
+          <p:cNvSpPr txBox="1"/>
+          <p:nvPr/>
+        </p:nvSpPr>
+        <p:spPr>
+          <a:xfrm>
+            <a:off x="2063131" y="2393480"/>
+            <a:ext cx="890811" cy="461665"/>
+          </a:xfrm>
+          <a:prstGeom prst="rect">
+            <a:avLst/>
+          </a:prstGeom>
+          <a:noFill/>
+        </p:spPr>
+        <p:txBody>
+          <a:bodyPr wrap="square" rtlCol="0">
+            <a:spAutoFit/>
+          </a:bodyPr>
+          <a:lstStyle/>
+          <a:p>
+            <a:r>
+              <a:rPr lang="en-AU" sz="2400" dirty="0">
+                <a:solidFill>
+                  <a:srgbClr val="0070C0"/>
+                </a:solidFill>
+              </a:rPr>
+              <a:t>D12</a:t>
+            </a:r>
+          </a:p>
+        </p:txBody>
+      </p:sp>
+      <p:sp>
+        <p:nvSpPr>
+          <p:cNvPr id="26" name="TextBox 25">
+            <a:extLst>
+              <a:ext uri="{FF2B5EF4-FFF2-40B4-BE49-F238E27FC236}">
+                <a16:creationId xmlns:a16="http://schemas.microsoft.com/office/drawing/2014/main" id="{9DAF916B-52B3-584A-B384-14D8DBA2AF05}"/>
+              </a:ext>
+            </a:extLst>
+          </p:cNvPr>
+          <p:cNvSpPr txBox="1"/>
+          <p:nvPr/>
+        </p:nvSpPr>
+        <p:spPr>
+          <a:xfrm>
+            <a:off x="1629000" y="2887401"/>
+            <a:ext cx="890811" cy="461665"/>
+          </a:xfrm>
+          <a:prstGeom prst="rect">
+            <a:avLst/>
+          </a:prstGeom>
+          <a:noFill/>
+        </p:spPr>
+        <p:txBody>
+          <a:bodyPr wrap="square" rtlCol="0">
+            <a:spAutoFit/>
+          </a:bodyPr>
+          <a:lstStyle/>
+          <a:p>
+            <a:r>
+              <a:rPr lang="en-AU" sz="2400" dirty="0">
+                <a:solidFill>
+                  <a:srgbClr val="0070C0"/>
+                </a:solidFill>
+              </a:rPr>
+              <a:t>D13</a:t>
+            </a:r>
+          </a:p>
+        </p:txBody>
+      </p:sp>
+      <p:sp>
+        <p:nvSpPr>
+          <p:cNvPr id="27" name="TextBox 26">
+            <a:extLst>
+              <a:ext uri="{FF2B5EF4-FFF2-40B4-BE49-F238E27FC236}">
+                <a16:creationId xmlns:a16="http://schemas.microsoft.com/office/drawing/2014/main" id="{4E9E14C7-CBCA-234F-9806-A90D9C1DDF75}"/>
+              </a:ext>
+            </a:extLst>
+          </p:cNvPr>
+          <p:cNvSpPr txBox="1"/>
+          <p:nvPr/>
+        </p:nvSpPr>
+        <p:spPr>
+          <a:xfrm>
+            <a:off x="1031705" y="2997125"/>
+            <a:ext cx="890811" cy="461665"/>
+          </a:xfrm>
+          <a:prstGeom prst="rect">
+            <a:avLst/>
+          </a:prstGeom>
+          <a:noFill/>
+        </p:spPr>
+        <p:txBody>
+          <a:bodyPr wrap="square" rtlCol="0">
+            <a:spAutoFit/>
+          </a:bodyPr>
+          <a:lstStyle/>
+          <a:p>
+            <a:r>
+              <a:rPr lang="en-AU" sz="2400" dirty="0">
+                <a:solidFill>
+                  <a:srgbClr val="0070C0"/>
+                </a:solidFill>
+              </a:rPr>
+              <a:t>D14</a:t>
+            </a:r>
+          </a:p>
+        </p:txBody>
+      </p:sp>
+      <p:sp>
+        <p:nvSpPr>
+          <p:cNvPr id="40" name="Oval 39">
+            <a:extLst>
+              <a:ext uri="{FF2B5EF4-FFF2-40B4-BE49-F238E27FC236}">
+                <a16:creationId xmlns:a16="http://schemas.microsoft.com/office/drawing/2014/main" id="{F7991E49-51E5-B144-BF2D-90C81A5A6344}"/>
+              </a:ext>
+            </a:extLst>
+          </p:cNvPr>
+          <p:cNvSpPr/>
+          <p:nvPr/>
+        </p:nvSpPr>
+        <p:spPr>
+          <a:xfrm>
+            <a:off x="1493035" y="2413298"/>
+            <a:ext cx="244926" cy="239838"/>
+          </a:xfrm>
+          <a:prstGeom prst="ellipse">
+            <a:avLst/>
+          </a:prstGeom>
+          <a:solidFill>
+            <a:schemeClr val="tx1"/>
+          </a:solidFill>
+        </p:spPr>
+        <p:style>
+          <a:lnRef idx="2">
+            <a:schemeClr val="accent1">
+              <a:shade val="50000"/>
+            </a:schemeClr>
+          </a:lnRef>
+          <a:fillRef idx="1">
+            <a:schemeClr val="accent1"/>
+          </a:fillRef>
+          <a:effectRef idx="0">
+            <a:schemeClr val="accent1"/>
+          </a:effectRef>
+          <a:fontRef idx="minor">
+            <a:schemeClr val="lt1"/>
+          </a:fontRef>
+        </p:style>
+        <p:txBody>
+          <a:bodyPr rtlCol="0" anchor="ctr"/>
+          <a:lstStyle/>
+          <a:p>
+            <a:pPr algn="ctr"/>
+            <a:endParaRPr lang="en-AU" sz="2400"/>
+          </a:p>
+        </p:txBody>
+      </p:sp>
+      <p:sp>
+        <p:nvSpPr>
+          <p:cNvPr id="3" name="Arc 2">
+            <a:extLst>
+              <a:ext uri="{FF2B5EF4-FFF2-40B4-BE49-F238E27FC236}">
+                <a16:creationId xmlns:a16="http://schemas.microsoft.com/office/drawing/2014/main" id="{FD25C454-65A8-EA43-BA64-A2BA9DCFCA80}"/>
+              </a:ext>
+            </a:extLst>
+          </p:cNvPr>
+          <p:cNvSpPr/>
+          <p:nvPr/>
+        </p:nvSpPr>
+        <p:spPr>
+          <a:xfrm rot="6396875">
+            <a:off x="510403" y="1429347"/>
+            <a:ext cx="1877363" cy="1440983"/>
+          </a:xfrm>
+          <a:prstGeom prst="arc">
+            <a:avLst/>
+          </a:prstGeom>
+        </p:spPr>
+        <p:style>
+          <a:lnRef idx="1">
+            <a:schemeClr val="accent1"/>
+          </a:lnRef>
+          <a:fillRef idx="0">
+            <a:schemeClr val="accent1"/>
+          </a:fillRef>
+          <a:effectRef idx="0">
+            <a:schemeClr val="accent1"/>
+          </a:effectRef>
+          <a:fontRef idx="minor">
+            <a:schemeClr val="tx1"/>
+          </a:fontRef>
+        </p:style>
+        <p:txBody>
+          <a:bodyPr rtlCol="0" anchor="ctr"/>
+          <a:lstStyle/>
+          <a:p>
+            <a:pPr algn="ctr"/>
+            <a:endParaRPr lang="en-AU"/>
+          </a:p>
+        </p:txBody>
+      </p:sp>
+      <p:cxnSp>
+        <p:nvCxnSpPr>
+          <p:cNvPr id="51" name="Straight Arrow Connector 50">
+            <a:extLst>
+              <a:ext uri="{FF2B5EF4-FFF2-40B4-BE49-F238E27FC236}">
+                <a16:creationId xmlns:a16="http://schemas.microsoft.com/office/drawing/2014/main" id="{58F9ED4B-F0B9-FF4F-8ABD-F40072E20DC3}"/>
+              </a:ext>
+            </a:extLst>
+          </p:cNvPr>
+          <p:cNvCxnSpPr>
+            <a:cxnSpLocks/>
+          </p:cNvCxnSpPr>
+          <p:nvPr/>
+        </p:nvCxnSpPr>
+        <p:spPr>
+          <a:xfrm flipV="1">
+            <a:off x="2021575" y="2197305"/>
+            <a:ext cx="955819" cy="138500"/>
+          </a:xfrm>
+          <a:prstGeom prst="straightConnector1">
+            <a:avLst/>
+          </a:prstGeom>
+          <a:ln w="60325">
+            <a:solidFill>
+              <a:schemeClr val="bg1">
+                <a:lumMod val="50000"/>
+              </a:schemeClr>
+            </a:solidFill>
+            <a:prstDash val="sysDash"/>
+            <a:tailEnd type="triangle"/>
+          </a:ln>
+        </p:spPr>
+        <p:style>
+          <a:lnRef idx="1">
+            <a:schemeClr val="accent1"/>
+          </a:lnRef>
+          <a:fillRef idx="0">
+            <a:schemeClr val="accent1"/>
+          </a:fillRef>
+          <a:effectRef idx="0">
+            <a:schemeClr val="accent1"/>
+          </a:effectRef>
+          <a:fontRef idx="minor">
+            <a:schemeClr val="tx1"/>
+          </a:fontRef>
+        </p:style>
+      </p:cxnSp>
+      <p:cxnSp>
+        <p:nvCxnSpPr>
+          <p:cNvPr id="52" name="Straight Arrow Connector 51">
+            <a:extLst>
+              <a:ext uri="{FF2B5EF4-FFF2-40B4-BE49-F238E27FC236}">
+                <a16:creationId xmlns:a16="http://schemas.microsoft.com/office/drawing/2014/main" id="{02C569C0-B0AE-0647-A698-B455BC4E61BA}"/>
+              </a:ext>
+            </a:extLst>
+          </p:cNvPr>
+          <p:cNvCxnSpPr>
+            <a:cxnSpLocks/>
+            <a:endCxn id="14" idx="0"/>
+          </p:cNvCxnSpPr>
+          <p:nvPr/>
+        </p:nvCxnSpPr>
+        <p:spPr>
+          <a:xfrm flipH="1">
+            <a:off x="2812005" y="2451222"/>
+            <a:ext cx="279034" cy="600745"/>
+          </a:xfrm>
+          <a:prstGeom prst="straightConnector1">
+            <a:avLst/>
+          </a:prstGeom>
+          <a:ln w="60325">
+            <a:solidFill>
+              <a:schemeClr val="bg1">
+                <a:lumMod val="50000"/>
+              </a:schemeClr>
+            </a:solidFill>
+            <a:prstDash val="sysDash"/>
+            <a:tailEnd type="triangle"/>
+          </a:ln>
+        </p:spPr>
+        <p:style>
+          <a:lnRef idx="1">
+            <a:schemeClr val="accent1"/>
+          </a:lnRef>
+          <a:fillRef idx="0">
+            <a:schemeClr val="accent1"/>
+          </a:fillRef>
+          <a:effectRef idx="0">
+            <a:schemeClr val="accent1"/>
+          </a:effectRef>
+          <a:fontRef idx="minor">
+            <a:schemeClr val="tx1"/>
+          </a:fontRef>
+        </p:style>
+      </p:cxnSp>
+      <p:cxnSp>
+        <p:nvCxnSpPr>
+          <p:cNvPr id="54" name="Straight Arrow Connector 53">
+            <a:extLst>
+              <a:ext uri="{FF2B5EF4-FFF2-40B4-BE49-F238E27FC236}">
+                <a16:creationId xmlns:a16="http://schemas.microsoft.com/office/drawing/2014/main" id="{6B9CAAA3-CC30-C24F-93F7-B20E22330AF9}"/>
+              </a:ext>
+            </a:extLst>
+          </p:cNvPr>
+          <p:cNvCxnSpPr>
+            <a:cxnSpLocks/>
+          </p:cNvCxnSpPr>
+          <p:nvPr/>
+        </p:nvCxnSpPr>
+        <p:spPr>
+          <a:xfrm>
+            <a:off x="1724972" y="2579855"/>
+            <a:ext cx="901699" cy="590680"/>
+          </a:xfrm>
+          <a:prstGeom prst="straightConnector1">
+            <a:avLst/>
+          </a:prstGeom>
+          <a:ln w="60325">
+            <a:solidFill>
+              <a:schemeClr val="bg1">
+                <a:lumMod val="50000"/>
+              </a:schemeClr>
+            </a:solidFill>
+            <a:prstDash val="sysDash"/>
+            <a:tailEnd type="triangle"/>
+          </a:ln>
+        </p:spPr>
+        <p:style>
+          <a:lnRef idx="1">
+            <a:schemeClr val="accent1"/>
+          </a:lnRef>
+          <a:fillRef idx="0">
+            <a:schemeClr val="accent1"/>
+          </a:fillRef>
+          <a:effectRef idx="0">
+            <a:schemeClr val="accent1"/>
+          </a:effectRef>
+          <a:fontRef idx="minor">
+            <a:schemeClr val="tx1"/>
+          </a:fontRef>
+        </p:style>
+      </p:cxnSp>
+      <p:cxnSp>
+        <p:nvCxnSpPr>
+          <p:cNvPr id="55" name="Straight Arrow Connector 54">
+            <a:extLst>
+              <a:ext uri="{FF2B5EF4-FFF2-40B4-BE49-F238E27FC236}">
+                <a16:creationId xmlns:a16="http://schemas.microsoft.com/office/drawing/2014/main" id="{AB5F2E03-9FD8-4D4F-8FA4-0FCB78A41E6F}"/>
+              </a:ext>
+            </a:extLst>
+          </p:cNvPr>
+          <p:cNvCxnSpPr>
+            <a:cxnSpLocks/>
+          </p:cNvCxnSpPr>
+          <p:nvPr/>
+        </p:nvCxnSpPr>
+        <p:spPr>
+          <a:xfrm flipH="1">
+            <a:off x="1829825" y="3369966"/>
+            <a:ext cx="702361" cy="277778"/>
+          </a:xfrm>
+          <a:prstGeom prst="straightConnector1">
+            <a:avLst/>
+          </a:prstGeom>
+          <a:ln w="60325">
+            <a:solidFill>
+              <a:schemeClr val="bg1">
+                <a:lumMod val="50000"/>
+              </a:schemeClr>
+            </a:solidFill>
+            <a:prstDash val="sysDash"/>
+            <a:headEnd type="triangle"/>
+            <a:tailEnd type="triangle"/>
+          </a:ln>
+        </p:spPr>
+        <p:style>
+          <a:lnRef idx="1">
+            <a:schemeClr val="accent1"/>
+          </a:lnRef>
+          <a:fillRef idx="0">
+            <a:schemeClr val="accent1"/>
+          </a:fillRef>
+          <a:effectRef idx="0">
+            <a:schemeClr val="accent1"/>
+          </a:effectRef>
+          <a:fontRef idx="minor">
+            <a:schemeClr val="tx1"/>
+          </a:fontRef>
+        </p:style>
+      </p:cxnSp>
+      <p:cxnSp>
+        <p:nvCxnSpPr>
+          <p:cNvPr id="62" name="Straight Arrow Connector 61">
+            <a:extLst>
+              <a:ext uri="{FF2B5EF4-FFF2-40B4-BE49-F238E27FC236}">
+                <a16:creationId xmlns:a16="http://schemas.microsoft.com/office/drawing/2014/main" id="{D4EB2A2C-FE63-E24F-9999-DED7695BF0D9}"/>
+              </a:ext>
+            </a:extLst>
+          </p:cNvPr>
+          <p:cNvCxnSpPr>
+            <a:cxnSpLocks/>
+          </p:cNvCxnSpPr>
+          <p:nvPr/>
+        </p:nvCxnSpPr>
+        <p:spPr>
+          <a:xfrm>
+            <a:off x="1611433" y="2719311"/>
+            <a:ext cx="33961" cy="853271"/>
+          </a:xfrm>
+          <a:prstGeom prst="straightConnector1">
+            <a:avLst/>
+          </a:prstGeom>
+          <a:ln w="60325">
+            <a:solidFill>
+              <a:schemeClr val="bg1">
+                <a:lumMod val="50000"/>
+              </a:schemeClr>
+            </a:solidFill>
+            <a:prstDash val="sysDash"/>
+            <a:tailEnd type="triangle"/>
+          </a:ln>
+        </p:spPr>
+        <p:style>
+          <a:lnRef idx="1">
+            <a:schemeClr val="accent1"/>
+          </a:lnRef>
+          <a:fillRef idx="0">
+            <a:schemeClr val="accent1"/>
+          </a:fillRef>
+          <a:effectRef idx="0">
+            <a:schemeClr val="accent1"/>
+          </a:effectRef>
+          <a:fontRef idx="minor">
+            <a:schemeClr val="tx1"/>
+          </a:fontRef>
+        </p:style>
+      </p:cxnSp>
+      <p:sp>
+        <p:nvSpPr>
+          <p:cNvPr id="61" name="Rounded Rectangle 60">
+            <a:extLst>
+              <a:ext uri="{FF2B5EF4-FFF2-40B4-BE49-F238E27FC236}">
+                <a16:creationId xmlns:a16="http://schemas.microsoft.com/office/drawing/2014/main" id="{D6F99B26-B9CC-8B46-8F00-6AC540140243}"/>
+              </a:ext>
+            </a:extLst>
+          </p:cNvPr>
+          <p:cNvSpPr>
+            <a:spLocks noChangeAspect="1"/>
+          </p:cNvSpPr>
+          <p:nvPr/>
+        </p:nvSpPr>
+        <p:spPr>
+          <a:xfrm>
+            <a:off x="226259" y="7613112"/>
+            <a:ext cx="3213041" cy="2000402"/>
+          </a:xfrm>
+          <a:prstGeom prst="roundRect">
+            <a:avLst/>
+          </a:prstGeom>
+          <a:solidFill>
+            <a:schemeClr val="accent6">
+              <a:lumMod val="40000"/>
+              <a:lumOff val="60000"/>
+            </a:schemeClr>
+          </a:solidFill>
+          <a:ln w="38100">
+            <a:solidFill>
+              <a:schemeClr val="tx1"/>
+            </a:solidFill>
+          </a:ln>
+        </p:spPr>
+        <p:style>
+          <a:lnRef idx="2">
+            <a:schemeClr val="accent1">
+              <a:shade val="50000"/>
+            </a:schemeClr>
+          </a:lnRef>
+          <a:fillRef idx="1">
+            <a:schemeClr val="accent1"/>
+          </a:fillRef>
+          <a:effectRef idx="0">
+            <a:schemeClr val="accent1"/>
+          </a:effectRef>
+          <a:fontRef idx="minor">
+            <a:schemeClr val="lt1"/>
+          </a:fontRef>
+        </p:style>
+        <p:txBody>
+          <a:bodyPr rtlCol="0" anchor="ctr"/>
+          <a:lstStyle/>
+          <a:p>
+            <a:pPr algn="ctr"/>
+            <a:endParaRPr lang="en-AU" sz="2400"/>
+          </a:p>
+        </p:txBody>
+      </p:sp>
+      <p:sp>
+        <p:nvSpPr>
+          <p:cNvPr id="127" name="Rounded Rectangle 126">
+            <a:extLst>
+              <a:ext uri="{FF2B5EF4-FFF2-40B4-BE49-F238E27FC236}">
+                <a16:creationId xmlns:a16="http://schemas.microsoft.com/office/drawing/2014/main" id="{717B3832-3BA3-2247-AB16-BE5A6D7FD698}"/>
+              </a:ext>
+            </a:extLst>
+          </p:cNvPr>
+          <p:cNvSpPr>
+            <a:spLocks noChangeAspect="1"/>
+          </p:cNvSpPr>
+          <p:nvPr/>
+        </p:nvSpPr>
+        <p:spPr>
+          <a:xfrm>
+            <a:off x="3557969" y="6205597"/>
+            <a:ext cx="3240000" cy="1411065"/>
+          </a:xfrm>
+          <a:prstGeom prst="roundRect">
+            <a:avLst/>
+          </a:prstGeom>
+          <a:noFill/>
+          <a:ln w="38100">
+            <a:solidFill>
+              <a:schemeClr val="tx1"/>
+            </a:solidFill>
+          </a:ln>
+        </p:spPr>
+        <p:style>
+          <a:lnRef idx="2">
+            <a:schemeClr val="accent1">
+              <a:shade val="50000"/>
+            </a:schemeClr>
+          </a:lnRef>
+          <a:fillRef idx="1">
+            <a:schemeClr val="accent1"/>
+          </a:fillRef>
+          <a:effectRef idx="0">
+            <a:schemeClr val="accent1"/>
+          </a:effectRef>
+          <a:fontRef idx="minor">
+            <a:schemeClr val="lt1"/>
+          </a:fontRef>
+        </p:style>
+        <p:txBody>
+          <a:bodyPr rtlCol="0" anchor="ctr"/>
+          <a:lstStyle/>
+          <a:p>
+            <a:pPr algn="ctr"/>
+            <a:endParaRPr lang="en-AU"/>
+          </a:p>
+        </p:txBody>
+      </p:sp>
+      <p:sp>
+        <p:nvSpPr>
+          <p:cNvPr id="128" name="Rounded Rectangle 127">
+            <a:extLst>
+              <a:ext uri="{FF2B5EF4-FFF2-40B4-BE49-F238E27FC236}">
+                <a16:creationId xmlns:a16="http://schemas.microsoft.com/office/drawing/2014/main" id="{0E46D5EC-DBDE-594D-BE09-9842261283D4}"/>
+              </a:ext>
+            </a:extLst>
+          </p:cNvPr>
+          <p:cNvSpPr>
+            <a:spLocks noChangeAspect="1"/>
+          </p:cNvSpPr>
+          <p:nvPr/>
+        </p:nvSpPr>
+        <p:spPr>
+          <a:xfrm>
+            <a:off x="3581375" y="492795"/>
+            <a:ext cx="3240000" cy="5622252"/>
+          </a:xfrm>
+          <a:prstGeom prst="roundRect">
+            <a:avLst/>
+          </a:prstGeom>
+          <a:solidFill>
+            <a:schemeClr val="bg1"/>
+          </a:solidFill>
+          <a:ln w="38100">
+            <a:solidFill>
+              <a:schemeClr val="tx1"/>
+            </a:solidFill>
+          </a:ln>
+        </p:spPr>
+        <p:style>
+          <a:lnRef idx="2">
+            <a:schemeClr val="accent1">
+              <a:shade val="50000"/>
+            </a:schemeClr>
+          </a:lnRef>
+          <a:fillRef idx="1">
+            <a:schemeClr val="accent1"/>
+          </a:fillRef>
+          <a:effectRef idx="0">
+            <a:schemeClr val="accent1"/>
+          </a:effectRef>
+          <a:fontRef idx="minor">
+            <a:schemeClr val="lt1"/>
+          </a:fontRef>
+        </p:style>
+        <p:txBody>
+          <a:bodyPr rtlCol="0" anchor="ctr"/>
+          <a:lstStyle/>
+          <a:p>
+            <a:pPr algn="ctr"/>
+            <a:endParaRPr lang="en-AU"/>
+          </a:p>
+        </p:txBody>
+      </p:sp>
+      <p:sp>
+        <p:nvSpPr>
+          <p:cNvPr id="129" name="Multiply 128">
+            <a:extLst>
+              <a:ext uri="{FF2B5EF4-FFF2-40B4-BE49-F238E27FC236}">
+                <a16:creationId xmlns:a16="http://schemas.microsoft.com/office/drawing/2014/main" id="{77E3894E-8501-004E-85C3-EB37089D6768}"/>
+              </a:ext>
+            </a:extLst>
+          </p:cNvPr>
+          <p:cNvSpPr/>
+          <p:nvPr/>
+        </p:nvSpPr>
+        <p:spPr>
+          <a:xfrm>
+            <a:off x="4792777" y="4452447"/>
+            <a:ext cx="848447" cy="849086"/>
+          </a:xfrm>
+          <a:prstGeom prst="mathMultiply">
+            <a:avLst/>
+          </a:prstGeom>
+          <a:noFill/>
+        </p:spPr>
+        <p:style>
+          <a:lnRef idx="2">
+            <a:schemeClr val="accent1">
+              <a:shade val="50000"/>
+            </a:schemeClr>
+          </a:lnRef>
+          <a:fillRef idx="1">
+            <a:schemeClr val="accent1"/>
+          </a:fillRef>
+          <a:effectRef idx="0">
+            <a:schemeClr val="accent1"/>
+          </a:effectRef>
+          <a:fontRef idx="minor">
+            <a:schemeClr val="lt1"/>
+          </a:fontRef>
+        </p:style>
+        <p:txBody>
+          <a:bodyPr rtlCol="0" anchor="ctr"/>
+          <a:lstStyle/>
+          <a:p>
+            <a:pPr algn="ctr"/>
+            <a:endParaRPr lang="en-AU" sz="2400"/>
+          </a:p>
+        </p:txBody>
+      </p:sp>
+      <p:sp>
+        <p:nvSpPr>
+          <p:cNvPr id="134" name="TextBox 133">
+            <a:extLst>
+              <a:ext uri="{FF2B5EF4-FFF2-40B4-BE49-F238E27FC236}">
+                <a16:creationId xmlns:a16="http://schemas.microsoft.com/office/drawing/2014/main" id="{0672CC98-A160-D445-BF83-96B221B842B8}"/>
+              </a:ext>
+            </a:extLst>
+          </p:cNvPr>
+          <p:cNvSpPr txBox="1"/>
+          <p:nvPr/>
+        </p:nvSpPr>
+        <p:spPr>
+          <a:xfrm>
+            <a:off x="3656559" y="3690975"/>
+            <a:ext cx="626844" cy="461665"/>
+          </a:xfrm>
+          <a:prstGeom prst="rect">
+            <a:avLst/>
+          </a:prstGeom>
+          <a:solidFill>
+            <a:schemeClr val="tx1"/>
+          </a:solidFill>
+        </p:spPr>
+        <p:txBody>
+          <a:bodyPr wrap="square" rtlCol="0">
+            <a:spAutoFit/>
+          </a:bodyPr>
+          <a:lstStyle/>
+          <a:p>
+            <a:pPr algn="ctr"/>
+            <a:r>
+              <a:rPr lang="en-AU" sz="2400" dirty="0">
+                <a:solidFill>
+                  <a:schemeClr val="bg1"/>
+                </a:solidFill>
+              </a:rPr>
+              <a:t>O4</a:t>
+            </a:r>
+          </a:p>
+        </p:txBody>
+      </p:sp>
+      <p:sp>
+        <p:nvSpPr>
+          <p:cNvPr id="138" name="TextBox 137">
+            <a:extLst>
+              <a:ext uri="{FF2B5EF4-FFF2-40B4-BE49-F238E27FC236}">
+                <a16:creationId xmlns:a16="http://schemas.microsoft.com/office/drawing/2014/main" id="{3EAB1053-28C3-1B48-B40A-51D107038140}"/>
+              </a:ext>
+            </a:extLst>
+          </p:cNvPr>
+          <p:cNvSpPr txBox="1"/>
+          <p:nvPr/>
+        </p:nvSpPr>
+        <p:spPr>
+          <a:xfrm>
+            <a:off x="5255525" y="5055072"/>
+            <a:ext cx="674066" cy="461665"/>
+          </a:xfrm>
+          <a:prstGeom prst="rect">
+            <a:avLst/>
+          </a:prstGeom>
+          <a:noFill/>
+        </p:spPr>
+        <p:txBody>
+          <a:bodyPr wrap="square" rtlCol="0">
+            <a:spAutoFit/>
+          </a:bodyPr>
+          <a:lstStyle/>
+          <a:p>
+            <a:r>
+              <a:rPr lang="en-AU" sz="2400" dirty="0">
+                <a:solidFill>
+                  <a:srgbClr val="0070C0"/>
+                </a:solidFill>
+              </a:rPr>
+              <a:t>D8</a:t>
+            </a:r>
+          </a:p>
+        </p:txBody>
+      </p:sp>
+      <p:sp>
+        <p:nvSpPr>
+          <p:cNvPr id="156" name="Rounded Rectangle 155">
+            <a:extLst>
+              <a:ext uri="{FF2B5EF4-FFF2-40B4-BE49-F238E27FC236}">
+                <a16:creationId xmlns:a16="http://schemas.microsoft.com/office/drawing/2014/main" id="{83C8135C-AC55-5045-9AC5-4372A5A57711}"/>
+              </a:ext>
+            </a:extLst>
+          </p:cNvPr>
+          <p:cNvSpPr>
+            <a:spLocks noChangeAspect="1"/>
+          </p:cNvSpPr>
+          <p:nvPr/>
+        </p:nvSpPr>
+        <p:spPr>
+          <a:xfrm>
+            <a:off x="3584928" y="7615037"/>
+            <a:ext cx="3213041" cy="2000402"/>
+          </a:xfrm>
+          <a:prstGeom prst="roundRect">
+            <a:avLst/>
+          </a:prstGeom>
+          <a:solidFill>
+            <a:schemeClr val="accent6">
+              <a:lumMod val="40000"/>
+              <a:lumOff val="60000"/>
+            </a:schemeClr>
+          </a:solidFill>
+          <a:ln w="38100">
+            <a:solidFill>
+              <a:schemeClr val="tx1"/>
+            </a:solidFill>
+          </a:ln>
+        </p:spPr>
+        <p:style>
+          <a:lnRef idx="2">
+            <a:schemeClr val="accent1">
+              <a:shade val="50000"/>
+            </a:schemeClr>
+          </a:lnRef>
+          <a:fillRef idx="1">
+            <a:schemeClr val="accent1"/>
+          </a:fillRef>
+          <a:effectRef idx="0">
+            <a:schemeClr val="accent1"/>
+          </a:effectRef>
+          <a:fontRef idx="minor">
+            <a:schemeClr val="lt1"/>
+          </a:fontRef>
+        </p:style>
+        <p:txBody>
+          <a:bodyPr rtlCol="0" anchor="ctr"/>
+          <a:lstStyle/>
+          <a:p>
+            <a:pPr algn="ctr"/>
+            <a:endParaRPr lang="en-AU" sz="2400"/>
+          </a:p>
+        </p:txBody>
+      </p:sp>
+      <p:sp>
+        <p:nvSpPr>
+          <p:cNvPr id="157" name="TextBox 156">
+            <a:extLst>
+              <a:ext uri="{FF2B5EF4-FFF2-40B4-BE49-F238E27FC236}">
+                <a16:creationId xmlns:a16="http://schemas.microsoft.com/office/drawing/2014/main" id="{D07B8DBC-F08E-ED4B-ACF3-86710CB8DFBC}"/>
+              </a:ext>
+            </a:extLst>
+          </p:cNvPr>
+          <p:cNvSpPr txBox="1"/>
+          <p:nvPr/>
+        </p:nvSpPr>
+        <p:spPr>
+          <a:xfrm>
+            <a:off x="5375272" y="8255267"/>
+            <a:ext cx="656364" cy="461665"/>
+          </a:xfrm>
+          <a:prstGeom prst="rect">
+            <a:avLst/>
+          </a:prstGeom>
+          <a:noFill/>
+        </p:spPr>
+        <p:txBody>
+          <a:bodyPr wrap="square" rtlCol="0">
+            <a:spAutoFit/>
+          </a:bodyPr>
+          <a:lstStyle/>
+          <a:p>
+            <a:r>
+              <a:rPr lang="en-AU" sz="2400" dirty="0"/>
+              <a:t>O2</a:t>
+            </a:r>
+          </a:p>
+        </p:txBody>
+      </p:sp>
+      <p:sp>
+        <p:nvSpPr>
+          <p:cNvPr id="158" name="TextBox 157">
+            <a:extLst>
+              <a:ext uri="{FF2B5EF4-FFF2-40B4-BE49-F238E27FC236}">
+                <a16:creationId xmlns:a16="http://schemas.microsoft.com/office/drawing/2014/main" id="{CEBB7B16-A209-6E42-A9CF-74AAAA4B6526}"/>
+              </a:ext>
+            </a:extLst>
+          </p:cNvPr>
+          <p:cNvSpPr txBox="1"/>
+          <p:nvPr/>
+        </p:nvSpPr>
+        <p:spPr>
+          <a:xfrm>
+            <a:off x="6223087" y="9125989"/>
+            <a:ext cx="592065" cy="461665"/>
+          </a:xfrm>
+          <a:prstGeom prst="rect">
+            <a:avLst/>
+          </a:prstGeom>
+          <a:noFill/>
+        </p:spPr>
+        <p:txBody>
+          <a:bodyPr wrap="square" rtlCol="0">
+            <a:spAutoFit/>
+          </a:bodyPr>
+          <a:lstStyle/>
+          <a:p>
+            <a:r>
+              <a:rPr lang="en-AU" sz="2400" dirty="0"/>
+              <a:t>O1</a:t>
+            </a:r>
+          </a:p>
+        </p:txBody>
+      </p:sp>
+      <p:sp>
+        <p:nvSpPr>
+          <p:cNvPr id="159" name="TextBox 158">
+            <a:extLst>
+              <a:ext uri="{FF2B5EF4-FFF2-40B4-BE49-F238E27FC236}">
+                <a16:creationId xmlns:a16="http://schemas.microsoft.com/office/drawing/2014/main" id="{B7E1C04A-37D5-5E47-8501-02CCB3F39676}"/>
+              </a:ext>
+            </a:extLst>
+          </p:cNvPr>
+          <p:cNvSpPr txBox="1"/>
+          <p:nvPr/>
+        </p:nvSpPr>
+        <p:spPr>
+          <a:xfrm>
+            <a:off x="4424609" y="7870681"/>
+            <a:ext cx="544501" cy="461665"/>
+          </a:xfrm>
+          <a:prstGeom prst="rect">
+            <a:avLst/>
+          </a:prstGeom>
+          <a:noFill/>
+        </p:spPr>
+        <p:txBody>
+          <a:bodyPr wrap="square" rtlCol="0">
+            <a:spAutoFit/>
+          </a:bodyPr>
+          <a:lstStyle/>
+          <a:p>
+            <a:pPr algn="ctr"/>
+            <a:r>
+              <a:rPr lang="en-AU" sz="2400" dirty="0"/>
+              <a:t>O3 </a:t>
+            </a:r>
+          </a:p>
+        </p:txBody>
+      </p:sp>
+      <p:sp>
+        <p:nvSpPr>
+          <p:cNvPr id="160" name="TextBox 159">
+            <a:extLst>
+              <a:ext uri="{FF2B5EF4-FFF2-40B4-BE49-F238E27FC236}">
+                <a16:creationId xmlns:a16="http://schemas.microsoft.com/office/drawing/2014/main" id="{1D946B6E-50F5-FA4F-93FF-F190C1CEC5C8}"/>
+              </a:ext>
+            </a:extLst>
+          </p:cNvPr>
+          <p:cNvSpPr txBox="1"/>
+          <p:nvPr/>
+        </p:nvSpPr>
+        <p:spPr>
+          <a:xfrm>
+            <a:off x="4008109" y="8377434"/>
+            <a:ext cx="550588" cy="461665"/>
+          </a:xfrm>
+          <a:prstGeom prst="rect">
+            <a:avLst/>
+          </a:prstGeom>
+          <a:solidFill>
+            <a:schemeClr val="tx1"/>
+          </a:solidFill>
+        </p:spPr>
+        <p:txBody>
+          <a:bodyPr wrap="square" rtlCol="0">
+            <a:spAutoFit/>
+          </a:bodyPr>
+          <a:lstStyle/>
+          <a:p>
+            <a:pPr algn="ctr"/>
+            <a:r>
+              <a:rPr lang="en-AU" sz="2400" dirty="0">
+                <a:solidFill>
+                  <a:schemeClr val="bg1"/>
+                </a:solidFill>
+              </a:rPr>
+              <a:t>O4</a:t>
+            </a:r>
+          </a:p>
+        </p:txBody>
+      </p:sp>
+      <p:sp>
+        <p:nvSpPr>
+          <p:cNvPr id="161" name="TextBox 160">
+            <a:extLst>
+              <a:ext uri="{FF2B5EF4-FFF2-40B4-BE49-F238E27FC236}">
+                <a16:creationId xmlns:a16="http://schemas.microsoft.com/office/drawing/2014/main" id="{F77D3F58-F873-4049-B618-0BD472FDD5BB}"/>
+              </a:ext>
+            </a:extLst>
+          </p:cNvPr>
+          <p:cNvSpPr txBox="1"/>
+          <p:nvPr/>
+        </p:nvSpPr>
+        <p:spPr>
+          <a:xfrm>
+            <a:off x="6230081" y="6803133"/>
+            <a:ext cx="592065" cy="461665"/>
+          </a:xfrm>
+          <a:prstGeom prst="rect">
+            <a:avLst/>
+          </a:prstGeom>
+          <a:noFill/>
+        </p:spPr>
+        <p:txBody>
+          <a:bodyPr wrap="square" rtlCol="0">
+            <a:spAutoFit/>
+          </a:bodyPr>
+          <a:lstStyle/>
+          <a:p>
+            <a:r>
+              <a:rPr lang="en-AU" sz="2400" dirty="0"/>
+              <a:t>O5</a:t>
+            </a:r>
+          </a:p>
+        </p:txBody>
+      </p:sp>
+      <p:sp>
+        <p:nvSpPr>
+          <p:cNvPr id="162" name="TextBox 161">
+            <a:extLst>
+              <a:ext uri="{FF2B5EF4-FFF2-40B4-BE49-F238E27FC236}">
+                <a16:creationId xmlns:a16="http://schemas.microsoft.com/office/drawing/2014/main" id="{EF8EE052-B86D-2642-AE61-200EDA072FBE}"/>
+              </a:ext>
+            </a:extLst>
+          </p:cNvPr>
+          <p:cNvSpPr txBox="1"/>
+          <p:nvPr/>
+        </p:nvSpPr>
+        <p:spPr>
+          <a:xfrm>
+            <a:off x="4116549" y="6700802"/>
+            <a:ext cx="592065" cy="461665"/>
+          </a:xfrm>
+          <a:prstGeom prst="rect">
+            <a:avLst/>
+          </a:prstGeom>
+          <a:noFill/>
+        </p:spPr>
+        <p:txBody>
+          <a:bodyPr wrap="square" rtlCol="0">
+            <a:spAutoFit/>
+          </a:bodyPr>
+          <a:lstStyle/>
+          <a:p>
+            <a:r>
+              <a:rPr lang="en-AU" sz="2400" dirty="0"/>
+              <a:t>O6</a:t>
+            </a:r>
+          </a:p>
+        </p:txBody>
+      </p:sp>
+      <p:sp>
+        <p:nvSpPr>
+          <p:cNvPr id="163" name="TextBox 162">
+            <a:extLst>
+              <a:ext uri="{FF2B5EF4-FFF2-40B4-BE49-F238E27FC236}">
+                <a16:creationId xmlns:a16="http://schemas.microsoft.com/office/drawing/2014/main" id="{45CC0390-00F3-654A-90E4-9BE854982425}"/>
+              </a:ext>
+            </a:extLst>
+          </p:cNvPr>
+          <p:cNvSpPr txBox="1"/>
+          <p:nvPr/>
+        </p:nvSpPr>
+        <p:spPr>
+          <a:xfrm>
+            <a:off x="3575749" y="7591856"/>
+            <a:ext cx="592065" cy="461665"/>
+          </a:xfrm>
+          <a:prstGeom prst="rect">
+            <a:avLst/>
+          </a:prstGeom>
+          <a:noFill/>
+        </p:spPr>
+        <p:txBody>
+          <a:bodyPr wrap="square" rtlCol="0">
+            <a:spAutoFit/>
+          </a:bodyPr>
+          <a:lstStyle/>
+          <a:p>
+            <a:r>
+              <a:rPr lang="en-AU" sz="2400" dirty="0"/>
+              <a:t>O7</a:t>
+            </a:r>
+          </a:p>
+        </p:txBody>
+      </p:sp>
+      <p:sp>
+        <p:nvSpPr>
+          <p:cNvPr id="164" name="TextBox 163">
+            <a:extLst>
+              <a:ext uri="{FF2B5EF4-FFF2-40B4-BE49-F238E27FC236}">
+                <a16:creationId xmlns:a16="http://schemas.microsoft.com/office/drawing/2014/main" id="{DF975802-6DF4-6D48-9E81-E6D2342D199C}"/>
+              </a:ext>
+            </a:extLst>
+          </p:cNvPr>
+          <p:cNvSpPr txBox="1"/>
+          <p:nvPr/>
+        </p:nvSpPr>
+        <p:spPr>
+          <a:xfrm>
+            <a:off x="4906571" y="8181210"/>
+            <a:ext cx="592065" cy="461665"/>
+          </a:xfrm>
+          <a:prstGeom prst="rect">
+            <a:avLst/>
+          </a:prstGeom>
+          <a:noFill/>
+        </p:spPr>
+        <p:txBody>
+          <a:bodyPr wrap="square" rtlCol="0">
+            <a:spAutoFit/>
+          </a:bodyPr>
+          <a:lstStyle/>
+          <a:p>
+            <a:r>
+              <a:rPr lang="en-AU" sz="2400" dirty="0">
+                <a:solidFill>
+                  <a:srgbClr val="0070C0"/>
+                </a:solidFill>
+              </a:rPr>
+              <a:t>D8</a:t>
+            </a:r>
+          </a:p>
+        </p:txBody>
+      </p:sp>
+      <p:sp>
+        <p:nvSpPr>
+          <p:cNvPr id="166" name="TextBox 165">
+            <a:extLst>
+              <a:ext uri="{FF2B5EF4-FFF2-40B4-BE49-F238E27FC236}">
+                <a16:creationId xmlns:a16="http://schemas.microsoft.com/office/drawing/2014/main" id="{6BA94074-04D6-A148-8E14-FF7DCAC583A0}"/>
+              </a:ext>
+            </a:extLst>
+          </p:cNvPr>
+          <p:cNvSpPr txBox="1"/>
+          <p:nvPr/>
+        </p:nvSpPr>
+        <p:spPr>
+          <a:xfrm>
+            <a:off x="4795522" y="7543384"/>
+            <a:ext cx="782443" cy="461665"/>
+          </a:xfrm>
+          <a:prstGeom prst="rect">
+            <a:avLst/>
+          </a:prstGeom>
+          <a:noFill/>
+        </p:spPr>
+        <p:txBody>
+          <a:bodyPr wrap="square" rtlCol="0">
+            <a:spAutoFit/>
+          </a:bodyPr>
+          <a:lstStyle/>
+          <a:p>
+            <a:r>
+              <a:rPr lang="en-AU" sz="2400" dirty="0">
+                <a:solidFill>
+                  <a:srgbClr val="0070C0"/>
+                </a:solidFill>
+              </a:rPr>
+              <a:t>D10</a:t>
+            </a:r>
+          </a:p>
+        </p:txBody>
+      </p:sp>
+      <p:sp>
+        <p:nvSpPr>
+          <p:cNvPr id="167" name="TextBox 166">
+            <a:extLst>
+              <a:ext uri="{FF2B5EF4-FFF2-40B4-BE49-F238E27FC236}">
+                <a16:creationId xmlns:a16="http://schemas.microsoft.com/office/drawing/2014/main" id="{CC8EA44B-05C0-6D42-A5A7-0B7204029393}"/>
+              </a:ext>
+            </a:extLst>
+          </p:cNvPr>
+          <p:cNvSpPr txBox="1"/>
+          <p:nvPr/>
+        </p:nvSpPr>
+        <p:spPr>
+          <a:xfrm>
+            <a:off x="3961640" y="7569526"/>
+            <a:ext cx="782443" cy="461665"/>
+          </a:xfrm>
+          <a:prstGeom prst="rect">
+            <a:avLst/>
+          </a:prstGeom>
+          <a:noFill/>
+        </p:spPr>
+        <p:txBody>
+          <a:bodyPr wrap="square" rtlCol="0">
+            <a:spAutoFit/>
+          </a:bodyPr>
+          <a:lstStyle/>
+          <a:p>
+            <a:r>
+              <a:rPr lang="en-AU" sz="2400" dirty="0">
+                <a:solidFill>
+                  <a:srgbClr val="0070C0"/>
+                </a:solidFill>
+              </a:rPr>
+              <a:t>D11</a:t>
+            </a:r>
+          </a:p>
+        </p:txBody>
+      </p:sp>
+      <p:sp>
+        <p:nvSpPr>
+          <p:cNvPr id="168" name="TextBox 167">
+            <a:extLst>
+              <a:ext uri="{FF2B5EF4-FFF2-40B4-BE49-F238E27FC236}">
+                <a16:creationId xmlns:a16="http://schemas.microsoft.com/office/drawing/2014/main" id="{781D27F4-01FF-ED41-8C9A-12B569FFAB8B}"/>
+              </a:ext>
+            </a:extLst>
+          </p:cNvPr>
+          <p:cNvSpPr txBox="1"/>
+          <p:nvPr/>
+        </p:nvSpPr>
+        <p:spPr>
+          <a:xfrm>
+            <a:off x="6221616" y="7039062"/>
+            <a:ext cx="782443" cy="461665"/>
+          </a:xfrm>
+          <a:prstGeom prst="rect">
+            <a:avLst/>
+          </a:prstGeom>
+          <a:noFill/>
+        </p:spPr>
+        <p:txBody>
+          <a:bodyPr wrap="square" rtlCol="0">
+            <a:spAutoFit/>
+          </a:bodyPr>
+          <a:lstStyle/>
+          <a:p>
+            <a:r>
+              <a:rPr lang="en-AU" sz="2400" dirty="0">
+                <a:solidFill>
+                  <a:srgbClr val="0070C0"/>
+                </a:solidFill>
+              </a:rPr>
+              <a:t>D12</a:t>
+            </a:r>
+          </a:p>
+        </p:txBody>
+      </p:sp>
+      <p:sp>
+        <p:nvSpPr>
+          <p:cNvPr id="169" name="TextBox 168">
+            <a:extLst>
+              <a:ext uri="{FF2B5EF4-FFF2-40B4-BE49-F238E27FC236}">
+                <a16:creationId xmlns:a16="http://schemas.microsoft.com/office/drawing/2014/main" id="{BF881E7D-F05A-6440-8D2A-2F52AEFDF41B}"/>
+              </a:ext>
+            </a:extLst>
+          </p:cNvPr>
+          <p:cNvSpPr txBox="1"/>
+          <p:nvPr/>
+        </p:nvSpPr>
+        <p:spPr>
+          <a:xfrm>
+            <a:off x="6090434" y="7576265"/>
+            <a:ext cx="782443" cy="461665"/>
+          </a:xfrm>
+          <a:prstGeom prst="rect">
+            <a:avLst/>
+          </a:prstGeom>
+          <a:noFill/>
+        </p:spPr>
+        <p:txBody>
+          <a:bodyPr wrap="square" rtlCol="0">
+            <a:spAutoFit/>
+          </a:bodyPr>
+          <a:lstStyle/>
+          <a:p>
+            <a:r>
+              <a:rPr lang="en-AU" sz="2400" dirty="0">
+                <a:solidFill>
+                  <a:srgbClr val="0070C0"/>
+                </a:solidFill>
+              </a:rPr>
+              <a:t>D13</a:t>
+            </a:r>
+          </a:p>
+        </p:txBody>
+      </p:sp>
+      <p:sp>
+        <p:nvSpPr>
+          <p:cNvPr id="170" name="TextBox 169">
+            <a:extLst>
+              <a:ext uri="{FF2B5EF4-FFF2-40B4-BE49-F238E27FC236}">
+                <a16:creationId xmlns:a16="http://schemas.microsoft.com/office/drawing/2014/main" id="{D118BFEE-320E-B944-A2A5-558FEA6097A3}"/>
+              </a:ext>
+            </a:extLst>
+          </p:cNvPr>
+          <p:cNvSpPr txBox="1"/>
+          <p:nvPr/>
+        </p:nvSpPr>
+        <p:spPr>
+          <a:xfrm>
+            <a:off x="5436096" y="7647892"/>
+            <a:ext cx="782443" cy="461665"/>
+          </a:xfrm>
+          <a:prstGeom prst="rect">
+            <a:avLst/>
+          </a:prstGeom>
+          <a:noFill/>
+        </p:spPr>
+        <p:txBody>
+          <a:bodyPr wrap="square" rtlCol="0">
+            <a:spAutoFit/>
+          </a:bodyPr>
+          <a:lstStyle/>
+          <a:p>
+            <a:r>
+              <a:rPr lang="en-AU" sz="2400" dirty="0">
+                <a:solidFill>
+                  <a:srgbClr val="0070C0"/>
+                </a:solidFill>
+              </a:rPr>
+              <a:t>D14</a:t>
+            </a:r>
+          </a:p>
+        </p:txBody>
+      </p:sp>
+      <p:cxnSp>
+        <p:nvCxnSpPr>
+          <p:cNvPr id="173" name="Straight Arrow Connector 172">
+            <a:extLst>
+              <a:ext uri="{FF2B5EF4-FFF2-40B4-BE49-F238E27FC236}">
+                <a16:creationId xmlns:a16="http://schemas.microsoft.com/office/drawing/2014/main" id="{75E45B88-3207-D543-B598-49899B9020AC}"/>
+              </a:ext>
+            </a:extLst>
+          </p:cNvPr>
+          <p:cNvCxnSpPr>
+            <a:cxnSpLocks/>
+            <a:stCxn id="161" idx="1"/>
+            <a:endCxn id="162" idx="3"/>
+          </p:cNvCxnSpPr>
+          <p:nvPr/>
+        </p:nvCxnSpPr>
+        <p:spPr>
+          <a:xfrm flipH="1" flipV="1">
+            <a:off x="4708614" y="6931635"/>
+            <a:ext cx="1521467" cy="102331"/>
+          </a:xfrm>
+          <a:prstGeom prst="straightConnector1">
+            <a:avLst/>
+          </a:prstGeom>
+          <a:ln w="60325">
+            <a:solidFill>
+              <a:schemeClr val="bg1">
+                <a:lumMod val="50000"/>
+              </a:schemeClr>
+            </a:solidFill>
+            <a:prstDash val="sysDash"/>
+            <a:tailEnd type="triangle"/>
+          </a:ln>
+        </p:spPr>
+        <p:style>
+          <a:lnRef idx="1">
+            <a:schemeClr val="accent1"/>
+          </a:lnRef>
+          <a:fillRef idx="0">
+            <a:schemeClr val="accent1"/>
+          </a:fillRef>
+          <a:effectRef idx="0">
+            <a:schemeClr val="accent1"/>
+          </a:effectRef>
+          <a:fontRef idx="minor">
+            <a:schemeClr val="tx1"/>
+          </a:fontRef>
+        </p:style>
+      </p:cxnSp>
+      <p:sp>
+        <p:nvSpPr>
+          <p:cNvPr id="180" name="TextBox 179">
+            <a:extLst>
+              <a:ext uri="{FF2B5EF4-FFF2-40B4-BE49-F238E27FC236}">
+                <a16:creationId xmlns:a16="http://schemas.microsoft.com/office/drawing/2014/main" id="{2BDF7E02-FFE0-1345-BB76-0C777948C684}"/>
+              </a:ext>
+            </a:extLst>
+          </p:cNvPr>
+          <p:cNvSpPr txBox="1"/>
+          <p:nvPr/>
+        </p:nvSpPr>
+        <p:spPr>
+          <a:xfrm rot="5400000">
+            <a:off x="-232369" y="1122896"/>
+            <a:ext cx="1223757" cy="461665"/>
+          </a:xfrm>
+          <a:prstGeom prst="rect">
+            <a:avLst/>
+          </a:prstGeom>
+          <a:noFill/>
+        </p:spPr>
+        <p:txBody>
+          <a:bodyPr wrap="square" rtlCol="0">
+            <a:spAutoFit/>
+          </a:bodyPr>
+          <a:lstStyle/>
+          <a:p>
+            <a:r>
+              <a:rPr lang="en-AU" sz="2400" dirty="0">
+                <a:solidFill>
+                  <a:srgbClr val="C00000"/>
+                </a:solidFill>
+              </a:rPr>
+              <a:t>Upfield</a:t>
+            </a:r>
+          </a:p>
+        </p:txBody>
+      </p:sp>
+      <p:sp>
+        <p:nvSpPr>
+          <p:cNvPr id="181" name="TextBox 180">
+            <a:extLst>
+              <a:ext uri="{FF2B5EF4-FFF2-40B4-BE49-F238E27FC236}">
+                <a16:creationId xmlns:a16="http://schemas.microsoft.com/office/drawing/2014/main" id="{F4A91607-83AB-4C4B-BDA7-14B09E38CB28}"/>
+              </a:ext>
+            </a:extLst>
+          </p:cNvPr>
+          <p:cNvSpPr txBox="1"/>
+          <p:nvPr/>
+        </p:nvSpPr>
+        <p:spPr>
+          <a:xfrm rot="5400000">
+            <a:off x="-67892" y="1011461"/>
+            <a:ext cx="1576217" cy="461665"/>
+          </a:xfrm>
+          <a:prstGeom prst="rect">
+            <a:avLst/>
+          </a:prstGeom>
+          <a:noFill/>
+        </p:spPr>
+        <p:txBody>
+          <a:bodyPr wrap="square" rtlCol="0">
+            <a:spAutoFit/>
+          </a:bodyPr>
+          <a:lstStyle/>
+          <a:p>
+            <a:r>
+              <a:rPr lang="en-AU" sz="2400" dirty="0">
+                <a:solidFill>
+                  <a:schemeClr val="accent6"/>
+                </a:solidFill>
+              </a:rPr>
+              <a:t>Downfield</a:t>
+            </a:r>
+          </a:p>
+        </p:txBody>
+      </p:sp>
+      <p:cxnSp>
+        <p:nvCxnSpPr>
+          <p:cNvPr id="182" name="Straight Connector 181">
+            <a:extLst>
+              <a:ext uri="{FF2B5EF4-FFF2-40B4-BE49-F238E27FC236}">
+                <a16:creationId xmlns:a16="http://schemas.microsoft.com/office/drawing/2014/main" id="{4E9E1BF5-D8BF-5C4A-8452-A352FCF014C0}"/>
+              </a:ext>
+            </a:extLst>
+          </p:cNvPr>
+          <p:cNvCxnSpPr>
+            <a:cxnSpLocks/>
+          </p:cNvCxnSpPr>
+          <p:nvPr/>
+        </p:nvCxnSpPr>
+        <p:spPr>
+          <a:xfrm flipV="1">
+            <a:off x="654112" y="1824329"/>
+            <a:ext cx="0" cy="938269"/>
+          </a:xfrm>
+          <a:prstGeom prst="line">
+            <a:avLst/>
+          </a:prstGeom>
+          <a:ln w="60325">
+            <a:solidFill>
+              <a:srgbClr val="00B050"/>
+            </a:solidFill>
+            <a:headEnd type="stealth" w="lg" len="lg"/>
+          </a:ln>
+        </p:spPr>
+        <p:style>
+          <a:lnRef idx="1">
+            <a:schemeClr val="accent1"/>
+          </a:lnRef>
+          <a:fillRef idx="0">
+            <a:schemeClr val="accent1"/>
+          </a:fillRef>
+          <a:effectRef idx="0">
+            <a:schemeClr val="accent1"/>
+          </a:effectRef>
+          <a:fontRef idx="minor">
+            <a:schemeClr val="tx1"/>
+          </a:fontRef>
+        </p:style>
+      </p:cxnSp>
+      <p:cxnSp>
+        <p:nvCxnSpPr>
+          <p:cNvPr id="183" name="Straight Connector 182">
+            <a:extLst>
+              <a:ext uri="{FF2B5EF4-FFF2-40B4-BE49-F238E27FC236}">
+                <a16:creationId xmlns:a16="http://schemas.microsoft.com/office/drawing/2014/main" id="{1C1E3A0F-2558-C443-AFD2-45B1B54816AE}"/>
+              </a:ext>
+            </a:extLst>
+          </p:cNvPr>
+          <p:cNvCxnSpPr>
+            <a:cxnSpLocks/>
+          </p:cNvCxnSpPr>
+          <p:nvPr/>
+        </p:nvCxnSpPr>
+        <p:spPr>
+          <a:xfrm>
+            <a:off x="401740" y="1790415"/>
+            <a:ext cx="0" cy="839561"/>
+          </a:xfrm>
+          <a:prstGeom prst="line">
+            <a:avLst/>
+          </a:prstGeom>
+          <a:ln w="60325">
+            <a:solidFill>
+              <a:srgbClr val="C00000"/>
+            </a:solidFill>
+            <a:headEnd type="stealth" w="lg" len="lg"/>
+          </a:ln>
+        </p:spPr>
+        <p:style>
+          <a:lnRef idx="1">
+            <a:schemeClr val="accent1"/>
+          </a:lnRef>
+          <a:fillRef idx="0">
+            <a:schemeClr val="accent1"/>
+          </a:fillRef>
+          <a:effectRef idx="0">
+            <a:schemeClr val="accent1"/>
+          </a:effectRef>
+          <a:fontRef idx="minor">
+            <a:schemeClr val="tx1"/>
+          </a:fontRef>
+        </p:style>
+      </p:cxnSp>
+      <p:sp>
+        <p:nvSpPr>
+          <p:cNvPr id="206" name="Multiply 205">
+            <a:extLst>
+              <a:ext uri="{FF2B5EF4-FFF2-40B4-BE49-F238E27FC236}">
+                <a16:creationId xmlns:a16="http://schemas.microsoft.com/office/drawing/2014/main" id="{C403C452-3C13-7A49-8C0B-D95F48802F86}"/>
+              </a:ext>
+            </a:extLst>
+          </p:cNvPr>
+          <p:cNvSpPr/>
+          <p:nvPr/>
+        </p:nvSpPr>
+        <p:spPr>
+          <a:xfrm>
+            <a:off x="4809582" y="1973537"/>
+            <a:ext cx="861865" cy="849086"/>
+          </a:xfrm>
+          <a:prstGeom prst="mathMultiply">
+            <a:avLst/>
+          </a:prstGeom>
+          <a:noFill/>
+        </p:spPr>
+        <p:style>
+          <a:lnRef idx="2">
+            <a:schemeClr val="accent1">
+              <a:shade val="50000"/>
+            </a:schemeClr>
+          </a:lnRef>
+          <a:fillRef idx="1">
+            <a:schemeClr val="accent1"/>
+          </a:fillRef>
+          <a:effectRef idx="0">
+            <a:schemeClr val="accent1"/>
+          </a:effectRef>
+          <a:fontRef idx="minor">
+            <a:schemeClr val="lt1"/>
+          </a:fontRef>
+        </p:style>
+        <p:txBody>
+          <a:bodyPr rtlCol="0" anchor="ctr"/>
+          <a:lstStyle/>
+          <a:p>
+            <a:pPr algn="ctr"/>
+            <a:endParaRPr lang="en-AU" sz="2400"/>
+          </a:p>
+        </p:txBody>
+      </p:sp>
+      <p:sp>
+        <p:nvSpPr>
+          <p:cNvPr id="207" name="TextBox 206">
+            <a:extLst>
+              <a:ext uri="{FF2B5EF4-FFF2-40B4-BE49-F238E27FC236}">
+                <a16:creationId xmlns:a16="http://schemas.microsoft.com/office/drawing/2014/main" id="{BCB7EC42-2A99-4447-9DF9-0E6BEDD33A1C}"/>
+              </a:ext>
+            </a:extLst>
+          </p:cNvPr>
+          <p:cNvSpPr txBox="1"/>
+          <p:nvPr/>
+        </p:nvSpPr>
+        <p:spPr>
+          <a:xfrm>
+            <a:off x="5929591" y="3081606"/>
+            <a:ext cx="674066" cy="461665"/>
+          </a:xfrm>
+          <a:prstGeom prst="rect">
+            <a:avLst/>
+          </a:prstGeom>
+          <a:noFill/>
+        </p:spPr>
+        <p:txBody>
+          <a:bodyPr wrap="square" rtlCol="0">
+            <a:spAutoFit/>
+          </a:bodyPr>
+          <a:lstStyle/>
+          <a:p>
+            <a:r>
+              <a:rPr lang="en-AU" sz="2400" dirty="0"/>
+              <a:t>O2</a:t>
+            </a:r>
+          </a:p>
+        </p:txBody>
+      </p:sp>
+      <p:sp>
+        <p:nvSpPr>
+          <p:cNvPr id="208" name="TextBox 207">
+            <a:extLst>
+              <a:ext uri="{FF2B5EF4-FFF2-40B4-BE49-F238E27FC236}">
+                <a16:creationId xmlns:a16="http://schemas.microsoft.com/office/drawing/2014/main" id="{067CA6AD-C302-8F42-9633-D5C3DD3621B5}"/>
+              </a:ext>
+            </a:extLst>
+          </p:cNvPr>
+          <p:cNvSpPr txBox="1"/>
+          <p:nvPr/>
+        </p:nvSpPr>
+        <p:spPr>
+          <a:xfrm>
+            <a:off x="6316339" y="5277758"/>
+            <a:ext cx="554660" cy="461665"/>
+          </a:xfrm>
+          <a:prstGeom prst="rect">
+            <a:avLst/>
+          </a:prstGeom>
+          <a:noFill/>
+        </p:spPr>
+        <p:txBody>
+          <a:bodyPr wrap="square" rtlCol="0">
+            <a:spAutoFit/>
+          </a:bodyPr>
+          <a:lstStyle/>
+          <a:p>
+            <a:r>
+              <a:rPr lang="en-AU" sz="2400" dirty="0"/>
+              <a:t>O1</a:t>
+            </a:r>
+          </a:p>
+        </p:txBody>
+      </p:sp>
+      <p:sp>
+        <p:nvSpPr>
+          <p:cNvPr id="209" name="TextBox 208">
+            <a:extLst>
+              <a:ext uri="{FF2B5EF4-FFF2-40B4-BE49-F238E27FC236}">
+                <a16:creationId xmlns:a16="http://schemas.microsoft.com/office/drawing/2014/main" id="{713E0E54-4821-7744-9F82-47B4CDC3E09E}"/>
+              </a:ext>
+            </a:extLst>
+          </p:cNvPr>
+          <p:cNvSpPr txBox="1"/>
+          <p:nvPr/>
+        </p:nvSpPr>
+        <p:spPr>
+          <a:xfrm>
+            <a:off x="4769472" y="3590196"/>
+            <a:ext cx="559186" cy="461665"/>
+          </a:xfrm>
+          <a:prstGeom prst="rect">
+            <a:avLst/>
+          </a:prstGeom>
+          <a:noFill/>
+        </p:spPr>
+        <p:txBody>
+          <a:bodyPr wrap="square" rtlCol="0">
+            <a:spAutoFit/>
+          </a:bodyPr>
+          <a:lstStyle/>
+          <a:p>
+            <a:pPr algn="ctr"/>
+            <a:r>
+              <a:rPr lang="en-AU" sz="2400" dirty="0"/>
+              <a:t>O3</a:t>
+            </a:r>
+          </a:p>
+        </p:txBody>
+      </p:sp>
+      <p:sp>
+        <p:nvSpPr>
+          <p:cNvPr id="211" name="TextBox 210">
+            <a:extLst>
+              <a:ext uri="{FF2B5EF4-FFF2-40B4-BE49-F238E27FC236}">
+                <a16:creationId xmlns:a16="http://schemas.microsoft.com/office/drawing/2014/main" id="{6CB36CFC-B359-C04E-8A83-C1E7AA71EFF2}"/>
+              </a:ext>
+            </a:extLst>
+          </p:cNvPr>
+          <p:cNvSpPr txBox="1"/>
+          <p:nvPr/>
+        </p:nvSpPr>
+        <p:spPr>
+          <a:xfrm>
+            <a:off x="6316339" y="1965684"/>
+            <a:ext cx="674066" cy="461665"/>
+          </a:xfrm>
+          <a:prstGeom prst="rect">
+            <a:avLst/>
+          </a:prstGeom>
+          <a:noFill/>
+        </p:spPr>
+        <p:txBody>
+          <a:bodyPr wrap="square" rtlCol="0">
+            <a:spAutoFit/>
+          </a:bodyPr>
+          <a:lstStyle/>
+          <a:p>
+            <a:r>
+              <a:rPr lang="en-AU" sz="2400" dirty="0"/>
+              <a:t>O5</a:t>
+            </a:r>
+          </a:p>
+        </p:txBody>
+      </p:sp>
+      <p:sp>
+        <p:nvSpPr>
+          <p:cNvPr id="212" name="TextBox 211">
+            <a:extLst>
+              <a:ext uri="{FF2B5EF4-FFF2-40B4-BE49-F238E27FC236}">
+                <a16:creationId xmlns:a16="http://schemas.microsoft.com/office/drawing/2014/main" id="{C8907259-901F-9F4E-9A2C-B608F63221FF}"/>
+              </a:ext>
+            </a:extLst>
+          </p:cNvPr>
+          <p:cNvSpPr txBox="1"/>
+          <p:nvPr/>
+        </p:nvSpPr>
+        <p:spPr>
+          <a:xfrm>
+            <a:off x="4966379" y="2150350"/>
+            <a:ext cx="768575" cy="461665"/>
+          </a:xfrm>
+          <a:prstGeom prst="rect">
+            <a:avLst/>
+          </a:prstGeom>
+          <a:noFill/>
+        </p:spPr>
+        <p:txBody>
+          <a:bodyPr wrap="square" rtlCol="0">
+            <a:spAutoFit/>
+          </a:bodyPr>
+          <a:lstStyle/>
+          <a:p>
+            <a:r>
+              <a:rPr lang="en-AU" sz="2400" dirty="0"/>
+              <a:t>O6</a:t>
+            </a:r>
+          </a:p>
+        </p:txBody>
+      </p:sp>
+      <p:sp>
+        <p:nvSpPr>
+          <p:cNvPr id="213" name="TextBox 212">
+            <a:extLst>
+              <a:ext uri="{FF2B5EF4-FFF2-40B4-BE49-F238E27FC236}">
+                <a16:creationId xmlns:a16="http://schemas.microsoft.com/office/drawing/2014/main" id="{A8D45110-174B-F544-AF81-40AA32804EA8}"/>
+              </a:ext>
+            </a:extLst>
+          </p:cNvPr>
+          <p:cNvSpPr txBox="1"/>
+          <p:nvPr/>
+        </p:nvSpPr>
+        <p:spPr>
+          <a:xfrm>
+            <a:off x="3720085" y="2496349"/>
+            <a:ext cx="674066" cy="461665"/>
+          </a:xfrm>
+          <a:prstGeom prst="rect">
+            <a:avLst/>
+          </a:prstGeom>
+          <a:noFill/>
+        </p:spPr>
+        <p:txBody>
+          <a:bodyPr wrap="square" rtlCol="0">
+            <a:spAutoFit/>
+          </a:bodyPr>
+          <a:lstStyle/>
+          <a:p>
+            <a:r>
+              <a:rPr lang="en-AU" sz="2400" dirty="0"/>
+              <a:t>O7</a:t>
+            </a:r>
+          </a:p>
+        </p:txBody>
+      </p:sp>
+      <p:sp>
+        <p:nvSpPr>
+          <p:cNvPr id="215" name="TextBox 214">
+            <a:extLst>
+              <a:ext uri="{FF2B5EF4-FFF2-40B4-BE49-F238E27FC236}">
+                <a16:creationId xmlns:a16="http://schemas.microsoft.com/office/drawing/2014/main" id="{FCFEE318-B7BB-7D4B-A96A-BE9FB8EC5DF1}"/>
+              </a:ext>
+            </a:extLst>
+          </p:cNvPr>
+          <p:cNvSpPr txBox="1"/>
+          <p:nvPr/>
+        </p:nvSpPr>
+        <p:spPr>
+          <a:xfrm>
+            <a:off x="6093164" y="2782343"/>
+            <a:ext cx="674066" cy="461665"/>
+          </a:xfrm>
+          <a:prstGeom prst="rect">
+            <a:avLst/>
+          </a:prstGeom>
+          <a:noFill/>
+        </p:spPr>
+        <p:txBody>
+          <a:bodyPr wrap="square" rtlCol="0">
+            <a:spAutoFit/>
+          </a:bodyPr>
+          <a:lstStyle/>
+          <a:p>
+            <a:r>
+              <a:rPr lang="en-AU" sz="2400" dirty="0">
+                <a:solidFill>
+                  <a:srgbClr val="0070C0"/>
+                </a:solidFill>
+              </a:rPr>
+              <a:t>D9</a:t>
+            </a:r>
+          </a:p>
+        </p:txBody>
+      </p:sp>
+      <p:sp>
+        <p:nvSpPr>
+          <p:cNvPr id="216" name="TextBox 215">
+            <a:extLst>
+              <a:ext uri="{FF2B5EF4-FFF2-40B4-BE49-F238E27FC236}">
+                <a16:creationId xmlns:a16="http://schemas.microsoft.com/office/drawing/2014/main" id="{DDDA707F-724F-2542-B5CD-0ED9DE57B2AF}"/>
+              </a:ext>
+            </a:extLst>
+          </p:cNvPr>
+          <p:cNvSpPr txBox="1"/>
+          <p:nvPr/>
+        </p:nvSpPr>
+        <p:spPr>
+          <a:xfrm>
+            <a:off x="4494624" y="3367153"/>
+            <a:ext cx="890811" cy="461665"/>
+          </a:xfrm>
+          <a:prstGeom prst="rect">
+            <a:avLst/>
+          </a:prstGeom>
+          <a:noFill/>
+        </p:spPr>
+        <p:txBody>
+          <a:bodyPr wrap="square" rtlCol="0">
+            <a:spAutoFit/>
+          </a:bodyPr>
+          <a:lstStyle/>
+          <a:p>
+            <a:r>
+              <a:rPr lang="en-AU" sz="2400" dirty="0">
+                <a:solidFill>
+                  <a:srgbClr val="0070C0"/>
+                </a:solidFill>
+              </a:rPr>
+              <a:t>D10</a:t>
+            </a:r>
+          </a:p>
+        </p:txBody>
+      </p:sp>
+      <p:sp>
+        <p:nvSpPr>
+          <p:cNvPr id="217" name="TextBox 216">
+            <a:extLst>
+              <a:ext uri="{FF2B5EF4-FFF2-40B4-BE49-F238E27FC236}">
+                <a16:creationId xmlns:a16="http://schemas.microsoft.com/office/drawing/2014/main" id="{606E37EA-70A3-F146-8F95-D82C26F48203}"/>
+              </a:ext>
+            </a:extLst>
+          </p:cNvPr>
+          <p:cNvSpPr txBox="1"/>
+          <p:nvPr/>
+        </p:nvSpPr>
+        <p:spPr>
+          <a:xfrm>
+            <a:off x="3710054" y="3305391"/>
+            <a:ext cx="890811" cy="461665"/>
+          </a:xfrm>
+          <a:prstGeom prst="rect">
+            <a:avLst/>
+          </a:prstGeom>
+          <a:noFill/>
+        </p:spPr>
+        <p:txBody>
+          <a:bodyPr wrap="square" rtlCol="0">
+            <a:spAutoFit/>
+          </a:bodyPr>
+          <a:lstStyle/>
+          <a:p>
+            <a:r>
+              <a:rPr lang="en-AU" sz="2400" dirty="0">
+                <a:solidFill>
+                  <a:srgbClr val="0070C0"/>
+                </a:solidFill>
+              </a:rPr>
+              <a:t>D11</a:t>
+            </a:r>
+          </a:p>
+        </p:txBody>
+      </p:sp>
+      <p:sp>
+        <p:nvSpPr>
+          <p:cNvPr id="218" name="TextBox 217">
+            <a:extLst>
+              <a:ext uri="{FF2B5EF4-FFF2-40B4-BE49-F238E27FC236}">
+                <a16:creationId xmlns:a16="http://schemas.microsoft.com/office/drawing/2014/main" id="{DCE336A3-CF25-FE46-8C3D-92BA3E583DA4}"/>
+              </a:ext>
+            </a:extLst>
+          </p:cNvPr>
+          <p:cNvSpPr txBox="1"/>
+          <p:nvPr/>
+        </p:nvSpPr>
+        <p:spPr>
+          <a:xfrm>
+            <a:off x="5457679" y="2309087"/>
+            <a:ext cx="890811" cy="461665"/>
+          </a:xfrm>
+          <a:prstGeom prst="rect">
+            <a:avLst/>
+          </a:prstGeom>
+          <a:noFill/>
+        </p:spPr>
+        <p:txBody>
+          <a:bodyPr wrap="square" rtlCol="0">
+            <a:spAutoFit/>
+          </a:bodyPr>
+          <a:lstStyle/>
+          <a:p>
+            <a:r>
+              <a:rPr lang="en-AU" sz="2400" dirty="0">
+                <a:solidFill>
+                  <a:srgbClr val="0070C0"/>
+                </a:solidFill>
+              </a:rPr>
+              <a:t>D12</a:t>
+            </a:r>
+          </a:p>
+        </p:txBody>
+      </p:sp>
+      <p:sp>
+        <p:nvSpPr>
+          <p:cNvPr id="219" name="TextBox 218">
+            <a:extLst>
+              <a:ext uri="{FF2B5EF4-FFF2-40B4-BE49-F238E27FC236}">
+                <a16:creationId xmlns:a16="http://schemas.microsoft.com/office/drawing/2014/main" id="{3D8A5453-1CC8-CA4D-9B95-B32DC6DC3947}"/>
+              </a:ext>
+            </a:extLst>
+          </p:cNvPr>
+          <p:cNvSpPr txBox="1"/>
+          <p:nvPr/>
+        </p:nvSpPr>
+        <p:spPr>
+          <a:xfrm>
+            <a:off x="5195818" y="2738249"/>
+            <a:ext cx="890811" cy="461665"/>
+          </a:xfrm>
+          <a:prstGeom prst="rect">
+            <a:avLst/>
+          </a:prstGeom>
+          <a:noFill/>
+        </p:spPr>
+        <p:txBody>
+          <a:bodyPr wrap="square" rtlCol="0">
+            <a:spAutoFit/>
+          </a:bodyPr>
+          <a:lstStyle/>
+          <a:p>
+            <a:r>
+              <a:rPr lang="en-AU" sz="2400" dirty="0">
+                <a:solidFill>
+                  <a:srgbClr val="0070C0"/>
+                </a:solidFill>
+              </a:rPr>
+              <a:t>D13</a:t>
+            </a:r>
+          </a:p>
+        </p:txBody>
+      </p:sp>
+      <p:sp>
+        <p:nvSpPr>
+          <p:cNvPr id="220" name="TextBox 219">
+            <a:extLst>
+              <a:ext uri="{FF2B5EF4-FFF2-40B4-BE49-F238E27FC236}">
+                <a16:creationId xmlns:a16="http://schemas.microsoft.com/office/drawing/2014/main" id="{B8C34C11-A187-FA44-805E-B9BDF15C09EA}"/>
+              </a:ext>
+            </a:extLst>
+          </p:cNvPr>
+          <p:cNvSpPr txBox="1"/>
+          <p:nvPr/>
+        </p:nvSpPr>
+        <p:spPr>
+          <a:xfrm>
+            <a:off x="4507127" y="2955167"/>
+            <a:ext cx="890811" cy="461665"/>
+          </a:xfrm>
+          <a:prstGeom prst="rect">
+            <a:avLst/>
+          </a:prstGeom>
+          <a:noFill/>
+        </p:spPr>
+        <p:txBody>
+          <a:bodyPr wrap="square" rtlCol="0">
+            <a:spAutoFit/>
+          </a:bodyPr>
+          <a:lstStyle/>
+          <a:p>
+            <a:r>
+              <a:rPr lang="en-AU" sz="2400" dirty="0">
+                <a:solidFill>
+                  <a:srgbClr val="0070C0"/>
+                </a:solidFill>
+              </a:rPr>
+              <a:t>D14</a:t>
+            </a:r>
+          </a:p>
+        </p:txBody>
+      </p:sp>
+      <p:sp>
+        <p:nvSpPr>
+          <p:cNvPr id="221" name="Oval 220">
+            <a:extLst>
+              <a:ext uri="{FF2B5EF4-FFF2-40B4-BE49-F238E27FC236}">
+                <a16:creationId xmlns:a16="http://schemas.microsoft.com/office/drawing/2014/main" id="{8222E6D8-50C8-594A-A931-2989D0FFEF5B}"/>
+              </a:ext>
+            </a:extLst>
+          </p:cNvPr>
+          <p:cNvSpPr/>
+          <p:nvPr/>
+        </p:nvSpPr>
+        <p:spPr>
+          <a:xfrm>
+            <a:off x="4874844" y="2426798"/>
+            <a:ext cx="244926" cy="239838"/>
+          </a:xfrm>
+          <a:prstGeom prst="ellipse">
+            <a:avLst/>
+          </a:prstGeom>
+          <a:solidFill>
+            <a:schemeClr val="tx1"/>
+          </a:solidFill>
+        </p:spPr>
+        <p:style>
+          <a:lnRef idx="2">
+            <a:schemeClr val="accent1">
+              <a:shade val="50000"/>
+            </a:schemeClr>
+          </a:lnRef>
+          <a:fillRef idx="1">
+            <a:schemeClr val="accent1"/>
+          </a:fillRef>
+          <a:effectRef idx="0">
+            <a:schemeClr val="accent1"/>
+          </a:effectRef>
+          <a:fontRef idx="minor">
+            <a:schemeClr val="lt1"/>
+          </a:fontRef>
+        </p:style>
+        <p:txBody>
+          <a:bodyPr rtlCol="0" anchor="ctr"/>
+          <a:lstStyle/>
+          <a:p>
+            <a:pPr algn="ctr"/>
+            <a:endParaRPr lang="en-AU" sz="2400"/>
+          </a:p>
+        </p:txBody>
+      </p:sp>
+      <p:cxnSp>
+        <p:nvCxnSpPr>
+          <p:cNvPr id="233" name="Straight Arrow Connector 232">
+            <a:extLst>
+              <a:ext uri="{FF2B5EF4-FFF2-40B4-BE49-F238E27FC236}">
+                <a16:creationId xmlns:a16="http://schemas.microsoft.com/office/drawing/2014/main" id="{72FEC4B9-DD02-8C47-90BD-83CD8E62EABA}"/>
+              </a:ext>
+            </a:extLst>
+          </p:cNvPr>
+          <p:cNvCxnSpPr>
+            <a:cxnSpLocks/>
+          </p:cNvCxnSpPr>
+          <p:nvPr/>
+        </p:nvCxnSpPr>
+        <p:spPr>
+          <a:xfrm flipH="1">
+            <a:off x="791391" y="2653136"/>
+            <a:ext cx="657693" cy="470875"/>
+          </a:xfrm>
+          <a:prstGeom prst="straightConnector1">
+            <a:avLst/>
+          </a:prstGeom>
+          <a:ln w="60325">
+            <a:solidFill>
+              <a:schemeClr val="bg1">
+                <a:lumMod val="50000"/>
+              </a:schemeClr>
+            </a:solidFill>
+            <a:prstDash val="sysDash"/>
+            <a:tailEnd type="triangle"/>
+          </a:ln>
+        </p:spPr>
+        <p:style>
+          <a:lnRef idx="1">
+            <a:schemeClr val="accent1"/>
+          </a:lnRef>
+          <a:fillRef idx="0">
+            <a:schemeClr val="accent1"/>
+          </a:fillRef>
+          <a:effectRef idx="0">
+            <a:schemeClr val="accent1"/>
+          </a:effectRef>
+          <a:fontRef idx="minor">
+            <a:schemeClr val="tx1"/>
+          </a:fontRef>
+        </p:style>
+      </p:cxnSp>
+      <p:cxnSp>
+        <p:nvCxnSpPr>
+          <p:cNvPr id="237" name="Straight Arrow Connector 236">
+            <a:extLst>
+              <a:ext uri="{FF2B5EF4-FFF2-40B4-BE49-F238E27FC236}">
+                <a16:creationId xmlns:a16="http://schemas.microsoft.com/office/drawing/2014/main" id="{D74EB271-38DB-744F-B94A-FD02D6A5BC83}"/>
+              </a:ext>
+            </a:extLst>
+          </p:cNvPr>
+          <p:cNvCxnSpPr>
+            <a:cxnSpLocks/>
+          </p:cNvCxnSpPr>
+          <p:nvPr/>
+        </p:nvCxnSpPr>
+        <p:spPr>
+          <a:xfrm>
+            <a:off x="716555" y="3229112"/>
+            <a:ext cx="541752" cy="407122"/>
+          </a:xfrm>
+          <a:prstGeom prst="straightConnector1">
+            <a:avLst/>
+          </a:prstGeom>
+          <a:ln w="60325">
+            <a:solidFill>
+              <a:schemeClr val="bg1">
+                <a:lumMod val="50000"/>
+              </a:schemeClr>
+            </a:solidFill>
+            <a:prstDash val="sysDash"/>
+            <a:headEnd type="triangle"/>
+            <a:tailEnd type="triangle"/>
+          </a:ln>
+        </p:spPr>
+        <p:style>
+          <a:lnRef idx="1">
+            <a:schemeClr val="accent1"/>
+          </a:lnRef>
+          <a:fillRef idx="0">
+            <a:schemeClr val="accent1"/>
+          </a:fillRef>
+          <a:effectRef idx="0">
+            <a:schemeClr val="accent1"/>
+          </a:effectRef>
+          <a:fontRef idx="minor">
+            <a:schemeClr val="tx1"/>
+          </a:fontRef>
+        </p:style>
+      </p:cxnSp>
+      <p:sp>
+        <p:nvSpPr>
+          <p:cNvPr id="125" name="TextBox 124">
+            <a:extLst>
+              <a:ext uri="{FF2B5EF4-FFF2-40B4-BE49-F238E27FC236}">
+                <a16:creationId xmlns:a16="http://schemas.microsoft.com/office/drawing/2014/main" id="{B72D5824-D60F-2042-B766-A7200F542501}"/>
+              </a:ext>
+            </a:extLst>
+          </p:cNvPr>
+          <p:cNvSpPr txBox="1"/>
+          <p:nvPr/>
+        </p:nvSpPr>
+        <p:spPr>
+          <a:xfrm>
+            <a:off x="6177264" y="8688556"/>
+            <a:ext cx="592065" cy="461665"/>
+          </a:xfrm>
+          <a:prstGeom prst="rect">
+            <a:avLst/>
+          </a:prstGeom>
+          <a:noFill/>
+        </p:spPr>
+        <p:txBody>
+          <a:bodyPr wrap="square" rtlCol="0">
+            <a:spAutoFit/>
+          </a:bodyPr>
+          <a:lstStyle/>
+          <a:p>
+            <a:r>
+              <a:rPr lang="en-AU" sz="2400" dirty="0">
+                <a:solidFill>
+                  <a:srgbClr val="0070C0"/>
+                </a:solidFill>
+              </a:rPr>
+              <a:t>D9</a:t>
+            </a:r>
+          </a:p>
+        </p:txBody>
+      </p:sp>
+      <p:sp>
+        <p:nvSpPr>
+          <p:cNvPr id="175" name="Arc 174">
+            <a:extLst>
+              <a:ext uri="{FF2B5EF4-FFF2-40B4-BE49-F238E27FC236}">
+                <a16:creationId xmlns:a16="http://schemas.microsoft.com/office/drawing/2014/main" id="{2BBAB6F2-6E93-2046-8452-664BA4C4F45C}"/>
+              </a:ext>
+            </a:extLst>
+          </p:cNvPr>
+          <p:cNvSpPr/>
+          <p:nvPr/>
+        </p:nvSpPr>
+        <p:spPr>
+          <a:xfrm rot="7590791">
+            <a:off x="5505416" y="6770449"/>
+            <a:ext cx="1541878" cy="654146"/>
+          </a:xfrm>
+          <a:prstGeom prst="arc">
+            <a:avLst/>
+          </a:prstGeom>
+        </p:spPr>
+        <p:style>
+          <a:lnRef idx="1">
+            <a:schemeClr val="accent1"/>
+          </a:lnRef>
+          <a:fillRef idx="0">
+            <a:schemeClr val="accent1"/>
+          </a:fillRef>
+          <a:effectRef idx="0">
+            <a:schemeClr val="accent1"/>
+          </a:effectRef>
+          <a:fontRef idx="minor">
+            <a:schemeClr val="tx1"/>
+          </a:fontRef>
+        </p:style>
+        <p:txBody>
+          <a:bodyPr rtlCol="0" anchor="ctr"/>
+          <a:lstStyle/>
+          <a:p>
+            <a:pPr algn="ctr"/>
+            <a:endParaRPr lang="en-AU"/>
+          </a:p>
+        </p:txBody>
+      </p:sp>
+      <p:sp>
+        <p:nvSpPr>
+          <p:cNvPr id="99" name="Arc 98">
+            <a:extLst>
+              <a:ext uri="{FF2B5EF4-FFF2-40B4-BE49-F238E27FC236}">
+                <a16:creationId xmlns:a16="http://schemas.microsoft.com/office/drawing/2014/main" id="{558768E8-FCA0-D74F-BF58-EE5CF8FA0627}"/>
+              </a:ext>
+            </a:extLst>
+          </p:cNvPr>
+          <p:cNvSpPr/>
+          <p:nvPr/>
+        </p:nvSpPr>
+        <p:spPr>
+          <a:xfrm rot="6396875">
+            <a:off x="3848926" y="1381715"/>
+            <a:ext cx="1877363" cy="1440983"/>
+          </a:xfrm>
+          <a:prstGeom prst="arc">
+            <a:avLst/>
+          </a:prstGeom>
+        </p:spPr>
+        <p:style>
+          <a:lnRef idx="1">
+            <a:schemeClr val="accent1"/>
+          </a:lnRef>
+          <a:fillRef idx="0">
+            <a:schemeClr val="accent1"/>
+          </a:fillRef>
+          <a:effectRef idx="0">
+            <a:schemeClr val="accent1"/>
+          </a:effectRef>
+          <a:fontRef idx="minor">
+            <a:schemeClr val="tx1"/>
+          </a:fontRef>
+        </p:style>
+        <p:txBody>
+          <a:bodyPr rtlCol="0" anchor="ctr"/>
+          <a:lstStyle/>
+          <a:p>
+            <a:pPr algn="ctr"/>
+            <a:endParaRPr lang="en-AU"/>
+          </a:p>
+        </p:txBody>
+      </p:sp>
+      <p:cxnSp>
+        <p:nvCxnSpPr>
+          <p:cNvPr id="100" name="Straight Arrow Connector 99">
+            <a:extLst>
+              <a:ext uri="{FF2B5EF4-FFF2-40B4-BE49-F238E27FC236}">
+                <a16:creationId xmlns:a16="http://schemas.microsoft.com/office/drawing/2014/main" id="{382DF733-E017-1147-9D9C-30969AD05E1C}"/>
+              </a:ext>
+            </a:extLst>
+          </p:cNvPr>
+          <p:cNvCxnSpPr>
+            <a:cxnSpLocks/>
+          </p:cNvCxnSpPr>
+          <p:nvPr/>
+        </p:nvCxnSpPr>
+        <p:spPr>
+          <a:xfrm flipV="1">
+            <a:off x="5451681" y="2236650"/>
+            <a:ext cx="955819" cy="138500"/>
+          </a:xfrm>
+          <a:prstGeom prst="straightConnector1">
+            <a:avLst/>
+          </a:prstGeom>
+          <a:ln w="60325">
+            <a:solidFill>
+              <a:schemeClr val="bg1">
+                <a:lumMod val="50000"/>
+              </a:schemeClr>
+            </a:solidFill>
+            <a:prstDash val="sysDash"/>
+            <a:tailEnd type="triangle"/>
+          </a:ln>
+        </p:spPr>
+        <p:style>
+          <a:lnRef idx="1">
+            <a:schemeClr val="accent1"/>
+          </a:lnRef>
+          <a:fillRef idx="0">
+            <a:schemeClr val="accent1"/>
+          </a:fillRef>
+          <a:effectRef idx="0">
+            <a:schemeClr val="accent1"/>
+          </a:effectRef>
+          <a:fontRef idx="minor">
+            <a:schemeClr val="tx1"/>
+          </a:fontRef>
+        </p:style>
+      </p:cxnSp>
+      <p:cxnSp>
+        <p:nvCxnSpPr>
+          <p:cNvPr id="101" name="Straight Arrow Connector 100">
+            <a:extLst>
+              <a:ext uri="{FF2B5EF4-FFF2-40B4-BE49-F238E27FC236}">
+                <a16:creationId xmlns:a16="http://schemas.microsoft.com/office/drawing/2014/main" id="{27DAA917-BF57-C34B-9DB7-1676C89B42E6}"/>
+              </a:ext>
+            </a:extLst>
+          </p:cNvPr>
+          <p:cNvCxnSpPr>
+            <a:cxnSpLocks/>
+          </p:cNvCxnSpPr>
+          <p:nvPr/>
+        </p:nvCxnSpPr>
+        <p:spPr>
+          <a:xfrm flipH="1">
+            <a:off x="4196235" y="2563295"/>
+            <a:ext cx="663803" cy="181188"/>
+          </a:xfrm>
+          <a:prstGeom prst="straightConnector1">
+            <a:avLst/>
+          </a:prstGeom>
+          <a:ln w="60325">
+            <a:solidFill>
+              <a:schemeClr val="bg1">
+                <a:lumMod val="50000"/>
+              </a:schemeClr>
+            </a:solidFill>
+            <a:prstDash val="sysDash"/>
+            <a:tailEnd type="triangle"/>
+          </a:ln>
+        </p:spPr>
+        <p:style>
+          <a:lnRef idx="1">
+            <a:schemeClr val="accent1"/>
+          </a:lnRef>
+          <a:fillRef idx="0">
+            <a:schemeClr val="accent1"/>
+          </a:fillRef>
+          <a:effectRef idx="0">
+            <a:schemeClr val="accent1"/>
+          </a:effectRef>
+          <a:fontRef idx="minor">
+            <a:schemeClr val="tx1"/>
+          </a:fontRef>
+        </p:style>
+      </p:cxnSp>
+      <p:cxnSp>
+        <p:nvCxnSpPr>
+          <p:cNvPr id="103" name="Straight Arrow Connector 102">
+            <a:extLst>
+              <a:ext uri="{FF2B5EF4-FFF2-40B4-BE49-F238E27FC236}">
+                <a16:creationId xmlns:a16="http://schemas.microsoft.com/office/drawing/2014/main" id="{19E9348A-40FA-3E45-882C-AE64CAC64713}"/>
+              </a:ext>
+            </a:extLst>
+          </p:cNvPr>
+          <p:cNvCxnSpPr>
+            <a:cxnSpLocks/>
+          </p:cNvCxnSpPr>
+          <p:nvPr/>
+        </p:nvCxnSpPr>
+        <p:spPr>
+          <a:xfrm flipH="1" flipV="1">
+            <a:off x="6218539" y="2289338"/>
+            <a:ext cx="11183" cy="565807"/>
+          </a:xfrm>
+          <a:prstGeom prst="straightConnector1">
+            <a:avLst/>
+          </a:prstGeom>
+          <a:ln w="60325">
+            <a:solidFill>
+              <a:schemeClr val="accent1"/>
+            </a:solidFill>
+            <a:prstDash val="sysDash"/>
+            <a:tailEnd type="triangle"/>
+          </a:ln>
+        </p:spPr>
+        <p:style>
+          <a:lnRef idx="1">
+            <a:schemeClr val="accent1"/>
+          </a:lnRef>
+          <a:fillRef idx="0">
+            <a:schemeClr val="accent1"/>
+          </a:fillRef>
+          <a:effectRef idx="0">
+            <a:schemeClr val="accent1"/>
+          </a:effectRef>
+          <a:fontRef idx="minor">
+            <a:schemeClr val="tx1"/>
+          </a:fontRef>
+        </p:style>
+      </p:cxnSp>
+      <p:cxnSp>
+        <p:nvCxnSpPr>
+          <p:cNvPr id="107" name="Straight Arrow Connector 106">
+            <a:extLst>
+              <a:ext uri="{FF2B5EF4-FFF2-40B4-BE49-F238E27FC236}">
+                <a16:creationId xmlns:a16="http://schemas.microsoft.com/office/drawing/2014/main" id="{312D6025-88E6-BC47-843E-D404EE28BB00}"/>
+              </a:ext>
+            </a:extLst>
+          </p:cNvPr>
+          <p:cNvCxnSpPr>
+            <a:cxnSpLocks/>
+            <a:stCxn id="217" idx="0"/>
+          </p:cNvCxnSpPr>
+          <p:nvPr/>
+        </p:nvCxnSpPr>
+        <p:spPr>
+          <a:xfrm flipV="1">
+            <a:off x="4155460" y="2762598"/>
+            <a:ext cx="282058" cy="542793"/>
+          </a:xfrm>
+          <a:prstGeom prst="straightConnector1">
+            <a:avLst/>
+          </a:prstGeom>
+          <a:ln w="60325">
+            <a:solidFill>
+              <a:schemeClr val="accent1"/>
+            </a:solidFill>
+            <a:prstDash val="sysDash"/>
+            <a:tailEnd type="triangle"/>
+          </a:ln>
+        </p:spPr>
+        <p:style>
+          <a:lnRef idx="1">
+            <a:schemeClr val="accent1"/>
+          </a:lnRef>
+          <a:fillRef idx="0">
+            <a:schemeClr val="accent1"/>
+          </a:fillRef>
+          <a:effectRef idx="0">
+            <a:schemeClr val="accent1"/>
+          </a:effectRef>
+          <a:fontRef idx="minor">
+            <a:schemeClr val="tx1"/>
+          </a:fontRef>
+        </p:style>
+      </p:cxnSp>
+      <p:sp>
+        <p:nvSpPr>
+          <p:cNvPr id="112" name="TextBox 111">
+            <a:extLst>
+              <a:ext uri="{FF2B5EF4-FFF2-40B4-BE49-F238E27FC236}">
+                <a16:creationId xmlns:a16="http://schemas.microsoft.com/office/drawing/2014/main" id="{E5AD0A3D-5773-8E43-AA81-B2A78F8AAC64}"/>
+              </a:ext>
+            </a:extLst>
+          </p:cNvPr>
+          <p:cNvSpPr txBox="1"/>
+          <p:nvPr/>
+        </p:nvSpPr>
+        <p:spPr>
+          <a:xfrm>
+            <a:off x="2321442" y="8237792"/>
+            <a:ext cx="656364" cy="461665"/>
+          </a:xfrm>
+          <a:prstGeom prst="rect">
+            <a:avLst/>
+          </a:prstGeom>
+          <a:noFill/>
+        </p:spPr>
+        <p:txBody>
+          <a:bodyPr wrap="square" rtlCol="0">
+            <a:spAutoFit/>
+          </a:bodyPr>
+          <a:lstStyle/>
+          <a:p>
+            <a:r>
+              <a:rPr lang="en-AU" sz="2400" dirty="0"/>
+              <a:t>O2</a:t>
+            </a:r>
+          </a:p>
+        </p:txBody>
+      </p:sp>
+      <p:sp>
+        <p:nvSpPr>
+          <p:cNvPr id="113" name="TextBox 112">
+            <a:extLst>
+              <a:ext uri="{FF2B5EF4-FFF2-40B4-BE49-F238E27FC236}">
+                <a16:creationId xmlns:a16="http://schemas.microsoft.com/office/drawing/2014/main" id="{33CE8D94-D9C3-C44C-A438-9C6C563C12C2}"/>
+              </a:ext>
+            </a:extLst>
+          </p:cNvPr>
+          <p:cNvSpPr txBox="1"/>
+          <p:nvPr/>
+        </p:nvSpPr>
+        <p:spPr>
+          <a:xfrm>
+            <a:off x="2847175" y="9178928"/>
+            <a:ext cx="592065" cy="461665"/>
+          </a:xfrm>
+          <a:prstGeom prst="rect">
+            <a:avLst/>
+          </a:prstGeom>
+          <a:noFill/>
+        </p:spPr>
+        <p:txBody>
+          <a:bodyPr wrap="square" rtlCol="0">
+            <a:spAutoFit/>
+          </a:bodyPr>
+          <a:lstStyle/>
+          <a:p>
+            <a:r>
+              <a:rPr lang="en-AU" sz="2400" dirty="0"/>
+              <a:t>O1</a:t>
+            </a:r>
+          </a:p>
+        </p:txBody>
+      </p:sp>
+      <p:sp>
+        <p:nvSpPr>
+          <p:cNvPr id="114" name="TextBox 113">
+            <a:extLst>
+              <a:ext uri="{FF2B5EF4-FFF2-40B4-BE49-F238E27FC236}">
+                <a16:creationId xmlns:a16="http://schemas.microsoft.com/office/drawing/2014/main" id="{B3C70058-6893-CB45-939C-F0CFCA09AC96}"/>
+              </a:ext>
+            </a:extLst>
+          </p:cNvPr>
+          <p:cNvSpPr txBox="1"/>
+          <p:nvPr/>
+        </p:nvSpPr>
+        <p:spPr>
+          <a:xfrm>
+            <a:off x="1059703" y="7870682"/>
+            <a:ext cx="544501" cy="461665"/>
+          </a:xfrm>
+          <a:prstGeom prst="rect">
+            <a:avLst/>
+          </a:prstGeom>
+          <a:noFill/>
+        </p:spPr>
+        <p:txBody>
+          <a:bodyPr wrap="square" rtlCol="0">
+            <a:spAutoFit/>
+          </a:bodyPr>
+          <a:lstStyle/>
+          <a:p>
+            <a:pPr algn="ctr"/>
+            <a:r>
+              <a:rPr lang="en-AU" sz="2400" dirty="0"/>
+              <a:t>O3 </a:t>
+            </a:r>
+          </a:p>
+        </p:txBody>
+      </p:sp>
+      <p:sp>
+        <p:nvSpPr>
+          <p:cNvPr id="115" name="TextBox 114">
+            <a:extLst>
+              <a:ext uri="{FF2B5EF4-FFF2-40B4-BE49-F238E27FC236}">
+                <a16:creationId xmlns:a16="http://schemas.microsoft.com/office/drawing/2014/main" id="{BBA50AE1-E6FB-B94F-AF57-D0D815744B9E}"/>
+              </a:ext>
+            </a:extLst>
+          </p:cNvPr>
+          <p:cNvSpPr txBox="1"/>
+          <p:nvPr/>
+        </p:nvSpPr>
+        <p:spPr>
+          <a:xfrm>
+            <a:off x="315173" y="9062320"/>
+            <a:ext cx="550588" cy="461665"/>
+          </a:xfrm>
+          <a:prstGeom prst="rect">
+            <a:avLst/>
+          </a:prstGeom>
+          <a:solidFill>
+            <a:schemeClr val="tx1"/>
+          </a:solidFill>
+        </p:spPr>
+        <p:txBody>
+          <a:bodyPr wrap="square" rtlCol="0">
+            <a:spAutoFit/>
+          </a:bodyPr>
+          <a:lstStyle/>
+          <a:p>
+            <a:pPr algn="ctr"/>
+            <a:r>
+              <a:rPr lang="en-AU" sz="2400" dirty="0">
+                <a:solidFill>
+                  <a:schemeClr val="bg1"/>
+                </a:solidFill>
+              </a:rPr>
+              <a:t>O4</a:t>
+            </a:r>
+          </a:p>
+        </p:txBody>
+      </p:sp>
+      <p:sp>
+        <p:nvSpPr>
+          <p:cNvPr id="118" name="TextBox 117">
+            <a:extLst>
+              <a:ext uri="{FF2B5EF4-FFF2-40B4-BE49-F238E27FC236}">
+                <a16:creationId xmlns:a16="http://schemas.microsoft.com/office/drawing/2014/main" id="{550C5E6D-8207-9C43-B06A-0904E28479D9}"/>
+              </a:ext>
+            </a:extLst>
+          </p:cNvPr>
+          <p:cNvSpPr txBox="1"/>
+          <p:nvPr/>
+        </p:nvSpPr>
+        <p:spPr>
+          <a:xfrm>
+            <a:off x="2868457" y="6784632"/>
+            <a:ext cx="592065" cy="461665"/>
+          </a:xfrm>
+          <a:prstGeom prst="rect">
+            <a:avLst/>
+          </a:prstGeom>
+          <a:noFill/>
+        </p:spPr>
+        <p:txBody>
+          <a:bodyPr wrap="square" rtlCol="0">
+            <a:spAutoFit/>
+          </a:bodyPr>
+          <a:lstStyle/>
+          <a:p>
+            <a:r>
+              <a:rPr lang="en-AU" sz="2400" dirty="0"/>
+              <a:t>O5</a:t>
+            </a:r>
+          </a:p>
+        </p:txBody>
+      </p:sp>
+      <p:sp>
+        <p:nvSpPr>
+          <p:cNvPr id="119" name="TextBox 118">
+            <a:extLst>
+              <a:ext uri="{FF2B5EF4-FFF2-40B4-BE49-F238E27FC236}">
+                <a16:creationId xmlns:a16="http://schemas.microsoft.com/office/drawing/2014/main" id="{034FA6ED-080F-8649-85E1-37DF36125AEA}"/>
+              </a:ext>
+            </a:extLst>
+          </p:cNvPr>
+          <p:cNvSpPr txBox="1"/>
+          <p:nvPr/>
+        </p:nvSpPr>
+        <p:spPr>
+          <a:xfrm>
+            <a:off x="815900" y="6667051"/>
+            <a:ext cx="592065" cy="461665"/>
+          </a:xfrm>
+          <a:prstGeom prst="rect">
+            <a:avLst/>
+          </a:prstGeom>
+          <a:noFill/>
+        </p:spPr>
+        <p:txBody>
+          <a:bodyPr wrap="square" rtlCol="0">
+            <a:spAutoFit/>
+          </a:bodyPr>
+          <a:lstStyle/>
+          <a:p>
+            <a:r>
+              <a:rPr lang="en-AU" sz="2400" dirty="0"/>
+              <a:t>O6</a:t>
+            </a:r>
+          </a:p>
+        </p:txBody>
+      </p:sp>
+      <p:sp>
+        <p:nvSpPr>
+          <p:cNvPr id="121" name="TextBox 120">
+            <a:extLst>
+              <a:ext uri="{FF2B5EF4-FFF2-40B4-BE49-F238E27FC236}">
+                <a16:creationId xmlns:a16="http://schemas.microsoft.com/office/drawing/2014/main" id="{F694D9F7-E141-A048-9CB3-9B5FBCD7B416}"/>
+              </a:ext>
+            </a:extLst>
+          </p:cNvPr>
+          <p:cNvSpPr txBox="1"/>
+          <p:nvPr/>
+        </p:nvSpPr>
+        <p:spPr>
+          <a:xfrm>
+            <a:off x="214125" y="7573355"/>
+            <a:ext cx="592065" cy="461665"/>
+          </a:xfrm>
+          <a:prstGeom prst="rect">
+            <a:avLst/>
+          </a:prstGeom>
+          <a:noFill/>
+        </p:spPr>
+        <p:txBody>
+          <a:bodyPr wrap="square" rtlCol="0">
+            <a:spAutoFit/>
+          </a:bodyPr>
+          <a:lstStyle/>
+          <a:p>
+            <a:r>
+              <a:rPr lang="en-AU" sz="2400" dirty="0"/>
+              <a:t>O7</a:t>
+            </a:r>
+          </a:p>
+        </p:txBody>
+      </p:sp>
+      <p:sp>
+        <p:nvSpPr>
+          <p:cNvPr id="122" name="TextBox 121">
+            <a:extLst>
+              <a:ext uri="{FF2B5EF4-FFF2-40B4-BE49-F238E27FC236}">
+                <a16:creationId xmlns:a16="http://schemas.microsoft.com/office/drawing/2014/main" id="{90777BAF-288C-E148-8E19-9E61FF959376}"/>
+              </a:ext>
+            </a:extLst>
+          </p:cNvPr>
+          <p:cNvSpPr txBox="1"/>
+          <p:nvPr/>
+        </p:nvSpPr>
+        <p:spPr>
+          <a:xfrm>
+            <a:off x="885045" y="8825620"/>
+            <a:ext cx="592065" cy="461665"/>
+          </a:xfrm>
+          <a:prstGeom prst="rect">
+            <a:avLst/>
+          </a:prstGeom>
+          <a:noFill/>
+        </p:spPr>
+        <p:txBody>
+          <a:bodyPr wrap="square" rtlCol="0">
+            <a:spAutoFit/>
+          </a:bodyPr>
+          <a:lstStyle/>
+          <a:p>
+            <a:r>
+              <a:rPr lang="en-AU" sz="2400" dirty="0">
+                <a:solidFill>
+                  <a:srgbClr val="0070C0"/>
+                </a:solidFill>
+              </a:rPr>
+              <a:t>D8</a:t>
+            </a:r>
+          </a:p>
+        </p:txBody>
+      </p:sp>
+      <p:sp>
+        <p:nvSpPr>
+          <p:cNvPr id="123" name="TextBox 122">
+            <a:extLst>
+              <a:ext uri="{FF2B5EF4-FFF2-40B4-BE49-F238E27FC236}">
+                <a16:creationId xmlns:a16="http://schemas.microsoft.com/office/drawing/2014/main" id="{CD17A261-D8F5-014C-8E0C-71FD33CF58C2}"/>
+              </a:ext>
+            </a:extLst>
+          </p:cNvPr>
+          <p:cNvSpPr txBox="1"/>
+          <p:nvPr/>
+        </p:nvSpPr>
+        <p:spPr>
+          <a:xfrm>
+            <a:off x="1749832" y="8230955"/>
+            <a:ext cx="782443" cy="461665"/>
+          </a:xfrm>
+          <a:prstGeom prst="rect">
+            <a:avLst/>
+          </a:prstGeom>
+          <a:noFill/>
+        </p:spPr>
+        <p:txBody>
+          <a:bodyPr wrap="square" rtlCol="0">
+            <a:spAutoFit/>
+          </a:bodyPr>
+          <a:lstStyle/>
+          <a:p>
+            <a:r>
+              <a:rPr lang="en-AU" sz="2400" dirty="0">
+                <a:solidFill>
+                  <a:srgbClr val="0070C0"/>
+                </a:solidFill>
+              </a:rPr>
+              <a:t>D10</a:t>
+            </a:r>
+          </a:p>
+        </p:txBody>
+      </p:sp>
+      <p:sp>
+        <p:nvSpPr>
+          <p:cNvPr id="124" name="TextBox 123">
+            <a:extLst>
+              <a:ext uri="{FF2B5EF4-FFF2-40B4-BE49-F238E27FC236}">
+                <a16:creationId xmlns:a16="http://schemas.microsoft.com/office/drawing/2014/main" id="{5C3B50A0-0DE5-2F4A-AC4F-6E88C95A6DAD}"/>
+              </a:ext>
+            </a:extLst>
+          </p:cNvPr>
+          <p:cNvSpPr txBox="1"/>
+          <p:nvPr/>
+        </p:nvSpPr>
+        <p:spPr>
+          <a:xfrm>
+            <a:off x="1206685" y="7584456"/>
+            <a:ext cx="782443" cy="461665"/>
+          </a:xfrm>
+          <a:prstGeom prst="rect">
+            <a:avLst/>
+          </a:prstGeom>
+          <a:noFill/>
+        </p:spPr>
+        <p:txBody>
+          <a:bodyPr wrap="square" rtlCol="0">
+            <a:spAutoFit/>
+          </a:bodyPr>
+          <a:lstStyle/>
+          <a:p>
+            <a:r>
+              <a:rPr lang="en-AU" sz="2400" dirty="0">
+                <a:solidFill>
+                  <a:srgbClr val="0070C0"/>
+                </a:solidFill>
+              </a:rPr>
+              <a:t>D11</a:t>
+            </a:r>
+          </a:p>
+        </p:txBody>
+      </p:sp>
+      <p:sp>
+        <p:nvSpPr>
+          <p:cNvPr id="126" name="TextBox 125">
+            <a:extLst>
+              <a:ext uri="{FF2B5EF4-FFF2-40B4-BE49-F238E27FC236}">
+                <a16:creationId xmlns:a16="http://schemas.microsoft.com/office/drawing/2014/main" id="{5AA0ECC9-0090-C840-9057-F4922C1EA3C0}"/>
+              </a:ext>
+            </a:extLst>
+          </p:cNvPr>
+          <p:cNvSpPr txBox="1"/>
+          <p:nvPr/>
+        </p:nvSpPr>
+        <p:spPr>
+          <a:xfrm>
+            <a:off x="2868098" y="7013214"/>
+            <a:ext cx="782443" cy="461665"/>
+          </a:xfrm>
+          <a:prstGeom prst="rect">
+            <a:avLst/>
+          </a:prstGeom>
+          <a:noFill/>
+        </p:spPr>
+        <p:txBody>
+          <a:bodyPr wrap="square" rtlCol="0">
+            <a:spAutoFit/>
+          </a:bodyPr>
+          <a:lstStyle/>
+          <a:p>
+            <a:r>
+              <a:rPr lang="en-AU" sz="2400" dirty="0">
+                <a:solidFill>
+                  <a:srgbClr val="0070C0"/>
+                </a:solidFill>
+              </a:rPr>
+              <a:t>D12</a:t>
+            </a:r>
+          </a:p>
+        </p:txBody>
+      </p:sp>
+      <p:sp>
+        <p:nvSpPr>
+          <p:cNvPr id="131" name="TextBox 130">
+            <a:extLst>
+              <a:ext uri="{FF2B5EF4-FFF2-40B4-BE49-F238E27FC236}">
+                <a16:creationId xmlns:a16="http://schemas.microsoft.com/office/drawing/2014/main" id="{F438FDAF-3234-704F-9DFF-CE70697B0B15}"/>
+              </a:ext>
+            </a:extLst>
+          </p:cNvPr>
+          <p:cNvSpPr txBox="1"/>
+          <p:nvPr/>
+        </p:nvSpPr>
+        <p:spPr>
+          <a:xfrm>
+            <a:off x="2728810" y="7557764"/>
+            <a:ext cx="782443" cy="461665"/>
+          </a:xfrm>
+          <a:prstGeom prst="rect">
+            <a:avLst/>
+          </a:prstGeom>
+          <a:noFill/>
+        </p:spPr>
+        <p:txBody>
+          <a:bodyPr wrap="square" rtlCol="0">
+            <a:spAutoFit/>
+          </a:bodyPr>
+          <a:lstStyle/>
+          <a:p>
+            <a:r>
+              <a:rPr lang="en-AU" sz="2400" dirty="0">
+                <a:solidFill>
+                  <a:srgbClr val="0070C0"/>
+                </a:solidFill>
+              </a:rPr>
+              <a:t>D13</a:t>
+            </a:r>
+          </a:p>
+        </p:txBody>
+      </p:sp>
+      <p:sp>
+        <p:nvSpPr>
+          <p:cNvPr id="132" name="TextBox 131">
+            <a:extLst>
+              <a:ext uri="{FF2B5EF4-FFF2-40B4-BE49-F238E27FC236}">
+                <a16:creationId xmlns:a16="http://schemas.microsoft.com/office/drawing/2014/main" id="{BDAB933B-3423-5645-95BE-D8AB68D1D341}"/>
+              </a:ext>
+            </a:extLst>
+          </p:cNvPr>
+          <p:cNvSpPr txBox="1"/>
+          <p:nvPr/>
+        </p:nvSpPr>
+        <p:spPr>
+          <a:xfrm>
+            <a:off x="2074472" y="7629391"/>
+            <a:ext cx="782443" cy="461665"/>
+          </a:xfrm>
+          <a:prstGeom prst="rect">
+            <a:avLst/>
+          </a:prstGeom>
+          <a:noFill/>
+        </p:spPr>
+        <p:txBody>
+          <a:bodyPr wrap="square" rtlCol="0">
+            <a:spAutoFit/>
+          </a:bodyPr>
+          <a:lstStyle/>
+          <a:p>
+            <a:r>
+              <a:rPr lang="en-AU" sz="2400" dirty="0">
+                <a:solidFill>
+                  <a:srgbClr val="0070C0"/>
+                </a:solidFill>
+              </a:rPr>
+              <a:t>D14</a:t>
+            </a:r>
+          </a:p>
+        </p:txBody>
+      </p:sp>
+      <p:cxnSp>
+        <p:nvCxnSpPr>
+          <p:cNvPr id="133" name="Straight Arrow Connector 132">
+            <a:extLst>
+              <a:ext uri="{FF2B5EF4-FFF2-40B4-BE49-F238E27FC236}">
+                <a16:creationId xmlns:a16="http://schemas.microsoft.com/office/drawing/2014/main" id="{1F7F97F1-746A-4044-AC3D-C410021E7A5F}"/>
+              </a:ext>
+            </a:extLst>
+          </p:cNvPr>
+          <p:cNvCxnSpPr>
+            <a:cxnSpLocks/>
+            <a:stCxn id="118" idx="1"/>
+            <a:endCxn id="119" idx="3"/>
+          </p:cNvCxnSpPr>
+          <p:nvPr/>
+        </p:nvCxnSpPr>
+        <p:spPr>
+          <a:xfrm flipH="1" flipV="1">
+            <a:off x="1407965" y="6897884"/>
+            <a:ext cx="1460492" cy="117581"/>
+          </a:xfrm>
+          <a:prstGeom prst="straightConnector1">
+            <a:avLst/>
+          </a:prstGeom>
+          <a:ln w="60325">
+            <a:solidFill>
+              <a:schemeClr val="bg1">
+                <a:lumMod val="50000"/>
+              </a:schemeClr>
+            </a:solidFill>
+            <a:prstDash val="sysDash"/>
+            <a:tailEnd type="triangle"/>
+          </a:ln>
+        </p:spPr>
+        <p:style>
+          <a:lnRef idx="1">
+            <a:schemeClr val="accent1"/>
+          </a:lnRef>
+          <a:fillRef idx="0">
+            <a:schemeClr val="accent1"/>
+          </a:fillRef>
+          <a:effectRef idx="0">
+            <a:schemeClr val="accent1"/>
+          </a:effectRef>
+          <a:fontRef idx="minor">
+            <a:schemeClr val="tx1"/>
+          </a:fontRef>
+        </p:style>
+      </p:cxnSp>
+      <p:sp>
+        <p:nvSpPr>
+          <p:cNvPr id="135" name="TextBox 134">
+            <a:extLst>
+              <a:ext uri="{FF2B5EF4-FFF2-40B4-BE49-F238E27FC236}">
+                <a16:creationId xmlns:a16="http://schemas.microsoft.com/office/drawing/2014/main" id="{333A0201-0BB9-B145-8B82-27F4046E244D}"/>
+              </a:ext>
+            </a:extLst>
+          </p:cNvPr>
+          <p:cNvSpPr txBox="1"/>
+          <p:nvPr/>
+        </p:nvSpPr>
+        <p:spPr>
+          <a:xfrm>
+            <a:off x="2815640" y="8884375"/>
+            <a:ext cx="592065" cy="461665"/>
+          </a:xfrm>
+          <a:prstGeom prst="rect">
+            <a:avLst/>
+          </a:prstGeom>
+          <a:noFill/>
+        </p:spPr>
+        <p:txBody>
+          <a:bodyPr wrap="square" rtlCol="0">
+            <a:spAutoFit/>
+          </a:bodyPr>
+          <a:lstStyle/>
+          <a:p>
+            <a:r>
+              <a:rPr lang="en-AU" sz="2400" dirty="0">
+                <a:solidFill>
+                  <a:srgbClr val="0070C0"/>
+                </a:solidFill>
+              </a:rPr>
+              <a:t>D9</a:t>
+            </a:r>
+          </a:p>
+        </p:txBody>
+      </p:sp>
+      <p:sp>
+        <p:nvSpPr>
+          <p:cNvPr id="136" name="Arc 135">
+            <a:extLst>
+              <a:ext uri="{FF2B5EF4-FFF2-40B4-BE49-F238E27FC236}">
+                <a16:creationId xmlns:a16="http://schemas.microsoft.com/office/drawing/2014/main" id="{EC59DF4A-3537-A245-B18C-C1AAE919A0C0}"/>
+              </a:ext>
+            </a:extLst>
+          </p:cNvPr>
+          <p:cNvSpPr/>
+          <p:nvPr/>
+        </p:nvSpPr>
+        <p:spPr>
+          <a:xfrm rot="7590791">
+            <a:off x="2157121" y="6765078"/>
+            <a:ext cx="1541878" cy="654146"/>
+          </a:xfrm>
+          <a:prstGeom prst="arc">
+            <a:avLst/>
+          </a:prstGeom>
+        </p:spPr>
+        <p:style>
+          <a:lnRef idx="1">
+            <a:schemeClr val="accent1"/>
+          </a:lnRef>
+          <a:fillRef idx="0">
+            <a:schemeClr val="accent1"/>
+          </a:fillRef>
+          <a:effectRef idx="0">
+            <a:schemeClr val="accent1"/>
+          </a:effectRef>
+          <a:fontRef idx="minor">
+            <a:schemeClr val="tx1"/>
+          </a:fontRef>
+        </p:style>
+        <p:txBody>
+          <a:bodyPr rtlCol="0" anchor="ctr"/>
+          <a:lstStyle/>
+          <a:p>
+            <a:pPr algn="ctr"/>
+            <a:endParaRPr lang="en-AU"/>
+          </a:p>
+        </p:txBody>
+      </p:sp>
+      <p:sp>
+        <p:nvSpPr>
+          <p:cNvPr id="139" name="Oval 138">
+            <a:extLst>
+              <a:ext uri="{FF2B5EF4-FFF2-40B4-BE49-F238E27FC236}">
+                <a16:creationId xmlns:a16="http://schemas.microsoft.com/office/drawing/2014/main" id="{6B81A8A3-04D4-C24F-A358-195AB3CD07C3}"/>
+              </a:ext>
+            </a:extLst>
+          </p:cNvPr>
+          <p:cNvSpPr/>
+          <p:nvPr/>
+        </p:nvSpPr>
+        <p:spPr>
+          <a:xfrm>
+            <a:off x="6021698" y="7050337"/>
+            <a:ext cx="244926" cy="239838"/>
+          </a:xfrm>
+          <a:prstGeom prst="ellipse">
+            <a:avLst/>
+          </a:prstGeom>
+          <a:solidFill>
+            <a:schemeClr val="tx1"/>
+          </a:solidFill>
+        </p:spPr>
+        <p:style>
+          <a:lnRef idx="2">
+            <a:schemeClr val="accent1">
+              <a:shade val="50000"/>
+            </a:schemeClr>
+          </a:lnRef>
+          <a:fillRef idx="1">
+            <a:schemeClr val="accent1"/>
+          </a:fillRef>
+          <a:effectRef idx="0">
+            <a:schemeClr val="accent1"/>
+          </a:effectRef>
+          <a:fontRef idx="minor">
+            <a:schemeClr val="lt1"/>
+          </a:fontRef>
+        </p:style>
+        <p:txBody>
+          <a:bodyPr rtlCol="0" anchor="ctr"/>
+          <a:lstStyle/>
+          <a:p>
+            <a:pPr algn="ctr"/>
+            <a:endParaRPr lang="en-AU" sz="2400"/>
+          </a:p>
+        </p:txBody>
+      </p:sp>
+      <p:sp>
+        <p:nvSpPr>
+          <p:cNvPr id="140" name="Oval 139">
+            <a:extLst>
+              <a:ext uri="{FF2B5EF4-FFF2-40B4-BE49-F238E27FC236}">
+                <a16:creationId xmlns:a16="http://schemas.microsoft.com/office/drawing/2014/main" id="{C22AA2BA-8EEA-5646-B3CA-B7A33F40DAE9}"/>
+              </a:ext>
+            </a:extLst>
+          </p:cNvPr>
+          <p:cNvSpPr/>
+          <p:nvPr/>
+        </p:nvSpPr>
+        <p:spPr>
+          <a:xfrm>
+            <a:off x="2683790" y="7024550"/>
+            <a:ext cx="244926" cy="239838"/>
+          </a:xfrm>
+          <a:prstGeom prst="ellipse">
+            <a:avLst/>
+          </a:prstGeom>
+          <a:solidFill>
+            <a:schemeClr val="tx1"/>
+          </a:solidFill>
+        </p:spPr>
+        <p:style>
+          <a:lnRef idx="2">
+            <a:schemeClr val="accent1">
+              <a:shade val="50000"/>
+            </a:schemeClr>
+          </a:lnRef>
+          <a:fillRef idx="1">
+            <a:schemeClr val="accent1"/>
+          </a:fillRef>
+          <a:effectRef idx="0">
+            <a:schemeClr val="accent1"/>
+          </a:effectRef>
+          <a:fontRef idx="minor">
+            <a:schemeClr val="lt1"/>
+          </a:fontRef>
+        </p:style>
+        <p:txBody>
+          <a:bodyPr rtlCol="0" anchor="ctr"/>
+          <a:lstStyle/>
+          <a:p>
+            <a:pPr algn="ctr"/>
+            <a:endParaRPr lang="en-AU" sz="2400"/>
+          </a:p>
+        </p:txBody>
+      </p:sp>
+      <p:cxnSp>
+        <p:nvCxnSpPr>
+          <p:cNvPr id="141" name="Straight Arrow Connector 140">
+            <a:extLst>
+              <a:ext uri="{FF2B5EF4-FFF2-40B4-BE49-F238E27FC236}">
+                <a16:creationId xmlns:a16="http://schemas.microsoft.com/office/drawing/2014/main" id="{44AB024B-9C5D-0347-96B2-A0A05243876D}"/>
+              </a:ext>
+            </a:extLst>
+          </p:cNvPr>
+          <p:cNvCxnSpPr>
+            <a:cxnSpLocks/>
+          </p:cNvCxnSpPr>
+          <p:nvPr/>
+        </p:nvCxnSpPr>
+        <p:spPr>
+          <a:xfrm flipH="1">
+            <a:off x="544765" y="7044121"/>
+            <a:ext cx="423602" cy="589600"/>
+          </a:xfrm>
+          <a:prstGeom prst="straightConnector1">
+            <a:avLst/>
+          </a:prstGeom>
+          <a:ln w="60325">
+            <a:solidFill>
+              <a:schemeClr val="bg1">
+                <a:lumMod val="50000"/>
+              </a:schemeClr>
+            </a:solidFill>
+            <a:prstDash val="sysDash"/>
+            <a:tailEnd type="triangle"/>
+          </a:ln>
+        </p:spPr>
+        <p:style>
+          <a:lnRef idx="1">
+            <a:schemeClr val="accent1"/>
+          </a:lnRef>
+          <a:fillRef idx="0">
+            <a:schemeClr val="accent1"/>
+          </a:fillRef>
+          <a:effectRef idx="0">
+            <a:schemeClr val="accent1"/>
+          </a:effectRef>
+          <a:fontRef idx="minor">
+            <a:schemeClr val="tx1"/>
+          </a:fontRef>
+        </p:style>
+      </p:cxnSp>
+      <p:cxnSp>
+        <p:nvCxnSpPr>
+          <p:cNvPr id="142" name="Straight Arrow Connector 141">
+            <a:extLst>
+              <a:ext uri="{FF2B5EF4-FFF2-40B4-BE49-F238E27FC236}">
+                <a16:creationId xmlns:a16="http://schemas.microsoft.com/office/drawing/2014/main" id="{974119AE-5C5A-A444-9A75-5ACD763D8763}"/>
+              </a:ext>
+            </a:extLst>
+          </p:cNvPr>
+          <p:cNvCxnSpPr>
+            <a:cxnSpLocks/>
+          </p:cNvCxnSpPr>
+          <p:nvPr/>
+        </p:nvCxnSpPr>
+        <p:spPr>
+          <a:xfrm flipH="1">
+            <a:off x="2640598" y="7384959"/>
+            <a:ext cx="152038" cy="1005819"/>
+          </a:xfrm>
+          <a:prstGeom prst="straightConnector1">
+            <a:avLst/>
+          </a:prstGeom>
+          <a:ln w="60325">
+            <a:solidFill>
+              <a:schemeClr val="bg1">
+                <a:lumMod val="50000"/>
+              </a:schemeClr>
+            </a:solidFill>
+            <a:prstDash val="sysDash"/>
+            <a:tailEnd type="triangle"/>
+          </a:ln>
+        </p:spPr>
+        <p:style>
+          <a:lnRef idx="1">
+            <a:schemeClr val="accent1"/>
+          </a:lnRef>
+          <a:fillRef idx="0">
+            <a:schemeClr val="accent1"/>
+          </a:fillRef>
+          <a:effectRef idx="0">
+            <a:schemeClr val="accent1"/>
+          </a:effectRef>
+          <a:fontRef idx="minor">
+            <a:schemeClr val="tx1"/>
+          </a:fontRef>
+        </p:style>
+      </p:cxnSp>
+    </p:spTree>
+    <p:extLst>
+      <p:ext uri="{BB962C8B-B14F-4D97-AF65-F5344CB8AC3E}">
+        <p14:creationId xmlns:p14="http://schemas.microsoft.com/office/powerpoint/2010/main" val="3011710540"/>
       </p:ext>
     </p:extLst>
   </p:cSld>

--- a/graphics/Graphics.pptx
+++ b/graphics/Graphics.pptx
@@ -219,7 +219,7 @@
           <a:p>
             <a:fld id="{45933B21-E436-3A46-ADDA-424A82352920}" type="datetimeFigureOut">
               <a:rPr lang="en-AU" smtClean="0"/>
-              <a:t>30/12/22</a:t>
+              <a:t>31/12/22</a:t>
             </a:fld>
             <a:endParaRPr lang="en-AU"/>
           </a:p>
@@ -618,7 +618,7 @@
           <a:p>
             <a:fld id="{84CBB076-2C69-DC49-A9FF-99213B15956D}" type="datetimeFigureOut">
               <a:rPr lang="en-AU" smtClean="0"/>
-              <a:t>30/12/22</a:t>
+              <a:t>31/12/22</a:t>
             </a:fld>
             <a:endParaRPr lang="en-AU"/>
           </a:p>
@@ -788,7 +788,7 @@
           <a:p>
             <a:fld id="{84CBB076-2C69-DC49-A9FF-99213B15956D}" type="datetimeFigureOut">
               <a:rPr lang="en-AU" smtClean="0"/>
-              <a:t>30/12/22</a:t>
+              <a:t>31/12/22</a:t>
             </a:fld>
             <a:endParaRPr lang="en-AU"/>
           </a:p>
@@ -968,7 +968,7 @@
           <a:p>
             <a:fld id="{84CBB076-2C69-DC49-A9FF-99213B15956D}" type="datetimeFigureOut">
               <a:rPr lang="en-AU" smtClean="0"/>
-              <a:t>30/12/22</a:t>
+              <a:t>31/12/22</a:t>
             </a:fld>
             <a:endParaRPr lang="en-AU"/>
           </a:p>
@@ -1138,7 +1138,7 @@
           <a:p>
             <a:fld id="{84CBB076-2C69-DC49-A9FF-99213B15956D}" type="datetimeFigureOut">
               <a:rPr lang="en-AU" smtClean="0"/>
-              <a:t>30/12/22</a:t>
+              <a:t>31/12/22</a:t>
             </a:fld>
             <a:endParaRPr lang="en-AU"/>
           </a:p>
@@ -1382,7 +1382,7 @@
           <a:p>
             <a:fld id="{84CBB076-2C69-DC49-A9FF-99213B15956D}" type="datetimeFigureOut">
               <a:rPr lang="en-AU" smtClean="0"/>
-              <a:t>30/12/22</a:t>
+              <a:t>31/12/22</a:t>
             </a:fld>
             <a:endParaRPr lang="en-AU"/>
           </a:p>
@@ -1614,7 +1614,7 @@
           <a:p>
             <a:fld id="{84CBB076-2C69-DC49-A9FF-99213B15956D}" type="datetimeFigureOut">
               <a:rPr lang="en-AU" smtClean="0"/>
-              <a:t>30/12/22</a:t>
+              <a:t>31/12/22</a:t>
             </a:fld>
             <a:endParaRPr lang="en-AU"/>
           </a:p>
@@ -1981,7 +1981,7 @@
           <a:p>
             <a:fld id="{84CBB076-2C69-DC49-A9FF-99213B15956D}" type="datetimeFigureOut">
               <a:rPr lang="en-AU" smtClean="0"/>
-              <a:t>30/12/22</a:t>
+              <a:t>31/12/22</a:t>
             </a:fld>
             <a:endParaRPr lang="en-AU"/>
           </a:p>
@@ -2099,7 +2099,7 @@
           <a:p>
             <a:fld id="{84CBB076-2C69-DC49-A9FF-99213B15956D}" type="datetimeFigureOut">
               <a:rPr lang="en-AU" smtClean="0"/>
-              <a:t>30/12/22</a:t>
+              <a:t>31/12/22</a:t>
             </a:fld>
             <a:endParaRPr lang="en-AU"/>
           </a:p>
@@ -2194,7 +2194,7 @@
           <a:p>
             <a:fld id="{84CBB076-2C69-DC49-A9FF-99213B15956D}" type="datetimeFigureOut">
               <a:rPr lang="en-AU" smtClean="0"/>
-              <a:t>30/12/22</a:t>
+              <a:t>31/12/22</a:t>
             </a:fld>
             <a:endParaRPr lang="en-AU"/>
           </a:p>
@@ -2471,7 +2471,7 @@
           <a:p>
             <a:fld id="{84CBB076-2C69-DC49-A9FF-99213B15956D}" type="datetimeFigureOut">
               <a:rPr lang="en-AU" smtClean="0"/>
-              <a:t>30/12/22</a:t>
+              <a:t>31/12/22</a:t>
             </a:fld>
             <a:endParaRPr lang="en-AU"/>
           </a:p>
@@ -2728,7 +2728,7 @@
           <a:p>
             <a:fld id="{84CBB076-2C69-DC49-A9FF-99213B15956D}" type="datetimeFigureOut">
               <a:rPr lang="en-AU" smtClean="0"/>
-              <a:t>30/12/22</a:t>
+              <a:t>31/12/22</a:t>
             </a:fld>
             <a:endParaRPr lang="en-AU"/>
           </a:p>
@@ -2941,7 +2941,7 @@
           <a:p>
             <a:fld id="{84CBB076-2C69-DC49-A9FF-99213B15956D}" type="datetimeFigureOut">
               <a:rPr lang="en-AU" smtClean="0"/>
-              <a:t>30/12/22</a:t>
+              <a:t>31/12/22</a:t>
             </a:fld>
             <a:endParaRPr lang="en-AU"/>
           </a:p>
@@ -7996,766 +7996,6 @@
           </a:p>
         </p:txBody>
       </p:sp>
-      <p:cxnSp>
-        <p:nvCxnSpPr>
-          <p:cNvPr id="43" name="Straight Connector 42">
-            <a:extLst>
-              <a:ext uri="{FF2B5EF4-FFF2-40B4-BE49-F238E27FC236}">
-                <a16:creationId xmlns:a16="http://schemas.microsoft.com/office/drawing/2014/main" id="{BCCC503D-A2C8-174C-9ED5-2864A80A645A}"/>
-              </a:ext>
-            </a:extLst>
-          </p:cNvPr>
-          <p:cNvCxnSpPr>
-            <a:cxnSpLocks/>
-          </p:cNvCxnSpPr>
-          <p:nvPr/>
-        </p:nvCxnSpPr>
-        <p:spPr>
-          <a:xfrm flipV="1">
-            <a:off x="3395954" y="5390998"/>
-            <a:ext cx="3240000" cy="0"/>
-          </a:xfrm>
-          <a:prstGeom prst="line">
-            <a:avLst/>
-          </a:prstGeom>
-          <a:ln w="38100">
-            <a:solidFill>
-              <a:schemeClr val="accent2"/>
-            </a:solidFill>
-            <a:prstDash val="sysDash"/>
-          </a:ln>
-        </p:spPr>
-        <p:style>
-          <a:lnRef idx="1">
-            <a:schemeClr val="accent1"/>
-          </a:lnRef>
-          <a:fillRef idx="0">
-            <a:schemeClr val="accent1"/>
-          </a:fillRef>
-          <a:effectRef idx="0">
-            <a:schemeClr val="accent1"/>
-          </a:effectRef>
-          <a:fontRef idx="minor">
-            <a:schemeClr val="tx1"/>
-          </a:fontRef>
-        </p:style>
-      </p:cxnSp>
-      <p:cxnSp>
-        <p:nvCxnSpPr>
-          <p:cNvPr id="66" name="Straight Connector 65">
-            <a:extLst>
-              <a:ext uri="{FF2B5EF4-FFF2-40B4-BE49-F238E27FC236}">
-                <a16:creationId xmlns:a16="http://schemas.microsoft.com/office/drawing/2014/main" id="{2F0B4B13-EFDE-FC4E-BA8C-7C498896DAB0}"/>
-              </a:ext>
-            </a:extLst>
-          </p:cNvPr>
-          <p:cNvCxnSpPr>
-            <a:cxnSpLocks/>
-          </p:cNvCxnSpPr>
-          <p:nvPr/>
-        </p:nvCxnSpPr>
-        <p:spPr>
-          <a:xfrm>
-            <a:off x="3399732" y="7527107"/>
-            <a:ext cx="3238092" cy="0"/>
-          </a:xfrm>
-          <a:prstGeom prst="line">
-            <a:avLst/>
-          </a:prstGeom>
-          <a:ln w="38100">
-            <a:solidFill>
-              <a:srgbClr val="FF0000"/>
-            </a:solidFill>
-            <a:prstDash val="sysDash"/>
-          </a:ln>
-        </p:spPr>
-        <p:style>
-          <a:lnRef idx="1">
-            <a:schemeClr val="accent1"/>
-          </a:lnRef>
-          <a:fillRef idx="0">
-            <a:schemeClr val="accent1"/>
-          </a:fillRef>
-          <a:effectRef idx="0">
-            <a:schemeClr val="accent1"/>
-          </a:effectRef>
-          <a:fontRef idx="minor">
-            <a:schemeClr val="tx1"/>
-          </a:fontRef>
-        </p:style>
-      </p:cxnSp>
-      <p:sp>
-        <p:nvSpPr>
-          <p:cNvPr id="67" name="Rounded Rectangle 66">
-            <a:extLst>
-              <a:ext uri="{FF2B5EF4-FFF2-40B4-BE49-F238E27FC236}">
-                <a16:creationId xmlns:a16="http://schemas.microsoft.com/office/drawing/2014/main" id="{E2C7F311-B228-7B41-BF71-A3981E031741}"/>
-              </a:ext>
-            </a:extLst>
-          </p:cNvPr>
-          <p:cNvSpPr>
-            <a:spLocks noChangeAspect="1"/>
-          </p:cNvSpPr>
-          <p:nvPr/>
-        </p:nvSpPr>
-        <p:spPr>
-          <a:xfrm>
-            <a:off x="3287445" y="7708143"/>
-            <a:ext cx="3240000" cy="1576217"/>
-          </a:xfrm>
-          <a:prstGeom prst="roundRect">
-            <a:avLst/>
-          </a:prstGeom>
-          <a:solidFill>
-            <a:srgbClr val="00B050"/>
-          </a:solidFill>
-          <a:ln w="38100">
-            <a:solidFill>
-              <a:schemeClr val="tx1"/>
-            </a:solidFill>
-          </a:ln>
-        </p:spPr>
-        <p:style>
-          <a:lnRef idx="2">
-            <a:schemeClr val="accent1">
-              <a:shade val="50000"/>
-            </a:schemeClr>
-          </a:lnRef>
-          <a:fillRef idx="1">
-            <a:schemeClr val="accent1"/>
-          </a:fillRef>
-          <a:effectRef idx="0">
-            <a:schemeClr val="accent1"/>
-          </a:effectRef>
-          <a:fontRef idx="minor">
-            <a:schemeClr val="lt1"/>
-          </a:fontRef>
-        </p:style>
-        <p:txBody>
-          <a:bodyPr rtlCol="0" anchor="ctr"/>
-          <a:lstStyle/>
-          <a:p>
-            <a:pPr algn="ctr"/>
-            <a:endParaRPr lang="en-AU"/>
-          </a:p>
-        </p:txBody>
-      </p:sp>
-      <p:sp>
-        <p:nvSpPr>
-          <p:cNvPr id="68" name="Rounded Rectangle 67">
-            <a:extLst>
-              <a:ext uri="{FF2B5EF4-FFF2-40B4-BE49-F238E27FC236}">
-                <a16:creationId xmlns:a16="http://schemas.microsoft.com/office/drawing/2014/main" id="{CCCEF8AF-CBE8-3645-BBDB-BA1111B52A1A}"/>
-              </a:ext>
-            </a:extLst>
-          </p:cNvPr>
-          <p:cNvSpPr>
-            <a:spLocks noChangeAspect="1"/>
-          </p:cNvSpPr>
-          <p:nvPr/>
-        </p:nvSpPr>
-        <p:spPr>
-          <a:xfrm>
-            <a:off x="3388168" y="520745"/>
-            <a:ext cx="3240000" cy="1576217"/>
-          </a:xfrm>
-          <a:prstGeom prst="roundRect">
-            <a:avLst/>
-          </a:prstGeom>
-          <a:solidFill>
-            <a:srgbClr val="FF0000"/>
-          </a:solidFill>
-          <a:ln w="38100">
-            <a:solidFill>
-              <a:schemeClr val="tx1"/>
-            </a:solidFill>
-          </a:ln>
-        </p:spPr>
-        <p:style>
-          <a:lnRef idx="2">
-            <a:schemeClr val="accent1">
-              <a:shade val="50000"/>
-            </a:schemeClr>
-          </a:lnRef>
-          <a:fillRef idx="1">
-            <a:schemeClr val="accent1"/>
-          </a:fillRef>
-          <a:effectRef idx="0">
-            <a:schemeClr val="accent1"/>
-          </a:effectRef>
-          <a:fontRef idx="minor">
-            <a:schemeClr val="lt1"/>
-          </a:fontRef>
-        </p:style>
-        <p:txBody>
-          <a:bodyPr rtlCol="0" anchor="ctr"/>
-          <a:lstStyle/>
-          <a:p>
-            <a:pPr algn="ctr"/>
-            <a:endParaRPr lang="en-AU" dirty="0"/>
-          </a:p>
-        </p:txBody>
-      </p:sp>
-      <p:sp>
-        <p:nvSpPr>
-          <p:cNvPr id="69" name="Rounded Rectangle 68">
-            <a:extLst>
-              <a:ext uri="{FF2B5EF4-FFF2-40B4-BE49-F238E27FC236}">
-                <a16:creationId xmlns:a16="http://schemas.microsoft.com/office/drawing/2014/main" id="{CFD3DB70-70C9-E441-B794-54A4258EEF9E}"/>
-              </a:ext>
-            </a:extLst>
-          </p:cNvPr>
-          <p:cNvSpPr>
-            <a:spLocks noChangeAspect="1"/>
-          </p:cNvSpPr>
-          <p:nvPr/>
-        </p:nvSpPr>
-        <p:spPr>
-          <a:xfrm>
-            <a:off x="3390324" y="2096962"/>
-            <a:ext cx="3240000" cy="5604325"/>
-          </a:xfrm>
-          <a:prstGeom prst="roundRect">
-            <a:avLst/>
-          </a:prstGeom>
-          <a:noFill/>
-          <a:ln w="38100">
-            <a:solidFill>
-              <a:schemeClr val="tx1"/>
-            </a:solidFill>
-          </a:ln>
-        </p:spPr>
-        <p:style>
-          <a:lnRef idx="2">
-            <a:schemeClr val="accent1">
-              <a:shade val="50000"/>
-            </a:schemeClr>
-          </a:lnRef>
-          <a:fillRef idx="1">
-            <a:schemeClr val="accent1"/>
-          </a:fillRef>
-          <a:effectRef idx="0">
-            <a:schemeClr val="accent1"/>
-          </a:effectRef>
-          <a:fontRef idx="minor">
-            <a:schemeClr val="lt1"/>
-          </a:fontRef>
-        </p:style>
-        <p:txBody>
-          <a:bodyPr rtlCol="0" anchor="ctr"/>
-          <a:lstStyle/>
-          <a:p>
-            <a:pPr algn="ctr"/>
-            <a:endParaRPr lang="en-AU" sz="2400"/>
-          </a:p>
-        </p:txBody>
-      </p:sp>
-      <p:sp>
-        <p:nvSpPr>
-          <p:cNvPr id="70" name="Multiply 69">
-            <a:extLst>
-              <a:ext uri="{FF2B5EF4-FFF2-40B4-BE49-F238E27FC236}">
-                <a16:creationId xmlns:a16="http://schemas.microsoft.com/office/drawing/2014/main" id="{7900FD3F-BBE5-3D4C-9D1F-DC8DBD2EC038}"/>
-              </a:ext>
-            </a:extLst>
-          </p:cNvPr>
-          <p:cNvSpPr/>
-          <p:nvPr/>
-        </p:nvSpPr>
-        <p:spPr>
-          <a:xfrm>
-            <a:off x="4635432" y="5719826"/>
-            <a:ext cx="767443" cy="849086"/>
-          </a:xfrm>
-          <a:prstGeom prst="mathMultiply">
-            <a:avLst/>
-          </a:prstGeom>
-          <a:noFill/>
-        </p:spPr>
-        <p:style>
-          <a:lnRef idx="2">
-            <a:schemeClr val="accent1">
-              <a:shade val="50000"/>
-            </a:schemeClr>
-          </a:lnRef>
-          <a:fillRef idx="1">
-            <a:schemeClr val="accent1"/>
-          </a:fillRef>
-          <a:effectRef idx="0">
-            <a:schemeClr val="accent1"/>
-          </a:effectRef>
-          <a:fontRef idx="minor">
-            <a:schemeClr val="lt1"/>
-          </a:fontRef>
-        </p:style>
-        <p:txBody>
-          <a:bodyPr rtlCol="0" anchor="ctr"/>
-          <a:lstStyle/>
-          <a:p>
-            <a:pPr algn="ctr"/>
-            <a:endParaRPr lang="en-AU" sz="2400"/>
-          </a:p>
-        </p:txBody>
-      </p:sp>
-      <p:sp>
-        <p:nvSpPr>
-          <p:cNvPr id="73" name="TextBox 72">
-            <a:extLst>
-              <a:ext uri="{FF2B5EF4-FFF2-40B4-BE49-F238E27FC236}">
-                <a16:creationId xmlns:a16="http://schemas.microsoft.com/office/drawing/2014/main" id="{761C5194-E733-624D-8669-B68772557622}"/>
-              </a:ext>
-            </a:extLst>
-          </p:cNvPr>
-          <p:cNvSpPr txBox="1"/>
-          <p:nvPr/>
-        </p:nvSpPr>
-        <p:spPr>
-          <a:xfrm>
-            <a:off x="4868203" y="5586333"/>
-            <a:ext cx="699867" cy="461665"/>
-          </a:xfrm>
-          <a:prstGeom prst="rect">
-            <a:avLst/>
-          </a:prstGeom>
-          <a:noFill/>
-        </p:spPr>
-        <p:txBody>
-          <a:bodyPr wrap="square" rtlCol="0">
-            <a:spAutoFit/>
-          </a:bodyPr>
-          <a:lstStyle/>
-          <a:p>
-            <a:r>
-              <a:rPr lang="en-AU" sz="2400" dirty="0">
-                <a:solidFill>
-                  <a:schemeClr val="bg1">
-                    <a:lumMod val="50000"/>
-                  </a:schemeClr>
-                </a:solidFill>
-              </a:rPr>
-              <a:t>O2</a:t>
-            </a:r>
-          </a:p>
-        </p:txBody>
-      </p:sp>
-      <p:sp>
-        <p:nvSpPr>
-          <p:cNvPr id="74" name="TextBox 73">
-            <a:extLst>
-              <a:ext uri="{FF2B5EF4-FFF2-40B4-BE49-F238E27FC236}">
-                <a16:creationId xmlns:a16="http://schemas.microsoft.com/office/drawing/2014/main" id="{55A286E9-0B6F-A64C-B37E-E265D03D3E24}"/>
-              </a:ext>
-            </a:extLst>
-          </p:cNvPr>
-          <p:cNvSpPr txBox="1"/>
-          <p:nvPr/>
-        </p:nvSpPr>
-        <p:spPr>
-          <a:xfrm>
-            <a:off x="4297740" y="4402024"/>
-            <a:ext cx="609705" cy="461665"/>
-          </a:xfrm>
-          <a:prstGeom prst="rect">
-            <a:avLst/>
-          </a:prstGeom>
-          <a:solidFill>
-            <a:schemeClr val="tx1"/>
-          </a:solidFill>
-        </p:spPr>
-        <p:txBody>
-          <a:bodyPr wrap="square" rtlCol="0">
-            <a:spAutoFit/>
-          </a:bodyPr>
-          <a:lstStyle/>
-          <a:p>
-            <a:r>
-              <a:rPr lang="en-AU" sz="2400" dirty="0">
-                <a:solidFill>
-                  <a:schemeClr val="bg1"/>
-                </a:solidFill>
-              </a:rPr>
-              <a:t>O1</a:t>
-            </a:r>
-          </a:p>
-        </p:txBody>
-      </p:sp>
-      <p:sp>
-        <p:nvSpPr>
-          <p:cNvPr id="75" name="TextBox 74">
-            <a:extLst>
-              <a:ext uri="{FF2B5EF4-FFF2-40B4-BE49-F238E27FC236}">
-                <a16:creationId xmlns:a16="http://schemas.microsoft.com/office/drawing/2014/main" id="{3184E9A8-0053-CC40-A9A2-D370E6AB3B20}"/>
-              </a:ext>
-            </a:extLst>
-          </p:cNvPr>
-          <p:cNvSpPr txBox="1"/>
-          <p:nvPr/>
-        </p:nvSpPr>
-        <p:spPr>
-          <a:xfrm>
-            <a:off x="4886540" y="5309695"/>
-            <a:ext cx="756050" cy="461665"/>
-          </a:xfrm>
-          <a:prstGeom prst="rect">
-            <a:avLst/>
-          </a:prstGeom>
-          <a:noFill/>
-        </p:spPr>
-        <p:txBody>
-          <a:bodyPr wrap="square" rtlCol="0">
-            <a:spAutoFit/>
-          </a:bodyPr>
-          <a:lstStyle/>
-          <a:p>
-            <a:r>
-              <a:rPr lang="en-AU" sz="2400" dirty="0">
-                <a:solidFill>
-                  <a:schemeClr val="bg1">
-                    <a:lumMod val="50000"/>
-                  </a:schemeClr>
-                </a:solidFill>
-              </a:rPr>
-              <a:t>O3</a:t>
-            </a:r>
-          </a:p>
-        </p:txBody>
-      </p:sp>
-      <p:sp>
-        <p:nvSpPr>
-          <p:cNvPr id="76" name="TextBox 75">
-            <a:extLst>
-              <a:ext uri="{FF2B5EF4-FFF2-40B4-BE49-F238E27FC236}">
-                <a16:creationId xmlns:a16="http://schemas.microsoft.com/office/drawing/2014/main" id="{A7411F95-5313-9D4D-803B-51FB934DBE1C}"/>
-              </a:ext>
-            </a:extLst>
-          </p:cNvPr>
-          <p:cNvSpPr txBox="1"/>
-          <p:nvPr/>
-        </p:nvSpPr>
-        <p:spPr>
-          <a:xfrm>
-            <a:off x="5496847" y="6213415"/>
-            <a:ext cx="671812" cy="461665"/>
-          </a:xfrm>
-          <a:prstGeom prst="rect">
-            <a:avLst/>
-          </a:prstGeom>
-          <a:noFill/>
-        </p:spPr>
-        <p:txBody>
-          <a:bodyPr wrap="square" rtlCol="0">
-            <a:spAutoFit/>
-          </a:bodyPr>
-          <a:lstStyle/>
-          <a:p>
-            <a:r>
-              <a:rPr lang="en-AU" sz="2400" dirty="0">
-                <a:solidFill>
-                  <a:schemeClr val="bg1">
-                    <a:lumMod val="50000"/>
-                  </a:schemeClr>
-                </a:solidFill>
-              </a:rPr>
-              <a:t>O4</a:t>
-            </a:r>
-          </a:p>
-        </p:txBody>
-      </p:sp>
-      <p:sp>
-        <p:nvSpPr>
-          <p:cNvPr id="79" name="TextBox 78">
-            <a:extLst>
-              <a:ext uri="{FF2B5EF4-FFF2-40B4-BE49-F238E27FC236}">
-                <a16:creationId xmlns:a16="http://schemas.microsoft.com/office/drawing/2014/main" id="{1F9A94D2-ECE2-BA4F-8A60-56F2AE5D4EC6}"/>
-              </a:ext>
-            </a:extLst>
-          </p:cNvPr>
-          <p:cNvSpPr txBox="1"/>
-          <p:nvPr/>
-        </p:nvSpPr>
-        <p:spPr>
-          <a:xfrm>
-            <a:off x="4345669" y="4797384"/>
-            <a:ext cx="753616" cy="461665"/>
-          </a:xfrm>
-          <a:prstGeom prst="rect">
-            <a:avLst/>
-          </a:prstGeom>
-          <a:noFill/>
-        </p:spPr>
-        <p:txBody>
-          <a:bodyPr wrap="square" rtlCol="0">
-            <a:spAutoFit/>
-          </a:bodyPr>
-          <a:lstStyle/>
-          <a:p>
-            <a:r>
-              <a:rPr lang="en-AU" sz="2400" dirty="0">
-                <a:solidFill>
-                  <a:srgbClr val="0070C0"/>
-                </a:solidFill>
-              </a:rPr>
-              <a:t>D8</a:t>
-            </a:r>
-          </a:p>
-        </p:txBody>
-      </p:sp>
-      <p:sp>
-        <p:nvSpPr>
-          <p:cNvPr id="80" name="TextBox 79">
-            <a:extLst>
-              <a:ext uri="{FF2B5EF4-FFF2-40B4-BE49-F238E27FC236}">
-                <a16:creationId xmlns:a16="http://schemas.microsoft.com/office/drawing/2014/main" id="{1BC67D3A-89A9-DE48-A015-3ABFAFE02101}"/>
-              </a:ext>
-            </a:extLst>
-          </p:cNvPr>
-          <p:cNvSpPr txBox="1"/>
-          <p:nvPr/>
-        </p:nvSpPr>
-        <p:spPr>
-          <a:xfrm>
-            <a:off x="4358026" y="5756380"/>
-            <a:ext cx="594452" cy="461665"/>
-          </a:xfrm>
-          <a:prstGeom prst="rect">
-            <a:avLst/>
-          </a:prstGeom>
-          <a:noFill/>
-        </p:spPr>
-        <p:txBody>
-          <a:bodyPr wrap="square" rtlCol="0">
-            <a:spAutoFit/>
-          </a:bodyPr>
-          <a:lstStyle/>
-          <a:p>
-            <a:r>
-              <a:rPr lang="en-AU" sz="2400" dirty="0">
-                <a:solidFill>
-                  <a:srgbClr val="0070C0"/>
-                </a:solidFill>
-              </a:rPr>
-              <a:t>D9</a:t>
-            </a:r>
-          </a:p>
-        </p:txBody>
-      </p:sp>
-      <p:sp>
-        <p:nvSpPr>
-          <p:cNvPr id="81" name="TextBox 80">
-            <a:extLst>
-              <a:ext uri="{FF2B5EF4-FFF2-40B4-BE49-F238E27FC236}">
-                <a16:creationId xmlns:a16="http://schemas.microsoft.com/office/drawing/2014/main" id="{9AB584F0-255C-0341-88AD-EC3B6C10519A}"/>
-              </a:ext>
-            </a:extLst>
-          </p:cNvPr>
-          <p:cNvSpPr txBox="1"/>
-          <p:nvPr/>
-        </p:nvSpPr>
-        <p:spPr>
-          <a:xfrm>
-            <a:off x="4372695" y="5350521"/>
-            <a:ext cx="797106" cy="461665"/>
-          </a:xfrm>
-          <a:prstGeom prst="rect">
-            <a:avLst/>
-          </a:prstGeom>
-          <a:noFill/>
-        </p:spPr>
-        <p:txBody>
-          <a:bodyPr wrap="square" rtlCol="0">
-            <a:spAutoFit/>
-          </a:bodyPr>
-          <a:lstStyle/>
-          <a:p>
-            <a:r>
-              <a:rPr lang="en-AU" sz="2400" dirty="0">
-                <a:solidFill>
-                  <a:srgbClr val="0070C0"/>
-                </a:solidFill>
-              </a:rPr>
-              <a:t>D10</a:t>
-            </a:r>
-          </a:p>
-        </p:txBody>
-      </p:sp>
-      <p:sp>
-        <p:nvSpPr>
-          <p:cNvPr id="82" name="TextBox 81">
-            <a:extLst>
-              <a:ext uri="{FF2B5EF4-FFF2-40B4-BE49-F238E27FC236}">
-                <a16:creationId xmlns:a16="http://schemas.microsoft.com/office/drawing/2014/main" id="{8E2A23C4-5F23-2A46-9429-F446037E9B19}"/>
-              </a:ext>
-            </a:extLst>
-          </p:cNvPr>
-          <p:cNvSpPr txBox="1"/>
-          <p:nvPr/>
-        </p:nvSpPr>
-        <p:spPr>
-          <a:xfrm>
-            <a:off x="5434149" y="5975189"/>
-            <a:ext cx="741021" cy="461665"/>
-          </a:xfrm>
-          <a:prstGeom prst="rect">
-            <a:avLst/>
-          </a:prstGeom>
-          <a:noFill/>
-        </p:spPr>
-        <p:txBody>
-          <a:bodyPr wrap="square" rtlCol="0">
-            <a:spAutoFit/>
-          </a:bodyPr>
-          <a:lstStyle/>
-          <a:p>
-            <a:r>
-              <a:rPr lang="en-AU" sz="2400" dirty="0">
-                <a:solidFill>
-                  <a:srgbClr val="0070C0"/>
-                </a:solidFill>
-              </a:rPr>
-              <a:t>D11</a:t>
-            </a:r>
-          </a:p>
-        </p:txBody>
-      </p:sp>
-      <p:sp>
-        <p:nvSpPr>
-          <p:cNvPr id="86" name="Oval 85">
-            <a:extLst>
-              <a:ext uri="{FF2B5EF4-FFF2-40B4-BE49-F238E27FC236}">
-                <a16:creationId xmlns:a16="http://schemas.microsoft.com/office/drawing/2014/main" id="{C028FA8D-DC89-6C42-8B29-5193C52F0AF0}"/>
-              </a:ext>
-            </a:extLst>
-          </p:cNvPr>
-          <p:cNvSpPr/>
-          <p:nvPr/>
-        </p:nvSpPr>
-        <p:spPr>
-          <a:xfrm>
-            <a:off x="4197663" y="4797593"/>
-            <a:ext cx="180000" cy="180000"/>
-          </a:xfrm>
-          <a:prstGeom prst="ellipse">
-            <a:avLst/>
-          </a:prstGeom>
-          <a:solidFill>
-            <a:schemeClr val="tx1"/>
-          </a:solidFill>
-        </p:spPr>
-        <p:style>
-          <a:lnRef idx="2">
-            <a:schemeClr val="accent1">
-              <a:shade val="50000"/>
-            </a:schemeClr>
-          </a:lnRef>
-          <a:fillRef idx="1">
-            <a:schemeClr val="accent1"/>
-          </a:fillRef>
-          <a:effectRef idx="0">
-            <a:schemeClr val="accent1"/>
-          </a:effectRef>
-          <a:fontRef idx="minor">
-            <a:schemeClr val="lt1"/>
-          </a:fontRef>
-        </p:style>
-        <p:txBody>
-          <a:bodyPr rtlCol="0" anchor="ctr"/>
-          <a:lstStyle/>
-          <a:p>
-            <a:pPr algn="ctr"/>
-            <a:endParaRPr lang="en-AU" sz="2400"/>
-          </a:p>
-        </p:txBody>
-      </p:sp>
-      <p:sp>
-        <p:nvSpPr>
-          <p:cNvPr id="90" name="TextBox 89">
-            <a:extLst>
-              <a:ext uri="{FF2B5EF4-FFF2-40B4-BE49-F238E27FC236}">
-                <a16:creationId xmlns:a16="http://schemas.microsoft.com/office/drawing/2014/main" id="{7BAD1B6F-3C55-EF4F-BF07-072C388DEA31}"/>
-              </a:ext>
-            </a:extLst>
-          </p:cNvPr>
-          <p:cNvSpPr txBox="1"/>
-          <p:nvPr/>
-        </p:nvSpPr>
-        <p:spPr>
-          <a:xfrm>
-            <a:off x="3870096" y="5477658"/>
-            <a:ext cx="475573" cy="461665"/>
-          </a:xfrm>
-          <a:prstGeom prst="rect">
-            <a:avLst/>
-          </a:prstGeom>
-          <a:solidFill>
-            <a:schemeClr val="bg1">
-              <a:lumMod val="50000"/>
-            </a:schemeClr>
-          </a:solidFill>
-        </p:spPr>
-        <p:txBody>
-          <a:bodyPr wrap="square" rtlCol="0">
-            <a:spAutoFit/>
-          </a:bodyPr>
-          <a:lstStyle/>
-          <a:p>
-            <a:pPr algn="ctr"/>
-            <a:r>
-              <a:rPr lang="en-AU" sz="2400" dirty="0">
-                <a:solidFill>
-                  <a:schemeClr val="bg1"/>
-                </a:solidFill>
-              </a:rPr>
-              <a:t>C’</a:t>
-            </a:r>
-          </a:p>
-        </p:txBody>
-      </p:sp>
-      <p:cxnSp>
-        <p:nvCxnSpPr>
-          <p:cNvPr id="93" name="Straight Arrow Connector 92">
-            <a:extLst>
-              <a:ext uri="{FF2B5EF4-FFF2-40B4-BE49-F238E27FC236}">
-                <a16:creationId xmlns:a16="http://schemas.microsoft.com/office/drawing/2014/main" id="{36518358-E508-8E48-ACD9-E78B6FF708FA}"/>
-              </a:ext>
-            </a:extLst>
-          </p:cNvPr>
-          <p:cNvCxnSpPr>
-            <a:cxnSpLocks/>
-          </p:cNvCxnSpPr>
-          <p:nvPr/>
-        </p:nvCxnSpPr>
-        <p:spPr>
-          <a:xfrm flipH="1">
-            <a:off x="6290417" y="3756682"/>
-            <a:ext cx="17344" cy="1161628"/>
-          </a:xfrm>
-          <a:prstGeom prst="straightConnector1">
-            <a:avLst/>
-          </a:prstGeom>
-          <a:ln w="60325">
-            <a:solidFill>
-              <a:schemeClr val="bg1">
-                <a:lumMod val="50000"/>
-              </a:schemeClr>
-            </a:solidFill>
-            <a:tailEnd type="triangle"/>
-          </a:ln>
-        </p:spPr>
-        <p:style>
-          <a:lnRef idx="1">
-            <a:schemeClr val="accent1"/>
-          </a:lnRef>
-          <a:fillRef idx="0">
-            <a:schemeClr val="accent1"/>
-          </a:fillRef>
-          <a:effectRef idx="0">
-            <a:schemeClr val="accent1"/>
-          </a:effectRef>
-          <a:fontRef idx="minor">
-            <a:schemeClr val="tx1"/>
-          </a:fontRef>
-        </p:style>
-      </p:cxnSp>
       <p:sp>
         <p:nvSpPr>
           <p:cNvPr id="97" name="TextBox 96">
@@ -8861,427 +8101,6 @@
               <a:srgbClr val="00B050"/>
             </a:solidFill>
             <a:headEnd type="stealth" w="lg" len="lg"/>
-          </a:ln>
-        </p:spPr>
-        <p:style>
-          <a:lnRef idx="1">
-            <a:schemeClr val="accent1"/>
-          </a:lnRef>
-          <a:fillRef idx="0">
-            <a:schemeClr val="accent1"/>
-          </a:fillRef>
-          <a:effectRef idx="0">
-            <a:schemeClr val="accent1"/>
-          </a:effectRef>
-          <a:fontRef idx="minor">
-            <a:schemeClr val="tx1"/>
-          </a:fontRef>
-        </p:style>
-      </p:cxnSp>
-      <p:sp>
-        <p:nvSpPr>
-          <p:cNvPr id="100" name="TextBox 99">
-            <a:extLst>
-              <a:ext uri="{FF2B5EF4-FFF2-40B4-BE49-F238E27FC236}">
-                <a16:creationId xmlns:a16="http://schemas.microsoft.com/office/drawing/2014/main" id="{A76B80E7-C758-D641-99C6-169214AFE49B}"/>
-              </a:ext>
-            </a:extLst>
-          </p:cNvPr>
-          <p:cNvSpPr txBox="1"/>
-          <p:nvPr/>
-        </p:nvSpPr>
-        <p:spPr>
-          <a:xfrm>
-            <a:off x="5881333" y="5473056"/>
-            <a:ext cx="449267" cy="461665"/>
-          </a:xfrm>
-          <a:prstGeom prst="rect">
-            <a:avLst/>
-          </a:prstGeom>
-          <a:solidFill>
-            <a:schemeClr val="bg1">
-              <a:lumMod val="50000"/>
-            </a:schemeClr>
-          </a:solidFill>
-        </p:spPr>
-        <p:txBody>
-          <a:bodyPr wrap="square" rtlCol="0">
-            <a:spAutoFit/>
-          </a:bodyPr>
-          <a:lstStyle/>
-          <a:p>
-            <a:pPr algn="ctr"/>
-            <a:r>
-              <a:rPr lang="en-AU" sz="2400" dirty="0">
-                <a:solidFill>
-                  <a:schemeClr val="bg1"/>
-                </a:solidFill>
-              </a:rPr>
-              <a:t>D’</a:t>
-            </a:r>
-          </a:p>
-        </p:txBody>
-      </p:sp>
-      <p:sp>
-        <p:nvSpPr>
-          <p:cNvPr id="108" name="Multiply 107">
-            <a:extLst>
-              <a:ext uri="{FF2B5EF4-FFF2-40B4-BE49-F238E27FC236}">
-                <a16:creationId xmlns:a16="http://schemas.microsoft.com/office/drawing/2014/main" id="{A154A302-FE54-214A-A2AF-58CCA25F1DA3}"/>
-              </a:ext>
-            </a:extLst>
-          </p:cNvPr>
-          <p:cNvSpPr/>
-          <p:nvPr/>
-        </p:nvSpPr>
-        <p:spPr>
-          <a:xfrm>
-            <a:off x="4598800" y="3118503"/>
-            <a:ext cx="948581" cy="951904"/>
-          </a:xfrm>
-          <a:prstGeom prst="mathMultiply">
-            <a:avLst/>
-          </a:prstGeom>
-          <a:noFill/>
-        </p:spPr>
-        <p:style>
-          <a:lnRef idx="2">
-            <a:schemeClr val="accent1">
-              <a:shade val="50000"/>
-            </a:schemeClr>
-          </a:lnRef>
-          <a:fillRef idx="1">
-            <a:schemeClr val="accent1"/>
-          </a:fillRef>
-          <a:effectRef idx="0">
-            <a:schemeClr val="accent1"/>
-          </a:effectRef>
-          <a:fontRef idx="minor">
-            <a:schemeClr val="lt1"/>
-          </a:fontRef>
-        </p:style>
-        <p:txBody>
-          <a:bodyPr rtlCol="0" anchor="ctr"/>
-          <a:lstStyle/>
-          <a:p>
-            <a:pPr algn="ctr"/>
-            <a:endParaRPr lang="en-AU" sz="2400"/>
-          </a:p>
-        </p:txBody>
-      </p:sp>
-      <p:sp>
-        <p:nvSpPr>
-          <p:cNvPr id="109" name="TextBox 108">
-            <a:extLst>
-              <a:ext uri="{FF2B5EF4-FFF2-40B4-BE49-F238E27FC236}">
-                <a16:creationId xmlns:a16="http://schemas.microsoft.com/office/drawing/2014/main" id="{A499ABCE-4EBA-CC49-B107-5DCAEC4F8447}"/>
-              </a:ext>
-            </a:extLst>
-          </p:cNvPr>
-          <p:cNvSpPr txBox="1"/>
-          <p:nvPr/>
-        </p:nvSpPr>
-        <p:spPr>
-          <a:xfrm>
-            <a:off x="4800489" y="3374045"/>
-            <a:ext cx="843406" cy="463885"/>
-          </a:xfrm>
-          <a:prstGeom prst="rect">
-            <a:avLst/>
-          </a:prstGeom>
-          <a:noFill/>
-        </p:spPr>
-        <p:txBody>
-          <a:bodyPr wrap="square" rtlCol="0">
-            <a:spAutoFit/>
-          </a:bodyPr>
-          <a:lstStyle/>
-          <a:p>
-            <a:r>
-              <a:rPr lang="en-AU" sz="2400" dirty="0">
-                <a:solidFill>
-                  <a:schemeClr val="bg1">
-                    <a:lumMod val="50000"/>
-                  </a:schemeClr>
-                </a:solidFill>
-              </a:rPr>
-              <a:t>O6</a:t>
-            </a:r>
-          </a:p>
-        </p:txBody>
-      </p:sp>
-      <p:sp>
-        <p:nvSpPr>
-          <p:cNvPr id="114" name="TextBox 113">
-            <a:extLst>
-              <a:ext uri="{FF2B5EF4-FFF2-40B4-BE49-F238E27FC236}">
-                <a16:creationId xmlns:a16="http://schemas.microsoft.com/office/drawing/2014/main" id="{414D4663-30F0-BD40-859E-3D7CD6B4CC16}"/>
-              </a:ext>
-            </a:extLst>
-          </p:cNvPr>
-          <p:cNvSpPr txBox="1"/>
-          <p:nvPr/>
-        </p:nvSpPr>
-        <p:spPr>
-          <a:xfrm>
-            <a:off x="3604458" y="2661098"/>
-            <a:ext cx="762342" cy="461665"/>
-          </a:xfrm>
-          <a:prstGeom prst="rect">
-            <a:avLst/>
-          </a:prstGeom>
-          <a:noFill/>
-        </p:spPr>
-        <p:txBody>
-          <a:bodyPr wrap="square" rtlCol="0">
-            <a:spAutoFit/>
-          </a:bodyPr>
-          <a:lstStyle/>
-          <a:p>
-            <a:r>
-              <a:rPr lang="en-AU" sz="2400" dirty="0">
-                <a:solidFill>
-                  <a:schemeClr val="bg1">
-                    <a:lumMod val="50000"/>
-                  </a:schemeClr>
-                </a:solidFill>
-              </a:rPr>
-              <a:t>O7</a:t>
-            </a:r>
-          </a:p>
-        </p:txBody>
-      </p:sp>
-      <p:sp>
-        <p:nvSpPr>
-          <p:cNvPr id="115" name="TextBox 114">
-            <a:extLst>
-              <a:ext uri="{FF2B5EF4-FFF2-40B4-BE49-F238E27FC236}">
-                <a16:creationId xmlns:a16="http://schemas.microsoft.com/office/drawing/2014/main" id="{C140453F-1631-FD42-A5D7-7EF5936DC1D4}"/>
-              </a:ext>
-            </a:extLst>
-          </p:cNvPr>
-          <p:cNvSpPr txBox="1"/>
-          <p:nvPr/>
-        </p:nvSpPr>
-        <p:spPr>
-          <a:xfrm>
-            <a:off x="5686341" y="3509808"/>
-            <a:ext cx="703537" cy="461665"/>
-          </a:xfrm>
-          <a:prstGeom prst="rect">
-            <a:avLst/>
-          </a:prstGeom>
-          <a:noFill/>
-        </p:spPr>
-        <p:txBody>
-          <a:bodyPr wrap="square" rtlCol="0">
-            <a:spAutoFit/>
-          </a:bodyPr>
-          <a:lstStyle/>
-          <a:p>
-            <a:r>
-              <a:rPr lang="en-AU" sz="2400" dirty="0">
-                <a:solidFill>
-                  <a:srgbClr val="0070C0"/>
-                </a:solidFill>
-              </a:rPr>
-              <a:t>D12</a:t>
-            </a:r>
-          </a:p>
-        </p:txBody>
-      </p:sp>
-      <p:sp>
-        <p:nvSpPr>
-          <p:cNvPr id="116" name="TextBox 115">
-            <a:extLst>
-              <a:ext uri="{FF2B5EF4-FFF2-40B4-BE49-F238E27FC236}">
-                <a16:creationId xmlns:a16="http://schemas.microsoft.com/office/drawing/2014/main" id="{E256800B-CA88-184C-BB52-F6B53B174DDF}"/>
-              </a:ext>
-            </a:extLst>
-          </p:cNvPr>
-          <p:cNvSpPr txBox="1"/>
-          <p:nvPr/>
-        </p:nvSpPr>
-        <p:spPr>
-          <a:xfrm>
-            <a:off x="4937204" y="3813701"/>
-            <a:ext cx="731983" cy="461665"/>
-          </a:xfrm>
-          <a:prstGeom prst="rect">
-            <a:avLst/>
-          </a:prstGeom>
-          <a:noFill/>
-        </p:spPr>
-        <p:txBody>
-          <a:bodyPr wrap="square" rtlCol="0">
-            <a:spAutoFit/>
-          </a:bodyPr>
-          <a:lstStyle/>
-          <a:p>
-            <a:r>
-              <a:rPr lang="en-AU" sz="2400" dirty="0">
-                <a:solidFill>
-                  <a:srgbClr val="0070C0"/>
-                </a:solidFill>
-              </a:rPr>
-              <a:t>D13</a:t>
-            </a:r>
-          </a:p>
-        </p:txBody>
-      </p:sp>
-      <p:sp>
-        <p:nvSpPr>
-          <p:cNvPr id="117" name="TextBox 116">
-            <a:extLst>
-              <a:ext uri="{FF2B5EF4-FFF2-40B4-BE49-F238E27FC236}">
-                <a16:creationId xmlns:a16="http://schemas.microsoft.com/office/drawing/2014/main" id="{C1ACF8CC-6834-9841-9955-D90F1869B9F4}"/>
-              </a:ext>
-            </a:extLst>
-          </p:cNvPr>
-          <p:cNvSpPr txBox="1"/>
-          <p:nvPr/>
-        </p:nvSpPr>
-        <p:spPr>
-          <a:xfrm>
-            <a:off x="3629699" y="2962759"/>
-            <a:ext cx="948581" cy="461665"/>
-          </a:xfrm>
-          <a:prstGeom prst="rect">
-            <a:avLst/>
-          </a:prstGeom>
-          <a:noFill/>
-        </p:spPr>
-        <p:txBody>
-          <a:bodyPr wrap="square" rtlCol="0">
-            <a:spAutoFit/>
-          </a:bodyPr>
-          <a:lstStyle/>
-          <a:p>
-            <a:r>
-              <a:rPr lang="en-AU" sz="2400" dirty="0">
-                <a:solidFill>
-                  <a:srgbClr val="0070C0"/>
-                </a:solidFill>
-              </a:rPr>
-              <a:t>D14</a:t>
-            </a:r>
-          </a:p>
-        </p:txBody>
-      </p:sp>
-      <p:cxnSp>
-        <p:nvCxnSpPr>
-          <p:cNvPr id="120" name="Straight Connector 119">
-            <a:extLst>
-              <a:ext uri="{FF2B5EF4-FFF2-40B4-BE49-F238E27FC236}">
-                <a16:creationId xmlns:a16="http://schemas.microsoft.com/office/drawing/2014/main" id="{6B380128-8284-D541-B154-8FD6FF6E0430}"/>
-              </a:ext>
-            </a:extLst>
-          </p:cNvPr>
-          <p:cNvCxnSpPr>
-            <a:cxnSpLocks/>
-          </p:cNvCxnSpPr>
-          <p:nvPr/>
-        </p:nvCxnSpPr>
-        <p:spPr>
-          <a:xfrm flipV="1">
-            <a:off x="3381699" y="4183033"/>
-            <a:ext cx="3240000" cy="0"/>
-          </a:xfrm>
-          <a:prstGeom prst="line">
-            <a:avLst/>
-          </a:prstGeom>
-          <a:ln w="38100">
-            <a:solidFill>
-              <a:schemeClr val="accent2"/>
-            </a:solidFill>
-            <a:prstDash val="sysDash"/>
-          </a:ln>
-        </p:spPr>
-        <p:style>
-          <a:lnRef idx="1">
-            <a:schemeClr val="accent1"/>
-          </a:lnRef>
-          <a:fillRef idx="0">
-            <a:schemeClr val="accent1"/>
-          </a:fillRef>
-          <a:effectRef idx="0">
-            <a:schemeClr val="accent1"/>
-          </a:effectRef>
-          <a:fontRef idx="minor">
-            <a:schemeClr val="tx1"/>
-          </a:fontRef>
-        </p:style>
-      </p:cxnSp>
-      <p:sp>
-        <p:nvSpPr>
-          <p:cNvPr id="121" name="TextBox 120">
-            <a:extLst>
-              <a:ext uri="{FF2B5EF4-FFF2-40B4-BE49-F238E27FC236}">
-                <a16:creationId xmlns:a16="http://schemas.microsoft.com/office/drawing/2014/main" id="{D9B29F01-163D-D944-95CB-9501566424EE}"/>
-              </a:ext>
-            </a:extLst>
-          </p:cNvPr>
-          <p:cNvSpPr txBox="1"/>
-          <p:nvPr/>
-        </p:nvSpPr>
-        <p:spPr>
-          <a:xfrm>
-            <a:off x="5971486" y="3296872"/>
-            <a:ext cx="609575" cy="461665"/>
-          </a:xfrm>
-          <a:prstGeom prst="rect">
-            <a:avLst/>
-          </a:prstGeom>
-          <a:noFill/>
-        </p:spPr>
-        <p:txBody>
-          <a:bodyPr wrap="square" rtlCol="0">
-            <a:spAutoFit/>
-          </a:bodyPr>
-          <a:lstStyle/>
-          <a:p>
-            <a:r>
-              <a:rPr lang="en-AU" sz="2400" dirty="0">
-                <a:solidFill>
-                  <a:schemeClr val="bg1">
-                    <a:lumMod val="50000"/>
-                  </a:schemeClr>
-                </a:solidFill>
-              </a:rPr>
-              <a:t>O5</a:t>
-            </a:r>
-          </a:p>
-        </p:txBody>
-      </p:sp>
-      <p:cxnSp>
-        <p:nvCxnSpPr>
-          <p:cNvPr id="122" name="Straight Arrow Connector 121">
-            <a:extLst>
-              <a:ext uri="{FF2B5EF4-FFF2-40B4-BE49-F238E27FC236}">
-                <a16:creationId xmlns:a16="http://schemas.microsoft.com/office/drawing/2014/main" id="{7E20D340-354F-8C49-AFA6-6F1587A745DE}"/>
-              </a:ext>
-            </a:extLst>
-          </p:cNvPr>
-          <p:cNvCxnSpPr>
-            <a:cxnSpLocks/>
-          </p:cNvCxnSpPr>
-          <p:nvPr/>
-        </p:nvCxnSpPr>
-        <p:spPr>
-          <a:xfrm flipH="1">
-            <a:off x="3722553" y="3684445"/>
-            <a:ext cx="1184892" cy="934286"/>
-          </a:xfrm>
-          <a:prstGeom prst="straightConnector1">
-            <a:avLst/>
-          </a:prstGeom>
-          <a:ln w="60325">
-            <a:solidFill>
-              <a:schemeClr val="bg1">
-                <a:lumMod val="50000"/>
-              </a:schemeClr>
-            </a:solidFill>
-            <a:tailEnd type="triangle"/>
           </a:ln>
         </p:spPr>
         <p:style>
@@ -9343,283 +8162,6 @@
           </a:fontRef>
         </p:style>
       </p:cxnSp>
-      <p:sp>
-        <p:nvSpPr>
-          <p:cNvPr id="125" name="TextBox 124">
-            <a:extLst>
-              <a:ext uri="{FF2B5EF4-FFF2-40B4-BE49-F238E27FC236}">
-                <a16:creationId xmlns:a16="http://schemas.microsoft.com/office/drawing/2014/main" id="{7508D576-8CC4-084F-96A4-E8DDF1A02446}"/>
-              </a:ext>
-            </a:extLst>
-          </p:cNvPr>
-          <p:cNvSpPr txBox="1"/>
-          <p:nvPr/>
-        </p:nvSpPr>
-        <p:spPr>
-          <a:xfrm>
-            <a:off x="6001878" y="8702244"/>
-            <a:ext cx="404594" cy="461665"/>
-          </a:xfrm>
-          <a:prstGeom prst="rect">
-            <a:avLst/>
-          </a:prstGeom>
-          <a:solidFill>
-            <a:schemeClr val="bg1">
-              <a:lumMod val="50000"/>
-            </a:schemeClr>
-          </a:solidFill>
-        </p:spPr>
-        <p:txBody>
-          <a:bodyPr wrap="square" rtlCol="0">
-            <a:spAutoFit/>
-          </a:bodyPr>
-          <a:lstStyle/>
-          <a:p>
-            <a:pPr algn="ctr"/>
-            <a:r>
-              <a:rPr lang="en-AU" sz="2400" dirty="0">
-                <a:solidFill>
-                  <a:schemeClr val="bg1"/>
-                </a:solidFill>
-              </a:rPr>
-              <a:t>A</a:t>
-            </a:r>
-          </a:p>
-        </p:txBody>
-      </p:sp>
-      <p:sp>
-        <p:nvSpPr>
-          <p:cNvPr id="126" name="TextBox 125">
-            <a:extLst>
-              <a:ext uri="{FF2B5EF4-FFF2-40B4-BE49-F238E27FC236}">
-                <a16:creationId xmlns:a16="http://schemas.microsoft.com/office/drawing/2014/main" id="{63ABDDF3-8962-A84B-8C73-4AF960C371E7}"/>
-              </a:ext>
-            </a:extLst>
-          </p:cNvPr>
-          <p:cNvSpPr txBox="1"/>
-          <p:nvPr/>
-        </p:nvSpPr>
-        <p:spPr>
-          <a:xfrm>
-            <a:off x="3440398" y="8702244"/>
-            <a:ext cx="435536" cy="466759"/>
-          </a:xfrm>
-          <a:prstGeom prst="rect">
-            <a:avLst/>
-          </a:prstGeom>
-          <a:solidFill>
-            <a:schemeClr val="bg1">
-              <a:lumMod val="50000"/>
-            </a:schemeClr>
-          </a:solidFill>
-        </p:spPr>
-        <p:txBody>
-          <a:bodyPr wrap="square" rtlCol="0">
-            <a:spAutoFit/>
-          </a:bodyPr>
-          <a:lstStyle/>
-          <a:p>
-            <a:pPr algn="ctr"/>
-            <a:r>
-              <a:rPr lang="en-AU" sz="2400" dirty="0">
-                <a:solidFill>
-                  <a:schemeClr val="bg1"/>
-                </a:solidFill>
-              </a:rPr>
-              <a:t>B</a:t>
-            </a:r>
-          </a:p>
-        </p:txBody>
-      </p:sp>
-      <p:cxnSp>
-        <p:nvCxnSpPr>
-          <p:cNvPr id="78" name="Straight Arrow Connector 77">
-            <a:extLst>
-              <a:ext uri="{FF2B5EF4-FFF2-40B4-BE49-F238E27FC236}">
-                <a16:creationId xmlns:a16="http://schemas.microsoft.com/office/drawing/2014/main" id="{3F7D8BB9-BF4D-3A41-96CB-0CC4D2F4F242}"/>
-              </a:ext>
-            </a:extLst>
-          </p:cNvPr>
-          <p:cNvCxnSpPr>
-            <a:cxnSpLocks/>
-            <a:stCxn id="76" idx="2"/>
-          </p:cNvCxnSpPr>
-          <p:nvPr/>
-        </p:nvCxnSpPr>
-        <p:spPr>
-          <a:xfrm>
-            <a:off x="5832753" y="6675080"/>
-            <a:ext cx="120857" cy="889275"/>
-          </a:xfrm>
-          <a:prstGeom prst="straightConnector1">
-            <a:avLst/>
-          </a:prstGeom>
-          <a:ln w="60325">
-            <a:solidFill>
-              <a:schemeClr val="tx1"/>
-            </a:solidFill>
-            <a:tailEnd type="triangle"/>
-          </a:ln>
-        </p:spPr>
-        <p:style>
-          <a:lnRef idx="1">
-            <a:schemeClr val="accent1"/>
-          </a:lnRef>
-          <a:fillRef idx="0">
-            <a:schemeClr val="accent1"/>
-          </a:fillRef>
-          <a:effectRef idx="0">
-            <a:schemeClr val="accent1"/>
-          </a:effectRef>
-          <a:fontRef idx="minor">
-            <a:schemeClr val="tx1"/>
-          </a:fontRef>
-        </p:style>
-      </p:cxnSp>
-      <p:cxnSp>
-        <p:nvCxnSpPr>
-          <p:cNvPr id="83" name="Straight Arrow Connector 82">
-            <a:extLst>
-              <a:ext uri="{FF2B5EF4-FFF2-40B4-BE49-F238E27FC236}">
-                <a16:creationId xmlns:a16="http://schemas.microsoft.com/office/drawing/2014/main" id="{1186C041-FACE-664E-BC19-E498BD630FAC}"/>
-              </a:ext>
-            </a:extLst>
-          </p:cNvPr>
-          <p:cNvCxnSpPr>
-            <a:cxnSpLocks/>
-            <a:endCxn id="90" idx="2"/>
-          </p:cNvCxnSpPr>
-          <p:nvPr/>
-        </p:nvCxnSpPr>
-        <p:spPr>
-          <a:xfrm flipH="1" flipV="1">
-            <a:off x="4107883" y="5939323"/>
-            <a:ext cx="1723416" cy="1580930"/>
-          </a:xfrm>
-          <a:prstGeom prst="straightConnector1">
-            <a:avLst/>
-          </a:prstGeom>
-          <a:ln w="60325">
-            <a:solidFill>
-              <a:schemeClr val="tx1"/>
-            </a:solidFill>
-            <a:tailEnd type="triangle"/>
-          </a:ln>
-        </p:spPr>
-        <p:style>
-          <a:lnRef idx="1">
-            <a:schemeClr val="accent1"/>
-          </a:lnRef>
-          <a:fillRef idx="0">
-            <a:schemeClr val="accent1"/>
-          </a:fillRef>
-          <a:effectRef idx="0">
-            <a:schemeClr val="accent1"/>
-          </a:effectRef>
-          <a:fontRef idx="minor">
-            <a:schemeClr val="tx1"/>
-          </a:fontRef>
-        </p:style>
-      </p:cxnSp>
-      <p:sp>
-        <p:nvSpPr>
-          <p:cNvPr id="91" name="Arc 90">
-            <a:extLst>
-              <a:ext uri="{FF2B5EF4-FFF2-40B4-BE49-F238E27FC236}">
-                <a16:creationId xmlns:a16="http://schemas.microsoft.com/office/drawing/2014/main" id="{246C1494-9101-984C-8083-B9CDBC27C0EE}"/>
-              </a:ext>
-            </a:extLst>
-          </p:cNvPr>
-          <p:cNvSpPr/>
-          <p:nvPr/>
-        </p:nvSpPr>
-        <p:spPr>
-          <a:xfrm rot="17578878" flipH="1">
-            <a:off x="5376214" y="1683791"/>
-            <a:ext cx="5752622" cy="9982574"/>
-          </a:xfrm>
-          <a:prstGeom prst="arc">
-            <a:avLst>
-              <a:gd name="adj1" fmla="val 16131872"/>
-              <a:gd name="adj2" fmla="val 20258141"/>
-            </a:avLst>
-          </a:prstGeom>
-          <a:ln w="82550">
-            <a:solidFill>
-              <a:schemeClr val="tx1"/>
-            </a:solidFill>
-            <a:prstDash val="sysDot"/>
-            <a:tailEnd type="stealth"/>
-          </a:ln>
-        </p:spPr>
-        <p:style>
-          <a:lnRef idx="1">
-            <a:schemeClr val="accent1"/>
-          </a:lnRef>
-          <a:fillRef idx="0">
-            <a:schemeClr val="accent1"/>
-          </a:fillRef>
-          <a:effectRef idx="0">
-            <a:schemeClr val="accent1"/>
-          </a:effectRef>
-          <a:fontRef idx="minor">
-            <a:schemeClr val="tx1"/>
-          </a:fontRef>
-        </p:style>
-        <p:txBody>
-          <a:bodyPr rtlCol="0" anchor="ctr"/>
-          <a:lstStyle/>
-          <a:p>
-            <a:pPr algn="ctr"/>
-            <a:endParaRPr lang="en-AU"/>
-          </a:p>
-        </p:txBody>
-      </p:sp>
-      <p:cxnSp>
-        <p:nvCxnSpPr>
-          <p:cNvPr id="92" name="Straight Arrow Connector 91">
-            <a:extLst>
-              <a:ext uri="{FF2B5EF4-FFF2-40B4-BE49-F238E27FC236}">
-                <a16:creationId xmlns:a16="http://schemas.microsoft.com/office/drawing/2014/main" id="{71AA791B-C5C9-174E-93F5-666EED78FBE2}"/>
-              </a:ext>
-            </a:extLst>
-          </p:cNvPr>
-          <p:cNvCxnSpPr>
-            <a:cxnSpLocks/>
-          </p:cNvCxnSpPr>
-          <p:nvPr/>
-        </p:nvCxnSpPr>
-        <p:spPr>
-          <a:xfrm>
-            <a:off x="3868740" y="4659628"/>
-            <a:ext cx="151257" cy="900904"/>
-          </a:xfrm>
-          <a:prstGeom prst="straightConnector1">
-            <a:avLst/>
-          </a:prstGeom>
-          <a:ln w="82550">
-            <a:solidFill>
-              <a:schemeClr val="tx1"/>
-            </a:solidFill>
-            <a:prstDash val="sysDot"/>
-            <a:tailEnd type="triangle"/>
-          </a:ln>
-        </p:spPr>
-        <p:style>
-          <a:lnRef idx="1">
-            <a:schemeClr val="accent1"/>
-          </a:lnRef>
-          <a:fillRef idx="0">
-            <a:schemeClr val="accent1"/>
-          </a:fillRef>
-          <a:effectRef idx="0">
-            <a:schemeClr val="accent1"/>
-          </a:effectRef>
-          <a:fontRef idx="minor">
-            <a:schemeClr val="tx1"/>
-          </a:fontRef>
-        </p:style>
-      </p:cxnSp>
       <p:cxnSp>
         <p:nvCxnSpPr>
           <p:cNvPr id="94" name="Straight Arrow Connector 93">
@@ -9709,12 +8251,791 @@
           </a:fontRef>
         </p:style>
       </p:cxnSp>
+      <p:sp>
+        <p:nvSpPr>
+          <p:cNvPr id="77" name="Rounded Rectangle 76">
+            <a:extLst>
+              <a:ext uri="{FF2B5EF4-FFF2-40B4-BE49-F238E27FC236}">
+                <a16:creationId xmlns:a16="http://schemas.microsoft.com/office/drawing/2014/main" id="{A203BD46-E277-DC4B-898D-255DE305CD08}"/>
+              </a:ext>
+            </a:extLst>
+          </p:cNvPr>
+          <p:cNvSpPr>
+            <a:spLocks noChangeAspect="1"/>
+          </p:cNvSpPr>
+          <p:nvPr/>
+        </p:nvSpPr>
+        <p:spPr>
+          <a:xfrm>
+            <a:off x="3395899" y="7708143"/>
+            <a:ext cx="3240000" cy="1576217"/>
+          </a:xfrm>
+          <a:prstGeom prst="roundRect">
+            <a:avLst/>
+          </a:prstGeom>
+          <a:solidFill>
+            <a:srgbClr val="00B050"/>
+          </a:solidFill>
+          <a:ln w="38100">
+            <a:solidFill>
+              <a:schemeClr val="tx1"/>
+            </a:solidFill>
+          </a:ln>
+        </p:spPr>
+        <p:style>
+          <a:lnRef idx="2">
+            <a:schemeClr val="accent1">
+              <a:shade val="50000"/>
+            </a:schemeClr>
+          </a:lnRef>
+          <a:fillRef idx="1">
+            <a:schemeClr val="accent1"/>
+          </a:fillRef>
+          <a:effectRef idx="0">
+            <a:schemeClr val="accent1"/>
+          </a:effectRef>
+          <a:fontRef idx="minor">
+            <a:schemeClr val="lt1"/>
+          </a:fontRef>
+        </p:style>
+        <p:txBody>
+          <a:bodyPr rtlCol="0" anchor="ctr"/>
+          <a:lstStyle/>
+          <a:p>
+            <a:pPr algn="ctr"/>
+            <a:endParaRPr lang="en-AU"/>
+          </a:p>
+        </p:txBody>
+      </p:sp>
+      <p:sp>
+        <p:nvSpPr>
+          <p:cNvPr id="84" name="Rounded Rectangle 83">
+            <a:extLst>
+              <a:ext uri="{FF2B5EF4-FFF2-40B4-BE49-F238E27FC236}">
+                <a16:creationId xmlns:a16="http://schemas.microsoft.com/office/drawing/2014/main" id="{A45E27BA-EF0A-7445-8548-54192A6C27E0}"/>
+              </a:ext>
+            </a:extLst>
+          </p:cNvPr>
+          <p:cNvSpPr>
+            <a:spLocks noChangeAspect="1"/>
+          </p:cNvSpPr>
+          <p:nvPr/>
+        </p:nvSpPr>
+        <p:spPr>
+          <a:xfrm>
+            <a:off x="3413681" y="520745"/>
+            <a:ext cx="3240000" cy="1576217"/>
+          </a:xfrm>
+          <a:prstGeom prst="roundRect">
+            <a:avLst/>
+          </a:prstGeom>
+          <a:solidFill>
+            <a:srgbClr val="FF0000"/>
+          </a:solidFill>
+          <a:ln w="38100">
+            <a:solidFill>
+              <a:schemeClr val="tx1"/>
+            </a:solidFill>
+          </a:ln>
+        </p:spPr>
+        <p:style>
+          <a:lnRef idx="2">
+            <a:schemeClr val="accent1">
+              <a:shade val="50000"/>
+            </a:schemeClr>
+          </a:lnRef>
+          <a:fillRef idx="1">
+            <a:schemeClr val="accent1"/>
+          </a:fillRef>
+          <a:effectRef idx="0">
+            <a:schemeClr val="accent1"/>
+          </a:effectRef>
+          <a:fontRef idx="minor">
+            <a:schemeClr val="lt1"/>
+          </a:fontRef>
+        </p:style>
+        <p:txBody>
+          <a:bodyPr rtlCol="0" anchor="ctr"/>
+          <a:lstStyle/>
+          <a:p>
+            <a:pPr algn="ctr"/>
+            <a:endParaRPr lang="en-AU" dirty="0"/>
+          </a:p>
+        </p:txBody>
+      </p:sp>
+      <p:sp>
+        <p:nvSpPr>
+          <p:cNvPr id="85" name="Rounded Rectangle 84">
+            <a:extLst>
+              <a:ext uri="{FF2B5EF4-FFF2-40B4-BE49-F238E27FC236}">
+                <a16:creationId xmlns:a16="http://schemas.microsoft.com/office/drawing/2014/main" id="{034ABB30-A824-7248-A201-177CFC37B0C3}"/>
+              </a:ext>
+            </a:extLst>
+          </p:cNvPr>
+          <p:cNvSpPr>
+            <a:spLocks noChangeAspect="1"/>
+          </p:cNvSpPr>
+          <p:nvPr/>
+        </p:nvSpPr>
+        <p:spPr>
+          <a:xfrm>
+            <a:off x="3415837" y="2096962"/>
+            <a:ext cx="3240000" cy="5604325"/>
+          </a:xfrm>
+          <a:prstGeom prst="roundRect">
+            <a:avLst/>
+          </a:prstGeom>
+          <a:noFill/>
+          <a:ln w="38100">
+            <a:solidFill>
+              <a:schemeClr val="tx1"/>
+            </a:solidFill>
+          </a:ln>
+        </p:spPr>
+        <p:style>
+          <a:lnRef idx="2">
+            <a:schemeClr val="accent1">
+              <a:shade val="50000"/>
+            </a:schemeClr>
+          </a:lnRef>
+          <a:fillRef idx="1">
+            <a:schemeClr val="accent1"/>
+          </a:fillRef>
+          <a:effectRef idx="0">
+            <a:schemeClr val="accent1"/>
+          </a:effectRef>
+          <a:fontRef idx="minor">
+            <a:schemeClr val="lt1"/>
+          </a:fontRef>
+        </p:style>
+        <p:txBody>
+          <a:bodyPr rtlCol="0" anchor="ctr"/>
+          <a:lstStyle/>
+          <a:p>
+            <a:pPr algn="ctr"/>
+            <a:endParaRPr lang="en-AU" sz="2400"/>
+          </a:p>
+        </p:txBody>
+      </p:sp>
+      <p:sp>
+        <p:nvSpPr>
+          <p:cNvPr id="87" name="Multiply 86">
+            <a:extLst>
+              <a:ext uri="{FF2B5EF4-FFF2-40B4-BE49-F238E27FC236}">
+                <a16:creationId xmlns:a16="http://schemas.microsoft.com/office/drawing/2014/main" id="{99234C1F-4633-CC4B-8E97-8F896EA2F623}"/>
+              </a:ext>
+            </a:extLst>
+          </p:cNvPr>
+          <p:cNvSpPr/>
+          <p:nvPr/>
+        </p:nvSpPr>
+        <p:spPr>
+          <a:xfrm>
+            <a:off x="4598052" y="5722133"/>
+            <a:ext cx="922494" cy="849086"/>
+          </a:xfrm>
+          <a:prstGeom prst="mathMultiply">
+            <a:avLst/>
+          </a:prstGeom>
+          <a:noFill/>
+        </p:spPr>
+        <p:style>
+          <a:lnRef idx="2">
+            <a:schemeClr val="accent1">
+              <a:shade val="50000"/>
+            </a:schemeClr>
+          </a:lnRef>
+          <a:fillRef idx="1">
+            <a:schemeClr val="accent1"/>
+          </a:fillRef>
+          <a:effectRef idx="0">
+            <a:schemeClr val="accent1"/>
+          </a:effectRef>
+          <a:fontRef idx="minor">
+            <a:schemeClr val="lt1"/>
+          </a:fontRef>
+        </p:style>
+        <p:txBody>
+          <a:bodyPr rtlCol="0" anchor="ctr"/>
+          <a:lstStyle/>
+          <a:p>
+            <a:pPr algn="ctr"/>
+            <a:endParaRPr lang="en-AU" sz="2400"/>
+          </a:p>
+        </p:txBody>
+      </p:sp>
+      <p:sp>
+        <p:nvSpPr>
+          <p:cNvPr id="88" name="Multiply 87">
+            <a:extLst>
+              <a:ext uri="{FF2B5EF4-FFF2-40B4-BE49-F238E27FC236}">
+                <a16:creationId xmlns:a16="http://schemas.microsoft.com/office/drawing/2014/main" id="{45403133-B221-124E-8CA7-8B3672E67FBE}"/>
+              </a:ext>
+            </a:extLst>
+          </p:cNvPr>
+          <p:cNvSpPr/>
+          <p:nvPr/>
+        </p:nvSpPr>
+        <p:spPr>
+          <a:xfrm>
+            <a:off x="4638568" y="3126523"/>
+            <a:ext cx="948581" cy="951904"/>
+          </a:xfrm>
+          <a:prstGeom prst="mathMultiply">
+            <a:avLst/>
+          </a:prstGeom>
+          <a:noFill/>
+        </p:spPr>
+        <p:style>
+          <a:lnRef idx="2">
+            <a:schemeClr val="accent1">
+              <a:shade val="50000"/>
+            </a:schemeClr>
+          </a:lnRef>
+          <a:fillRef idx="1">
+            <a:schemeClr val="accent1"/>
+          </a:fillRef>
+          <a:effectRef idx="0">
+            <a:schemeClr val="accent1"/>
+          </a:effectRef>
+          <a:fontRef idx="minor">
+            <a:schemeClr val="lt1"/>
+          </a:fontRef>
+        </p:style>
+        <p:txBody>
+          <a:bodyPr rtlCol="0" anchor="ctr"/>
+          <a:lstStyle/>
+          <a:p>
+            <a:pPr algn="ctr"/>
+            <a:endParaRPr lang="en-AU" sz="2400"/>
+          </a:p>
+        </p:txBody>
+      </p:sp>
+      <p:sp>
+        <p:nvSpPr>
+          <p:cNvPr id="89" name="TextBox 88">
+            <a:extLst>
+              <a:ext uri="{FF2B5EF4-FFF2-40B4-BE49-F238E27FC236}">
+                <a16:creationId xmlns:a16="http://schemas.microsoft.com/office/drawing/2014/main" id="{751229C6-F9F6-914A-B92B-459D9C84015C}"/>
+              </a:ext>
+            </a:extLst>
+          </p:cNvPr>
+          <p:cNvSpPr txBox="1"/>
+          <p:nvPr/>
+        </p:nvSpPr>
+        <p:spPr>
+          <a:xfrm>
+            <a:off x="4887617" y="4920210"/>
+            <a:ext cx="721268" cy="461665"/>
+          </a:xfrm>
+          <a:prstGeom prst="rect">
+            <a:avLst/>
+          </a:prstGeom>
+          <a:noFill/>
+        </p:spPr>
+        <p:txBody>
+          <a:bodyPr wrap="square" rtlCol="0">
+            <a:spAutoFit/>
+          </a:bodyPr>
+          <a:lstStyle/>
+          <a:p>
+            <a:r>
+              <a:rPr lang="en-AU" sz="2400" dirty="0">
+                <a:solidFill>
+                  <a:schemeClr val="bg1">
+                    <a:lumMod val="50000"/>
+                  </a:schemeClr>
+                </a:solidFill>
+              </a:rPr>
+              <a:t>O2</a:t>
+            </a:r>
+          </a:p>
+        </p:txBody>
+      </p:sp>
+      <p:sp>
+        <p:nvSpPr>
+          <p:cNvPr id="95" name="TextBox 94">
+            <a:extLst>
+              <a:ext uri="{FF2B5EF4-FFF2-40B4-BE49-F238E27FC236}">
+                <a16:creationId xmlns:a16="http://schemas.microsoft.com/office/drawing/2014/main" id="{6EB131CA-4E5B-7A46-AE25-374D5E8521EB}"/>
+              </a:ext>
+            </a:extLst>
+          </p:cNvPr>
+          <p:cNvSpPr txBox="1"/>
+          <p:nvPr/>
+        </p:nvSpPr>
+        <p:spPr>
+          <a:xfrm>
+            <a:off x="4937097" y="5342410"/>
+            <a:ext cx="577693" cy="461665"/>
+          </a:xfrm>
+          <a:prstGeom prst="rect">
+            <a:avLst/>
+          </a:prstGeom>
+          <a:noFill/>
+        </p:spPr>
+        <p:txBody>
+          <a:bodyPr wrap="square" rtlCol="0">
+            <a:spAutoFit/>
+          </a:bodyPr>
+          <a:lstStyle/>
+          <a:p>
+            <a:r>
+              <a:rPr lang="en-AU" sz="2400" dirty="0">
+                <a:solidFill>
+                  <a:schemeClr val="bg1">
+                    <a:lumMod val="50000"/>
+                  </a:schemeClr>
+                </a:solidFill>
+              </a:rPr>
+              <a:t>O1</a:t>
+            </a:r>
+          </a:p>
+        </p:txBody>
+      </p:sp>
+      <p:sp>
+        <p:nvSpPr>
+          <p:cNvPr id="96" name="TextBox 95">
+            <a:extLst>
+              <a:ext uri="{FF2B5EF4-FFF2-40B4-BE49-F238E27FC236}">
+                <a16:creationId xmlns:a16="http://schemas.microsoft.com/office/drawing/2014/main" id="{13B51B34-AA71-4349-AF99-BCE85011A071}"/>
+              </a:ext>
+            </a:extLst>
+          </p:cNvPr>
+          <p:cNvSpPr txBox="1"/>
+          <p:nvPr/>
+        </p:nvSpPr>
+        <p:spPr>
+          <a:xfrm>
+            <a:off x="4887617" y="4668079"/>
+            <a:ext cx="721268" cy="461665"/>
+          </a:xfrm>
+          <a:prstGeom prst="rect">
+            <a:avLst/>
+          </a:prstGeom>
+          <a:noFill/>
+        </p:spPr>
+        <p:txBody>
+          <a:bodyPr wrap="square" rtlCol="0">
+            <a:spAutoFit/>
+          </a:bodyPr>
+          <a:lstStyle/>
+          <a:p>
+            <a:r>
+              <a:rPr lang="en-AU" sz="2400" dirty="0">
+                <a:solidFill>
+                  <a:schemeClr val="bg1">
+                    <a:lumMod val="50000"/>
+                  </a:schemeClr>
+                </a:solidFill>
+              </a:rPr>
+              <a:t>O3</a:t>
+            </a:r>
+          </a:p>
+        </p:txBody>
+      </p:sp>
+      <p:sp>
+        <p:nvSpPr>
+          <p:cNvPr id="103" name="TextBox 102">
+            <a:extLst>
+              <a:ext uri="{FF2B5EF4-FFF2-40B4-BE49-F238E27FC236}">
+                <a16:creationId xmlns:a16="http://schemas.microsoft.com/office/drawing/2014/main" id="{0C902C24-3081-6348-8A31-C8B6299FFF28}"/>
+              </a:ext>
+            </a:extLst>
+          </p:cNvPr>
+          <p:cNvSpPr txBox="1"/>
+          <p:nvPr/>
+        </p:nvSpPr>
+        <p:spPr>
+          <a:xfrm>
+            <a:off x="5335283" y="7194752"/>
+            <a:ext cx="547204" cy="461665"/>
+          </a:xfrm>
+          <a:prstGeom prst="rect">
+            <a:avLst/>
+          </a:prstGeom>
+          <a:solidFill>
+            <a:schemeClr val="tx1"/>
+          </a:solidFill>
+        </p:spPr>
+        <p:txBody>
+          <a:bodyPr wrap="square" rtlCol="0">
+            <a:spAutoFit/>
+          </a:bodyPr>
+          <a:lstStyle/>
+          <a:p>
+            <a:r>
+              <a:rPr lang="en-AU" sz="2400" dirty="0">
+                <a:solidFill>
+                  <a:schemeClr val="bg1"/>
+                </a:solidFill>
+              </a:rPr>
+              <a:t>O4</a:t>
+            </a:r>
+          </a:p>
+        </p:txBody>
+      </p:sp>
+      <p:sp>
+        <p:nvSpPr>
+          <p:cNvPr id="105" name="TextBox 104">
+            <a:extLst>
+              <a:ext uri="{FF2B5EF4-FFF2-40B4-BE49-F238E27FC236}">
+                <a16:creationId xmlns:a16="http://schemas.microsoft.com/office/drawing/2014/main" id="{A983D4BC-60BD-4B4A-90BB-F322113862EB}"/>
+              </a:ext>
+            </a:extLst>
+          </p:cNvPr>
+          <p:cNvSpPr txBox="1"/>
+          <p:nvPr/>
+        </p:nvSpPr>
+        <p:spPr>
+          <a:xfrm>
+            <a:off x="4824215" y="3366023"/>
+            <a:ext cx="843406" cy="463885"/>
+          </a:xfrm>
+          <a:prstGeom prst="rect">
+            <a:avLst/>
+          </a:prstGeom>
+          <a:noFill/>
+        </p:spPr>
+        <p:txBody>
+          <a:bodyPr wrap="square" rtlCol="0">
+            <a:spAutoFit/>
+          </a:bodyPr>
+          <a:lstStyle/>
+          <a:p>
+            <a:r>
+              <a:rPr lang="en-AU" sz="2400" dirty="0">
+                <a:solidFill>
+                  <a:schemeClr val="bg1">
+                    <a:lumMod val="50000"/>
+                  </a:schemeClr>
+                </a:solidFill>
+              </a:rPr>
+              <a:t>O6</a:t>
+            </a:r>
+          </a:p>
+        </p:txBody>
+      </p:sp>
+      <p:sp>
+        <p:nvSpPr>
+          <p:cNvPr id="106" name="TextBox 105">
+            <a:extLst>
+              <a:ext uri="{FF2B5EF4-FFF2-40B4-BE49-F238E27FC236}">
+                <a16:creationId xmlns:a16="http://schemas.microsoft.com/office/drawing/2014/main" id="{8DD5C217-D760-474A-A618-C0BB008DB910}"/>
+              </a:ext>
+            </a:extLst>
+          </p:cNvPr>
+          <p:cNvSpPr txBox="1"/>
+          <p:nvPr/>
+        </p:nvSpPr>
+        <p:spPr>
+          <a:xfrm>
+            <a:off x="3644226" y="2669118"/>
+            <a:ext cx="762342" cy="461665"/>
+          </a:xfrm>
+          <a:prstGeom prst="rect">
+            <a:avLst/>
+          </a:prstGeom>
+          <a:noFill/>
+        </p:spPr>
+        <p:txBody>
+          <a:bodyPr wrap="square" rtlCol="0">
+            <a:spAutoFit/>
+          </a:bodyPr>
+          <a:lstStyle/>
+          <a:p>
+            <a:r>
+              <a:rPr lang="en-AU" sz="2400" dirty="0">
+                <a:solidFill>
+                  <a:schemeClr val="bg1">
+                    <a:lumMod val="50000"/>
+                  </a:schemeClr>
+                </a:solidFill>
+              </a:rPr>
+              <a:t>O7</a:t>
+            </a:r>
+          </a:p>
+        </p:txBody>
+      </p:sp>
+      <p:sp>
+        <p:nvSpPr>
+          <p:cNvPr id="107" name="TextBox 106">
+            <a:extLst>
+              <a:ext uri="{FF2B5EF4-FFF2-40B4-BE49-F238E27FC236}">
+                <a16:creationId xmlns:a16="http://schemas.microsoft.com/office/drawing/2014/main" id="{C236B1E9-DD84-2E48-9E6D-42517A2D3E5A}"/>
+              </a:ext>
+            </a:extLst>
+          </p:cNvPr>
+          <p:cNvSpPr txBox="1"/>
+          <p:nvPr/>
+        </p:nvSpPr>
+        <p:spPr>
+          <a:xfrm>
+            <a:off x="4710569" y="5121803"/>
+            <a:ext cx="721268" cy="461665"/>
+          </a:xfrm>
+          <a:prstGeom prst="rect">
+            <a:avLst/>
+          </a:prstGeom>
+          <a:noFill/>
+        </p:spPr>
+        <p:txBody>
+          <a:bodyPr wrap="square" rtlCol="0">
+            <a:spAutoFit/>
+          </a:bodyPr>
+          <a:lstStyle/>
+          <a:p>
+            <a:r>
+              <a:rPr lang="en-AU" sz="2400" dirty="0">
+                <a:solidFill>
+                  <a:srgbClr val="0070C0"/>
+                </a:solidFill>
+              </a:rPr>
+              <a:t>D8</a:t>
+            </a:r>
+          </a:p>
+        </p:txBody>
+      </p:sp>
+      <p:sp>
+        <p:nvSpPr>
+          <p:cNvPr id="111" name="TextBox 110">
+            <a:extLst>
+              <a:ext uri="{FF2B5EF4-FFF2-40B4-BE49-F238E27FC236}">
+                <a16:creationId xmlns:a16="http://schemas.microsoft.com/office/drawing/2014/main" id="{AFED50A8-2D2E-E94C-8202-8AE74BE296DA}"/>
+              </a:ext>
+            </a:extLst>
+          </p:cNvPr>
+          <p:cNvSpPr txBox="1"/>
+          <p:nvPr/>
+        </p:nvSpPr>
+        <p:spPr>
+          <a:xfrm>
+            <a:off x="4585537" y="4800094"/>
+            <a:ext cx="721268" cy="461665"/>
+          </a:xfrm>
+          <a:prstGeom prst="rect">
+            <a:avLst/>
+          </a:prstGeom>
+          <a:noFill/>
+        </p:spPr>
+        <p:txBody>
+          <a:bodyPr wrap="square" rtlCol="0">
+            <a:spAutoFit/>
+          </a:bodyPr>
+          <a:lstStyle/>
+          <a:p>
+            <a:r>
+              <a:rPr lang="en-AU" sz="2400" dirty="0">
+                <a:solidFill>
+                  <a:srgbClr val="0070C0"/>
+                </a:solidFill>
+              </a:rPr>
+              <a:t>D9</a:t>
+            </a:r>
+          </a:p>
+        </p:txBody>
+      </p:sp>
+      <p:sp>
+        <p:nvSpPr>
+          <p:cNvPr id="112" name="TextBox 111">
+            <a:extLst>
+              <a:ext uri="{FF2B5EF4-FFF2-40B4-BE49-F238E27FC236}">
+                <a16:creationId xmlns:a16="http://schemas.microsoft.com/office/drawing/2014/main" id="{26814751-F8DB-8340-9A4E-02F138EBE751}"/>
+              </a:ext>
+            </a:extLst>
+          </p:cNvPr>
+          <p:cNvSpPr txBox="1"/>
+          <p:nvPr/>
+        </p:nvSpPr>
+        <p:spPr>
+          <a:xfrm>
+            <a:off x="4505123" y="4482078"/>
+            <a:ext cx="682864" cy="461665"/>
+          </a:xfrm>
+          <a:prstGeom prst="rect">
+            <a:avLst/>
+          </a:prstGeom>
+          <a:noFill/>
+        </p:spPr>
+        <p:txBody>
+          <a:bodyPr wrap="square" rtlCol="0">
+            <a:spAutoFit/>
+          </a:bodyPr>
+          <a:lstStyle/>
+          <a:p>
+            <a:r>
+              <a:rPr lang="en-AU" sz="2400" dirty="0">
+                <a:solidFill>
+                  <a:srgbClr val="0070C0"/>
+                </a:solidFill>
+              </a:rPr>
+              <a:t>D10</a:t>
+            </a:r>
+          </a:p>
+        </p:txBody>
+      </p:sp>
+      <p:sp>
+        <p:nvSpPr>
+          <p:cNvPr id="113" name="TextBox 112">
+            <a:extLst>
+              <a:ext uri="{FF2B5EF4-FFF2-40B4-BE49-F238E27FC236}">
+                <a16:creationId xmlns:a16="http://schemas.microsoft.com/office/drawing/2014/main" id="{97D869DA-A75D-8A48-9251-3301C7B87164}"/>
+              </a:ext>
+            </a:extLst>
+          </p:cNvPr>
+          <p:cNvSpPr txBox="1"/>
+          <p:nvPr/>
+        </p:nvSpPr>
+        <p:spPr>
+          <a:xfrm>
+            <a:off x="4710569" y="6956501"/>
+            <a:ext cx="704537" cy="461665"/>
+          </a:xfrm>
+          <a:prstGeom prst="rect">
+            <a:avLst/>
+          </a:prstGeom>
+          <a:noFill/>
+        </p:spPr>
+        <p:txBody>
+          <a:bodyPr wrap="square" rtlCol="0">
+            <a:spAutoFit/>
+          </a:bodyPr>
+          <a:lstStyle/>
+          <a:p>
+            <a:r>
+              <a:rPr lang="en-AU" sz="2400" dirty="0">
+                <a:solidFill>
+                  <a:srgbClr val="0070C0"/>
+                </a:solidFill>
+              </a:rPr>
+              <a:t>D11</a:t>
+            </a:r>
+          </a:p>
+        </p:txBody>
+      </p:sp>
+      <p:sp>
+        <p:nvSpPr>
+          <p:cNvPr id="118" name="TextBox 117">
+            <a:extLst>
+              <a:ext uri="{FF2B5EF4-FFF2-40B4-BE49-F238E27FC236}">
+                <a16:creationId xmlns:a16="http://schemas.microsoft.com/office/drawing/2014/main" id="{DC992D4E-F746-CA4B-A7AF-5294B3B9E2C5}"/>
+              </a:ext>
+            </a:extLst>
+          </p:cNvPr>
+          <p:cNvSpPr txBox="1"/>
+          <p:nvPr/>
+        </p:nvSpPr>
+        <p:spPr>
+          <a:xfrm>
+            <a:off x="5774235" y="3533870"/>
+            <a:ext cx="703537" cy="461665"/>
+          </a:xfrm>
+          <a:prstGeom prst="rect">
+            <a:avLst/>
+          </a:prstGeom>
+          <a:noFill/>
+        </p:spPr>
+        <p:txBody>
+          <a:bodyPr wrap="square" rtlCol="0">
+            <a:spAutoFit/>
+          </a:bodyPr>
+          <a:lstStyle/>
+          <a:p>
+            <a:r>
+              <a:rPr lang="en-AU" sz="2400" dirty="0">
+                <a:solidFill>
+                  <a:srgbClr val="0070C0"/>
+                </a:solidFill>
+              </a:rPr>
+              <a:t>D12</a:t>
+            </a:r>
+          </a:p>
+        </p:txBody>
+      </p:sp>
+      <p:sp>
+        <p:nvSpPr>
+          <p:cNvPr id="119" name="TextBox 118">
+            <a:extLst>
+              <a:ext uri="{FF2B5EF4-FFF2-40B4-BE49-F238E27FC236}">
+                <a16:creationId xmlns:a16="http://schemas.microsoft.com/office/drawing/2014/main" id="{05867D7D-6582-1F44-85D2-C4132D680198}"/>
+              </a:ext>
+            </a:extLst>
+          </p:cNvPr>
+          <p:cNvSpPr txBox="1"/>
+          <p:nvPr/>
+        </p:nvSpPr>
+        <p:spPr>
+          <a:xfrm>
+            <a:off x="4976972" y="3821721"/>
+            <a:ext cx="731983" cy="461665"/>
+          </a:xfrm>
+          <a:prstGeom prst="rect">
+            <a:avLst/>
+          </a:prstGeom>
+          <a:noFill/>
+        </p:spPr>
+        <p:txBody>
+          <a:bodyPr wrap="square" rtlCol="0">
+            <a:spAutoFit/>
+          </a:bodyPr>
+          <a:lstStyle/>
+          <a:p>
+            <a:r>
+              <a:rPr lang="en-AU" sz="2400" dirty="0">
+                <a:solidFill>
+                  <a:srgbClr val="0070C0"/>
+                </a:solidFill>
+              </a:rPr>
+              <a:t>D13</a:t>
+            </a:r>
+          </a:p>
+        </p:txBody>
+      </p:sp>
+      <p:sp>
+        <p:nvSpPr>
+          <p:cNvPr id="124" name="TextBox 123">
+            <a:extLst>
+              <a:ext uri="{FF2B5EF4-FFF2-40B4-BE49-F238E27FC236}">
+                <a16:creationId xmlns:a16="http://schemas.microsoft.com/office/drawing/2014/main" id="{2AC9E2E1-D02D-C445-B6FC-306C8416C29C}"/>
+              </a:ext>
+            </a:extLst>
+          </p:cNvPr>
+          <p:cNvSpPr txBox="1"/>
+          <p:nvPr/>
+        </p:nvSpPr>
+        <p:spPr>
+          <a:xfrm>
+            <a:off x="4057165" y="2927659"/>
+            <a:ext cx="948581" cy="461665"/>
+          </a:xfrm>
+          <a:prstGeom prst="rect">
+            <a:avLst/>
+          </a:prstGeom>
+          <a:noFill/>
+        </p:spPr>
+        <p:txBody>
+          <a:bodyPr wrap="square" rtlCol="0">
+            <a:spAutoFit/>
+          </a:bodyPr>
+          <a:lstStyle/>
+          <a:p>
+            <a:r>
+              <a:rPr lang="en-AU" sz="2400" dirty="0">
+                <a:solidFill>
+                  <a:srgbClr val="0070C0"/>
+                </a:solidFill>
+              </a:rPr>
+              <a:t>D14</a:t>
+            </a:r>
+          </a:p>
+        </p:txBody>
+      </p:sp>
       <p:cxnSp>
         <p:nvCxnSpPr>
-          <p:cNvPr id="104" name="Straight Arrow Connector 103">
-            <a:extLst>
-              <a:ext uri="{FF2B5EF4-FFF2-40B4-BE49-F238E27FC236}">
-                <a16:creationId xmlns:a16="http://schemas.microsoft.com/office/drawing/2014/main" id="{A362892C-4A4E-8C45-9D40-ECED924B1483}"/>
+          <p:cNvPr id="127" name="Straight Connector 126">
+            <a:extLst>
+              <a:ext uri="{FF2B5EF4-FFF2-40B4-BE49-F238E27FC236}">
+                <a16:creationId xmlns:a16="http://schemas.microsoft.com/office/drawing/2014/main" id="{E0AEEAF1-0558-1248-A6C9-43000B989F71}"/>
               </a:ext>
             </a:extLst>
           </p:cNvPr>
@@ -9724,18 +9045,147 @@
           <p:nvPr/>
         </p:nvCxnSpPr>
         <p:spPr>
-          <a:xfrm flipV="1">
-            <a:off x="6063388" y="6016778"/>
-            <a:ext cx="82349" cy="1479804"/>
-          </a:xfrm>
-          <a:prstGeom prst="straightConnector1">
+          <a:xfrm>
+            <a:off x="4543149" y="2425803"/>
+            <a:ext cx="985375" cy="0"/>
+          </a:xfrm>
+          <a:prstGeom prst="line">
             <a:avLst/>
           </a:prstGeom>
           <a:ln w="60325">
+            <a:headEnd type="stealth" w="lg" len="lg"/>
+          </a:ln>
+        </p:spPr>
+        <p:style>
+          <a:lnRef idx="1">
+            <a:schemeClr val="accent1"/>
+          </a:lnRef>
+          <a:fillRef idx="0">
+            <a:schemeClr val="accent1"/>
+          </a:fillRef>
+          <a:effectRef idx="0">
+            <a:schemeClr val="accent1"/>
+          </a:effectRef>
+          <a:fontRef idx="minor">
+            <a:schemeClr val="tx1"/>
+          </a:fontRef>
+        </p:style>
+      </p:cxnSp>
+      <p:sp>
+        <p:nvSpPr>
+          <p:cNvPr id="128" name="TextBox 127">
+            <a:extLst>
+              <a:ext uri="{FF2B5EF4-FFF2-40B4-BE49-F238E27FC236}">
+                <a16:creationId xmlns:a16="http://schemas.microsoft.com/office/drawing/2014/main" id="{68BDFC10-A055-C644-B796-0C4188E08B34}"/>
+              </a:ext>
+            </a:extLst>
+          </p:cNvPr>
+          <p:cNvSpPr txBox="1"/>
+          <p:nvPr/>
+        </p:nvSpPr>
+        <p:spPr>
+          <a:xfrm>
+            <a:off x="4203076" y="2446200"/>
+            <a:ext cx="2600940" cy="461665"/>
+          </a:xfrm>
+          <a:prstGeom prst="rect">
+            <a:avLst/>
+          </a:prstGeom>
+          <a:noFill/>
+        </p:spPr>
+        <p:txBody>
+          <a:bodyPr wrap="square" rtlCol="0">
+            <a:spAutoFit/>
+          </a:bodyPr>
+          <a:lstStyle/>
+          <a:p>
+            <a:r>
+              <a:rPr lang="en-AU" sz="2400" dirty="0">
+                <a:solidFill>
+                  <a:srgbClr val="0070C0"/>
+                </a:solidFill>
+              </a:rPr>
+              <a:t>Forehand (R) force</a:t>
+            </a:r>
+          </a:p>
+        </p:txBody>
+      </p:sp>
+      <p:sp>
+        <p:nvSpPr>
+          <p:cNvPr id="129" name="Oval 128">
+            <a:extLst>
+              <a:ext uri="{FF2B5EF4-FFF2-40B4-BE49-F238E27FC236}">
+                <a16:creationId xmlns:a16="http://schemas.microsoft.com/office/drawing/2014/main" id="{D3815397-535E-634E-A20F-FE91D9B715D2}"/>
+              </a:ext>
+            </a:extLst>
+          </p:cNvPr>
+          <p:cNvSpPr/>
+          <p:nvPr/>
+        </p:nvSpPr>
+        <p:spPr>
+          <a:xfrm>
+            <a:off x="4815120" y="3713388"/>
+            <a:ext cx="180000" cy="180000"/>
+          </a:xfrm>
+          <a:prstGeom prst="ellipse">
+            <a:avLst/>
+          </a:prstGeom>
+          <a:solidFill>
+            <a:schemeClr val="tx1"/>
+          </a:solidFill>
+        </p:spPr>
+        <p:style>
+          <a:lnRef idx="2">
+            <a:schemeClr val="accent1">
+              <a:shade val="50000"/>
+            </a:schemeClr>
+          </a:lnRef>
+          <a:fillRef idx="1">
+            <a:schemeClr val="accent1"/>
+          </a:fillRef>
+          <a:effectRef idx="0">
+            <a:schemeClr val="accent1"/>
+          </a:effectRef>
+          <a:fontRef idx="minor">
+            <a:schemeClr val="lt1"/>
+          </a:fontRef>
+        </p:style>
+        <p:txBody>
+          <a:bodyPr rtlCol="0" anchor="ctr"/>
+          <a:lstStyle/>
+          <a:p>
+            <a:pPr algn="ctr"/>
+            <a:endParaRPr lang="en-AU" sz="2400"/>
+          </a:p>
+        </p:txBody>
+      </p:sp>
+      <p:cxnSp>
+        <p:nvCxnSpPr>
+          <p:cNvPr id="130" name="Straight Connector 129">
+            <a:extLst>
+              <a:ext uri="{FF2B5EF4-FFF2-40B4-BE49-F238E27FC236}">
+                <a16:creationId xmlns:a16="http://schemas.microsoft.com/office/drawing/2014/main" id="{552CEEE9-ADA4-E148-8349-934E58056053}"/>
+              </a:ext>
+            </a:extLst>
+          </p:cNvPr>
+          <p:cNvCxnSpPr>
+            <a:cxnSpLocks/>
+          </p:cNvCxnSpPr>
+          <p:nvPr/>
+        </p:nvCxnSpPr>
+        <p:spPr>
+          <a:xfrm>
+            <a:off x="3425245" y="6469056"/>
+            <a:ext cx="3238092" cy="0"/>
+          </a:xfrm>
+          <a:prstGeom prst="line">
+            <a:avLst/>
+          </a:prstGeom>
+          <a:ln w="38100">
             <a:solidFill>
-              <a:schemeClr val="tx1"/>
+              <a:srgbClr val="FF0000"/>
             </a:solidFill>
-            <a:tailEnd type="triangle"/>
+            <a:prstDash val="sysDash"/>
           </a:ln>
         </p:spPr>
         <p:style>
@@ -9755,10 +9205,10 @@
       </p:cxnSp>
       <p:cxnSp>
         <p:nvCxnSpPr>
-          <p:cNvPr id="110" name="Straight Arrow Connector 109">
-            <a:extLst>
-              <a:ext uri="{FF2B5EF4-FFF2-40B4-BE49-F238E27FC236}">
-                <a16:creationId xmlns:a16="http://schemas.microsoft.com/office/drawing/2014/main" id="{A657916E-CF52-9647-BCC7-0CD642EB284F}"/>
+          <p:cNvPr id="131" name="Straight Connector 130">
+            <a:extLst>
+              <a:ext uri="{FF2B5EF4-FFF2-40B4-BE49-F238E27FC236}">
+                <a16:creationId xmlns:a16="http://schemas.microsoft.com/office/drawing/2014/main" id="{D9860886-8271-FE4D-A9A4-01E58654BE02}"/>
               </a:ext>
             </a:extLst>
           </p:cNvPr>
@@ -9768,19 +9218,18 @@
           <p:nvPr/>
         </p:nvCxnSpPr>
         <p:spPr>
-          <a:xfrm>
-            <a:off x="4827502" y="4766490"/>
-            <a:ext cx="952512" cy="676199"/>
-          </a:xfrm>
-          <a:prstGeom prst="straightConnector1">
-            <a:avLst/>
-          </a:prstGeom>
-          <a:ln w="82550">
+          <a:xfrm flipV="1">
+            <a:off x="3421467" y="4191053"/>
+            <a:ext cx="3240000" cy="0"/>
+          </a:xfrm>
+          <a:prstGeom prst="line">
+            <a:avLst/>
+          </a:prstGeom>
+          <a:ln w="38100">
             <a:solidFill>
-              <a:schemeClr val="tx1"/>
+              <a:schemeClr val="accent2"/>
             </a:solidFill>
-            <a:prstDash val="sysDot"/>
-            <a:tailEnd type="triangle"/>
+            <a:prstDash val="sysDash"/>
           </a:ln>
         </p:spPr>
         <p:style>
@@ -9798,6 +9247,223 @@
           </a:fontRef>
         </p:style>
       </p:cxnSp>
+      <p:sp>
+        <p:nvSpPr>
+          <p:cNvPr id="136" name="TextBox 135">
+            <a:extLst>
+              <a:ext uri="{FF2B5EF4-FFF2-40B4-BE49-F238E27FC236}">
+                <a16:creationId xmlns:a16="http://schemas.microsoft.com/office/drawing/2014/main" id="{ABFF93B2-2B29-C94B-AC7B-40F0B65C7691}"/>
+              </a:ext>
+            </a:extLst>
+          </p:cNvPr>
+          <p:cNvSpPr txBox="1"/>
+          <p:nvPr/>
+        </p:nvSpPr>
+        <p:spPr>
+          <a:xfrm>
+            <a:off x="6102006" y="8721484"/>
+            <a:ext cx="404594" cy="461665"/>
+          </a:xfrm>
+          <a:prstGeom prst="rect">
+            <a:avLst/>
+          </a:prstGeom>
+          <a:solidFill>
+            <a:schemeClr val="bg1">
+              <a:lumMod val="50000"/>
+            </a:schemeClr>
+          </a:solidFill>
+        </p:spPr>
+        <p:txBody>
+          <a:bodyPr wrap="square" rtlCol="0">
+            <a:spAutoFit/>
+          </a:bodyPr>
+          <a:lstStyle/>
+          <a:p>
+            <a:pPr algn="ctr"/>
+            <a:r>
+              <a:rPr lang="en-AU" sz="2400" dirty="0">
+                <a:solidFill>
+                  <a:schemeClr val="bg1"/>
+                </a:solidFill>
+              </a:rPr>
+              <a:t>A</a:t>
+            </a:r>
+          </a:p>
+        </p:txBody>
+      </p:sp>
+      <p:sp>
+        <p:nvSpPr>
+          <p:cNvPr id="137" name="TextBox 136">
+            <a:extLst>
+              <a:ext uri="{FF2B5EF4-FFF2-40B4-BE49-F238E27FC236}">
+                <a16:creationId xmlns:a16="http://schemas.microsoft.com/office/drawing/2014/main" id="{C24C2439-25DF-8642-B5C5-C2A303BCE190}"/>
+              </a:ext>
+            </a:extLst>
+          </p:cNvPr>
+          <p:cNvSpPr txBox="1"/>
+          <p:nvPr/>
+        </p:nvSpPr>
+        <p:spPr>
+          <a:xfrm>
+            <a:off x="3540526" y="8721484"/>
+            <a:ext cx="435536" cy="466759"/>
+          </a:xfrm>
+          <a:prstGeom prst="rect">
+            <a:avLst/>
+          </a:prstGeom>
+          <a:solidFill>
+            <a:schemeClr val="bg1">
+              <a:lumMod val="50000"/>
+            </a:schemeClr>
+          </a:solidFill>
+        </p:spPr>
+        <p:txBody>
+          <a:bodyPr wrap="square" rtlCol="0">
+            <a:spAutoFit/>
+          </a:bodyPr>
+          <a:lstStyle/>
+          <a:p>
+            <a:pPr algn="ctr"/>
+            <a:r>
+              <a:rPr lang="en-AU" sz="2400" dirty="0">
+                <a:solidFill>
+                  <a:schemeClr val="bg1"/>
+                </a:solidFill>
+              </a:rPr>
+              <a:t>B</a:t>
+            </a:r>
+          </a:p>
+        </p:txBody>
+      </p:sp>
+      <p:sp>
+        <p:nvSpPr>
+          <p:cNvPr id="139" name="TextBox 138">
+            <a:extLst>
+              <a:ext uri="{FF2B5EF4-FFF2-40B4-BE49-F238E27FC236}">
+                <a16:creationId xmlns:a16="http://schemas.microsoft.com/office/drawing/2014/main" id="{2264E570-3673-2440-8CFD-D3B23F887920}"/>
+              </a:ext>
+            </a:extLst>
+          </p:cNvPr>
+          <p:cNvSpPr txBox="1"/>
+          <p:nvPr/>
+        </p:nvSpPr>
+        <p:spPr>
+          <a:xfrm>
+            <a:off x="6011254" y="3304892"/>
+            <a:ext cx="609575" cy="461665"/>
+          </a:xfrm>
+          <a:prstGeom prst="rect">
+            <a:avLst/>
+          </a:prstGeom>
+          <a:noFill/>
+        </p:spPr>
+        <p:txBody>
+          <a:bodyPr wrap="square" rtlCol="0">
+            <a:spAutoFit/>
+          </a:bodyPr>
+          <a:lstStyle/>
+          <a:p>
+            <a:r>
+              <a:rPr lang="en-AU" sz="2400" dirty="0">
+                <a:solidFill>
+                  <a:schemeClr val="bg1">
+                    <a:lumMod val="50000"/>
+                  </a:schemeClr>
+                </a:solidFill>
+              </a:rPr>
+              <a:t>O5</a:t>
+            </a:r>
+          </a:p>
+        </p:txBody>
+      </p:sp>
+      <p:sp>
+        <p:nvSpPr>
+          <p:cNvPr id="140" name="TextBox 139">
+            <a:extLst>
+              <a:ext uri="{FF2B5EF4-FFF2-40B4-BE49-F238E27FC236}">
+                <a16:creationId xmlns:a16="http://schemas.microsoft.com/office/drawing/2014/main" id="{66B09938-01A1-2D4A-945F-2C7606F541AB}"/>
+              </a:ext>
+            </a:extLst>
+          </p:cNvPr>
+          <p:cNvSpPr txBox="1"/>
+          <p:nvPr/>
+        </p:nvSpPr>
+        <p:spPr>
+          <a:xfrm>
+            <a:off x="5824915" y="4369673"/>
+            <a:ext cx="420691" cy="461665"/>
+          </a:xfrm>
+          <a:prstGeom prst="rect">
+            <a:avLst/>
+          </a:prstGeom>
+          <a:solidFill>
+            <a:schemeClr val="bg1">
+              <a:lumMod val="50000"/>
+            </a:schemeClr>
+          </a:solidFill>
+        </p:spPr>
+        <p:txBody>
+          <a:bodyPr wrap="square" rtlCol="0">
+            <a:spAutoFit/>
+          </a:bodyPr>
+          <a:lstStyle/>
+          <a:p>
+            <a:pPr algn="ctr"/>
+            <a:r>
+              <a:rPr lang="en-AU" sz="2400" dirty="0">
+                <a:solidFill>
+                  <a:schemeClr val="bg1"/>
+                </a:solidFill>
+              </a:rPr>
+              <a:t>D</a:t>
+            </a:r>
+          </a:p>
+        </p:txBody>
+      </p:sp>
+      <p:sp>
+        <p:nvSpPr>
+          <p:cNvPr id="245" name="TextBox 244">
+            <a:extLst>
+              <a:ext uri="{FF2B5EF4-FFF2-40B4-BE49-F238E27FC236}">
+                <a16:creationId xmlns:a16="http://schemas.microsoft.com/office/drawing/2014/main" id="{478A620B-7BAA-C145-9119-3323DA6768E8}"/>
+              </a:ext>
+            </a:extLst>
+          </p:cNvPr>
+          <p:cNvSpPr txBox="1"/>
+          <p:nvPr/>
+        </p:nvSpPr>
+        <p:spPr>
+          <a:xfrm>
+            <a:off x="3928038" y="4278895"/>
+            <a:ext cx="409152" cy="461665"/>
+          </a:xfrm>
+          <a:prstGeom prst="rect">
+            <a:avLst/>
+          </a:prstGeom>
+          <a:solidFill>
+            <a:schemeClr val="bg1">
+              <a:lumMod val="50000"/>
+            </a:schemeClr>
+          </a:solidFill>
+        </p:spPr>
+        <p:txBody>
+          <a:bodyPr wrap="square" rtlCol="0">
+            <a:spAutoFit/>
+          </a:bodyPr>
+          <a:lstStyle/>
+          <a:p>
+            <a:pPr algn="ctr"/>
+            <a:r>
+              <a:rPr lang="en-AU" sz="2400" dirty="0">
+                <a:solidFill>
+                  <a:schemeClr val="bg1"/>
+                </a:solidFill>
+              </a:rPr>
+              <a:t>C</a:t>
+            </a:r>
+          </a:p>
+        </p:txBody>
+      </p:sp>
     </p:spTree>
     <p:extLst>
       <p:ext uri="{BB962C8B-B14F-4D97-AF65-F5344CB8AC3E}">

--- a/graphics/Graphics.pptx
+++ b/graphics/Graphics.pptx
@@ -121,7 +121,7 @@
   <p:extLst>
     <p:ext uri="{EFAFB233-063F-42B5-8137-9DF3F51BA10A}">
       <p15:sldGuideLst xmlns:p15="http://schemas.microsoft.com/office/powerpoint/2012/main">
-        <p15:guide id="1" orient="horz" pos="3120" userDrawn="1">
+        <p15:guide id="1" orient="horz" pos="3097" userDrawn="1">
           <p15:clr>
             <a:srgbClr val="A4A3A4"/>
           </p15:clr>
@@ -219,7 +219,7 @@
           <a:p>
             <a:fld id="{45933B21-E436-3A46-ADDA-424A82352920}" type="datetimeFigureOut">
               <a:rPr lang="en-AU" smtClean="0"/>
-              <a:t>31/12/22</a:t>
+              <a:t>1/1/23</a:t>
             </a:fld>
             <a:endParaRPr lang="en-AU"/>
           </a:p>
@@ -618,7 +618,7 @@
           <a:p>
             <a:fld id="{84CBB076-2C69-DC49-A9FF-99213B15956D}" type="datetimeFigureOut">
               <a:rPr lang="en-AU" smtClean="0"/>
-              <a:t>31/12/22</a:t>
+              <a:t>1/1/23</a:t>
             </a:fld>
             <a:endParaRPr lang="en-AU"/>
           </a:p>
@@ -788,7 +788,7 @@
           <a:p>
             <a:fld id="{84CBB076-2C69-DC49-A9FF-99213B15956D}" type="datetimeFigureOut">
               <a:rPr lang="en-AU" smtClean="0"/>
-              <a:t>31/12/22</a:t>
+              <a:t>1/1/23</a:t>
             </a:fld>
             <a:endParaRPr lang="en-AU"/>
           </a:p>
@@ -968,7 +968,7 @@
           <a:p>
             <a:fld id="{84CBB076-2C69-DC49-A9FF-99213B15956D}" type="datetimeFigureOut">
               <a:rPr lang="en-AU" smtClean="0"/>
-              <a:t>31/12/22</a:t>
+              <a:t>1/1/23</a:t>
             </a:fld>
             <a:endParaRPr lang="en-AU"/>
           </a:p>
@@ -1138,7 +1138,7 @@
           <a:p>
             <a:fld id="{84CBB076-2C69-DC49-A9FF-99213B15956D}" type="datetimeFigureOut">
               <a:rPr lang="en-AU" smtClean="0"/>
-              <a:t>31/12/22</a:t>
+              <a:t>1/1/23</a:t>
             </a:fld>
             <a:endParaRPr lang="en-AU"/>
           </a:p>
@@ -1382,7 +1382,7 @@
           <a:p>
             <a:fld id="{84CBB076-2C69-DC49-A9FF-99213B15956D}" type="datetimeFigureOut">
               <a:rPr lang="en-AU" smtClean="0"/>
-              <a:t>31/12/22</a:t>
+              <a:t>1/1/23</a:t>
             </a:fld>
             <a:endParaRPr lang="en-AU"/>
           </a:p>
@@ -1614,7 +1614,7 @@
           <a:p>
             <a:fld id="{84CBB076-2C69-DC49-A9FF-99213B15956D}" type="datetimeFigureOut">
               <a:rPr lang="en-AU" smtClean="0"/>
-              <a:t>31/12/22</a:t>
+              <a:t>1/1/23</a:t>
             </a:fld>
             <a:endParaRPr lang="en-AU"/>
           </a:p>
@@ -1981,7 +1981,7 @@
           <a:p>
             <a:fld id="{84CBB076-2C69-DC49-A9FF-99213B15956D}" type="datetimeFigureOut">
               <a:rPr lang="en-AU" smtClean="0"/>
-              <a:t>31/12/22</a:t>
+              <a:t>1/1/23</a:t>
             </a:fld>
             <a:endParaRPr lang="en-AU"/>
           </a:p>
@@ -2099,7 +2099,7 @@
           <a:p>
             <a:fld id="{84CBB076-2C69-DC49-A9FF-99213B15956D}" type="datetimeFigureOut">
               <a:rPr lang="en-AU" smtClean="0"/>
-              <a:t>31/12/22</a:t>
+              <a:t>1/1/23</a:t>
             </a:fld>
             <a:endParaRPr lang="en-AU"/>
           </a:p>
@@ -2194,7 +2194,7 @@
           <a:p>
             <a:fld id="{84CBB076-2C69-DC49-A9FF-99213B15956D}" type="datetimeFigureOut">
               <a:rPr lang="en-AU" smtClean="0"/>
-              <a:t>31/12/22</a:t>
+              <a:t>1/1/23</a:t>
             </a:fld>
             <a:endParaRPr lang="en-AU"/>
           </a:p>
@@ -2471,7 +2471,7 @@
           <a:p>
             <a:fld id="{84CBB076-2C69-DC49-A9FF-99213B15956D}" type="datetimeFigureOut">
               <a:rPr lang="en-AU" smtClean="0"/>
-              <a:t>31/12/22</a:t>
+              <a:t>1/1/23</a:t>
             </a:fld>
             <a:endParaRPr lang="en-AU"/>
           </a:p>
@@ -2728,7 +2728,7 @@
           <a:p>
             <a:fld id="{84CBB076-2C69-DC49-A9FF-99213B15956D}" type="datetimeFigureOut">
               <a:rPr lang="en-AU" smtClean="0"/>
-              <a:t>31/12/22</a:t>
+              <a:t>1/1/23</a:t>
             </a:fld>
             <a:endParaRPr lang="en-AU"/>
           </a:p>
@@ -2941,7 +2941,7 @@
           <a:p>
             <a:fld id="{84CBB076-2C69-DC49-A9FF-99213B15956D}" type="datetimeFigureOut">
               <a:rPr lang="en-AU" smtClean="0"/>
-              <a:t>31/12/22</a:t>
+              <a:t>1/1/23</a:t>
             </a:fld>
             <a:endParaRPr lang="en-AU"/>
           </a:p>
@@ -6548,10 +6548,54 @@
       </p:grpSpPr>
       <p:sp>
         <p:nvSpPr>
-          <p:cNvPr id="5" name="Rounded Rectangle 4">
-            <a:extLst>
-              <a:ext uri="{FF2B5EF4-FFF2-40B4-BE49-F238E27FC236}">
-                <a16:creationId xmlns:a16="http://schemas.microsoft.com/office/drawing/2014/main" id="{3C953649-ED7C-3742-AAEA-8B243B81C427}"/>
+          <p:cNvPr id="177" name="TextBox 176">
+            <a:extLst>
+              <a:ext uri="{FF2B5EF4-FFF2-40B4-BE49-F238E27FC236}">
+                <a16:creationId xmlns:a16="http://schemas.microsoft.com/office/drawing/2014/main" id="{A8F28B68-A42C-9D49-8A58-716CD97FFA87}"/>
+              </a:ext>
+            </a:extLst>
+          </p:cNvPr>
+          <p:cNvSpPr txBox="1"/>
+          <p:nvPr/>
+        </p:nvSpPr>
+        <p:spPr>
+          <a:xfrm>
+            <a:off x="3862271" y="4904470"/>
+            <a:ext cx="409152" cy="461665"/>
+          </a:xfrm>
+          <a:prstGeom prst="rect">
+            <a:avLst/>
+          </a:prstGeom>
+          <a:solidFill>
+            <a:schemeClr val="bg1">
+              <a:lumMod val="50000"/>
+            </a:schemeClr>
+          </a:solidFill>
+        </p:spPr>
+        <p:txBody>
+          <a:bodyPr wrap="square" rtlCol="0">
+            <a:spAutoFit/>
+          </a:bodyPr>
+          <a:lstStyle/>
+          <a:p>
+            <a:pPr algn="ctr"/>
+            <a:r>
+              <a:rPr lang="en-AU" sz="2400" dirty="0">
+                <a:solidFill>
+                  <a:schemeClr val="bg1"/>
+                </a:solidFill>
+              </a:rPr>
+              <a:t>C</a:t>
+            </a:r>
+          </a:p>
+        </p:txBody>
+      </p:sp>
+      <p:sp>
+        <p:nvSpPr>
+          <p:cNvPr id="126" name="Rounded Rectangle 125">
+            <a:extLst>
+              <a:ext uri="{FF2B5EF4-FFF2-40B4-BE49-F238E27FC236}">
+                <a16:creationId xmlns:a16="http://schemas.microsoft.com/office/drawing/2014/main" id="{B29459B4-8365-3E48-A41A-56417A273601}"/>
               </a:ext>
             </a:extLst>
           </p:cNvPr>
@@ -6562,7 +6606,117 @@
         </p:nvSpPr>
         <p:spPr>
           <a:xfrm>
-            <a:off x="59477" y="7708143"/>
+            <a:off x="3412295" y="3517585"/>
+            <a:ext cx="3224922" cy="4745928"/>
+          </a:xfrm>
+          <a:prstGeom prst="roundRect">
+            <a:avLst/>
+          </a:prstGeom>
+          <a:noFill/>
+          <a:ln w="38100">
+            <a:solidFill>
+              <a:schemeClr val="tx1"/>
+            </a:solidFill>
+          </a:ln>
+        </p:spPr>
+        <p:style>
+          <a:lnRef idx="2">
+            <a:schemeClr val="accent1">
+              <a:shade val="50000"/>
+            </a:schemeClr>
+          </a:lnRef>
+          <a:fillRef idx="1">
+            <a:schemeClr val="accent1"/>
+          </a:fillRef>
+          <a:effectRef idx="0">
+            <a:schemeClr val="accent1"/>
+          </a:effectRef>
+          <a:fontRef idx="minor">
+            <a:schemeClr val="lt1"/>
+          </a:fontRef>
+        </p:style>
+        <p:txBody>
+          <a:bodyPr rtlCol="0" anchor="ctr"/>
+          <a:lstStyle/>
+          <a:p>
+            <a:pPr algn="ctr"/>
+            <a:endParaRPr lang="en-AU" sz="2400"/>
+          </a:p>
+        </p:txBody>
+      </p:sp>
+      <p:sp>
+        <p:nvSpPr>
+          <p:cNvPr id="85" name="Rounded Rectangle 84">
+            <a:extLst>
+              <a:ext uri="{FF2B5EF4-FFF2-40B4-BE49-F238E27FC236}">
+                <a16:creationId xmlns:a16="http://schemas.microsoft.com/office/drawing/2014/main" id="{034ABB30-A824-7248-A201-177CFC37B0C3}"/>
+              </a:ext>
+            </a:extLst>
+          </p:cNvPr>
+          <p:cNvSpPr>
+            <a:spLocks noChangeAspect="1"/>
+          </p:cNvSpPr>
+          <p:nvPr/>
+        </p:nvSpPr>
+        <p:spPr>
+          <a:xfrm>
+            <a:off x="3401789" y="204951"/>
+            <a:ext cx="3240000" cy="4573644"/>
+          </a:xfrm>
+          <a:prstGeom prst="roundRect">
+            <a:avLst/>
+          </a:prstGeom>
+          <a:solidFill>
+            <a:schemeClr val="bg1"/>
+          </a:solidFill>
+          <a:ln w="38100">
+            <a:solidFill>
+              <a:schemeClr val="tx1"/>
+            </a:solidFill>
+          </a:ln>
+        </p:spPr>
+        <p:style>
+          <a:lnRef idx="2">
+            <a:schemeClr val="accent1">
+              <a:shade val="50000"/>
+            </a:schemeClr>
+          </a:lnRef>
+          <a:fillRef idx="1">
+            <a:schemeClr val="accent1"/>
+          </a:fillRef>
+          <a:effectRef idx="0">
+            <a:schemeClr val="accent1"/>
+          </a:effectRef>
+          <a:fontRef idx="minor">
+            <a:schemeClr val="lt1"/>
+          </a:fontRef>
+        </p:style>
+        <p:txBody>
+          <a:bodyPr rtlCol="0" anchor="ctr"/>
+          <a:lstStyle/>
+          <a:p>
+            <a:pPr algn="ctr"/>
+            <a:endParaRPr lang="en-AU" sz="2400"/>
+          </a:p>
+        </p:txBody>
+      </p:sp>
+      <p:sp>
+        <p:nvSpPr>
+          <p:cNvPr id="173" name="Rounded Rectangle 172">
+            <a:extLst>
+              <a:ext uri="{FF2B5EF4-FFF2-40B4-BE49-F238E27FC236}">
+                <a16:creationId xmlns:a16="http://schemas.microsoft.com/office/drawing/2014/main" id="{D8FADE35-45BC-6544-A89C-4CF58475104A}"/>
+              </a:ext>
+            </a:extLst>
+          </p:cNvPr>
+          <p:cNvSpPr>
+            <a:spLocks noChangeAspect="1"/>
+          </p:cNvSpPr>
+          <p:nvPr/>
+        </p:nvSpPr>
+        <p:spPr>
+          <a:xfrm>
+            <a:off x="3397217" y="8239335"/>
             <a:ext cx="3240000" cy="1576217"/>
           </a:xfrm>
           <a:prstGeom prst="roundRect">
@@ -6604,10 +6758,62 @@
       </p:sp>
       <p:sp>
         <p:nvSpPr>
-          <p:cNvPr id="6" name="Rounded Rectangle 5">
-            <a:extLst>
-              <a:ext uri="{FF2B5EF4-FFF2-40B4-BE49-F238E27FC236}">
-                <a16:creationId xmlns:a16="http://schemas.microsoft.com/office/drawing/2014/main" id="{781AE066-2F6F-CD4A-8C9D-2174A5C270BE}"/>
+          <p:cNvPr id="2" name="Rectangle 1">
+            <a:extLst>
+              <a:ext uri="{FF2B5EF4-FFF2-40B4-BE49-F238E27FC236}">
+                <a16:creationId xmlns:a16="http://schemas.microsoft.com/office/drawing/2014/main" id="{2A4BB3D5-DDB3-0346-BB2C-B5A1CAB77844}"/>
+              </a:ext>
+            </a:extLst>
+          </p:cNvPr>
+          <p:cNvSpPr/>
+          <p:nvPr/>
+        </p:nvSpPr>
+        <p:spPr>
+          <a:xfrm>
+            <a:off x="3370628" y="4175905"/>
+            <a:ext cx="3379648" cy="629703"/>
+          </a:xfrm>
+          <a:prstGeom prst="rect">
+            <a:avLst/>
+          </a:prstGeom>
+          <a:solidFill>
+            <a:schemeClr val="bg1"/>
+          </a:solidFill>
+          <a:ln>
+            <a:noFill/>
+          </a:ln>
+        </p:spPr>
+        <p:style>
+          <a:lnRef idx="2">
+            <a:schemeClr val="accent1">
+              <a:shade val="50000"/>
+            </a:schemeClr>
+          </a:lnRef>
+          <a:fillRef idx="1">
+            <a:schemeClr val="accent1"/>
+          </a:fillRef>
+          <a:effectRef idx="0">
+            <a:schemeClr val="accent1"/>
+          </a:effectRef>
+          <a:fontRef idx="minor">
+            <a:schemeClr val="lt1"/>
+          </a:fontRef>
+        </p:style>
+        <p:txBody>
+          <a:bodyPr rtlCol="0" anchor="ctr"/>
+          <a:lstStyle/>
+          <a:p>
+            <a:pPr algn="ctr"/>
+            <a:endParaRPr lang="en-AU"/>
+          </a:p>
+        </p:txBody>
+      </p:sp>
+      <p:sp>
+        <p:nvSpPr>
+          <p:cNvPr id="5" name="Rounded Rectangle 4">
+            <a:extLst>
+              <a:ext uri="{FF2B5EF4-FFF2-40B4-BE49-F238E27FC236}">
+                <a16:creationId xmlns:a16="http://schemas.microsoft.com/office/drawing/2014/main" id="{3C953649-ED7C-3742-AAEA-8B243B81C427}"/>
               </a:ext>
             </a:extLst>
           </p:cNvPr>
@@ -6618,7 +6824,63 @@
         </p:nvSpPr>
         <p:spPr>
           <a:xfrm>
-            <a:off x="77259" y="520745"/>
+            <a:off x="59477" y="8212648"/>
+            <a:ext cx="3240000" cy="1576217"/>
+          </a:xfrm>
+          <a:prstGeom prst="roundRect">
+            <a:avLst/>
+          </a:prstGeom>
+          <a:solidFill>
+            <a:srgbClr val="00B050"/>
+          </a:solidFill>
+          <a:ln w="38100">
+            <a:solidFill>
+              <a:schemeClr val="tx1"/>
+            </a:solidFill>
+          </a:ln>
+        </p:spPr>
+        <p:style>
+          <a:lnRef idx="2">
+            <a:schemeClr val="accent1">
+              <a:shade val="50000"/>
+            </a:schemeClr>
+          </a:lnRef>
+          <a:fillRef idx="1">
+            <a:schemeClr val="accent1"/>
+          </a:fillRef>
+          <a:effectRef idx="0">
+            <a:schemeClr val="accent1"/>
+          </a:effectRef>
+          <a:fontRef idx="minor">
+            <a:schemeClr val="lt1"/>
+          </a:fontRef>
+        </p:style>
+        <p:txBody>
+          <a:bodyPr rtlCol="0" anchor="ctr"/>
+          <a:lstStyle/>
+          <a:p>
+            <a:pPr algn="ctr"/>
+            <a:endParaRPr lang="en-AU"/>
+          </a:p>
+        </p:txBody>
+      </p:sp>
+      <p:sp>
+        <p:nvSpPr>
+          <p:cNvPr id="6" name="Rounded Rectangle 5">
+            <a:extLst>
+              <a:ext uri="{FF2B5EF4-FFF2-40B4-BE49-F238E27FC236}">
+                <a16:creationId xmlns:a16="http://schemas.microsoft.com/office/drawing/2014/main" id="{781AE066-2F6F-CD4A-8C9D-2174A5C270BE}"/>
+              </a:ext>
+            </a:extLst>
+          </p:cNvPr>
+          <p:cNvSpPr>
+            <a:spLocks noChangeAspect="1"/>
+          </p:cNvSpPr>
+          <p:nvPr/>
+        </p:nvSpPr>
+        <p:spPr>
+          <a:xfrm>
+            <a:off x="77259" y="1025250"/>
             <a:ext cx="3240000" cy="1576217"/>
           </a:xfrm>
           <a:prstGeom prst="roundRect">
@@ -6674,7 +6936,7 @@
         </p:nvSpPr>
         <p:spPr>
           <a:xfrm>
-            <a:off x="79415" y="2096962"/>
+            <a:off x="79415" y="2601467"/>
             <a:ext cx="3240000" cy="5604325"/>
           </a:xfrm>
           <a:prstGeom prst="roundRect">
@@ -6726,7 +6988,7 @@
         </p:nvSpPr>
         <p:spPr>
           <a:xfrm>
-            <a:off x="1261630" y="5722133"/>
+            <a:off x="1261630" y="6226638"/>
             <a:ext cx="922494" cy="849086"/>
           </a:xfrm>
           <a:prstGeom prst="mathMultiply">
@@ -6773,7 +7035,7 @@
         </p:nvSpPr>
         <p:spPr>
           <a:xfrm>
-            <a:off x="1302146" y="3126523"/>
+            <a:off x="1302146" y="3631028"/>
             <a:ext cx="948581" cy="951904"/>
           </a:xfrm>
           <a:prstGeom prst="mathMultiply">
@@ -6820,7 +7082,7 @@
         </p:nvSpPr>
         <p:spPr>
           <a:xfrm>
-            <a:off x="1551195" y="4920210"/>
+            <a:off x="1551195" y="5424715"/>
             <a:ext cx="721268" cy="461665"/>
           </a:xfrm>
           <a:prstGeom prst="rect">
@@ -6861,7 +7123,7 @@
         </p:nvSpPr>
         <p:spPr>
           <a:xfrm>
-            <a:off x="1571439" y="5183511"/>
+            <a:off x="1571439" y="5688016"/>
             <a:ext cx="577693" cy="461665"/>
           </a:xfrm>
           <a:prstGeom prst="rect">
@@ -6902,7 +7164,7 @@
         </p:nvSpPr>
         <p:spPr>
           <a:xfrm>
-            <a:off x="1551195" y="4668079"/>
+            <a:off x="1551195" y="5204116"/>
             <a:ext cx="721268" cy="461665"/>
           </a:xfrm>
           <a:prstGeom prst="rect">
@@ -6943,7 +7205,7 @@
         </p:nvSpPr>
         <p:spPr>
           <a:xfrm>
-            <a:off x="1578031" y="4325329"/>
+            <a:off x="1578031" y="4845600"/>
             <a:ext cx="547204" cy="461665"/>
           </a:xfrm>
           <a:prstGeom prst="rect">
@@ -6984,7 +7246,7 @@
         </p:nvSpPr>
         <p:spPr>
           <a:xfrm>
-            <a:off x="1487793" y="3366023"/>
+            <a:off x="1487793" y="3870528"/>
             <a:ext cx="843406" cy="463885"/>
           </a:xfrm>
           <a:prstGeom prst="rect">
@@ -7025,7 +7287,7 @@
         </p:nvSpPr>
         <p:spPr>
           <a:xfrm>
-            <a:off x="307804" y="2669118"/>
+            <a:off x="307804" y="3173623"/>
             <a:ext cx="762342" cy="461665"/>
           </a:xfrm>
           <a:prstGeom prst="rect">
@@ -7066,7 +7328,7 @@
         </p:nvSpPr>
         <p:spPr>
           <a:xfrm>
-            <a:off x="1149499" y="5360611"/>
+            <a:off x="1149499" y="5865116"/>
             <a:ext cx="721268" cy="461665"/>
           </a:xfrm>
           <a:prstGeom prst="rect">
@@ -7105,7 +7367,7 @@
         </p:nvSpPr>
         <p:spPr>
           <a:xfrm>
-            <a:off x="1118064" y="4924774"/>
+            <a:off x="1196946" y="5381409"/>
             <a:ext cx="721268" cy="461665"/>
           </a:xfrm>
           <a:prstGeom prst="rect">
@@ -7144,7 +7406,7 @@
         </p:nvSpPr>
         <p:spPr>
           <a:xfrm>
-            <a:off x="1017987" y="4528573"/>
+            <a:off x="986455" y="5033078"/>
             <a:ext cx="682864" cy="461665"/>
           </a:xfrm>
           <a:prstGeom prst="rect">
@@ -7183,7 +7445,7 @@
         </p:nvSpPr>
         <p:spPr>
           <a:xfrm>
-            <a:off x="1010996" y="4292175"/>
+            <a:off x="1010996" y="4623254"/>
             <a:ext cx="704537" cy="461665"/>
           </a:xfrm>
           <a:prstGeom prst="rect">
@@ -7222,7 +7484,7 @@
         </p:nvSpPr>
         <p:spPr>
           <a:xfrm>
-            <a:off x="2437813" y="3533870"/>
+            <a:off x="2437813" y="4038375"/>
             <a:ext cx="703537" cy="461665"/>
           </a:xfrm>
           <a:prstGeom prst="rect">
@@ -7261,7 +7523,7 @@
         </p:nvSpPr>
         <p:spPr>
           <a:xfrm>
-            <a:off x="1640550" y="3821721"/>
+            <a:off x="1640550" y="4326226"/>
             <a:ext cx="731983" cy="461665"/>
           </a:xfrm>
           <a:prstGeom prst="rect">
@@ -7300,7 +7562,7 @@
         </p:nvSpPr>
         <p:spPr>
           <a:xfrm>
-            <a:off x="720743" y="2927659"/>
+            <a:off x="720743" y="3432164"/>
             <a:ext cx="948581" cy="461665"/>
           </a:xfrm>
           <a:prstGeom prst="rect">
@@ -7341,7 +7603,7 @@
         </p:nvCxnSpPr>
         <p:spPr>
           <a:xfrm>
-            <a:off x="1206727" y="2425803"/>
+            <a:off x="1206727" y="2930308"/>
             <a:ext cx="985375" cy="0"/>
           </a:xfrm>
           <a:prstGeom prst="line">
@@ -7380,7 +7642,7 @@
         </p:nvSpPr>
         <p:spPr>
           <a:xfrm>
-            <a:off x="866654" y="2446200"/>
+            <a:off x="866654" y="2950705"/>
             <a:ext cx="2600940" cy="461665"/>
           </a:xfrm>
           <a:prstGeom prst="rect">
@@ -7419,7 +7681,7 @@
         </p:nvSpPr>
         <p:spPr>
           <a:xfrm>
-            <a:off x="1478698" y="3713388"/>
+            <a:off x="1478698" y="4217893"/>
             <a:ext cx="180000" cy="180000"/>
           </a:xfrm>
           <a:prstGeom prst="ellipse">
@@ -7470,7 +7732,7 @@
         </p:nvCxnSpPr>
         <p:spPr>
           <a:xfrm>
-            <a:off x="88823" y="6469056"/>
+            <a:off x="88823" y="6973561"/>
             <a:ext cx="3238092" cy="0"/>
           </a:xfrm>
           <a:prstGeom prst="line">
@@ -7514,7 +7776,7 @@
         </p:nvCxnSpPr>
         <p:spPr>
           <a:xfrm flipV="1">
-            <a:off x="85045" y="4191053"/>
+            <a:off x="85045" y="4695558"/>
             <a:ext cx="3240000" cy="0"/>
           </a:xfrm>
           <a:prstGeom prst="line">
@@ -7556,7 +7818,7 @@
         </p:nvSpPr>
         <p:spPr>
           <a:xfrm rot="19454438" flipH="1">
-            <a:off x="3960522" y="2543038"/>
+            <a:off x="3960522" y="3047543"/>
             <a:ext cx="3433966" cy="15317356"/>
           </a:xfrm>
           <a:prstGeom prst="arc">
@@ -7613,7 +7875,7 @@
         </p:nvCxnSpPr>
         <p:spPr>
           <a:xfrm flipH="1">
-            <a:off x="1062536" y="5645176"/>
+            <a:off x="1062536" y="6149681"/>
             <a:ext cx="797750" cy="779536"/>
           </a:xfrm>
           <a:prstGeom prst="straightConnector1">
@@ -7660,8 +7922,8 @@
         </p:nvCxnSpPr>
         <p:spPr>
           <a:xfrm flipH="1" flipV="1">
-            <a:off x="844216" y="5218026"/>
-            <a:ext cx="237145" cy="1023242"/>
+            <a:off x="654562" y="5329377"/>
+            <a:ext cx="352919" cy="1478818"/>
           </a:xfrm>
           <a:prstGeom prst="straightConnector1">
             <a:avLst/>
@@ -7707,7 +7969,7 @@
         </p:nvCxnSpPr>
         <p:spPr>
           <a:xfrm flipV="1">
-            <a:off x="2125235" y="4350198"/>
+            <a:off x="2125235" y="4870469"/>
             <a:ext cx="396997" cy="205964"/>
           </a:xfrm>
           <a:prstGeom prst="straightConnector1">
@@ -7751,8 +8013,8 @@
         </p:nvCxnSpPr>
         <p:spPr>
           <a:xfrm>
-            <a:off x="2697969" y="4863689"/>
-            <a:ext cx="59694" cy="1647504"/>
+            <a:off x="2697969" y="5368194"/>
+            <a:ext cx="74474" cy="1464510"/>
           </a:xfrm>
           <a:prstGeom prst="straightConnector1">
             <a:avLst/>
@@ -7793,7 +8055,7 @@
         </p:nvSpPr>
         <p:spPr>
           <a:xfrm>
-            <a:off x="2765584" y="8721484"/>
+            <a:off x="2765584" y="9225989"/>
             <a:ext cx="404594" cy="461665"/>
           </a:xfrm>
           <a:prstGeom prst="rect">
@@ -7837,7 +8099,7 @@
         </p:nvSpPr>
         <p:spPr>
           <a:xfrm>
-            <a:off x="204104" y="8721484"/>
+            <a:off x="204104" y="9225989"/>
             <a:ext cx="435536" cy="466759"/>
           </a:xfrm>
           <a:prstGeom prst="rect">
@@ -7881,7 +8143,7 @@
         </p:nvSpPr>
         <p:spPr>
           <a:xfrm>
-            <a:off x="639640" y="4756361"/>
+            <a:off x="449986" y="4867712"/>
             <a:ext cx="409152" cy="461665"/>
           </a:xfrm>
           <a:prstGeom prst="rect">
@@ -7925,7 +8187,7 @@
         </p:nvSpPr>
         <p:spPr>
           <a:xfrm>
-            <a:off x="2674832" y="3304892"/>
+            <a:off x="2674832" y="3809397"/>
             <a:ext cx="609575" cy="461665"/>
           </a:xfrm>
           <a:prstGeom prst="rect">
@@ -7966,7 +8228,7 @@
         </p:nvSpPr>
         <p:spPr>
           <a:xfrm>
-            <a:off x="2488493" y="4369673"/>
+            <a:off x="2488493" y="4874178"/>
             <a:ext cx="420691" cy="461665"/>
           </a:xfrm>
           <a:prstGeom prst="rect">
@@ -7998,10 +8260,10 @@
       </p:sp>
       <p:sp>
         <p:nvSpPr>
-          <p:cNvPr id="97" name="TextBox 96">
-            <a:extLst>
-              <a:ext uri="{FF2B5EF4-FFF2-40B4-BE49-F238E27FC236}">
-                <a16:creationId xmlns:a16="http://schemas.microsoft.com/office/drawing/2014/main" id="{A516A99E-F4BB-0E41-9D9B-24E523A4BDCA}"/>
+          <p:cNvPr id="98" name="TextBox 97">
+            <a:extLst>
+              <a:ext uri="{FF2B5EF4-FFF2-40B4-BE49-F238E27FC236}">
+                <a16:creationId xmlns:a16="http://schemas.microsoft.com/office/drawing/2014/main" id="{CD32752A-C6F2-934A-89D9-EC3B29B2B007}"/>
               </a:ext>
             </a:extLst>
           </p:cNvPr>
@@ -8010,46 +8272,7 @@
         </p:nvSpPr>
         <p:spPr>
           <a:xfrm rot="5400000">
-            <a:off x="5868063" y="2819047"/>
-            <a:ext cx="1223757" cy="461665"/>
-          </a:xfrm>
-          <a:prstGeom prst="rect">
-            <a:avLst/>
-          </a:prstGeom>
-          <a:noFill/>
-        </p:spPr>
-        <p:txBody>
-          <a:bodyPr wrap="square" rtlCol="0">
-            <a:spAutoFit/>
-          </a:bodyPr>
-          <a:lstStyle/>
-          <a:p>
-            <a:r>
-              <a:rPr lang="en-AU" sz="2400" dirty="0">
-                <a:solidFill>
-                  <a:srgbClr val="C00000"/>
-                </a:solidFill>
-              </a:rPr>
-              <a:t>Upfield</a:t>
-            </a:r>
-          </a:p>
-        </p:txBody>
-      </p:sp>
-      <p:sp>
-        <p:nvSpPr>
-          <p:cNvPr id="98" name="TextBox 97">
-            <a:extLst>
-              <a:ext uri="{FF2B5EF4-FFF2-40B4-BE49-F238E27FC236}">
-                <a16:creationId xmlns:a16="http://schemas.microsoft.com/office/drawing/2014/main" id="{CD32752A-C6F2-934A-89D9-EC3B29B2B007}"/>
-              </a:ext>
-            </a:extLst>
-          </p:cNvPr>
-          <p:cNvSpPr txBox="1"/>
-          <p:nvPr/>
-        </p:nvSpPr>
-        <p:spPr>
-          <a:xfrm rot="5400000">
-            <a:off x="5698346" y="6586871"/>
+            <a:off x="5718752" y="2226885"/>
             <a:ext cx="1576217" cy="461665"/>
           </a:xfrm>
           <a:prstGeom prst="rect">
@@ -8076,10 +8299,10 @@
       </p:sp>
       <p:cxnSp>
         <p:nvCxnSpPr>
-          <p:cNvPr id="99" name="Straight Connector 98">
-            <a:extLst>
-              <a:ext uri="{FF2B5EF4-FFF2-40B4-BE49-F238E27FC236}">
-                <a16:creationId xmlns:a16="http://schemas.microsoft.com/office/drawing/2014/main" id="{A62AE494-A388-5A4C-8BF9-3746139D669E}"/>
+          <p:cNvPr id="94" name="Straight Arrow Connector 93">
+            <a:extLst>
+              <a:ext uri="{FF2B5EF4-FFF2-40B4-BE49-F238E27FC236}">
+                <a16:creationId xmlns:a16="http://schemas.microsoft.com/office/drawing/2014/main" id="{3B287D34-3D6D-CC4B-B270-1450905D2ADB}"/>
               </a:ext>
             </a:extLst>
           </p:cNvPr>
@@ -8089,96 +8312,8 @@
           <p:nvPr/>
         </p:nvCxnSpPr>
         <p:spPr>
-          <a:xfrm flipV="1">
-            <a:off x="6462954" y="5121894"/>
-            <a:ext cx="0" cy="938269"/>
-          </a:xfrm>
-          <a:prstGeom prst="line">
-            <a:avLst/>
-          </a:prstGeom>
-          <a:ln w="60325">
-            <a:solidFill>
-              <a:srgbClr val="00B050"/>
-            </a:solidFill>
-            <a:headEnd type="stealth" w="lg" len="lg"/>
-          </a:ln>
-        </p:spPr>
-        <p:style>
-          <a:lnRef idx="1">
-            <a:schemeClr val="accent1"/>
-          </a:lnRef>
-          <a:fillRef idx="0">
-            <a:schemeClr val="accent1"/>
-          </a:fillRef>
-          <a:effectRef idx="0">
-            <a:schemeClr val="accent1"/>
-          </a:effectRef>
-          <a:fontRef idx="minor">
-            <a:schemeClr val="tx1"/>
-          </a:fontRef>
-        </p:style>
-      </p:cxnSp>
-      <p:cxnSp>
-        <p:nvCxnSpPr>
-          <p:cNvPr id="123" name="Straight Connector 122">
-            <a:extLst>
-              <a:ext uri="{FF2B5EF4-FFF2-40B4-BE49-F238E27FC236}">
-                <a16:creationId xmlns:a16="http://schemas.microsoft.com/office/drawing/2014/main" id="{5AC45312-D409-B341-8CF8-6DE2A01B6087}"/>
-              </a:ext>
-            </a:extLst>
-          </p:cNvPr>
-          <p:cNvCxnSpPr>
-            <a:cxnSpLocks/>
-          </p:cNvCxnSpPr>
-          <p:nvPr/>
-        </p:nvCxnSpPr>
-        <p:spPr>
-          <a:xfrm>
-            <a:off x="6502172" y="3486566"/>
-            <a:ext cx="0" cy="839561"/>
-          </a:xfrm>
-          <a:prstGeom prst="line">
-            <a:avLst/>
-          </a:prstGeom>
-          <a:ln w="60325">
-            <a:solidFill>
-              <a:srgbClr val="C00000"/>
-            </a:solidFill>
-            <a:headEnd type="stealth" w="lg" len="lg"/>
-          </a:ln>
-        </p:spPr>
-        <p:style>
-          <a:lnRef idx="1">
-            <a:schemeClr val="accent1"/>
-          </a:lnRef>
-          <a:fillRef idx="0">
-            <a:schemeClr val="accent1"/>
-          </a:fillRef>
-          <a:effectRef idx="0">
-            <a:schemeClr val="accent1"/>
-          </a:effectRef>
-          <a:fontRef idx="minor">
-            <a:schemeClr val="tx1"/>
-          </a:fontRef>
-        </p:style>
-      </p:cxnSp>
-      <p:cxnSp>
-        <p:nvCxnSpPr>
-          <p:cNvPr id="94" name="Straight Arrow Connector 93">
-            <a:extLst>
-              <a:ext uri="{FF2B5EF4-FFF2-40B4-BE49-F238E27FC236}">
-                <a16:creationId xmlns:a16="http://schemas.microsoft.com/office/drawing/2014/main" id="{3B287D34-3D6D-CC4B-B270-1450905D2ADB}"/>
-              </a:ext>
-            </a:extLst>
-          </p:cNvPr>
-          <p:cNvCxnSpPr>
-            <a:cxnSpLocks/>
-          </p:cNvCxnSpPr>
-          <p:nvPr/>
-        </p:nvCxnSpPr>
-        <p:spPr>
           <a:xfrm flipH="1" flipV="1">
-            <a:off x="2131087" y="6060163"/>
+            <a:off x="2131087" y="6564668"/>
             <a:ext cx="470011" cy="303048"/>
           </a:xfrm>
           <a:prstGeom prst="straightConnector1">
@@ -8222,7 +8357,7 @@
         </p:nvCxnSpPr>
         <p:spPr>
           <a:xfrm>
-            <a:off x="1977454" y="3702329"/>
+            <a:off x="1977454" y="4206834"/>
             <a:ext cx="592204" cy="573037"/>
           </a:xfrm>
           <a:prstGeom prst="straightConnector1">
@@ -8253,34 +8388,25 @@
       </p:cxnSp>
       <p:sp>
         <p:nvSpPr>
-          <p:cNvPr id="77" name="Rounded Rectangle 76">
-            <a:extLst>
-              <a:ext uri="{FF2B5EF4-FFF2-40B4-BE49-F238E27FC236}">
-                <a16:creationId xmlns:a16="http://schemas.microsoft.com/office/drawing/2014/main" id="{A203BD46-E277-DC4B-898D-255DE305CD08}"/>
-              </a:ext>
-            </a:extLst>
-          </p:cNvPr>
-          <p:cNvSpPr>
-            <a:spLocks noChangeAspect="1"/>
-          </p:cNvSpPr>
-          <p:nvPr/>
-        </p:nvSpPr>
-        <p:spPr>
-          <a:xfrm>
-            <a:off x="3395899" y="7708143"/>
-            <a:ext cx="3240000" cy="1576217"/>
-          </a:xfrm>
-          <a:prstGeom prst="roundRect">
-            <a:avLst/>
-          </a:prstGeom>
-          <a:solidFill>
-            <a:srgbClr val="00B050"/>
-          </a:solidFill>
-          <a:ln w="38100">
-            <a:solidFill>
-              <a:schemeClr val="tx1"/>
-            </a:solidFill>
-          </a:ln>
+          <p:cNvPr id="87" name="Multiply 86">
+            <a:extLst>
+              <a:ext uri="{FF2B5EF4-FFF2-40B4-BE49-F238E27FC236}">
+                <a16:creationId xmlns:a16="http://schemas.microsoft.com/office/drawing/2014/main" id="{99234C1F-4633-CC4B-8E97-8F896EA2F623}"/>
+              </a:ext>
+            </a:extLst>
+          </p:cNvPr>
+          <p:cNvSpPr/>
+          <p:nvPr/>
+        </p:nvSpPr>
+        <p:spPr>
+          <a:xfrm>
+            <a:off x="4584004" y="2931461"/>
+            <a:ext cx="922494" cy="849086"/>
+          </a:xfrm>
+          <a:prstGeom prst="mathMultiply">
+            <a:avLst/>
+          </a:prstGeom>
+          <a:noFill/>
         </p:spPr>
         <p:style>
           <a:lnRef idx="2">
@@ -8303,40 +8429,31 @@
           <a:lstStyle/>
           <a:p>
             <a:pPr algn="ctr"/>
-            <a:endParaRPr lang="en-AU"/>
-          </a:p>
-        </p:txBody>
-      </p:sp>
-      <p:sp>
-        <p:nvSpPr>
-          <p:cNvPr id="84" name="Rounded Rectangle 83">
-            <a:extLst>
-              <a:ext uri="{FF2B5EF4-FFF2-40B4-BE49-F238E27FC236}">
-                <a16:creationId xmlns:a16="http://schemas.microsoft.com/office/drawing/2014/main" id="{A45E27BA-EF0A-7445-8548-54192A6C27E0}"/>
-              </a:ext>
-            </a:extLst>
-          </p:cNvPr>
-          <p:cNvSpPr>
-            <a:spLocks noChangeAspect="1"/>
-          </p:cNvSpPr>
-          <p:nvPr/>
-        </p:nvSpPr>
-        <p:spPr>
-          <a:xfrm>
-            <a:off x="3413681" y="520745"/>
-            <a:ext cx="3240000" cy="1576217"/>
-          </a:xfrm>
-          <a:prstGeom prst="roundRect">
-            <a:avLst/>
-          </a:prstGeom>
-          <a:solidFill>
-            <a:srgbClr val="FF0000"/>
-          </a:solidFill>
-          <a:ln w="38100">
-            <a:solidFill>
-              <a:schemeClr val="tx1"/>
-            </a:solidFill>
-          </a:ln>
+            <a:endParaRPr lang="en-AU" sz="2400"/>
+          </a:p>
+        </p:txBody>
+      </p:sp>
+      <p:sp>
+        <p:nvSpPr>
+          <p:cNvPr id="88" name="Multiply 87">
+            <a:extLst>
+              <a:ext uri="{FF2B5EF4-FFF2-40B4-BE49-F238E27FC236}">
+                <a16:creationId xmlns:a16="http://schemas.microsoft.com/office/drawing/2014/main" id="{45403133-B221-124E-8CA7-8B3672E67FBE}"/>
+              </a:ext>
+            </a:extLst>
+          </p:cNvPr>
+          <p:cNvSpPr/>
+          <p:nvPr/>
+        </p:nvSpPr>
+        <p:spPr>
+          <a:xfrm>
+            <a:off x="4624520" y="335851"/>
+            <a:ext cx="948581" cy="951904"/>
+          </a:xfrm>
+          <a:prstGeom prst="mathMultiply">
+            <a:avLst/>
+          </a:prstGeom>
+          <a:noFill/>
         </p:spPr>
         <p:style>
           <a:lnRef idx="2">
@@ -8359,160 +8476,12 @@
           <a:lstStyle/>
           <a:p>
             <a:pPr algn="ctr"/>
-            <a:endParaRPr lang="en-AU" dirty="0"/>
-          </a:p>
-        </p:txBody>
-      </p:sp>
-      <p:sp>
-        <p:nvSpPr>
-          <p:cNvPr id="85" name="Rounded Rectangle 84">
-            <a:extLst>
-              <a:ext uri="{FF2B5EF4-FFF2-40B4-BE49-F238E27FC236}">
-                <a16:creationId xmlns:a16="http://schemas.microsoft.com/office/drawing/2014/main" id="{034ABB30-A824-7248-A201-177CFC37B0C3}"/>
-              </a:ext>
-            </a:extLst>
-          </p:cNvPr>
-          <p:cNvSpPr>
-            <a:spLocks noChangeAspect="1"/>
-          </p:cNvSpPr>
-          <p:nvPr/>
-        </p:nvSpPr>
-        <p:spPr>
-          <a:xfrm>
-            <a:off x="3415837" y="2096962"/>
-            <a:ext cx="3240000" cy="5604325"/>
-          </a:xfrm>
-          <a:prstGeom prst="roundRect">
-            <a:avLst/>
-          </a:prstGeom>
-          <a:noFill/>
-          <a:ln w="38100">
-            <a:solidFill>
-              <a:schemeClr val="tx1"/>
-            </a:solidFill>
-          </a:ln>
-        </p:spPr>
-        <p:style>
-          <a:lnRef idx="2">
-            <a:schemeClr val="accent1">
-              <a:shade val="50000"/>
-            </a:schemeClr>
-          </a:lnRef>
-          <a:fillRef idx="1">
-            <a:schemeClr val="accent1"/>
-          </a:fillRef>
-          <a:effectRef idx="0">
-            <a:schemeClr val="accent1"/>
-          </a:effectRef>
-          <a:fontRef idx="minor">
-            <a:schemeClr val="lt1"/>
-          </a:fontRef>
-        </p:style>
-        <p:txBody>
-          <a:bodyPr rtlCol="0" anchor="ctr"/>
-          <a:lstStyle/>
-          <a:p>
-            <a:pPr algn="ctr"/>
             <a:endParaRPr lang="en-AU" sz="2400"/>
           </a:p>
         </p:txBody>
       </p:sp>
       <p:sp>
         <p:nvSpPr>
-          <p:cNvPr id="87" name="Multiply 86">
-            <a:extLst>
-              <a:ext uri="{FF2B5EF4-FFF2-40B4-BE49-F238E27FC236}">
-                <a16:creationId xmlns:a16="http://schemas.microsoft.com/office/drawing/2014/main" id="{99234C1F-4633-CC4B-8E97-8F896EA2F623}"/>
-              </a:ext>
-            </a:extLst>
-          </p:cNvPr>
-          <p:cNvSpPr/>
-          <p:nvPr/>
-        </p:nvSpPr>
-        <p:spPr>
-          <a:xfrm>
-            <a:off x="4598052" y="5722133"/>
-            <a:ext cx="922494" cy="849086"/>
-          </a:xfrm>
-          <a:prstGeom prst="mathMultiply">
-            <a:avLst/>
-          </a:prstGeom>
-          <a:noFill/>
-        </p:spPr>
-        <p:style>
-          <a:lnRef idx="2">
-            <a:schemeClr val="accent1">
-              <a:shade val="50000"/>
-            </a:schemeClr>
-          </a:lnRef>
-          <a:fillRef idx="1">
-            <a:schemeClr val="accent1"/>
-          </a:fillRef>
-          <a:effectRef idx="0">
-            <a:schemeClr val="accent1"/>
-          </a:effectRef>
-          <a:fontRef idx="minor">
-            <a:schemeClr val="lt1"/>
-          </a:fontRef>
-        </p:style>
-        <p:txBody>
-          <a:bodyPr rtlCol="0" anchor="ctr"/>
-          <a:lstStyle/>
-          <a:p>
-            <a:pPr algn="ctr"/>
-            <a:endParaRPr lang="en-AU" sz="2400"/>
-          </a:p>
-        </p:txBody>
-      </p:sp>
-      <p:sp>
-        <p:nvSpPr>
-          <p:cNvPr id="88" name="Multiply 87">
-            <a:extLst>
-              <a:ext uri="{FF2B5EF4-FFF2-40B4-BE49-F238E27FC236}">
-                <a16:creationId xmlns:a16="http://schemas.microsoft.com/office/drawing/2014/main" id="{45403133-B221-124E-8CA7-8B3672E67FBE}"/>
-              </a:ext>
-            </a:extLst>
-          </p:cNvPr>
-          <p:cNvSpPr/>
-          <p:nvPr/>
-        </p:nvSpPr>
-        <p:spPr>
-          <a:xfrm>
-            <a:off x="4638568" y="3126523"/>
-            <a:ext cx="948581" cy="951904"/>
-          </a:xfrm>
-          <a:prstGeom prst="mathMultiply">
-            <a:avLst/>
-          </a:prstGeom>
-          <a:noFill/>
-        </p:spPr>
-        <p:style>
-          <a:lnRef idx="2">
-            <a:schemeClr val="accent1">
-              <a:shade val="50000"/>
-            </a:schemeClr>
-          </a:lnRef>
-          <a:fillRef idx="1">
-            <a:schemeClr val="accent1"/>
-          </a:fillRef>
-          <a:effectRef idx="0">
-            <a:schemeClr val="accent1"/>
-          </a:effectRef>
-          <a:fontRef idx="minor">
-            <a:schemeClr val="lt1"/>
-          </a:fontRef>
-        </p:style>
-        <p:txBody>
-          <a:bodyPr rtlCol="0" anchor="ctr"/>
-          <a:lstStyle/>
-          <a:p>
-            <a:pPr algn="ctr"/>
-            <a:endParaRPr lang="en-AU" sz="2400"/>
-          </a:p>
-        </p:txBody>
-      </p:sp>
-      <p:sp>
-        <p:nvSpPr>
           <p:cNvPr id="89" name="TextBox 88">
             <a:extLst>
               <a:ext uri="{FF2B5EF4-FFF2-40B4-BE49-F238E27FC236}">
@@ -8525,7 +8494,7 @@
         </p:nvSpPr>
         <p:spPr>
           <a:xfrm>
-            <a:off x="4887617" y="4920210"/>
+            <a:off x="4873569" y="2129538"/>
             <a:ext cx="721268" cy="461665"/>
           </a:xfrm>
           <a:prstGeom prst="rect">
@@ -8566,7 +8535,7 @@
         </p:nvSpPr>
         <p:spPr>
           <a:xfrm>
-            <a:off x="4937097" y="5342410"/>
+            <a:off x="4010610" y="2111751"/>
             <a:ext cx="577693" cy="461665"/>
           </a:xfrm>
           <a:prstGeom prst="rect">
@@ -8607,7 +8576,7 @@
         </p:nvSpPr>
         <p:spPr>
           <a:xfrm>
-            <a:off x="4887617" y="4668079"/>
+            <a:off x="4815590" y="1718960"/>
             <a:ext cx="721268" cy="461665"/>
           </a:xfrm>
           <a:prstGeom prst="rect">
@@ -8648,7 +8617,7 @@
         </p:nvSpPr>
         <p:spPr>
           <a:xfrm>
-            <a:off x="5335283" y="7194752"/>
+            <a:off x="5841225" y="4073226"/>
             <a:ext cx="547204" cy="461665"/>
           </a:xfrm>
           <a:prstGeom prst="rect">
@@ -8689,7 +8658,7 @@
         </p:nvSpPr>
         <p:spPr>
           <a:xfrm>
-            <a:off x="4824215" y="3366023"/>
+            <a:off x="4810167" y="575351"/>
             <a:ext cx="843406" cy="463885"/>
           </a:xfrm>
           <a:prstGeom prst="rect">
@@ -8718,20 +8687,347 @@
       </p:sp>
       <p:sp>
         <p:nvSpPr>
-          <p:cNvPr id="106" name="TextBox 105">
-            <a:extLst>
-              <a:ext uri="{FF2B5EF4-FFF2-40B4-BE49-F238E27FC236}">
-                <a16:creationId xmlns:a16="http://schemas.microsoft.com/office/drawing/2014/main" id="{8DD5C217-D760-474A-A618-C0BB008DB910}"/>
-              </a:ext>
-            </a:extLst>
-          </p:cNvPr>
-          <p:cNvSpPr txBox="1"/>
-          <p:nvPr/>
-        </p:nvSpPr>
-        <p:spPr>
-          <a:xfrm>
-            <a:off x="3644226" y="2669118"/>
-            <a:ext cx="762342" cy="461665"/>
+          <p:cNvPr id="107" name="TextBox 106">
+            <a:extLst>
+              <a:ext uri="{FF2B5EF4-FFF2-40B4-BE49-F238E27FC236}">
+                <a16:creationId xmlns:a16="http://schemas.microsoft.com/office/drawing/2014/main" id="{C236B1E9-DD84-2E48-9E6D-42517A2D3E5A}"/>
+              </a:ext>
+            </a:extLst>
+          </p:cNvPr>
+          <p:cNvSpPr txBox="1"/>
+          <p:nvPr/>
+        </p:nvSpPr>
+        <p:spPr>
+          <a:xfrm>
+            <a:off x="4094322" y="1872822"/>
+            <a:ext cx="721268" cy="461665"/>
+          </a:xfrm>
+          <a:prstGeom prst="rect">
+            <a:avLst/>
+          </a:prstGeom>
+          <a:noFill/>
+        </p:spPr>
+        <p:txBody>
+          <a:bodyPr wrap="square" rtlCol="0">
+            <a:spAutoFit/>
+          </a:bodyPr>
+          <a:lstStyle/>
+          <a:p>
+            <a:r>
+              <a:rPr lang="en-AU" sz="2400" dirty="0">
+                <a:solidFill>
+                  <a:srgbClr val="0070C0"/>
+                </a:solidFill>
+              </a:rPr>
+              <a:t>D8</a:t>
+            </a:r>
+          </a:p>
+        </p:txBody>
+      </p:sp>
+      <p:sp>
+        <p:nvSpPr>
+          <p:cNvPr id="111" name="TextBox 110">
+            <a:extLst>
+              <a:ext uri="{FF2B5EF4-FFF2-40B4-BE49-F238E27FC236}">
+                <a16:creationId xmlns:a16="http://schemas.microsoft.com/office/drawing/2014/main" id="{AFED50A8-2D2E-E94C-8202-8AE74BE296DA}"/>
+              </a:ext>
+            </a:extLst>
+          </p:cNvPr>
+          <p:cNvSpPr txBox="1"/>
+          <p:nvPr/>
+        </p:nvSpPr>
+        <p:spPr>
+          <a:xfrm>
+            <a:off x="4652651" y="1944767"/>
+            <a:ext cx="721268" cy="461665"/>
+          </a:xfrm>
+          <a:prstGeom prst="rect">
+            <a:avLst/>
+          </a:prstGeom>
+          <a:noFill/>
+        </p:spPr>
+        <p:txBody>
+          <a:bodyPr wrap="square" rtlCol="0">
+            <a:spAutoFit/>
+          </a:bodyPr>
+          <a:lstStyle/>
+          <a:p>
+            <a:r>
+              <a:rPr lang="en-AU" sz="2400" dirty="0">
+                <a:solidFill>
+                  <a:srgbClr val="0070C0"/>
+                </a:solidFill>
+              </a:rPr>
+              <a:t>D9</a:t>
+            </a:r>
+          </a:p>
+        </p:txBody>
+      </p:sp>
+      <p:sp>
+        <p:nvSpPr>
+          <p:cNvPr id="112" name="TextBox 111">
+            <a:extLst>
+              <a:ext uri="{FF2B5EF4-FFF2-40B4-BE49-F238E27FC236}">
+                <a16:creationId xmlns:a16="http://schemas.microsoft.com/office/drawing/2014/main" id="{26814751-F8DB-8340-9A4E-02F138EBE751}"/>
+              </a:ext>
+            </a:extLst>
+          </p:cNvPr>
+          <p:cNvSpPr txBox="1"/>
+          <p:nvPr/>
+        </p:nvSpPr>
+        <p:spPr>
+          <a:xfrm>
+            <a:off x="4621199" y="1501503"/>
+            <a:ext cx="682864" cy="461665"/>
+          </a:xfrm>
+          <a:prstGeom prst="rect">
+            <a:avLst/>
+          </a:prstGeom>
+          <a:noFill/>
+        </p:spPr>
+        <p:txBody>
+          <a:bodyPr wrap="square" rtlCol="0">
+            <a:spAutoFit/>
+          </a:bodyPr>
+          <a:lstStyle/>
+          <a:p>
+            <a:r>
+              <a:rPr lang="en-AU" sz="2400" dirty="0">
+                <a:solidFill>
+                  <a:srgbClr val="0070C0"/>
+                </a:solidFill>
+              </a:rPr>
+              <a:t>D10</a:t>
+            </a:r>
+          </a:p>
+        </p:txBody>
+      </p:sp>
+      <p:sp>
+        <p:nvSpPr>
+          <p:cNvPr id="113" name="TextBox 112">
+            <a:extLst>
+              <a:ext uri="{FF2B5EF4-FFF2-40B4-BE49-F238E27FC236}">
+                <a16:creationId xmlns:a16="http://schemas.microsoft.com/office/drawing/2014/main" id="{97D869DA-A75D-8A48-9251-3301C7B87164}"/>
+              </a:ext>
+            </a:extLst>
+          </p:cNvPr>
+          <p:cNvSpPr txBox="1"/>
+          <p:nvPr/>
+        </p:nvSpPr>
+        <p:spPr>
+          <a:xfrm>
+            <a:off x="4679657" y="3722510"/>
+            <a:ext cx="704537" cy="461665"/>
+          </a:xfrm>
+          <a:prstGeom prst="rect">
+            <a:avLst/>
+          </a:prstGeom>
+          <a:noFill/>
+        </p:spPr>
+        <p:txBody>
+          <a:bodyPr wrap="square" rtlCol="0">
+            <a:spAutoFit/>
+          </a:bodyPr>
+          <a:lstStyle/>
+          <a:p>
+            <a:r>
+              <a:rPr lang="en-AU" sz="2400" dirty="0">
+                <a:solidFill>
+                  <a:srgbClr val="0070C0"/>
+                </a:solidFill>
+              </a:rPr>
+              <a:t>D11</a:t>
+            </a:r>
+          </a:p>
+        </p:txBody>
+      </p:sp>
+      <p:sp>
+        <p:nvSpPr>
+          <p:cNvPr id="118" name="TextBox 117">
+            <a:extLst>
+              <a:ext uri="{FF2B5EF4-FFF2-40B4-BE49-F238E27FC236}">
+                <a16:creationId xmlns:a16="http://schemas.microsoft.com/office/drawing/2014/main" id="{DC992D4E-F746-CA4B-A7AF-5294B3B9E2C5}"/>
+              </a:ext>
+            </a:extLst>
+          </p:cNvPr>
+          <p:cNvSpPr txBox="1"/>
+          <p:nvPr/>
+        </p:nvSpPr>
+        <p:spPr>
+          <a:xfrm>
+            <a:off x="5760187" y="743198"/>
+            <a:ext cx="703537" cy="461665"/>
+          </a:xfrm>
+          <a:prstGeom prst="rect">
+            <a:avLst/>
+          </a:prstGeom>
+          <a:noFill/>
+        </p:spPr>
+        <p:txBody>
+          <a:bodyPr wrap="square" rtlCol="0">
+            <a:spAutoFit/>
+          </a:bodyPr>
+          <a:lstStyle/>
+          <a:p>
+            <a:r>
+              <a:rPr lang="en-AU" sz="2400" dirty="0">
+                <a:solidFill>
+                  <a:srgbClr val="0070C0"/>
+                </a:solidFill>
+              </a:rPr>
+              <a:t>D12</a:t>
+            </a:r>
+          </a:p>
+        </p:txBody>
+      </p:sp>
+      <p:sp>
+        <p:nvSpPr>
+          <p:cNvPr id="119" name="TextBox 118">
+            <a:extLst>
+              <a:ext uri="{FF2B5EF4-FFF2-40B4-BE49-F238E27FC236}">
+                <a16:creationId xmlns:a16="http://schemas.microsoft.com/office/drawing/2014/main" id="{05867D7D-6582-1F44-85D2-C4132D680198}"/>
+              </a:ext>
+            </a:extLst>
+          </p:cNvPr>
+          <p:cNvSpPr txBox="1"/>
+          <p:nvPr/>
+        </p:nvSpPr>
+        <p:spPr>
+          <a:xfrm>
+            <a:off x="4962924" y="1031049"/>
+            <a:ext cx="731983" cy="461665"/>
+          </a:xfrm>
+          <a:prstGeom prst="rect">
+            <a:avLst/>
+          </a:prstGeom>
+          <a:noFill/>
+        </p:spPr>
+        <p:txBody>
+          <a:bodyPr wrap="square" rtlCol="0">
+            <a:spAutoFit/>
+          </a:bodyPr>
+          <a:lstStyle/>
+          <a:p>
+            <a:r>
+              <a:rPr lang="en-AU" sz="2400" dirty="0">
+                <a:solidFill>
+                  <a:srgbClr val="0070C0"/>
+                </a:solidFill>
+              </a:rPr>
+              <a:t>D13</a:t>
+            </a:r>
+          </a:p>
+        </p:txBody>
+      </p:sp>
+      <p:sp>
+        <p:nvSpPr>
+          <p:cNvPr id="129" name="Oval 128">
+            <a:extLst>
+              <a:ext uri="{FF2B5EF4-FFF2-40B4-BE49-F238E27FC236}">
+                <a16:creationId xmlns:a16="http://schemas.microsoft.com/office/drawing/2014/main" id="{D3815397-535E-634E-A20F-FE91D9B715D2}"/>
+              </a:ext>
+            </a:extLst>
+          </p:cNvPr>
+          <p:cNvSpPr/>
+          <p:nvPr/>
+        </p:nvSpPr>
+        <p:spPr>
+          <a:xfrm>
+            <a:off x="4801072" y="922716"/>
+            <a:ext cx="180000" cy="180000"/>
+          </a:xfrm>
+          <a:prstGeom prst="ellipse">
+            <a:avLst/>
+          </a:prstGeom>
+          <a:solidFill>
+            <a:schemeClr val="tx1"/>
+          </a:solidFill>
+        </p:spPr>
+        <p:style>
+          <a:lnRef idx="2">
+            <a:schemeClr val="accent1">
+              <a:shade val="50000"/>
+            </a:schemeClr>
+          </a:lnRef>
+          <a:fillRef idx="1">
+            <a:schemeClr val="accent1"/>
+          </a:fillRef>
+          <a:effectRef idx="0">
+            <a:schemeClr val="accent1"/>
+          </a:effectRef>
+          <a:fontRef idx="minor">
+            <a:schemeClr val="lt1"/>
+          </a:fontRef>
+        </p:style>
+        <p:txBody>
+          <a:bodyPr rtlCol="0" anchor="ctr"/>
+          <a:lstStyle/>
+          <a:p>
+            <a:pPr algn="ctr"/>
+            <a:endParaRPr lang="en-AU" sz="2400"/>
+          </a:p>
+        </p:txBody>
+      </p:sp>
+      <p:cxnSp>
+        <p:nvCxnSpPr>
+          <p:cNvPr id="130" name="Straight Connector 129">
+            <a:extLst>
+              <a:ext uri="{FF2B5EF4-FFF2-40B4-BE49-F238E27FC236}">
+                <a16:creationId xmlns:a16="http://schemas.microsoft.com/office/drawing/2014/main" id="{552CEEE9-ADA4-E148-8349-934E58056053}"/>
+              </a:ext>
+            </a:extLst>
+          </p:cNvPr>
+          <p:cNvCxnSpPr>
+            <a:cxnSpLocks/>
+          </p:cNvCxnSpPr>
+          <p:nvPr/>
+        </p:nvCxnSpPr>
+        <p:spPr>
+          <a:xfrm>
+            <a:off x="3411197" y="3678384"/>
+            <a:ext cx="3238092" cy="0"/>
+          </a:xfrm>
+          <a:prstGeom prst="line">
+            <a:avLst/>
+          </a:prstGeom>
+          <a:ln w="38100">
+            <a:solidFill>
+              <a:srgbClr val="FF0000"/>
+            </a:solidFill>
+            <a:prstDash val="sysDash"/>
+          </a:ln>
+        </p:spPr>
+        <p:style>
+          <a:lnRef idx="1">
+            <a:schemeClr val="accent1"/>
+          </a:lnRef>
+          <a:fillRef idx="0">
+            <a:schemeClr val="accent1"/>
+          </a:fillRef>
+          <a:effectRef idx="0">
+            <a:schemeClr val="accent1"/>
+          </a:effectRef>
+          <a:fontRef idx="minor">
+            <a:schemeClr val="tx1"/>
+          </a:fontRef>
+        </p:style>
+      </p:cxnSp>
+      <p:sp>
+        <p:nvSpPr>
+          <p:cNvPr id="139" name="TextBox 138">
+            <a:extLst>
+              <a:ext uri="{FF2B5EF4-FFF2-40B4-BE49-F238E27FC236}">
+                <a16:creationId xmlns:a16="http://schemas.microsoft.com/office/drawing/2014/main" id="{2264E570-3673-2440-8CFD-D3B23F887920}"/>
+              </a:ext>
+            </a:extLst>
+          </p:cNvPr>
+          <p:cNvSpPr txBox="1"/>
+          <p:nvPr/>
+        </p:nvSpPr>
+        <p:spPr>
+          <a:xfrm>
+            <a:off x="5997206" y="514220"/>
+            <a:ext cx="609575" cy="461665"/>
           </a:xfrm>
           <a:prstGeom prst="rect">
             <a:avLst/>
@@ -8752,105 +9048,115 @@
                   </a:schemeClr>
                 </a:solidFill>
               </a:rPr>
-              <a:t>O7</a:t>
-            </a:r>
-          </a:p>
-        </p:txBody>
-      </p:sp>
-      <p:sp>
-        <p:nvSpPr>
-          <p:cNvPr id="107" name="TextBox 106">
-            <a:extLst>
-              <a:ext uri="{FF2B5EF4-FFF2-40B4-BE49-F238E27FC236}">
-                <a16:creationId xmlns:a16="http://schemas.microsoft.com/office/drawing/2014/main" id="{C236B1E9-DD84-2E48-9E6D-42517A2D3E5A}"/>
-              </a:ext>
-            </a:extLst>
-          </p:cNvPr>
-          <p:cNvSpPr txBox="1"/>
-          <p:nvPr/>
-        </p:nvSpPr>
-        <p:spPr>
-          <a:xfrm>
-            <a:off x="4710569" y="5121803"/>
-            <a:ext cx="721268" cy="461665"/>
-          </a:xfrm>
-          <a:prstGeom prst="rect">
-            <a:avLst/>
-          </a:prstGeom>
-          <a:noFill/>
-        </p:spPr>
-        <p:txBody>
-          <a:bodyPr wrap="square" rtlCol="0">
-            <a:spAutoFit/>
-          </a:bodyPr>
-          <a:lstStyle/>
-          <a:p>
+              <a:t>O5</a:t>
+            </a:r>
+          </a:p>
+        </p:txBody>
+      </p:sp>
+      <p:sp>
+        <p:nvSpPr>
+          <p:cNvPr id="140" name="TextBox 139">
+            <a:extLst>
+              <a:ext uri="{FF2B5EF4-FFF2-40B4-BE49-F238E27FC236}">
+                <a16:creationId xmlns:a16="http://schemas.microsoft.com/office/drawing/2014/main" id="{66B09938-01A1-2D4A-945F-2C7606F541AB}"/>
+              </a:ext>
+            </a:extLst>
+          </p:cNvPr>
+          <p:cNvSpPr txBox="1"/>
+          <p:nvPr/>
+        </p:nvSpPr>
+        <p:spPr>
+          <a:xfrm>
+            <a:off x="5810867" y="1579001"/>
+            <a:ext cx="420691" cy="461665"/>
+          </a:xfrm>
+          <a:prstGeom prst="rect">
+            <a:avLst/>
+          </a:prstGeom>
+          <a:solidFill>
+            <a:schemeClr val="bg1">
+              <a:lumMod val="50000"/>
+            </a:schemeClr>
+          </a:solidFill>
+        </p:spPr>
+        <p:txBody>
+          <a:bodyPr wrap="square" rtlCol="0">
+            <a:spAutoFit/>
+          </a:bodyPr>
+          <a:lstStyle/>
+          <a:p>
+            <a:pPr algn="ctr"/>
             <a:r>
               <a:rPr lang="en-AU" sz="2400" dirty="0">
                 <a:solidFill>
-                  <a:srgbClr val="0070C0"/>
+                  <a:schemeClr val="bg1"/>
                 </a:solidFill>
               </a:rPr>
-              <a:t>D8</a:t>
-            </a:r>
-          </a:p>
-        </p:txBody>
-      </p:sp>
-      <p:sp>
-        <p:nvSpPr>
-          <p:cNvPr id="111" name="TextBox 110">
-            <a:extLst>
-              <a:ext uri="{FF2B5EF4-FFF2-40B4-BE49-F238E27FC236}">
-                <a16:creationId xmlns:a16="http://schemas.microsoft.com/office/drawing/2014/main" id="{AFED50A8-2D2E-E94C-8202-8AE74BE296DA}"/>
-              </a:ext>
-            </a:extLst>
-          </p:cNvPr>
-          <p:cNvSpPr txBox="1"/>
-          <p:nvPr/>
-        </p:nvSpPr>
-        <p:spPr>
-          <a:xfrm>
-            <a:off x="4585537" y="4800094"/>
-            <a:ext cx="721268" cy="461665"/>
-          </a:xfrm>
-          <a:prstGeom prst="rect">
-            <a:avLst/>
-          </a:prstGeom>
-          <a:noFill/>
-        </p:spPr>
-        <p:txBody>
-          <a:bodyPr wrap="square" rtlCol="0">
-            <a:spAutoFit/>
-          </a:bodyPr>
-          <a:lstStyle/>
-          <a:p>
+              <a:t>D</a:t>
+            </a:r>
+          </a:p>
+        </p:txBody>
+      </p:sp>
+      <p:sp>
+        <p:nvSpPr>
+          <p:cNvPr id="245" name="TextBox 244">
+            <a:extLst>
+              <a:ext uri="{FF2B5EF4-FFF2-40B4-BE49-F238E27FC236}">
+                <a16:creationId xmlns:a16="http://schemas.microsoft.com/office/drawing/2014/main" id="{478A620B-7BAA-C145-9119-3323DA6768E8}"/>
+              </a:ext>
+            </a:extLst>
+          </p:cNvPr>
+          <p:cNvSpPr txBox="1"/>
+          <p:nvPr/>
+        </p:nvSpPr>
+        <p:spPr>
+          <a:xfrm>
+            <a:off x="3913990" y="1488223"/>
+            <a:ext cx="409152" cy="461665"/>
+          </a:xfrm>
+          <a:prstGeom prst="rect">
+            <a:avLst/>
+          </a:prstGeom>
+          <a:solidFill>
+            <a:schemeClr val="bg1">
+              <a:lumMod val="50000"/>
+            </a:schemeClr>
+          </a:solidFill>
+        </p:spPr>
+        <p:txBody>
+          <a:bodyPr wrap="square" rtlCol="0">
+            <a:spAutoFit/>
+          </a:bodyPr>
+          <a:lstStyle/>
+          <a:p>
+            <a:pPr algn="ctr"/>
             <a:r>
               <a:rPr lang="en-AU" sz="2400" dirty="0">
                 <a:solidFill>
-                  <a:srgbClr val="0070C0"/>
+                  <a:schemeClr val="bg1"/>
                 </a:solidFill>
               </a:rPr>
-              <a:t>D9</a:t>
-            </a:r>
-          </a:p>
-        </p:txBody>
-      </p:sp>
-      <p:sp>
-        <p:nvSpPr>
-          <p:cNvPr id="112" name="TextBox 111">
-            <a:extLst>
-              <a:ext uri="{FF2B5EF4-FFF2-40B4-BE49-F238E27FC236}">
-                <a16:creationId xmlns:a16="http://schemas.microsoft.com/office/drawing/2014/main" id="{26814751-F8DB-8340-9A4E-02F138EBE751}"/>
-              </a:ext>
-            </a:extLst>
-          </p:cNvPr>
-          <p:cNvSpPr txBox="1"/>
-          <p:nvPr/>
-        </p:nvSpPr>
-        <p:spPr>
-          <a:xfrm>
-            <a:off x="4505123" y="4482078"/>
-            <a:ext cx="682864" cy="461665"/>
+              <a:t>C</a:t>
+            </a:r>
+          </a:p>
+        </p:txBody>
+      </p:sp>
+      <p:sp>
+        <p:nvSpPr>
+          <p:cNvPr id="117" name="TextBox 116">
+            <a:extLst>
+              <a:ext uri="{FF2B5EF4-FFF2-40B4-BE49-F238E27FC236}">
+                <a16:creationId xmlns:a16="http://schemas.microsoft.com/office/drawing/2014/main" id="{8001F9B2-8B6D-6E4B-9C99-5B1E53775115}"/>
+              </a:ext>
+            </a:extLst>
+          </p:cNvPr>
+          <p:cNvSpPr txBox="1"/>
+          <p:nvPr/>
+        </p:nvSpPr>
+        <p:spPr>
+          <a:xfrm rot="5400000">
+            <a:off x="3010052" y="890113"/>
+            <a:ext cx="1223757" cy="461665"/>
           </a:xfrm>
           <a:prstGeom prst="rect">
             <a:avLst/>
@@ -8866,30 +9172,30 @@
             <a:r>
               <a:rPr lang="en-AU" sz="2400" dirty="0">
                 <a:solidFill>
-                  <a:srgbClr val="0070C0"/>
+                  <a:srgbClr val="C00000"/>
                 </a:solidFill>
               </a:rPr>
-              <a:t>D10</a:t>
-            </a:r>
-          </a:p>
-        </p:txBody>
-      </p:sp>
-      <p:sp>
-        <p:nvSpPr>
-          <p:cNvPr id="113" name="TextBox 112">
-            <a:extLst>
-              <a:ext uri="{FF2B5EF4-FFF2-40B4-BE49-F238E27FC236}">
-                <a16:creationId xmlns:a16="http://schemas.microsoft.com/office/drawing/2014/main" id="{97D869DA-A75D-8A48-9251-3301C7B87164}"/>
-              </a:ext>
-            </a:extLst>
-          </p:cNvPr>
-          <p:cNvSpPr txBox="1"/>
-          <p:nvPr/>
-        </p:nvSpPr>
-        <p:spPr>
-          <a:xfrm>
-            <a:off x="4710569" y="6956501"/>
-            <a:ext cx="704537" cy="461665"/>
+              <a:t>Upfield</a:t>
+            </a:r>
+          </a:p>
+        </p:txBody>
+      </p:sp>
+      <p:sp>
+        <p:nvSpPr>
+          <p:cNvPr id="120" name="TextBox 119">
+            <a:extLst>
+              <a:ext uri="{FF2B5EF4-FFF2-40B4-BE49-F238E27FC236}">
+                <a16:creationId xmlns:a16="http://schemas.microsoft.com/office/drawing/2014/main" id="{81FD8950-DD7F-6549-8787-8AD5A58D46FE}"/>
+              </a:ext>
+            </a:extLst>
+          </p:cNvPr>
+          <p:cNvSpPr txBox="1"/>
+          <p:nvPr/>
+        </p:nvSpPr>
+        <p:spPr>
+          <a:xfrm rot="5400000">
+            <a:off x="5733875" y="6161802"/>
+            <a:ext cx="1576217" cy="461665"/>
           </a:xfrm>
           <a:prstGeom prst="rect">
             <a:avLst/>
@@ -8905,137 +9211,20 @@
             <a:r>
               <a:rPr lang="en-AU" sz="2400" dirty="0">
                 <a:solidFill>
-                  <a:srgbClr val="0070C0"/>
+                  <a:schemeClr val="accent6"/>
                 </a:solidFill>
               </a:rPr>
-              <a:t>D11</a:t>
-            </a:r>
-          </a:p>
-        </p:txBody>
-      </p:sp>
-      <p:sp>
-        <p:nvSpPr>
-          <p:cNvPr id="118" name="TextBox 117">
-            <a:extLst>
-              <a:ext uri="{FF2B5EF4-FFF2-40B4-BE49-F238E27FC236}">
-                <a16:creationId xmlns:a16="http://schemas.microsoft.com/office/drawing/2014/main" id="{DC992D4E-F746-CA4B-A7AF-5294B3B9E2C5}"/>
-              </a:ext>
-            </a:extLst>
-          </p:cNvPr>
-          <p:cNvSpPr txBox="1"/>
-          <p:nvPr/>
-        </p:nvSpPr>
-        <p:spPr>
-          <a:xfrm>
-            <a:off x="5774235" y="3533870"/>
-            <a:ext cx="703537" cy="461665"/>
-          </a:xfrm>
-          <a:prstGeom prst="rect">
-            <a:avLst/>
-          </a:prstGeom>
-          <a:noFill/>
-        </p:spPr>
-        <p:txBody>
-          <a:bodyPr wrap="square" rtlCol="0">
-            <a:spAutoFit/>
-          </a:bodyPr>
-          <a:lstStyle/>
-          <a:p>
-            <a:r>
-              <a:rPr lang="en-AU" sz="2400" dirty="0">
-                <a:solidFill>
-                  <a:srgbClr val="0070C0"/>
-                </a:solidFill>
-              </a:rPr>
-              <a:t>D12</a:t>
-            </a:r>
-          </a:p>
-        </p:txBody>
-      </p:sp>
-      <p:sp>
-        <p:nvSpPr>
-          <p:cNvPr id="119" name="TextBox 118">
-            <a:extLst>
-              <a:ext uri="{FF2B5EF4-FFF2-40B4-BE49-F238E27FC236}">
-                <a16:creationId xmlns:a16="http://schemas.microsoft.com/office/drawing/2014/main" id="{05867D7D-6582-1F44-85D2-C4132D680198}"/>
-              </a:ext>
-            </a:extLst>
-          </p:cNvPr>
-          <p:cNvSpPr txBox="1"/>
-          <p:nvPr/>
-        </p:nvSpPr>
-        <p:spPr>
-          <a:xfrm>
-            <a:off x="4976972" y="3821721"/>
-            <a:ext cx="731983" cy="461665"/>
-          </a:xfrm>
-          <a:prstGeom prst="rect">
-            <a:avLst/>
-          </a:prstGeom>
-          <a:noFill/>
-        </p:spPr>
-        <p:txBody>
-          <a:bodyPr wrap="square" rtlCol="0">
-            <a:spAutoFit/>
-          </a:bodyPr>
-          <a:lstStyle/>
-          <a:p>
-            <a:r>
-              <a:rPr lang="en-AU" sz="2400" dirty="0">
-                <a:solidFill>
-                  <a:srgbClr val="0070C0"/>
-                </a:solidFill>
-              </a:rPr>
-              <a:t>D13</a:t>
-            </a:r>
-          </a:p>
-        </p:txBody>
-      </p:sp>
-      <p:sp>
-        <p:nvSpPr>
-          <p:cNvPr id="124" name="TextBox 123">
-            <a:extLst>
-              <a:ext uri="{FF2B5EF4-FFF2-40B4-BE49-F238E27FC236}">
-                <a16:creationId xmlns:a16="http://schemas.microsoft.com/office/drawing/2014/main" id="{2AC9E2E1-D02D-C445-B6FC-306C8416C29C}"/>
-              </a:ext>
-            </a:extLst>
-          </p:cNvPr>
-          <p:cNvSpPr txBox="1"/>
-          <p:nvPr/>
-        </p:nvSpPr>
-        <p:spPr>
-          <a:xfrm>
-            <a:off x="4057165" y="2927659"/>
-            <a:ext cx="948581" cy="461665"/>
-          </a:xfrm>
-          <a:prstGeom prst="rect">
-            <a:avLst/>
-          </a:prstGeom>
-          <a:noFill/>
-        </p:spPr>
-        <p:txBody>
-          <a:bodyPr wrap="square" rtlCol="0">
-            <a:spAutoFit/>
-          </a:bodyPr>
-          <a:lstStyle/>
-          <a:p>
-            <a:r>
-              <a:rPr lang="en-AU" sz="2400" dirty="0">
-                <a:solidFill>
-                  <a:srgbClr val="0070C0"/>
-                </a:solidFill>
-              </a:rPr>
-              <a:t>D14</a:t>
+              <a:t>Downfield</a:t>
             </a:r>
           </a:p>
         </p:txBody>
       </p:sp>
       <p:cxnSp>
         <p:nvCxnSpPr>
-          <p:cNvPr id="127" name="Straight Connector 126">
-            <a:extLst>
-              <a:ext uri="{FF2B5EF4-FFF2-40B4-BE49-F238E27FC236}">
-                <a16:creationId xmlns:a16="http://schemas.microsoft.com/office/drawing/2014/main" id="{E0AEEAF1-0558-1248-A6C9-43000B989F71}"/>
+          <p:cNvPr id="122" name="Straight Connector 121">
+            <a:extLst>
+              <a:ext uri="{FF2B5EF4-FFF2-40B4-BE49-F238E27FC236}">
+                <a16:creationId xmlns:a16="http://schemas.microsoft.com/office/drawing/2014/main" id="{18FC94DC-96A4-0E42-A5FB-D85AFB8AD98A}"/>
               </a:ext>
             </a:extLst>
           </p:cNvPr>
@@ -9046,13 +9235,16 @@
         </p:nvCxnSpPr>
         <p:spPr>
           <a:xfrm>
-            <a:off x="4543149" y="2425803"/>
-            <a:ext cx="985375" cy="0"/>
+            <a:off x="3601688" y="1640439"/>
+            <a:ext cx="0" cy="839561"/>
           </a:xfrm>
           <a:prstGeom prst="line">
             <a:avLst/>
           </a:prstGeom>
           <a:ln w="60325">
+            <a:solidFill>
+              <a:srgbClr val="C00000"/>
+            </a:solidFill>
             <a:headEnd type="stealth" w="lg" len="lg"/>
           </a:ln>
         </p:spPr>
@@ -9073,49 +9265,10 @@
       </p:cxnSp>
       <p:sp>
         <p:nvSpPr>
-          <p:cNvPr id="128" name="TextBox 127">
-            <a:extLst>
-              <a:ext uri="{FF2B5EF4-FFF2-40B4-BE49-F238E27FC236}">
-                <a16:creationId xmlns:a16="http://schemas.microsoft.com/office/drawing/2014/main" id="{68BDFC10-A055-C644-B796-0C4188E08B34}"/>
-              </a:ext>
-            </a:extLst>
-          </p:cNvPr>
-          <p:cNvSpPr txBox="1"/>
-          <p:nvPr/>
-        </p:nvSpPr>
-        <p:spPr>
-          <a:xfrm>
-            <a:off x="4203076" y="2446200"/>
-            <a:ext cx="2600940" cy="461665"/>
-          </a:xfrm>
-          <a:prstGeom prst="rect">
-            <a:avLst/>
-          </a:prstGeom>
-          <a:noFill/>
-        </p:spPr>
-        <p:txBody>
-          <a:bodyPr wrap="square" rtlCol="0">
-            <a:spAutoFit/>
-          </a:bodyPr>
-          <a:lstStyle/>
-          <a:p>
-            <a:r>
-              <a:rPr lang="en-AU" sz="2400" dirty="0">
-                <a:solidFill>
-                  <a:srgbClr val="0070C0"/>
-                </a:solidFill>
-              </a:rPr>
-              <a:t>Forehand (R) force</a:t>
-            </a:r>
-          </a:p>
-        </p:txBody>
-      </p:sp>
-      <p:sp>
-        <p:nvSpPr>
-          <p:cNvPr id="129" name="Oval 128">
-            <a:extLst>
-              <a:ext uri="{FF2B5EF4-FFF2-40B4-BE49-F238E27FC236}">
-                <a16:creationId xmlns:a16="http://schemas.microsoft.com/office/drawing/2014/main" id="{D3815397-535E-634E-A20F-FE91D9B715D2}"/>
+          <p:cNvPr id="127" name="Multiply 126">
+            <a:extLst>
+              <a:ext uri="{FF2B5EF4-FFF2-40B4-BE49-F238E27FC236}">
+                <a16:creationId xmlns:a16="http://schemas.microsoft.com/office/drawing/2014/main" id="{7C7D288F-74B9-9D4E-9DD1-454987E706B7}"/>
               </a:ext>
             </a:extLst>
           </p:cNvPr>
@@ -9124,15 +9277,13 @@
         </p:nvSpPr>
         <p:spPr>
           <a:xfrm>
-            <a:off x="4815120" y="3713388"/>
-            <a:ext cx="180000" cy="180000"/>
-          </a:xfrm>
-          <a:prstGeom prst="ellipse">
-            <a:avLst/>
-          </a:prstGeom>
-          <a:solidFill>
-            <a:schemeClr val="tx1"/>
-          </a:solidFill>
+            <a:off x="4594510" y="6284359"/>
+            <a:ext cx="922494" cy="849086"/>
+          </a:xfrm>
+          <a:prstGeom prst="mathMultiply">
+            <a:avLst/>
+          </a:prstGeom>
+          <a:noFill/>
         </p:spPr>
         <p:style>
           <a:lnRef idx="2">
@@ -9159,12 +9310,291 @@
           </a:p>
         </p:txBody>
       </p:sp>
+      <p:sp>
+        <p:nvSpPr>
+          <p:cNvPr id="132" name="TextBox 131">
+            <a:extLst>
+              <a:ext uri="{FF2B5EF4-FFF2-40B4-BE49-F238E27FC236}">
+                <a16:creationId xmlns:a16="http://schemas.microsoft.com/office/drawing/2014/main" id="{BCB152F7-AB8E-2341-9682-8023483B5D72}"/>
+              </a:ext>
+            </a:extLst>
+          </p:cNvPr>
+          <p:cNvSpPr txBox="1"/>
+          <p:nvPr/>
+        </p:nvSpPr>
+        <p:spPr>
+          <a:xfrm>
+            <a:off x="4789479" y="6459910"/>
+            <a:ext cx="721268" cy="461665"/>
+          </a:xfrm>
+          <a:prstGeom prst="rect">
+            <a:avLst/>
+          </a:prstGeom>
+          <a:noFill/>
+        </p:spPr>
+        <p:txBody>
+          <a:bodyPr wrap="square" rtlCol="0">
+            <a:spAutoFit/>
+          </a:bodyPr>
+          <a:lstStyle/>
+          <a:p>
+            <a:r>
+              <a:rPr lang="en-AU" sz="2400" dirty="0">
+                <a:solidFill>
+                  <a:schemeClr val="bg1">
+                    <a:lumMod val="50000"/>
+                  </a:schemeClr>
+                </a:solidFill>
+              </a:rPr>
+              <a:t>O2</a:t>
+            </a:r>
+          </a:p>
+        </p:txBody>
+      </p:sp>
+      <p:sp>
+        <p:nvSpPr>
+          <p:cNvPr id="134" name="TextBox 133">
+            <a:extLst>
+              <a:ext uri="{FF2B5EF4-FFF2-40B4-BE49-F238E27FC236}">
+                <a16:creationId xmlns:a16="http://schemas.microsoft.com/office/drawing/2014/main" id="{925313A8-7E29-0840-A164-4357613857BD}"/>
+              </a:ext>
+            </a:extLst>
+          </p:cNvPr>
+          <p:cNvSpPr txBox="1"/>
+          <p:nvPr/>
+        </p:nvSpPr>
+        <p:spPr>
+          <a:xfrm>
+            <a:off x="4794564" y="6049332"/>
+            <a:ext cx="721268" cy="461665"/>
+          </a:xfrm>
+          <a:prstGeom prst="rect">
+            <a:avLst/>
+          </a:prstGeom>
+          <a:noFill/>
+        </p:spPr>
+        <p:txBody>
+          <a:bodyPr wrap="square" rtlCol="0">
+            <a:spAutoFit/>
+          </a:bodyPr>
+          <a:lstStyle/>
+          <a:p>
+            <a:r>
+              <a:rPr lang="en-AU" sz="2400" dirty="0">
+                <a:solidFill>
+                  <a:schemeClr val="bg1">
+                    <a:lumMod val="50000"/>
+                  </a:schemeClr>
+                </a:solidFill>
+              </a:rPr>
+              <a:t>O3</a:t>
+            </a:r>
+          </a:p>
+        </p:txBody>
+      </p:sp>
+      <p:sp>
+        <p:nvSpPr>
+          <p:cNvPr id="135" name="TextBox 134">
+            <a:extLst>
+              <a:ext uri="{FF2B5EF4-FFF2-40B4-BE49-F238E27FC236}">
+                <a16:creationId xmlns:a16="http://schemas.microsoft.com/office/drawing/2014/main" id="{D975B4B0-AC2A-444F-949A-4BA8EEC71E19}"/>
+              </a:ext>
+            </a:extLst>
+          </p:cNvPr>
+          <p:cNvSpPr txBox="1"/>
+          <p:nvPr/>
+        </p:nvSpPr>
+        <p:spPr>
+          <a:xfrm>
+            <a:off x="5821373" y="7393845"/>
+            <a:ext cx="559396" cy="461665"/>
+          </a:xfrm>
+          <a:prstGeom prst="rect">
+            <a:avLst/>
+          </a:prstGeom>
+          <a:solidFill>
+            <a:schemeClr val="tx1"/>
+          </a:solidFill>
+        </p:spPr>
+        <p:txBody>
+          <a:bodyPr wrap="square" rtlCol="0">
+            <a:spAutoFit/>
+          </a:bodyPr>
+          <a:lstStyle/>
+          <a:p>
+            <a:r>
+              <a:rPr lang="en-AU" sz="2400" dirty="0">
+                <a:solidFill>
+                  <a:schemeClr val="bg1"/>
+                </a:solidFill>
+              </a:rPr>
+              <a:t>O4</a:t>
+            </a:r>
+          </a:p>
+        </p:txBody>
+      </p:sp>
+      <p:sp>
+        <p:nvSpPr>
+          <p:cNvPr id="142" name="TextBox 141">
+            <a:extLst>
+              <a:ext uri="{FF2B5EF4-FFF2-40B4-BE49-F238E27FC236}">
+                <a16:creationId xmlns:a16="http://schemas.microsoft.com/office/drawing/2014/main" id="{548B1AFB-3F62-E944-B541-C02A97B516F4}"/>
+              </a:ext>
+            </a:extLst>
+          </p:cNvPr>
+          <p:cNvSpPr txBox="1"/>
+          <p:nvPr/>
+        </p:nvSpPr>
+        <p:spPr>
+          <a:xfrm>
+            <a:off x="4151872" y="5208393"/>
+            <a:ext cx="721268" cy="461665"/>
+          </a:xfrm>
+          <a:prstGeom prst="rect">
+            <a:avLst/>
+          </a:prstGeom>
+          <a:noFill/>
+        </p:spPr>
+        <p:txBody>
+          <a:bodyPr wrap="square" rtlCol="0">
+            <a:spAutoFit/>
+          </a:bodyPr>
+          <a:lstStyle/>
+          <a:p>
+            <a:r>
+              <a:rPr lang="en-AU" sz="2400" dirty="0">
+                <a:solidFill>
+                  <a:srgbClr val="0070C0"/>
+                </a:solidFill>
+              </a:rPr>
+              <a:t>D8</a:t>
+            </a:r>
+          </a:p>
+        </p:txBody>
+      </p:sp>
+      <p:sp>
+        <p:nvSpPr>
+          <p:cNvPr id="143" name="TextBox 142">
+            <a:extLst>
+              <a:ext uri="{FF2B5EF4-FFF2-40B4-BE49-F238E27FC236}">
+                <a16:creationId xmlns:a16="http://schemas.microsoft.com/office/drawing/2014/main" id="{6DFDC295-0765-0247-B490-BC4F47BAD822}"/>
+              </a:ext>
+            </a:extLst>
+          </p:cNvPr>
+          <p:cNvSpPr txBox="1"/>
+          <p:nvPr/>
+        </p:nvSpPr>
+        <p:spPr>
+          <a:xfrm>
+            <a:off x="4363917" y="6479978"/>
+            <a:ext cx="721268" cy="461665"/>
+          </a:xfrm>
+          <a:prstGeom prst="rect">
+            <a:avLst/>
+          </a:prstGeom>
+          <a:noFill/>
+        </p:spPr>
+        <p:txBody>
+          <a:bodyPr wrap="square" rtlCol="0">
+            <a:spAutoFit/>
+          </a:bodyPr>
+          <a:lstStyle/>
+          <a:p>
+            <a:r>
+              <a:rPr lang="en-AU" sz="2400" dirty="0">
+                <a:solidFill>
+                  <a:srgbClr val="0070C0"/>
+                </a:solidFill>
+              </a:rPr>
+              <a:t>D9</a:t>
+            </a:r>
+          </a:p>
+        </p:txBody>
+      </p:sp>
+      <p:sp>
+        <p:nvSpPr>
+          <p:cNvPr id="144" name="TextBox 143">
+            <a:extLst>
+              <a:ext uri="{FF2B5EF4-FFF2-40B4-BE49-F238E27FC236}">
+                <a16:creationId xmlns:a16="http://schemas.microsoft.com/office/drawing/2014/main" id="{4FD8DB6F-4375-934F-96C0-8C508015A771}"/>
+              </a:ext>
+            </a:extLst>
+          </p:cNvPr>
+          <p:cNvSpPr txBox="1"/>
+          <p:nvPr/>
+        </p:nvSpPr>
+        <p:spPr>
+          <a:xfrm>
+            <a:off x="4381451" y="5880731"/>
+            <a:ext cx="682864" cy="461665"/>
+          </a:xfrm>
+          <a:prstGeom prst="rect">
+            <a:avLst/>
+          </a:prstGeom>
+          <a:noFill/>
+        </p:spPr>
+        <p:txBody>
+          <a:bodyPr wrap="square" rtlCol="0">
+            <a:spAutoFit/>
+          </a:bodyPr>
+          <a:lstStyle/>
+          <a:p>
+            <a:r>
+              <a:rPr lang="en-AU" sz="2400" dirty="0">
+                <a:solidFill>
+                  <a:srgbClr val="0070C0"/>
+                </a:solidFill>
+              </a:rPr>
+              <a:t>D10</a:t>
+            </a:r>
+          </a:p>
+        </p:txBody>
+      </p:sp>
+      <p:sp>
+        <p:nvSpPr>
+          <p:cNvPr id="145" name="TextBox 144">
+            <a:extLst>
+              <a:ext uri="{FF2B5EF4-FFF2-40B4-BE49-F238E27FC236}">
+                <a16:creationId xmlns:a16="http://schemas.microsoft.com/office/drawing/2014/main" id="{D1747304-FE4E-794B-A555-C2E8FBCE7F15}"/>
+              </a:ext>
+            </a:extLst>
+          </p:cNvPr>
+          <p:cNvSpPr txBox="1"/>
+          <p:nvPr/>
+        </p:nvSpPr>
+        <p:spPr>
+          <a:xfrm>
+            <a:off x="5242765" y="7189180"/>
+            <a:ext cx="704537" cy="461665"/>
+          </a:xfrm>
+          <a:prstGeom prst="rect">
+            <a:avLst/>
+          </a:prstGeom>
+          <a:noFill/>
+        </p:spPr>
+        <p:txBody>
+          <a:bodyPr wrap="square" rtlCol="0">
+            <a:spAutoFit/>
+          </a:bodyPr>
+          <a:lstStyle/>
+          <a:p>
+            <a:r>
+              <a:rPr lang="en-AU" sz="2400" dirty="0">
+                <a:solidFill>
+                  <a:srgbClr val="0070C0"/>
+                </a:solidFill>
+              </a:rPr>
+              <a:t>D11</a:t>
+            </a:r>
+          </a:p>
+        </p:txBody>
+      </p:sp>
       <p:cxnSp>
         <p:nvCxnSpPr>
-          <p:cNvPr id="130" name="Straight Connector 129">
-            <a:extLst>
-              <a:ext uri="{FF2B5EF4-FFF2-40B4-BE49-F238E27FC236}">
-                <a16:creationId xmlns:a16="http://schemas.microsoft.com/office/drawing/2014/main" id="{552CEEE9-ADA4-E148-8349-934E58056053}"/>
+          <p:cNvPr id="150" name="Straight Connector 149">
+            <a:extLst>
+              <a:ext uri="{FF2B5EF4-FFF2-40B4-BE49-F238E27FC236}">
+                <a16:creationId xmlns:a16="http://schemas.microsoft.com/office/drawing/2014/main" id="{9A0C7A03-062F-844C-A133-B7E570A9A0D0}"/>
               </a:ext>
             </a:extLst>
           </p:cNvPr>
@@ -9175,7 +9605,7 @@
         </p:nvCxnSpPr>
         <p:spPr>
           <a:xfrm>
-            <a:off x="3425245" y="6469056"/>
+            <a:off x="3421703" y="7031282"/>
             <a:ext cx="3238092" cy="0"/>
           </a:xfrm>
           <a:prstGeom prst="line">
@@ -9183,9 +9613,183 @@
           </a:prstGeom>
           <a:ln w="38100">
             <a:solidFill>
-              <a:srgbClr val="FF0000"/>
+              <a:schemeClr val="bg1">
+                <a:lumMod val="50000"/>
+              </a:schemeClr>
             </a:solidFill>
             <a:prstDash val="sysDash"/>
+          </a:ln>
+        </p:spPr>
+        <p:style>
+          <a:lnRef idx="1">
+            <a:schemeClr val="accent1"/>
+          </a:lnRef>
+          <a:fillRef idx="0">
+            <a:schemeClr val="accent1"/>
+          </a:fillRef>
+          <a:effectRef idx="0">
+            <a:schemeClr val="accent1"/>
+          </a:effectRef>
+          <a:fontRef idx="minor">
+            <a:schemeClr val="tx1"/>
+          </a:fontRef>
+        </p:style>
+      </p:cxnSp>
+      <p:sp>
+        <p:nvSpPr>
+          <p:cNvPr id="155" name="TextBox 154">
+            <a:extLst>
+              <a:ext uri="{FF2B5EF4-FFF2-40B4-BE49-F238E27FC236}">
+                <a16:creationId xmlns:a16="http://schemas.microsoft.com/office/drawing/2014/main" id="{A2666C20-00C3-C54F-91D4-B712B15F7B20}"/>
+              </a:ext>
+            </a:extLst>
+          </p:cNvPr>
+          <p:cNvSpPr txBox="1"/>
+          <p:nvPr/>
+        </p:nvSpPr>
+        <p:spPr>
+          <a:xfrm>
+            <a:off x="5821373" y="4931899"/>
+            <a:ext cx="420691" cy="461665"/>
+          </a:xfrm>
+          <a:prstGeom prst="rect">
+            <a:avLst/>
+          </a:prstGeom>
+          <a:solidFill>
+            <a:schemeClr val="bg1">
+              <a:lumMod val="50000"/>
+            </a:schemeClr>
+          </a:solidFill>
+        </p:spPr>
+        <p:txBody>
+          <a:bodyPr wrap="square" rtlCol="0">
+            <a:spAutoFit/>
+          </a:bodyPr>
+          <a:lstStyle/>
+          <a:p>
+            <a:pPr algn="ctr"/>
+            <a:r>
+              <a:rPr lang="en-AU" sz="2400" dirty="0">
+                <a:solidFill>
+                  <a:schemeClr val="bg1"/>
+                </a:solidFill>
+              </a:rPr>
+              <a:t>D</a:t>
+            </a:r>
+          </a:p>
+        </p:txBody>
+      </p:sp>
+      <p:sp>
+        <p:nvSpPr>
+          <p:cNvPr id="133" name="TextBox 132">
+            <a:extLst>
+              <a:ext uri="{FF2B5EF4-FFF2-40B4-BE49-F238E27FC236}">
+                <a16:creationId xmlns:a16="http://schemas.microsoft.com/office/drawing/2014/main" id="{7FDD81F1-A2EB-CD41-83C9-9CA4DC2E0094}"/>
+              </a:ext>
+            </a:extLst>
+          </p:cNvPr>
+          <p:cNvSpPr txBox="1"/>
+          <p:nvPr/>
+        </p:nvSpPr>
+        <p:spPr>
+          <a:xfrm>
+            <a:off x="4186441" y="4865551"/>
+            <a:ext cx="577693" cy="461665"/>
+          </a:xfrm>
+          <a:prstGeom prst="rect">
+            <a:avLst/>
+          </a:prstGeom>
+          <a:noFill/>
+        </p:spPr>
+        <p:txBody>
+          <a:bodyPr wrap="square" rtlCol="0">
+            <a:spAutoFit/>
+          </a:bodyPr>
+          <a:lstStyle/>
+          <a:p>
+            <a:r>
+              <a:rPr lang="en-AU" sz="2400" dirty="0"/>
+              <a:t>O1</a:t>
+            </a:r>
+          </a:p>
+        </p:txBody>
+      </p:sp>
+      <p:sp>
+        <p:nvSpPr>
+          <p:cNvPr id="157" name="Oval 156">
+            <a:extLst>
+              <a:ext uri="{FF2B5EF4-FFF2-40B4-BE49-F238E27FC236}">
+                <a16:creationId xmlns:a16="http://schemas.microsoft.com/office/drawing/2014/main" id="{87C82AB8-0EEF-A042-9E8B-CFFF0C8F973E}"/>
+              </a:ext>
+            </a:extLst>
+          </p:cNvPr>
+          <p:cNvSpPr/>
+          <p:nvPr/>
+        </p:nvSpPr>
+        <p:spPr>
+          <a:xfrm>
+            <a:off x="4081644" y="5157867"/>
+            <a:ext cx="180000" cy="180000"/>
+          </a:xfrm>
+          <a:prstGeom prst="ellipse">
+            <a:avLst/>
+          </a:prstGeom>
+          <a:solidFill>
+            <a:schemeClr val="tx1"/>
+          </a:solidFill>
+        </p:spPr>
+        <p:style>
+          <a:lnRef idx="2">
+            <a:schemeClr val="accent1">
+              <a:shade val="50000"/>
+            </a:schemeClr>
+          </a:lnRef>
+          <a:fillRef idx="1">
+            <a:schemeClr val="accent1"/>
+          </a:fillRef>
+          <a:effectRef idx="0">
+            <a:schemeClr val="accent1"/>
+          </a:effectRef>
+          <a:fontRef idx="minor">
+            <a:schemeClr val="lt1"/>
+          </a:fontRef>
+        </p:style>
+        <p:txBody>
+          <a:bodyPr rtlCol="0" anchor="ctr"/>
+          <a:lstStyle/>
+          <a:p>
+            <a:pPr algn="ctr"/>
+            <a:endParaRPr lang="en-AU" sz="2400"/>
+          </a:p>
+        </p:txBody>
+      </p:sp>
+      <p:cxnSp>
+        <p:nvCxnSpPr>
+          <p:cNvPr id="159" name="Straight Connector 158">
+            <a:extLst>
+              <a:ext uri="{FF2B5EF4-FFF2-40B4-BE49-F238E27FC236}">
+                <a16:creationId xmlns:a16="http://schemas.microsoft.com/office/drawing/2014/main" id="{B35B9B9E-8B32-5848-BFC1-66177CC66A38}"/>
+              </a:ext>
+            </a:extLst>
+          </p:cNvPr>
+          <p:cNvCxnSpPr>
+            <a:cxnSpLocks/>
+          </p:cNvCxnSpPr>
+          <p:nvPr/>
+        </p:nvCxnSpPr>
+        <p:spPr>
+          <a:xfrm flipV="1">
+            <a:off x="6502088" y="3214146"/>
+            <a:ext cx="0" cy="938269"/>
+          </a:xfrm>
+          <a:prstGeom prst="line">
+            <a:avLst/>
+          </a:prstGeom>
+          <a:ln w="60325">
+            <a:solidFill>
+              <a:srgbClr val="00B050"/>
+            </a:solidFill>
+            <a:headEnd type="stealth" w="lg" len="lg"/>
           </a:ln>
         </p:spPr>
         <p:style>
@@ -9205,10 +9809,10 @@
       </p:cxnSp>
       <p:cxnSp>
         <p:nvCxnSpPr>
-          <p:cNvPr id="131" name="Straight Connector 130">
-            <a:extLst>
-              <a:ext uri="{FF2B5EF4-FFF2-40B4-BE49-F238E27FC236}">
-                <a16:creationId xmlns:a16="http://schemas.microsoft.com/office/drawing/2014/main" id="{D9860886-8271-FE4D-A9A4-01E58654BE02}"/>
+          <p:cNvPr id="160" name="Straight Connector 159">
+            <a:extLst>
+              <a:ext uri="{FF2B5EF4-FFF2-40B4-BE49-F238E27FC236}">
+                <a16:creationId xmlns:a16="http://schemas.microsoft.com/office/drawing/2014/main" id="{5152E201-996A-A149-BCEB-69399F4D94EC}"/>
               </a:ext>
             </a:extLst>
           </p:cNvPr>
@@ -9218,8 +9822,143 @@
           <p:nvPr/>
         </p:nvCxnSpPr>
         <p:spPr>
+          <a:xfrm>
+            <a:off x="3429000" y="7897418"/>
+            <a:ext cx="3238092" cy="0"/>
+          </a:xfrm>
+          <a:prstGeom prst="line">
+            <a:avLst/>
+          </a:prstGeom>
+          <a:ln w="38100">
+            <a:solidFill>
+              <a:srgbClr val="FF0000"/>
+            </a:solidFill>
+            <a:prstDash val="sysDash"/>
+          </a:ln>
+        </p:spPr>
+        <p:style>
+          <a:lnRef idx="1">
+            <a:schemeClr val="accent1"/>
+          </a:lnRef>
+          <a:fillRef idx="0">
+            <a:schemeClr val="accent1"/>
+          </a:fillRef>
+          <a:effectRef idx="0">
+            <a:schemeClr val="accent1"/>
+          </a:effectRef>
+          <a:fontRef idx="minor">
+            <a:schemeClr val="tx1"/>
+          </a:fontRef>
+        </p:style>
+      </p:cxnSp>
+      <p:cxnSp>
+        <p:nvCxnSpPr>
+          <p:cNvPr id="164" name="Straight Arrow Connector 163">
+            <a:extLst>
+              <a:ext uri="{FF2B5EF4-FFF2-40B4-BE49-F238E27FC236}">
+                <a16:creationId xmlns:a16="http://schemas.microsoft.com/office/drawing/2014/main" id="{7BACD311-6404-A34E-A9B4-CB8BBB172AF2}"/>
+              </a:ext>
+            </a:extLst>
+          </p:cNvPr>
+          <p:cNvCxnSpPr>
+            <a:cxnSpLocks/>
+          </p:cNvCxnSpPr>
+          <p:nvPr/>
+        </p:nvCxnSpPr>
+        <p:spPr>
+          <a:xfrm flipH="1" flipV="1">
+            <a:off x="4371804" y="2485013"/>
+            <a:ext cx="237145" cy="1023242"/>
+          </a:xfrm>
+          <a:prstGeom prst="straightConnector1">
+            <a:avLst/>
+          </a:prstGeom>
+          <a:ln w="60325">
+            <a:solidFill>
+              <a:schemeClr val="bg1">
+                <a:lumMod val="50000"/>
+              </a:schemeClr>
+            </a:solidFill>
+            <a:tailEnd type="triangle"/>
+          </a:ln>
+        </p:spPr>
+        <p:style>
+          <a:lnRef idx="1">
+            <a:schemeClr val="accent1"/>
+          </a:lnRef>
+          <a:fillRef idx="0">
+            <a:schemeClr val="accent1"/>
+          </a:fillRef>
+          <a:effectRef idx="0">
+            <a:schemeClr val="accent1"/>
+          </a:effectRef>
+          <a:fontRef idx="minor">
+            <a:schemeClr val="tx1"/>
+          </a:fontRef>
+        </p:style>
+      </p:cxnSp>
+      <p:cxnSp>
+        <p:nvCxnSpPr>
+          <p:cNvPr id="165" name="Straight Arrow Connector 164">
+            <a:extLst>
+              <a:ext uri="{FF2B5EF4-FFF2-40B4-BE49-F238E27FC236}">
+                <a16:creationId xmlns:a16="http://schemas.microsoft.com/office/drawing/2014/main" id="{AD09C825-238F-8846-A43A-8E62F14FF7F4}"/>
+              </a:ext>
+            </a:extLst>
+          </p:cNvPr>
+          <p:cNvCxnSpPr>
+            <a:cxnSpLocks/>
+            <a:endCxn id="103" idx="0"/>
+          </p:cNvCxnSpPr>
+          <p:nvPr/>
+        </p:nvCxnSpPr>
+        <p:spPr>
+          <a:xfrm>
+            <a:off x="6005616" y="2052523"/>
+            <a:ext cx="109211" cy="2020703"/>
+          </a:xfrm>
+          <a:prstGeom prst="straightConnector1">
+            <a:avLst/>
+          </a:prstGeom>
+          <a:ln w="60325">
+            <a:solidFill>
+              <a:schemeClr val="tx1"/>
+            </a:solidFill>
+            <a:tailEnd type="triangle"/>
+          </a:ln>
+        </p:spPr>
+        <p:style>
+          <a:lnRef idx="1">
+            <a:schemeClr val="accent1"/>
+          </a:lnRef>
+          <a:fillRef idx="0">
+            <a:schemeClr val="accent1"/>
+          </a:fillRef>
+          <a:effectRef idx="0">
+            <a:schemeClr val="accent1"/>
+          </a:effectRef>
+          <a:fontRef idx="minor">
+            <a:schemeClr val="tx1"/>
+          </a:fontRef>
+        </p:style>
+      </p:cxnSp>
+      <p:cxnSp>
+        <p:nvCxnSpPr>
+          <p:cNvPr id="167" name="Straight Connector 166">
+            <a:extLst>
+              <a:ext uri="{FF2B5EF4-FFF2-40B4-BE49-F238E27FC236}">
+                <a16:creationId xmlns:a16="http://schemas.microsoft.com/office/drawing/2014/main" id="{9B1E8433-ED59-0F43-B95E-247FCE15B81F}"/>
+              </a:ext>
+            </a:extLst>
+          </p:cNvPr>
+          <p:cNvCxnSpPr>
+            <a:cxnSpLocks/>
+          </p:cNvCxnSpPr>
+          <p:nvPr/>
+        </p:nvCxnSpPr>
+        <p:spPr>
           <a:xfrm flipV="1">
-            <a:off x="3421467" y="4191053"/>
+            <a:off x="3407435" y="5670058"/>
             <a:ext cx="3240000" cy="0"/>
           </a:xfrm>
           <a:prstGeom prst="line">
@@ -9249,19 +9988,199 @@
       </p:cxnSp>
       <p:sp>
         <p:nvSpPr>
-          <p:cNvPr id="136" name="TextBox 135">
-            <a:extLst>
-              <a:ext uri="{FF2B5EF4-FFF2-40B4-BE49-F238E27FC236}">
-                <a16:creationId xmlns:a16="http://schemas.microsoft.com/office/drawing/2014/main" id="{ABFF93B2-2B29-C94B-AC7B-40F0B65C7691}"/>
-              </a:ext>
-            </a:extLst>
-          </p:cNvPr>
-          <p:cNvSpPr txBox="1"/>
-          <p:nvPr/>
-        </p:nvSpPr>
-        <p:spPr>
-          <a:xfrm>
-            <a:off x="6102006" y="8721484"/>
+          <p:cNvPr id="169" name="TextBox 168">
+            <a:extLst>
+              <a:ext uri="{FF2B5EF4-FFF2-40B4-BE49-F238E27FC236}">
+                <a16:creationId xmlns:a16="http://schemas.microsoft.com/office/drawing/2014/main" id="{025EFF6E-3C11-DC41-ADFC-D04F648909AC}"/>
+              </a:ext>
+            </a:extLst>
+          </p:cNvPr>
+          <p:cNvSpPr txBox="1"/>
+          <p:nvPr/>
+        </p:nvSpPr>
+        <p:spPr>
+          <a:xfrm>
+            <a:off x="3956389" y="5788960"/>
+            <a:ext cx="504912" cy="461665"/>
+          </a:xfrm>
+          <a:prstGeom prst="rect">
+            <a:avLst/>
+          </a:prstGeom>
+          <a:solidFill>
+            <a:schemeClr val="bg1">
+              <a:lumMod val="50000"/>
+            </a:schemeClr>
+          </a:solidFill>
+        </p:spPr>
+        <p:txBody>
+          <a:bodyPr wrap="square" rtlCol="0">
+            <a:spAutoFit/>
+          </a:bodyPr>
+          <a:lstStyle/>
+          <a:p>
+            <a:pPr algn="ctr"/>
+            <a:r>
+              <a:rPr lang="en-AU" sz="2400" dirty="0">
+                <a:solidFill>
+                  <a:schemeClr val="bg1"/>
+                </a:solidFill>
+              </a:rPr>
+              <a:t>C’</a:t>
+            </a:r>
+          </a:p>
+        </p:txBody>
+      </p:sp>
+      <p:cxnSp>
+        <p:nvCxnSpPr>
+          <p:cNvPr id="170" name="Straight Arrow Connector 169">
+            <a:extLst>
+              <a:ext uri="{FF2B5EF4-FFF2-40B4-BE49-F238E27FC236}">
+                <a16:creationId xmlns:a16="http://schemas.microsoft.com/office/drawing/2014/main" id="{D60A9FA3-0062-D048-86EB-D9E0B109A650}"/>
+              </a:ext>
+            </a:extLst>
+          </p:cNvPr>
+          <p:cNvCxnSpPr>
+            <a:cxnSpLocks/>
+          </p:cNvCxnSpPr>
+          <p:nvPr/>
+        </p:nvCxnSpPr>
+        <p:spPr>
+          <a:xfrm>
+            <a:off x="6015025" y="5406479"/>
+            <a:ext cx="216533" cy="2004742"/>
+          </a:xfrm>
+          <a:prstGeom prst="straightConnector1">
+            <a:avLst/>
+          </a:prstGeom>
+          <a:ln w="60325">
+            <a:solidFill>
+              <a:schemeClr val="tx1"/>
+            </a:solidFill>
+            <a:tailEnd type="triangle"/>
+          </a:ln>
+        </p:spPr>
+        <p:style>
+          <a:lnRef idx="1">
+            <a:schemeClr val="accent1"/>
+          </a:lnRef>
+          <a:fillRef idx="0">
+            <a:schemeClr val="accent1"/>
+          </a:fillRef>
+          <a:effectRef idx="0">
+            <a:schemeClr val="accent1"/>
+          </a:effectRef>
+          <a:fontRef idx="minor">
+            <a:schemeClr val="tx1"/>
+          </a:fontRef>
+        </p:style>
+      </p:cxnSp>
+      <p:cxnSp>
+        <p:nvCxnSpPr>
+          <p:cNvPr id="171" name="Straight Arrow Connector 170">
+            <a:extLst>
+              <a:ext uri="{FF2B5EF4-FFF2-40B4-BE49-F238E27FC236}">
+                <a16:creationId xmlns:a16="http://schemas.microsoft.com/office/drawing/2014/main" id="{29BD59F7-30DC-1F40-B10A-05A845C17259}"/>
+              </a:ext>
+            </a:extLst>
+          </p:cNvPr>
+          <p:cNvCxnSpPr>
+            <a:cxnSpLocks/>
+          </p:cNvCxnSpPr>
+          <p:nvPr/>
+        </p:nvCxnSpPr>
+        <p:spPr>
+          <a:xfrm flipH="1">
+            <a:off x="4916172" y="6870728"/>
+            <a:ext cx="158097" cy="866869"/>
+          </a:xfrm>
+          <a:prstGeom prst="straightConnector1">
+            <a:avLst/>
+          </a:prstGeom>
+          <a:ln w="60325">
+            <a:solidFill>
+              <a:schemeClr val="bg1">
+                <a:lumMod val="50000"/>
+              </a:schemeClr>
+            </a:solidFill>
+            <a:tailEnd type="triangle"/>
+          </a:ln>
+        </p:spPr>
+        <p:style>
+          <a:lnRef idx="1">
+            <a:schemeClr val="accent1"/>
+          </a:lnRef>
+          <a:fillRef idx="0">
+            <a:schemeClr val="accent1"/>
+          </a:fillRef>
+          <a:effectRef idx="0">
+            <a:schemeClr val="accent1"/>
+          </a:effectRef>
+          <a:fontRef idx="minor">
+            <a:schemeClr val="tx1"/>
+          </a:fontRef>
+        </p:style>
+      </p:cxnSp>
+      <p:cxnSp>
+        <p:nvCxnSpPr>
+          <p:cNvPr id="172" name="Straight Arrow Connector 171">
+            <a:extLst>
+              <a:ext uri="{FF2B5EF4-FFF2-40B4-BE49-F238E27FC236}">
+                <a16:creationId xmlns:a16="http://schemas.microsoft.com/office/drawing/2014/main" id="{95205DBF-DE91-CF48-A08E-D99E1096BDD9}"/>
+              </a:ext>
+            </a:extLst>
+          </p:cNvPr>
+          <p:cNvCxnSpPr>
+            <a:cxnSpLocks/>
+          </p:cNvCxnSpPr>
+          <p:nvPr/>
+        </p:nvCxnSpPr>
+        <p:spPr>
+          <a:xfrm flipH="1" flipV="1">
+            <a:off x="4201620" y="6300706"/>
+            <a:ext cx="636418" cy="1343781"/>
+          </a:xfrm>
+          <a:prstGeom prst="straightConnector1">
+            <a:avLst/>
+          </a:prstGeom>
+          <a:ln w="60325">
+            <a:solidFill>
+              <a:schemeClr val="bg1">
+                <a:lumMod val="50000"/>
+              </a:schemeClr>
+            </a:solidFill>
+            <a:tailEnd type="triangle"/>
+          </a:ln>
+        </p:spPr>
+        <p:style>
+          <a:lnRef idx="1">
+            <a:schemeClr val="accent1"/>
+          </a:lnRef>
+          <a:fillRef idx="0">
+            <a:schemeClr val="accent1"/>
+          </a:fillRef>
+          <a:effectRef idx="0">
+            <a:schemeClr val="accent1"/>
+          </a:effectRef>
+          <a:fontRef idx="minor">
+            <a:schemeClr val="tx1"/>
+          </a:fontRef>
+        </p:style>
+      </p:cxnSp>
+      <p:sp>
+        <p:nvSpPr>
+          <p:cNvPr id="174" name="TextBox 173">
+            <a:extLst>
+              <a:ext uri="{FF2B5EF4-FFF2-40B4-BE49-F238E27FC236}">
+                <a16:creationId xmlns:a16="http://schemas.microsoft.com/office/drawing/2014/main" id="{D82529ED-264E-854F-A093-DAA8CC865A5B}"/>
+              </a:ext>
+            </a:extLst>
+          </p:cNvPr>
+          <p:cNvSpPr txBox="1"/>
+          <p:nvPr/>
+        </p:nvSpPr>
+        <p:spPr>
+          <a:xfrm>
+            <a:off x="6093756" y="9301098"/>
             <a:ext cx="404594" cy="461665"/>
           </a:xfrm>
           <a:prstGeom prst="rect">
@@ -9293,19 +10212,19 @@
       </p:sp>
       <p:sp>
         <p:nvSpPr>
-          <p:cNvPr id="137" name="TextBox 136">
-            <a:extLst>
-              <a:ext uri="{FF2B5EF4-FFF2-40B4-BE49-F238E27FC236}">
-                <a16:creationId xmlns:a16="http://schemas.microsoft.com/office/drawing/2014/main" id="{C24C2439-25DF-8642-B5C5-C2A303BCE190}"/>
-              </a:ext>
-            </a:extLst>
-          </p:cNvPr>
-          <p:cNvSpPr txBox="1"/>
-          <p:nvPr/>
-        </p:nvSpPr>
-        <p:spPr>
-          <a:xfrm>
-            <a:off x="3540526" y="8721484"/>
+          <p:cNvPr id="175" name="TextBox 174">
+            <a:extLst>
+              <a:ext uri="{FF2B5EF4-FFF2-40B4-BE49-F238E27FC236}">
+                <a16:creationId xmlns:a16="http://schemas.microsoft.com/office/drawing/2014/main" id="{D1117AFB-D57E-7E45-A77B-607CB2A0DCFF}"/>
+              </a:ext>
+            </a:extLst>
+          </p:cNvPr>
+          <p:cNvSpPr txBox="1"/>
+          <p:nvPr/>
+        </p:nvSpPr>
+        <p:spPr>
+          <a:xfrm>
+            <a:off x="3532276" y="9301098"/>
             <a:ext cx="435536" cy="466759"/>
           </a:xfrm>
           <a:prstGeom prst="rect">
@@ -9337,133 +10256,102 @@
       </p:sp>
       <p:sp>
         <p:nvSpPr>
-          <p:cNvPr id="139" name="TextBox 138">
-            <a:extLst>
-              <a:ext uri="{FF2B5EF4-FFF2-40B4-BE49-F238E27FC236}">
-                <a16:creationId xmlns:a16="http://schemas.microsoft.com/office/drawing/2014/main" id="{2264E570-3673-2440-8CFD-D3B23F887920}"/>
-              </a:ext>
-            </a:extLst>
-          </p:cNvPr>
-          <p:cNvSpPr txBox="1"/>
-          <p:nvPr/>
-        </p:nvSpPr>
-        <p:spPr>
-          <a:xfrm>
-            <a:off x="6011254" y="3304892"/>
-            <a:ext cx="609575" cy="461665"/>
-          </a:xfrm>
-          <a:prstGeom prst="rect">
-            <a:avLst/>
-          </a:prstGeom>
-          <a:noFill/>
-        </p:spPr>
-        <p:txBody>
-          <a:bodyPr wrap="square" rtlCol="0">
-            <a:spAutoFit/>
-          </a:bodyPr>
-          <a:lstStyle/>
-          <a:p>
-            <a:r>
-              <a:rPr lang="en-AU" sz="2400" dirty="0">
-                <a:solidFill>
-                  <a:schemeClr val="bg1">
-                    <a:lumMod val="50000"/>
-                  </a:schemeClr>
-                </a:solidFill>
-              </a:rPr>
-              <a:t>O5</a:t>
-            </a:r>
-          </a:p>
-        </p:txBody>
-      </p:sp>
-      <p:sp>
-        <p:nvSpPr>
-          <p:cNvPr id="140" name="TextBox 139">
-            <a:extLst>
-              <a:ext uri="{FF2B5EF4-FFF2-40B4-BE49-F238E27FC236}">
-                <a16:creationId xmlns:a16="http://schemas.microsoft.com/office/drawing/2014/main" id="{66B09938-01A1-2D4A-945F-2C7606F541AB}"/>
-              </a:ext>
-            </a:extLst>
-          </p:cNvPr>
-          <p:cNvSpPr txBox="1"/>
-          <p:nvPr/>
-        </p:nvSpPr>
-        <p:spPr>
-          <a:xfrm>
-            <a:off x="5824915" y="4369673"/>
-            <a:ext cx="420691" cy="461665"/>
-          </a:xfrm>
-          <a:prstGeom prst="rect">
-            <a:avLst/>
-          </a:prstGeom>
-          <a:solidFill>
-            <a:schemeClr val="bg1">
-              <a:lumMod val="50000"/>
-            </a:schemeClr>
-          </a:solidFill>
-        </p:spPr>
-        <p:txBody>
-          <a:bodyPr wrap="square" rtlCol="0">
-            <a:spAutoFit/>
-          </a:bodyPr>
+          <p:cNvPr id="176" name="Arc 175">
+            <a:extLst>
+              <a:ext uri="{FF2B5EF4-FFF2-40B4-BE49-F238E27FC236}">
+                <a16:creationId xmlns:a16="http://schemas.microsoft.com/office/drawing/2014/main" id="{27461B36-1900-AF43-879D-13D0A68E175A}"/>
+              </a:ext>
+            </a:extLst>
+          </p:cNvPr>
+          <p:cNvSpPr/>
+          <p:nvPr/>
+        </p:nvSpPr>
+        <p:spPr>
+          <a:xfrm rot="18845810" flipH="1">
+            <a:off x="7144964" y="3521288"/>
+            <a:ext cx="2592389" cy="12687250"/>
+          </a:xfrm>
+          <a:prstGeom prst="arc">
+            <a:avLst>
+              <a:gd name="adj1" fmla="val 16131872"/>
+              <a:gd name="adj2" fmla="val 17895821"/>
+            </a:avLst>
+          </a:prstGeom>
+          <a:ln w="82550">
+            <a:solidFill>
+              <a:schemeClr val="tx1"/>
+            </a:solidFill>
+            <a:prstDash val="sysDot"/>
+            <a:tailEnd type="stealth"/>
+          </a:ln>
+        </p:spPr>
+        <p:style>
+          <a:lnRef idx="1">
+            <a:schemeClr val="accent1"/>
+          </a:lnRef>
+          <a:fillRef idx="0">
+            <a:schemeClr val="accent1"/>
+          </a:fillRef>
+          <a:effectRef idx="0">
+            <a:schemeClr val="accent1"/>
+          </a:effectRef>
+          <a:fontRef idx="minor">
+            <a:schemeClr val="tx1"/>
+          </a:fontRef>
+        </p:style>
+        <p:txBody>
+          <a:bodyPr rtlCol="0" anchor="ctr"/>
           <a:lstStyle/>
           <a:p>
             <a:pPr algn="ctr"/>
-            <a:r>
-              <a:rPr lang="en-AU" sz="2400" dirty="0">
-                <a:solidFill>
-                  <a:schemeClr val="bg1"/>
-                </a:solidFill>
-              </a:rPr>
-              <a:t>D</a:t>
-            </a:r>
-          </a:p>
-        </p:txBody>
-      </p:sp>
-      <p:sp>
-        <p:nvSpPr>
-          <p:cNvPr id="245" name="TextBox 244">
-            <a:extLst>
-              <a:ext uri="{FF2B5EF4-FFF2-40B4-BE49-F238E27FC236}">
-                <a16:creationId xmlns:a16="http://schemas.microsoft.com/office/drawing/2014/main" id="{478A620B-7BAA-C145-9119-3323DA6768E8}"/>
-              </a:ext>
-            </a:extLst>
-          </p:cNvPr>
-          <p:cNvSpPr txBox="1"/>
-          <p:nvPr/>
-        </p:nvSpPr>
-        <p:spPr>
-          <a:xfrm>
-            <a:off x="3928038" y="4278895"/>
-            <a:ext cx="409152" cy="461665"/>
-          </a:xfrm>
-          <a:prstGeom prst="rect">
-            <a:avLst/>
-          </a:prstGeom>
-          <a:solidFill>
-            <a:schemeClr val="bg1">
-              <a:lumMod val="50000"/>
-            </a:schemeClr>
-          </a:solidFill>
-        </p:spPr>
-        <p:txBody>
-          <a:bodyPr wrap="square" rtlCol="0">
-            <a:spAutoFit/>
-          </a:bodyPr>
-          <a:lstStyle/>
-          <a:p>
-            <a:pPr algn="ctr"/>
-            <a:r>
-              <a:rPr lang="en-AU" sz="2400" dirty="0">
-                <a:solidFill>
-                  <a:schemeClr val="bg1"/>
-                </a:solidFill>
-              </a:rPr>
-              <a:t>C</a:t>
-            </a:r>
-          </a:p>
-        </p:txBody>
-      </p:sp>
+            <a:endParaRPr lang="en-AU"/>
+          </a:p>
+        </p:txBody>
+      </p:sp>
+      <p:cxnSp>
+        <p:nvCxnSpPr>
+          <p:cNvPr id="121" name="Straight Connector 120">
+            <a:extLst>
+              <a:ext uri="{FF2B5EF4-FFF2-40B4-BE49-F238E27FC236}">
+                <a16:creationId xmlns:a16="http://schemas.microsoft.com/office/drawing/2014/main" id="{F6453A60-907B-B44D-8EF9-71C8D8EB2DA3}"/>
+              </a:ext>
+            </a:extLst>
+          </p:cNvPr>
+          <p:cNvCxnSpPr>
+            <a:cxnSpLocks/>
+          </p:cNvCxnSpPr>
+          <p:nvPr/>
+        </p:nvCxnSpPr>
+        <p:spPr>
+          <a:xfrm flipV="1">
+            <a:off x="6489996" y="7049592"/>
+            <a:ext cx="0" cy="938269"/>
+          </a:xfrm>
+          <a:prstGeom prst="line">
+            <a:avLst/>
+          </a:prstGeom>
+          <a:ln w="60325">
+            <a:solidFill>
+              <a:srgbClr val="00B050"/>
+            </a:solidFill>
+            <a:headEnd type="stealth" w="lg" len="lg"/>
+          </a:ln>
+        </p:spPr>
+        <p:style>
+          <a:lnRef idx="1">
+            <a:schemeClr val="accent1"/>
+          </a:lnRef>
+          <a:fillRef idx="0">
+            <a:schemeClr val="accent1"/>
+          </a:fillRef>
+          <a:effectRef idx="0">
+            <a:schemeClr val="accent1"/>
+          </a:effectRef>
+          <a:fontRef idx="minor">
+            <a:schemeClr val="tx1"/>
+          </a:fontRef>
+        </p:style>
+      </p:cxnSp>
     </p:spTree>
     <p:extLst>
       <p:ext uri="{BB962C8B-B14F-4D97-AF65-F5344CB8AC3E}">

--- a/graphics/Graphics.pptx
+++ b/graphics/Graphics.pptx
@@ -5,7 +5,7 @@
     <p:sldMasterId id="2147483672" r:id="rId1"/>
   </p:sldMasterIdLst>
   <p:notesMasterIdLst>
-    <p:notesMasterId r:id="rId20"/>
+    <p:notesMasterId r:id="rId22"/>
   </p:notesMasterIdLst>
   <p:sldIdLst>
     <p:sldId id="261" r:id="rId2"/>
@@ -26,6 +26,8 @@
     <p:sldId id="275" r:id="rId17"/>
     <p:sldId id="276" r:id="rId18"/>
     <p:sldId id="277" r:id="rId19"/>
+    <p:sldId id="281" r:id="rId20"/>
+    <p:sldId id="282" r:id="rId21"/>
   </p:sldIdLst>
   <p:sldSz cx="6858000" cy="9906000" type="A4"/>
   <p:notesSz cx="6858000" cy="9144000"/>
@@ -132,7 +134,7 @@
             <a:srgbClr val="A4A3A4"/>
           </p15:clr>
         </p15:guide>
-        <p15:guide id="2" pos="2251" userDrawn="1">
+        <p15:guide id="2" pos="28" userDrawn="1">
           <p15:clr>
             <a:srgbClr val="A4A3A4"/>
           </p15:clr>
@@ -225,7 +227,7 @@
           <a:p>
             <a:fld id="{45933B21-E436-3A46-ADDA-424A82352920}" type="datetimeFigureOut">
               <a:rPr lang="en-AU" smtClean="0"/>
-              <a:t>1/1/23</a:t>
+              <a:t>31/12/2023</a:t>
             </a:fld>
             <a:endParaRPr lang="en-AU"/>
           </a:p>
@@ -624,7 +626,7 @@
           <a:p>
             <a:fld id="{84CBB076-2C69-DC49-A9FF-99213B15956D}" type="datetimeFigureOut">
               <a:rPr lang="en-AU" smtClean="0"/>
-              <a:t>1/1/23</a:t>
+              <a:t>31/12/2023</a:t>
             </a:fld>
             <a:endParaRPr lang="en-AU"/>
           </a:p>
@@ -794,7 +796,7 @@
           <a:p>
             <a:fld id="{84CBB076-2C69-DC49-A9FF-99213B15956D}" type="datetimeFigureOut">
               <a:rPr lang="en-AU" smtClean="0"/>
-              <a:t>1/1/23</a:t>
+              <a:t>31/12/2023</a:t>
             </a:fld>
             <a:endParaRPr lang="en-AU"/>
           </a:p>
@@ -974,7 +976,7 @@
           <a:p>
             <a:fld id="{84CBB076-2C69-DC49-A9FF-99213B15956D}" type="datetimeFigureOut">
               <a:rPr lang="en-AU" smtClean="0"/>
-              <a:t>1/1/23</a:t>
+              <a:t>31/12/2023</a:t>
             </a:fld>
             <a:endParaRPr lang="en-AU"/>
           </a:p>
@@ -1144,7 +1146,7 @@
           <a:p>
             <a:fld id="{84CBB076-2C69-DC49-A9FF-99213B15956D}" type="datetimeFigureOut">
               <a:rPr lang="en-AU" smtClean="0"/>
-              <a:t>1/1/23</a:t>
+              <a:t>31/12/2023</a:t>
             </a:fld>
             <a:endParaRPr lang="en-AU"/>
           </a:p>
@@ -1388,7 +1390,7 @@
           <a:p>
             <a:fld id="{84CBB076-2C69-DC49-A9FF-99213B15956D}" type="datetimeFigureOut">
               <a:rPr lang="en-AU" smtClean="0"/>
-              <a:t>1/1/23</a:t>
+              <a:t>31/12/2023</a:t>
             </a:fld>
             <a:endParaRPr lang="en-AU"/>
           </a:p>
@@ -1620,7 +1622,7 @@
           <a:p>
             <a:fld id="{84CBB076-2C69-DC49-A9FF-99213B15956D}" type="datetimeFigureOut">
               <a:rPr lang="en-AU" smtClean="0"/>
-              <a:t>1/1/23</a:t>
+              <a:t>31/12/2023</a:t>
             </a:fld>
             <a:endParaRPr lang="en-AU"/>
           </a:p>
@@ -1987,7 +1989,7 @@
           <a:p>
             <a:fld id="{84CBB076-2C69-DC49-A9FF-99213B15956D}" type="datetimeFigureOut">
               <a:rPr lang="en-AU" smtClean="0"/>
-              <a:t>1/1/23</a:t>
+              <a:t>31/12/2023</a:t>
             </a:fld>
             <a:endParaRPr lang="en-AU"/>
           </a:p>
@@ -2105,7 +2107,7 @@
           <a:p>
             <a:fld id="{84CBB076-2C69-DC49-A9FF-99213B15956D}" type="datetimeFigureOut">
               <a:rPr lang="en-AU" smtClean="0"/>
-              <a:t>1/1/23</a:t>
+              <a:t>31/12/2023</a:t>
             </a:fld>
             <a:endParaRPr lang="en-AU"/>
           </a:p>
@@ -2200,7 +2202,7 @@
           <a:p>
             <a:fld id="{84CBB076-2C69-DC49-A9FF-99213B15956D}" type="datetimeFigureOut">
               <a:rPr lang="en-AU" smtClean="0"/>
-              <a:t>1/1/23</a:t>
+              <a:t>31/12/2023</a:t>
             </a:fld>
             <a:endParaRPr lang="en-AU"/>
           </a:p>
@@ -2477,7 +2479,7 @@
           <a:p>
             <a:fld id="{84CBB076-2C69-DC49-A9FF-99213B15956D}" type="datetimeFigureOut">
               <a:rPr lang="en-AU" smtClean="0"/>
-              <a:t>1/1/23</a:t>
+              <a:t>31/12/2023</a:t>
             </a:fld>
             <a:endParaRPr lang="en-AU"/>
           </a:p>
@@ -2734,7 +2736,7 @@
           <a:p>
             <a:fld id="{84CBB076-2C69-DC49-A9FF-99213B15956D}" type="datetimeFigureOut">
               <a:rPr lang="en-AU" smtClean="0"/>
-              <a:t>1/1/23</a:t>
+              <a:t>31/12/2023</a:t>
             </a:fld>
             <a:endParaRPr lang="en-AU"/>
           </a:p>
@@ -2947,7 +2949,7 @@
           <a:p>
             <a:fld id="{84CBB076-2C69-DC49-A9FF-99213B15956D}" type="datetimeFigureOut">
               <a:rPr lang="en-AU" smtClean="0"/>
-              <a:t>1/1/23</a:t>
+              <a:t>31/12/2023</a:t>
             </a:fld>
             <a:endParaRPr lang="en-AU"/>
           </a:p>
@@ -33423,6 +33425,2412 @@
 </p:sld>
 </file>
 
+<file path=ppt/slides/slide19.xml><?xml version="1.0" encoding="utf-8"?>
+<p:sld xmlns:a="http://schemas.openxmlformats.org/drawingml/2006/main" xmlns:r="http://schemas.openxmlformats.org/officeDocument/2006/relationships" xmlns:p="http://schemas.openxmlformats.org/presentationml/2006/main">
+  <p:cSld>
+    <p:spTree>
+      <p:nvGrpSpPr>
+        <p:cNvPr id="1" name=""/>
+        <p:cNvGrpSpPr/>
+        <p:nvPr/>
+      </p:nvGrpSpPr>
+      <p:grpSpPr>
+        <a:xfrm>
+          <a:off x="0" y="0"/>
+          <a:ext cx="0" cy="0"/>
+          <a:chOff x="0" y="0"/>
+          <a:chExt cx="0" cy="0"/>
+        </a:xfrm>
+      </p:grpSpPr>
+      <p:sp>
+        <p:nvSpPr>
+          <p:cNvPr id="4" name="Rounded Rectangle 3">
+            <a:extLst>
+              <a:ext uri="{FF2B5EF4-FFF2-40B4-BE49-F238E27FC236}">
+                <a16:creationId xmlns:a16="http://schemas.microsoft.com/office/drawing/2014/main" id="{70652F4E-8EA6-2C4D-A4F0-52433013FDED}"/>
+              </a:ext>
+            </a:extLst>
+          </p:cNvPr>
+          <p:cNvSpPr>
+            <a:spLocks noChangeAspect="1"/>
+          </p:cNvSpPr>
+          <p:nvPr/>
+        </p:nvSpPr>
+        <p:spPr>
+          <a:xfrm>
+            <a:off x="53851" y="2074061"/>
+            <a:ext cx="3240000" cy="5623855"/>
+          </a:xfrm>
+          <a:prstGeom prst="roundRect">
+            <a:avLst/>
+          </a:prstGeom>
+          <a:solidFill>
+            <a:schemeClr val="bg1"/>
+          </a:solidFill>
+          <a:ln w="38100">
+            <a:solidFill>
+              <a:schemeClr val="tx1"/>
+            </a:solidFill>
+          </a:ln>
+        </p:spPr>
+        <p:style>
+          <a:lnRef idx="2">
+            <a:schemeClr val="accent1">
+              <a:shade val="50000"/>
+            </a:schemeClr>
+          </a:lnRef>
+          <a:fillRef idx="1">
+            <a:schemeClr val="accent1"/>
+          </a:fillRef>
+          <a:effectRef idx="0">
+            <a:schemeClr val="accent1"/>
+          </a:effectRef>
+          <a:fontRef idx="minor">
+            <a:schemeClr val="lt1"/>
+          </a:fontRef>
+        </p:style>
+        <p:txBody>
+          <a:bodyPr rtlCol="0" anchor="ctr"/>
+          <a:lstStyle/>
+          <a:p>
+            <a:pPr algn="ctr"/>
+            <a:endParaRPr lang="en-AU" dirty="0"/>
+          </a:p>
+        </p:txBody>
+      </p:sp>
+      <p:sp>
+        <p:nvSpPr>
+          <p:cNvPr id="12" name="Multiply 11">
+            <a:extLst>
+              <a:ext uri="{FF2B5EF4-FFF2-40B4-BE49-F238E27FC236}">
+                <a16:creationId xmlns:a16="http://schemas.microsoft.com/office/drawing/2014/main" id="{782966C4-8BAB-EC4A-B3CC-ECB9FD404B1E}"/>
+              </a:ext>
+            </a:extLst>
+          </p:cNvPr>
+          <p:cNvSpPr/>
+          <p:nvPr/>
+        </p:nvSpPr>
+        <p:spPr>
+          <a:xfrm>
+            <a:off x="1298959" y="6090468"/>
+            <a:ext cx="848447" cy="849086"/>
+          </a:xfrm>
+          <a:prstGeom prst="mathMultiply">
+            <a:avLst/>
+          </a:prstGeom>
+          <a:noFill/>
+        </p:spPr>
+        <p:style>
+          <a:lnRef idx="2">
+            <a:schemeClr val="accent1">
+              <a:shade val="50000"/>
+            </a:schemeClr>
+          </a:lnRef>
+          <a:fillRef idx="1">
+            <a:schemeClr val="accent1"/>
+          </a:fillRef>
+          <a:effectRef idx="0">
+            <a:schemeClr val="accent1"/>
+          </a:effectRef>
+          <a:fontRef idx="minor">
+            <a:schemeClr val="lt1"/>
+          </a:fontRef>
+        </p:style>
+        <p:txBody>
+          <a:bodyPr rtlCol="0" anchor="ctr"/>
+          <a:lstStyle/>
+          <a:p>
+            <a:pPr algn="ctr"/>
+            <a:endParaRPr lang="en-AU" sz="2400"/>
+          </a:p>
+        </p:txBody>
+      </p:sp>
+      <p:sp>
+        <p:nvSpPr>
+          <p:cNvPr id="13" name="Multiply 12">
+            <a:extLst>
+              <a:ext uri="{FF2B5EF4-FFF2-40B4-BE49-F238E27FC236}">
+                <a16:creationId xmlns:a16="http://schemas.microsoft.com/office/drawing/2014/main" id="{711FF500-E426-0D44-916C-B24A7A610DF5}"/>
+              </a:ext>
+            </a:extLst>
+          </p:cNvPr>
+          <p:cNvSpPr/>
+          <p:nvPr/>
+        </p:nvSpPr>
+        <p:spPr>
+          <a:xfrm>
+            <a:off x="1292624" y="3599983"/>
+            <a:ext cx="861865" cy="849086"/>
+          </a:xfrm>
+          <a:prstGeom prst="mathMultiply">
+            <a:avLst/>
+          </a:prstGeom>
+          <a:noFill/>
+        </p:spPr>
+        <p:style>
+          <a:lnRef idx="2">
+            <a:schemeClr val="accent1">
+              <a:shade val="50000"/>
+            </a:schemeClr>
+          </a:lnRef>
+          <a:fillRef idx="1">
+            <a:schemeClr val="accent1"/>
+          </a:fillRef>
+          <a:effectRef idx="0">
+            <a:schemeClr val="accent1"/>
+          </a:effectRef>
+          <a:fontRef idx="minor">
+            <a:schemeClr val="lt1"/>
+          </a:fontRef>
+        </p:style>
+        <p:txBody>
+          <a:bodyPr rtlCol="0" anchor="ctr"/>
+          <a:lstStyle/>
+          <a:p>
+            <a:pPr algn="ctr"/>
+            <a:endParaRPr lang="en-AU" sz="2400"/>
+          </a:p>
+        </p:txBody>
+      </p:sp>
+      <p:sp>
+        <p:nvSpPr>
+          <p:cNvPr id="14" name="TextBox 13">
+            <a:extLst>
+              <a:ext uri="{FF2B5EF4-FFF2-40B4-BE49-F238E27FC236}">
+                <a16:creationId xmlns:a16="http://schemas.microsoft.com/office/drawing/2014/main" id="{CC9FDAD2-F231-6B43-92F7-C2C2863676C2}"/>
+              </a:ext>
+            </a:extLst>
+          </p:cNvPr>
+          <p:cNvSpPr txBox="1"/>
+          <p:nvPr/>
+        </p:nvSpPr>
+        <p:spPr>
+          <a:xfrm>
+            <a:off x="2397996" y="4691913"/>
+            <a:ext cx="674066" cy="461665"/>
+          </a:xfrm>
+          <a:prstGeom prst="rect">
+            <a:avLst/>
+          </a:prstGeom>
+          <a:noFill/>
+        </p:spPr>
+        <p:txBody>
+          <a:bodyPr wrap="square" rtlCol="0">
+            <a:spAutoFit/>
+          </a:bodyPr>
+          <a:lstStyle/>
+          <a:p>
+            <a:r>
+              <a:rPr lang="en-AU" sz="2400" dirty="0"/>
+              <a:t>O2</a:t>
+            </a:r>
+          </a:p>
+        </p:txBody>
+      </p:sp>
+      <p:sp>
+        <p:nvSpPr>
+          <p:cNvPr id="15" name="TextBox 14">
+            <a:extLst>
+              <a:ext uri="{FF2B5EF4-FFF2-40B4-BE49-F238E27FC236}">
+                <a16:creationId xmlns:a16="http://schemas.microsoft.com/office/drawing/2014/main" id="{3986F052-18AA-4443-A26B-C88FE17F207D}"/>
+              </a:ext>
+            </a:extLst>
+          </p:cNvPr>
+          <p:cNvSpPr txBox="1"/>
+          <p:nvPr/>
+        </p:nvSpPr>
+        <p:spPr>
+          <a:xfrm>
+            <a:off x="2759791" y="6920971"/>
+            <a:ext cx="554660" cy="461665"/>
+          </a:xfrm>
+          <a:prstGeom prst="rect">
+            <a:avLst/>
+          </a:prstGeom>
+          <a:noFill/>
+        </p:spPr>
+        <p:txBody>
+          <a:bodyPr wrap="square" rtlCol="0">
+            <a:spAutoFit/>
+          </a:bodyPr>
+          <a:lstStyle/>
+          <a:p>
+            <a:r>
+              <a:rPr lang="en-AU" sz="2400" dirty="0"/>
+              <a:t>O1</a:t>
+            </a:r>
+          </a:p>
+        </p:txBody>
+      </p:sp>
+      <p:sp>
+        <p:nvSpPr>
+          <p:cNvPr id="16" name="TextBox 15">
+            <a:extLst>
+              <a:ext uri="{FF2B5EF4-FFF2-40B4-BE49-F238E27FC236}">
+                <a16:creationId xmlns:a16="http://schemas.microsoft.com/office/drawing/2014/main" id="{EEF04ED5-E466-A243-9D27-7184F13C1262}"/>
+              </a:ext>
+            </a:extLst>
+          </p:cNvPr>
+          <p:cNvSpPr txBox="1"/>
+          <p:nvPr/>
+        </p:nvSpPr>
+        <p:spPr>
+          <a:xfrm>
+            <a:off x="1239047" y="5091928"/>
+            <a:ext cx="674066" cy="461665"/>
+          </a:xfrm>
+          <a:prstGeom prst="rect">
+            <a:avLst/>
+          </a:prstGeom>
+          <a:noFill/>
+        </p:spPr>
+        <p:txBody>
+          <a:bodyPr wrap="square" rtlCol="0">
+            <a:spAutoFit/>
+          </a:bodyPr>
+          <a:lstStyle/>
+          <a:p>
+            <a:r>
+              <a:rPr lang="en-AU" sz="2400" dirty="0"/>
+              <a:t>O3</a:t>
+            </a:r>
+          </a:p>
+        </p:txBody>
+      </p:sp>
+      <p:sp>
+        <p:nvSpPr>
+          <p:cNvPr id="17" name="TextBox 16">
+            <a:extLst>
+              <a:ext uri="{FF2B5EF4-FFF2-40B4-BE49-F238E27FC236}">
+                <a16:creationId xmlns:a16="http://schemas.microsoft.com/office/drawing/2014/main" id="{7AB684D8-9879-0C4A-9489-F87A8809D064}"/>
+              </a:ext>
+            </a:extLst>
+          </p:cNvPr>
+          <p:cNvSpPr txBox="1"/>
+          <p:nvPr/>
+        </p:nvSpPr>
+        <p:spPr>
+          <a:xfrm>
+            <a:off x="4229" y="6888033"/>
+            <a:ext cx="674066" cy="461665"/>
+          </a:xfrm>
+          <a:prstGeom prst="rect">
+            <a:avLst/>
+          </a:prstGeom>
+          <a:noFill/>
+        </p:spPr>
+        <p:txBody>
+          <a:bodyPr wrap="square" rtlCol="0">
+            <a:spAutoFit/>
+          </a:bodyPr>
+          <a:lstStyle/>
+          <a:p>
+            <a:r>
+              <a:rPr lang="en-AU" sz="2400" dirty="0"/>
+              <a:t>O4</a:t>
+            </a:r>
+          </a:p>
+        </p:txBody>
+      </p:sp>
+      <p:sp>
+        <p:nvSpPr>
+          <p:cNvPr id="18" name="TextBox 17">
+            <a:extLst>
+              <a:ext uri="{FF2B5EF4-FFF2-40B4-BE49-F238E27FC236}">
+                <a16:creationId xmlns:a16="http://schemas.microsoft.com/office/drawing/2014/main" id="{F387E253-DCE8-A344-84ED-5DB76FED00C0}"/>
+              </a:ext>
+            </a:extLst>
+          </p:cNvPr>
+          <p:cNvSpPr txBox="1"/>
+          <p:nvPr/>
+        </p:nvSpPr>
+        <p:spPr>
+          <a:xfrm>
+            <a:off x="2799381" y="3592130"/>
+            <a:ext cx="674066" cy="461665"/>
+          </a:xfrm>
+          <a:prstGeom prst="rect">
+            <a:avLst/>
+          </a:prstGeom>
+          <a:noFill/>
+        </p:spPr>
+        <p:txBody>
+          <a:bodyPr wrap="square" rtlCol="0">
+            <a:spAutoFit/>
+          </a:bodyPr>
+          <a:lstStyle/>
+          <a:p>
+            <a:r>
+              <a:rPr lang="en-AU" sz="2400" dirty="0"/>
+              <a:t>O5</a:t>
+            </a:r>
+          </a:p>
+        </p:txBody>
+      </p:sp>
+      <p:sp>
+        <p:nvSpPr>
+          <p:cNvPr id="19" name="TextBox 18">
+            <a:extLst>
+              <a:ext uri="{FF2B5EF4-FFF2-40B4-BE49-F238E27FC236}">
+                <a16:creationId xmlns:a16="http://schemas.microsoft.com/office/drawing/2014/main" id="{A2087CBC-C5DF-574A-BDD6-786E46B4A1F8}"/>
+              </a:ext>
+            </a:extLst>
+          </p:cNvPr>
+          <p:cNvSpPr txBox="1"/>
+          <p:nvPr/>
+        </p:nvSpPr>
+        <p:spPr>
+          <a:xfrm>
+            <a:off x="1449421" y="3776796"/>
+            <a:ext cx="768575" cy="461665"/>
+          </a:xfrm>
+          <a:prstGeom prst="rect">
+            <a:avLst/>
+          </a:prstGeom>
+          <a:noFill/>
+        </p:spPr>
+        <p:txBody>
+          <a:bodyPr wrap="square" rtlCol="0">
+            <a:spAutoFit/>
+          </a:bodyPr>
+          <a:lstStyle/>
+          <a:p>
+            <a:r>
+              <a:rPr lang="en-AU" sz="2400" dirty="0"/>
+              <a:t>O6</a:t>
+            </a:r>
+          </a:p>
+        </p:txBody>
+      </p:sp>
+      <p:sp>
+        <p:nvSpPr>
+          <p:cNvPr id="20" name="TextBox 19">
+            <a:extLst>
+              <a:ext uri="{FF2B5EF4-FFF2-40B4-BE49-F238E27FC236}">
+                <a16:creationId xmlns:a16="http://schemas.microsoft.com/office/drawing/2014/main" id="{3B025EB7-D319-3540-8105-6009DDC47831}"/>
+              </a:ext>
+            </a:extLst>
+          </p:cNvPr>
+          <p:cNvSpPr txBox="1"/>
+          <p:nvPr/>
+        </p:nvSpPr>
+        <p:spPr>
+          <a:xfrm>
+            <a:off x="118285" y="4535649"/>
+            <a:ext cx="674066" cy="461665"/>
+          </a:xfrm>
+          <a:prstGeom prst="rect">
+            <a:avLst/>
+          </a:prstGeom>
+          <a:noFill/>
+        </p:spPr>
+        <p:txBody>
+          <a:bodyPr wrap="square" rtlCol="0">
+            <a:spAutoFit/>
+          </a:bodyPr>
+          <a:lstStyle/>
+          <a:p>
+            <a:r>
+              <a:rPr lang="en-AU" sz="2400" dirty="0"/>
+              <a:t>O7</a:t>
+            </a:r>
+          </a:p>
+        </p:txBody>
+      </p:sp>
+      <p:sp>
+        <p:nvSpPr>
+          <p:cNvPr id="21" name="TextBox 20">
+            <a:extLst>
+              <a:ext uri="{FF2B5EF4-FFF2-40B4-BE49-F238E27FC236}">
+                <a16:creationId xmlns:a16="http://schemas.microsoft.com/office/drawing/2014/main" id="{52AF208C-DBD1-3640-80BB-BFEF6E67AA82}"/>
+              </a:ext>
+            </a:extLst>
+          </p:cNvPr>
+          <p:cNvSpPr txBox="1"/>
+          <p:nvPr/>
+        </p:nvSpPr>
+        <p:spPr>
+          <a:xfrm>
+            <a:off x="1488693" y="7033278"/>
+            <a:ext cx="674066" cy="461665"/>
+          </a:xfrm>
+          <a:prstGeom prst="rect">
+            <a:avLst/>
+          </a:prstGeom>
+          <a:noFill/>
+        </p:spPr>
+        <p:txBody>
+          <a:bodyPr wrap="square" rtlCol="0">
+            <a:spAutoFit/>
+          </a:bodyPr>
+          <a:lstStyle/>
+          <a:p>
+            <a:r>
+              <a:rPr lang="en-AU" sz="2400" dirty="0">
+                <a:solidFill>
+                  <a:srgbClr val="0070C0"/>
+                </a:solidFill>
+              </a:rPr>
+              <a:t>D8</a:t>
+            </a:r>
+          </a:p>
+        </p:txBody>
+      </p:sp>
+      <p:sp>
+        <p:nvSpPr>
+          <p:cNvPr id="22" name="TextBox 21">
+            <a:extLst>
+              <a:ext uri="{FF2B5EF4-FFF2-40B4-BE49-F238E27FC236}">
+                <a16:creationId xmlns:a16="http://schemas.microsoft.com/office/drawing/2014/main" id="{329C0760-F363-5D42-B231-1684AA9C118C}"/>
+              </a:ext>
+            </a:extLst>
+          </p:cNvPr>
+          <p:cNvSpPr txBox="1"/>
+          <p:nvPr/>
+        </p:nvSpPr>
+        <p:spPr>
+          <a:xfrm>
+            <a:off x="2573479" y="5031850"/>
+            <a:ext cx="674066" cy="461665"/>
+          </a:xfrm>
+          <a:prstGeom prst="rect">
+            <a:avLst/>
+          </a:prstGeom>
+          <a:noFill/>
+        </p:spPr>
+        <p:txBody>
+          <a:bodyPr wrap="square" rtlCol="0">
+            <a:spAutoFit/>
+          </a:bodyPr>
+          <a:lstStyle/>
+          <a:p>
+            <a:r>
+              <a:rPr lang="en-AU" sz="2400" dirty="0">
+                <a:solidFill>
+                  <a:srgbClr val="0070C0"/>
+                </a:solidFill>
+              </a:rPr>
+              <a:t>D9</a:t>
+            </a:r>
+          </a:p>
+        </p:txBody>
+      </p:sp>
+      <p:sp>
+        <p:nvSpPr>
+          <p:cNvPr id="23" name="TextBox 22">
+            <a:extLst>
+              <a:ext uri="{FF2B5EF4-FFF2-40B4-BE49-F238E27FC236}">
+                <a16:creationId xmlns:a16="http://schemas.microsoft.com/office/drawing/2014/main" id="{7D0E6BA3-DC58-5548-9512-A62D90CF5E98}"/>
+              </a:ext>
+            </a:extLst>
+          </p:cNvPr>
+          <p:cNvSpPr txBox="1"/>
+          <p:nvPr/>
+        </p:nvSpPr>
+        <p:spPr>
+          <a:xfrm>
+            <a:off x="1432496" y="5373375"/>
+            <a:ext cx="890811" cy="461665"/>
+          </a:xfrm>
+          <a:prstGeom prst="rect">
+            <a:avLst/>
+          </a:prstGeom>
+          <a:noFill/>
+        </p:spPr>
+        <p:txBody>
+          <a:bodyPr wrap="square" rtlCol="0">
+            <a:spAutoFit/>
+          </a:bodyPr>
+          <a:lstStyle/>
+          <a:p>
+            <a:r>
+              <a:rPr lang="en-AU" sz="2400" dirty="0">
+                <a:solidFill>
+                  <a:srgbClr val="0070C0"/>
+                </a:solidFill>
+              </a:rPr>
+              <a:t>D10</a:t>
+            </a:r>
+          </a:p>
+        </p:txBody>
+      </p:sp>
+      <p:sp>
+        <p:nvSpPr>
+          <p:cNvPr id="24" name="TextBox 23">
+            <a:extLst>
+              <a:ext uri="{FF2B5EF4-FFF2-40B4-BE49-F238E27FC236}">
+                <a16:creationId xmlns:a16="http://schemas.microsoft.com/office/drawing/2014/main" id="{2F07E686-35A4-4245-871F-DFF71870B7E2}"/>
+              </a:ext>
+            </a:extLst>
+          </p:cNvPr>
+          <p:cNvSpPr txBox="1"/>
+          <p:nvPr/>
+        </p:nvSpPr>
+        <p:spPr>
+          <a:xfrm>
+            <a:off x="229644" y="6334765"/>
+            <a:ext cx="890811" cy="461665"/>
+          </a:xfrm>
+          <a:prstGeom prst="rect">
+            <a:avLst/>
+          </a:prstGeom>
+          <a:noFill/>
+        </p:spPr>
+        <p:txBody>
+          <a:bodyPr wrap="square" rtlCol="0">
+            <a:spAutoFit/>
+          </a:bodyPr>
+          <a:lstStyle/>
+          <a:p>
+            <a:r>
+              <a:rPr lang="en-AU" sz="2400" dirty="0">
+                <a:solidFill>
+                  <a:srgbClr val="0070C0"/>
+                </a:solidFill>
+              </a:rPr>
+              <a:t>D11</a:t>
+            </a:r>
+          </a:p>
+        </p:txBody>
+      </p:sp>
+      <p:sp>
+        <p:nvSpPr>
+          <p:cNvPr id="25" name="TextBox 24">
+            <a:extLst>
+              <a:ext uri="{FF2B5EF4-FFF2-40B4-BE49-F238E27FC236}">
+                <a16:creationId xmlns:a16="http://schemas.microsoft.com/office/drawing/2014/main" id="{0752D762-AB6E-314A-9593-3121603F88E7}"/>
+              </a:ext>
+            </a:extLst>
+          </p:cNvPr>
+          <p:cNvSpPr txBox="1"/>
+          <p:nvPr/>
+        </p:nvSpPr>
+        <p:spPr>
+          <a:xfrm>
+            <a:off x="1927982" y="4033426"/>
+            <a:ext cx="890811" cy="461665"/>
+          </a:xfrm>
+          <a:prstGeom prst="rect">
+            <a:avLst/>
+          </a:prstGeom>
+          <a:noFill/>
+        </p:spPr>
+        <p:txBody>
+          <a:bodyPr wrap="square" rtlCol="0">
+            <a:spAutoFit/>
+          </a:bodyPr>
+          <a:lstStyle/>
+          <a:p>
+            <a:r>
+              <a:rPr lang="en-AU" sz="2400" dirty="0">
+                <a:solidFill>
+                  <a:srgbClr val="0070C0"/>
+                </a:solidFill>
+              </a:rPr>
+              <a:t>D12</a:t>
+            </a:r>
+          </a:p>
+        </p:txBody>
+      </p:sp>
+      <p:sp>
+        <p:nvSpPr>
+          <p:cNvPr id="26" name="TextBox 25">
+            <a:extLst>
+              <a:ext uri="{FF2B5EF4-FFF2-40B4-BE49-F238E27FC236}">
+                <a16:creationId xmlns:a16="http://schemas.microsoft.com/office/drawing/2014/main" id="{9DAF916B-52B3-584A-B384-14D8DBA2AF05}"/>
+              </a:ext>
+            </a:extLst>
+          </p:cNvPr>
+          <p:cNvSpPr txBox="1"/>
+          <p:nvPr/>
+        </p:nvSpPr>
+        <p:spPr>
+          <a:xfrm>
+            <a:off x="1493851" y="4527347"/>
+            <a:ext cx="890811" cy="461665"/>
+          </a:xfrm>
+          <a:prstGeom prst="rect">
+            <a:avLst/>
+          </a:prstGeom>
+          <a:noFill/>
+        </p:spPr>
+        <p:txBody>
+          <a:bodyPr wrap="square" rtlCol="0">
+            <a:spAutoFit/>
+          </a:bodyPr>
+          <a:lstStyle/>
+          <a:p>
+            <a:r>
+              <a:rPr lang="en-AU" sz="2400" dirty="0">
+                <a:solidFill>
+                  <a:srgbClr val="0070C0"/>
+                </a:solidFill>
+              </a:rPr>
+              <a:t>D13</a:t>
+            </a:r>
+          </a:p>
+        </p:txBody>
+      </p:sp>
+      <p:sp>
+        <p:nvSpPr>
+          <p:cNvPr id="27" name="TextBox 26">
+            <a:extLst>
+              <a:ext uri="{FF2B5EF4-FFF2-40B4-BE49-F238E27FC236}">
+                <a16:creationId xmlns:a16="http://schemas.microsoft.com/office/drawing/2014/main" id="{4E9E14C7-CBCA-234F-9806-A90D9C1DDF75}"/>
+              </a:ext>
+            </a:extLst>
+          </p:cNvPr>
+          <p:cNvSpPr txBox="1"/>
+          <p:nvPr/>
+        </p:nvSpPr>
+        <p:spPr>
+          <a:xfrm>
+            <a:off x="896556" y="4637071"/>
+            <a:ext cx="890811" cy="461665"/>
+          </a:xfrm>
+          <a:prstGeom prst="rect">
+            <a:avLst/>
+          </a:prstGeom>
+          <a:noFill/>
+        </p:spPr>
+        <p:txBody>
+          <a:bodyPr wrap="square" rtlCol="0">
+            <a:spAutoFit/>
+          </a:bodyPr>
+          <a:lstStyle/>
+          <a:p>
+            <a:r>
+              <a:rPr lang="en-AU" sz="2400" dirty="0">
+                <a:solidFill>
+                  <a:srgbClr val="0070C0"/>
+                </a:solidFill>
+              </a:rPr>
+              <a:t>D14</a:t>
+            </a:r>
+          </a:p>
+        </p:txBody>
+      </p:sp>
+      <p:sp>
+        <p:nvSpPr>
+          <p:cNvPr id="40" name="Oval 39">
+            <a:extLst>
+              <a:ext uri="{FF2B5EF4-FFF2-40B4-BE49-F238E27FC236}">
+                <a16:creationId xmlns:a16="http://schemas.microsoft.com/office/drawing/2014/main" id="{F7991E49-51E5-B144-BF2D-90C81A5A6344}"/>
+              </a:ext>
+            </a:extLst>
+          </p:cNvPr>
+          <p:cNvSpPr/>
+          <p:nvPr/>
+        </p:nvSpPr>
+        <p:spPr>
+          <a:xfrm>
+            <a:off x="1357886" y="4053244"/>
+            <a:ext cx="244926" cy="239838"/>
+          </a:xfrm>
+          <a:prstGeom prst="ellipse">
+            <a:avLst/>
+          </a:prstGeom>
+          <a:solidFill>
+            <a:schemeClr val="tx1"/>
+          </a:solidFill>
+        </p:spPr>
+        <p:style>
+          <a:lnRef idx="2">
+            <a:schemeClr val="accent1">
+              <a:shade val="50000"/>
+            </a:schemeClr>
+          </a:lnRef>
+          <a:fillRef idx="1">
+            <a:schemeClr val="accent1"/>
+          </a:fillRef>
+          <a:effectRef idx="0">
+            <a:schemeClr val="accent1"/>
+          </a:effectRef>
+          <a:fontRef idx="minor">
+            <a:schemeClr val="lt1"/>
+          </a:fontRef>
+        </p:style>
+        <p:txBody>
+          <a:bodyPr rtlCol="0" anchor="ctr"/>
+          <a:lstStyle/>
+          <a:p>
+            <a:pPr algn="ctr"/>
+            <a:endParaRPr lang="en-AU" sz="2400"/>
+          </a:p>
+        </p:txBody>
+      </p:sp>
+      <p:sp>
+        <p:nvSpPr>
+          <p:cNvPr id="3" name="Arc 2">
+            <a:extLst>
+              <a:ext uri="{FF2B5EF4-FFF2-40B4-BE49-F238E27FC236}">
+                <a16:creationId xmlns:a16="http://schemas.microsoft.com/office/drawing/2014/main" id="{FD25C454-65A8-EA43-BA64-A2BA9DCFCA80}"/>
+              </a:ext>
+            </a:extLst>
+          </p:cNvPr>
+          <p:cNvSpPr/>
+          <p:nvPr/>
+        </p:nvSpPr>
+        <p:spPr>
+          <a:xfrm rot="6396875">
+            <a:off x="375254" y="3069293"/>
+            <a:ext cx="1877363" cy="1440983"/>
+          </a:xfrm>
+          <a:prstGeom prst="arc">
+            <a:avLst/>
+          </a:prstGeom>
+          <a:ln w="38100"/>
+        </p:spPr>
+        <p:style>
+          <a:lnRef idx="1">
+            <a:schemeClr val="accent1"/>
+          </a:lnRef>
+          <a:fillRef idx="0">
+            <a:schemeClr val="accent1"/>
+          </a:fillRef>
+          <a:effectRef idx="0">
+            <a:schemeClr val="accent1"/>
+          </a:effectRef>
+          <a:fontRef idx="minor">
+            <a:schemeClr val="tx1"/>
+          </a:fontRef>
+        </p:style>
+        <p:txBody>
+          <a:bodyPr rtlCol="0" anchor="ctr"/>
+          <a:lstStyle/>
+          <a:p>
+            <a:pPr algn="ctr"/>
+            <a:endParaRPr lang="en-AU"/>
+          </a:p>
+        </p:txBody>
+      </p:sp>
+      <p:cxnSp>
+        <p:nvCxnSpPr>
+          <p:cNvPr id="51" name="Straight Arrow Connector 50">
+            <a:extLst>
+              <a:ext uri="{FF2B5EF4-FFF2-40B4-BE49-F238E27FC236}">
+                <a16:creationId xmlns:a16="http://schemas.microsoft.com/office/drawing/2014/main" id="{58F9ED4B-F0B9-FF4F-8ABD-F40072E20DC3}"/>
+              </a:ext>
+            </a:extLst>
+          </p:cNvPr>
+          <p:cNvCxnSpPr>
+            <a:cxnSpLocks/>
+          </p:cNvCxnSpPr>
+          <p:nvPr/>
+        </p:nvCxnSpPr>
+        <p:spPr>
+          <a:xfrm flipV="1">
+            <a:off x="1886426" y="3837251"/>
+            <a:ext cx="955819" cy="138500"/>
+          </a:xfrm>
+          <a:prstGeom prst="straightConnector1">
+            <a:avLst/>
+          </a:prstGeom>
+          <a:ln w="60325">
+            <a:solidFill>
+              <a:schemeClr val="bg1">
+                <a:lumMod val="50000"/>
+              </a:schemeClr>
+            </a:solidFill>
+            <a:prstDash val="sysDash"/>
+            <a:tailEnd type="triangle"/>
+          </a:ln>
+        </p:spPr>
+        <p:style>
+          <a:lnRef idx="1">
+            <a:schemeClr val="accent1"/>
+          </a:lnRef>
+          <a:fillRef idx="0">
+            <a:schemeClr val="accent1"/>
+          </a:fillRef>
+          <a:effectRef idx="0">
+            <a:schemeClr val="accent1"/>
+          </a:effectRef>
+          <a:fontRef idx="minor">
+            <a:schemeClr val="tx1"/>
+          </a:fontRef>
+        </p:style>
+      </p:cxnSp>
+      <p:cxnSp>
+        <p:nvCxnSpPr>
+          <p:cNvPr id="54" name="Straight Arrow Connector 53">
+            <a:extLst>
+              <a:ext uri="{FF2B5EF4-FFF2-40B4-BE49-F238E27FC236}">
+                <a16:creationId xmlns:a16="http://schemas.microsoft.com/office/drawing/2014/main" id="{6B9CAAA3-CC30-C24F-93F7-B20E22330AF9}"/>
+              </a:ext>
+            </a:extLst>
+          </p:cNvPr>
+          <p:cNvCxnSpPr>
+            <a:cxnSpLocks/>
+          </p:cNvCxnSpPr>
+          <p:nvPr/>
+        </p:nvCxnSpPr>
+        <p:spPr>
+          <a:xfrm>
+            <a:off x="1589823" y="4219801"/>
+            <a:ext cx="901699" cy="590680"/>
+          </a:xfrm>
+          <a:prstGeom prst="straightConnector1">
+            <a:avLst/>
+          </a:prstGeom>
+          <a:ln w="60325">
+            <a:solidFill>
+              <a:schemeClr val="bg1">
+                <a:lumMod val="50000"/>
+              </a:schemeClr>
+            </a:solidFill>
+            <a:prstDash val="sysDash"/>
+            <a:tailEnd type="triangle"/>
+          </a:ln>
+        </p:spPr>
+        <p:style>
+          <a:lnRef idx="1">
+            <a:schemeClr val="accent1"/>
+          </a:lnRef>
+          <a:fillRef idx="0">
+            <a:schemeClr val="accent1"/>
+          </a:fillRef>
+          <a:effectRef idx="0">
+            <a:schemeClr val="accent1"/>
+          </a:effectRef>
+          <a:fontRef idx="minor">
+            <a:schemeClr val="tx1"/>
+          </a:fontRef>
+        </p:style>
+      </p:cxnSp>
+      <p:cxnSp>
+        <p:nvCxnSpPr>
+          <p:cNvPr id="62" name="Straight Arrow Connector 61">
+            <a:extLst>
+              <a:ext uri="{FF2B5EF4-FFF2-40B4-BE49-F238E27FC236}">
+                <a16:creationId xmlns:a16="http://schemas.microsoft.com/office/drawing/2014/main" id="{D4EB2A2C-FE63-E24F-9999-DED7695BF0D9}"/>
+              </a:ext>
+            </a:extLst>
+          </p:cNvPr>
+          <p:cNvCxnSpPr>
+            <a:cxnSpLocks/>
+          </p:cNvCxnSpPr>
+          <p:nvPr/>
+        </p:nvCxnSpPr>
+        <p:spPr>
+          <a:xfrm>
+            <a:off x="1476284" y="4359257"/>
+            <a:ext cx="33961" cy="853271"/>
+          </a:xfrm>
+          <a:prstGeom prst="straightConnector1">
+            <a:avLst/>
+          </a:prstGeom>
+          <a:ln w="60325">
+            <a:solidFill>
+              <a:schemeClr val="bg1">
+                <a:lumMod val="50000"/>
+              </a:schemeClr>
+            </a:solidFill>
+            <a:prstDash val="sysDash"/>
+            <a:tailEnd type="triangle"/>
+          </a:ln>
+        </p:spPr>
+        <p:style>
+          <a:lnRef idx="1">
+            <a:schemeClr val="accent1"/>
+          </a:lnRef>
+          <a:fillRef idx="0">
+            <a:schemeClr val="accent1"/>
+          </a:fillRef>
+          <a:effectRef idx="0">
+            <a:schemeClr val="accent1"/>
+          </a:effectRef>
+          <a:fontRef idx="minor">
+            <a:schemeClr val="tx1"/>
+          </a:fontRef>
+        </p:style>
+      </p:cxnSp>
+      <p:cxnSp>
+        <p:nvCxnSpPr>
+          <p:cNvPr id="107" name="Straight Connector 106">
+            <a:extLst>
+              <a:ext uri="{FF2B5EF4-FFF2-40B4-BE49-F238E27FC236}">
+                <a16:creationId xmlns:a16="http://schemas.microsoft.com/office/drawing/2014/main" id="{2DA34176-E3AB-F845-AF1C-09B7464A2D82}"/>
+              </a:ext>
+            </a:extLst>
+          </p:cNvPr>
+          <p:cNvCxnSpPr>
+            <a:cxnSpLocks/>
+          </p:cNvCxnSpPr>
+          <p:nvPr/>
+        </p:nvCxnSpPr>
+        <p:spPr>
+          <a:xfrm>
+            <a:off x="6824929" y="-1885263"/>
+            <a:ext cx="0" cy="839561"/>
+          </a:xfrm>
+          <a:prstGeom prst="line">
+            <a:avLst/>
+          </a:prstGeom>
+          <a:ln w="60325">
+            <a:solidFill>
+              <a:srgbClr val="C00000"/>
+            </a:solidFill>
+            <a:headEnd type="stealth" w="lg" len="lg"/>
+          </a:ln>
+        </p:spPr>
+        <p:style>
+          <a:lnRef idx="1">
+            <a:schemeClr val="accent1"/>
+          </a:lnRef>
+          <a:fillRef idx="0">
+            <a:schemeClr val="accent1"/>
+          </a:fillRef>
+          <a:effectRef idx="0">
+            <a:schemeClr val="accent1"/>
+          </a:effectRef>
+          <a:fontRef idx="minor">
+            <a:schemeClr val="tx1"/>
+          </a:fontRef>
+        </p:style>
+      </p:cxnSp>
+      <p:sp>
+        <p:nvSpPr>
+          <p:cNvPr id="108" name="TextBox 107">
+            <a:extLst>
+              <a:ext uri="{FF2B5EF4-FFF2-40B4-BE49-F238E27FC236}">
+                <a16:creationId xmlns:a16="http://schemas.microsoft.com/office/drawing/2014/main" id="{0F1C216F-8238-FB4B-B7F6-A88D2CF75A38}"/>
+              </a:ext>
+            </a:extLst>
+          </p:cNvPr>
+          <p:cNvSpPr txBox="1"/>
+          <p:nvPr/>
+        </p:nvSpPr>
+        <p:spPr>
+          <a:xfrm rot="5400000">
+            <a:off x="6119150" y="-1206623"/>
+            <a:ext cx="961755" cy="369332"/>
+          </a:xfrm>
+          <a:prstGeom prst="rect">
+            <a:avLst/>
+          </a:prstGeom>
+          <a:noFill/>
+        </p:spPr>
+        <p:txBody>
+          <a:bodyPr wrap="square" rtlCol="0">
+            <a:spAutoFit/>
+          </a:bodyPr>
+          <a:lstStyle/>
+          <a:p>
+            <a:r>
+              <a:rPr lang="en-AU" dirty="0">
+                <a:solidFill>
+                  <a:srgbClr val="C00000"/>
+                </a:solidFill>
+              </a:rPr>
+              <a:t>Upfield</a:t>
+            </a:r>
+          </a:p>
+        </p:txBody>
+      </p:sp>
+      <p:sp>
+        <p:nvSpPr>
+          <p:cNvPr id="128" name="Rounded Rectangle 127">
+            <a:extLst>
+              <a:ext uri="{FF2B5EF4-FFF2-40B4-BE49-F238E27FC236}">
+                <a16:creationId xmlns:a16="http://schemas.microsoft.com/office/drawing/2014/main" id="{0E46D5EC-DBDE-594D-BE09-9842261283D4}"/>
+              </a:ext>
+            </a:extLst>
+          </p:cNvPr>
+          <p:cNvSpPr>
+            <a:spLocks noChangeAspect="1"/>
+          </p:cNvSpPr>
+          <p:nvPr/>
+        </p:nvSpPr>
+        <p:spPr>
+          <a:xfrm>
+            <a:off x="3479324" y="2105362"/>
+            <a:ext cx="3240000" cy="5622252"/>
+          </a:xfrm>
+          <a:prstGeom prst="roundRect">
+            <a:avLst/>
+          </a:prstGeom>
+          <a:solidFill>
+            <a:schemeClr val="bg1"/>
+          </a:solidFill>
+          <a:ln w="38100">
+            <a:solidFill>
+              <a:schemeClr val="tx1"/>
+            </a:solidFill>
+          </a:ln>
+        </p:spPr>
+        <p:style>
+          <a:lnRef idx="2">
+            <a:schemeClr val="accent1">
+              <a:shade val="50000"/>
+            </a:schemeClr>
+          </a:lnRef>
+          <a:fillRef idx="1">
+            <a:schemeClr val="accent1"/>
+          </a:fillRef>
+          <a:effectRef idx="0">
+            <a:schemeClr val="accent1"/>
+          </a:effectRef>
+          <a:fontRef idx="minor">
+            <a:schemeClr val="lt1"/>
+          </a:fontRef>
+        </p:style>
+        <p:txBody>
+          <a:bodyPr rtlCol="0" anchor="ctr"/>
+          <a:lstStyle/>
+          <a:p>
+            <a:pPr algn="ctr"/>
+            <a:endParaRPr lang="en-AU"/>
+          </a:p>
+        </p:txBody>
+      </p:sp>
+      <p:cxnSp>
+        <p:nvCxnSpPr>
+          <p:cNvPr id="175" name="Straight Connector 174">
+            <a:extLst>
+              <a:ext uri="{FF2B5EF4-FFF2-40B4-BE49-F238E27FC236}">
+                <a16:creationId xmlns:a16="http://schemas.microsoft.com/office/drawing/2014/main" id="{5B90FAC4-60E2-D649-B5C4-8D475162FA58}"/>
+              </a:ext>
+            </a:extLst>
+          </p:cNvPr>
+          <p:cNvCxnSpPr>
+            <a:cxnSpLocks/>
+          </p:cNvCxnSpPr>
+          <p:nvPr/>
+        </p:nvCxnSpPr>
+        <p:spPr>
+          <a:xfrm>
+            <a:off x="10183598" y="-1883338"/>
+            <a:ext cx="0" cy="839561"/>
+          </a:xfrm>
+          <a:prstGeom prst="line">
+            <a:avLst/>
+          </a:prstGeom>
+          <a:ln w="60325">
+            <a:solidFill>
+              <a:srgbClr val="C00000"/>
+            </a:solidFill>
+            <a:headEnd type="stealth" w="lg" len="lg"/>
+          </a:ln>
+        </p:spPr>
+        <p:style>
+          <a:lnRef idx="1">
+            <a:schemeClr val="accent1"/>
+          </a:lnRef>
+          <a:fillRef idx="0">
+            <a:schemeClr val="accent1"/>
+          </a:fillRef>
+          <a:effectRef idx="0">
+            <a:schemeClr val="accent1"/>
+          </a:effectRef>
+          <a:fontRef idx="minor">
+            <a:schemeClr val="tx1"/>
+          </a:fontRef>
+        </p:style>
+      </p:cxnSp>
+      <p:sp>
+        <p:nvSpPr>
+          <p:cNvPr id="176" name="TextBox 175">
+            <a:extLst>
+              <a:ext uri="{FF2B5EF4-FFF2-40B4-BE49-F238E27FC236}">
+                <a16:creationId xmlns:a16="http://schemas.microsoft.com/office/drawing/2014/main" id="{007B42D3-5617-7747-A683-42DC983B6586}"/>
+              </a:ext>
+            </a:extLst>
+          </p:cNvPr>
+          <p:cNvSpPr txBox="1"/>
+          <p:nvPr/>
+        </p:nvSpPr>
+        <p:spPr>
+          <a:xfrm rot="5400000">
+            <a:off x="9477819" y="-1204698"/>
+            <a:ext cx="961755" cy="369332"/>
+          </a:xfrm>
+          <a:prstGeom prst="rect">
+            <a:avLst/>
+          </a:prstGeom>
+          <a:noFill/>
+        </p:spPr>
+        <p:txBody>
+          <a:bodyPr wrap="square" rtlCol="0">
+            <a:spAutoFit/>
+          </a:bodyPr>
+          <a:lstStyle/>
+          <a:p>
+            <a:r>
+              <a:rPr lang="en-AU" dirty="0">
+                <a:solidFill>
+                  <a:srgbClr val="C00000"/>
+                </a:solidFill>
+              </a:rPr>
+              <a:t>Upfield</a:t>
+            </a:r>
+          </a:p>
+        </p:txBody>
+      </p:sp>
+      <p:sp>
+        <p:nvSpPr>
+          <p:cNvPr id="181" name="TextBox 180">
+            <a:extLst>
+              <a:ext uri="{FF2B5EF4-FFF2-40B4-BE49-F238E27FC236}">
+                <a16:creationId xmlns:a16="http://schemas.microsoft.com/office/drawing/2014/main" id="{F4A91607-83AB-4C4B-BDA7-14B09E38CB28}"/>
+              </a:ext>
+            </a:extLst>
+          </p:cNvPr>
+          <p:cNvSpPr txBox="1"/>
+          <p:nvPr/>
+        </p:nvSpPr>
+        <p:spPr>
+          <a:xfrm rot="5400000">
+            <a:off x="5683882" y="4105339"/>
+            <a:ext cx="1576217" cy="461665"/>
+          </a:xfrm>
+          <a:prstGeom prst="rect">
+            <a:avLst/>
+          </a:prstGeom>
+          <a:noFill/>
+        </p:spPr>
+        <p:txBody>
+          <a:bodyPr wrap="square" rtlCol="0">
+            <a:spAutoFit/>
+          </a:bodyPr>
+          <a:lstStyle/>
+          <a:p>
+            <a:r>
+              <a:rPr lang="en-AU" sz="2400" dirty="0">
+                <a:solidFill>
+                  <a:schemeClr val="accent6"/>
+                </a:solidFill>
+              </a:rPr>
+              <a:t>Downfield</a:t>
+            </a:r>
+          </a:p>
+        </p:txBody>
+      </p:sp>
+      <p:cxnSp>
+        <p:nvCxnSpPr>
+          <p:cNvPr id="182" name="Straight Connector 181">
+            <a:extLst>
+              <a:ext uri="{FF2B5EF4-FFF2-40B4-BE49-F238E27FC236}">
+                <a16:creationId xmlns:a16="http://schemas.microsoft.com/office/drawing/2014/main" id="{4E9E1BF5-D8BF-5C4A-8452-A352FCF014C0}"/>
+              </a:ext>
+            </a:extLst>
+          </p:cNvPr>
+          <p:cNvCxnSpPr>
+            <a:cxnSpLocks/>
+          </p:cNvCxnSpPr>
+          <p:nvPr/>
+        </p:nvCxnSpPr>
+        <p:spPr>
+          <a:xfrm flipV="1">
+            <a:off x="6462176" y="4936855"/>
+            <a:ext cx="0" cy="938269"/>
+          </a:xfrm>
+          <a:prstGeom prst="line">
+            <a:avLst/>
+          </a:prstGeom>
+          <a:ln w="60325">
+            <a:solidFill>
+              <a:srgbClr val="00B050"/>
+            </a:solidFill>
+            <a:headEnd type="stealth" w="lg" len="lg"/>
+          </a:ln>
+        </p:spPr>
+        <p:style>
+          <a:lnRef idx="1">
+            <a:schemeClr val="accent1"/>
+          </a:lnRef>
+          <a:fillRef idx="0">
+            <a:schemeClr val="accent1"/>
+          </a:fillRef>
+          <a:effectRef idx="0">
+            <a:schemeClr val="accent1"/>
+          </a:effectRef>
+          <a:fontRef idx="minor">
+            <a:schemeClr val="tx1"/>
+          </a:fontRef>
+        </p:style>
+      </p:cxnSp>
+      <p:sp>
+        <p:nvSpPr>
+          <p:cNvPr id="206" name="Multiply 205">
+            <a:extLst>
+              <a:ext uri="{FF2B5EF4-FFF2-40B4-BE49-F238E27FC236}">
+                <a16:creationId xmlns:a16="http://schemas.microsoft.com/office/drawing/2014/main" id="{C403C452-3C13-7A49-8C0B-D95F48802F86}"/>
+              </a:ext>
+            </a:extLst>
+          </p:cNvPr>
+          <p:cNvSpPr/>
+          <p:nvPr/>
+        </p:nvSpPr>
+        <p:spPr>
+          <a:xfrm>
+            <a:off x="4674433" y="3613483"/>
+            <a:ext cx="861865" cy="849086"/>
+          </a:xfrm>
+          <a:prstGeom prst="mathMultiply">
+            <a:avLst/>
+          </a:prstGeom>
+          <a:noFill/>
+        </p:spPr>
+        <p:style>
+          <a:lnRef idx="2">
+            <a:schemeClr val="accent1">
+              <a:shade val="50000"/>
+            </a:schemeClr>
+          </a:lnRef>
+          <a:fillRef idx="1">
+            <a:schemeClr val="accent1"/>
+          </a:fillRef>
+          <a:effectRef idx="0">
+            <a:schemeClr val="accent1"/>
+          </a:effectRef>
+          <a:fontRef idx="minor">
+            <a:schemeClr val="lt1"/>
+          </a:fontRef>
+        </p:style>
+        <p:txBody>
+          <a:bodyPr rtlCol="0" anchor="ctr"/>
+          <a:lstStyle/>
+          <a:p>
+            <a:pPr algn="ctr"/>
+            <a:endParaRPr lang="en-AU" sz="2400"/>
+          </a:p>
+        </p:txBody>
+      </p:sp>
+      <p:cxnSp>
+        <p:nvCxnSpPr>
+          <p:cNvPr id="233" name="Straight Arrow Connector 232">
+            <a:extLst>
+              <a:ext uri="{FF2B5EF4-FFF2-40B4-BE49-F238E27FC236}">
+                <a16:creationId xmlns:a16="http://schemas.microsoft.com/office/drawing/2014/main" id="{72FEC4B9-DD02-8C47-90BD-83CD8E62EABA}"/>
+              </a:ext>
+            </a:extLst>
+          </p:cNvPr>
+          <p:cNvCxnSpPr>
+            <a:cxnSpLocks/>
+          </p:cNvCxnSpPr>
+          <p:nvPr/>
+        </p:nvCxnSpPr>
+        <p:spPr>
+          <a:xfrm flipH="1">
+            <a:off x="656242" y="4293082"/>
+            <a:ext cx="657693" cy="470875"/>
+          </a:xfrm>
+          <a:prstGeom prst="straightConnector1">
+            <a:avLst/>
+          </a:prstGeom>
+          <a:ln w="60325">
+            <a:solidFill>
+              <a:schemeClr val="bg1">
+                <a:lumMod val="50000"/>
+              </a:schemeClr>
+            </a:solidFill>
+            <a:prstDash val="sysDash"/>
+            <a:tailEnd type="triangle"/>
+          </a:ln>
+        </p:spPr>
+        <p:style>
+          <a:lnRef idx="1">
+            <a:schemeClr val="accent1"/>
+          </a:lnRef>
+          <a:fillRef idx="0">
+            <a:schemeClr val="accent1"/>
+          </a:fillRef>
+          <a:effectRef idx="0">
+            <a:schemeClr val="accent1"/>
+          </a:effectRef>
+          <a:fontRef idx="minor">
+            <a:schemeClr val="tx1"/>
+          </a:fontRef>
+        </p:style>
+      </p:cxnSp>
+      <p:sp>
+        <p:nvSpPr>
+          <p:cNvPr id="109" name="Rounded Rectangle 108">
+            <a:extLst>
+              <a:ext uri="{FF2B5EF4-FFF2-40B4-BE49-F238E27FC236}">
+                <a16:creationId xmlns:a16="http://schemas.microsoft.com/office/drawing/2014/main" id="{95281290-9170-B64A-B0DA-1B1DB9273CBF}"/>
+              </a:ext>
+            </a:extLst>
+          </p:cNvPr>
+          <p:cNvSpPr>
+            <a:spLocks noChangeAspect="1"/>
+          </p:cNvSpPr>
+          <p:nvPr/>
+        </p:nvSpPr>
+        <p:spPr>
+          <a:xfrm>
+            <a:off x="3515099" y="7710827"/>
+            <a:ext cx="3240000" cy="1576217"/>
+          </a:xfrm>
+          <a:prstGeom prst="roundRect">
+            <a:avLst/>
+          </a:prstGeom>
+          <a:solidFill>
+            <a:srgbClr val="00B050"/>
+          </a:solidFill>
+          <a:ln w="38100">
+            <a:solidFill>
+              <a:schemeClr val="tx1"/>
+            </a:solidFill>
+          </a:ln>
+        </p:spPr>
+        <p:style>
+          <a:lnRef idx="2">
+            <a:schemeClr val="accent1">
+              <a:shade val="50000"/>
+            </a:schemeClr>
+          </a:lnRef>
+          <a:fillRef idx="1">
+            <a:schemeClr val="accent1"/>
+          </a:fillRef>
+          <a:effectRef idx="0">
+            <a:schemeClr val="accent1"/>
+          </a:effectRef>
+          <a:fontRef idx="minor">
+            <a:schemeClr val="lt1"/>
+          </a:fontRef>
+        </p:style>
+        <p:txBody>
+          <a:bodyPr rtlCol="0" anchor="ctr"/>
+          <a:lstStyle/>
+          <a:p>
+            <a:pPr algn="ctr"/>
+            <a:endParaRPr lang="en-AU"/>
+          </a:p>
+        </p:txBody>
+      </p:sp>
+      <p:sp>
+        <p:nvSpPr>
+          <p:cNvPr id="110" name="Rounded Rectangle 109">
+            <a:extLst>
+              <a:ext uri="{FF2B5EF4-FFF2-40B4-BE49-F238E27FC236}">
+                <a16:creationId xmlns:a16="http://schemas.microsoft.com/office/drawing/2014/main" id="{D39CC05F-34C3-0C47-BE06-4BC4FCF1DD14}"/>
+              </a:ext>
+            </a:extLst>
+          </p:cNvPr>
+          <p:cNvSpPr>
+            <a:spLocks noChangeAspect="1"/>
+          </p:cNvSpPr>
+          <p:nvPr/>
+        </p:nvSpPr>
+        <p:spPr>
+          <a:xfrm>
+            <a:off x="3515099" y="512923"/>
+            <a:ext cx="3240000" cy="1576217"/>
+          </a:xfrm>
+          <a:prstGeom prst="roundRect">
+            <a:avLst/>
+          </a:prstGeom>
+          <a:solidFill>
+            <a:srgbClr val="FF0000"/>
+          </a:solidFill>
+          <a:ln w="38100">
+            <a:solidFill>
+              <a:schemeClr val="tx1"/>
+            </a:solidFill>
+          </a:ln>
+        </p:spPr>
+        <p:style>
+          <a:lnRef idx="2">
+            <a:schemeClr val="accent1">
+              <a:shade val="50000"/>
+            </a:schemeClr>
+          </a:lnRef>
+          <a:fillRef idx="1">
+            <a:schemeClr val="accent1"/>
+          </a:fillRef>
+          <a:effectRef idx="0">
+            <a:schemeClr val="accent1"/>
+          </a:effectRef>
+          <a:fontRef idx="minor">
+            <a:schemeClr val="lt1"/>
+          </a:fontRef>
+        </p:style>
+        <p:txBody>
+          <a:bodyPr rtlCol="0" anchor="ctr"/>
+          <a:lstStyle/>
+          <a:p>
+            <a:pPr algn="ctr"/>
+            <a:endParaRPr lang="en-AU" dirty="0"/>
+          </a:p>
+        </p:txBody>
+      </p:sp>
+      <p:sp>
+        <p:nvSpPr>
+          <p:cNvPr id="111" name="Rounded Rectangle 110">
+            <a:extLst>
+              <a:ext uri="{FF2B5EF4-FFF2-40B4-BE49-F238E27FC236}">
+                <a16:creationId xmlns:a16="http://schemas.microsoft.com/office/drawing/2014/main" id="{9E82817D-FCB5-9D47-B2D1-431C14D1646C}"/>
+              </a:ext>
+            </a:extLst>
+          </p:cNvPr>
+          <p:cNvSpPr>
+            <a:spLocks noChangeAspect="1"/>
+          </p:cNvSpPr>
+          <p:nvPr/>
+        </p:nvSpPr>
+        <p:spPr>
+          <a:xfrm>
+            <a:off x="24927" y="7695748"/>
+            <a:ext cx="3240000" cy="1576217"/>
+          </a:xfrm>
+          <a:prstGeom prst="roundRect">
+            <a:avLst/>
+          </a:prstGeom>
+          <a:solidFill>
+            <a:srgbClr val="00B050"/>
+          </a:solidFill>
+          <a:ln w="38100">
+            <a:solidFill>
+              <a:schemeClr val="tx1"/>
+            </a:solidFill>
+          </a:ln>
+        </p:spPr>
+        <p:style>
+          <a:lnRef idx="2">
+            <a:schemeClr val="accent1">
+              <a:shade val="50000"/>
+            </a:schemeClr>
+          </a:lnRef>
+          <a:fillRef idx="1">
+            <a:schemeClr val="accent1"/>
+          </a:fillRef>
+          <a:effectRef idx="0">
+            <a:schemeClr val="accent1"/>
+          </a:effectRef>
+          <a:fontRef idx="minor">
+            <a:schemeClr val="lt1"/>
+          </a:fontRef>
+        </p:style>
+        <p:txBody>
+          <a:bodyPr rtlCol="0" anchor="ctr"/>
+          <a:lstStyle/>
+          <a:p>
+            <a:pPr algn="ctr"/>
+            <a:endParaRPr lang="en-AU"/>
+          </a:p>
+        </p:txBody>
+      </p:sp>
+      <p:sp>
+        <p:nvSpPr>
+          <p:cNvPr id="112" name="Rounded Rectangle 111">
+            <a:extLst>
+              <a:ext uri="{FF2B5EF4-FFF2-40B4-BE49-F238E27FC236}">
+                <a16:creationId xmlns:a16="http://schemas.microsoft.com/office/drawing/2014/main" id="{91644C1D-8E72-FA4B-9A0C-66EE46B007BC}"/>
+              </a:ext>
+            </a:extLst>
+          </p:cNvPr>
+          <p:cNvSpPr>
+            <a:spLocks noChangeAspect="1"/>
+          </p:cNvSpPr>
+          <p:nvPr/>
+        </p:nvSpPr>
+        <p:spPr>
+          <a:xfrm>
+            <a:off x="24927" y="497844"/>
+            <a:ext cx="3240000" cy="1576217"/>
+          </a:xfrm>
+          <a:prstGeom prst="roundRect">
+            <a:avLst/>
+          </a:prstGeom>
+          <a:solidFill>
+            <a:srgbClr val="FF0000"/>
+          </a:solidFill>
+          <a:ln w="38100">
+            <a:solidFill>
+              <a:schemeClr val="tx1"/>
+            </a:solidFill>
+          </a:ln>
+        </p:spPr>
+        <p:style>
+          <a:lnRef idx="2">
+            <a:schemeClr val="accent1">
+              <a:shade val="50000"/>
+            </a:schemeClr>
+          </a:lnRef>
+          <a:fillRef idx="1">
+            <a:schemeClr val="accent1"/>
+          </a:fillRef>
+          <a:effectRef idx="0">
+            <a:schemeClr val="accent1"/>
+          </a:effectRef>
+          <a:fontRef idx="minor">
+            <a:schemeClr val="lt1"/>
+          </a:fontRef>
+        </p:style>
+        <p:txBody>
+          <a:bodyPr rtlCol="0" anchor="ctr"/>
+          <a:lstStyle/>
+          <a:p>
+            <a:pPr algn="ctr"/>
+            <a:endParaRPr lang="en-AU" dirty="0"/>
+          </a:p>
+        </p:txBody>
+      </p:sp>
+      <p:sp>
+        <p:nvSpPr>
+          <p:cNvPr id="115" name="TextBox 114">
+            <a:extLst>
+              <a:ext uri="{FF2B5EF4-FFF2-40B4-BE49-F238E27FC236}">
+                <a16:creationId xmlns:a16="http://schemas.microsoft.com/office/drawing/2014/main" id="{C46D625C-2E47-1444-8571-79646501CABF}"/>
+              </a:ext>
+            </a:extLst>
+          </p:cNvPr>
+          <p:cNvSpPr txBox="1"/>
+          <p:nvPr/>
+        </p:nvSpPr>
+        <p:spPr>
+          <a:xfrm>
+            <a:off x="4654053" y="4636257"/>
+            <a:ext cx="656364" cy="461665"/>
+          </a:xfrm>
+          <a:prstGeom prst="rect">
+            <a:avLst/>
+          </a:prstGeom>
+          <a:noFill/>
+        </p:spPr>
+        <p:txBody>
+          <a:bodyPr wrap="square" rtlCol="0">
+            <a:spAutoFit/>
+          </a:bodyPr>
+          <a:lstStyle/>
+          <a:p>
+            <a:r>
+              <a:rPr lang="en-AU" sz="2400" dirty="0"/>
+              <a:t>O2</a:t>
+            </a:r>
+          </a:p>
+        </p:txBody>
+      </p:sp>
+      <p:sp>
+        <p:nvSpPr>
+          <p:cNvPr id="117" name="TextBox 116">
+            <a:extLst>
+              <a:ext uri="{FF2B5EF4-FFF2-40B4-BE49-F238E27FC236}">
+                <a16:creationId xmlns:a16="http://schemas.microsoft.com/office/drawing/2014/main" id="{55987658-B9F6-EF44-BF6B-BA55A71EC4CA}"/>
+              </a:ext>
+            </a:extLst>
+          </p:cNvPr>
+          <p:cNvSpPr txBox="1"/>
+          <p:nvPr/>
+        </p:nvSpPr>
+        <p:spPr>
+          <a:xfrm>
+            <a:off x="5995587" y="6338848"/>
+            <a:ext cx="592065" cy="461665"/>
+          </a:xfrm>
+          <a:prstGeom prst="rect">
+            <a:avLst/>
+          </a:prstGeom>
+          <a:noFill/>
+        </p:spPr>
+        <p:txBody>
+          <a:bodyPr wrap="square" rtlCol="0">
+            <a:spAutoFit/>
+          </a:bodyPr>
+          <a:lstStyle/>
+          <a:p>
+            <a:r>
+              <a:rPr lang="en-AU" sz="2400" dirty="0"/>
+              <a:t>O1</a:t>
+            </a:r>
+          </a:p>
+        </p:txBody>
+      </p:sp>
+      <p:sp>
+        <p:nvSpPr>
+          <p:cNvPr id="118" name="TextBox 117">
+            <a:extLst>
+              <a:ext uri="{FF2B5EF4-FFF2-40B4-BE49-F238E27FC236}">
+                <a16:creationId xmlns:a16="http://schemas.microsoft.com/office/drawing/2014/main" id="{2B350782-9DB6-0645-8982-1A76D5A3B2BB}"/>
+              </a:ext>
+            </a:extLst>
+          </p:cNvPr>
+          <p:cNvSpPr txBox="1"/>
+          <p:nvPr/>
+        </p:nvSpPr>
+        <p:spPr>
+          <a:xfrm>
+            <a:off x="4172607" y="5335210"/>
+            <a:ext cx="656364" cy="461665"/>
+          </a:xfrm>
+          <a:prstGeom prst="rect">
+            <a:avLst/>
+          </a:prstGeom>
+          <a:noFill/>
+        </p:spPr>
+        <p:txBody>
+          <a:bodyPr wrap="square" rtlCol="0">
+            <a:spAutoFit/>
+          </a:bodyPr>
+          <a:lstStyle/>
+          <a:p>
+            <a:r>
+              <a:rPr lang="en-AU" sz="2400" dirty="0"/>
+              <a:t>O3</a:t>
+            </a:r>
+          </a:p>
+        </p:txBody>
+      </p:sp>
+      <p:sp>
+        <p:nvSpPr>
+          <p:cNvPr id="119" name="TextBox 118">
+            <a:extLst>
+              <a:ext uri="{FF2B5EF4-FFF2-40B4-BE49-F238E27FC236}">
+                <a16:creationId xmlns:a16="http://schemas.microsoft.com/office/drawing/2014/main" id="{3584769B-E5DF-7541-87B5-048F94757BD2}"/>
+              </a:ext>
+            </a:extLst>
+          </p:cNvPr>
+          <p:cNvSpPr txBox="1"/>
+          <p:nvPr/>
+        </p:nvSpPr>
+        <p:spPr>
+          <a:xfrm>
+            <a:off x="3452874" y="6412545"/>
+            <a:ext cx="592065" cy="461665"/>
+          </a:xfrm>
+          <a:prstGeom prst="rect">
+            <a:avLst/>
+          </a:prstGeom>
+          <a:noFill/>
+        </p:spPr>
+        <p:txBody>
+          <a:bodyPr wrap="square" rtlCol="0">
+            <a:spAutoFit/>
+          </a:bodyPr>
+          <a:lstStyle/>
+          <a:p>
+            <a:r>
+              <a:rPr lang="en-AU" sz="2400" dirty="0"/>
+              <a:t>O4</a:t>
+            </a:r>
+          </a:p>
+        </p:txBody>
+      </p:sp>
+      <p:sp>
+        <p:nvSpPr>
+          <p:cNvPr id="120" name="TextBox 119">
+            <a:extLst>
+              <a:ext uri="{FF2B5EF4-FFF2-40B4-BE49-F238E27FC236}">
+                <a16:creationId xmlns:a16="http://schemas.microsoft.com/office/drawing/2014/main" id="{9836E0C4-2A28-5743-990A-4B8C92BF509B}"/>
+              </a:ext>
+            </a:extLst>
+          </p:cNvPr>
+          <p:cNvSpPr txBox="1"/>
+          <p:nvPr/>
+        </p:nvSpPr>
+        <p:spPr>
+          <a:xfrm>
+            <a:off x="5676592" y="3886790"/>
+            <a:ext cx="592065" cy="461665"/>
+          </a:xfrm>
+          <a:prstGeom prst="rect">
+            <a:avLst/>
+          </a:prstGeom>
+          <a:noFill/>
+        </p:spPr>
+        <p:txBody>
+          <a:bodyPr wrap="square" rtlCol="0">
+            <a:spAutoFit/>
+          </a:bodyPr>
+          <a:lstStyle/>
+          <a:p>
+            <a:r>
+              <a:rPr lang="en-AU" sz="2400" dirty="0"/>
+              <a:t>O5</a:t>
+            </a:r>
+          </a:p>
+        </p:txBody>
+      </p:sp>
+      <p:sp>
+        <p:nvSpPr>
+          <p:cNvPr id="121" name="TextBox 120">
+            <a:extLst>
+              <a:ext uri="{FF2B5EF4-FFF2-40B4-BE49-F238E27FC236}">
+                <a16:creationId xmlns:a16="http://schemas.microsoft.com/office/drawing/2014/main" id="{FC6A9D89-A628-194C-BD65-A758C2A04666}"/>
+              </a:ext>
+            </a:extLst>
+          </p:cNvPr>
+          <p:cNvSpPr txBox="1"/>
+          <p:nvPr/>
+        </p:nvSpPr>
+        <p:spPr>
+          <a:xfrm>
+            <a:off x="3417709" y="3577885"/>
+            <a:ext cx="592065" cy="461665"/>
+          </a:xfrm>
+          <a:prstGeom prst="rect">
+            <a:avLst/>
+          </a:prstGeom>
+          <a:noFill/>
+        </p:spPr>
+        <p:txBody>
+          <a:bodyPr wrap="square" rtlCol="0">
+            <a:spAutoFit/>
+          </a:bodyPr>
+          <a:lstStyle/>
+          <a:p>
+            <a:r>
+              <a:rPr lang="en-AU" sz="2400" dirty="0"/>
+              <a:t>O6</a:t>
+            </a:r>
+          </a:p>
+        </p:txBody>
+      </p:sp>
+      <p:sp>
+        <p:nvSpPr>
+          <p:cNvPr id="122" name="TextBox 121">
+            <a:extLst>
+              <a:ext uri="{FF2B5EF4-FFF2-40B4-BE49-F238E27FC236}">
+                <a16:creationId xmlns:a16="http://schemas.microsoft.com/office/drawing/2014/main" id="{66E750FA-A740-9E43-ABEF-C1ECC1996CB8}"/>
+              </a:ext>
+            </a:extLst>
+          </p:cNvPr>
+          <p:cNvSpPr txBox="1"/>
+          <p:nvPr/>
+        </p:nvSpPr>
+        <p:spPr>
+          <a:xfrm>
+            <a:off x="3591019" y="4311879"/>
+            <a:ext cx="592065" cy="461665"/>
+          </a:xfrm>
+          <a:prstGeom prst="rect">
+            <a:avLst/>
+          </a:prstGeom>
+          <a:noFill/>
+        </p:spPr>
+        <p:txBody>
+          <a:bodyPr wrap="square" rtlCol="0">
+            <a:spAutoFit/>
+          </a:bodyPr>
+          <a:lstStyle/>
+          <a:p>
+            <a:r>
+              <a:rPr lang="en-AU" sz="2400" dirty="0"/>
+              <a:t>O7</a:t>
+            </a:r>
+          </a:p>
+        </p:txBody>
+      </p:sp>
+      <p:sp>
+        <p:nvSpPr>
+          <p:cNvPr id="123" name="TextBox 122">
+            <a:extLst>
+              <a:ext uri="{FF2B5EF4-FFF2-40B4-BE49-F238E27FC236}">
+                <a16:creationId xmlns:a16="http://schemas.microsoft.com/office/drawing/2014/main" id="{8199096A-74C0-134E-9F04-87B3E62FD282}"/>
+              </a:ext>
+            </a:extLst>
+          </p:cNvPr>
+          <p:cNvSpPr txBox="1"/>
+          <p:nvPr/>
+        </p:nvSpPr>
+        <p:spPr>
+          <a:xfrm>
+            <a:off x="4087046" y="6334765"/>
+            <a:ext cx="592065" cy="461665"/>
+          </a:xfrm>
+          <a:prstGeom prst="rect">
+            <a:avLst/>
+          </a:prstGeom>
+          <a:noFill/>
+        </p:spPr>
+        <p:txBody>
+          <a:bodyPr wrap="square" rtlCol="0">
+            <a:spAutoFit/>
+          </a:bodyPr>
+          <a:lstStyle/>
+          <a:p>
+            <a:r>
+              <a:rPr lang="en-AU" sz="2400" dirty="0">
+                <a:solidFill>
+                  <a:srgbClr val="0070C0"/>
+                </a:solidFill>
+              </a:rPr>
+              <a:t>D8</a:t>
+            </a:r>
+          </a:p>
+        </p:txBody>
+      </p:sp>
+      <p:sp>
+        <p:nvSpPr>
+          <p:cNvPr id="124" name="TextBox 123">
+            <a:extLst>
+              <a:ext uri="{FF2B5EF4-FFF2-40B4-BE49-F238E27FC236}">
+                <a16:creationId xmlns:a16="http://schemas.microsoft.com/office/drawing/2014/main" id="{75B6CDCB-90D1-4F40-8731-E6A2B6870A98}"/>
+              </a:ext>
+            </a:extLst>
+          </p:cNvPr>
+          <p:cNvSpPr txBox="1"/>
+          <p:nvPr/>
+        </p:nvSpPr>
+        <p:spPr>
+          <a:xfrm>
+            <a:off x="5791755" y="5827336"/>
+            <a:ext cx="592065" cy="461665"/>
+          </a:xfrm>
+          <a:prstGeom prst="rect">
+            <a:avLst/>
+          </a:prstGeom>
+          <a:noFill/>
+        </p:spPr>
+        <p:txBody>
+          <a:bodyPr wrap="square" rtlCol="0">
+            <a:spAutoFit/>
+          </a:bodyPr>
+          <a:lstStyle/>
+          <a:p>
+            <a:r>
+              <a:rPr lang="en-AU" sz="2400" dirty="0">
+                <a:solidFill>
+                  <a:srgbClr val="0070C0"/>
+                </a:solidFill>
+              </a:rPr>
+              <a:t>D9</a:t>
+            </a:r>
+          </a:p>
+        </p:txBody>
+      </p:sp>
+      <p:sp>
+        <p:nvSpPr>
+          <p:cNvPr id="125" name="TextBox 124">
+            <a:extLst>
+              <a:ext uri="{FF2B5EF4-FFF2-40B4-BE49-F238E27FC236}">
+                <a16:creationId xmlns:a16="http://schemas.microsoft.com/office/drawing/2014/main" id="{5201882F-A99A-C944-9774-7C16033890B6}"/>
+              </a:ext>
+            </a:extLst>
+          </p:cNvPr>
+          <p:cNvSpPr txBox="1"/>
+          <p:nvPr/>
+        </p:nvSpPr>
+        <p:spPr>
+          <a:xfrm>
+            <a:off x="4838861" y="4929234"/>
+            <a:ext cx="782443" cy="461665"/>
+          </a:xfrm>
+          <a:prstGeom prst="rect">
+            <a:avLst/>
+          </a:prstGeom>
+          <a:noFill/>
+        </p:spPr>
+        <p:txBody>
+          <a:bodyPr wrap="square" rtlCol="0">
+            <a:spAutoFit/>
+          </a:bodyPr>
+          <a:lstStyle/>
+          <a:p>
+            <a:r>
+              <a:rPr lang="en-AU" sz="2400" dirty="0">
+                <a:solidFill>
+                  <a:srgbClr val="0070C0"/>
+                </a:solidFill>
+              </a:rPr>
+              <a:t>D10</a:t>
+            </a:r>
+          </a:p>
+        </p:txBody>
+      </p:sp>
+      <p:sp>
+        <p:nvSpPr>
+          <p:cNvPr id="126" name="TextBox 125">
+            <a:extLst>
+              <a:ext uri="{FF2B5EF4-FFF2-40B4-BE49-F238E27FC236}">
+                <a16:creationId xmlns:a16="http://schemas.microsoft.com/office/drawing/2014/main" id="{2C093B80-34AA-ED46-99D7-7440FD239766}"/>
+              </a:ext>
+            </a:extLst>
+          </p:cNvPr>
+          <p:cNvSpPr txBox="1"/>
+          <p:nvPr/>
+        </p:nvSpPr>
+        <p:spPr>
+          <a:xfrm>
+            <a:off x="3588535" y="5137523"/>
+            <a:ext cx="782443" cy="461665"/>
+          </a:xfrm>
+          <a:prstGeom prst="rect">
+            <a:avLst/>
+          </a:prstGeom>
+          <a:noFill/>
+        </p:spPr>
+        <p:txBody>
+          <a:bodyPr wrap="square" rtlCol="0">
+            <a:spAutoFit/>
+          </a:bodyPr>
+          <a:lstStyle/>
+          <a:p>
+            <a:r>
+              <a:rPr lang="en-AU" sz="2400" dirty="0">
+                <a:solidFill>
+                  <a:srgbClr val="0070C0"/>
+                </a:solidFill>
+              </a:rPr>
+              <a:t>D11</a:t>
+            </a:r>
+          </a:p>
+        </p:txBody>
+      </p:sp>
+      <p:sp>
+        <p:nvSpPr>
+          <p:cNvPr id="130" name="TextBox 129">
+            <a:extLst>
+              <a:ext uri="{FF2B5EF4-FFF2-40B4-BE49-F238E27FC236}">
+                <a16:creationId xmlns:a16="http://schemas.microsoft.com/office/drawing/2014/main" id="{154C5B15-E998-BE4E-A1F2-AC90D5E0125F}"/>
+              </a:ext>
+            </a:extLst>
+          </p:cNvPr>
+          <p:cNvSpPr txBox="1"/>
+          <p:nvPr/>
+        </p:nvSpPr>
+        <p:spPr>
+          <a:xfrm>
+            <a:off x="3729671" y="4028644"/>
+            <a:ext cx="782443" cy="461665"/>
+          </a:xfrm>
+          <a:prstGeom prst="rect">
+            <a:avLst/>
+          </a:prstGeom>
+          <a:noFill/>
+        </p:spPr>
+        <p:txBody>
+          <a:bodyPr wrap="square" rtlCol="0">
+            <a:spAutoFit/>
+          </a:bodyPr>
+          <a:lstStyle/>
+          <a:p>
+            <a:r>
+              <a:rPr lang="en-AU" sz="2400" dirty="0">
+                <a:solidFill>
+                  <a:srgbClr val="0070C0"/>
+                </a:solidFill>
+              </a:rPr>
+              <a:t>D12</a:t>
+            </a:r>
+          </a:p>
+        </p:txBody>
+      </p:sp>
+      <p:sp>
+        <p:nvSpPr>
+          <p:cNvPr id="131" name="TextBox 130">
+            <a:extLst>
+              <a:ext uri="{FF2B5EF4-FFF2-40B4-BE49-F238E27FC236}">
+                <a16:creationId xmlns:a16="http://schemas.microsoft.com/office/drawing/2014/main" id="{16728097-97EF-9B4B-A579-FF12BD30316B}"/>
+              </a:ext>
+            </a:extLst>
+          </p:cNvPr>
+          <p:cNvSpPr txBox="1"/>
+          <p:nvPr/>
+        </p:nvSpPr>
+        <p:spPr>
+          <a:xfrm>
+            <a:off x="4217250" y="4397113"/>
+            <a:ext cx="782443" cy="461665"/>
+          </a:xfrm>
+          <a:prstGeom prst="rect">
+            <a:avLst/>
+          </a:prstGeom>
+          <a:noFill/>
+        </p:spPr>
+        <p:txBody>
+          <a:bodyPr wrap="square" rtlCol="0">
+            <a:spAutoFit/>
+          </a:bodyPr>
+          <a:lstStyle/>
+          <a:p>
+            <a:r>
+              <a:rPr lang="en-AU" sz="2400" dirty="0">
+                <a:solidFill>
+                  <a:srgbClr val="0070C0"/>
+                </a:solidFill>
+              </a:rPr>
+              <a:t>D13</a:t>
+            </a:r>
+          </a:p>
+        </p:txBody>
+      </p:sp>
+      <p:sp>
+        <p:nvSpPr>
+          <p:cNvPr id="132" name="TextBox 131">
+            <a:extLst>
+              <a:ext uri="{FF2B5EF4-FFF2-40B4-BE49-F238E27FC236}">
+                <a16:creationId xmlns:a16="http://schemas.microsoft.com/office/drawing/2014/main" id="{59EBCE29-37A4-B044-A874-2E670A688154}"/>
+              </a:ext>
+            </a:extLst>
+          </p:cNvPr>
+          <p:cNvSpPr txBox="1"/>
+          <p:nvPr/>
+        </p:nvSpPr>
+        <p:spPr>
+          <a:xfrm>
+            <a:off x="4083251" y="4820027"/>
+            <a:ext cx="782443" cy="461665"/>
+          </a:xfrm>
+          <a:prstGeom prst="rect">
+            <a:avLst/>
+          </a:prstGeom>
+          <a:noFill/>
+        </p:spPr>
+        <p:txBody>
+          <a:bodyPr wrap="square" rtlCol="0">
+            <a:spAutoFit/>
+          </a:bodyPr>
+          <a:lstStyle/>
+          <a:p>
+            <a:r>
+              <a:rPr lang="en-AU" sz="2400" dirty="0">
+                <a:solidFill>
+                  <a:srgbClr val="0070C0"/>
+                </a:solidFill>
+              </a:rPr>
+              <a:t>D14</a:t>
+            </a:r>
+          </a:p>
+        </p:txBody>
+      </p:sp>
+      <p:sp>
+        <p:nvSpPr>
+          <p:cNvPr id="133" name="Oval 132">
+            <a:extLst>
+              <a:ext uri="{FF2B5EF4-FFF2-40B4-BE49-F238E27FC236}">
+                <a16:creationId xmlns:a16="http://schemas.microsoft.com/office/drawing/2014/main" id="{1528337F-669E-DE43-8176-111DAF2EAD23}"/>
+              </a:ext>
+            </a:extLst>
+          </p:cNvPr>
+          <p:cNvSpPr/>
+          <p:nvPr/>
+        </p:nvSpPr>
+        <p:spPr>
+          <a:xfrm>
+            <a:off x="3623217" y="4638674"/>
+            <a:ext cx="228441" cy="186459"/>
+          </a:xfrm>
+          <a:prstGeom prst="ellipse">
+            <a:avLst/>
+          </a:prstGeom>
+          <a:solidFill>
+            <a:schemeClr val="tx1"/>
+          </a:solidFill>
+        </p:spPr>
+        <p:style>
+          <a:lnRef idx="2">
+            <a:schemeClr val="accent1">
+              <a:shade val="50000"/>
+            </a:schemeClr>
+          </a:lnRef>
+          <a:fillRef idx="1">
+            <a:schemeClr val="accent1"/>
+          </a:fillRef>
+          <a:effectRef idx="0">
+            <a:schemeClr val="accent1"/>
+          </a:effectRef>
+          <a:fontRef idx="minor">
+            <a:schemeClr val="lt1"/>
+          </a:fontRef>
+        </p:style>
+        <p:txBody>
+          <a:bodyPr rtlCol="0" anchor="ctr"/>
+          <a:lstStyle/>
+          <a:p>
+            <a:pPr algn="ctr"/>
+            <a:endParaRPr lang="en-AU" sz="2400"/>
+          </a:p>
+        </p:txBody>
+      </p:sp>
+      <p:cxnSp>
+        <p:nvCxnSpPr>
+          <p:cNvPr id="135" name="Straight Arrow Connector 134">
+            <a:extLst>
+              <a:ext uri="{FF2B5EF4-FFF2-40B4-BE49-F238E27FC236}">
+                <a16:creationId xmlns:a16="http://schemas.microsoft.com/office/drawing/2014/main" id="{72559880-97C0-434F-A6E9-F37F46FCD72B}"/>
+              </a:ext>
+            </a:extLst>
+          </p:cNvPr>
+          <p:cNvCxnSpPr>
+            <a:cxnSpLocks/>
+          </p:cNvCxnSpPr>
+          <p:nvPr/>
+        </p:nvCxnSpPr>
+        <p:spPr>
+          <a:xfrm flipH="1" flipV="1">
+            <a:off x="3591741" y="3960259"/>
+            <a:ext cx="52291" cy="653754"/>
+          </a:xfrm>
+          <a:prstGeom prst="straightConnector1">
+            <a:avLst/>
+          </a:prstGeom>
+          <a:ln w="60325">
+            <a:solidFill>
+              <a:schemeClr val="bg1">
+                <a:lumMod val="50000"/>
+              </a:schemeClr>
+            </a:solidFill>
+            <a:prstDash val="sysDash"/>
+            <a:tailEnd type="triangle"/>
+          </a:ln>
+        </p:spPr>
+        <p:style>
+          <a:lnRef idx="1">
+            <a:schemeClr val="accent1"/>
+          </a:lnRef>
+          <a:fillRef idx="0">
+            <a:schemeClr val="accent1"/>
+          </a:fillRef>
+          <a:effectRef idx="0">
+            <a:schemeClr val="accent1"/>
+          </a:effectRef>
+          <a:fontRef idx="minor">
+            <a:schemeClr val="tx1"/>
+          </a:fontRef>
+        </p:style>
+      </p:cxnSp>
+      <p:cxnSp>
+        <p:nvCxnSpPr>
+          <p:cNvPr id="136" name="Straight Arrow Connector 135">
+            <a:extLst>
+              <a:ext uri="{FF2B5EF4-FFF2-40B4-BE49-F238E27FC236}">
+                <a16:creationId xmlns:a16="http://schemas.microsoft.com/office/drawing/2014/main" id="{FB27A4E7-1F5B-DE47-B934-90AF8CB8C453}"/>
+              </a:ext>
+            </a:extLst>
+          </p:cNvPr>
+          <p:cNvCxnSpPr>
+            <a:cxnSpLocks/>
+            <a:stCxn id="130" idx="2"/>
+            <a:endCxn id="120" idx="1"/>
+          </p:cNvCxnSpPr>
+          <p:nvPr/>
+        </p:nvCxnSpPr>
+        <p:spPr>
+          <a:xfrm flipV="1">
+            <a:off x="4120893" y="4117623"/>
+            <a:ext cx="1555699" cy="372686"/>
+          </a:xfrm>
+          <a:prstGeom prst="straightConnector1">
+            <a:avLst/>
+          </a:prstGeom>
+          <a:ln w="60325">
+            <a:solidFill>
+              <a:schemeClr val="bg1">
+                <a:lumMod val="50000"/>
+              </a:schemeClr>
+            </a:solidFill>
+            <a:prstDash val="sysDash"/>
+            <a:tailEnd type="triangle"/>
+          </a:ln>
+        </p:spPr>
+        <p:style>
+          <a:lnRef idx="1">
+            <a:schemeClr val="accent1"/>
+          </a:lnRef>
+          <a:fillRef idx="0">
+            <a:schemeClr val="accent1"/>
+          </a:fillRef>
+          <a:effectRef idx="0">
+            <a:schemeClr val="accent1"/>
+          </a:effectRef>
+          <a:fontRef idx="minor">
+            <a:schemeClr val="tx1"/>
+          </a:fontRef>
+        </p:style>
+      </p:cxnSp>
+      <p:sp>
+        <p:nvSpPr>
+          <p:cNvPr id="142" name="Arc 141">
+            <a:extLst>
+              <a:ext uri="{FF2B5EF4-FFF2-40B4-BE49-F238E27FC236}">
+                <a16:creationId xmlns:a16="http://schemas.microsoft.com/office/drawing/2014/main" id="{81A59B3F-B787-0E46-A3FF-E63203AA2D1E}"/>
+              </a:ext>
+            </a:extLst>
+          </p:cNvPr>
+          <p:cNvSpPr/>
+          <p:nvPr/>
+        </p:nvSpPr>
+        <p:spPr>
+          <a:xfrm rot="2325634">
+            <a:off x="2862886" y="4282517"/>
+            <a:ext cx="1639666" cy="931350"/>
+          </a:xfrm>
+          <a:prstGeom prst="arc">
+            <a:avLst/>
+          </a:prstGeom>
+          <a:ln w="38100"/>
+        </p:spPr>
+        <p:style>
+          <a:lnRef idx="1">
+            <a:schemeClr val="accent1"/>
+          </a:lnRef>
+          <a:fillRef idx="0">
+            <a:schemeClr val="accent1"/>
+          </a:fillRef>
+          <a:effectRef idx="0">
+            <a:schemeClr val="accent1"/>
+          </a:effectRef>
+          <a:fontRef idx="minor">
+            <a:schemeClr val="tx1"/>
+          </a:fontRef>
+        </p:style>
+        <p:txBody>
+          <a:bodyPr rtlCol="0" anchor="ctr"/>
+          <a:lstStyle/>
+          <a:p>
+            <a:pPr algn="ctr"/>
+            <a:endParaRPr lang="en-AU"/>
+          </a:p>
+        </p:txBody>
+      </p:sp>
+      <p:cxnSp>
+        <p:nvCxnSpPr>
+          <p:cNvPr id="143" name="Straight Arrow Connector 142">
+            <a:extLst>
+              <a:ext uri="{FF2B5EF4-FFF2-40B4-BE49-F238E27FC236}">
+                <a16:creationId xmlns:a16="http://schemas.microsoft.com/office/drawing/2014/main" id="{09307836-D62E-FC43-9B91-BF62C27B8D2E}"/>
+              </a:ext>
+            </a:extLst>
+          </p:cNvPr>
+          <p:cNvCxnSpPr>
+            <a:cxnSpLocks/>
+          </p:cNvCxnSpPr>
+          <p:nvPr/>
+        </p:nvCxnSpPr>
+        <p:spPr>
+          <a:xfrm>
+            <a:off x="3839524" y="4891853"/>
+            <a:ext cx="571963" cy="521237"/>
+          </a:xfrm>
+          <a:prstGeom prst="straightConnector1">
+            <a:avLst/>
+          </a:prstGeom>
+          <a:ln w="60325">
+            <a:solidFill>
+              <a:schemeClr val="bg1">
+                <a:lumMod val="50000"/>
+              </a:schemeClr>
+            </a:solidFill>
+            <a:prstDash val="sysDash"/>
+            <a:tailEnd type="triangle"/>
+          </a:ln>
+        </p:spPr>
+        <p:style>
+          <a:lnRef idx="1">
+            <a:schemeClr val="accent1"/>
+          </a:lnRef>
+          <a:fillRef idx="0">
+            <a:schemeClr val="accent1"/>
+          </a:fillRef>
+          <a:effectRef idx="0">
+            <a:schemeClr val="accent1"/>
+          </a:effectRef>
+          <a:fontRef idx="minor">
+            <a:schemeClr val="tx1"/>
+          </a:fontRef>
+        </p:style>
+      </p:cxnSp>
+      <p:cxnSp>
+        <p:nvCxnSpPr>
+          <p:cNvPr id="144" name="Straight Arrow Connector 143">
+            <a:extLst>
+              <a:ext uri="{FF2B5EF4-FFF2-40B4-BE49-F238E27FC236}">
+                <a16:creationId xmlns:a16="http://schemas.microsoft.com/office/drawing/2014/main" id="{62980D7D-FDDD-C84B-AA0C-86EF3B47A289}"/>
+              </a:ext>
+            </a:extLst>
+          </p:cNvPr>
+          <p:cNvCxnSpPr>
+            <a:cxnSpLocks/>
+            <a:stCxn id="122" idx="2"/>
+          </p:cNvCxnSpPr>
+          <p:nvPr/>
+        </p:nvCxnSpPr>
+        <p:spPr>
+          <a:xfrm>
+            <a:off x="3887052" y="4773544"/>
+            <a:ext cx="810682" cy="14917"/>
+          </a:xfrm>
+          <a:prstGeom prst="straightConnector1">
+            <a:avLst/>
+          </a:prstGeom>
+          <a:ln w="60325">
+            <a:solidFill>
+              <a:schemeClr val="bg1">
+                <a:lumMod val="50000"/>
+              </a:schemeClr>
+            </a:solidFill>
+            <a:prstDash val="sysDash"/>
+            <a:tailEnd type="triangle"/>
+          </a:ln>
+        </p:spPr>
+        <p:style>
+          <a:lnRef idx="1">
+            <a:schemeClr val="accent1"/>
+          </a:lnRef>
+          <a:fillRef idx="0">
+            <a:schemeClr val="accent1"/>
+          </a:fillRef>
+          <a:effectRef idx="0">
+            <a:schemeClr val="accent1"/>
+          </a:effectRef>
+          <a:fontRef idx="minor">
+            <a:schemeClr val="tx1"/>
+          </a:fontRef>
+        </p:style>
+      </p:cxnSp>
+      <p:cxnSp>
+        <p:nvCxnSpPr>
+          <p:cNvPr id="145" name="Straight Arrow Connector 144">
+            <a:extLst>
+              <a:ext uri="{FF2B5EF4-FFF2-40B4-BE49-F238E27FC236}">
+                <a16:creationId xmlns:a16="http://schemas.microsoft.com/office/drawing/2014/main" id="{4687A215-B004-F149-BD99-54955301C2F2}"/>
+              </a:ext>
+            </a:extLst>
+          </p:cNvPr>
+          <p:cNvCxnSpPr>
+            <a:cxnSpLocks/>
+          </p:cNvCxnSpPr>
+          <p:nvPr/>
+        </p:nvCxnSpPr>
+        <p:spPr>
+          <a:xfrm>
+            <a:off x="3881997" y="3822962"/>
+            <a:ext cx="1794595" cy="170657"/>
+          </a:xfrm>
+          <a:prstGeom prst="straightConnector1">
+            <a:avLst/>
+          </a:prstGeom>
+          <a:ln w="28575">
+            <a:solidFill>
+              <a:schemeClr val="bg1">
+                <a:lumMod val="50000"/>
+              </a:schemeClr>
+            </a:solidFill>
+            <a:prstDash val="sysDash"/>
+            <a:tailEnd type="triangle"/>
+          </a:ln>
+        </p:spPr>
+        <p:style>
+          <a:lnRef idx="1">
+            <a:schemeClr val="accent1"/>
+          </a:lnRef>
+          <a:fillRef idx="0">
+            <a:schemeClr val="accent1"/>
+          </a:fillRef>
+          <a:effectRef idx="0">
+            <a:schemeClr val="accent1"/>
+          </a:effectRef>
+          <a:fontRef idx="minor">
+            <a:schemeClr val="tx1"/>
+          </a:fontRef>
+        </p:style>
+      </p:cxnSp>
+    </p:spTree>
+    <p:extLst>
+      <p:ext uri="{BB962C8B-B14F-4D97-AF65-F5344CB8AC3E}">
+        <p14:creationId xmlns:p14="http://schemas.microsoft.com/office/powerpoint/2010/main" val="1692534682"/>
+      </p:ext>
+    </p:extLst>
+  </p:cSld>
+  <p:clrMapOvr>
+    <a:masterClrMapping/>
+  </p:clrMapOvr>
+</p:sld>
+</file>
+
 <file path=ppt/slides/slide2.xml><?xml version="1.0" encoding="utf-8"?>
 <p:sld xmlns:a="http://schemas.openxmlformats.org/drawingml/2006/main" xmlns:r="http://schemas.openxmlformats.org/officeDocument/2006/relationships" xmlns:p="http://schemas.openxmlformats.org/presentationml/2006/main">
   <p:cSld>
@@ -35969,6 +38377,4277 @@
     <p:extLst>
       <p:ext uri="{BB962C8B-B14F-4D97-AF65-F5344CB8AC3E}">
         <p14:creationId xmlns:p14="http://schemas.microsoft.com/office/powerpoint/2010/main" val="799718895"/>
+      </p:ext>
+    </p:extLst>
+  </p:cSld>
+  <p:clrMapOvr>
+    <a:masterClrMapping/>
+  </p:clrMapOvr>
+</p:sld>
+</file>
+
+<file path=ppt/slides/slide20.xml><?xml version="1.0" encoding="utf-8"?>
+<p:sld xmlns:a="http://schemas.openxmlformats.org/drawingml/2006/main" xmlns:r="http://schemas.openxmlformats.org/officeDocument/2006/relationships" xmlns:p="http://schemas.openxmlformats.org/presentationml/2006/main">
+  <p:cSld>
+    <p:spTree>
+      <p:nvGrpSpPr>
+        <p:cNvPr id="1" name=""/>
+        <p:cNvGrpSpPr/>
+        <p:nvPr/>
+      </p:nvGrpSpPr>
+      <p:grpSpPr>
+        <a:xfrm>
+          <a:off x="0" y="0"/>
+          <a:ext cx="0" cy="0"/>
+          <a:chOff x="0" y="0"/>
+          <a:chExt cx="0" cy="0"/>
+        </a:xfrm>
+      </p:grpSpPr>
+      <p:sp>
+        <p:nvSpPr>
+          <p:cNvPr id="209" name="Rounded Rectangle 208">
+            <a:extLst>
+              <a:ext uri="{FF2B5EF4-FFF2-40B4-BE49-F238E27FC236}">
+                <a16:creationId xmlns:a16="http://schemas.microsoft.com/office/drawing/2014/main" id="{AD6F1D84-B230-7E45-9EB0-C2FD1DFE0845}"/>
+              </a:ext>
+            </a:extLst>
+          </p:cNvPr>
+          <p:cNvSpPr>
+            <a:spLocks noChangeAspect="1"/>
+          </p:cNvSpPr>
+          <p:nvPr/>
+        </p:nvSpPr>
+        <p:spPr>
+          <a:xfrm>
+            <a:off x="3712221" y="7312313"/>
+            <a:ext cx="3247007" cy="1576217"/>
+          </a:xfrm>
+          <a:prstGeom prst="roundRect">
+            <a:avLst/>
+          </a:prstGeom>
+          <a:solidFill>
+            <a:srgbClr val="00B050"/>
+          </a:solidFill>
+          <a:ln w="38100">
+            <a:solidFill>
+              <a:schemeClr val="tx1"/>
+            </a:solidFill>
+          </a:ln>
+        </p:spPr>
+        <p:style>
+          <a:lnRef idx="2">
+            <a:schemeClr val="accent1">
+              <a:shade val="50000"/>
+            </a:schemeClr>
+          </a:lnRef>
+          <a:fillRef idx="1">
+            <a:schemeClr val="accent1"/>
+          </a:fillRef>
+          <a:effectRef idx="0">
+            <a:schemeClr val="accent1"/>
+          </a:effectRef>
+          <a:fontRef idx="minor">
+            <a:schemeClr val="lt1"/>
+          </a:fontRef>
+        </p:style>
+        <p:txBody>
+          <a:bodyPr rtlCol="0" anchor="ctr"/>
+          <a:lstStyle/>
+          <a:p>
+            <a:pPr algn="ctr"/>
+            <a:endParaRPr lang="en-AU"/>
+          </a:p>
+        </p:txBody>
+      </p:sp>
+      <p:sp>
+        <p:nvSpPr>
+          <p:cNvPr id="163" name="Rounded Rectangle 162">
+            <a:extLst>
+              <a:ext uri="{FF2B5EF4-FFF2-40B4-BE49-F238E27FC236}">
+                <a16:creationId xmlns:a16="http://schemas.microsoft.com/office/drawing/2014/main" id="{1DCBAAA9-8016-B549-ADDD-05C7D4AD99D7}"/>
+              </a:ext>
+            </a:extLst>
+          </p:cNvPr>
+          <p:cNvSpPr>
+            <a:spLocks noChangeAspect="1"/>
+          </p:cNvSpPr>
+          <p:nvPr/>
+        </p:nvSpPr>
+        <p:spPr>
+          <a:xfrm>
+            <a:off x="136601" y="7047848"/>
+            <a:ext cx="3240000" cy="1801770"/>
+          </a:xfrm>
+          <a:prstGeom prst="roundRect">
+            <a:avLst/>
+          </a:prstGeom>
+          <a:solidFill>
+            <a:schemeClr val="bg1"/>
+          </a:solidFill>
+          <a:ln w="38100">
+            <a:solidFill>
+              <a:schemeClr val="tx1"/>
+            </a:solidFill>
+          </a:ln>
+        </p:spPr>
+        <p:style>
+          <a:lnRef idx="2">
+            <a:schemeClr val="accent1">
+              <a:shade val="50000"/>
+            </a:schemeClr>
+          </a:lnRef>
+          <a:fillRef idx="1">
+            <a:schemeClr val="accent1"/>
+          </a:fillRef>
+          <a:effectRef idx="0">
+            <a:schemeClr val="accent1"/>
+          </a:effectRef>
+          <a:fontRef idx="minor">
+            <a:schemeClr val="lt1"/>
+          </a:fontRef>
+        </p:style>
+        <p:txBody>
+          <a:bodyPr rtlCol="0" anchor="ctr"/>
+          <a:lstStyle/>
+          <a:p>
+            <a:pPr algn="ctr"/>
+            <a:endParaRPr lang="en-AU" dirty="0"/>
+          </a:p>
+        </p:txBody>
+      </p:sp>
+      <p:sp>
+        <p:nvSpPr>
+          <p:cNvPr id="164" name="TextBox 163">
+            <a:extLst>
+              <a:ext uri="{FF2B5EF4-FFF2-40B4-BE49-F238E27FC236}">
+                <a16:creationId xmlns:a16="http://schemas.microsoft.com/office/drawing/2014/main" id="{A19BC1F2-AA61-0A49-807A-E45D97D786AF}"/>
+              </a:ext>
+            </a:extLst>
+          </p:cNvPr>
+          <p:cNvSpPr txBox="1"/>
+          <p:nvPr/>
+        </p:nvSpPr>
+        <p:spPr>
+          <a:xfrm>
+            <a:off x="1532171" y="7552622"/>
+            <a:ext cx="768575" cy="461665"/>
+          </a:xfrm>
+          <a:prstGeom prst="rect">
+            <a:avLst/>
+          </a:prstGeom>
+          <a:noFill/>
+        </p:spPr>
+        <p:txBody>
+          <a:bodyPr wrap="square" rtlCol="0">
+            <a:spAutoFit/>
+          </a:bodyPr>
+          <a:lstStyle/>
+          <a:p>
+            <a:r>
+              <a:rPr lang="en-AU" sz="2400" dirty="0"/>
+              <a:t>O6</a:t>
+            </a:r>
+          </a:p>
+        </p:txBody>
+      </p:sp>
+      <p:sp>
+        <p:nvSpPr>
+          <p:cNvPr id="165" name="TextBox 164">
+            <a:extLst>
+              <a:ext uri="{FF2B5EF4-FFF2-40B4-BE49-F238E27FC236}">
+                <a16:creationId xmlns:a16="http://schemas.microsoft.com/office/drawing/2014/main" id="{29EE476E-D5A2-574B-8B99-0AB517ADA73F}"/>
+              </a:ext>
+            </a:extLst>
+          </p:cNvPr>
+          <p:cNvSpPr txBox="1"/>
+          <p:nvPr/>
+        </p:nvSpPr>
+        <p:spPr>
+          <a:xfrm>
+            <a:off x="804554" y="7099130"/>
+            <a:ext cx="674066" cy="461665"/>
+          </a:xfrm>
+          <a:prstGeom prst="rect">
+            <a:avLst/>
+          </a:prstGeom>
+          <a:noFill/>
+        </p:spPr>
+        <p:txBody>
+          <a:bodyPr wrap="square" rtlCol="0">
+            <a:spAutoFit/>
+          </a:bodyPr>
+          <a:lstStyle/>
+          <a:p>
+            <a:r>
+              <a:rPr lang="en-AU" sz="2400" dirty="0"/>
+              <a:t>O7</a:t>
+            </a:r>
+          </a:p>
+        </p:txBody>
+      </p:sp>
+      <p:sp>
+        <p:nvSpPr>
+          <p:cNvPr id="166" name="TextBox 165">
+            <a:extLst>
+              <a:ext uri="{FF2B5EF4-FFF2-40B4-BE49-F238E27FC236}">
+                <a16:creationId xmlns:a16="http://schemas.microsoft.com/office/drawing/2014/main" id="{CFDB3A52-8DFC-C241-9821-34C98B579010}"/>
+              </a:ext>
+            </a:extLst>
+          </p:cNvPr>
+          <p:cNvSpPr txBox="1"/>
+          <p:nvPr/>
+        </p:nvSpPr>
+        <p:spPr>
+          <a:xfrm>
+            <a:off x="1654610" y="7821059"/>
+            <a:ext cx="890811" cy="461665"/>
+          </a:xfrm>
+          <a:prstGeom prst="rect">
+            <a:avLst/>
+          </a:prstGeom>
+          <a:noFill/>
+        </p:spPr>
+        <p:txBody>
+          <a:bodyPr wrap="square" rtlCol="0">
+            <a:spAutoFit/>
+          </a:bodyPr>
+          <a:lstStyle/>
+          <a:p>
+            <a:r>
+              <a:rPr lang="en-AU" sz="2400" dirty="0">
+                <a:solidFill>
+                  <a:srgbClr val="0070C0"/>
+                </a:solidFill>
+              </a:rPr>
+              <a:t>D13</a:t>
+            </a:r>
+          </a:p>
+        </p:txBody>
+      </p:sp>
+      <p:sp>
+        <p:nvSpPr>
+          <p:cNvPr id="167" name="TextBox 166">
+            <a:extLst>
+              <a:ext uri="{FF2B5EF4-FFF2-40B4-BE49-F238E27FC236}">
+                <a16:creationId xmlns:a16="http://schemas.microsoft.com/office/drawing/2014/main" id="{AC78ACF2-06EE-9E49-A6A3-7D42DD3076EB}"/>
+              </a:ext>
+            </a:extLst>
+          </p:cNvPr>
+          <p:cNvSpPr txBox="1"/>
+          <p:nvPr/>
+        </p:nvSpPr>
+        <p:spPr>
+          <a:xfrm>
+            <a:off x="890931" y="7304773"/>
+            <a:ext cx="890811" cy="461665"/>
+          </a:xfrm>
+          <a:prstGeom prst="rect">
+            <a:avLst/>
+          </a:prstGeom>
+          <a:noFill/>
+        </p:spPr>
+        <p:txBody>
+          <a:bodyPr wrap="square" rtlCol="0">
+            <a:spAutoFit/>
+          </a:bodyPr>
+          <a:lstStyle/>
+          <a:p>
+            <a:r>
+              <a:rPr lang="en-AU" sz="2400" dirty="0">
+                <a:solidFill>
+                  <a:srgbClr val="0070C0"/>
+                </a:solidFill>
+              </a:rPr>
+              <a:t>D14</a:t>
+            </a:r>
+          </a:p>
+        </p:txBody>
+      </p:sp>
+      <p:sp>
+        <p:nvSpPr>
+          <p:cNvPr id="168" name="Oval 167">
+            <a:extLst>
+              <a:ext uri="{FF2B5EF4-FFF2-40B4-BE49-F238E27FC236}">
+                <a16:creationId xmlns:a16="http://schemas.microsoft.com/office/drawing/2014/main" id="{FEF21732-8CF5-204F-A1CE-24B583E433AA}"/>
+              </a:ext>
+            </a:extLst>
+          </p:cNvPr>
+          <p:cNvSpPr/>
+          <p:nvPr/>
+        </p:nvSpPr>
+        <p:spPr>
+          <a:xfrm>
+            <a:off x="1440636" y="7829070"/>
+            <a:ext cx="244926" cy="239838"/>
+          </a:xfrm>
+          <a:prstGeom prst="ellipse">
+            <a:avLst/>
+          </a:prstGeom>
+          <a:solidFill>
+            <a:schemeClr val="tx1"/>
+          </a:solidFill>
+        </p:spPr>
+        <p:style>
+          <a:lnRef idx="2">
+            <a:schemeClr val="accent1">
+              <a:shade val="50000"/>
+            </a:schemeClr>
+          </a:lnRef>
+          <a:fillRef idx="1">
+            <a:schemeClr val="accent1"/>
+          </a:fillRef>
+          <a:effectRef idx="0">
+            <a:schemeClr val="accent1"/>
+          </a:effectRef>
+          <a:fontRef idx="minor">
+            <a:schemeClr val="lt1"/>
+          </a:fontRef>
+        </p:style>
+        <p:txBody>
+          <a:bodyPr rtlCol="0" anchor="ctr"/>
+          <a:lstStyle/>
+          <a:p>
+            <a:pPr algn="ctr"/>
+            <a:endParaRPr lang="en-AU" sz="2400"/>
+          </a:p>
+        </p:txBody>
+      </p:sp>
+      <p:sp>
+        <p:nvSpPr>
+          <p:cNvPr id="172" name="TextBox 171">
+            <a:extLst>
+              <a:ext uri="{FF2B5EF4-FFF2-40B4-BE49-F238E27FC236}">
+                <a16:creationId xmlns:a16="http://schemas.microsoft.com/office/drawing/2014/main" id="{55723F42-8C9C-5341-8AF3-455C75D38BEF}"/>
+              </a:ext>
+            </a:extLst>
+          </p:cNvPr>
+          <p:cNvSpPr txBox="1"/>
+          <p:nvPr/>
+        </p:nvSpPr>
+        <p:spPr>
+          <a:xfrm>
+            <a:off x="312229" y="7601071"/>
+            <a:ext cx="478364" cy="461665"/>
+          </a:xfrm>
+          <a:prstGeom prst="rect">
+            <a:avLst/>
+          </a:prstGeom>
+          <a:solidFill>
+            <a:schemeClr val="bg1">
+              <a:lumMod val="50000"/>
+            </a:schemeClr>
+          </a:solidFill>
+        </p:spPr>
+        <p:txBody>
+          <a:bodyPr wrap="square" rtlCol="0">
+            <a:spAutoFit/>
+          </a:bodyPr>
+          <a:lstStyle/>
+          <a:p>
+            <a:pPr algn="ctr"/>
+            <a:r>
+              <a:rPr lang="en-AU" sz="2400" dirty="0">
+                <a:solidFill>
+                  <a:schemeClr val="bg1"/>
+                </a:solidFill>
+              </a:rPr>
+              <a:t>B</a:t>
+            </a:r>
+            <a:r>
+              <a:rPr lang="en-AU" sz="2400" baseline="-25000" dirty="0">
+                <a:solidFill>
+                  <a:schemeClr val="bg1"/>
+                </a:solidFill>
+              </a:rPr>
+              <a:t>2</a:t>
+            </a:r>
+            <a:endParaRPr lang="en-AU" sz="2400" dirty="0">
+              <a:solidFill>
+                <a:schemeClr val="bg1"/>
+              </a:solidFill>
+            </a:endParaRPr>
+          </a:p>
+        </p:txBody>
+      </p:sp>
+      <p:sp>
+        <p:nvSpPr>
+          <p:cNvPr id="173" name="TextBox 172">
+            <a:extLst>
+              <a:ext uri="{FF2B5EF4-FFF2-40B4-BE49-F238E27FC236}">
+                <a16:creationId xmlns:a16="http://schemas.microsoft.com/office/drawing/2014/main" id="{6E738551-3E8E-914F-8692-290CA6FFCDFF}"/>
+              </a:ext>
+            </a:extLst>
+          </p:cNvPr>
+          <p:cNvSpPr txBox="1"/>
+          <p:nvPr/>
+        </p:nvSpPr>
+        <p:spPr>
+          <a:xfrm>
+            <a:off x="279759" y="7073489"/>
+            <a:ext cx="504069" cy="461665"/>
+          </a:xfrm>
+          <a:prstGeom prst="rect">
+            <a:avLst/>
+          </a:prstGeom>
+          <a:solidFill>
+            <a:schemeClr val="bg1">
+              <a:lumMod val="50000"/>
+            </a:schemeClr>
+          </a:solidFill>
+        </p:spPr>
+        <p:txBody>
+          <a:bodyPr wrap="square" rtlCol="0">
+            <a:spAutoFit/>
+          </a:bodyPr>
+          <a:lstStyle/>
+          <a:p>
+            <a:pPr algn="ctr"/>
+            <a:r>
+              <a:rPr lang="en-AU" sz="2400" dirty="0">
+                <a:solidFill>
+                  <a:schemeClr val="bg1"/>
+                </a:solidFill>
+              </a:rPr>
+              <a:t>A</a:t>
+            </a:r>
+            <a:r>
+              <a:rPr lang="en-AU" sz="2400" baseline="-25000" dirty="0">
+                <a:solidFill>
+                  <a:schemeClr val="bg1"/>
+                </a:solidFill>
+              </a:rPr>
+              <a:t>2</a:t>
+            </a:r>
+            <a:endParaRPr lang="en-AU" sz="2400" dirty="0">
+              <a:solidFill>
+                <a:schemeClr val="bg1"/>
+              </a:solidFill>
+            </a:endParaRPr>
+          </a:p>
+        </p:txBody>
+      </p:sp>
+      <p:sp>
+        <p:nvSpPr>
+          <p:cNvPr id="174" name="TextBox 173">
+            <a:extLst>
+              <a:ext uri="{FF2B5EF4-FFF2-40B4-BE49-F238E27FC236}">
+                <a16:creationId xmlns:a16="http://schemas.microsoft.com/office/drawing/2014/main" id="{C307AB67-15D3-6D41-A538-D3DA9A742E7A}"/>
+              </a:ext>
+            </a:extLst>
+          </p:cNvPr>
+          <p:cNvSpPr txBox="1"/>
+          <p:nvPr/>
+        </p:nvSpPr>
+        <p:spPr>
+          <a:xfrm>
+            <a:off x="723309" y="8304021"/>
+            <a:ext cx="420691" cy="461665"/>
+          </a:xfrm>
+          <a:prstGeom prst="rect">
+            <a:avLst/>
+          </a:prstGeom>
+          <a:solidFill>
+            <a:schemeClr val="bg1">
+              <a:lumMod val="50000"/>
+            </a:schemeClr>
+          </a:solidFill>
+        </p:spPr>
+        <p:txBody>
+          <a:bodyPr wrap="square" rtlCol="0">
+            <a:spAutoFit/>
+          </a:bodyPr>
+          <a:lstStyle/>
+          <a:p>
+            <a:pPr algn="ctr"/>
+            <a:r>
+              <a:rPr lang="en-AU" sz="2400" dirty="0">
+                <a:solidFill>
+                  <a:schemeClr val="bg1"/>
+                </a:solidFill>
+              </a:rPr>
+              <a:t>B</a:t>
+            </a:r>
+          </a:p>
+        </p:txBody>
+      </p:sp>
+      <p:sp>
+        <p:nvSpPr>
+          <p:cNvPr id="177" name="TextBox 176">
+            <a:extLst>
+              <a:ext uri="{FF2B5EF4-FFF2-40B4-BE49-F238E27FC236}">
+                <a16:creationId xmlns:a16="http://schemas.microsoft.com/office/drawing/2014/main" id="{CD68BE96-E170-F44B-9240-E4A94A59622D}"/>
+              </a:ext>
+            </a:extLst>
+          </p:cNvPr>
+          <p:cNvSpPr txBox="1"/>
+          <p:nvPr/>
+        </p:nvSpPr>
+        <p:spPr>
+          <a:xfrm>
+            <a:off x="1858399" y="7073490"/>
+            <a:ext cx="420691" cy="461665"/>
+          </a:xfrm>
+          <a:prstGeom prst="rect">
+            <a:avLst/>
+          </a:prstGeom>
+          <a:solidFill>
+            <a:schemeClr val="bg1">
+              <a:lumMod val="50000"/>
+            </a:schemeClr>
+          </a:solidFill>
+        </p:spPr>
+        <p:txBody>
+          <a:bodyPr wrap="square" rtlCol="0">
+            <a:spAutoFit/>
+          </a:bodyPr>
+          <a:lstStyle/>
+          <a:p>
+            <a:pPr algn="ctr"/>
+            <a:r>
+              <a:rPr lang="en-AU" sz="2400" dirty="0">
+                <a:solidFill>
+                  <a:schemeClr val="bg1"/>
+                </a:solidFill>
+              </a:rPr>
+              <a:t>A</a:t>
+            </a:r>
+          </a:p>
+        </p:txBody>
+      </p:sp>
+      <p:cxnSp>
+        <p:nvCxnSpPr>
+          <p:cNvPr id="179" name="Straight Arrow Connector 178">
+            <a:extLst>
+              <a:ext uri="{FF2B5EF4-FFF2-40B4-BE49-F238E27FC236}">
+                <a16:creationId xmlns:a16="http://schemas.microsoft.com/office/drawing/2014/main" id="{95A86DE0-B252-0E47-BC35-F538963099AB}"/>
+              </a:ext>
+            </a:extLst>
+          </p:cNvPr>
+          <p:cNvCxnSpPr>
+            <a:cxnSpLocks/>
+            <a:stCxn id="167" idx="0"/>
+            <a:endCxn id="177" idx="1"/>
+          </p:cNvCxnSpPr>
+          <p:nvPr/>
+        </p:nvCxnSpPr>
+        <p:spPr>
+          <a:xfrm flipV="1">
+            <a:off x="1336337" y="7304323"/>
+            <a:ext cx="522062" cy="450"/>
+          </a:xfrm>
+          <a:prstGeom prst="straightConnector1">
+            <a:avLst/>
+          </a:prstGeom>
+          <a:ln w="60325">
+            <a:solidFill>
+              <a:schemeClr val="tx1"/>
+            </a:solidFill>
+            <a:prstDash val="solid"/>
+            <a:tailEnd type="triangle"/>
+          </a:ln>
+        </p:spPr>
+        <p:style>
+          <a:lnRef idx="1">
+            <a:schemeClr val="accent1"/>
+          </a:lnRef>
+          <a:fillRef idx="0">
+            <a:schemeClr val="accent1"/>
+          </a:fillRef>
+          <a:effectRef idx="0">
+            <a:schemeClr val="accent1"/>
+          </a:effectRef>
+          <a:fontRef idx="minor">
+            <a:schemeClr val="tx1"/>
+          </a:fontRef>
+        </p:style>
+      </p:cxnSp>
+      <p:cxnSp>
+        <p:nvCxnSpPr>
+          <p:cNvPr id="180" name="Straight Arrow Connector 179">
+            <a:extLst>
+              <a:ext uri="{FF2B5EF4-FFF2-40B4-BE49-F238E27FC236}">
+                <a16:creationId xmlns:a16="http://schemas.microsoft.com/office/drawing/2014/main" id="{3707E964-3DFC-9844-8471-D68EB40E17A3}"/>
+              </a:ext>
+            </a:extLst>
+          </p:cNvPr>
+          <p:cNvCxnSpPr>
+            <a:cxnSpLocks/>
+          </p:cNvCxnSpPr>
+          <p:nvPr/>
+        </p:nvCxnSpPr>
+        <p:spPr>
+          <a:xfrm flipH="1">
+            <a:off x="716655" y="7156699"/>
+            <a:ext cx="1127414" cy="0"/>
+          </a:xfrm>
+          <a:prstGeom prst="straightConnector1">
+            <a:avLst/>
+          </a:prstGeom>
+          <a:ln w="60325">
+            <a:solidFill>
+              <a:schemeClr val="tx1"/>
+            </a:solidFill>
+            <a:prstDash val="solid"/>
+            <a:tailEnd type="triangle"/>
+          </a:ln>
+        </p:spPr>
+        <p:style>
+          <a:lnRef idx="1">
+            <a:schemeClr val="accent1"/>
+          </a:lnRef>
+          <a:fillRef idx="0">
+            <a:schemeClr val="accent1"/>
+          </a:fillRef>
+          <a:effectRef idx="0">
+            <a:schemeClr val="accent1"/>
+          </a:effectRef>
+          <a:fontRef idx="minor">
+            <a:schemeClr val="tx1"/>
+          </a:fontRef>
+        </p:style>
+      </p:cxnSp>
+      <p:cxnSp>
+        <p:nvCxnSpPr>
+          <p:cNvPr id="183" name="Straight Arrow Connector 182">
+            <a:extLst>
+              <a:ext uri="{FF2B5EF4-FFF2-40B4-BE49-F238E27FC236}">
+                <a16:creationId xmlns:a16="http://schemas.microsoft.com/office/drawing/2014/main" id="{5997727D-DC6C-F045-B398-3838D829CC74}"/>
+              </a:ext>
+            </a:extLst>
+          </p:cNvPr>
+          <p:cNvCxnSpPr>
+            <a:cxnSpLocks/>
+            <a:stCxn id="167" idx="1"/>
+            <a:endCxn id="174" idx="0"/>
+          </p:cNvCxnSpPr>
+          <p:nvPr/>
+        </p:nvCxnSpPr>
+        <p:spPr>
+          <a:xfrm>
+            <a:off x="890931" y="7535606"/>
+            <a:ext cx="0" cy="768415"/>
+          </a:xfrm>
+          <a:prstGeom prst="straightConnector1">
+            <a:avLst/>
+          </a:prstGeom>
+          <a:ln w="60325">
+            <a:solidFill>
+              <a:schemeClr val="tx1"/>
+            </a:solidFill>
+            <a:prstDash val="solid"/>
+            <a:tailEnd type="triangle"/>
+          </a:ln>
+        </p:spPr>
+        <p:style>
+          <a:lnRef idx="1">
+            <a:schemeClr val="accent1"/>
+          </a:lnRef>
+          <a:fillRef idx="0">
+            <a:schemeClr val="accent1"/>
+          </a:fillRef>
+          <a:effectRef idx="0">
+            <a:schemeClr val="accent1"/>
+          </a:effectRef>
+          <a:fontRef idx="minor">
+            <a:schemeClr val="tx1"/>
+          </a:fontRef>
+        </p:style>
+      </p:cxnSp>
+      <p:cxnSp>
+        <p:nvCxnSpPr>
+          <p:cNvPr id="184" name="Straight Arrow Connector 183">
+            <a:extLst>
+              <a:ext uri="{FF2B5EF4-FFF2-40B4-BE49-F238E27FC236}">
+                <a16:creationId xmlns:a16="http://schemas.microsoft.com/office/drawing/2014/main" id="{E346DF1C-C89E-3741-BBDB-3095EB715A7C}"/>
+              </a:ext>
+            </a:extLst>
+          </p:cNvPr>
+          <p:cNvCxnSpPr>
+            <a:cxnSpLocks/>
+          </p:cNvCxnSpPr>
+          <p:nvPr/>
+        </p:nvCxnSpPr>
+        <p:spPr>
+          <a:xfrm flipH="1" flipV="1">
+            <a:off x="7405568" y="4556665"/>
+            <a:ext cx="16726" cy="459284"/>
+          </a:xfrm>
+          <a:prstGeom prst="straightConnector1">
+            <a:avLst/>
+          </a:prstGeom>
+          <a:ln w="60325">
+            <a:solidFill>
+              <a:schemeClr val="tx1"/>
+            </a:solidFill>
+            <a:prstDash val="solid"/>
+            <a:tailEnd type="triangle"/>
+          </a:ln>
+        </p:spPr>
+        <p:style>
+          <a:lnRef idx="1">
+            <a:schemeClr val="accent1"/>
+          </a:lnRef>
+          <a:fillRef idx="0">
+            <a:schemeClr val="accent1"/>
+          </a:fillRef>
+          <a:effectRef idx="0">
+            <a:schemeClr val="accent1"/>
+          </a:effectRef>
+          <a:fontRef idx="minor">
+            <a:schemeClr val="tx1"/>
+          </a:fontRef>
+        </p:style>
+      </p:cxnSp>
+      <p:sp>
+        <p:nvSpPr>
+          <p:cNvPr id="101" name="Rounded Rectangle 100">
+            <a:extLst>
+              <a:ext uri="{FF2B5EF4-FFF2-40B4-BE49-F238E27FC236}">
+                <a16:creationId xmlns:a16="http://schemas.microsoft.com/office/drawing/2014/main" id="{A2DEFF76-1CFC-2C44-8B4D-361AD52CD50E}"/>
+              </a:ext>
+            </a:extLst>
+          </p:cNvPr>
+          <p:cNvSpPr>
+            <a:spLocks noChangeAspect="1"/>
+          </p:cNvSpPr>
+          <p:nvPr/>
+        </p:nvSpPr>
+        <p:spPr>
+          <a:xfrm>
+            <a:off x="3495905" y="1912095"/>
+            <a:ext cx="3232174" cy="1687007"/>
+          </a:xfrm>
+          <a:prstGeom prst="roundRect">
+            <a:avLst/>
+          </a:prstGeom>
+          <a:solidFill>
+            <a:schemeClr val="bg1"/>
+          </a:solidFill>
+          <a:ln w="38100">
+            <a:solidFill>
+              <a:schemeClr val="tx1"/>
+            </a:solidFill>
+          </a:ln>
+        </p:spPr>
+        <p:style>
+          <a:lnRef idx="2">
+            <a:schemeClr val="accent1">
+              <a:shade val="50000"/>
+            </a:schemeClr>
+          </a:lnRef>
+          <a:fillRef idx="1">
+            <a:schemeClr val="accent1"/>
+          </a:fillRef>
+          <a:effectRef idx="0">
+            <a:schemeClr val="accent1"/>
+          </a:effectRef>
+          <a:fontRef idx="minor">
+            <a:schemeClr val="lt1"/>
+          </a:fontRef>
+        </p:style>
+        <p:txBody>
+          <a:bodyPr rtlCol="0" anchor="ctr"/>
+          <a:lstStyle/>
+          <a:p>
+            <a:pPr algn="ctr"/>
+            <a:endParaRPr lang="en-AU" dirty="0"/>
+          </a:p>
+        </p:txBody>
+      </p:sp>
+      <p:sp>
+        <p:nvSpPr>
+          <p:cNvPr id="102" name="Rounded Rectangle 101">
+            <a:extLst>
+              <a:ext uri="{FF2B5EF4-FFF2-40B4-BE49-F238E27FC236}">
+                <a16:creationId xmlns:a16="http://schemas.microsoft.com/office/drawing/2014/main" id="{9ECF3D2A-EA25-A442-93C4-60BB09DEE838}"/>
+              </a:ext>
+            </a:extLst>
+          </p:cNvPr>
+          <p:cNvSpPr>
+            <a:spLocks noChangeAspect="1"/>
+          </p:cNvSpPr>
+          <p:nvPr/>
+        </p:nvSpPr>
+        <p:spPr>
+          <a:xfrm>
+            <a:off x="172971" y="1915793"/>
+            <a:ext cx="3240000" cy="1655811"/>
+          </a:xfrm>
+          <a:prstGeom prst="roundRect">
+            <a:avLst/>
+          </a:prstGeom>
+          <a:solidFill>
+            <a:schemeClr val="bg1"/>
+          </a:solidFill>
+          <a:ln w="38100">
+            <a:solidFill>
+              <a:schemeClr val="tx1"/>
+            </a:solidFill>
+          </a:ln>
+        </p:spPr>
+        <p:style>
+          <a:lnRef idx="2">
+            <a:schemeClr val="accent1">
+              <a:shade val="50000"/>
+            </a:schemeClr>
+          </a:lnRef>
+          <a:fillRef idx="1">
+            <a:schemeClr val="accent1"/>
+          </a:fillRef>
+          <a:effectRef idx="0">
+            <a:schemeClr val="accent1"/>
+          </a:effectRef>
+          <a:fontRef idx="minor">
+            <a:schemeClr val="lt1"/>
+          </a:fontRef>
+        </p:style>
+        <p:txBody>
+          <a:bodyPr rtlCol="0" anchor="ctr"/>
+          <a:lstStyle/>
+          <a:p>
+            <a:pPr algn="ctr"/>
+            <a:endParaRPr lang="en-AU" dirty="0"/>
+          </a:p>
+        </p:txBody>
+      </p:sp>
+      <p:sp>
+        <p:nvSpPr>
+          <p:cNvPr id="103" name="TextBox 102">
+            <a:extLst>
+              <a:ext uri="{FF2B5EF4-FFF2-40B4-BE49-F238E27FC236}">
+                <a16:creationId xmlns:a16="http://schemas.microsoft.com/office/drawing/2014/main" id="{EC518966-05BE-324B-A11C-ACCEAA240DB1}"/>
+              </a:ext>
+            </a:extLst>
+          </p:cNvPr>
+          <p:cNvSpPr txBox="1"/>
+          <p:nvPr/>
+        </p:nvSpPr>
+        <p:spPr>
+          <a:xfrm>
+            <a:off x="1568541" y="2420567"/>
+            <a:ext cx="768575" cy="461665"/>
+          </a:xfrm>
+          <a:prstGeom prst="rect">
+            <a:avLst/>
+          </a:prstGeom>
+          <a:noFill/>
+        </p:spPr>
+        <p:txBody>
+          <a:bodyPr wrap="square" rtlCol="0">
+            <a:spAutoFit/>
+          </a:bodyPr>
+          <a:lstStyle/>
+          <a:p>
+            <a:r>
+              <a:rPr lang="en-AU" sz="2400" dirty="0"/>
+              <a:t>O6</a:t>
+            </a:r>
+          </a:p>
+        </p:txBody>
+      </p:sp>
+      <p:sp>
+        <p:nvSpPr>
+          <p:cNvPr id="104" name="TextBox 103">
+            <a:extLst>
+              <a:ext uri="{FF2B5EF4-FFF2-40B4-BE49-F238E27FC236}">
+                <a16:creationId xmlns:a16="http://schemas.microsoft.com/office/drawing/2014/main" id="{5E8DFA38-15F4-9A4A-855E-B9C767473BCE}"/>
+              </a:ext>
+            </a:extLst>
+          </p:cNvPr>
+          <p:cNvSpPr txBox="1"/>
+          <p:nvPr/>
+        </p:nvSpPr>
+        <p:spPr>
+          <a:xfrm>
+            <a:off x="802940" y="1941435"/>
+            <a:ext cx="674066" cy="461665"/>
+          </a:xfrm>
+          <a:prstGeom prst="rect">
+            <a:avLst/>
+          </a:prstGeom>
+          <a:noFill/>
+        </p:spPr>
+        <p:txBody>
+          <a:bodyPr wrap="square" rtlCol="0">
+            <a:spAutoFit/>
+          </a:bodyPr>
+          <a:lstStyle/>
+          <a:p>
+            <a:r>
+              <a:rPr lang="en-AU" sz="2400" dirty="0"/>
+              <a:t>O7</a:t>
+            </a:r>
+          </a:p>
+        </p:txBody>
+      </p:sp>
+      <p:sp>
+        <p:nvSpPr>
+          <p:cNvPr id="105" name="TextBox 104">
+            <a:extLst>
+              <a:ext uri="{FF2B5EF4-FFF2-40B4-BE49-F238E27FC236}">
+                <a16:creationId xmlns:a16="http://schemas.microsoft.com/office/drawing/2014/main" id="{0693DF91-AD0E-984F-9BE6-C1ECB3CAFA4B}"/>
+              </a:ext>
+            </a:extLst>
+          </p:cNvPr>
+          <p:cNvSpPr txBox="1"/>
+          <p:nvPr/>
+        </p:nvSpPr>
+        <p:spPr>
+          <a:xfrm>
+            <a:off x="1690980" y="2689004"/>
+            <a:ext cx="890811" cy="461665"/>
+          </a:xfrm>
+          <a:prstGeom prst="rect">
+            <a:avLst/>
+          </a:prstGeom>
+          <a:noFill/>
+        </p:spPr>
+        <p:txBody>
+          <a:bodyPr wrap="square" rtlCol="0">
+            <a:spAutoFit/>
+          </a:bodyPr>
+          <a:lstStyle/>
+          <a:p>
+            <a:r>
+              <a:rPr lang="en-AU" sz="2400" dirty="0">
+                <a:solidFill>
+                  <a:srgbClr val="0070C0"/>
+                </a:solidFill>
+              </a:rPr>
+              <a:t>D13</a:t>
+            </a:r>
+          </a:p>
+        </p:txBody>
+      </p:sp>
+      <p:sp>
+        <p:nvSpPr>
+          <p:cNvPr id="106" name="TextBox 105">
+            <a:extLst>
+              <a:ext uri="{FF2B5EF4-FFF2-40B4-BE49-F238E27FC236}">
+                <a16:creationId xmlns:a16="http://schemas.microsoft.com/office/drawing/2014/main" id="{B9C4A729-5722-C04E-95CD-9607515335A7}"/>
+              </a:ext>
+            </a:extLst>
+          </p:cNvPr>
+          <p:cNvSpPr txBox="1"/>
+          <p:nvPr/>
+        </p:nvSpPr>
+        <p:spPr>
+          <a:xfrm>
+            <a:off x="908708" y="2183672"/>
+            <a:ext cx="890811" cy="461665"/>
+          </a:xfrm>
+          <a:prstGeom prst="rect">
+            <a:avLst/>
+          </a:prstGeom>
+          <a:noFill/>
+        </p:spPr>
+        <p:txBody>
+          <a:bodyPr wrap="square" rtlCol="0">
+            <a:spAutoFit/>
+          </a:bodyPr>
+          <a:lstStyle/>
+          <a:p>
+            <a:r>
+              <a:rPr lang="en-AU" sz="2400" dirty="0">
+                <a:solidFill>
+                  <a:srgbClr val="0070C0"/>
+                </a:solidFill>
+              </a:rPr>
+              <a:t>D14</a:t>
+            </a:r>
+          </a:p>
+        </p:txBody>
+      </p:sp>
+      <p:sp>
+        <p:nvSpPr>
+          <p:cNvPr id="113" name="Oval 112">
+            <a:extLst>
+              <a:ext uri="{FF2B5EF4-FFF2-40B4-BE49-F238E27FC236}">
+                <a16:creationId xmlns:a16="http://schemas.microsoft.com/office/drawing/2014/main" id="{5F8D623B-525A-A342-A647-186D3168D8D0}"/>
+              </a:ext>
+            </a:extLst>
+          </p:cNvPr>
+          <p:cNvSpPr/>
+          <p:nvPr/>
+        </p:nvSpPr>
+        <p:spPr>
+          <a:xfrm>
+            <a:off x="1477006" y="2697015"/>
+            <a:ext cx="244926" cy="239838"/>
+          </a:xfrm>
+          <a:prstGeom prst="ellipse">
+            <a:avLst/>
+          </a:prstGeom>
+          <a:solidFill>
+            <a:schemeClr val="tx1"/>
+          </a:solidFill>
+        </p:spPr>
+        <p:style>
+          <a:lnRef idx="2">
+            <a:schemeClr val="accent1">
+              <a:shade val="50000"/>
+            </a:schemeClr>
+          </a:lnRef>
+          <a:fillRef idx="1">
+            <a:schemeClr val="accent1"/>
+          </a:fillRef>
+          <a:effectRef idx="0">
+            <a:schemeClr val="accent1"/>
+          </a:effectRef>
+          <a:fontRef idx="minor">
+            <a:schemeClr val="lt1"/>
+          </a:fontRef>
+        </p:style>
+        <p:txBody>
+          <a:bodyPr rtlCol="0" anchor="ctr"/>
+          <a:lstStyle/>
+          <a:p>
+            <a:pPr algn="ctr"/>
+            <a:endParaRPr lang="en-AU" sz="2400"/>
+          </a:p>
+        </p:txBody>
+      </p:sp>
+      <p:sp>
+        <p:nvSpPr>
+          <p:cNvPr id="116" name="TextBox 115">
+            <a:extLst>
+              <a:ext uri="{FF2B5EF4-FFF2-40B4-BE49-F238E27FC236}">
+                <a16:creationId xmlns:a16="http://schemas.microsoft.com/office/drawing/2014/main" id="{FD8354DD-3BC2-3946-83EC-3BDF50255F33}"/>
+              </a:ext>
+            </a:extLst>
+          </p:cNvPr>
+          <p:cNvSpPr txBox="1"/>
+          <p:nvPr/>
+        </p:nvSpPr>
+        <p:spPr>
+          <a:xfrm>
+            <a:off x="4628739" y="2674178"/>
+            <a:ext cx="768575" cy="461665"/>
+          </a:xfrm>
+          <a:prstGeom prst="rect">
+            <a:avLst/>
+          </a:prstGeom>
+          <a:noFill/>
+        </p:spPr>
+        <p:txBody>
+          <a:bodyPr wrap="square" rtlCol="0">
+            <a:spAutoFit/>
+          </a:bodyPr>
+          <a:lstStyle/>
+          <a:p>
+            <a:r>
+              <a:rPr lang="en-AU" sz="2400" dirty="0"/>
+              <a:t>O6</a:t>
+            </a:r>
+          </a:p>
+        </p:txBody>
+      </p:sp>
+      <p:sp>
+        <p:nvSpPr>
+          <p:cNvPr id="127" name="TextBox 126">
+            <a:extLst>
+              <a:ext uri="{FF2B5EF4-FFF2-40B4-BE49-F238E27FC236}">
+                <a16:creationId xmlns:a16="http://schemas.microsoft.com/office/drawing/2014/main" id="{1F399F9C-98B1-6B43-9F83-B8F0D23A2E08}"/>
+              </a:ext>
+            </a:extLst>
+          </p:cNvPr>
+          <p:cNvSpPr txBox="1"/>
+          <p:nvPr/>
+        </p:nvSpPr>
+        <p:spPr>
+          <a:xfrm>
+            <a:off x="4269798" y="1917673"/>
+            <a:ext cx="674066" cy="461665"/>
+          </a:xfrm>
+          <a:prstGeom prst="rect">
+            <a:avLst/>
+          </a:prstGeom>
+          <a:noFill/>
+        </p:spPr>
+        <p:txBody>
+          <a:bodyPr wrap="square" rtlCol="0">
+            <a:spAutoFit/>
+          </a:bodyPr>
+          <a:lstStyle/>
+          <a:p>
+            <a:r>
+              <a:rPr lang="en-AU" sz="2400" dirty="0"/>
+              <a:t>O7</a:t>
+            </a:r>
+          </a:p>
+        </p:txBody>
+      </p:sp>
+      <p:sp>
+        <p:nvSpPr>
+          <p:cNvPr id="129" name="TextBox 128">
+            <a:extLst>
+              <a:ext uri="{FF2B5EF4-FFF2-40B4-BE49-F238E27FC236}">
+                <a16:creationId xmlns:a16="http://schemas.microsoft.com/office/drawing/2014/main" id="{FB2CF284-AE6F-784F-8C62-71DE54A25CB7}"/>
+              </a:ext>
+            </a:extLst>
+          </p:cNvPr>
+          <p:cNvSpPr txBox="1"/>
+          <p:nvPr/>
+        </p:nvSpPr>
+        <p:spPr>
+          <a:xfrm>
+            <a:off x="5021360" y="2773305"/>
+            <a:ext cx="890811" cy="461665"/>
+          </a:xfrm>
+          <a:prstGeom prst="rect">
+            <a:avLst/>
+          </a:prstGeom>
+          <a:noFill/>
+        </p:spPr>
+        <p:txBody>
+          <a:bodyPr wrap="square" rtlCol="0">
+            <a:spAutoFit/>
+          </a:bodyPr>
+          <a:lstStyle/>
+          <a:p>
+            <a:r>
+              <a:rPr lang="en-AU" sz="2400" dirty="0">
+                <a:solidFill>
+                  <a:srgbClr val="0070C0"/>
+                </a:solidFill>
+              </a:rPr>
+              <a:t>D13</a:t>
+            </a:r>
+          </a:p>
+        </p:txBody>
+      </p:sp>
+      <p:sp>
+        <p:nvSpPr>
+          <p:cNvPr id="134" name="TextBox 133">
+            <a:extLst>
+              <a:ext uri="{FF2B5EF4-FFF2-40B4-BE49-F238E27FC236}">
+                <a16:creationId xmlns:a16="http://schemas.microsoft.com/office/drawing/2014/main" id="{F72C3215-A81B-8844-A2E6-70F936D95C8A}"/>
+              </a:ext>
+            </a:extLst>
+          </p:cNvPr>
+          <p:cNvSpPr txBox="1"/>
+          <p:nvPr/>
+        </p:nvSpPr>
+        <p:spPr>
+          <a:xfrm>
+            <a:off x="4345215" y="2210512"/>
+            <a:ext cx="890811" cy="461665"/>
+          </a:xfrm>
+          <a:prstGeom prst="rect">
+            <a:avLst/>
+          </a:prstGeom>
+          <a:noFill/>
+        </p:spPr>
+        <p:txBody>
+          <a:bodyPr wrap="square" rtlCol="0">
+            <a:spAutoFit/>
+          </a:bodyPr>
+          <a:lstStyle/>
+          <a:p>
+            <a:r>
+              <a:rPr lang="en-AU" sz="2400" dirty="0">
+                <a:solidFill>
+                  <a:srgbClr val="0070C0"/>
+                </a:solidFill>
+              </a:rPr>
+              <a:t>D14</a:t>
+            </a:r>
+          </a:p>
+        </p:txBody>
+      </p:sp>
+      <p:sp>
+        <p:nvSpPr>
+          <p:cNvPr id="147" name="TextBox 146">
+            <a:extLst>
+              <a:ext uri="{FF2B5EF4-FFF2-40B4-BE49-F238E27FC236}">
+                <a16:creationId xmlns:a16="http://schemas.microsoft.com/office/drawing/2014/main" id="{B45491CF-6BD2-6345-BACD-C4C9C9A458B0}"/>
+              </a:ext>
+            </a:extLst>
+          </p:cNvPr>
+          <p:cNvSpPr txBox="1"/>
+          <p:nvPr/>
+        </p:nvSpPr>
+        <p:spPr>
+          <a:xfrm>
+            <a:off x="2944639" y="2416051"/>
+            <a:ext cx="592065" cy="461665"/>
+          </a:xfrm>
+          <a:prstGeom prst="rect">
+            <a:avLst/>
+          </a:prstGeom>
+          <a:noFill/>
+        </p:spPr>
+        <p:txBody>
+          <a:bodyPr wrap="square" rtlCol="0">
+            <a:spAutoFit/>
+          </a:bodyPr>
+          <a:lstStyle/>
+          <a:p>
+            <a:r>
+              <a:rPr lang="en-AU" sz="2400" dirty="0"/>
+              <a:t>O5</a:t>
+            </a:r>
+          </a:p>
+        </p:txBody>
+      </p:sp>
+      <p:sp>
+        <p:nvSpPr>
+          <p:cNvPr id="148" name="TextBox 147">
+            <a:extLst>
+              <a:ext uri="{FF2B5EF4-FFF2-40B4-BE49-F238E27FC236}">
+                <a16:creationId xmlns:a16="http://schemas.microsoft.com/office/drawing/2014/main" id="{60FA81FF-8268-8341-A85F-E66B119C8D73}"/>
+              </a:ext>
+            </a:extLst>
+          </p:cNvPr>
+          <p:cNvSpPr txBox="1"/>
+          <p:nvPr/>
+        </p:nvSpPr>
+        <p:spPr>
+          <a:xfrm>
+            <a:off x="1831126" y="3113085"/>
+            <a:ext cx="782443" cy="461665"/>
+          </a:xfrm>
+          <a:prstGeom prst="rect">
+            <a:avLst/>
+          </a:prstGeom>
+          <a:noFill/>
+        </p:spPr>
+        <p:txBody>
+          <a:bodyPr wrap="square" rtlCol="0">
+            <a:spAutoFit/>
+          </a:bodyPr>
+          <a:lstStyle/>
+          <a:p>
+            <a:r>
+              <a:rPr lang="en-AU" sz="2400" dirty="0">
+                <a:solidFill>
+                  <a:srgbClr val="0070C0"/>
+                </a:solidFill>
+              </a:rPr>
+              <a:t>D12</a:t>
+            </a:r>
+          </a:p>
+        </p:txBody>
+      </p:sp>
+      <p:cxnSp>
+        <p:nvCxnSpPr>
+          <p:cNvPr id="149" name="Straight Arrow Connector 148">
+            <a:extLst>
+              <a:ext uri="{FF2B5EF4-FFF2-40B4-BE49-F238E27FC236}">
+                <a16:creationId xmlns:a16="http://schemas.microsoft.com/office/drawing/2014/main" id="{9D39135A-AFED-1842-94D2-123571D9E42C}"/>
+              </a:ext>
+            </a:extLst>
+          </p:cNvPr>
+          <p:cNvCxnSpPr>
+            <a:cxnSpLocks/>
+            <a:endCxn id="147" idx="1"/>
+          </p:cNvCxnSpPr>
+          <p:nvPr/>
+        </p:nvCxnSpPr>
+        <p:spPr>
+          <a:xfrm flipV="1">
+            <a:off x="2075068" y="2646884"/>
+            <a:ext cx="869571" cy="24647"/>
+          </a:xfrm>
+          <a:prstGeom prst="straightConnector1">
+            <a:avLst/>
+          </a:prstGeom>
+          <a:ln w="60325">
+            <a:solidFill>
+              <a:schemeClr val="bg1">
+                <a:lumMod val="50000"/>
+              </a:schemeClr>
+            </a:solidFill>
+            <a:prstDash val="sysDash"/>
+            <a:tailEnd type="triangle"/>
+          </a:ln>
+        </p:spPr>
+        <p:style>
+          <a:lnRef idx="1">
+            <a:schemeClr val="accent1"/>
+          </a:lnRef>
+          <a:fillRef idx="0">
+            <a:schemeClr val="accent1"/>
+          </a:fillRef>
+          <a:effectRef idx="0">
+            <a:schemeClr val="accent1"/>
+          </a:effectRef>
+          <a:fontRef idx="minor">
+            <a:schemeClr val="tx1"/>
+          </a:fontRef>
+        </p:style>
+      </p:cxnSp>
+      <p:sp>
+        <p:nvSpPr>
+          <p:cNvPr id="150" name="TextBox 149">
+            <a:extLst>
+              <a:ext uri="{FF2B5EF4-FFF2-40B4-BE49-F238E27FC236}">
+                <a16:creationId xmlns:a16="http://schemas.microsoft.com/office/drawing/2014/main" id="{9B367720-4F5A-6A45-A8B0-DD1744B8ED52}"/>
+              </a:ext>
+            </a:extLst>
+          </p:cNvPr>
+          <p:cNvSpPr txBox="1"/>
+          <p:nvPr/>
+        </p:nvSpPr>
+        <p:spPr>
+          <a:xfrm>
+            <a:off x="6249410" y="2448917"/>
+            <a:ext cx="592065" cy="461665"/>
+          </a:xfrm>
+          <a:prstGeom prst="rect">
+            <a:avLst/>
+          </a:prstGeom>
+          <a:noFill/>
+        </p:spPr>
+        <p:txBody>
+          <a:bodyPr wrap="square" rtlCol="0">
+            <a:spAutoFit/>
+          </a:bodyPr>
+          <a:lstStyle/>
+          <a:p>
+            <a:r>
+              <a:rPr lang="en-AU" sz="2400" dirty="0"/>
+              <a:t>O5</a:t>
+            </a:r>
+          </a:p>
+        </p:txBody>
+      </p:sp>
+      <p:sp>
+        <p:nvSpPr>
+          <p:cNvPr id="84" name="Rounded Rectangle 83">
+            <a:extLst>
+              <a:ext uri="{FF2B5EF4-FFF2-40B4-BE49-F238E27FC236}">
+                <a16:creationId xmlns:a16="http://schemas.microsoft.com/office/drawing/2014/main" id="{073062CE-8AE6-4D4D-8462-CB7C2CCD80D7}"/>
+              </a:ext>
+            </a:extLst>
+          </p:cNvPr>
+          <p:cNvSpPr>
+            <a:spLocks noChangeAspect="1"/>
+          </p:cNvSpPr>
+          <p:nvPr/>
+        </p:nvSpPr>
+        <p:spPr>
+          <a:xfrm>
+            <a:off x="167657" y="5388851"/>
+            <a:ext cx="3232174" cy="1559174"/>
+          </a:xfrm>
+          <a:prstGeom prst="roundRect">
+            <a:avLst/>
+          </a:prstGeom>
+          <a:solidFill>
+            <a:schemeClr val="bg1"/>
+          </a:solidFill>
+          <a:ln w="38100">
+            <a:solidFill>
+              <a:schemeClr val="tx1"/>
+            </a:solidFill>
+          </a:ln>
+        </p:spPr>
+        <p:style>
+          <a:lnRef idx="2">
+            <a:schemeClr val="accent1">
+              <a:shade val="50000"/>
+            </a:schemeClr>
+          </a:lnRef>
+          <a:fillRef idx="1">
+            <a:schemeClr val="accent1"/>
+          </a:fillRef>
+          <a:effectRef idx="0">
+            <a:schemeClr val="accent1"/>
+          </a:effectRef>
+          <a:fontRef idx="minor">
+            <a:schemeClr val="lt1"/>
+          </a:fontRef>
+        </p:style>
+        <p:txBody>
+          <a:bodyPr rtlCol="0" anchor="ctr"/>
+          <a:lstStyle/>
+          <a:p>
+            <a:pPr algn="ctr"/>
+            <a:endParaRPr lang="en-AU" dirty="0"/>
+          </a:p>
+        </p:txBody>
+      </p:sp>
+      <p:sp>
+        <p:nvSpPr>
+          <p:cNvPr id="4" name="Rounded Rectangle 3">
+            <a:extLst>
+              <a:ext uri="{FF2B5EF4-FFF2-40B4-BE49-F238E27FC236}">
+                <a16:creationId xmlns:a16="http://schemas.microsoft.com/office/drawing/2014/main" id="{70652F4E-8EA6-2C4D-A4F0-52433013FDED}"/>
+              </a:ext>
+            </a:extLst>
+          </p:cNvPr>
+          <p:cNvSpPr>
+            <a:spLocks noChangeAspect="1"/>
+          </p:cNvSpPr>
+          <p:nvPr/>
+        </p:nvSpPr>
+        <p:spPr>
+          <a:xfrm>
+            <a:off x="166719" y="3665484"/>
+            <a:ext cx="3240000" cy="1655811"/>
+          </a:xfrm>
+          <a:prstGeom prst="roundRect">
+            <a:avLst/>
+          </a:prstGeom>
+          <a:solidFill>
+            <a:schemeClr val="bg1"/>
+          </a:solidFill>
+          <a:ln w="38100">
+            <a:solidFill>
+              <a:schemeClr val="tx1"/>
+            </a:solidFill>
+          </a:ln>
+        </p:spPr>
+        <p:style>
+          <a:lnRef idx="2">
+            <a:schemeClr val="accent1">
+              <a:shade val="50000"/>
+            </a:schemeClr>
+          </a:lnRef>
+          <a:fillRef idx="1">
+            <a:schemeClr val="accent1"/>
+          </a:fillRef>
+          <a:effectRef idx="0">
+            <a:schemeClr val="accent1"/>
+          </a:effectRef>
+          <a:fontRef idx="minor">
+            <a:schemeClr val="lt1"/>
+          </a:fontRef>
+        </p:style>
+        <p:txBody>
+          <a:bodyPr rtlCol="0" anchor="ctr"/>
+          <a:lstStyle/>
+          <a:p>
+            <a:pPr algn="ctr"/>
+            <a:endParaRPr lang="en-AU" dirty="0"/>
+          </a:p>
+        </p:txBody>
+      </p:sp>
+      <p:sp>
+        <p:nvSpPr>
+          <p:cNvPr id="19" name="TextBox 18">
+            <a:extLst>
+              <a:ext uri="{FF2B5EF4-FFF2-40B4-BE49-F238E27FC236}">
+                <a16:creationId xmlns:a16="http://schemas.microsoft.com/office/drawing/2014/main" id="{A2087CBC-C5DF-574A-BDD6-786E46B4A1F8}"/>
+              </a:ext>
+            </a:extLst>
+          </p:cNvPr>
+          <p:cNvSpPr txBox="1"/>
+          <p:nvPr/>
+        </p:nvSpPr>
+        <p:spPr>
+          <a:xfrm>
+            <a:off x="1562289" y="4170258"/>
+            <a:ext cx="768575" cy="461665"/>
+          </a:xfrm>
+          <a:prstGeom prst="rect">
+            <a:avLst/>
+          </a:prstGeom>
+          <a:noFill/>
+        </p:spPr>
+        <p:txBody>
+          <a:bodyPr wrap="square" rtlCol="0">
+            <a:spAutoFit/>
+          </a:bodyPr>
+          <a:lstStyle/>
+          <a:p>
+            <a:r>
+              <a:rPr lang="en-AU" sz="2400" dirty="0"/>
+              <a:t>O6</a:t>
+            </a:r>
+          </a:p>
+        </p:txBody>
+      </p:sp>
+      <p:sp>
+        <p:nvSpPr>
+          <p:cNvPr id="20" name="TextBox 19">
+            <a:extLst>
+              <a:ext uri="{FF2B5EF4-FFF2-40B4-BE49-F238E27FC236}">
+                <a16:creationId xmlns:a16="http://schemas.microsoft.com/office/drawing/2014/main" id="{3B025EB7-D319-3540-8105-6009DDC47831}"/>
+              </a:ext>
+            </a:extLst>
+          </p:cNvPr>
+          <p:cNvSpPr txBox="1"/>
+          <p:nvPr/>
+        </p:nvSpPr>
+        <p:spPr>
+          <a:xfrm>
+            <a:off x="796688" y="3691126"/>
+            <a:ext cx="674066" cy="461665"/>
+          </a:xfrm>
+          <a:prstGeom prst="rect">
+            <a:avLst/>
+          </a:prstGeom>
+          <a:noFill/>
+        </p:spPr>
+        <p:txBody>
+          <a:bodyPr wrap="square" rtlCol="0">
+            <a:spAutoFit/>
+          </a:bodyPr>
+          <a:lstStyle/>
+          <a:p>
+            <a:r>
+              <a:rPr lang="en-AU" sz="2400" dirty="0"/>
+              <a:t>O7</a:t>
+            </a:r>
+          </a:p>
+        </p:txBody>
+      </p:sp>
+      <p:sp>
+        <p:nvSpPr>
+          <p:cNvPr id="26" name="TextBox 25">
+            <a:extLst>
+              <a:ext uri="{FF2B5EF4-FFF2-40B4-BE49-F238E27FC236}">
+                <a16:creationId xmlns:a16="http://schemas.microsoft.com/office/drawing/2014/main" id="{9DAF916B-52B3-584A-B384-14D8DBA2AF05}"/>
+              </a:ext>
+            </a:extLst>
+          </p:cNvPr>
+          <p:cNvSpPr txBox="1"/>
+          <p:nvPr/>
+        </p:nvSpPr>
+        <p:spPr>
+          <a:xfrm>
+            <a:off x="1684728" y="4438695"/>
+            <a:ext cx="890811" cy="461665"/>
+          </a:xfrm>
+          <a:prstGeom prst="rect">
+            <a:avLst/>
+          </a:prstGeom>
+          <a:noFill/>
+        </p:spPr>
+        <p:txBody>
+          <a:bodyPr wrap="square" rtlCol="0">
+            <a:spAutoFit/>
+          </a:bodyPr>
+          <a:lstStyle/>
+          <a:p>
+            <a:r>
+              <a:rPr lang="en-AU" sz="2400" dirty="0">
+                <a:solidFill>
+                  <a:srgbClr val="0070C0"/>
+                </a:solidFill>
+              </a:rPr>
+              <a:t>D13</a:t>
+            </a:r>
+          </a:p>
+        </p:txBody>
+      </p:sp>
+      <p:sp>
+        <p:nvSpPr>
+          <p:cNvPr id="27" name="TextBox 26">
+            <a:extLst>
+              <a:ext uri="{FF2B5EF4-FFF2-40B4-BE49-F238E27FC236}">
+                <a16:creationId xmlns:a16="http://schemas.microsoft.com/office/drawing/2014/main" id="{4E9E14C7-CBCA-234F-9806-A90D9C1DDF75}"/>
+              </a:ext>
+            </a:extLst>
+          </p:cNvPr>
+          <p:cNvSpPr txBox="1"/>
+          <p:nvPr/>
+        </p:nvSpPr>
+        <p:spPr>
+          <a:xfrm>
+            <a:off x="1167376" y="4827879"/>
+            <a:ext cx="890811" cy="461665"/>
+          </a:xfrm>
+          <a:prstGeom prst="rect">
+            <a:avLst/>
+          </a:prstGeom>
+          <a:noFill/>
+        </p:spPr>
+        <p:txBody>
+          <a:bodyPr wrap="square" rtlCol="0">
+            <a:spAutoFit/>
+          </a:bodyPr>
+          <a:lstStyle/>
+          <a:p>
+            <a:r>
+              <a:rPr lang="en-AU" sz="2400" dirty="0">
+                <a:solidFill>
+                  <a:srgbClr val="0070C0"/>
+                </a:solidFill>
+              </a:rPr>
+              <a:t>D14</a:t>
+            </a:r>
+          </a:p>
+        </p:txBody>
+      </p:sp>
+      <p:sp>
+        <p:nvSpPr>
+          <p:cNvPr id="40" name="Oval 39">
+            <a:extLst>
+              <a:ext uri="{FF2B5EF4-FFF2-40B4-BE49-F238E27FC236}">
+                <a16:creationId xmlns:a16="http://schemas.microsoft.com/office/drawing/2014/main" id="{F7991E49-51E5-B144-BF2D-90C81A5A6344}"/>
+              </a:ext>
+            </a:extLst>
+          </p:cNvPr>
+          <p:cNvSpPr/>
+          <p:nvPr/>
+        </p:nvSpPr>
+        <p:spPr>
+          <a:xfrm>
+            <a:off x="1470754" y="4446706"/>
+            <a:ext cx="244926" cy="239838"/>
+          </a:xfrm>
+          <a:prstGeom prst="ellipse">
+            <a:avLst/>
+          </a:prstGeom>
+          <a:solidFill>
+            <a:schemeClr val="tx1"/>
+          </a:solidFill>
+        </p:spPr>
+        <p:style>
+          <a:lnRef idx="2">
+            <a:schemeClr val="accent1">
+              <a:shade val="50000"/>
+            </a:schemeClr>
+          </a:lnRef>
+          <a:fillRef idx="1">
+            <a:schemeClr val="accent1"/>
+          </a:fillRef>
+          <a:effectRef idx="0">
+            <a:schemeClr val="accent1"/>
+          </a:effectRef>
+          <a:fontRef idx="minor">
+            <a:schemeClr val="lt1"/>
+          </a:fontRef>
+        </p:style>
+        <p:txBody>
+          <a:bodyPr rtlCol="0" anchor="ctr"/>
+          <a:lstStyle/>
+          <a:p>
+            <a:pPr algn="ctr"/>
+            <a:endParaRPr lang="en-AU" sz="2400"/>
+          </a:p>
+        </p:txBody>
+      </p:sp>
+      <p:cxnSp>
+        <p:nvCxnSpPr>
+          <p:cNvPr id="107" name="Straight Connector 106">
+            <a:extLst>
+              <a:ext uri="{FF2B5EF4-FFF2-40B4-BE49-F238E27FC236}">
+                <a16:creationId xmlns:a16="http://schemas.microsoft.com/office/drawing/2014/main" id="{2DA34176-E3AB-F845-AF1C-09B7464A2D82}"/>
+              </a:ext>
+            </a:extLst>
+          </p:cNvPr>
+          <p:cNvCxnSpPr>
+            <a:cxnSpLocks/>
+          </p:cNvCxnSpPr>
+          <p:nvPr/>
+        </p:nvCxnSpPr>
+        <p:spPr>
+          <a:xfrm>
+            <a:off x="6824929" y="-1885263"/>
+            <a:ext cx="0" cy="839561"/>
+          </a:xfrm>
+          <a:prstGeom prst="line">
+            <a:avLst/>
+          </a:prstGeom>
+          <a:ln w="60325">
+            <a:solidFill>
+              <a:srgbClr val="C00000"/>
+            </a:solidFill>
+            <a:headEnd type="stealth" w="lg" len="lg"/>
+          </a:ln>
+        </p:spPr>
+        <p:style>
+          <a:lnRef idx="1">
+            <a:schemeClr val="accent1"/>
+          </a:lnRef>
+          <a:fillRef idx="0">
+            <a:schemeClr val="accent1"/>
+          </a:fillRef>
+          <a:effectRef idx="0">
+            <a:schemeClr val="accent1"/>
+          </a:effectRef>
+          <a:fontRef idx="minor">
+            <a:schemeClr val="tx1"/>
+          </a:fontRef>
+        </p:style>
+      </p:cxnSp>
+      <p:sp>
+        <p:nvSpPr>
+          <p:cNvPr id="108" name="TextBox 107">
+            <a:extLst>
+              <a:ext uri="{FF2B5EF4-FFF2-40B4-BE49-F238E27FC236}">
+                <a16:creationId xmlns:a16="http://schemas.microsoft.com/office/drawing/2014/main" id="{0F1C216F-8238-FB4B-B7F6-A88D2CF75A38}"/>
+              </a:ext>
+            </a:extLst>
+          </p:cNvPr>
+          <p:cNvSpPr txBox="1"/>
+          <p:nvPr/>
+        </p:nvSpPr>
+        <p:spPr>
+          <a:xfrm rot="5400000">
+            <a:off x="6119150" y="-1206623"/>
+            <a:ext cx="961755" cy="369332"/>
+          </a:xfrm>
+          <a:prstGeom prst="rect">
+            <a:avLst/>
+          </a:prstGeom>
+          <a:noFill/>
+        </p:spPr>
+        <p:txBody>
+          <a:bodyPr wrap="square" rtlCol="0">
+            <a:spAutoFit/>
+          </a:bodyPr>
+          <a:lstStyle/>
+          <a:p>
+            <a:r>
+              <a:rPr lang="en-AU" dirty="0">
+                <a:solidFill>
+                  <a:srgbClr val="C00000"/>
+                </a:solidFill>
+              </a:rPr>
+              <a:t>Upfield</a:t>
+            </a:r>
+          </a:p>
+        </p:txBody>
+      </p:sp>
+      <p:cxnSp>
+        <p:nvCxnSpPr>
+          <p:cNvPr id="175" name="Straight Connector 174">
+            <a:extLst>
+              <a:ext uri="{FF2B5EF4-FFF2-40B4-BE49-F238E27FC236}">
+                <a16:creationId xmlns:a16="http://schemas.microsoft.com/office/drawing/2014/main" id="{5B90FAC4-60E2-D649-B5C4-8D475162FA58}"/>
+              </a:ext>
+            </a:extLst>
+          </p:cNvPr>
+          <p:cNvCxnSpPr>
+            <a:cxnSpLocks/>
+          </p:cNvCxnSpPr>
+          <p:nvPr/>
+        </p:nvCxnSpPr>
+        <p:spPr>
+          <a:xfrm>
+            <a:off x="10183598" y="-1883338"/>
+            <a:ext cx="0" cy="839561"/>
+          </a:xfrm>
+          <a:prstGeom prst="line">
+            <a:avLst/>
+          </a:prstGeom>
+          <a:ln w="60325">
+            <a:solidFill>
+              <a:srgbClr val="C00000"/>
+            </a:solidFill>
+            <a:headEnd type="stealth" w="lg" len="lg"/>
+          </a:ln>
+        </p:spPr>
+        <p:style>
+          <a:lnRef idx="1">
+            <a:schemeClr val="accent1"/>
+          </a:lnRef>
+          <a:fillRef idx="0">
+            <a:schemeClr val="accent1"/>
+          </a:fillRef>
+          <a:effectRef idx="0">
+            <a:schemeClr val="accent1"/>
+          </a:effectRef>
+          <a:fontRef idx="minor">
+            <a:schemeClr val="tx1"/>
+          </a:fontRef>
+        </p:style>
+      </p:cxnSp>
+      <p:sp>
+        <p:nvSpPr>
+          <p:cNvPr id="176" name="TextBox 175">
+            <a:extLst>
+              <a:ext uri="{FF2B5EF4-FFF2-40B4-BE49-F238E27FC236}">
+                <a16:creationId xmlns:a16="http://schemas.microsoft.com/office/drawing/2014/main" id="{007B42D3-5617-7747-A683-42DC983B6586}"/>
+              </a:ext>
+            </a:extLst>
+          </p:cNvPr>
+          <p:cNvSpPr txBox="1"/>
+          <p:nvPr/>
+        </p:nvSpPr>
+        <p:spPr>
+          <a:xfrm rot="5400000">
+            <a:off x="9477819" y="-1204698"/>
+            <a:ext cx="961755" cy="369332"/>
+          </a:xfrm>
+          <a:prstGeom prst="rect">
+            <a:avLst/>
+          </a:prstGeom>
+          <a:noFill/>
+        </p:spPr>
+        <p:txBody>
+          <a:bodyPr wrap="square" rtlCol="0">
+            <a:spAutoFit/>
+          </a:bodyPr>
+          <a:lstStyle/>
+          <a:p>
+            <a:r>
+              <a:rPr lang="en-AU" dirty="0">
+                <a:solidFill>
+                  <a:srgbClr val="C00000"/>
+                </a:solidFill>
+              </a:rPr>
+              <a:t>Upfield</a:t>
+            </a:r>
+          </a:p>
+        </p:txBody>
+      </p:sp>
+      <p:sp>
+        <p:nvSpPr>
+          <p:cNvPr id="181" name="TextBox 180">
+            <a:extLst>
+              <a:ext uri="{FF2B5EF4-FFF2-40B4-BE49-F238E27FC236}">
+                <a16:creationId xmlns:a16="http://schemas.microsoft.com/office/drawing/2014/main" id="{F4A91607-83AB-4C4B-BDA7-14B09E38CB28}"/>
+              </a:ext>
+            </a:extLst>
+          </p:cNvPr>
+          <p:cNvSpPr txBox="1"/>
+          <p:nvPr/>
+        </p:nvSpPr>
+        <p:spPr>
+          <a:xfrm rot="5400000">
+            <a:off x="2449009" y="4343030"/>
+            <a:ext cx="1576217" cy="461665"/>
+          </a:xfrm>
+          <a:prstGeom prst="rect">
+            <a:avLst/>
+          </a:prstGeom>
+          <a:noFill/>
+        </p:spPr>
+        <p:txBody>
+          <a:bodyPr wrap="square" rtlCol="0">
+            <a:spAutoFit/>
+          </a:bodyPr>
+          <a:lstStyle/>
+          <a:p>
+            <a:r>
+              <a:rPr lang="en-AU" sz="2400" dirty="0">
+                <a:solidFill>
+                  <a:schemeClr val="accent6"/>
+                </a:solidFill>
+              </a:rPr>
+              <a:t>Downfield</a:t>
+            </a:r>
+          </a:p>
+        </p:txBody>
+      </p:sp>
+      <p:cxnSp>
+        <p:nvCxnSpPr>
+          <p:cNvPr id="182" name="Straight Connector 181">
+            <a:extLst>
+              <a:ext uri="{FF2B5EF4-FFF2-40B4-BE49-F238E27FC236}">
+                <a16:creationId xmlns:a16="http://schemas.microsoft.com/office/drawing/2014/main" id="{4E9E1BF5-D8BF-5C4A-8452-A352FCF014C0}"/>
+              </a:ext>
+            </a:extLst>
+          </p:cNvPr>
+          <p:cNvCxnSpPr>
+            <a:cxnSpLocks/>
+          </p:cNvCxnSpPr>
+          <p:nvPr/>
+        </p:nvCxnSpPr>
+        <p:spPr>
+          <a:xfrm flipV="1">
+            <a:off x="2938228" y="4239806"/>
+            <a:ext cx="0" cy="938269"/>
+          </a:xfrm>
+          <a:prstGeom prst="line">
+            <a:avLst/>
+          </a:prstGeom>
+          <a:ln w="60325">
+            <a:solidFill>
+              <a:srgbClr val="00B050"/>
+            </a:solidFill>
+            <a:headEnd type="stealth" w="lg" len="lg"/>
+          </a:ln>
+        </p:spPr>
+        <p:style>
+          <a:lnRef idx="1">
+            <a:schemeClr val="accent1"/>
+          </a:lnRef>
+          <a:fillRef idx="0">
+            <a:schemeClr val="accent1"/>
+          </a:fillRef>
+          <a:effectRef idx="0">
+            <a:schemeClr val="accent1"/>
+          </a:effectRef>
+          <a:fontRef idx="minor">
+            <a:schemeClr val="tx1"/>
+          </a:fontRef>
+        </p:style>
+      </p:cxnSp>
+      <p:cxnSp>
+        <p:nvCxnSpPr>
+          <p:cNvPr id="233" name="Straight Arrow Connector 232">
+            <a:extLst>
+              <a:ext uri="{FF2B5EF4-FFF2-40B4-BE49-F238E27FC236}">
+                <a16:creationId xmlns:a16="http://schemas.microsoft.com/office/drawing/2014/main" id="{72FEC4B9-DD02-8C47-90BD-83CD8E62EABA}"/>
+              </a:ext>
+            </a:extLst>
+          </p:cNvPr>
+          <p:cNvCxnSpPr>
+            <a:cxnSpLocks/>
+            <a:stCxn id="40" idx="1"/>
+          </p:cNvCxnSpPr>
+          <p:nvPr/>
+        </p:nvCxnSpPr>
+        <p:spPr>
+          <a:xfrm flipH="1" flipV="1">
+            <a:off x="1245437" y="4088227"/>
+            <a:ext cx="261186" cy="393602"/>
+          </a:xfrm>
+          <a:prstGeom prst="straightConnector1">
+            <a:avLst/>
+          </a:prstGeom>
+          <a:ln w="60325">
+            <a:solidFill>
+              <a:schemeClr val="bg1">
+                <a:lumMod val="50000"/>
+              </a:schemeClr>
+            </a:solidFill>
+            <a:prstDash val="sysDash"/>
+            <a:tailEnd type="triangle"/>
+          </a:ln>
+        </p:spPr>
+        <p:style>
+          <a:lnRef idx="1">
+            <a:schemeClr val="accent1"/>
+          </a:lnRef>
+          <a:fillRef idx="0">
+            <a:schemeClr val="accent1"/>
+          </a:fillRef>
+          <a:effectRef idx="0">
+            <a:schemeClr val="accent1"/>
+          </a:effectRef>
+          <a:fontRef idx="minor">
+            <a:schemeClr val="tx1"/>
+          </a:fontRef>
+        </p:style>
+      </p:cxnSp>
+      <p:sp>
+        <p:nvSpPr>
+          <p:cNvPr id="65" name="TextBox 64">
+            <a:extLst>
+              <a:ext uri="{FF2B5EF4-FFF2-40B4-BE49-F238E27FC236}">
+                <a16:creationId xmlns:a16="http://schemas.microsoft.com/office/drawing/2014/main" id="{178EA487-CA3F-9B43-8E19-F4086B72B1CE}"/>
+              </a:ext>
+            </a:extLst>
+          </p:cNvPr>
+          <p:cNvSpPr txBox="1"/>
+          <p:nvPr/>
+        </p:nvSpPr>
+        <p:spPr>
+          <a:xfrm>
+            <a:off x="397144" y="6208990"/>
+            <a:ext cx="768575" cy="461665"/>
+          </a:xfrm>
+          <a:prstGeom prst="rect">
+            <a:avLst/>
+          </a:prstGeom>
+          <a:noFill/>
+        </p:spPr>
+        <p:txBody>
+          <a:bodyPr wrap="square" rtlCol="0">
+            <a:spAutoFit/>
+          </a:bodyPr>
+          <a:lstStyle/>
+          <a:p>
+            <a:r>
+              <a:rPr lang="en-AU" sz="2400" dirty="0"/>
+              <a:t>O6</a:t>
+            </a:r>
+          </a:p>
+        </p:txBody>
+      </p:sp>
+      <p:sp>
+        <p:nvSpPr>
+          <p:cNvPr id="66" name="TextBox 65">
+            <a:extLst>
+              <a:ext uri="{FF2B5EF4-FFF2-40B4-BE49-F238E27FC236}">
+                <a16:creationId xmlns:a16="http://schemas.microsoft.com/office/drawing/2014/main" id="{2DE8CA29-0614-A04A-B66D-2894F8970018}"/>
+              </a:ext>
+            </a:extLst>
+          </p:cNvPr>
+          <p:cNvSpPr txBox="1"/>
+          <p:nvPr/>
+        </p:nvSpPr>
+        <p:spPr>
+          <a:xfrm>
+            <a:off x="943188" y="5348842"/>
+            <a:ext cx="674066" cy="461665"/>
+          </a:xfrm>
+          <a:prstGeom prst="rect">
+            <a:avLst/>
+          </a:prstGeom>
+          <a:noFill/>
+        </p:spPr>
+        <p:txBody>
+          <a:bodyPr wrap="square" rtlCol="0">
+            <a:spAutoFit/>
+          </a:bodyPr>
+          <a:lstStyle/>
+          <a:p>
+            <a:r>
+              <a:rPr lang="en-AU" sz="2400" dirty="0"/>
+              <a:t>O7</a:t>
+            </a:r>
+          </a:p>
+        </p:txBody>
+      </p:sp>
+      <p:sp>
+        <p:nvSpPr>
+          <p:cNvPr id="68" name="TextBox 67">
+            <a:extLst>
+              <a:ext uri="{FF2B5EF4-FFF2-40B4-BE49-F238E27FC236}">
+                <a16:creationId xmlns:a16="http://schemas.microsoft.com/office/drawing/2014/main" id="{CAEA55F6-8665-FD41-8FA7-44BF22D2C480}"/>
+              </a:ext>
+            </a:extLst>
+          </p:cNvPr>
+          <p:cNvSpPr txBox="1"/>
+          <p:nvPr/>
+        </p:nvSpPr>
+        <p:spPr>
+          <a:xfrm>
+            <a:off x="772078" y="6323176"/>
+            <a:ext cx="890811" cy="461665"/>
+          </a:xfrm>
+          <a:prstGeom prst="rect">
+            <a:avLst/>
+          </a:prstGeom>
+          <a:noFill/>
+        </p:spPr>
+        <p:txBody>
+          <a:bodyPr wrap="square" rtlCol="0">
+            <a:spAutoFit/>
+          </a:bodyPr>
+          <a:lstStyle/>
+          <a:p>
+            <a:r>
+              <a:rPr lang="en-AU" sz="2400" dirty="0">
+                <a:solidFill>
+                  <a:srgbClr val="0070C0"/>
+                </a:solidFill>
+              </a:rPr>
+              <a:t>D13</a:t>
+            </a:r>
+          </a:p>
+        </p:txBody>
+      </p:sp>
+      <p:sp>
+        <p:nvSpPr>
+          <p:cNvPr id="69" name="TextBox 68">
+            <a:extLst>
+              <a:ext uri="{FF2B5EF4-FFF2-40B4-BE49-F238E27FC236}">
+                <a16:creationId xmlns:a16="http://schemas.microsoft.com/office/drawing/2014/main" id="{9936B19F-D454-F149-ADDE-10DFCEA1BECB}"/>
+              </a:ext>
+            </a:extLst>
+          </p:cNvPr>
+          <p:cNvSpPr txBox="1"/>
+          <p:nvPr/>
+        </p:nvSpPr>
+        <p:spPr>
+          <a:xfrm>
+            <a:off x="1281590" y="6416413"/>
+            <a:ext cx="890811" cy="461665"/>
+          </a:xfrm>
+          <a:prstGeom prst="rect">
+            <a:avLst/>
+          </a:prstGeom>
+          <a:noFill/>
+        </p:spPr>
+        <p:txBody>
+          <a:bodyPr wrap="square" rtlCol="0">
+            <a:spAutoFit/>
+          </a:bodyPr>
+          <a:lstStyle/>
+          <a:p>
+            <a:r>
+              <a:rPr lang="en-AU" sz="2400" dirty="0">
+                <a:solidFill>
+                  <a:srgbClr val="0070C0"/>
+                </a:solidFill>
+              </a:rPr>
+              <a:t>D14</a:t>
+            </a:r>
+          </a:p>
+        </p:txBody>
+      </p:sp>
+      <p:sp>
+        <p:nvSpPr>
+          <p:cNvPr id="70" name="Oval 69">
+            <a:extLst>
+              <a:ext uri="{FF2B5EF4-FFF2-40B4-BE49-F238E27FC236}">
+                <a16:creationId xmlns:a16="http://schemas.microsoft.com/office/drawing/2014/main" id="{D6AB5112-E086-7F43-9F25-31154F81D3C1}"/>
+              </a:ext>
+            </a:extLst>
+          </p:cNvPr>
+          <p:cNvSpPr/>
+          <p:nvPr/>
+        </p:nvSpPr>
+        <p:spPr>
+          <a:xfrm>
+            <a:off x="1026782" y="5709805"/>
+            <a:ext cx="244926" cy="239838"/>
+          </a:xfrm>
+          <a:prstGeom prst="ellipse">
+            <a:avLst/>
+          </a:prstGeom>
+          <a:solidFill>
+            <a:schemeClr val="tx1"/>
+          </a:solidFill>
+        </p:spPr>
+        <p:style>
+          <a:lnRef idx="2">
+            <a:schemeClr val="accent1">
+              <a:shade val="50000"/>
+            </a:schemeClr>
+          </a:lnRef>
+          <a:fillRef idx="1">
+            <a:schemeClr val="accent1"/>
+          </a:fillRef>
+          <a:effectRef idx="0">
+            <a:schemeClr val="accent1"/>
+          </a:effectRef>
+          <a:fontRef idx="minor">
+            <a:schemeClr val="lt1"/>
+          </a:fontRef>
+        </p:style>
+        <p:txBody>
+          <a:bodyPr rtlCol="0" anchor="ctr"/>
+          <a:lstStyle/>
+          <a:p>
+            <a:pPr algn="ctr"/>
+            <a:endParaRPr lang="en-AU" sz="2400"/>
+          </a:p>
+        </p:txBody>
+      </p:sp>
+      <p:cxnSp>
+        <p:nvCxnSpPr>
+          <p:cNvPr id="71" name="Straight Arrow Connector 70">
+            <a:extLst>
+              <a:ext uri="{FF2B5EF4-FFF2-40B4-BE49-F238E27FC236}">
+                <a16:creationId xmlns:a16="http://schemas.microsoft.com/office/drawing/2014/main" id="{1A84A70F-9027-FB4E-9BDA-CF336654EAA4}"/>
+              </a:ext>
+            </a:extLst>
+          </p:cNvPr>
+          <p:cNvCxnSpPr>
+            <a:cxnSpLocks/>
+            <a:stCxn id="70" idx="3"/>
+            <a:endCxn id="65" idx="0"/>
+          </p:cNvCxnSpPr>
+          <p:nvPr/>
+        </p:nvCxnSpPr>
+        <p:spPr>
+          <a:xfrm flipH="1">
+            <a:off x="781432" y="5914520"/>
+            <a:ext cx="281219" cy="294470"/>
+          </a:xfrm>
+          <a:prstGeom prst="straightConnector1">
+            <a:avLst/>
+          </a:prstGeom>
+          <a:ln w="60325">
+            <a:solidFill>
+              <a:schemeClr val="bg1">
+                <a:lumMod val="50000"/>
+              </a:schemeClr>
+            </a:solidFill>
+            <a:prstDash val="sysDash"/>
+            <a:tailEnd type="triangle"/>
+          </a:ln>
+        </p:spPr>
+        <p:style>
+          <a:lnRef idx="1">
+            <a:schemeClr val="accent1"/>
+          </a:lnRef>
+          <a:fillRef idx="0">
+            <a:schemeClr val="accent1"/>
+          </a:fillRef>
+          <a:effectRef idx="0">
+            <a:schemeClr val="accent1"/>
+          </a:effectRef>
+          <a:fontRef idx="minor">
+            <a:schemeClr val="tx1"/>
+          </a:fontRef>
+        </p:style>
+      </p:cxnSp>
+      <p:cxnSp>
+        <p:nvCxnSpPr>
+          <p:cNvPr id="73" name="Straight Arrow Connector 72">
+            <a:extLst>
+              <a:ext uri="{FF2B5EF4-FFF2-40B4-BE49-F238E27FC236}">
+                <a16:creationId xmlns:a16="http://schemas.microsoft.com/office/drawing/2014/main" id="{EEF2EBD5-C36E-8840-80D9-D6AD1783B3B9}"/>
+              </a:ext>
+            </a:extLst>
+          </p:cNvPr>
+          <p:cNvCxnSpPr>
+            <a:cxnSpLocks/>
+          </p:cNvCxnSpPr>
+          <p:nvPr/>
+        </p:nvCxnSpPr>
+        <p:spPr>
+          <a:xfrm flipH="1">
+            <a:off x="833017" y="6121267"/>
+            <a:ext cx="784209" cy="248557"/>
+          </a:xfrm>
+          <a:prstGeom prst="straightConnector1">
+            <a:avLst/>
+          </a:prstGeom>
+          <a:ln w="60325">
+            <a:solidFill>
+              <a:schemeClr val="tx1"/>
+            </a:solidFill>
+            <a:prstDash val="solid"/>
+            <a:tailEnd type="triangle"/>
+          </a:ln>
+        </p:spPr>
+        <p:style>
+          <a:lnRef idx="1">
+            <a:schemeClr val="accent1"/>
+          </a:lnRef>
+          <a:fillRef idx="0">
+            <a:schemeClr val="accent1"/>
+          </a:fillRef>
+          <a:effectRef idx="0">
+            <a:schemeClr val="accent1"/>
+          </a:effectRef>
+          <a:fontRef idx="minor">
+            <a:schemeClr val="tx1"/>
+          </a:fontRef>
+        </p:style>
+      </p:cxnSp>
+      <p:sp>
+        <p:nvSpPr>
+          <p:cNvPr id="78" name="TextBox 77">
+            <a:extLst>
+              <a:ext uri="{FF2B5EF4-FFF2-40B4-BE49-F238E27FC236}">
+                <a16:creationId xmlns:a16="http://schemas.microsoft.com/office/drawing/2014/main" id="{C6A7C3AC-9E3B-6043-A0F1-80EBA04C52FC}"/>
+              </a:ext>
+            </a:extLst>
+          </p:cNvPr>
+          <p:cNvSpPr txBox="1"/>
+          <p:nvPr/>
+        </p:nvSpPr>
+        <p:spPr>
+          <a:xfrm>
+            <a:off x="1551146" y="5845744"/>
+            <a:ext cx="768575" cy="461665"/>
+          </a:xfrm>
+          <a:prstGeom prst="rect">
+            <a:avLst/>
+          </a:prstGeom>
+          <a:noFill/>
+        </p:spPr>
+        <p:txBody>
+          <a:bodyPr wrap="square" rtlCol="0">
+            <a:spAutoFit/>
+          </a:bodyPr>
+          <a:lstStyle/>
+          <a:p>
+            <a:r>
+              <a:rPr lang="en-AU" sz="2400" dirty="0">
+                <a:solidFill>
+                  <a:schemeClr val="bg1">
+                    <a:lumMod val="50000"/>
+                  </a:schemeClr>
+                </a:solidFill>
+              </a:rPr>
+              <a:t>O6</a:t>
+            </a:r>
+          </a:p>
+        </p:txBody>
+      </p:sp>
+      <p:sp>
+        <p:nvSpPr>
+          <p:cNvPr id="79" name="TextBox 78">
+            <a:extLst>
+              <a:ext uri="{FF2B5EF4-FFF2-40B4-BE49-F238E27FC236}">
+                <a16:creationId xmlns:a16="http://schemas.microsoft.com/office/drawing/2014/main" id="{281D1A02-BB83-474B-A868-710459131B54}"/>
+              </a:ext>
+            </a:extLst>
+          </p:cNvPr>
+          <p:cNvSpPr txBox="1"/>
+          <p:nvPr/>
+        </p:nvSpPr>
+        <p:spPr>
+          <a:xfrm>
+            <a:off x="1757539" y="6099864"/>
+            <a:ext cx="890811" cy="461665"/>
+          </a:xfrm>
+          <a:prstGeom prst="rect">
+            <a:avLst/>
+          </a:prstGeom>
+          <a:noFill/>
+        </p:spPr>
+        <p:txBody>
+          <a:bodyPr wrap="square" rtlCol="0">
+            <a:spAutoFit/>
+          </a:bodyPr>
+          <a:lstStyle/>
+          <a:p>
+            <a:r>
+              <a:rPr lang="en-AU" sz="2400" dirty="0">
+                <a:solidFill>
+                  <a:schemeClr val="bg1">
+                    <a:lumMod val="50000"/>
+                  </a:schemeClr>
+                </a:solidFill>
+              </a:rPr>
+              <a:t>D13</a:t>
+            </a:r>
+          </a:p>
+        </p:txBody>
+      </p:sp>
+      <p:cxnSp>
+        <p:nvCxnSpPr>
+          <p:cNvPr id="80" name="Straight Arrow Connector 79">
+            <a:extLst>
+              <a:ext uri="{FF2B5EF4-FFF2-40B4-BE49-F238E27FC236}">
+                <a16:creationId xmlns:a16="http://schemas.microsoft.com/office/drawing/2014/main" id="{61BB4AE7-C6FA-C742-B920-1AB68C03C497}"/>
+              </a:ext>
+            </a:extLst>
+          </p:cNvPr>
+          <p:cNvCxnSpPr>
+            <a:cxnSpLocks/>
+          </p:cNvCxnSpPr>
+          <p:nvPr/>
+        </p:nvCxnSpPr>
+        <p:spPr>
+          <a:xfrm flipH="1">
+            <a:off x="1357515" y="6330697"/>
+            <a:ext cx="439352" cy="178953"/>
+          </a:xfrm>
+          <a:prstGeom prst="straightConnector1">
+            <a:avLst/>
+          </a:prstGeom>
+          <a:ln w="60325">
+            <a:solidFill>
+              <a:schemeClr val="accent1"/>
+            </a:solidFill>
+            <a:prstDash val="solid"/>
+            <a:tailEnd type="triangle"/>
+          </a:ln>
+        </p:spPr>
+        <p:style>
+          <a:lnRef idx="1">
+            <a:schemeClr val="accent1"/>
+          </a:lnRef>
+          <a:fillRef idx="0">
+            <a:schemeClr val="accent1"/>
+          </a:fillRef>
+          <a:effectRef idx="0">
+            <a:schemeClr val="accent1"/>
+          </a:effectRef>
+          <a:fontRef idx="minor">
+            <a:schemeClr val="tx1"/>
+          </a:fontRef>
+        </p:style>
+      </p:cxnSp>
+      <p:cxnSp>
+        <p:nvCxnSpPr>
+          <p:cNvPr id="91" name="Straight Arrow Connector 90">
+            <a:extLst>
+              <a:ext uri="{FF2B5EF4-FFF2-40B4-BE49-F238E27FC236}">
+                <a16:creationId xmlns:a16="http://schemas.microsoft.com/office/drawing/2014/main" id="{B753610D-B647-A74B-B7AD-2D503D57F831}"/>
+              </a:ext>
+            </a:extLst>
+          </p:cNvPr>
+          <p:cNvCxnSpPr>
+            <a:cxnSpLocks/>
+          </p:cNvCxnSpPr>
+          <p:nvPr/>
+        </p:nvCxnSpPr>
+        <p:spPr>
+          <a:xfrm flipV="1">
+            <a:off x="1298158" y="5561271"/>
+            <a:ext cx="1364573" cy="256757"/>
+          </a:xfrm>
+          <a:prstGeom prst="straightConnector1">
+            <a:avLst/>
+          </a:prstGeom>
+          <a:ln w="60325">
+            <a:solidFill>
+              <a:schemeClr val="bg1">
+                <a:lumMod val="50000"/>
+              </a:schemeClr>
+            </a:solidFill>
+            <a:prstDash val="sysDash"/>
+            <a:tailEnd type="triangle"/>
+          </a:ln>
+        </p:spPr>
+        <p:style>
+          <a:lnRef idx="1">
+            <a:schemeClr val="accent1"/>
+          </a:lnRef>
+          <a:fillRef idx="0">
+            <a:schemeClr val="accent1"/>
+          </a:fillRef>
+          <a:effectRef idx="0">
+            <a:schemeClr val="accent1"/>
+          </a:effectRef>
+          <a:fontRef idx="minor">
+            <a:schemeClr val="tx1"/>
+          </a:fontRef>
+        </p:style>
+      </p:cxnSp>
+      <p:sp>
+        <p:nvSpPr>
+          <p:cNvPr id="94" name="TextBox 93">
+            <a:extLst>
+              <a:ext uri="{FF2B5EF4-FFF2-40B4-BE49-F238E27FC236}">
+                <a16:creationId xmlns:a16="http://schemas.microsoft.com/office/drawing/2014/main" id="{433D47D3-2902-5D4E-92C1-08BB80EA69ED}"/>
+              </a:ext>
+            </a:extLst>
+          </p:cNvPr>
+          <p:cNvSpPr txBox="1"/>
+          <p:nvPr/>
+        </p:nvSpPr>
+        <p:spPr>
+          <a:xfrm>
+            <a:off x="2606103" y="5348842"/>
+            <a:ext cx="592065" cy="461665"/>
+          </a:xfrm>
+          <a:prstGeom prst="rect">
+            <a:avLst/>
+          </a:prstGeom>
+          <a:noFill/>
+        </p:spPr>
+        <p:txBody>
+          <a:bodyPr wrap="square" rtlCol="0">
+            <a:spAutoFit/>
+          </a:bodyPr>
+          <a:lstStyle/>
+          <a:p>
+            <a:r>
+              <a:rPr lang="en-AU" sz="2400" dirty="0"/>
+              <a:t>O5</a:t>
+            </a:r>
+          </a:p>
+        </p:txBody>
+      </p:sp>
+      <p:sp>
+        <p:nvSpPr>
+          <p:cNvPr id="95" name="TextBox 94">
+            <a:extLst>
+              <a:ext uri="{FF2B5EF4-FFF2-40B4-BE49-F238E27FC236}">
+                <a16:creationId xmlns:a16="http://schemas.microsoft.com/office/drawing/2014/main" id="{CB8A997B-647C-D14B-A8EE-BAF34AE8F339}"/>
+              </a:ext>
+            </a:extLst>
+          </p:cNvPr>
+          <p:cNvSpPr txBox="1"/>
+          <p:nvPr/>
+        </p:nvSpPr>
+        <p:spPr>
+          <a:xfrm>
+            <a:off x="2291288" y="5827050"/>
+            <a:ext cx="782443" cy="461665"/>
+          </a:xfrm>
+          <a:prstGeom prst="rect">
+            <a:avLst/>
+          </a:prstGeom>
+          <a:noFill/>
+        </p:spPr>
+        <p:txBody>
+          <a:bodyPr wrap="square" rtlCol="0">
+            <a:spAutoFit/>
+          </a:bodyPr>
+          <a:lstStyle/>
+          <a:p>
+            <a:r>
+              <a:rPr lang="en-AU" sz="2400" dirty="0">
+                <a:solidFill>
+                  <a:srgbClr val="0070C0"/>
+                </a:solidFill>
+              </a:rPr>
+              <a:t>D12</a:t>
+            </a:r>
+          </a:p>
+        </p:txBody>
+      </p:sp>
+      <p:cxnSp>
+        <p:nvCxnSpPr>
+          <p:cNvPr id="97" name="Straight Arrow Connector 96">
+            <a:extLst>
+              <a:ext uri="{FF2B5EF4-FFF2-40B4-BE49-F238E27FC236}">
+                <a16:creationId xmlns:a16="http://schemas.microsoft.com/office/drawing/2014/main" id="{7803C7B0-A02D-5E48-8AFC-2E7D7D716740}"/>
+              </a:ext>
+            </a:extLst>
+          </p:cNvPr>
+          <p:cNvCxnSpPr>
+            <a:cxnSpLocks/>
+          </p:cNvCxnSpPr>
+          <p:nvPr/>
+        </p:nvCxnSpPr>
+        <p:spPr>
+          <a:xfrm flipH="1" flipV="1">
+            <a:off x="2841650" y="5689649"/>
+            <a:ext cx="80678" cy="403471"/>
+          </a:xfrm>
+          <a:prstGeom prst="straightConnector1">
+            <a:avLst/>
+          </a:prstGeom>
+          <a:ln w="60325">
+            <a:solidFill>
+              <a:schemeClr val="tx1"/>
+            </a:solidFill>
+            <a:prstDash val="solid"/>
+            <a:tailEnd type="triangle"/>
+          </a:ln>
+        </p:spPr>
+        <p:style>
+          <a:lnRef idx="1">
+            <a:schemeClr val="accent1"/>
+          </a:lnRef>
+          <a:fillRef idx="0">
+            <a:schemeClr val="accent1"/>
+          </a:fillRef>
+          <a:effectRef idx="0">
+            <a:schemeClr val="accent1"/>
+          </a:effectRef>
+          <a:fontRef idx="minor">
+            <a:schemeClr val="tx1"/>
+          </a:fontRef>
+        </p:style>
+      </p:cxnSp>
+      <p:sp>
+        <p:nvSpPr>
+          <p:cNvPr id="153" name="Oval 152">
+            <a:extLst>
+              <a:ext uri="{FF2B5EF4-FFF2-40B4-BE49-F238E27FC236}">
+                <a16:creationId xmlns:a16="http://schemas.microsoft.com/office/drawing/2014/main" id="{05FC4269-3429-8549-9024-675E0E400A75}"/>
+              </a:ext>
+            </a:extLst>
+          </p:cNvPr>
+          <p:cNvSpPr/>
+          <p:nvPr/>
+        </p:nvSpPr>
+        <p:spPr>
+          <a:xfrm>
+            <a:off x="6281592" y="2790197"/>
+            <a:ext cx="244926" cy="239838"/>
+          </a:xfrm>
+          <a:prstGeom prst="ellipse">
+            <a:avLst/>
+          </a:prstGeom>
+          <a:solidFill>
+            <a:schemeClr val="tx1"/>
+          </a:solidFill>
+        </p:spPr>
+        <p:style>
+          <a:lnRef idx="2">
+            <a:schemeClr val="accent1">
+              <a:shade val="50000"/>
+            </a:schemeClr>
+          </a:lnRef>
+          <a:fillRef idx="1">
+            <a:schemeClr val="accent1"/>
+          </a:fillRef>
+          <a:effectRef idx="0">
+            <a:schemeClr val="accent1"/>
+          </a:effectRef>
+          <a:fontRef idx="minor">
+            <a:schemeClr val="lt1"/>
+          </a:fontRef>
+        </p:style>
+        <p:txBody>
+          <a:bodyPr rtlCol="0" anchor="ctr"/>
+          <a:lstStyle/>
+          <a:p>
+            <a:pPr algn="ctr"/>
+            <a:endParaRPr lang="en-AU" sz="2400"/>
+          </a:p>
+        </p:txBody>
+      </p:sp>
+      <p:sp>
+        <p:nvSpPr>
+          <p:cNvPr id="154" name="TextBox 153">
+            <a:extLst>
+              <a:ext uri="{FF2B5EF4-FFF2-40B4-BE49-F238E27FC236}">
+                <a16:creationId xmlns:a16="http://schemas.microsoft.com/office/drawing/2014/main" id="{3561A41B-1741-8344-8A96-B6178915C185}"/>
+              </a:ext>
+            </a:extLst>
+          </p:cNvPr>
+          <p:cNvSpPr txBox="1"/>
+          <p:nvPr/>
+        </p:nvSpPr>
+        <p:spPr>
+          <a:xfrm>
+            <a:off x="5560380" y="2949175"/>
+            <a:ext cx="782443" cy="461665"/>
+          </a:xfrm>
+          <a:prstGeom prst="rect">
+            <a:avLst/>
+          </a:prstGeom>
+          <a:noFill/>
+        </p:spPr>
+        <p:txBody>
+          <a:bodyPr wrap="square" rtlCol="0">
+            <a:spAutoFit/>
+          </a:bodyPr>
+          <a:lstStyle/>
+          <a:p>
+            <a:r>
+              <a:rPr lang="en-AU" sz="2400" dirty="0">
+                <a:solidFill>
+                  <a:srgbClr val="0070C0"/>
+                </a:solidFill>
+              </a:rPr>
+              <a:t>D12</a:t>
+            </a:r>
+          </a:p>
+        </p:txBody>
+      </p:sp>
+      <p:cxnSp>
+        <p:nvCxnSpPr>
+          <p:cNvPr id="156" name="Straight Arrow Connector 155">
+            <a:extLst>
+              <a:ext uri="{FF2B5EF4-FFF2-40B4-BE49-F238E27FC236}">
+                <a16:creationId xmlns:a16="http://schemas.microsoft.com/office/drawing/2014/main" id="{DD7C414B-6CB8-F24B-9FCE-92C1C2DCC947}"/>
+              </a:ext>
+            </a:extLst>
+          </p:cNvPr>
+          <p:cNvCxnSpPr>
+            <a:cxnSpLocks/>
+          </p:cNvCxnSpPr>
+          <p:nvPr/>
+        </p:nvCxnSpPr>
+        <p:spPr>
+          <a:xfrm flipV="1">
+            <a:off x="4798302" y="2067793"/>
+            <a:ext cx="875448" cy="114865"/>
+          </a:xfrm>
+          <a:prstGeom prst="straightConnector1">
+            <a:avLst/>
+          </a:prstGeom>
+          <a:ln w="60325">
+            <a:solidFill>
+              <a:schemeClr val="tx1"/>
+            </a:solidFill>
+            <a:prstDash val="solid"/>
+            <a:tailEnd type="triangle"/>
+          </a:ln>
+        </p:spPr>
+        <p:style>
+          <a:lnRef idx="1">
+            <a:schemeClr val="accent1"/>
+          </a:lnRef>
+          <a:fillRef idx="0">
+            <a:schemeClr val="accent1"/>
+          </a:fillRef>
+          <a:effectRef idx="0">
+            <a:schemeClr val="accent1"/>
+          </a:effectRef>
+          <a:fontRef idx="minor">
+            <a:schemeClr val="tx1"/>
+          </a:fontRef>
+        </p:style>
+      </p:cxnSp>
+      <p:cxnSp>
+        <p:nvCxnSpPr>
+          <p:cNvPr id="157" name="Straight Arrow Connector 156">
+            <a:extLst>
+              <a:ext uri="{FF2B5EF4-FFF2-40B4-BE49-F238E27FC236}">
+                <a16:creationId xmlns:a16="http://schemas.microsoft.com/office/drawing/2014/main" id="{8A28B335-3763-0C4F-B1AF-60F8EDBAEFCB}"/>
+              </a:ext>
+            </a:extLst>
+          </p:cNvPr>
+          <p:cNvCxnSpPr>
+            <a:cxnSpLocks/>
+            <a:stCxn id="150" idx="1"/>
+          </p:cNvCxnSpPr>
+          <p:nvPr/>
+        </p:nvCxnSpPr>
+        <p:spPr>
+          <a:xfrm flipH="1" flipV="1">
+            <a:off x="5727886" y="2067794"/>
+            <a:ext cx="521524" cy="611956"/>
+          </a:xfrm>
+          <a:prstGeom prst="straightConnector1">
+            <a:avLst/>
+          </a:prstGeom>
+          <a:ln w="60325">
+            <a:solidFill>
+              <a:schemeClr val="bg1">
+                <a:lumMod val="50000"/>
+              </a:schemeClr>
+            </a:solidFill>
+            <a:prstDash val="sysDash"/>
+            <a:tailEnd type="triangle"/>
+          </a:ln>
+        </p:spPr>
+        <p:style>
+          <a:lnRef idx="1">
+            <a:schemeClr val="accent1"/>
+          </a:lnRef>
+          <a:fillRef idx="0">
+            <a:schemeClr val="accent1"/>
+          </a:fillRef>
+          <a:effectRef idx="0">
+            <a:schemeClr val="accent1"/>
+          </a:effectRef>
+          <a:fontRef idx="minor">
+            <a:schemeClr val="tx1"/>
+          </a:fontRef>
+        </p:style>
+      </p:cxnSp>
+      <p:sp>
+        <p:nvSpPr>
+          <p:cNvPr id="185" name="Rounded Rectangle 184">
+            <a:extLst>
+              <a:ext uri="{FF2B5EF4-FFF2-40B4-BE49-F238E27FC236}">
+                <a16:creationId xmlns:a16="http://schemas.microsoft.com/office/drawing/2014/main" id="{7CC2E7BA-E184-7649-B865-6AF9749D17BF}"/>
+              </a:ext>
+            </a:extLst>
+          </p:cNvPr>
+          <p:cNvSpPr>
+            <a:spLocks noChangeAspect="1"/>
+          </p:cNvSpPr>
+          <p:nvPr/>
+        </p:nvSpPr>
+        <p:spPr>
+          <a:xfrm>
+            <a:off x="3719492" y="3687478"/>
+            <a:ext cx="3240000" cy="3642484"/>
+          </a:xfrm>
+          <a:prstGeom prst="roundRect">
+            <a:avLst>
+              <a:gd name="adj" fmla="val 8170"/>
+            </a:avLst>
+          </a:prstGeom>
+          <a:solidFill>
+            <a:schemeClr val="bg1"/>
+          </a:solidFill>
+          <a:ln w="38100">
+            <a:solidFill>
+              <a:schemeClr val="tx1"/>
+            </a:solidFill>
+          </a:ln>
+        </p:spPr>
+        <p:style>
+          <a:lnRef idx="2">
+            <a:schemeClr val="accent1">
+              <a:shade val="50000"/>
+            </a:schemeClr>
+          </a:lnRef>
+          <a:fillRef idx="1">
+            <a:schemeClr val="accent1"/>
+          </a:fillRef>
+          <a:effectRef idx="0">
+            <a:schemeClr val="accent1"/>
+          </a:effectRef>
+          <a:fontRef idx="minor">
+            <a:schemeClr val="lt1"/>
+          </a:fontRef>
+        </p:style>
+        <p:txBody>
+          <a:bodyPr rtlCol="0" anchor="ctr"/>
+          <a:lstStyle/>
+          <a:p>
+            <a:pPr algn="ctr"/>
+            <a:endParaRPr lang="en-AU" dirty="0"/>
+          </a:p>
+        </p:txBody>
+      </p:sp>
+      <p:sp>
+        <p:nvSpPr>
+          <p:cNvPr id="186" name="TextBox 185">
+            <a:extLst>
+              <a:ext uri="{FF2B5EF4-FFF2-40B4-BE49-F238E27FC236}">
+                <a16:creationId xmlns:a16="http://schemas.microsoft.com/office/drawing/2014/main" id="{AFAE2D69-556F-5142-A1F1-FF62A59E2D63}"/>
+              </a:ext>
+            </a:extLst>
+          </p:cNvPr>
+          <p:cNvSpPr txBox="1"/>
+          <p:nvPr/>
+        </p:nvSpPr>
+        <p:spPr>
+          <a:xfrm>
+            <a:off x="3926909" y="4293628"/>
+            <a:ext cx="768575" cy="461665"/>
+          </a:xfrm>
+          <a:prstGeom prst="rect">
+            <a:avLst/>
+          </a:prstGeom>
+          <a:noFill/>
+        </p:spPr>
+        <p:txBody>
+          <a:bodyPr wrap="square" rtlCol="0">
+            <a:spAutoFit/>
+          </a:bodyPr>
+          <a:lstStyle/>
+          <a:p>
+            <a:r>
+              <a:rPr lang="en-AU" sz="2400" dirty="0"/>
+              <a:t>O7</a:t>
+            </a:r>
+          </a:p>
+        </p:txBody>
+      </p:sp>
+      <p:sp>
+        <p:nvSpPr>
+          <p:cNvPr id="188" name="TextBox 187">
+            <a:extLst>
+              <a:ext uri="{FF2B5EF4-FFF2-40B4-BE49-F238E27FC236}">
+                <a16:creationId xmlns:a16="http://schemas.microsoft.com/office/drawing/2014/main" id="{A82A47AD-0CBB-8D47-BC99-8EFB990D0EC1}"/>
+              </a:ext>
+            </a:extLst>
+          </p:cNvPr>
+          <p:cNvSpPr txBox="1"/>
+          <p:nvPr/>
+        </p:nvSpPr>
+        <p:spPr>
+          <a:xfrm>
+            <a:off x="3960678" y="4625772"/>
+            <a:ext cx="890811" cy="461665"/>
+          </a:xfrm>
+          <a:prstGeom prst="rect">
+            <a:avLst/>
+          </a:prstGeom>
+          <a:noFill/>
+        </p:spPr>
+        <p:txBody>
+          <a:bodyPr wrap="square" rtlCol="0">
+            <a:spAutoFit/>
+          </a:bodyPr>
+          <a:lstStyle/>
+          <a:p>
+            <a:r>
+              <a:rPr lang="en-AU" sz="2400" dirty="0">
+                <a:solidFill>
+                  <a:srgbClr val="0070C0"/>
+                </a:solidFill>
+              </a:rPr>
+              <a:t>D14</a:t>
+            </a:r>
+          </a:p>
+        </p:txBody>
+      </p:sp>
+      <p:sp>
+        <p:nvSpPr>
+          <p:cNvPr id="190" name="Oval 189">
+            <a:extLst>
+              <a:ext uri="{FF2B5EF4-FFF2-40B4-BE49-F238E27FC236}">
+                <a16:creationId xmlns:a16="http://schemas.microsoft.com/office/drawing/2014/main" id="{8A381478-C8E0-4D49-B6CE-8B4A6EDA4974}"/>
+              </a:ext>
+            </a:extLst>
+          </p:cNvPr>
+          <p:cNvSpPr/>
+          <p:nvPr/>
+        </p:nvSpPr>
+        <p:spPr>
+          <a:xfrm>
+            <a:off x="3782294" y="4549069"/>
+            <a:ext cx="244926" cy="239838"/>
+          </a:xfrm>
+          <a:prstGeom prst="ellipse">
+            <a:avLst/>
+          </a:prstGeom>
+          <a:solidFill>
+            <a:schemeClr val="tx1"/>
+          </a:solidFill>
+        </p:spPr>
+        <p:style>
+          <a:lnRef idx="2">
+            <a:schemeClr val="accent1">
+              <a:shade val="50000"/>
+            </a:schemeClr>
+          </a:lnRef>
+          <a:fillRef idx="1">
+            <a:schemeClr val="accent1"/>
+          </a:fillRef>
+          <a:effectRef idx="0">
+            <a:schemeClr val="accent1"/>
+          </a:effectRef>
+          <a:fontRef idx="minor">
+            <a:schemeClr val="lt1"/>
+          </a:fontRef>
+        </p:style>
+        <p:txBody>
+          <a:bodyPr rtlCol="0" anchor="ctr"/>
+          <a:lstStyle/>
+          <a:p>
+            <a:pPr algn="ctr"/>
+            <a:endParaRPr lang="en-AU" sz="2400"/>
+          </a:p>
+        </p:txBody>
+      </p:sp>
+      <p:sp>
+        <p:nvSpPr>
+          <p:cNvPr id="199" name="Rounded Rectangle 198">
+            <a:extLst>
+              <a:ext uri="{FF2B5EF4-FFF2-40B4-BE49-F238E27FC236}">
+                <a16:creationId xmlns:a16="http://schemas.microsoft.com/office/drawing/2014/main" id="{C1B45731-CA7A-E04F-9673-0F1A3D19359F}"/>
+              </a:ext>
+            </a:extLst>
+          </p:cNvPr>
+          <p:cNvSpPr>
+            <a:spLocks noChangeAspect="1"/>
+          </p:cNvSpPr>
+          <p:nvPr/>
+        </p:nvSpPr>
+        <p:spPr>
+          <a:xfrm>
+            <a:off x="5897348" y="3371315"/>
+            <a:ext cx="3145060" cy="6534685"/>
+          </a:xfrm>
+          <a:prstGeom prst="roundRect">
+            <a:avLst/>
+          </a:prstGeom>
+          <a:solidFill>
+            <a:schemeClr val="bg1"/>
+          </a:solidFill>
+          <a:ln w="38100">
+            <a:noFill/>
+          </a:ln>
+        </p:spPr>
+        <p:style>
+          <a:lnRef idx="2">
+            <a:schemeClr val="accent1">
+              <a:shade val="50000"/>
+            </a:schemeClr>
+          </a:lnRef>
+          <a:fillRef idx="1">
+            <a:schemeClr val="accent1"/>
+          </a:fillRef>
+          <a:effectRef idx="0">
+            <a:schemeClr val="accent1"/>
+          </a:effectRef>
+          <a:fontRef idx="minor">
+            <a:schemeClr val="lt1"/>
+          </a:fontRef>
+        </p:style>
+        <p:txBody>
+          <a:bodyPr rtlCol="0" anchor="ctr"/>
+          <a:lstStyle/>
+          <a:p>
+            <a:pPr algn="ctr"/>
+            <a:endParaRPr lang="en-AU" dirty="0"/>
+          </a:p>
+        </p:txBody>
+      </p:sp>
+      <p:cxnSp>
+        <p:nvCxnSpPr>
+          <p:cNvPr id="155" name="Straight Arrow Connector 154">
+            <a:extLst>
+              <a:ext uri="{FF2B5EF4-FFF2-40B4-BE49-F238E27FC236}">
+                <a16:creationId xmlns:a16="http://schemas.microsoft.com/office/drawing/2014/main" id="{572F4149-86A7-B446-A36F-EEB3CB3CF829}"/>
+              </a:ext>
+            </a:extLst>
+          </p:cNvPr>
+          <p:cNvCxnSpPr>
+            <a:cxnSpLocks/>
+            <a:stCxn id="153" idx="4"/>
+          </p:cNvCxnSpPr>
+          <p:nvPr/>
+        </p:nvCxnSpPr>
+        <p:spPr>
+          <a:xfrm flipH="1">
+            <a:off x="6239841" y="3030035"/>
+            <a:ext cx="164214" cy="4299927"/>
+          </a:xfrm>
+          <a:prstGeom prst="straightConnector1">
+            <a:avLst/>
+          </a:prstGeom>
+          <a:ln w="60325">
+            <a:solidFill>
+              <a:schemeClr val="bg1">
+                <a:lumMod val="50000"/>
+              </a:schemeClr>
+            </a:solidFill>
+            <a:prstDash val="sysDash"/>
+            <a:tailEnd type="triangle"/>
+          </a:ln>
+        </p:spPr>
+        <p:style>
+          <a:lnRef idx="1">
+            <a:schemeClr val="accent1"/>
+          </a:lnRef>
+          <a:fillRef idx="0">
+            <a:schemeClr val="accent1"/>
+          </a:fillRef>
+          <a:effectRef idx="0">
+            <a:schemeClr val="accent1"/>
+          </a:effectRef>
+          <a:fontRef idx="minor">
+            <a:schemeClr val="tx1"/>
+          </a:fontRef>
+        </p:style>
+      </p:cxnSp>
+      <p:sp>
+        <p:nvSpPr>
+          <p:cNvPr id="200" name="TextBox 199">
+            <a:extLst>
+              <a:ext uri="{FF2B5EF4-FFF2-40B4-BE49-F238E27FC236}">
+                <a16:creationId xmlns:a16="http://schemas.microsoft.com/office/drawing/2014/main" id="{9AB44549-CB42-D846-AFF9-F9D7D9C1DD58}"/>
+              </a:ext>
+            </a:extLst>
+          </p:cNvPr>
+          <p:cNvSpPr txBox="1"/>
+          <p:nvPr/>
+        </p:nvSpPr>
+        <p:spPr>
+          <a:xfrm>
+            <a:off x="4781450" y="4429097"/>
+            <a:ext cx="768575" cy="461665"/>
+          </a:xfrm>
+          <a:prstGeom prst="rect">
+            <a:avLst/>
+          </a:prstGeom>
+          <a:noFill/>
+        </p:spPr>
+        <p:txBody>
+          <a:bodyPr wrap="square" rtlCol="0">
+            <a:spAutoFit/>
+          </a:bodyPr>
+          <a:lstStyle/>
+          <a:p>
+            <a:r>
+              <a:rPr lang="en-AU" sz="2400" dirty="0"/>
+              <a:t>O6</a:t>
+            </a:r>
+          </a:p>
+        </p:txBody>
+      </p:sp>
+      <p:sp>
+        <p:nvSpPr>
+          <p:cNvPr id="201" name="TextBox 200">
+            <a:extLst>
+              <a:ext uri="{FF2B5EF4-FFF2-40B4-BE49-F238E27FC236}">
+                <a16:creationId xmlns:a16="http://schemas.microsoft.com/office/drawing/2014/main" id="{BCC3C8E9-1092-6744-838D-960FB2BE1C91}"/>
+              </a:ext>
+            </a:extLst>
+          </p:cNvPr>
+          <p:cNvSpPr txBox="1"/>
+          <p:nvPr/>
+        </p:nvSpPr>
+        <p:spPr>
+          <a:xfrm>
+            <a:off x="4619469" y="4776830"/>
+            <a:ext cx="890811" cy="461665"/>
+          </a:xfrm>
+          <a:prstGeom prst="rect">
+            <a:avLst/>
+          </a:prstGeom>
+          <a:noFill/>
+        </p:spPr>
+        <p:txBody>
+          <a:bodyPr wrap="square" rtlCol="0">
+            <a:spAutoFit/>
+          </a:bodyPr>
+          <a:lstStyle/>
+          <a:p>
+            <a:r>
+              <a:rPr lang="en-AU" sz="2400" dirty="0">
+                <a:solidFill>
+                  <a:srgbClr val="0070C0"/>
+                </a:solidFill>
+              </a:rPr>
+              <a:t>D13</a:t>
+            </a:r>
+          </a:p>
+        </p:txBody>
+      </p:sp>
+      <p:sp>
+        <p:nvSpPr>
+          <p:cNvPr id="202" name="TextBox 201">
+            <a:extLst>
+              <a:ext uri="{FF2B5EF4-FFF2-40B4-BE49-F238E27FC236}">
+                <a16:creationId xmlns:a16="http://schemas.microsoft.com/office/drawing/2014/main" id="{2AA3388A-D679-B84C-9D64-732B9BB65C50}"/>
+              </a:ext>
+            </a:extLst>
+          </p:cNvPr>
+          <p:cNvSpPr txBox="1"/>
+          <p:nvPr/>
+        </p:nvSpPr>
+        <p:spPr>
+          <a:xfrm>
+            <a:off x="3969916" y="3831963"/>
+            <a:ext cx="420691" cy="461665"/>
+          </a:xfrm>
+          <a:prstGeom prst="rect">
+            <a:avLst/>
+          </a:prstGeom>
+          <a:solidFill>
+            <a:schemeClr val="bg1">
+              <a:lumMod val="50000"/>
+            </a:schemeClr>
+          </a:solidFill>
+        </p:spPr>
+        <p:txBody>
+          <a:bodyPr wrap="square" rtlCol="0">
+            <a:spAutoFit/>
+          </a:bodyPr>
+          <a:lstStyle/>
+          <a:p>
+            <a:pPr algn="ctr"/>
+            <a:r>
+              <a:rPr lang="en-AU" sz="2400" dirty="0">
+                <a:solidFill>
+                  <a:schemeClr val="bg1"/>
+                </a:solidFill>
+              </a:rPr>
+              <a:t>A</a:t>
+            </a:r>
+          </a:p>
+        </p:txBody>
+      </p:sp>
+      <p:sp>
+        <p:nvSpPr>
+          <p:cNvPr id="203" name="TextBox 202">
+            <a:extLst>
+              <a:ext uri="{FF2B5EF4-FFF2-40B4-BE49-F238E27FC236}">
+                <a16:creationId xmlns:a16="http://schemas.microsoft.com/office/drawing/2014/main" id="{A70D7E3B-7C97-7845-8855-C327D92E03AB}"/>
+              </a:ext>
+            </a:extLst>
+          </p:cNvPr>
+          <p:cNvSpPr txBox="1"/>
+          <p:nvPr/>
+        </p:nvSpPr>
+        <p:spPr>
+          <a:xfrm>
+            <a:off x="3759570" y="5153428"/>
+            <a:ext cx="420691" cy="461665"/>
+          </a:xfrm>
+          <a:prstGeom prst="rect">
+            <a:avLst/>
+          </a:prstGeom>
+          <a:solidFill>
+            <a:schemeClr val="bg1">
+              <a:lumMod val="50000"/>
+            </a:schemeClr>
+          </a:solidFill>
+        </p:spPr>
+        <p:txBody>
+          <a:bodyPr wrap="square" rtlCol="0">
+            <a:spAutoFit/>
+          </a:bodyPr>
+          <a:lstStyle/>
+          <a:p>
+            <a:pPr algn="ctr"/>
+            <a:r>
+              <a:rPr lang="en-AU" sz="2400" dirty="0">
+                <a:solidFill>
+                  <a:schemeClr val="bg1"/>
+                </a:solidFill>
+              </a:rPr>
+              <a:t>B</a:t>
+            </a:r>
+          </a:p>
+        </p:txBody>
+      </p:sp>
+      <p:sp>
+        <p:nvSpPr>
+          <p:cNvPr id="204" name="TextBox 203">
+            <a:extLst>
+              <a:ext uri="{FF2B5EF4-FFF2-40B4-BE49-F238E27FC236}">
+                <a16:creationId xmlns:a16="http://schemas.microsoft.com/office/drawing/2014/main" id="{CDC73D31-1B33-AD47-A6D1-1EB47F8C8A23}"/>
+              </a:ext>
+            </a:extLst>
+          </p:cNvPr>
+          <p:cNvSpPr txBox="1"/>
+          <p:nvPr/>
+        </p:nvSpPr>
+        <p:spPr>
+          <a:xfrm>
+            <a:off x="5667104" y="3692726"/>
+            <a:ext cx="420691" cy="461665"/>
+          </a:xfrm>
+          <a:prstGeom prst="rect">
+            <a:avLst/>
+          </a:prstGeom>
+          <a:solidFill>
+            <a:schemeClr val="bg1">
+              <a:lumMod val="50000"/>
+            </a:schemeClr>
+          </a:solidFill>
+        </p:spPr>
+        <p:txBody>
+          <a:bodyPr wrap="square" rtlCol="0">
+            <a:spAutoFit/>
+          </a:bodyPr>
+          <a:lstStyle/>
+          <a:p>
+            <a:pPr algn="ctr"/>
+            <a:r>
+              <a:rPr lang="en-AU" sz="2400" dirty="0">
+                <a:solidFill>
+                  <a:schemeClr val="bg1"/>
+                </a:solidFill>
+              </a:rPr>
+              <a:t>C</a:t>
+            </a:r>
+          </a:p>
+        </p:txBody>
+      </p:sp>
+      <p:sp>
+        <p:nvSpPr>
+          <p:cNvPr id="205" name="TextBox 204">
+            <a:extLst>
+              <a:ext uri="{FF2B5EF4-FFF2-40B4-BE49-F238E27FC236}">
+                <a16:creationId xmlns:a16="http://schemas.microsoft.com/office/drawing/2014/main" id="{F65D460F-809F-8644-BFD8-2CC382E66FFB}"/>
+              </a:ext>
+            </a:extLst>
+          </p:cNvPr>
+          <p:cNvSpPr txBox="1"/>
+          <p:nvPr/>
+        </p:nvSpPr>
+        <p:spPr>
+          <a:xfrm>
+            <a:off x="5392508" y="5395501"/>
+            <a:ext cx="420691" cy="461665"/>
+          </a:xfrm>
+          <a:prstGeom prst="rect">
+            <a:avLst/>
+          </a:prstGeom>
+          <a:solidFill>
+            <a:schemeClr val="bg1">
+              <a:lumMod val="50000"/>
+            </a:schemeClr>
+          </a:solidFill>
+        </p:spPr>
+        <p:txBody>
+          <a:bodyPr wrap="square" rtlCol="0">
+            <a:spAutoFit/>
+          </a:bodyPr>
+          <a:lstStyle/>
+          <a:p>
+            <a:pPr algn="ctr"/>
+            <a:r>
+              <a:rPr lang="en-AU" sz="2400" dirty="0">
+                <a:solidFill>
+                  <a:schemeClr val="bg1"/>
+                </a:solidFill>
+              </a:rPr>
+              <a:t>D</a:t>
+            </a:r>
+          </a:p>
+        </p:txBody>
+      </p:sp>
+      <p:sp>
+        <p:nvSpPr>
+          <p:cNvPr id="207" name="TextBox 206">
+            <a:extLst>
+              <a:ext uri="{FF2B5EF4-FFF2-40B4-BE49-F238E27FC236}">
+                <a16:creationId xmlns:a16="http://schemas.microsoft.com/office/drawing/2014/main" id="{75180F95-EE5E-3641-B39A-3CD60B394660}"/>
+              </a:ext>
+            </a:extLst>
+          </p:cNvPr>
+          <p:cNvSpPr txBox="1"/>
+          <p:nvPr/>
+        </p:nvSpPr>
+        <p:spPr>
+          <a:xfrm>
+            <a:off x="4259566" y="6339962"/>
+            <a:ext cx="617694" cy="461665"/>
+          </a:xfrm>
+          <a:prstGeom prst="rect">
+            <a:avLst/>
+          </a:prstGeom>
+          <a:solidFill>
+            <a:schemeClr val="bg1">
+              <a:lumMod val="50000"/>
+            </a:schemeClr>
+          </a:solidFill>
+        </p:spPr>
+        <p:txBody>
+          <a:bodyPr wrap="square" rtlCol="0">
+            <a:spAutoFit/>
+          </a:bodyPr>
+          <a:lstStyle/>
+          <a:p>
+            <a:pPr algn="ctr"/>
+            <a:r>
+              <a:rPr lang="en-AU" sz="2400" dirty="0">
+                <a:solidFill>
+                  <a:schemeClr val="bg1"/>
+                </a:solidFill>
+              </a:rPr>
+              <a:t>B</a:t>
+            </a:r>
+            <a:r>
+              <a:rPr lang="en-AU" sz="2400" baseline="-25000" dirty="0">
+                <a:solidFill>
+                  <a:schemeClr val="bg1"/>
+                </a:solidFill>
+              </a:rPr>
+              <a:t>2</a:t>
+            </a:r>
+          </a:p>
+        </p:txBody>
+      </p:sp>
+      <p:sp>
+        <p:nvSpPr>
+          <p:cNvPr id="208" name="TextBox 207">
+            <a:extLst>
+              <a:ext uri="{FF2B5EF4-FFF2-40B4-BE49-F238E27FC236}">
+                <a16:creationId xmlns:a16="http://schemas.microsoft.com/office/drawing/2014/main" id="{2892918F-30E4-8745-9A7D-0C31F06B6319}"/>
+              </a:ext>
+            </a:extLst>
+          </p:cNvPr>
+          <p:cNvSpPr txBox="1"/>
+          <p:nvPr/>
+        </p:nvSpPr>
+        <p:spPr>
+          <a:xfrm>
+            <a:off x="3791135" y="7709616"/>
+            <a:ext cx="599472" cy="461665"/>
+          </a:xfrm>
+          <a:prstGeom prst="rect">
+            <a:avLst/>
+          </a:prstGeom>
+          <a:solidFill>
+            <a:schemeClr val="bg1">
+              <a:lumMod val="50000"/>
+            </a:schemeClr>
+          </a:solidFill>
+        </p:spPr>
+        <p:txBody>
+          <a:bodyPr wrap="square" rtlCol="0">
+            <a:spAutoFit/>
+          </a:bodyPr>
+          <a:lstStyle/>
+          <a:p>
+            <a:pPr algn="ctr"/>
+            <a:r>
+              <a:rPr lang="en-AU" sz="2400" dirty="0">
+                <a:solidFill>
+                  <a:schemeClr val="bg1"/>
+                </a:solidFill>
+              </a:rPr>
+              <a:t>B</a:t>
+            </a:r>
+            <a:r>
+              <a:rPr lang="en-AU" sz="2400" baseline="-25000" dirty="0">
+                <a:solidFill>
+                  <a:schemeClr val="bg1"/>
+                </a:solidFill>
+              </a:rPr>
+              <a:t>3</a:t>
+            </a:r>
+            <a:endParaRPr lang="en-AU" sz="2400" dirty="0">
+              <a:solidFill>
+                <a:schemeClr val="bg1"/>
+              </a:solidFill>
+            </a:endParaRPr>
+          </a:p>
+        </p:txBody>
+      </p:sp>
+      <p:cxnSp>
+        <p:nvCxnSpPr>
+          <p:cNvPr id="212" name="Straight Arrow Connector 211">
+            <a:extLst>
+              <a:ext uri="{FF2B5EF4-FFF2-40B4-BE49-F238E27FC236}">
+                <a16:creationId xmlns:a16="http://schemas.microsoft.com/office/drawing/2014/main" id="{2DC3DD51-0759-9A43-B8CA-3BE3D53E1F5C}"/>
+              </a:ext>
+            </a:extLst>
+          </p:cNvPr>
+          <p:cNvCxnSpPr>
+            <a:cxnSpLocks/>
+          </p:cNvCxnSpPr>
+          <p:nvPr/>
+        </p:nvCxnSpPr>
+        <p:spPr>
+          <a:xfrm flipV="1">
+            <a:off x="755983" y="7911281"/>
+            <a:ext cx="0" cy="477304"/>
+          </a:xfrm>
+          <a:prstGeom prst="straightConnector1">
+            <a:avLst/>
+          </a:prstGeom>
+          <a:ln w="60325">
+            <a:solidFill>
+              <a:schemeClr val="tx1"/>
+            </a:solidFill>
+            <a:prstDash val="solid"/>
+            <a:tailEnd type="triangle"/>
+          </a:ln>
+        </p:spPr>
+        <p:style>
+          <a:lnRef idx="1">
+            <a:schemeClr val="accent1"/>
+          </a:lnRef>
+          <a:fillRef idx="0">
+            <a:schemeClr val="accent1"/>
+          </a:fillRef>
+          <a:effectRef idx="0">
+            <a:schemeClr val="accent1"/>
+          </a:effectRef>
+          <a:fontRef idx="minor">
+            <a:schemeClr val="tx1"/>
+          </a:fontRef>
+        </p:style>
+      </p:cxnSp>
+      <p:cxnSp>
+        <p:nvCxnSpPr>
+          <p:cNvPr id="216" name="Straight Arrow Connector 215">
+            <a:extLst>
+              <a:ext uri="{FF2B5EF4-FFF2-40B4-BE49-F238E27FC236}">
+                <a16:creationId xmlns:a16="http://schemas.microsoft.com/office/drawing/2014/main" id="{33AA4AB5-FE6B-0A4E-B926-34DCE20CAF2C}"/>
+              </a:ext>
+            </a:extLst>
+          </p:cNvPr>
+          <p:cNvCxnSpPr>
+            <a:cxnSpLocks/>
+          </p:cNvCxnSpPr>
+          <p:nvPr/>
+        </p:nvCxnSpPr>
+        <p:spPr>
+          <a:xfrm flipH="1" flipV="1">
+            <a:off x="4465972" y="4105891"/>
+            <a:ext cx="411288" cy="418570"/>
+          </a:xfrm>
+          <a:prstGeom prst="straightConnector1">
+            <a:avLst/>
+          </a:prstGeom>
+          <a:ln w="60325">
+            <a:solidFill>
+              <a:schemeClr val="tx1"/>
+            </a:solidFill>
+            <a:prstDash val="solid"/>
+            <a:tailEnd type="triangle"/>
+          </a:ln>
+        </p:spPr>
+        <p:style>
+          <a:lnRef idx="1">
+            <a:schemeClr val="accent1"/>
+          </a:lnRef>
+          <a:fillRef idx="0">
+            <a:schemeClr val="accent1"/>
+          </a:fillRef>
+          <a:effectRef idx="0">
+            <a:schemeClr val="accent1"/>
+          </a:effectRef>
+          <a:fontRef idx="minor">
+            <a:schemeClr val="tx1"/>
+          </a:fontRef>
+        </p:style>
+      </p:cxnSp>
+      <p:cxnSp>
+        <p:nvCxnSpPr>
+          <p:cNvPr id="219" name="Straight Arrow Connector 218">
+            <a:extLst>
+              <a:ext uri="{FF2B5EF4-FFF2-40B4-BE49-F238E27FC236}">
+                <a16:creationId xmlns:a16="http://schemas.microsoft.com/office/drawing/2014/main" id="{D819408A-AAB0-E842-B81B-B3879479F56F}"/>
+              </a:ext>
+            </a:extLst>
+          </p:cNvPr>
+          <p:cNvCxnSpPr>
+            <a:cxnSpLocks/>
+          </p:cNvCxnSpPr>
+          <p:nvPr/>
+        </p:nvCxnSpPr>
+        <p:spPr>
+          <a:xfrm flipH="1">
+            <a:off x="4188750" y="4730917"/>
+            <a:ext cx="672242" cy="623778"/>
+          </a:xfrm>
+          <a:prstGeom prst="straightConnector1">
+            <a:avLst/>
+          </a:prstGeom>
+          <a:ln w="60325">
+            <a:solidFill>
+              <a:schemeClr val="tx1"/>
+            </a:solidFill>
+            <a:prstDash val="solid"/>
+            <a:tailEnd type="triangle"/>
+          </a:ln>
+        </p:spPr>
+        <p:style>
+          <a:lnRef idx="1">
+            <a:schemeClr val="accent1"/>
+          </a:lnRef>
+          <a:fillRef idx="0">
+            <a:schemeClr val="accent1"/>
+          </a:fillRef>
+          <a:effectRef idx="0">
+            <a:schemeClr val="accent1"/>
+          </a:effectRef>
+          <a:fontRef idx="minor">
+            <a:schemeClr val="tx1"/>
+          </a:fontRef>
+        </p:style>
+      </p:cxnSp>
+      <p:cxnSp>
+        <p:nvCxnSpPr>
+          <p:cNvPr id="223" name="Straight Arrow Connector 222">
+            <a:extLst>
+              <a:ext uri="{FF2B5EF4-FFF2-40B4-BE49-F238E27FC236}">
+                <a16:creationId xmlns:a16="http://schemas.microsoft.com/office/drawing/2014/main" id="{1BD9C5BC-276C-3945-B14C-937060F97E83}"/>
+              </a:ext>
+            </a:extLst>
+          </p:cNvPr>
+          <p:cNvCxnSpPr>
+            <a:cxnSpLocks/>
+          </p:cNvCxnSpPr>
+          <p:nvPr/>
+        </p:nvCxnSpPr>
+        <p:spPr>
+          <a:xfrm>
+            <a:off x="4091773" y="5625034"/>
+            <a:ext cx="337833" cy="675079"/>
+          </a:xfrm>
+          <a:prstGeom prst="straightConnector1">
+            <a:avLst/>
+          </a:prstGeom>
+          <a:ln w="60325">
+            <a:solidFill>
+              <a:schemeClr val="tx1"/>
+            </a:solidFill>
+            <a:prstDash val="solid"/>
+            <a:tailEnd type="triangle"/>
+          </a:ln>
+        </p:spPr>
+        <p:style>
+          <a:lnRef idx="1">
+            <a:schemeClr val="accent1"/>
+          </a:lnRef>
+          <a:fillRef idx="0">
+            <a:schemeClr val="accent1"/>
+          </a:fillRef>
+          <a:effectRef idx="0">
+            <a:schemeClr val="accent1"/>
+          </a:effectRef>
+          <a:fontRef idx="minor">
+            <a:schemeClr val="tx1"/>
+          </a:fontRef>
+        </p:style>
+      </p:cxnSp>
+      <p:cxnSp>
+        <p:nvCxnSpPr>
+          <p:cNvPr id="227" name="Straight Arrow Connector 226">
+            <a:extLst>
+              <a:ext uri="{FF2B5EF4-FFF2-40B4-BE49-F238E27FC236}">
+                <a16:creationId xmlns:a16="http://schemas.microsoft.com/office/drawing/2014/main" id="{BA3E60BD-1F36-2A4E-9F5D-C8E14089D6AE}"/>
+              </a:ext>
+            </a:extLst>
+          </p:cNvPr>
+          <p:cNvCxnSpPr>
+            <a:cxnSpLocks/>
+            <a:endCxn id="205" idx="0"/>
+          </p:cNvCxnSpPr>
+          <p:nvPr/>
+        </p:nvCxnSpPr>
+        <p:spPr>
+          <a:xfrm>
+            <a:off x="5227552" y="4777297"/>
+            <a:ext cx="375302" cy="618204"/>
+          </a:xfrm>
+          <a:prstGeom prst="straightConnector1">
+            <a:avLst/>
+          </a:prstGeom>
+          <a:ln w="60325">
+            <a:solidFill>
+              <a:schemeClr val="tx1"/>
+            </a:solidFill>
+            <a:prstDash val="solid"/>
+            <a:tailEnd type="triangle"/>
+          </a:ln>
+        </p:spPr>
+        <p:style>
+          <a:lnRef idx="1">
+            <a:schemeClr val="accent1"/>
+          </a:lnRef>
+          <a:fillRef idx="0">
+            <a:schemeClr val="accent1"/>
+          </a:fillRef>
+          <a:effectRef idx="0">
+            <a:schemeClr val="accent1"/>
+          </a:effectRef>
+          <a:fontRef idx="minor">
+            <a:schemeClr val="tx1"/>
+          </a:fontRef>
+        </p:style>
+      </p:cxnSp>
+      <p:cxnSp>
+        <p:nvCxnSpPr>
+          <p:cNvPr id="232" name="Straight Arrow Connector 231">
+            <a:extLst>
+              <a:ext uri="{FF2B5EF4-FFF2-40B4-BE49-F238E27FC236}">
+                <a16:creationId xmlns:a16="http://schemas.microsoft.com/office/drawing/2014/main" id="{F28E0E7B-3F2D-BB43-9C99-FD144A9A7E5F}"/>
+              </a:ext>
+            </a:extLst>
+          </p:cNvPr>
+          <p:cNvCxnSpPr>
+            <a:cxnSpLocks/>
+          </p:cNvCxnSpPr>
+          <p:nvPr/>
+        </p:nvCxnSpPr>
+        <p:spPr>
+          <a:xfrm flipV="1">
+            <a:off x="5214883" y="4099320"/>
+            <a:ext cx="439776" cy="416829"/>
+          </a:xfrm>
+          <a:prstGeom prst="straightConnector1">
+            <a:avLst/>
+          </a:prstGeom>
+          <a:ln w="60325">
+            <a:solidFill>
+              <a:schemeClr val="tx1"/>
+            </a:solidFill>
+            <a:prstDash val="solid"/>
+            <a:tailEnd type="triangle"/>
+          </a:ln>
+        </p:spPr>
+        <p:style>
+          <a:lnRef idx="1">
+            <a:schemeClr val="accent1"/>
+          </a:lnRef>
+          <a:fillRef idx="0">
+            <a:schemeClr val="accent1"/>
+          </a:fillRef>
+          <a:effectRef idx="0">
+            <a:schemeClr val="accent1"/>
+          </a:effectRef>
+          <a:fontRef idx="minor">
+            <a:schemeClr val="tx1"/>
+          </a:fontRef>
+        </p:style>
+      </p:cxnSp>
+      <p:sp>
+        <p:nvSpPr>
+          <p:cNvPr id="240" name="Arc 239">
+            <a:extLst>
+              <a:ext uri="{FF2B5EF4-FFF2-40B4-BE49-F238E27FC236}">
+                <a16:creationId xmlns:a16="http://schemas.microsoft.com/office/drawing/2014/main" id="{3185131F-18A5-D447-B53A-2FE73D64DC78}"/>
+              </a:ext>
+            </a:extLst>
+          </p:cNvPr>
+          <p:cNvSpPr/>
+          <p:nvPr/>
+        </p:nvSpPr>
+        <p:spPr>
+          <a:xfrm rot="20863293" flipH="1">
+            <a:off x="3905430" y="4696492"/>
+            <a:ext cx="892146" cy="6178958"/>
+          </a:xfrm>
+          <a:prstGeom prst="arc">
+            <a:avLst>
+              <a:gd name="adj1" fmla="val 16131872"/>
+              <a:gd name="adj2" fmla="val 20052714"/>
+            </a:avLst>
+          </a:prstGeom>
+          <a:ln w="82550">
+            <a:solidFill>
+              <a:schemeClr val="tx1"/>
+            </a:solidFill>
+            <a:prstDash val="sysDot"/>
+            <a:tailEnd type="stealth"/>
+          </a:ln>
+        </p:spPr>
+        <p:style>
+          <a:lnRef idx="1">
+            <a:schemeClr val="accent1"/>
+          </a:lnRef>
+          <a:fillRef idx="0">
+            <a:schemeClr val="accent1"/>
+          </a:fillRef>
+          <a:effectRef idx="0">
+            <a:schemeClr val="accent1"/>
+          </a:effectRef>
+          <a:fontRef idx="minor">
+            <a:schemeClr val="tx1"/>
+          </a:fontRef>
+        </p:style>
+        <p:txBody>
+          <a:bodyPr rtlCol="0" anchor="ctr"/>
+          <a:lstStyle/>
+          <a:p>
+            <a:pPr algn="ctr"/>
+            <a:endParaRPr lang="en-AU"/>
+          </a:p>
+        </p:txBody>
+      </p:sp>
+      <p:cxnSp>
+        <p:nvCxnSpPr>
+          <p:cNvPr id="241" name="Straight Arrow Connector 240">
+            <a:extLst>
+              <a:ext uri="{FF2B5EF4-FFF2-40B4-BE49-F238E27FC236}">
+                <a16:creationId xmlns:a16="http://schemas.microsoft.com/office/drawing/2014/main" id="{84FEF031-8A04-C04E-B667-24348F8014D3}"/>
+              </a:ext>
+            </a:extLst>
+          </p:cNvPr>
+          <p:cNvCxnSpPr>
+            <a:cxnSpLocks/>
+          </p:cNvCxnSpPr>
+          <p:nvPr/>
+        </p:nvCxnSpPr>
+        <p:spPr>
+          <a:xfrm>
+            <a:off x="3968875" y="5615093"/>
+            <a:ext cx="14849" cy="1851322"/>
+          </a:xfrm>
+          <a:prstGeom prst="straightConnector1">
+            <a:avLst/>
+          </a:prstGeom>
+          <a:ln w="60325">
+            <a:solidFill>
+              <a:schemeClr val="tx1"/>
+            </a:solidFill>
+            <a:prstDash val="solid"/>
+            <a:tailEnd type="triangle"/>
+          </a:ln>
+        </p:spPr>
+        <p:style>
+          <a:lnRef idx="1">
+            <a:schemeClr val="accent1"/>
+          </a:lnRef>
+          <a:fillRef idx="0">
+            <a:schemeClr val="accent1"/>
+          </a:fillRef>
+          <a:effectRef idx="0">
+            <a:schemeClr val="accent1"/>
+          </a:effectRef>
+          <a:fontRef idx="minor">
+            <a:schemeClr val="tx1"/>
+          </a:fontRef>
+        </p:style>
+      </p:cxnSp>
+      <p:sp>
+        <p:nvSpPr>
+          <p:cNvPr id="245" name="TextBox 244">
+            <a:extLst>
+              <a:ext uri="{FF2B5EF4-FFF2-40B4-BE49-F238E27FC236}">
+                <a16:creationId xmlns:a16="http://schemas.microsoft.com/office/drawing/2014/main" id="{F463C750-E98A-4E4D-9D1A-A27D996BFA1A}"/>
+              </a:ext>
+            </a:extLst>
+          </p:cNvPr>
+          <p:cNvSpPr txBox="1"/>
+          <p:nvPr/>
+        </p:nvSpPr>
+        <p:spPr>
+          <a:xfrm>
+            <a:off x="5339492" y="8109708"/>
+            <a:ext cx="515643" cy="461665"/>
+          </a:xfrm>
+          <a:prstGeom prst="rect">
+            <a:avLst/>
+          </a:prstGeom>
+          <a:solidFill>
+            <a:schemeClr val="bg1">
+              <a:lumMod val="50000"/>
+            </a:schemeClr>
+          </a:solidFill>
+        </p:spPr>
+        <p:txBody>
+          <a:bodyPr wrap="square" rtlCol="0">
+            <a:spAutoFit/>
+          </a:bodyPr>
+          <a:lstStyle/>
+          <a:p>
+            <a:pPr algn="ctr"/>
+            <a:r>
+              <a:rPr lang="en-AU" sz="2400" dirty="0">
+                <a:solidFill>
+                  <a:schemeClr val="bg1"/>
+                </a:solidFill>
+              </a:rPr>
+              <a:t>D</a:t>
+            </a:r>
+            <a:r>
+              <a:rPr lang="en-AU" sz="2400" baseline="-25000" dirty="0">
+                <a:solidFill>
+                  <a:schemeClr val="bg1"/>
+                </a:solidFill>
+              </a:rPr>
+              <a:t>2</a:t>
+            </a:r>
+          </a:p>
+        </p:txBody>
+      </p:sp>
+      <p:sp>
+        <p:nvSpPr>
+          <p:cNvPr id="246" name="Arc 245">
+            <a:extLst>
+              <a:ext uri="{FF2B5EF4-FFF2-40B4-BE49-F238E27FC236}">
+                <a16:creationId xmlns:a16="http://schemas.microsoft.com/office/drawing/2014/main" id="{9B586CBF-9A2E-7842-9F8E-92FDE133B94B}"/>
+              </a:ext>
+            </a:extLst>
+          </p:cNvPr>
+          <p:cNvSpPr/>
+          <p:nvPr/>
+        </p:nvSpPr>
+        <p:spPr>
+          <a:xfrm rot="18126949" flipH="1">
+            <a:off x="5457045" y="5645836"/>
+            <a:ext cx="362987" cy="4640040"/>
+          </a:xfrm>
+          <a:prstGeom prst="arc">
+            <a:avLst>
+              <a:gd name="adj1" fmla="val 16131872"/>
+              <a:gd name="adj2" fmla="val 20258141"/>
+            </a:avLst>
+          </a:prstGeom>
+          <a:ln w="82550">
+            <a:solidFill>
+              <a:schemeClr val="tx1"/>
+            </a:solidFill>
+            <a:prstDash val="sysDot"/>
+            <a:tailEnd type="stealth"/>
+          </a:ln>
+        </p:spPr>
+        <p:style>
+          <a:lnRef idx="1">
+            <a:schemeClr val="accent1"/>
+          </a:lnRef>
+          <a:fillRef idx="0">
+            <a:schemeClr val="accent1"/>
+          </a:fillRef>
+          <a:effectRef idx="0">
+            <a:schemeClr val="accent1"/>
+          </a:effectRef>
+          <a:fontRef idx="minor">
+            <a:schemeClr val="tx1"/>
+          </a:fontRef>
+        </p:style>
+        <p:txBody>
+          <a:bodyPr rtlCol="0" anchor="ctr"/>
+          <a:lstStyle/>
+          <a:p>
+            <a:pPr algn="ctr"/>
+            <a:endParaRPr lang="en-AU"/>
+          </a:p>
+        </p:txBody>
+      </p:sp>
+      <p:cxnSp>
+        <p:nvCxnSpPr>
+          <p:cNvPr id="247" name="Straight Arrow Connector 246">
+            <a:extLst>
+              <a:ext uri="{FF2B5EF4-FFF2-40B4-BE49-F238E27FC236}">
+                <a16:creationId xmlns:a16="http://schemas.microsoft.com/office/drawing/2014/main" id="{41BDE6E3-996F-CB4B-86B2-57D876E47852}"/>
+              </a:ext>
+            </a:extLst>
+          </p:cNvPr>
+          <p:cNvCxnSpPr>
+            <a:cxnSpLocks/>
+            <a:stCxn id="205" idx="2"/>
+            <a:endCxn id="245" idx="0"/>
+          </p:cNvCxnSpPr>
+          <p:nvPr/>
+        </p:nvCxnSpPr>
+        <p:spPr>
+          <a:xfrm flipH="1">
+            <a:off x="5597314" y="5857166"/>
+            <a:ext cx="5540" cy="2252542"/>
+          </a:xfrm>
+          <a:prstGeom prst="straightConnector1">
+            <a:avLst/>
+          </a:prstGeom>
+          <a:ln w="60325">
+            <a:solidFill>
+              <a:schemeClr val="tx1"/>
+            </a:solidFill>
+            <a:prstDash val="solid"/>
+            <a:tailEnd type="triangle"/>
+          </a:ln>
+        </p:spPr>
+        <p:style>
+          <a:lnRef idx="1">
+            <a:schemeClr val="accent1"/>
+          </a:lnRef>
+          <a:fillRef idx="0">
+            <a:schemeClr val="accent1"/>
+          </a:fillRef>
+          <a:effectRef idx="0">
+            <a:schemeClr val="accent1"/>
+          </a:effectRef>
+          <a:fontRef idx="minor">
+            <a:schemeClr val="tx1"/>
+          </a:fontRef>
+        </p:style>
+      </p:cxnSp>
+      <p:sp>
+        <p:nvSpPr>
+          <p:cNvPr id="252" name="Arc 251">
+            <a:extLst>
+              <a:ext uri="{FF2B5EF4-FFF2-40B4-BE49-F238E27FC236}">
+                <a16:creationId xmlns:a16="http://schemas.microsoft.com/office/drawing/2014/main" id="{7AFC3B87-5EC7-D441-9E80-FD5EEF99AB1F}"/>
+              </a:ext>
+            </a:extLst>
+          </p:cNvPr>
+          <p:cNvSpPr/>
+          <p:nvPr/>
+        </p:nvSpPr>
+        <p:spPr>
+          <a:xfrm rot="16522810" flipH="1">
+            <a:off x="6137233" y="1756473"/>
+            <a:ext cx="1883422" cy="6482354"/>
+          </a:xfrm>
+          <a:prstGeom prst="arc">
+            <a:avLst>
+              <a:gd name="adj1" fmla="val 16131872"/>
+              <a:gd name="adj2" fmla="val 17963362"/>
+            </a:avLst>
+          </a:prstGeom>
+          <a:ln w="82550">
+            <a:solidFill>
+              <a:schemeClr val="tx1"/>
+            </a:solidFill>
+            <a:prstDash val="sysDot"/>
+            <a:tailEnd type="stealth"/>
+          </a:ln>
+        </p:spPr>
+        <p:style>
+          <a:lnRef idx="1">
+            <a:schemeClr val="accent1"/>
+          </a:lnRef>
+          <a:fillRef idx="0">
+            <a:schemeClr val="accent1"/>
+          </a:fillRef>
+          <a:effectRef idx="0">
+            <a:schemeClr val="accent1"/>
+          </a:effectRef>
+          <a:fontRef idx="minor">
+            <a:schemeClr val="tx1"/>
+          </a:fontRef>
+        </p:style>
+        <p:txBody>
+          <a:bodyPr rtlCol="0" anchor="ctr"/>
+          <a:lstStyle/>
+          <a:p>
+            <a:pPr algn="ctr"/>
+            <a:endParaRPr lang="en-AU"/>
+          </a:p>
+        </p:txBody>
+      </p:sp>
+      <p:sp>
+        <p:nvSpPr>
+          <p:cNvPr id="254" name="Arc 253">
+            <a:extLst>
+              <a:ext uri="{FF2B5EF4-FFF2-40B4-BE49-F238E27FC236}">
+                <a16:creationId xmlns:a16="http://schemas.microsoft.com/office/drawing/2014/main" id="{483C3387-E9D3-C64A-A72E-3A68C4560A59}"/>
+              </a:ext>
+            </a:extLst>
+          </p:cNvPr>
+          <p:cNvSpPr/>
+          <p:nvPr/>
+        </p:nvSpPr>
+        <p:spPr>
+          <a:xfrm rot="2273096">
+            <a:off x="2014982" y="5096415"/>
+            <a:ext cx="2105714" cy="3733064"/>
+          </a:xfrm>
+          <a:prstGeom prst="arc">
+            <a:avLst>
+              <a:gd name="adj1" fmla="val 16131872"/>
+              <a:gd name="adj2" fmla="val 17963362"/>
+            </a:avLst>
+          </a:prstGeom>
+          <a:ln w="82550">
+            <a:solidFill>
+              <a:schemeClr val="tx1"/>
+            </a:solidFill>
+            <a:prstDash val="sysDot"/>
+            <a:tailEnd type="stealth"/>
+          </a:ln>
+        </p:spPr>
+        <p:style>
+          <a:lnRef idx="1">
+            <a:schemeClr val="accent1"/>
+          </a:lnRef>
+          <a:fillRef idx="0">
+            <a:schemeClr val="accent1"/>
+          </a:fillRef>
+          <a:effectRef idx="0">
+            <a:schemeClr val="accent1"/>
+          </a:effectRef>
+          <a:fontRef idx="minor">
+            <a:schemeClr val="tx1"/>
+          </a:fontRef>
+        </p:style>
+        <p:txBody>
+          <a:bodyPr rtlCol="0" anchor="ctr"/>
+          <a:lstStyle/>
+          <a:p>
+            <a:pPr algn="ctr"/>
+            <a:endParaRPr lang="en-AU"/>
+          </a:p>
+        </p:txBody>
+      </p:sp>
+      <p:sp>
+        <p:nvSpPr>
+          <p:cNvPr id="255" name="Arc 254">
+            <a:extLst>
+              <a:ext uri="{FF2B5EF4-FFF2-40B4-BE49-F238E27FC236}">
+                <a16:creationId xmlns:a16="http://schemas.microsoft.com/office/drawing/2014/main" id="{CBE08F74-6BF5-FC47-9E8D-CA97A65AEA94}"/>
+              </a:ext>
+            </a:extLst>
+          </p:cNvPr>
+          <p:cNvSpPr/>
+          <p:nvPr/>
+        </p:nvSpPr>
+        <p:spPr>
+          <a:xfrm rot="18724507">
+            <a:off x="4654470" y="3255089"/>
+            <a:ext cx="3913732" cy="6417958"/>
+          </a:xfrm>
+          <a:prstGeom prst="arc">
+            <a:avLst>
+              <a:gd name="adj1" fmla="val 16131872"/>
+              <a:gd name="adj2" fmla="val 17963362"/>
+            </a:avLst>
+          </a:prstGeom>
+          <a:ln w="82550">
+            <a:solidFill>
+              <a:schemeClr val="tx1"/>
+            </a:solidFill>
+            <a:prstDash val="sysDot"/>
+            <a:tailEnd type="stealth"/>
+          </a:ln>
+        </p:spPr>
+        <p:style>
+          <a:lnRef idx="1">
+            <a:schemeClr val="accent1"/>
+          </a:lnRef>
+          <a:fillRef idx="0">
+            <a:schemeClr val="accent1"/>
+          </a:fillRef>
+          <a:effectRef idx="0">
+            <a:schemeClr val="accent1"/>
+          </a:effectRef>
+          <a:fontRef idx="minor">
+            <a:schemeClr val="tx1"/>
+          </a:fontRef>
+        </p:style>
+        <p:txBody>
+          <a:bodyPr rtlCol="0" anchor="ctr"/>
+          <a:lstStyle/>
+          <a:p>
+            <a:pPr algn="ctr"/>
+            <a:endParaRPr lang="en-AU"/>
+          </a:p>
+        </p:txBody>
+      </p:sp>
+      <p:sp>
+        <p:nvSpPr>
+          <p:cNvPr id="258" name="TextBox 257">
+            <a:extLst>
+              <a:ext uri="{FF2B5EF4-FFF2-40B4-BE49-F238E27FC236}">
+                <a16:creationId xmlns:a16="http://schemas.microsoft.com/office/drawing/2014/main" id="{994094E9-B2CA-E24E-A42C-DC23B8836B53}"/>
+              </a:ext>
+            </a:extLst>
+          </p:cNvPr>
+          <p:cNvSpPr txBox="1"/>
+          <p:nvPr/>
+        </p:nvSpPr>
+        <p:spPr>
+          <a:xfrm>
+            <a:off x="201655" y="1915534"/>
+            <a:ext cx="674066" cy="461665"/>
+          </a:xfrm>
+          <a:prstGeom prst="rect">
+            <a:avLst/>
+          </a:prstGeom>
+          <a:noFill/>
+        </p:spPr>
+        <p:txBody>
+          <a:bodyPr wrap="square" rtlCol="0">
+            <a:spAutoFit/>
+          </a:bodyPr>
+          <a:lstStyle/>
+          <a:p>
+            <a:r>
+              <a:rPr lang="en-AU" sz="2400" dirty="0">
+                <a:solidFill>
+                  <a:srgbClr val="00B050"/>
+                </a:solidFill>
+              </a:rPr>
+              <a:t>L1</a:t>
+            </a:r>
+          </a:p>
+        </p:txBody>
+      </p:sp>
+      <p:sp>
+        <p:nvSpPr>
+          <p:cNvPr id="259" name="TextBox 258">
+            <a:extLst>
+              <a:ext uri="{FF2B5EF4-FFF2-40B4-BE49-F238E27FC236}">
+                <a16:creationId xmlns:a16="http://schemas.microsoft.com/office/drawing/2014/main" id="{ED65BADE-6424-964D-8507-C493917D8F08}"/>
+              </a:ext>
+            </a:extLst>
+          </p:cNvPr>
+          <p:cNvSpPr txBox="1"/>
+          <p:nvPr/>
+        </p:nvSpPr>
+        <p:spPr>
+          <a:xfrm>
+            <a:off x="3538954" y="1861938"/>
+            <a:ext cx="674066" cy="461665"/>
+          </a:xfrm>
+          <a:prstGeom prst="rect">
+            <a:avLst/>
+          </a:prstGeom>
+          <a:noFill/>
+        </p:spPr>
+        <p:txBody>
+          <a:bodyPr wrap="square" rtlCol="0">
+            <a:spAutoFit/>
+          </a:bodyPr>
+          <a:lstStyle/>
+          <a:p>
+            <a:r>
+              <a:rPr lang="en-AU" sz="2400" dirty="0">
+                <a:solidFill>
+                  <a:srgbClr val="00B050"/>
+                </a:solidFill>
+              </a:rPr>
+              <a:t>L2</a:t>
+            </a:r>
+          </a:p>
+        </p:txBody>
+      </p:sp>
+      <p:sp>
+        <p:nvSpPr>
+          <p:cNvPr id="260" name="TextBox 259">
+            <a:extLst>
+              <a:ext uri="{FF2B5EF4-FFF2-40B4-BE49-F238E27FC236}">
+                <a16:creationId xmlns:a16="http://schemas.microsoft.com/office/drawing/2014/main" id="{0C20EE6A-45A8-4D48-9263-0F5045AA4881}"/>
+              </a:ext>
+            </a:extLst>
+          </p:cNvPr>
+          <p:cNvSpPr txBox="1"/>
+          <p:nvPr/>
+        </p:nvSpPr>
+        <p:spPr>
+          <a:xfrm>
+            <a:off x="192264" y="3637521"/>
+            <a:ext cx="674066" cy="461665"/>
+          </a:xfrm>
+          <a:prstGeom prst="rect">
+            <a:avLst/>
+          </a:prstGeom>
+          <a:noFill/>
+        </p:spPr>
+        <p:txBody>
+          <a:bodyPr wrap="square" rtlCol="0">
+            <a:spAutoFit/>
+          </a:bodyPr>
+          <a:lstStyle/>
+          <a:p>
+            <a:r>
+              <a:rPr lang="en-AU" sz="2400" dirty="0">
+                <a:solidFill>
+                  <a:srgbClr val="00B050"/>
+                </a:solidFill>
+              </a:rPr>
+              <a:t>M1</a:t>
+            </a:r>
+          </a:p>
+        </p:txBody>
+      </p:sp>
+      <p:sp>
+        <p:nvSpPr>
+          <p:cNvPr id="261" name="TextBox 260">
+            <a:extLst>
+              <a:ext uri="{FF2B5EF4-FFF2-40B4-BE49-F238E27FC236}">
+                <a16:creationId xmlns:a16="http://schemas.microsoft.com/office/drawing/2014/main" id="{7BFC3E75-DC56-6D4D-936A-F8B327DFE2C2}"/>
+              </a:ext>
+            </a:extLst>
+          </p:cNvPr>
+          <p:cNvSpPr txBox="1"/>
+          <p:nvPr/>
+        </p:nvSpPr>
+        <p:spPr>
+          <a:xfrm>
+            <a:off x="209585" y="5352993"/>
+            <a:ext cx="674066" cy="461665"/>
+          </a:xfrm>
+          <a:prstGeom prst="rect">
+            <a:avLst/>
+          </a:prstGeom>
+          <a:noFill/>
+        </p:spPr>
+        <p:txBody>
+          <a:bodyPr wrap="square" rtlCol="0">
+            <a:spAutoFit/>
+          </a:bodyPr>
+          <a:lstStyle/>
+          <a:p>
+            <a:r>
+              <a:rPr lang="en-AU" sz="2400" dirty="0">
+                <a:solidFill>
+                  <a:srgbClr val="00B050"/>
+                </a:solidFill>
+              </a:rPr>
+              <a:t>M2</a:t>
+            </a:r>
+          </a:p>
+        </p:txBody>
+      </p:sp>
+      <p:sp>
+        <p:nvSpPr>
+          <p:cNvPr id="262" name="TextBox 261">
+            <a:extLst>
+              <a:ext uri="{FF2B5EF4-FFF2-40B4-BE49-F238E27FC236}">
+                <a16:creationId xmlns:a16="http://schemas.microsoft.com/office/drawing/2014/main" id="{AEE92F50-97B0-B743-BC12-265DCFDC9A3E}"/>
+              </a:ext>
+            </a:extLst>
+          </p:cNvPr>
+          <p:cNvSpPr txBox="1"/>
+          <p:nvPr/>
+        </p:nvSpPr>
+        <p:spPr>
+          <a:xfrm>
+            <a:off x="2927598" y="7018190"/>
+            <a:ext cx="674066" cy="461665"/>
+          </a:xfrm>
+          <a:prstGeom prst="rect">
+            <a:avLst/>
+          </a:prstGeom>
+          <a:noFill/>
+        </p:spPr>
+        <p:txBody>
+          <a:bodyPr wrap="square" rtlCol="0">
+            <a:spAutoFit/>
+          </a:bodyPr>
+          <a:lstStyle/>
+          <a:p>
+            <a:r>
+              <a:rPr lang="en-AU" sz="2400" dirty="0">
+                <a:solidFill>
+                  <a:srgbClr val="00B050"/>
+                </a:solidFill>
+              </a:rPr>
+              <a:t>N</a:t>
+            </a:r>
+          </a:p>
+        </p:txBody>
+      </p:sp>
+      <p:sp>
+        <p:nvSpPr>
+          <p:cNvPr id="263" name="TextBox 262">
+            <a:extLst>
+              <a:ext uri="{FF2B5EF4-FFF2-40B4-BE49-F238E27FC236}">
+                <a16:creationId xmlns:a16="http://schemas.microsoft.com/office/drawing/2014/main" id="{D539B47F-1DB4-8441-9B39-EBE392D46678}"/>
+              </a:ext>
+            </a:extLst>
+          </p:cNvPr>
+          <p:cNvSpPr txBox="1"/>
+          <p:nvPr/>
+        </p:nvSpPr>
+        <p:spPr>
+          <a:xfrm>
+            <a:off x="3659575" y="3673188"/>
+            <a:ext cx="674066" cy="461665"/>
+          </a:xfrm>
+          <a:prstGeom prst="rect">
+            <a:avLst/>
+          </a:prstGeom>
+          <a:noFill/>
+        </p:spPr>
+        <p:txBody>
+          <a:bodyPr wrap="square" rtlCol="0">
+            <a:spAutoFit/>
+          </a:bodyPr>
+          <a:lstStyle/>
+          <a:p>
+            <a:r>
+              <a:rPr lang="en-AU" sz="2400" dirty="0">
+                <a:solidFill>
+                  <a:srgbClr val="00B050"/>
+                </a:solidFill>
+              </a:rPr>
+              <a:t>O</a:t>
+            </a:r>
+          </a:p>
+        </p:txBody>
+      </p:sp>
+    </p:spTree>
+    <p:extLst>
+      <p:ext uri="{BB962C8B-B14F-4D97-AF65-F5344CB8AC3E}">
+        <p14:creationId xmlns:p14="http://schemas.microsoft.com/office/powerpoint/2010/main" val="866706748"/>
       </p:ext>
     </p:extLst>
   </p:cSld>
